--- a/asset/Learn_ja/ITA-CICD_for_lac_ja.pptx
+++ b/asset/Learn_ja/ITA-CICD_for_lac_ja.pptx
@@ -2,30 +2,30 @@
 <file path=ppt/presentation.xml><?xml version="1.0" encoding="utf-8"?>
 <p:presentation xmlns:a="http://schemas.openxmlformats.org/drawingml/2006/main" xmlns:r="http://schemas.openxmlformats.org/officeDocument/2006/relationships" xmlns:p="http://schemas.openxmlformats.org/presentationml/2006/main" removePersonalInfoOnSave="1" strictFirstAndLastChars="0" saveSubsetFonts="1" autoCompressPictures="0">
   <p:sldMasterIdLst>
-    <p:sldMasterId id="2147483657" r:id="rId1"/>
-    <p:sldMasterId id="2147483703" r:id="rId2"/>
+    <p:sldMasterId id="2147483657" r:id="rId4"/>
+    <p:sldMasterId id="2147483703" r:id="rId5"/>
   </p:sldMasterIdLst>
   <p:notesMasterIdLst>
-    <p:notesMasterId r:id="rId17"/>
+    <p:notesMasterId r:id="rId20"/>
   </p:notesMasterIdLst>
   <p:handoutMasterIdLst>
-    <p:handoutMasterId r:id="rId18"/>
+    <p:handoutMasterId r:id="rId21"/>
   </p:handoutMasterIdLst>
   <p:sldIdLst>
-    <p:sldId id="262" r:id="rId3"/>
-    <p:sldId id="507" r:id="rId4"/>
-    <p:sldId id="508" r:id="rId5"/>
-    <p:sldId id="699" r:id="rId6"/>
-    <p:sldId id="681" r:id="rId7"/>
-    <p:sldId id="644" r:id="rId8"/>
-    <p:sldId id="703" r:id="rId9"/>
-    <p:sldId id="689" r:id="rId10"/>
-    <p:sldId id="700" r:id="rId11"/>
-    <p:sldId id="691" r:id="rId12"/>
-    <p:sldId id="692" r:id="rId13"/>
-    <p:sldId id="701" r:id="rId14"/>
-    <p:sldId id="688" r:id="rId15"/>
-    <p:sldId id="318" r:id="rId16"/>
+    <p:sldId id="262" r:id="rId6"/>
+    <p:sldId id="507" r:id="rId7"/>
+    <p:sldId id="508" r:id="rId8"/>
+    <p:sldId id="699" r:id="rId9"/>
+    <p:sldId id="681" r:id="rId10"/>
+    <p:sldId id="644" r:id="rId11"/>
+    <p:sldId id="703" r:id="rId12"/>
+    <p:sldId id="689" r:id="rId13"/>
+    <p:sldId id="704" r:id="rId14"/>
+    <p:sldId id="691" r:id="rId15"/>
+    <p:sldId id="692" r:id="rId16"/>
+    <p:sldId id="701" r:id="rId17"/>
+    <p:sldId id="688" r:id="rId18"/>
+    <p:sldId id="318" r:id="rId19"/>
   </p:sldIdLst>
   <p:sldSz cx="9144000" cy="6858000" type="screen4x3"/>
   <p:notesSz cx="6807200" cy="9939338"/>
@@ -270,7 +270,7 @@
               <a:rPr kumimoji="1" lang="ja-JP" altLang="en-US" smtClean="0">
                 <a:ea typeface="メイリオ" panose="020B0604030504040204" pitchFamily="50" charset="-128"/>
               </a:rPr>
-              <a:t>2021/9/24</a:t>
+              <a:t>2022/1/14</a:t>
             </a:fld>
             <a:endParaRPr kumimoji="1" lang="ja-JP" altLang="en-US" dirty="0">
               <a:ea typeface="メイリオ" panose="020B0604030504040204" pitchFamily="50" charset="-128"/>
@@ -416,7 +416,7 @@
             <a:fld id="{4B26993D-C081-44EB-B0F5-A9F467792B62}" type="datetimeFigureOut">
               <a:rPr lang="ja-JP" altLang="en-US" smtClean="0"/>
               <a:pPr/>
-              <a:t>2021/9/24</a:t>
+              <a:t>2022/1/14</a:t>
             </a:fld>
             <a:endParaRPr lang="ja-JP" altLang="en-US" dirty="0"/>
           </a:p>
@@ -1039,7 +1039,7 @@
           <a:p>
             <a:fld id="{56F9016B-CCA6-43BE-8BEE-59565A35F4F7}" type="datetimeFigureOut">
               <a:rPr kumimoji="1" lang="ja-JP" altLang="en-US" smtClean="0"/>
-              <a:t>2021/9/24</a:t>
+              <a:t>2022/1/14</a:t>
             </a:fld>
             <a:endParaRPr kumimoji="1" lang="ja-JP" altLang="en-US"/>
           </a:p>
@@ -1241,7 +1241,7 @@
           <a:p>
             <a:fld id="{56F9016B-CCA6-43BE-8BEE-59565A35F4F7}" type="datetimeFigureOut">
               <a:rPr kumimoji="1" lang="ja-JP" altLang="en-US" smtClean="0"/>
-              <a:t>2021/9/24</a:t>
+              <a:t>2022/1/14</a:t>
             </a:fld>
             <a:endParaRPr kumimoji="1" lang="ja-JP" altLang="en-US"/>
           </a:p>
@@ -1487,7 +1487,7 @@
           <a:p>
             <a:fld id="{56F9016B-CCA6-43BE-8BEE-59565A35F4F7}" type="datetimeFigureOut">
               <a:rPr kumimoji="1" lang="ja-JP" altLang="en-US" smtClean="0"/>
-              <a:t>2021/9/24</a:t>
+              <a:t>2022/1/14</a:t>
             </a:fld>
             <a:endParaRPr kumimoji="1" lang="ja-JP" altLang="en-US"/>
           </a:p>
@@ -1783,7 +1783,7 @@
           <a:p>
             <a:fld id="{56F9016B-CCA6-43BE-8BEE-59565A35F4F7}" type="datetimeFigureOut">
               <a:rPr kumimoji="1" lang="ja-JP" altLang="en-US" smtClean="0"/>
-              <a:t>2021/9/24</a:t>
+              <a:t>2022/1/14</a:t>
             </a:fld>
             <a:endParaRPr kumimoji="1" lang="ja-JP" altLang="en-US"/>
           </a:p>
@@ -2214,7 +2214,7 @@
           <a:p>
             <a:fld id="{56F9016B-CCA6-43BE-8BEE-59565A35F4F7}" type="datetimeFigureOut">
               <a:rPr kumimoji="1" lang="ja-JP" altLang="en-US" smtClean="0"/>
-              <a:t>2021/9/24</a:t>
+              <a:t>2022/1/14</a:t>
             </a:fld>
             <a:endParaRPr kumimoji="1" lang="ja-JP" altLang="en-US"/>
           </a:p>
@@ -2332,7 +2332,7 @@
           <a:p>
             <a:fld id="{56F9016B-CCA6-43BE-8BEE-59565A35F4F7}" type="datetimeFigureOut">
               <a:rPr kumimoji="1" lang="ja-JP" altLang="en-US" smtClean="0"/>
-              <a:t>2021/9/24</a:t>
+              <a:t>2022/1/14</a:t>
             </a:fld>
             <a:endParaRPr kumimoji="1" lang="ja-JP" altLang="en-US"/>
           </a:p>
@@ -2427,7 +2427,7 @@
           <a:p>
             <a:fld id="{56F9016B-CCA6-43BE-8BEE-59565A35F4F7}" type="datetimeFigureOut">
               <a:rPr kumimoji="1" lang="ja-JP" altLang="en-US" smtClean="0"/>
-              <a:t>2021/9/24</a:t>
+              <a:t>2022/1/14</a:t>
             </a:fld>
             <a:endParaRPr kumimoji="1" lang="ja-JP" altLang="en-US"/>
           </a:p>
@@ -2736,7 +2736,7 @@
           <a:p>
             <a:fld id="{56F9016B-CCA6-43BE-8BEE-59565A35F4F7}" type="datetimeFigureOut">
               <a:rPr kumimoji="1" lang="ja-JP" altLang="en-US" smtClean="0"/>
-              <a:t>2021/9/24</a:t>
+              <a:t>2022/1/14</a:t>
             </a:fld>
             <a:endParaRPr kumimoji="1" lang="ja-JP" altLang="en-US"/>
           </a:p>
@@ -2989,7 +2989,7 @@
           <a:p>
             <a:fld id="{56F9016B-CCA6-43BE-8BEE-59565A35F4F7}" type="datetimeFigureOut">
               <a:rPr kumimoji="1" lang="ja-JP" altLang="en-US" smtClean="0"/>
-              <a:t>2021/9/24</a:t>
+              <a:t>2022/1/14</a:t>
             </a:fld>
             <a:endParaRPr kumimoji="1" lang="ja-JP" altLang="en-US"/>
           </a:p>
@@ -3266,7 +3266,7 @@
           <a:p>
             <a:fld id="{56F9016B-CCA6-43BE-8BEE-59565A35F4F7}" type="datetimeFigureOut">
               <a:rPr kumimoji="1" lang="ja-JP" altLang="en-US" smtClean="0"/>
-              <a:t>2021/9/24</a:t>
+              <a:t>2022/1/14</a:t>
             </a:fld>
             <a:endParaRPr kumimoji="1" lang="ja-JP" altLang="en-US"/>
           </a:p>
@@ -3478,7 +3478,7 @@
           <a:p>
             <a:fld id="{56F9016B-CCA6-43BE-8BEE-59565A35F4F7}" type="datetimeFigureOut">
               <a:rPr kumimoji="1" lang="ja-JP" altLang="en-US" smtClean="0"/>
-              <a:t>2021/9/24</a:t>
+              <a:t>2022/1/14</a:t>
             </a:fld>
             <a:endParaRPr kumimoji="1" lang="ja-JP" altLang="en-US"/>
           </a:p>
@@ -6537,7 +6537,7 @@
           <a:p>
             <a:fld id="{56F9016B-CCA6-43BE-8BEE-59565A35F4F7}" type="datetimeFigureOut">
               <a:rPr kumimoji="1" lang="ja-JP" altLang="en-US" smtClean="0"/>
-              <a:t>2021/9/24</a:t>
+              <a:t>2022/1/14</a:t>
             </a:fld>
             <a:endParaRPr kumimoji="1" lang="ja-JP" altLang="en-US"/>
           </a:p>
@@ -6979,7 +6979,7 @@
             </a:r>
             <a:r>
               <a:rPr lang="en-US" altLang="ja-JP" dirty="0" smtClean="0"/>
-              <a:t>1.8</a:t>
+              <a:t>1.9</a:t>
             </a:r>
           </a:p>
           <a:p>
@@ -10423,34 +10423,67 @@
       </p:sp>
       <p:pic>
         <p:nvPicPr>
-          <p:cNvPr id="6" name="図 5"/>
+          <p:cNvPr id="4" name="図 3"/>
           <p:cNvPicPr>
             <a:picLocks noChangeAspect="1"/>
           </p:cNvPicPr>
           <p:nvPr/>
         </p:nvPicPr>
         <p:blipFill>
-          <a:blip r:embed="rId2">
-            <a:extLst>
-              <a:ext uri="{28A0092B-C50C-407E-A947-70E740481C1C}">
-                <a14:useLocalDpi xmlns:a14="http://schemas.microsoft.com/office/drawing/2010/main" val="0"/>
-              </a:ext>
-            </a:extLst>
-          </a:blip>
+          <a:blip r:embed="rId2"/>
           <a:stretch>
             <a:fillRect/>
           </a:stretch>
         </p:blipFill>
         <p:spPr>
           <a:xfrm>
-            <a:off x="179267" y="2031571"/>
-            <a:ext cx="8604560" cy="4351628"/>
+            <a:off x="213157" y="2073337"/>
+            <a:ext cx="8640573" cy="4222098"/>
           </a:xfrm>
           <a:prstGeom prst="rect">
             <a:avLst/>
           </a:prstGeom>
         </p:spPr>
       </p:pic>
+      <p:sp>
+        <p:nvSpPr>
+          <p:cNvPr id="7" name="正方形/長方形 6"/>
+          <p:cNvSpPr/>
+          <p:nvPr/>
+        </p:nvSpPr>
+        <p:spPr bwMode="auto">
+          <a:xfrm>
+            <a:off x="2339690" y="4509150"/>
+            <a:ext cx="648090" cy="714295"/>
+          </a:xfrm>
+          <a:prstGeom prst="rect">
+            <a:avLst/>
+          </a:prstGeom>
+          <a:noFill/>
+          <a:ln w="25400">
+            <a:solidFill>
+              <a:srgbClr val="FF0000"/>
+            </a:solidFill>
+          </a:ln>
+          <a:effectLst/>
+          <a:extLst/>
+        </p:spPr>
+        <p:txBody>
+          <a:bodyPr rot="0" spcFirstLastPara="0" vertOverflow="overflow" horzOverflow="overflow" vert="horz" wrap="none" lIns="72000" tIns="72000" rIns="72000" bIns="72000" numCol="1" spcCol="0" rtlCol="0" fromWordArt="0" anchor="ctr" anchorCtr="0" forceAA="0" compatLnSpc="1">
+            <a:prstTxWarp prst="textNoShape">
+              <a:avLst/>
+            </a:prstTxWarp>
+            <a:noAutofit/>
+          </a:bodyPr>
+          <a:lstStyle/>
+          <a:p>
+            <a:pPr algn="ctr"/>
+            <a:endParaRPr kumimoji="1" lang="ja-JP" altLang="en-US" sz="1200" b="1" dirty="0" smtClean="0">
+              <a:latin typeface="+mn-ea"/>
+            </a:endParaRPr>
+          </a:p>
+        </p:txBody>
+      </p:sp>
     </p:spTree>
     <p:extLst>
       <p:ext uri="{BB962C8B-B14F-4D97-AF65-F5344CB8AC3E}">
@@ -11718,7 +11751,7 @@
         <p:spPr>
           <a:xfrm>
             <a:off x="2691359" y="1531554"/>
-            <a:ext cx="6266310" cy="2492990"/>
+            <a:ext cx="6266310" cy="2431435"/>
           </a:xfrm>
           <a:prstGeom prst="rect">
             <a:avLst/>
@@ -11807,8 +11840,19 @@
               <a:t>アカウント</a:t>
             </a:r>
             <a:r>
+              <a:rPr lang="en-US" altLang="ja-JP" sz="1600" dirty="0" smtClean="0"/>
+              <a:t/>
+            </a:r>
+            <a:br>
+              <a:rPr lang="en-US" altLang="ja-JP" sz="1600" dirty="0" smtClean="0"/>
+            </a:br>
+            <a:r>
+              <a:rPr lang="ja-JP" altLang="en-US" sz="1600" dirty="0" smtClean="0"/>
+              <a:t>　情報</a:t>
+            </a:r>
+            <a:r>
               <a:rPr lang="ja-JP" altLang="en-US" sz="1600" dirty="0"/>
-              <a:t>情報を</a:t>
+              <a:t>を</a:t>
             </a:r>
             <a:r>
               <a:rPr lang="ja-JP" altLang="en-US" sz="1600" dirty="0" smtClean="0"/>
@@ -12100,6 +12144,54 @@
           <a:chExt cx="0" cy="0"/>
         </a:xfrm>
       </p:grpSpPr>
+      <p:pic>
+        <p:nvPicPr>
+          <p:cNvPr id="8" name="図 7"/>
+          <p:cNvPicPr>
+            <a:picLocks noChangeAspect="1"/>
+          </p:cNvPicPr>
+          <p:nvPr/>
+        </p:nvPicPr>
+        <p:blipFill>
+          <a:blip r:embed="rId2"/>
+          <a:stretch>
+            <a:fillRect/>
+          </a:stretch>
+        </p:blipFill>
+        <p:spPr>
+          <a:xfrm>
+            <a:off x="264731" y="4456196"/>
+            <a:ext cx="8537339" cy="960570"/>
+          </a:xfrm>
+          <a:prstGeom prst="rect">
+            <a:avLst/>
+          </a:prstGeom>
+        </p:spPr>
+      </p:pic>
+      <p:pic>
+        <p:nvPicPr>
+          <p:cNvPr id="7" name="図 6"/>
+          <p:cNvPicPr>
+            <a:picLocks noChangeAspect="1"/>
+          </p:cNvPicPr>
+          <p:nvPr/>
+        </p:nvPicPr>
+        <p:blipFill>
+          <a:blip r:embed="rId3"/>
+          <a:stretch>
+            <a:fillRect/>
+          </a:stretch>
+        </p:blipFill>
+        <p:spPr>
+          <a:xfrm>
+            <a:off x="264731" y="2962044"/>
+            <a:ext cx="8537339" cy="960571"/>
+          </a:xfrm>
+          <a:prstGeom prst="rect">
+            <a:avLst/>
+          </a:prstGeom>
+        </p:spPr>
+      </p:pic>
       <p:sp>
         <p:nvSpPr>
           <p:cNvPr id="2" name="タイトル 1"/>
@@ -12206,54 +12298,6 @@
           </a:p>
         </p:txBody>
       </p:sp>
-      <p:pic>
-        <p:nvPicPr>
-          <p:cNvPr id="5" name="図 4"/>
-          <p:cNvPicPr>
-            <a:picLocks noChangeAspect="1"/>
-          </p:cNvPicPr>
-          <p:nvPr/>
-        </p:nvPicPr>
-        <p:blipFill>
-          <a:blip r:embed="rId2"/>
-          <a:stretch>
-            <a:fillRect/>
-          </a:stretch>
-        </p:blipFill>
-        <p:spPr>
-          <a:xfrm>
-            <a:off x="395419" y="4221110"/>
-            <a:ext cx="8318964" cy="1028393"/>
-          </a:xfrm>
-          <a:prstGeom prst="rect">
-            <a:avLst/>
-          </a:prstGeom>
-        </p:spPr>
-      </p:pic>
-      <p:pic>
-        <p:nvPicPr>
-          <p:cNvPr id="6" name="図 5"/>
-          <p:cNvPicPr>
-            <a:picLocks noChangeAspect="1"/>
-          </p:cNvPicPr>
-          <p:nvPr/>
-        </p:nvPicPr>
-        <p:blipFill>
-          <a:blip r:embed="rId3"/>
-          <a:stretch>
-            <a:fillRect/>
-          </a:stretch>
-        </p:blipFill>
-        <p:spPr>
-          <a:xfrm>
-            <a:off x="226804" y="2636890"/>
-            <a:ext cx="8656195" cy="1260079"/>
-          </a:xfrm>
-          <a:prstGeom prst="rect">
-            <a:avLst/>
-          </a:prstGeom>
-        </p:spPr>
-      </p:pic>
       <p:sp>
         <p:nvSpPr>
           <p:cNvPr id="13" name="角丸四角形吹き出し 12"/>
@@ -12262,16 +12306,241 @@
         </p:nvSpPr>
         <p:spPr bwMode="auto">
           <a:xfrm>
-            <a:off x="1187530" y="1615781"/>
-            <a:ext cx="2304320" cy="576080"/>
+            <a:off x="703174" y="2188997"/>
+            <a:ext cx="2304320" cy="885884"/>
           </a:xfrm>
-          <a:prstGeom prst="wedgeRoundRectCallout">
-            <a:avLst>
-              <a:gd name="adj1" fmla="val -16124"/>
-              <a:gd name="adj2" fmla="val 158341"/>
-              <a:gd name="adj3" fmla="val 16667"/>
-            </a:avLst>
-          </a:prstGeom>
+          <a:custGeom>
+            <a:avLst/>
+            <a:gdLst>
+              <a:gd name="connsiteX0" fmla="*/ 0 w 2304320"/>
+              <a:gd name="connsiteY0" fmla="*/ 96015 h 576080"/>
+              <a:gd name="connsiteX1" fmla="*/ 96015 w 2304320"/>
+              <a:gd name="connsiteY1" fmla="*/ 0 h 576080"/>
+              <a:gd name="connsiteX2" fmla="*/ 384053 w 2304320"/>
+              <a:gd name="connsiteY2" fmla="*/ 0 h 576080"/>
+              <a:gd name="connsiteX3" fmla="*/ 384053 w 2304320"/>
+              <a:gd name="connsiteY3" fmla="*/ 0 h 576080"/>
+              <a:gd name="connsiteX4" fmla="*/ 960133 w 2304320"/>
+              <a:gd name="connsiteY4" fmla="*/ 0 h 576080"/>
+              <a:gd name="connsiteX5" fmla="*/ 2208305 w 2304320"/>
+              <a:gd name="connsiteY5" fmla="*/ 0 h 576080"/>
+              <a:gd name="connsiteX6" fmla="*/ 2304320 w 2304320"/>
+              <a:gd name="connsiteY6" fmla="*/ 96015 h 576080"/>
+              <a:gd name="connsiteX7" fmla="*/ 2304320 w 2304320"/>
+              <a:gd name="connsiteY7" fmla="*/ 336047 h 576080"/>
+              <a:gd name="connsiteX8" fmla="*/ 2304320 w 2304320"/>
+              <a:gd name="connsiteY8" fmla="*/ 336047 h 576080"/>
+              <a:gd name="connsiteX9" fmla="*/ 2304320 w 2304320"/>
+              <a:gd name="connsiteY9" fmla="*/ 480067 h 576080"/>
+              <a:gd name="connsiteX10" fmla="*/ 2304320 w 2304320"/>
+              <a:gd name="connsiteY10" fmla="*/ 480065 h 576080"/>
+              <a:gd name="connsiteX11" fmla="*/ 2208305 w 2304320"/>
+              <a:gd name="connsiteY11" fmla="*/ 576080 h 576080"/>
+              <a:gd name="connsiteX12" fmla="*/ 960133 w 2304320"/>
+              <a:gd name="connsiteY12" fmla="*/ 576080 h 576080"/>
+              <a:gd name="connsiteX13" fmla="*/ 713947 w 2304320"/>
+              <a:gd name="connsiteY13" fmla="*/ 885884 h 576080"/>
+              <a:gd name="connsiteX14" fmla="*/ 384053 w 2304320"/>
+              <a:gd name="connsiteY14" fmla="*/ 576080 h 576080"/>
+              <a:gd name="connsiteX15" fmla="*/ 96015 w 2304320"/>
+              <a:gd name="connsiteY15" fmla="*/ 576080 h 576080"/>
+              <a:gd name="connsiteX16" fmla="*/ 0 w 2304320"/>
+              <a:gd name="connsiteY16" fmla="*/ 480065 h 576080"/>
+              <a:gd name="connsiteX17" fmla="*/ 0 w 2304320"/>
+              <a:gd name="connsiteY17" fmla="*/ 480067 h 576080"/>
+              <a:gd name="connsiteX18" fmla="*/ 0 w 2304320"/>
+              <a:gd name="connsiteY18" fmla="*/ 336047 h 576080"/>
+              <a:gd name="connsiteX19" fmla="*/ 0 w 2304320"/>
+              <a:gd name="connsiteY19" fmla="*/ 336047 h 576080"/>
+              <a:gd name="connsiteX20" fmla="*/ 0 w 2304320"/>
+              <a:gd name="connsiteY20" fmla="*/ 96015 h 576080"/>
+              <a:gd name="connsiteX0" fmla="*/ 0 w 2304320"/>
+              <a:gd name="connsiteY0" fmla="*/ 96015 h 885884"/>
+              <a:gd name="connsiteX1" fmla="*/ 96015 w 2304320"/>
+              <a:gd name="connsiteY1" fmla="*/ 0 h 885884"/>
+              <a:gd name="connsiteX2" fmla="*/ 384053 w 2304320"/>
+              <a:gd name="connsiteY2" fmla="*/ 0 h 885884"/>
+              <a:gd name="connsiteX3" fmla="*/ 384053 w 2304320"/>
+              <a:gd name="connsiteY3" fmla="*/ 0 h 885884"/>
+              <a:gd name="connsiteX4" fmla="*/ 960133 w 2304320"/>
+              <a:gd name="connsiteY4" fmla="*/ 0 h 885884"/>
+              <a:gd name="connsiteX5" fmla="*/ 2208305 w 2304320"/>
+              <a:gd name="connsiteY5" fmla="*/ 0 h 885884"/>
+              <a:gd name="connsiteX6" fmla="*/ 2304320 w 2304320"/>
+              <a:gd name="connsiteY6" fmla="*/ 96015 h 885884"/>
+              <a:gd name="connsiteX7" fmla="*/ 2304320 w 2304320"/>
+              <a:gd name="connsiteY7" fmla="*/ 336047 h 885884"/>
+              <a:gd name="connsiteX8" fmla="*/ 2304320 w 2304320"/>
+              <a:gd name="connsiteY8" fmla="*/ 336047 h 885884"/>
+              <a:gd name="connsiteX9" fmla="*/ 2304320 w 2304320"/>
+              <a:gd name="connsiteY9" fmla="*/ 480067 h 885884"/>
+              <a:gd name="connsiteX10" fmla="*/ 2304320 w 2304320"/>
+              <a:gd name="connsiteY10" fmla="*/ 480065 h 885884"/>
+              <a:gd name="connsiteX11" fmla="*/ 2208305 w 2304320"/>
+              <a:gd name="connsiteY11" fmla="*/ 576080 h 885884"/>
+              <a:gd name="connsiteX12" fmla="*/ 702958 w 2304320"/>
+              <a:gd name="connsiteY12" fmla="*/ 576080 h 885884"/>
+              <a:gd name="connsiteX13" fmla="*/ 713947 w 2304320"/>
+              <a:gd name="connsiteY13" fmla="*/ 885884 h 885884"/>
+              <a:gd name="connsiteX14" fmla="*/ 384053 w 2304320"/>
+              <a:gd name="connsiteY14" fmla="*/ 576080 h 885884"/>
+              <a:gd name="connsiteX15" fmla="*/ 96015 w 2304320"/>
+              <a:gd name="connsiteY15" fmla="*/ 576080 h 885884"/>
+              <a:gd name="connsiteX16" fmla="*/ 0 w 2304320"/>
+              <a:gd name="connsiteY16" fmla="*/ 480065 h 885884"/>
+              <a:gd name="connsiteX17" fmla="*/ 0 w 2304320"/>
+              <a:gd name="connsiteY17" fmla="*/ 480067 h 885884"/>
+              <a:gd name="connsiteX18" fmla="*/ 0 w 2304320"/>
+              <a:gd name="connsiteY18" fmla="*/ 336047 h 885884"/>
+              <a:gd name="connsiteX19" fmla="*/ 0 w 2304320"/>
+              <a:gd name="connsiteY19" fmla="*/ 336047 h 885884"/>
+              <a:gd name="connsiteX20" fmla="*/ 0 w 2304320"/>
+              <a:gd name="connsiteY20" fmla="*/ 96015 h 885884"/>
+            </a:gdLst>
+            <a:ahLst/>
+            <a:cxnLst>
+              <a:cxn ang="0">
+                <a:pos x="connsiteX0" y="connsiteY0"/>
+              </a:cxn>
+              <a:cxn ang="0">
+                <a:pos x="connsiteX1" y="connsiteY1"/>
+              </a:cxn>
+              <a:cxn ang="0">
+                <a:pos x="connsiteX2" y="connsiteY2"/>
+              </a:cxn>
+              <a:cxn ang="0">
+                <a:pos x="connsiteX3" y="connsiteY3"/>
+              </a:cxn>
+              <a:cxn ang="0">
+                <a:pos x="connsiteX4" y="connsiteY4"/>
+              </a:cxn>
+              <a:cxn ang="0">
+                <a:pos x="connsiteX5" y="connsiteY5"/>
+              </a:cxn>
+              <a:cxn ang="0">
+                <a:pos x="connsiteX6" y="connsiteY6"/>
+              </a:cxn>
+              <a:cxn ang="0">
+                <a:pos x="connsiteX7" y="connsiteY7"/>
+              </a:cxn>
+              <a:cxn ang="0">
+                <a:pos x="connsiteX8" y="connsiteY8"/>
+              </a:cxn>
+              <a:cxn ang="0">
+                <a:pos x="connsiteX9" y="connsiteY9"/>
+              </a:cxn>
+              <a:cxn ang="0">
+                <a:pos x="connsiteX10" y="connsiteY10"/>
+              </a:cxn>
+              <a:cxn ang="0">
+                <a:pos x="connsiteX11" y="connsiteY11"/>
+              </a:cxn>
+              <a:cxn ang="0">
+                <a:pos x="connsiteX12" y="connsiteY12"/>
+              </a:cxn>
+              <a:cxn ang="0">
+                <a:pos x="connsiteX13" y="connsiteY13"/>
+              </a:cxn>
+              <a:cxn ang="0">
+                <a:pos x="connsiteX14" y="connsiteY14"/>
+              </a:cxn>
+              <a:cxn ang="0">
+                <a:pos x="connsiteX15" y="connsiteY15"/>
+              </a:cxn>
+              <a:cxn ang="0">
+                <a:pos x="connsiteX16" y="connsiteY16"/>
+              </a:cxn>
+              <a:cxn ang="0">
+                <a:pos x="connsiteX17" y="connsiteY17"/>
+              </a:cxn>
+              <a:cxn ang="0">
+                <a:pos x="connsiteX18" y="connsiteY18"/>
+              </a:cxn>
+              <a:cxn ang="0">
+                <a:pos x="connsiteX19" y="connsiteY19"/>
+              </a:cxn>
+              <a:cxn ang="0">
+                <a:pos x="connsiteX20" y="connsiteY20"/>
+              </a:cxn>
+            </a:cxnLst>
+            <a:rect l="l" t="t" r="r" b="b"/>
+            <a:pathLst>
+              <a:path w="2304320" h="885884">
+                <a:moveTo>
+                  <a:pt x="0" y="96015"/>
+                </a:moveTo>
+                <a:cubicBezTo>
+                  <a:pt x="0" y="42987"/>
+                  <a:pt x="42987" y="0"/>
+                  <a:pt x="96015" y="0"/>
+                </a:cubicBezTo>
+                <a:lnTo>
+                  <a:pt x="384053" y="0"/>
+                </a:lnTo>
+                <a:lnTo>
+                  <a:pt x="384053" y="0"/>
+                </a:lnTo>
+                <a:lnTo>
+                  <a:pt x="960133" y="0"/>
+                </a:lnTo>
+                <a:lnTo>
+                  <a:pt x="2208305" y="0"/>
+                </a:lnTo>
+                <a:cubicBezTo>
+                  <a:pt x="2261333" y="0"/>
+                  <a:pt x="2304320" y="42987"/>
+                  <a:pt x="2304320" y="96015"/>
+                </a:cubicBezTo>
+                <a:lnTo>
+                  <a:pt x="2304320" y="336047"/>
+                </a:lnTo>
+                <a:lnTo>
+                  <a:pt x="2304320" y="336047"/>
+                </a:lnTo>
+                <a:lnTo>
+                  <a:pt x="2304320" y="480067"/>
+                </a:lnTo>
+                <a:lnTo>
+                  <a:pt x="2304320" y="480065"/>
+                </a:lnTo>
+                <a:cubicBezTo>
+                  <a:pt x="2304320" y="533093"/>
+                  <a:pt x="2261333" y="576080"/>
+                  <a:pt x="2208305" y="576080"/>
+                </a:cubicBezTo>
+                <a:lnTo>
+                  <a:pt x="702958" y="576080"/>
+                </a:lnTo>
+                <a:lnTo>
+                  <a:pt x="713947" y="885884"/>
+                </a:lnTo>
+                <a:lnTo>
+                  <a:pt x="384053" y="576080"/>
+                </a:lnTo>
+                <a:lnTo>
+                  <a:pt x="96015" y="576080"/>
+                </a:lnTo>
+                <a:cubicBezTo>
+                  <a:pt x="42987" y="576080"/>
+                  <a:pt x="0" y="533093"/>
+                  <a:pt x="0" y="480065"/>
+                </a:cubicBezTo>
+                <a:lnTo>
+                  <a:pt x="0" y="480067"/>
+                </a:lnTo>
+                <a:lnTo>
+                  <a:pt x="0" y="336047"/>
+                </a:lnTo>
+                <a:lnTo>
+                  <a:pt x="0" y="336047"/>
+                </a:lnTo>
+                <a:lnTo>
+                  <a:pt x="0" y="96015"/>
+                </a:lnTo>
+                <a:close/>
+              </a:path>
+            </a:pathLst>
+          </a:custGeom>
           <a:noFill/>
           <a:ln w="12700">
             <a:solidFill>
@@ -12351,16 +12620,283 @@
         </p:nvSpPr>
         <p:spPr bwMode="auto">
           <a:xfrm>
-            <a:off x="3779768" y="1615781"/>
-            <a:ext cx="4896802" cy="576080"/>
+            <a:off x="3131800" y="1844780"/>
+            <a:ext cx="5435859" cy="1251724"/>
           </a:xfrm>
-          <a:prstGeom prst="wedgeRoundRectCallout">
-            <a:avLst>
-              <a:gd name="adj1" fmla="val -39649"/>
-              <a:gd name="adj2" fmla="val 159475"/>
-              <a:gd name="adj3" fmla="val 16667"/>
-            </a:avLst>
-          </a:prstGeom>
+          <a:custGeom>
+            <a:avLst/>
+            <a:gdLst>
+              <a:gd name="connsiteX0" fmla="*/ 0 w 4896802"/>
+              <a:gd name="connsiteY0" fmla="*/ 136820 h 820902"/>
+              <a:gd name="connsiteX1" fmla="*/ 136820 w 4896802"/>
+              <a:gd name="connsiteY1" fmla="*/ 0 h 820902"/>
+              <a:gd name="connsiteX2" fmla="*/ 816134 w 4896802"/>
+              <a:gd name="connsiteY2" fmla="*/ 0 h 820902"/>
+              <a:gd name="connsiteX3" fmla="*/ 816134 w 4896802"/>
+              <a:gd name="connsiteY3" fmla="*/ 0 h 820902"/>
+              <a:gd name="connsiteX4" fmla="*/ 2040334 w 4896802"/>
+              <a:gd name="connsiteY4" fmla="*/ 0 h 820902"/>
+              <a:gd name="connsiteX5" fmla="*/ 4759982 w 4896802"/>
+              <a:gd name="connsiteY5" fmla="*/ 0 h 820902"/>
+              <a:gd name="connsiteX6" fmla="*/ 4896802 w 4896802"/>
+              <a:gd name="connsiteY6" fmla="*/ 136820 h 820902"/>
+              <a:gd name="connsiteX7" fmla="*/ 4896802 w 4896802"/>
+              <a:gd name="connsiteY7" fmla="*/ 478860 h 820902"/>
+              <a:gd name="connsiteX8" fmla="*/ 4896802 w 4896802"/>
+              <a:gd name="connsiteY8" fmla="*/ 478860 h 820902"/>
+              <a:gd name="connsiteX9" fmla="*/ 4896802 w 4896802"/>
+              <a:gd name="connsiteY9" fmla="*/ 684085 h 820902"/>
+              <a:gd name="connsiteX10" fmla="*/ 4896802 w 4896802"/>
+              <a:gd name="connsiteY10" fmla="*/ 684082 h 820902"/>
+              <a:gd name="connsiteX11" fmla="*/ 4759982 w 4896802"/>
+              <a:gd name="connsiteY11" fmla="*/ 820902 h 820902"/>
+              <a:gd name="connsiteX12" fmla="*/ 2040334 w 4896802"/>
+              <a:gd name="connsiteY12" fmla="*/ 820902 h 820902"/>
+              <a:gd name="connsiteX13" fmla="*/ 1030777 w 4896802"/>
+              <a:gd name="connsiteY13" fmla="*/ 1148081 h 820902"/>
+              <a:gd name="connsiteX14" fmla="*/ 816134 w 4896802"/>
+              <a:gd name="connsiteY14" fmla="*/ 820902 h 820902"/>
+              <a:gd name="connsiteX15" fmla="*/ 136820 w 4896802"/>
+              <a:gd name="connsiteY15" fmla="*/ 820902 h 820902"/>
+              <a:gd name="connsiteX16" fmla="*/ 0 w 4896802"/>
+              <a:gd name="connsiteY16" fmla="*/ 684082 h 820902"/>
+              <a:gd name="connsiteX17" fmla="*/ 0 w 4896802"/>
+              <a:gd name="connsiteY17" fmla="*/ 684085 h 820902"/>
+              <a:gd name="connsiteX18" fmla="*/ 0 w 4896802"/>
+              <a:gd name="connsiteY18" fmla="*/ 478860 h 820902"/>
+              <a:gd name="connsiteX19" fmla="*/ 0 w 4896802"/>
+              <a:gd name="connsiteY19" fmla="*/ 478860 h 820902"/>
+              <a:gd name="connsiteX20" fmla="*/ 0 w 4896802"/>
+              <a:gd name="connsiteY20" fmla="*/ 136820 h 820902"/>
+              <a:gd name="connsiteX0" fmla="*/ 0 w 4896802"/>
+              <a:gd name="connsiteY0" fmla="*/ 136820 h 1148081"/>
+              <a:gd name="connsiteX1" fmla="*/ 136820 w 4896802"/>
+              <a:gd name="connsiteY1" fmla="*/ 0 h 1148081"/>
+              <a:gd name="connsiteX2" fmla="*/ 816134 w 4896802"/>
+              <a:gd name="connsiteY2" fmla="*/ 0 h 1148081"/>
+              <a:gd name="connsiteX3" fmla="*/ 816134 w 4896802"/>
+              <a:gd name="connsiteY3" fmla="*/ 0 h 1148081"/>
+              <a:gd name="connsiteX4" fmla="*/ 2040334 w 4896802"/>
+              <a:gd name="connsiteY4" fmla="*/ 0 h 1148081"/>
+              <a:gd name="connsiteX5" fmla="*/ 4759982 w 4896802"/>
+              <a:gd name="connsiteY5" fmla="*/ 0 h 1148081"/>
+              <a:gd name="connsiteX6" fmla="*/ 4896802 w 4896802"/>
+              <a:gd name="connsiteY6" fmla="*/ 136820 h 1148081"/>
+              <a:gd name="connsiteX7" fmla="*/ 4896802 w 4896802"/>
+              <a:gd name="connsiteY7" fmla="*/ 478860 h 1148081"/>
+              <a:gd name="connsiteX8" fmla="*/ 4896802 w 4896802"/>
+              <a:gd name="connsiteY8" fmla="*/ 478860 h 1148081"/>
+              <a:gd name="connsiteX9" fmla="*/ 4896802 w 4896802"/>
+              <a:gd name="connsiteY9" fmla="*/ 684085 h 1148081"/>
+              <a:gd name="connsiteX10" fmla="*/ 4896802 w 4896802"/>
+              <a:gd name="connsiteY10" fmla="*/ 684082 h 1148081"/>
+              <a:gd name="connsiteX11" fmla="*/ 4759982 w 4896802"/>
+              <a:gd name="connsiteY11" fmla="*/ 820902 h 1148081"/>
+              <a:gd name="connsiteX12" fmla="*/ 1183084 w 4896802"/>
+              <a:gd name="connsiteY12" fmla="*/ 820902 h 1148081"/>
+              <a:gd name="connsiteX13" fmla="*/ 1030777 w 4896802"/>
+              <a:gd name="connsiteY13" fmla="*/ 1148081 h 1148081"/>
+              <a:gd name="connsiteX14" fmla="*/ 816134 w 4896802"/>
+              <a:gd name="connsiteY14" fmla="*/ 820902 h 1148081"/>
+              <a:gd name="connsiteX15" fmla="*/ 136820 w 4896802"/>
+              <a:gd name="connsiteY15" fmla="*/ 820902 h 1148081"/>
+              <a:gd name="connsiteX16" fmla="*/ 0 w 4896802"/>
+              <a:gd name="connsiteY16" fmla="*/ 684082 h 1148081"/>
+              <a:gd name="connsiteX17" fmla="*/ 0 w 4896802"/>
+              <a:gd name="connsiteY17" fmla="*/ 684085 h 1148081"/>
+              <a:gd name="connsiteX18" fmla="*/ 0 w 4896802"/>
+              <a:gd name="connsiteY18" fmla="*/ 478860 h 1148081"/>
+              <a:gd name="connsiteX19" fmla="*/ 0 w 4896802"/>
+              <a:gd name="connsiteY19" fmla="*/ 478860 h 1148081"/>
+              <a:gd name="connsiteX20" fmla="*/ 0 w 4896802"/>
+              <a:gd name="connsiteY20" fmla="*/ 136820 h 1148081"/>
+              <a:gd name="connsiteX0" fmla="*/ 0 w 4896802"/>
+              <a:gd name="connsiteY0" fmla="*/ 136820 h 1148081"/>
+              <a:gd name="connsiteX1" fmla="*/ 136820 w 4896802"/>
+              <a:gd name="connsiteY1" fmla="*/ 0 h 1148081"/>
+              <a:gd name="connsiteX2" fmla="*/ 816134 w 4896802"/>
+              <a:gd name="connsiteY2" fmla="*/ 0 h 1148081"/>
+              <a:gd name="connsiteX3" fmla="*/ 816134 w 4896802"/>
+              <a:gd name="connsiteY3" fmla="*/ 0 h 1148081"/>
+              <a:gd name="connsiteX4" fmla="*/ 2040334 w 4896802"/>
+              <a:gd name="connsiteY4" fmla="*/ 0 h 1148081"/>
+              <a:gd name="connsiteX5" fmla="*/ 4759982 w 4896802"/>
+              <a:gd name="connsiteY5" fmla="*/ 0 h 1148081"/>
+              <a:gd name="connsiteX6" fmla="*/ 4896802 w 4896802"/>
+              <a:gd name="connsiteY6" fmla="*/ 136820 h 1148081"/>
+              <a:gd name="connsiteX7" fmla="*/ 4896802 w 4896802"/>
+              <a:gd name="connsiteY7" fmla="*/ 478860 h 1148081"/>
+              <a:gd name="connsiteX8" fmla="*/ 4896802 w 4896802"/>
+              <a:gd name="connsiteY8" fmla="*/ 478860 h 1148081"/>
+              <a:gd name="connsiteX9" fmla="*/ 4896802 w 4896802"/>
+              <a:gd name="connsiteY9" fmla="*/ 684085 h 1148081"/>
+              <a:gd name="connsiteX10" fmla="*/ 4896802 w 4896802"/>
+              <a:gd name="connsiteY10" fmla="*/ 684082 h 1148081"/>
+              <a:gd name="connsiteX11" fmla="*/ 4759982 w 4896802"/>
+              <a:gd name="connsiteY11" fmla="*/ 820902 h 1148081"/>
+              <a:gd name="connsiteX12" fmla="*/ 1076477 w 4896802"/>
+              <a:gd name="connsiteY12" fmla="*/ 820902 h 1148081"/>
+              <a:gd name="connsiteX13" fmla="*/ 1030777 w 4896802"/>
+              <a:gd name="connsiteY13" fmla="*/ 1148081 h 1148081"/>
+              <a:gd name="connsiteX14" fmla="*/ 816134 w 4896802"/>
+              <a:gd name="connsiteY14" fmla="*/ 820902 h 1148081"/>
+              <a:gd name="connsiteX15" fmla="*/ 136820 w 4896802"/>
+              <a:gd name="connsiteY15" fmla="*/ 820902 h 1148081"/>
+              <a:gd name="connsiteX16" fmla="*/ 0 w 4896802"/>
+              <a:gd name="connsiteY16" fmla="*/ 684082 h 1148081"/>
+              <a:gd name="connsiteX17" fmla="*/ 0 w 4896802"/>
+              <a:gd name="connsiteY17" fmla="*/ 684085 h 1148081"/>
+              <a:gd name="connsiteX18" fmla="*/ 0 w 4896802"/>
+              <a:gd name="connsiteY18" fmla="*/ 478860 h 1148081"/>
+              <a:gd name="connsiteX19" fmla="*/ 0 w 4896802"/>
+              <a:gd name="connsiteY19" fmla="*/ 478860 h 1148081"/>
+              <a:gd name="connsiteX20" fmla="*/ 0 w 4896802"/>
+              <a:gd name="connsiteY20" fmla="*/ 136820 h 1148081"/>
+            </a:gdLst>
+            <a:ahLst/>
+            <a:cxnLst>
+              <a:cxn ang="0">
+                <a:pos x="connsiteX0" y="connsiteY0"/>
+              </a:cxn>
+              <a:cxn ang="0">
+                <a:pos x="connsiteX1" y="connsiteY1"/>
+              </a:cxn>
+              <a:cxn ang="0">
+                <a:pos x="connsiteX2" y="connsiteY2"/>
+              </a:cxn>
+              <a:cxn ang="0">
+                <a:pos x="connsiteX3" y="connsiteY3"/>
+              </a:cxn>
+              <a:cxn ang="0">
+                <a:pos x="connsiteX4" y="connsiteY4"/>
+              </a:cxn>
+              <a:cxn ang="0">
+                <a:pos x="connsiteX5" y="connsiteY5"/>
+              </a:cxn>
+              <a:cxn ang="0">
+                <a:pos x="connsiteX6" y="connsiteY6"/>
+              </a:cxn>
+              <a:cxn ang="0">
+                <a:pos x="connsiteX7" y="connsiteY7"/>
+              </a:cxn>
+              <a:cxn ang="0">
+                <a:pos x="connsiteX8" y="connsiteY8"/>
+              </a:cxn>
+              <a:cxn ang="0">
+                <a:pos x="connsiteX9" y="connsiteY9"/>
+              </a:cxn>
+              <a:cxn ang="0">
+                <a:pos x="connsiteX10" y="connsiteY10"/>
+              </a:cxn>
+              <a:cxn ang="0">
+                <a:pos x="connsiteX11" y="connsiteY11"/>
+              </a:cxn>
+              <a:cxn ang="0">
+                <a:pos x="connsiteX12" y="connsiteY12"/>
+              </a:cxn>
+              <a:cxn ang="0">
+                <a:pos x="connsiteX13" y="connsiteY13"/>
+              </a:cxn>
+              <a:cxn ang="0">
+                <a:pos x="connsiteX14" y="connsiteY14"/>
+              </a:cxn>
+              <a:cxn ang="0">
+                <a:pos x="connsiteX15" y="connsiteY15"/>
+              </a:cxn>
+              <a:cxn ang="0">
+                <a:pos x="connsiteX16" y="connsiteY16"/>
+              </a:cxn>
+              <a:cxn ang="0">
+                <a:pos x="connsiteX17" y="connsiteY17"/>
+              </a:cxn>
+              <a:cxn ang="0">
+                <a:pos x="connsiteX18" y="connsiteY18"/>
+              </a:cxn>
+              <a:cxn ang="0">
+                <a:pos x="connsiteX19" y="connsiteY19"/>
+              </a:cxn>
+              <a:cxn ang="0">
+                <a:pos x="connsiteX20" y="connsiteY20"/>
+              </a:cxn>
+            </a:cxnLst>
+            <a:rect l="l" t="t" r="r" b="b"/>
+            <a:pathLst>
+              <a:path w="4896802" h="1148081">
+                <a:moveTo>
+                  <a:pt x="0" y="136820"/>
+                </a:moveTo>
+                <a:cubicBezTo>
+                  <a:pt x="0" y="61256"/>
+                  <a:pt x="61256" y="0"/>
+                  <a:pt x="136820" y="0"/>
+                </a:cubicBezTo>
+                <a:lnTo>
+                  <a:pt x="816134" y="0"/>
+                </a:lnTo>
+                <a:lnTo>
+                  <a:pt x="816134" y="0"/>
+                </a:lnTo>
+                <a:lnTo>
+                  <a:pt x="2040334" y="0"/>
+                </a:lnTo>
+                <a:lnTo>
+                  <a:pt x="4759982" y="0"/>
+                </a:lnTo>
+                <a:cubicBezTo>
+                  <a:pt x="4835546" y="0"/>
+                  <a:pt x="4896802" y="61256"/>
+                  <a:pt x="4896802" y="136820"/>
+                </a:cubicBezTo>
+                <a:lnTo>
+                  <a:pt x="4896802" y="478860"/>
+                </a:lnTo>
+                <a:lnTo>
+                  <a:pt x="4896802" y="478860"/>
+                </a:lnTo>
+                <a:lnTo>
+                  <a:pt x="4896802" y="684085"/>
+                </a:lnTo>
+                <a:lnTo>
+                  <a:pt x="4896802" y="684082"/>
+                </a:lnTo>
+                <a:cubicBezTo>
+                  <a:pt x="4896802" y="759646"/>
+                  <a:pt x="4835546" y="820902"/>
+                  <a:pt x="4759982" y="820902"/>
+                </a:cubicBezTo>
+                <a:lnTo>
+                  <a:pt x="1076477" y="820902"/>
+                </a:lnTo>
+                <a:lnTo>
+                  <a:pt x="1030777" y="1148081"/>
+                </a:lnTo>
+                <a:lnTo>
+                  <a:pt x="816134" y="820902"/>
+                </a:lnTo>
+                <a:lnTo>
+                  <a:pt x="136820" y="820902"/>
+                </a:lnTo>
+                <a:cubicBezTo>
+                  <a:pt x="61256" y="820902"/>
+                  <a:pt x="0" y="759646"/>
+                  <a:pt x="0" y="684082"/>
+                </a:cubicBezTo>
+                <a:lnTo>
+                  <a:pt x="0" y="684085"/>
+                </a:lnTo>
+                <a:lnTo>
+                  <a:pt x="0" y="478860"/>
+                </a:lnTo>
+                <a:lnTo>
+                  <a:pt x="0" y="478860"/>
+                </a:lnTo>
+                <a:lnTo>
+                  <a:pt x="0" y="136820"/>
+                </a:lnTo>
+                <a:close/>
+              </a:path>
+            </a:pathLst>
+          </a:custGeom>
           <a:noFill/>
           <a:ln w="12700">
             <a:solidFill>
@@ -12380,76 +12916,130 @@
           <a:lstStyle/>
           <a:p>
             <a:r>
-              <a:rPr lang="ja-JP" altLang="en-US" sz="1200" dirty="0"/>
-              <a:t>リモート</a:t>
-            </a:r>
-            <a:r>
-              <a:rPr lang="ja-JP" altLang="en-US" sz="1200" dirty="0" smtClean="0"/>
+              <a:rPr lang="ja-JP" altLang="en-US" sz="1100" dirty="0"/>
+              <a:t> </a:t>
+            </a:r>
+            <a:r>
+              <a:rPr lang="ja-JP" altLang="en-US" sz="1100" dirty="0" smtClean="0"/>
+              <a:t>リモートの</a:t>
+            </a:r>
+            <a:r>
+              <a:rPr lang="en-US" altLang="ja-JP" sz="1100" dirty="0" err="1" smtClean="0"/>
+              <a:t>Git</a:t>
+            </a:r>
+            <a:r>
+              <a:rPr lang="ja-JP" altLang="en-US" sz="1100" dirty="0" smtClean="0"/>
+              <a:t>リポジトリと接続するプロトコルを選択する</a:t>
+            </a:r>
+            <a:r>
+              <a:rPr lang="en-US" altLang="ja-JP" sz="1100" dirty="0" smtClean="0"/>
+              <a:t> </a:t>
+            </a:r>
+          </a:p>
+          <a:p>
+            <a:r>
+              <a:rPr lang="ja-JP" altLang="en-US" sz="1100" dirty="0" smtClean="0"/>
+              <a:t>・</a:t>
+            </a:r>
+            <a:r>
+              <a:rPr lang="en-US" altLang="ja-JP" sz="1100" dirty="0" smtClean="0"/>
+              <a:t>https</a:t>
+            </a:r>
+            <a:r>
+              <a:rPr lang="ja-JP" altLang="en-US" sz="1100" dirty="0" smtClean="0"/>
+              <a:t>で</a:t>
+            </a:r>
+            <a:r>
+              <a:rPr lang="ja-JP" altLang="en-US" sz="1100" dirty="0"/>
+              <a:t>接続する</a:t>
+            </a:r>
+            <a:r>
+              <a:rPr lang="ja-JP" altLang="en-US" sz="1100" dirty="0" smtClean="0"/>
+              <a:t>場合、</a:t>
+            </a:r>
+            <a:r>
+              <a:rPr lang="en-US" altLang="ja-JP" sz="1100" dirty="0" smtClean="0"/>
+              <a:t>https</a:t>
+            </a:r>
+            <a:r>
+              <a:rPr lang="ja-JP" altLang="en-US" sz="1100" dirty="0"/>
+              <a:t>を選択する</a:t>
+            </a:r>
+            <a:endParaRPr lang="en-US" altLang="ja-JP" sz="1100" dirty="0" smtClean="0"/>
+          </a:p>
+          <a:p>
+            <a:r>
+              <a:rPr lang="ja-JP" altLang="en-US" sz="1100" dirty="0" smtClean="0"/>
+              <a:t>・</a:t>
+            </a:r>
+            <a:r>
+              <a:rPr lang="en-US" altLang="ja-JP" sz="1100" dirty="0" err="1" smtClean="0"/>
+              <a:t>ssh</a:t>
+            </a:r>
+            <a:r>
+              <a:rPr lang="ja-JP" altLang="en-US" sz="1100" dirty="0" smtClean="0"/>
+              <a:t>で接続する場合、パスワード認証か鍵認証</a:t>
+            </a:r>
+            <a:r>
+              <a:rPr lang="en-US" altLang="ja-JP" sz="1100" dirty="0" smtClean="0"/>
+              <a:t>(</a:t>
+            </a:r>
+            <a:r>
+              <a:rPr lang="ja-JP" altLang="en-US" sz="1100" dirty="0" smtClean="0"/>
+              <a:t>パスフレーズあり</a:t>
+            </a:r>
+            <a:r>
+              <a:rPr lang="en-US" altLang="ja-JP" sz="1100" dirty="0" smtClean="0"/>
+              <a:t>/</a:t>
+            </a:r>
+            <a:r>
+              <a:rPr lang="ja-JP" altLang="en-US" sz="1100" dirty="0" smtClean="0"/>
+              <a:t>なし</a:t>
+            </a:r>
+            <a:r>
+              <a:rPr lang="en-US" altLang="ja-JP" sz="1100" dirty="0" smtClean="0"/>
+              <a:t>)</a:t>
+            </a:r>
+            <a:r>
+              <a:rPr lang="ja-JP" altLang="en-US" sz="1100" dirty="0" smtClean="0"/>
+              <a:t>を選択する</a:t>
+            </a:r>
+            <a:r>
+              <a:rPr lang="en-US" altLang="ja-JP" sz="1100" dirty="0" smtClean="0"/>
+              <a:t/>
+            </a:r>
+            <a:br>
+              <a:rPr lang="en-US" altLang="ja-JP" sz="1100" dirty="0" smtClean="0"/>
+            </a:br>
+            <a:r>
+              <a:rPr lang="ja-JP" altLang="en-US" sz="1100" dirty="0" smtClean="0"/>
+              <a:t>・ローカル</a:t>
+            </a:r>
+            <a:r>
+              <a:rPr lang="ja-JP" altLang="en-US" sz="1100" dirty="0"/>
+              <a:t>の </a:t>
+            </a:r>
+            <a:r>
+              <a:rPr lang="en-US" altLang="ja-JP" sz="1100" dirty="0" err="1" smtClean="0"/>
+              <a:t>Git</a:t>
+            </a:r>
+            <a:r>
+              <a:rPr lang="ja-JP" altLang="en-US" sz="1100" dirty="0" smtClean="0"/>
               <a:t>の</a:t>
             </a:r>
             <a:r>
-              <a:rPr lang="en-US" altLang="ja-JP" sz="1200" dirty="0" err="1" smtClean="0"/>
-              <a:t>Git</a:t>
-            </a:r>
-            <a:r>
-              <a:rPr lang="ja-JP" altLang="en-US" sz="1200" dirty="0" smtClean="0"/>
-              <a:t>リポジトリと</a:t>
-            </a:r>
-            <a:r>
-              <a:rPr lang="en-US" altLang="ja-JP" sz="1200" dirty="0" smtClean="0"/>
-              <a:t>https</a:t>
-            </a:r>
-            <a:r>
-              <a:rPr lang="ja-JP" altLang="en-US" sz="1200" dirty="0" smtClean="0"/>
-              <a:t>で</a:t>
-            </a:r>
-            <a:r>
-              <a:rPr lang="ja-JP" altLang="en-US" sz="1200" dirty="0"/>
-              <a:t>接続する場合、</a:t>
-            </a:r>
-            <a:r>
-              <a:rPr lang="en-US" altLang="ja-JP" sz="1200" dirty="0" smtClean="0"/>
-              <a:t>https</a:t>
-            </a:r>
-            <a:r>
-              <a:rPr lang="ja-JP" altLang="en-US" sz="1200" dirty="0" smtClean="0"/>
+              <a:rPr lang="ja-JP" altLang="en-US" sz="1100" dirty="0"/>
+              <a:t>場合、</a:t>
+            </a:r>
+            <a:r>
+              <a:rPr lang="en-US" altLang="ja-JP" sz="1100" dirty="0" smtClean="0"/>
+              <a:t>Local</a:t>
+            </a:r>
+            <a:r>
+              <a:rPr lang="ja-JP" altLang="en-US" sz="1100" dirty="0" smtClean="0"/>
               <a:t>を選択する</a:t>
             </a:r>
-            <a:r>
-              <a:rPr lang="en-US" altLang="ja-JP" sz="1200" dirty="0" smtClean="0"/>
-              <a:t> </a:t>
-            </a:r>
-          </a:p>
-          <a:p>
-            <a:r>
-              <a:rPr lang="ja-JP" altLang="en-US" sz="1200" dirty="0" smtClean="0"/>
-              <a:t>ローカル</a:t>
-            </a:r>
-            <a:r>
-              <a:rPr lang="ja-JP" altLang="en-US" sz="1200" dirty="0"/>
-              <a:t>の </a:t>
-            </a:r>
-            <a:r>
-              <a:rPr lang="en-US" altLang="ja-JP" sz="1200" dirty="0" err="1" smtClean="0"/>
-              <a:t>Git</a:t>
-            </a:r>
-            <a:r>
-              <a:rPr lang="ja-JP" altLang="en-US" sz="1200" dirty="0" smtClean="0"/>
-              <a:t>の</a:t>
-            </a:r>
-            <a:r>
-              <a:rPr lang="ja-JP" altLang="en-US" sz="1200" dirty="0"/>
-              <a:t>場合、</a:t>
-            </a:r>
-            <a:r>
-              <a:rPr lang="en-US" altLang="ja-JP" sz="1200" dirty="0" smtClean="0"/>
-              <a:t>Local</a:t>
-            </a:r>
-            <a:r>
-              <a:rPr lang="ja-JP" altLang="en-US" sz="1200" dirty="0" smtClean="0"/>
-              <a:t>を選択する</a:t>
-            </a:r>
-            <a:endParaRPr kumimoji="1" lang="ja-JP" altLang="en-US" sz="1200" dirty="0" smtClean="0">
+            <a:endParaRPr kumimoji="1" lang="ja-JP" altLang="en-US" sz="1100" dirty="0" smtClean="0">
               <a:latin typeface="+mn-ea"/>
             </a:endParaRPr>
           </a:p>
@@ -12463,16 +13053,241 @@
         </p:nvSpPr>
         <p:spPr bwMode="auto">
           <a:xfrm>
-            <a:off x="1203314" y="5373270"/>
-            <a:ext cx="3584715" cy="576080"/>
+            <a:off x="2877658" y="4699989"/>
+            <a:ext cx="3584715" cy="1460161"/>
           </a:xfrm>
-          <a:prstGeom prst="wedgeRoundRectCallout">
-            <a:avLst>
-              <a:gd name="adj1" fmla="val -49158"/>
-              <a:gd name="adj2" fmla="val -203465"/>
-              <a:gd name="adj3" fmla="val 16667"/>
-            </a:avLst>
-          </a:prstGeom>
+          <a:custGeom>
+            <a:avLst/>
+            <a:gdLst>
+              <a:gd name="connsiteX0" fmla="*/ 0 w 3584715"/>
+              <a:gd name="connsiteY0" fmla="*/ 96015 h 576080"/>
+              <a:gd name="connsiteX1" fmla="*/ 96015 w 3584715"/>
+              <a:gd name="connsiteY1" fmla="*/ 0 h 576080"/>
+              <a:gd name="connsiteX2" fmla="*/ 597453 w 3584715"/>
+              <a:gd name="connsiteY2" fmla="*/ 0 h 576080"/>
+              <a:gd name="connsiteX3" fmla="*/ 30183 w 3584715"/>
+              <a:gd name="connsiteY3" fmla="*/ -884081 h 576080"/>
+              <a:gd name="connsiteX4" fmla="*/ 1493631 w 3584715"/>
+              <a:gd name="connsiteY4" fmla="*/ 0 h 576080"/>
+              <a:gd name="connsiteX5" fmla="*/ 3488700 w 3584715"/>
+              <a:gd name="connsiteY5" fmla="*/ 0 h 576080"/>
+              <a:gd name="connsiteX6" fmla="*/ 3584715 w 3584715"/>
+              <a:gd name="connsiteY6" fmla="*/ 96015 h 576080"/>
+              <a:gd name="connsiteX7" fmla="*/ 3584715 w 3584715"/>
+              <a:gd name="connsiteY7" fmla="*/ 96013 h 576080"/>
+              <a:gd name="connsiteX8" fmla="*/ 3584715 w 3584715"/>
+              <a:gd name="connsiteY8" fmla="*/ 96013 h 576080"/>
+              <a:gd name="connsiteX9" fmla="*/ 3584715 w 3584715"/>
+              <a:gd name="connsiteY9" fmla="*/ 240033 h 576080"/>
+              <a:gd name="connsiteX10" fmla="*/ 3584715 w 3584715"/>
+              <a:gd name="connsiteY10" fmla="*/ 480065 h 576080"/>
+              <a:gd name="connsiteX11" fmla="*/ 3488700 w 3584715"/>
+              <a:gd name="connsiteY11" fmla="*/ 576080 h 576080"/>
+              <a:gd name="connsiteX12" fmla="*/ 1493631 w 3584715"/>
+              <a:gd name="connsiteY12" fmla="*/ 576080 h 576080"/>
+              <a:gd name="connsiteX13" fmla="*/ 597453 w 3584715"/>
+              <a:gd name="connsiteY13" fmla="*/ 576080 h 576080"/>
+              <a:gd name="connsiteX14" fmla="*/ 597453 w 3584715"/>
+              <a:gd name="connsiteY14" fmla="*/ 576080 h 576080"/>
+              <a:gd name="connsiteX15" fmla="*/ 96015 w 3584715"/>
+              <a:gd name="connsiteY15" fmla="*/ 576080 h 576080"/>
+              <a:gd name="connsiteX16" fmla="*/ 0 w 3584715"/>
+              <a:gd name="connsiteY16" fmla="*/ 480065 h 576080"/>
+              <a:gd name="connsiteX17" fmla="*/ 0 w 3584715"/>
+              <a:gd name="connsiteY17" fmla="*/ 240033 h 576080"/>
+              <a:gd name="connsiteX18" fmla="*/ 0 w 3584715"/>
+              <a:gd name="connsiteY18" fmla="*/ 96013 h 576080"/>
+              <a:gd name="connsiteX19" fmla="*/ 0 w 3584715"/>
+              <a:gd name="connsiteY19" fmla="*/ 96013 h 576080"/>
+              <a:gd name="connsiteX20" fmla="*/ 0 w 3584715"/>
+              <a:gd name="connsiteY20" fmla="*/ 96015 h 576080"/>
+              <a:gd name="connsiteX0" fmla="*/ 0 w 3584715"/>
+              <a:gd name="connsiteY0" fmla="*/ 980096 h 1460161"/>
+              <a:gd name="connsiteX1" fmla="*/ 96015 w 3584715"/>
+              <a:gd name="connsiteY1" fmla="*/ 884081 h 1460161"/>
+              <a:gd name="connsiteX2" fmla="*/ 597453 w 3584715"/>
+              <a:gd name="connsiteY2" fmla="*/ 884081 h 1460161"/>
+              <a:gd name="connsiteX3" fmla="*/ 30183 w 3584715"/>
+              <a:gd name="connsiteY3" fmla="*/ 0 h 1460161"/>
+              <a:gd name="connsiteX4" fmla="*/ 1055481 w 3584715"/>
+              <a:gd name="connsiteY4" fmla="*/ 884081 h 1460161"/>
+              <a:gd name="connsiteX5" fmla="*/ 3488700 w 3584715"/>
+              <a:gd name="connsiteY5" fmla="*/ 884081 h 1460161"/>
+              <a:gd name="connsiteX6" fmla="*/ 3584715 w 3584715"/>
+              <a:gd name="connsiteY6" fmla="*/ 980096 h 1460161"/>
+              <a:gd name="connsiteX7" fmla="*/ 3584715 w 3584715"/>
+              <a:gd name="connsiteY7" fmla="*/ 980094 h 1460161"/>
+              <a:gd name="connsiteX8" fmla="*/ 3584715 w 3584715"/>
+              <a:gd name="connsiteY8" fmla="*/ 980094 h 1460161"/>
+              <a:gd name="connsiteX9" fmla="*/ 3584715 w 3584715"/>
+              <a:gd name="connsiteY9" fmla="*/ 1124114 h 1460161"/>
+              <a:gd name="connsiteX10" fmla="*/ 3584715 w 3584715"/>
+              <a:gd name="connsiteY10" fmla="*/ 1364146 h 1460161"/>
+              <a:gd name="connsiteX11" fmla="*/ 3488700 w 3584715"/>
+              <a:gd name="connsiteY11" fmla="*/ 1460161 h 1460161"/>
+              <a:gd name="connsiteX12" fmla="*/ 1493631 w 3584715"/>
+              <a:gd name="connsiteY12" fmla="*/ 1460161 h 1460161"/>
+              <a:gd name="connsiteX13" fmla="*/ 597453 w 3584715"/>
+              <a:gd name="connsiteY13" fmla="*/ 1460161 h 1460161"/>
+              <a:gd name="connsiteX14" fmla="*/ 597453 w 3584715"/>
+              <a:gd name="connsiteY14" fmla="*/ 1460161 h 1460161"/>
+              <a:gd name="connsiteX15" fmla="*/ 96015 w 3584715"/>
+              <a:gd name="connsiteY15" fmla="*/ 1460161 h 1460161"/>
+              <a:gd name="connsiteX16" fmla="*/ 0 w 3584715"/>
+              <a:gd name="connsiteY16" fmla="*/ 1364146 h 1460161"/>
+              <a:gd name="connsiteX17" fmla="*/ 0 w 3584715"/>
+              <a:gd name="connsiteY17" fmla="*/ 1124114 h 1460161"/>
+              <a:gd name="connsiteX18" fmla="*/ 0 w 3584715"/>
+              <a:gd name="connsiteY18" fmla="*/ 980094 h 1460161"/>
+              <a:gd name="connsiteX19" fmla="*/ 0 w 3584715"/>
+              <a:gd name="connsiteY19" fmla="*/ 980094 h 1460161"/>
+              <a:gd name="connsiteX20" fmla="*/ 0 w 3584715"/>
+              <a:gd name="connsiteY20" fmla="*/ 980096 h 1460161"/>
+            </a:gdLst>
+            <a:ahLst/>
+            <a:cxnLst>
+              <a:cxn ang="0">
+                <a:pos x="connsiteX0" y="connsiteY0"/>
+              </a:cxn>
+              <a:cxn ang="0">
+                <a:pos x="connsiteX1" y="connsiteY1"/>
+              </a:cxn>
+              <a:cxn ang="0">
+                <a:pos x="connsiteX2" y="connsiteY2"/>
+              </a:cxn>
+              <a:cxn ang="0">
+                <a:pos x="connsiteX3" y="connsiteY3"/>
+              </a:cxn>
+              <a:cxn ang="0">
+                <a:pos x="connsiteX4" y="connsiteY4"/>
+              </a:cxn>
+              <a:cxn ang="0">
+                <a:pos x="connsiteX5" y="connsiteY5"/>
+              </a:cxn>
+              <a:cxn ang="0">
+                <a:pos x="connsiteX6" y="connsiteY6"/>
+              </a:cxn>
+              <a:cxn ang="0">
+                <a:pos x="connsiteX7" y="connsiteY7"/>
+              </a:cxn>
+              <a:cxn ang="0">
+                <a:pos x="connsiteX8" y="connsiteY8"/>
+              </a:cxn>
+              <a:cxn ang="0">
+                <a:pos x="connsiteX9" y="connsiteY9"/>
+              </a:cxn>
+              <a:cxn ang="0">
+                <a:pos x="connsiteX10" y="connsiteY10"/>
+              </a:cxn>
+              <a:cxn ang="0">
+                <a:pos x="connsiteX11" y="connsiteY11"/>
+              </a:cxn>
+              <a:cxn ang="0">
+                <a:pos x="connsiteX12" y="connsiteY12"/>
+              </a:cxn>
+              <a:cxn ang="0">
+                <a:pos x="connsiteX13" y="connsiteY13"/>
+              </a:cxn>
+              <a:cxn ang="0">
+                <a:pos x="connsiteX14" y="connsiteY14"/>
+              </a:cxn>
+              <a:cxn ang="0">
+                <a:pos x="connsiteX15" y="connsiteY15"/>
+              </a:cxn>
+              <a:cxn ang="0">
+                <a:pos x="connsiteX16" y="connsiteY16"/>
+              </a:cxn>
+              <a:cxn ang="0">
+                <a:pos x="connsiteX17" y="connsiteY17"/>
+              </a:cxn>
+              <a:cxn ang="0">
+                <a:pos x="connsiteX18" y="connsiteY18"/>
+              </a:cxn>
+              <a:cxn ang="0">
+                <a:pos x="connsiteX19" y="connsiteY19"/>
+              </a:cxn>
+              <a:cxn ang="0">
+                <a:pos x="connsiteX20" y="connsiteY20"/>
+              </a:cxn>
+            </a:cxnLst>
+            <a:rect l="l" t="t" r="r" b="b"/>
+            <a:pathLst>
+              <a:path w="3584715" h="1460161">
+                <a:moveTo>
+                  <a:pt x="0" y="980096"/>
+                </a:moveTo>
+                <a:cubicBezTo>
+                  <a:pt x="0" y="927068"/>
+                  <a:pt x="42987" y="884081"/>
+                  <a:pt x="96015" y="884081"/>
+                </a:cubicBezTo>
+                <a:lnTo>
+                  <a:pt x="597453" y="884081"/>
+                </a:lnTo>
+                <a:lnTo>
+                  <a:pt x="30183" y="0"/>
+                </a:lnTo>
+                <a:lnTo>
+                  <a:pt x="1055481" y="884081"/>
+                </a:lnTo>
+                <a:lnTo>
+                  <a:pt x="3488700" y="884081"/>
+                </a:lnTo>
+                <a:cubicBezTo>
+                  <a:pt x="3541728" y="884081"/>
+                  <a:pt x="3584715" y="927068"/>
+                  <a:pt x="3584715" y="980096"/>
+                </a:cubicBezTo>
+                <a:lnTo>
+                  <a:pt x="3584715" y="980094"/>
+                </a:lnTo>
+                <a:lnTo>
+                  <a:pt x="3584715" y="980094"/>
+                </a:lnTo>
+                <a:lnTo>
+                  <a:pt x="3584715" y="1124114"/>
+                </a:lnTo>
+                <a:lnTo>
+                  <a:pt x="3584715" y="1364146"/>
+                </a:lnTo>
+                <a:cubicBezTo>
+                  <a:pt x="3584715" y="1417174"/>
+                  <a:pt x="3541728" y="1460161"/>
+                  <a:pt x="3488700" y="1460161"/>
+                </a:cubicBezTo>
+                <a:lnTo>
+                  <a:pt x="1493631" y="1460161"/>
+                </a:lnTo>
+                <a:lnTo>
+                  <a:pt x="597453" y="1460161"/>
+                </a:lnTo>
+                <a:lnTo>
+                  <a:pt x="597453" y="1460161"/>
+                </a:lnTo>
+                <a:lnTo>
+                  <a:pt x="96015" y="1460161"/>
+                </a:lnTo>
+                <a:cubicBezTo>
+                  <a:pt x="42987" y="1460161"/>
+                  <a:pt x="0" y="1417174"/>
+                  <a:pt x="0" y="1364146"/>
+                </a:cubicBezTo>
+                <a:lnTo>
+                  <a:pt x="0" y="1124114"/>
+                </a:lnTo>
+                <a:lnTo>
+                  <a:pt x="0" y="980094"/>
+                </a:lnTo>
+                <a:lnTo>
+                  <a:pt x="0" y="980094"/>
+                </a:lnTo>
+                <a:lnTo>
+                  <a:pt x="0" y="980096"/>
+                </a:lnTo>
+                <a:close/>
+              </a:path>
+            </a:pathLst>
+          </a:custGeom>
           <a:noFill/>
           <a:ln w="12700">
             <a:solidFill>
@@ -12492,6 +13307,41 @@
           <a:lstStyle/>
           <a:p>
             <a:r>
+              <a:rPr lang="en-US" altLang="ja-JP" sz="1200" dirty="0" smtClean="0"/>
+              <a:t/>
+            </a:r>
+            <a:br>
+              <a:rPr lang="en-US" altLang="ja-JP" sz="1200" dirty="0" smtClean="0"/>
+            </a:br>
+            <a:r>
+              <a:rPr lang="en-US" altLang="ja-JP" sz="1200" dirty="0" smtClean="0"/>
+              <a:t/>
+            </a:r>
+            <a:br>
+              <a:rPr lang="en-US" altLang="ja-JP" sz="1200" dirty="0" smtClean="0"/>
+            </a:br>
+            <a:r>
+              <a:rPr lang="en-US" altLang="ja-JP" sz="1200" dirty="0" smtClean="0"/>
+              <a:t/>
+            </a:r>
+            <a:br>
+              <a:rPr lang="en-US" altLang="ja-JP" sz="1200" dirty="0" smtClean="0"/>
+            </a:br>
+            <a:r>
+              <a:rPr lang="en-US" altLang="ja-JP" sz="1200" dirty="0" smtClean="0"/>
+              <a:t/>
+            </a:r>
+            <a:br>
+              <a:rPr lang="en-US" altLang="ja-JP" sz="1200" dirty="0" smtClean="0"/>
+            </a:br>
+            <a:r>
+              <a:rPr lang="en-US" altLang="ja-JP" sz="1200" dirty="0" smtClean="0"/>
+              <a:t/>
+            </a:r>
+            <a:br>
+              <a:rPr lang="en-US" altLang="ja-JP" sz="1200" dirty="0" smtClean="0"/>
+            </a:br>
+            <a:r>
               <a:rPr lang="en-US" altLang="ja-JP" sz="1200" dirty="0" err="1" smtClean="0"/>
               <a:t>Git</a:t>
             </a:r>
@@ -12561,7 +13411,7 @@
     </p:spTree>
     <p:extLst>
       <p:ext uri="{BB962C8B-B14F-4D97-AF65-F5344CB8AC3E}">
-        <p14:creationId xmlns:p14="http://schemas.microsoft.com/office/powerpoint/2010/main" val="2396449005"/>
+        <p14:creationId xmlns:p14="http://schemas.microsoft.com/office/powerpoint/2010/main" val="1734383474"/>
       </p:ext>
     </p:extLst>
   </p:cSld>
@@ -14205,4 +15055,186 @@
   <a:objectDefaults/>
   <a:extraClrSchemeLst/>
 </a:theme>
+</file>
+
+<file path=customXml/item1.xml><?xml version="1.0" encoding="utf-8"?>
+<p:properties xmlns:p="http://schemas.microsoft.com/office/2006/metadata/properties" xmlns:xsi="http://www.w3.org/2001/XMLSchema-instance" xmlns:pc="http://schemas.microsoft.com/office/infopath/2007/PartnerControls">
+  <documentManagement/>
+</p:properties>
+</file>
+
+<file path=customXml/item2.xml><?xml version="1.0" encoding="utf-8"?>
+<?mso-contentType ?>
+<FormTemplates xmlns="http://schemas.microsoft.com/sharepoint/v3/contenttype/forms">
+  <Display>DocumentLibraryForm</Display>
+  <Edit>DocumentLibraryForm</Edit>
+  <New>DocumentLibraryForm</New>
+</FormTemplates>
+</file>
+
+<file path=customXml/item3.xml><?xml version="1.0" encoding="utf-8"?>
+<ct:contentTypeSchema xmlns:ct="http://schemas.microsoft.com/office/2006/metadata/contentType" xmlns:ma="http://schemas.microsoft.com/office/2006/metadata/properties/metaAttributes" ct:_="" ma:_="" ma:contentTypeName="ドキュメント" ma:contentTypeID="0x0101001893707EDAB102408D641F9B6169E89E" ma:contentTypeVersion="2" ma:contentTypeDescription="新しいドキュメントを作成します。" ma:contentTypeScope="" ma:versionID="916c333d65a09d5e2fab1903d466ce41">
+  <xsd:schema xmlns:xsd="http://www.w3.org/2001/XMLSchema" xmlns:xs="http://www.w3.org/2001/XMLSchema" xmlns:p="http://schemas.microsoft.com/office/2006/metadata/properties" xmlns:ns2="ed7d3cbb-6703-464f-aabe-9c28e9bfaaeb" targetNamespace="http://schemas.microsoft.com/office/2006/metadata/properties" ma:root="true" ma:fieldsID="b515156496f3b596260e2d735ae8d656" ns2:_="">
+    <xsd:import namespace="ed7d3cbb-6703-464f-aabe-9c28e9bfaaeb"/>
+    <xsd:element name="properties">
+      <xsd:complexType>
+        <xsd:sequence>
+          <xsd:element name="documentManagement">
+            <xsd:complexType>
+              <xsd:all>
+                <xsd:element ref="ns2:MediaServiceMetadata" minOccurs="0"/>
+                <xsd:element ref="ns2:MediaServiceFastMetadata" minOccurs="0"/>
+              </xsd:all>
+            </xsd:complexType>
+          </xsd:element>
+        </xsd:sequence>
+      </xsd:complexType>
+    </xsd:element>
+  </xsd:schema>
+  <xsd:schema xmlns:xsd="http://www.w3.org/2001/XMLSchema" xmlns:xs="http://www.w3.org/2001/XMLSchema" xmlns:dms="http://schemas.microsoft.com/office/2006/documentManagement/types" xmlns:pc="http://schemas.microsoft.com/office/infopath/2007/PartnerControls" targetNamespace="ed7d3cbb-6703-464f-aabe-9c28e9bfaaeb" elementFormDefault="qualified">
+    <xsd:import namespace="http://schemas.microsoft.com/office/2006/documentManagement/types"/>
+    <xsd:import namespace="http://schemas.microsoft.com/office/infopath/2007/PartnerControls"/>
+    <xsd:element name="MediaServiceMetadata" ma:index="8" nillable="true" ma:displayName="MediaServiceMetadata" ma:hidden="true" ma:internalName="MediaServiceMetadata" ma:readOnly="true">
+      <xsd:simpleType>
+        <xsd:restriction base="dms:Note"/>
+      </xsd:simpleType>
+    </xsd:element>
+    <xsd:element name="MediaServiceFastMetadata" ma:index="9" nillable="true" ma:displayName="MediaServiceFastMetadata" ma:hidden="true" ma:internalName="MediaServiceFastMetadata" ma:readOnly="true">
+      <xsd:simpleType>
+        <xsd:restriction base="dms:Note"/>
+      </xsd:simpleType>
+    </xsd:element>
+  </xsd:schema>
+  <xsd:schema xmlns="http://schemas.openxmlformats.org/package/2006/metadata/core-properties" xmlns:xsd="http://www.w3.org/2001/XMLSchema" xmlns:xsi="http://www.w3.org/2001/XMLSchema-instance" xmlns:dc="http://purl.org/dc/elements/1.1/" xmlns:dcterms="http://purl.org/dc/terms/" xmlns:odoc="http://schemas.microsoft.com/internal/obd" targetNamespace="http://schemas.openxmlformats.org/package/2006/metadata/core-properties" elementFormDefault="qualified" attributeFormDefault="unqualified" blockDefault="#all">
+    <xsd:import namespace="http://purl.org/dc/elements/1.1/" schemaLocation="http://dublincore.org/schemas/xmls/qdc/2003/04/02/dc.xsd"/>
+    <xsd:import namespace="http://purl.org/dc/terms/" schemaLocation="http://dublincore.org/schemas/xmls/qdc/2003/04/02/dcterms.xsd"/>
+    <xsd:element name="coreProperties" type="CT_coreProperties"/>
+    <xsd:complexType name="CT_coreProperties">
+      <xsd:all>
+        <xsd:element ref="dc:creator" minOccurs="0" maxOccurs="1"/>
+        <xsd:element ref="dcterms:created" minOccurs="0" maxOccurs="1"/>
+        <xsd:element ref="dc:identifier" minOccurs="0" maxOccurs="1"/>
+        <xsd:element name="contentType" minOccurs="0" maxOccurs="1" type="xsd:string" ma:index="0" ma:displayName="コンテンツ タイプ"/>
+        <xsd:element ref="dc:title" minOccurs="0" maxOccurs="1" ma:index="4" ma:displayName="タイトル"/>
+        <xsd:element ref="dc:subject" minOccurs="0" maxOccurs="1"/>
+        <xsd:element ref="dc:description" minOccurs="0" maxOccurs="1"/>
+        <xsd:element name="keywords" minOccurs="0" maxOccurs="1" type="xsd:string"/>
+        <xsd:element ref="dc:language" minOccurs="0" maxOccurs="1"/>
+        <xsd:element name="category" minOccurs="0" maxOccurs="1" type="xsd:string"/>
+        <xsd:element name="version" minOccurs="0" maxOccurs="1" type="xsd:string"/>
+        <xsd:element name="revision" minOccurs="0" maxOccurs="1" type="xsd:string">
+          <xsd:annotation>
+            <xsd:documentation>
+                        This value indicates the number of saves or revisions. The application is responsible for updating this value after each revision.
+                    </xsd:documentation>
+          </xsd:annotation>
+        </xsd:element>
+        <xsd:element name="lastModifiedBy" minOccurs="0" maxOccurs="1" type="xsd:string"/>
+        <xsd:element ref="dcterms:modified" minOccurs="0" maxOccurs="1"/>
+        <xsd:element name="contentStatus" minOccurs="0" maxOccurs="1" type="xsd:string"/>
+      </xsd:all>
+    </xsd:complexType>
+  </xsd:schema>
+  <xs:schema xmlns:pc="http://schemas.microsoft.com/office/infopath/2007/PartnerControls" xmlns:xs="http://www.w3.org/2001/XMLSchema" targetNamespace="http://schemas.microsoft.com/office/infopath/2007/PartnerControls" elementFormDefault="qualified" attributeFormDefault="unqualified">
+    <xs:element name="Person">
+      <xs:complexType>
+        <xs:sequence>
+          <xs:element ref="pc:DisplayName" minOccurs="0"/>
+          <xs:element ref="pc:AccountId" minOccurs="0"/>
+          <xs:element ref="pc:AccountType" minOccurs="0"/>
+        </xs:sequence>
+      </xs:complexType>
+    </xs:element>
+    <xs:element name="DisplayName" type="xs:string"/>
+    <xs:element name="AccountId" type="xs:string"/>
+    <xs:element name="AccountType" type="xs:string"/>
+    <xs:element name="BDCAssociatedEntity">
+      <xs:complexType>
+        <xs:sequence>
+          <xs:element ref="pc:BDCEntity" minOccurs="0" maxOccurs="unbounded"/>
+        </xs:sequence>
+        <xs:attribute ref="pc:EntityNamespace"/>
+        <xs:attribute ref="pc:EntityName"/>
+        <xs:attribute ref="pc:SystemInstanceName"/>
+        <xs:attribute ref="pc:AssociationName"/>
+      </xs:complexType>
+    </xs:element>
+    <xs:attribute name="EntityNamespace" type="xs:string"/>
+    <xs:attribute name="EntityName" type="xs:string"/>
+    <xs:attribute name="SystemInstanceName" type="xs:string"/>
+    <xs:attribute name="AssociationName" type="xs:string"/>
+    <xs:element name="BDCEntity">
+      <xs:complexType>
+        <xs:sequence>
+          <xs:element ref="pc:EntityDisplayName" minOccurs="0"/>
+          <xs:element ref="pc:EntityInstanceReference" minOccurs="0"/>
+          <xs:element ref="pc:EntityId1" minOccurs="0"/>
+          <xs:element ref="pc:EntityId2" minOccurs="0"/>
+          <xs:element ref="pc:EntityId3" minOccurs="0"/>
+          <xs:element ref="pc:EntityId4" minOccurs="0"/>
+          <xs:element ref="pc:EntityId5" minOccurs="0"/>
+        </xs:sequence>
+      </xs:complexType>
+    </xs:element>
+    <xs:element name="EntityDisplayName" type="xs:string"/>
+    <xs:element name="EntityInstanceReference" type="xs:string"/>
+    <xs:element name="EntityId1" type="xs:string"/>
+    <xs:element name="EntityId2" type="xs:string"/>
+    <xs:element name="EntityId3" type="xs:string"/>
+    <xs:element name="EntityId4" type="xs:string"/>
+    <xs:element name="EntityId5" type="xs:string"/>
+    <xs:element name="Terms">
+      <xs:complexType>
+        <xs:sequence>
+          <xs:element ref="pc:TermInfo" minOccurs="0" maxOccurs="unbounded"/>
+        </xs:sequence>
+      </xs:complexType>
+    </xs:element>
+    <xs:element name="TermInfo">
+      <xs:complexType>
+        <xs:sequence>
+          <xs:element ref="pc:TermName" minOccurs="0"/>
+          <xs:element ref="pc:TermId" minOccurs="0"/>
+        </xs:sequence>
+      </xs:complexType>
+    </xs:element>
+    <xs:element name="TermName" type="xs:string"/>
+    <xs:element name="TermId" type="xs:string"/>
+  </xs:schema>
+</ct:contentTypeSchema>
+</file>
+
+<file path=customXml/itemProps1.xml><?xml version="1.0" encoding="utf-8"?>
+<ds:datastoreItem xmlns:ds="http://schemas.openxmlformats.org/officeDocument/2006/customXml" ds:itemID="{5F95CB05-D6E7-4E56-8ABA-3662E198D6D1}">
+  <ds:schemaRefs>
+    <ds:schemaRef ds:uri="http://schemas.microsoft.com/office/2006/metadata/properties"/>
+    <ds:schemaRef ds:uri="http://schemas.microsoft.com/office/infopath/2007/PartnerControls"/>
+  </ds:schemaRefs>
+</ds:datastoreItem>
+</file>
+
+<file path=customXml/itemProps2.xml><?xml version="1.0" encoding="utf-8"?>
+<ds:datastoreItem xmlns:ds="http://schemas.openxmlformats.org/officeDocument/2006/customXml" ds:itemID="{1724C00A-5CD8-4D2B-91E6-E43E8A92860F}">
+  <ds:schemaRefs>
+    <ds:schemaRef ds:uri="http://schemas.microsoft.com/sharepoint/v3/contenttype/forms"/>
+  </ds:schemaRefs>
+</ds:datastoreItem>
+</file>
+
+<file path=customXml/itemProps3.xml><?xml version="1.0" encoding="utf-8"?>
+<ds:datastoreItem xmlns:ds="http://schemas.openxmlformats.org/officeDocument/2006/customXml" ds:itemID="{E6F23F33-843D-4F30-B0A2-7FFFDA1ABC91}">
+  <ds:schemaRefs>
+    <ds:schemaRef ds:uri="http://schemas.microsoft.com/office/2006/metadata/contentType"/>
+    <ds:schemaRef ds:uri="http://schemas.microsoft.com/office/2006/metadata/properties/metaAttributes"/>
+    <ds:schemaRef ds:uri="http://www.w3.org/2001/XMLSchema"/>
+    <ds:schemaRef ds:uri="http://schemas.microsoft.com/office/2006/metadata/properties"/>
+    <ds:schemaRef ds:uri="ed7d3cbb-6703-464f-aabe-9c28e9bfaaeb"/>
+    <ds:schemaRef ds:uri="http://schemas.microsoft.com/office/2006/documentManagement/types"/>
+    <ds:schemaRef ds:uri="http://schemas.microsoft.com/office/infopath/2007/PartnerControls"/>
+    <ds:schemaRef ds:uri="http://schemas.openxmlformats.org/package/2006/metadata/core-properties"/>
+    <ds:schemaRef ds:uri="http://purl.org/dc/elements/1.1/"/>
+    <ds:schemaRef ds:uri="http://purl.org/dc/terms/"/>
+    <ds:schemaRef ds:uri="http://schemas.microsoft.com/internal/obd"/>
+  </ds:schemaRefs>
+</ds:datastoreItem>
 </file>
--- a/asset/Learn_ja/ITA-CICD_for_lac_ja.pptx
+++ b/asset/Learn_ja/ITA-CICD_for_lac_ja.pptx
@@ -6,10 +6,10 @@
     <p:sldMasterId id="2147483703" r:id="rId5"/>
   </p:sldMasterIdLst>
   <p:notesMasterIdLst>
-    <p:notesMasterId r:id="rId20"/>
+    <p:notesMasterId r:id="rId21"/>
   </p:notesMasterIdLst>
   <p:handoutMasterIdLst>
-    <p:handoutMasterId r:id="rId21"/>
+    <p:handoutMasterId r:id="rId22"/>
   </p:handoutMasterIdLst>
   <p:sldIdLst>
     <p:sldId id="262" r:id="rId6"/>
@@ -23,9 +23,10 @@
     <p:sldId id="704" r:id="rId14"/>
     <p:sldId id="691" r:id="rId15"/>
     <p:sldId id="692" r:id="rId16"/>
-    <p:sldId id="701" r:id="rId17"/>
-    <p:sldId id="688" r:id="rId18"/>
-    <p:sldId id="318" r:id="rId19"/>
+    <p:sldId id="705" r:id="rId17"/>
+    <p:sldId id="701" r:id="rId18"/>
+    <p:sldId id="688" r:id="rId19"/>
+    <p:sldId id="318" r:id="rId20"/>
   </p:sldIdLst>
   <p:sldSz cx="9144000" cy="6858000" type="screen4x3"/>
   <p:notesSz cx="6807200" cy="9939338"/>
@@ -270,7 +271,7 @@
               <a:rPr kumimoji="1" lang="ja-JP" altLang="en-US" smtClean="0">
                 <a:ea typeface="メイリオ" panose="020B0604030504040204" pitchFamily="50" charset="-128"/>
               </a:rPr>
-              <a:t>2022/1/14</a:t>
+              <a:t>2022/5/16</a:t>
             </a:fld>
             <a:endParaRPr kumimoji="1" lang="ja-JP" altLang="en-US" dirty="0">
               <a:ea typeface="メイリオ" panose="020B0604030504040204" pitchFamily="50" charset="-128"/>
@@ -416,7 +417,7 @@
             <a:fld id="{4B26993D-C081-44EB-B0F5-A9F467792B62}" type="datetimeFigureOut">
               <a:rPr lang="ja-JP" altLang="en-US" smtClean="0"/>
               <a:pPr/>
-              <a:t>2022/1/14</a:t>
+              <a:t>2022/5/16</a:t>
             </a:fld>
             <a:endParaRPr lang="ja-JP" altLang="en-US" dirty="0"/>
           </a:p>
@@ -1039,7 +1040,7 @@
           <a:p>
             <a:fld id="{56F9016B-CCA6-43BE-8BEE-59565A35F4F7}" type="datetimeFigureOut">
               <a:rPr kumimoji="1" lang="ja-JP" altLang="en-US" smtClean="0"/>
-              <a:t>2022/1/14</a:t>
+              <a:t>2022/5/16</a:t>
             </a:fld>
             <a:endParaRPr kumimoji="1" lang="ja-JP" altLang="en-US"/>
           </a:p>
@@ -1241,7 +1242,7 @@
           <a:p>
             <a:fld id="{56F9016B-CCA6-43BE-8BEE-59565A35F4F7}" type="datetimeFigureOut">
               <a:rPr kumimoji="1" lang="ja-JP" altLang="en-US" smtClean="0"/>
-              <a:t>2022/1/14</a:t>
+              <a:t>2022/5/16</a:t>
             </a:fld>
             <a:endParaRPr kumimoji="1" lang="ja-JP" altLang="en-US"/>
           </a:p>
@@ -1487,7 +1488,7 @@
           <a:p>
             <a:fld id="{56F9016B-CCA6-43BE-8BEE-59565A35F4F7}" type="datetimeFigureOut">
               <a:rPr kumimoji="1" lang="ja-JP" altLang="en-US" smtClean="0"/>
-              <a:t>2022/1/14</a:t>
+              <a:t>2022/5/16</a:t>
             </a:fld>
             <a:endParaRPr kumimoji="1" lang="ja-JP" altLang="en-US"/>
           </a:p>
@@ -1783,7 +1784,7 @@
           <a:p>
             <a:fld id="{56F9016B-CCA6-43BE-8BEE-59565A35F4F7}" type="datetimeFigureOut">
               <a:rPr kumimoji="1" lang="ja-JP" altLang="en-US" smtClean="0"/>
-              <a:t>2022/1/14</a:t>
+              <a:t>2022/5/16</a:t>
             </a:fld>
             <a:endParaRPr kumimoji="1" lang="ja-JP" altLang="en-US"/>
           </a:p>
@@ -2214,7 +2215,7 @@
           <a:p>
             <a:fld id="{56F9016B-CCA6-43BE-8BEE-59565A35F4F7}" type="datetimeFigureOut">
               <a:rPr kumimoji="1" lang="ja-JP" altLang="en-US" smtClean="0"/>
-              <a:t>2022/1/14</a:t>
+              <a:t>2022/5/16</a:t>
             </a:fld>
             <a:endParaRPr kumimoji="1" lang="ja-JP" altLang="en-US"/>
           </a:p>
@@ -2332,7 +2333,7 @@
           <a:p>
             <a:fld id="{56F9016B-CCA6-43BE-8BEE-59565A35F4F7}" type="datetimeFigureOut">
               <a:rPr kumimoji="1" lang="ja-JP" altLang="en-US" smtClean="0"/>
-              <a:t>2022/1/14</a:t>
+              <a:t>2022/5/16</a:t>
             </a:fld>
             <a:endParaRPr kumimoji="1" lang="ja-JP" altLang="en-US"/>
           </a:p>
@@ -2427,7 +2428,7 @@
           <a:p>
             <a:fld id="{56F9016B-CCA6-43BE-8BEE-59565A35F4F7}" type="datetimeFigureOut">
               <a:rPr kumimoji="1" lang="ja-JP" altLang="en-US" smtClean="0"/>
-              <a:t>2022/1/14</a:t>
+              <a:t>2022/5/16</a:t>
             </a:fld>
             <a:endParaRPr kumimoji="1" lang="ja-JP" altLang="en-US"/>
           </a:p>
@@ -2736,7 +2737,7 @@
           <a:p>
             <a:fld id="{56F9016B-CCA6-43BE-8BEE-59565A35F4F7}" type="datetimeFigureOut">
               <a:rPr kumimoji="1" lang="ja-JP" altLang="en-US" smtClean="0"/>
-              <a:t>2022/1/14</a:t>
+              <a:t>2022/5/16</a:t>
             </a:fld>
             <a:endParaRPr kumimoji="1" lang="ja-JP" altLang="en-US"/>
           </a:p>
@@ -2989,7 +2990,7 @@
           <a:p>
             <a:fld id="{56F9016B-CCA6-43BE-8BEE-59565A35F4F7}" type="datetimeFigureOut">
               <a:rPr kumimoji="1" lang="ja-JP" altLang="en-US" smtClean="0"/>
-              <a:t>2022/1/14</a:t>
+              <a:t>2022/5/16</a:t>
             </a:fld>
             <a:endParaRPr kumimoji="1" lang="ja-JP" altLang="en-US"/>
           </a:p>
@@ -3266,7 +3267,7 @@
           <a:p>
             <a:fld id="{56F9016B-CCA6-43BE-8BEE-59565A35F4F7}" type="datetimeFigureOut">
               <a:rPr kumimoji="1" lang="ja-JP" altLang="en-US" smtClean="0"/>
-              <a:t>2022/1/14</a:t>
+              <a:t>2022/5/16</a:t>
             </a:fld>
             <a:endParaRPr kumimoji="1" lang="ja-JP" altLang="en-US"/>
           </a:p>
@@ -3478,7 +3479,7 @@
           <a:p>
             <a:fld id="{56F9016B-CCA6-43BE-8BEE-59565A35F4F7}" type="datetimeFigureOut">
               <a:rPr kumimoji="1" lang="ja-JP" altLang="en-US" smtClean="0"/>
-              <a:t>2022/1/14</a:t>
+              <a:t>2022/5/16</a:t>
             </a:fld>
             <a:endParaRPr kumimoji="1" lang="ja-JP" altLang="en-US"/>
           </a:p>
@@ -6537,7 +6538,7 @@
           <a:p>
             <a:fld id="{56F9016B-CCA6-43BE-8BEE-59565A35F4F7}" type="datetimeFigureOut">
               <a:rPr kumimoji="1" lang="ja-JP" altLang="en-US" smtClean="0"/>
-              <a:t>2022/1/14</a:t>
+              <a:t>2022/5/16</a:t>
             </a:fld>
             <a:endParaRPr kumimoji="1" lang="ja-JP" altLang="en-US"/>
           </a:p>
@@ -6975,12 +6976,17 @@
             </a:r>
             <a:r>
               <a:rPr lang="en-US" altLang="ja-JP" dirty="0"/>
-              <a:t> IT Automation Version </a:t>
-            </a:r>
-            <a:r>
-              <a:rPr lang="en-US" altLang="ja-JP" dirty="0" smtClean="0"/>
-              <a:t>1.9</a:t>
-            </a:r>
+              <a:t> IT Automation </a:t>
+            </a:r>
+            <a:r>
+              <a:rPr lang="en-US" altLang="ja-JP"/>
+              <a:t>Version </a:t>
+            </a:r>
+            <a:r>
+              <a:rPr lang="en-US" altLang="ja-JP" smtClean="0"/>
+              <a:t>1.10</a:t>
+            </a:r>
+            <a:endParaRPr lang="en-US" altLang="ja-JP" dirty="0" smtClean="0"/>
           </a:p>
           <a:p>
             <a:r>
@@ -7613,15 +7619,15 @@
               <a:t>　</a:t>
             </a:r>
             <a:r>
-              <a:rPr lang="ja-JP" altLang="en-US" dirty="0" smtClean="0"/>
+              <a:rPr lang="ja-JP" altLang="en-US" smtClean="0"/>
               <a:t>（</a:t>
             </a:r>
             <a:r>
-              <a:rPr lang="en-US" altLang="ja-JP" dirty="0" smtClean="0"/>
-              <a:t>3/5</a:t>
-            </a:r>
-            <a:r>
-              <a:rPr lang="ja-JP" altLang="en-US" dirty="0" smtClean="0"/>
+              <a:rPr lang="en-US" altLang="ja-JP" smtClean="0"/>
+              <a:t>3/6</a:t>
+            </a:r>
+            <a:r>
+              <a:rPr lang="ja-JP" altLang="en-US" smtClean="0"/>
               <a:t>）</a:t>
             </a:r>
             <a:endParaRPr kumimoji="1" lang="ja-JP" altLang="en-US" dirty="0"/>
@@ -7643,10 +7649,6 @@
           <a:bodyPr/>
           <a:lstStyle/>
           <a:p>
-            <a:pPr>
-              <a:buFont typeface="Wingdings" panose="05000000000000000000" pitchFamily="2" charset="2"/>
-              <a:buChar char="l"/>
-            </a:pPr>
             <a:r>
               <a:rPr lang="ja-JP" altLang="en-US" b="1" dirty="0" smtClean="0"/>
               <a:t>登録</a:t>
@@ -7681,7 +7683,47 @@
             </a:r>
             <a:r>
               <a:rPr lang="ja-JP" altLang="en-US" dirty="0"/>
-              <a:t>から紐付先資材にアクセスする為のアカウント情報 を登録します。 登録アカウントに登録するアカウント情報は「管理コンソール</a:t>
+              <a:t>から紐付先資材にアクセスする</a:t>
+            </a:r>
+            <a:r>
+              <a:rPr lang="ja-JP" altLang="en-US"/>
+              <a:t>為</a:t>
+            </a:r>
+            <a:r>
+              <a:rPr lang="ja-JP" altLang="en-US" smtClean="0"/>
+              <a:t>の</a:t>
+            </a:r>
+            <a:r>
+              <a:rPr lang="en-US" altLang="ja-JP" smtClean="0"/>
+              <a:t>ExastroITA</a:t>
+            </a:r>
+            <a:r>
+              <a:rPr lang="ja-JP" altLang="en-US" smtClean="0"/>
+              <a:t>アカウント</a:t>
+            </a:r>
+            <a:r>
+              <a:rPr lang="ja-JP" altLang="en-US" dirty="0"/>
+              <a:t>情報 を登録</a:t>
+            </a:r>
+            <a:r>
+              <a:rPr lang="ja-JP" altLang="en-US"/>
+              <a:t>します</a:t>
+            </a:r>
+            <a:r>
+              <a:rPr lang="ja-JP" altLang="en-US" smtClean="0"/>
+              <a:t>。</a:t>
+            </a:r>
+            <a:endParaRPr lang="en-US" altLang="ja-JP" smtClean="0"/>
+          </a:p>
+          <a:p>
+            <a:pPr lvl="1"/>
+            <a:r>
+              <a:rPr lang="ja-JP" altLang="en-US" smtClean="0"/>
+              <a:t>登録</a:t>
+            </a:r>
+            <a:r>
+              <a:rPr lang="ja-JP" altLang="en-US" dirty="0"/>
+              <a:t>するアカウント情報は「管理コンソール</a:t>
             </a:r>
             <a:r>
               <a:rPr lang="en-US" altLang="ja-JP" dirty="0"/>
@@ -7689,9 +7731,17 @@
             </a:r>
             <a:r>
               <a:rPr lang="ja-JP" altLang="en-US" dirty="0"/>
-              <a:t>ユーザ管理」メニューに登録しておく 必要があります。</a:t>
-            </a:r>
-            <a:endParaRPr lang="en-US" altLang="ja-JP" dirty="0"/>
+              <a:t>ユーザ管理」メニューに登録しておく 必要が</a:t>
+            </a:r>
+            <a:r>
+              <a:rPr lang="ja-JP" altLang="en-US"/>
+              <a:t>あります</a:t>
+            </a:r>
+            <a:r>
+              <a:rPr lang="ja-JP" altLang="en-US" smtClean="0"/>
+              <a:t>。</a:t>
+            </a:r>
+            <a:endParaRPr lang="en-US" altLang="ja-JP" smtClean="0"/>
           </a:p>
         </p:txBody>
       </p:sp>
@@ -7711,7 +7761,7 @@
         </p:blipFill>
         <p:spPr>
           <a:xfrm>
-            <a:off x="395420" y="3212970"/>
+            <a:off x="395420" y="3789050"/>
             <a:ext cx="8345996" cy="1224170"/>
           </a:xfrm>
           <a:prstGeom prst="rect">
@@ -7727,7 +7777,7 @@
         </p:nvSpPr>
         <p:spPr bwMode="auto">
           <a:xfrm>
-            <a:off x="467430" y="2564880"/>
+            <a:off x="539440" y="3086214"/>
             <a:ext cx="1728240" cy="576080"/>
           </a:xfrm>
           <a:prstGeom prst="wedgeRoundRectCallout">
@@ -7737,7 +7787,9 @@
               <a:gd name="adj3" fmla="val 16667"/>
             </a:avLst>
           </a:prstGeom>
-          <a:noFill/>
+          <a:solidFill>
+            <a:schemeClr val="bg1"/>
+          </a:solidFill>
           <a:ln w="12700">
             <a:solidFill>
               <a:srgbClr val="002060"/>
@@ -7801,7 +7853,7 @@
         </p:nvSpPr>
         <p:spPr bwMode="auto">
           <a:xfrm>
-            <a:off x="2843760" y="2564880"/>
+            <a:off x="2915770" y="3086214"/>
             <a:ext cx="2304320" cy="576080"/>
           </a:xfrm>
           <a:prstGeom prst="wedgeRoundRectCallout">
@@ -7811,7 +7863,9 @@
               <a:gd name="adj3" fmla="val 16667"/>
             </a:avLst>
           </a:prstGeom>
-          <a:noFill/>
+          <a:solidFill>
+            <a:schemeClr val="bg1"/>
+          </a:solidFill>
           <a:ln w="12700">
             <a:solidFill>
               <a:srgbClr val="002060"/>
@@ -7956,15 +8010,15 @@
               <a:t>　</a:t>
             </a:r>
             <a:r>
-              <a:rPr lang="ja-JP" altLang="en-US" dirty="0" smtClean="0"/>
+              <a:rPr lang="ja-JP" altLang="en-US" smtClean="0"/>
               <a:t>（</a:t>
             </a:r>
             <a:r>
-              <a:rPr lang="en-US" altLang="ja-JP" dirty="0" smtClean="0"/>
-              <a:t>4/5</a:t>
-            </a:r>
-            <a:r>
-              <a:rPr lang="ja-JP" altLang="en-US" dirty="0" smtClean="0"/>
+              <a:rPr lang="en-US" altLang="ja-JP" smtClean="0"/>
+              <a:t>4/6</a:t>
+            </a:r>
+            <a:r>
+              <a:rPr lang="ja-JP" altLang="en-US" smtClean="0"/>
               <a:t>）</a:t>
             </a:r>
             <a:endParaRPr kumimoji="1" lang="ja-JP" altLang="en-US" dirty="0"/>
@@ -7986,10 +8040,6 @@
           <a:bodyPr/>
           <a:lstStyle/>
           <a:p>
-            <a:pPr>
-              <a:buFont typeface="Wingdings" panose="05000000000000000000" pitchFamily="2" charset="2"/>
-              <a:buChar char="l"/>
-            </a:pPr>
             <a:r>
               <a:rPr lang="ja-JP" altLang="en-US" b="1" dirty="0" smtClean="0"/>
               <a:t>資材紐付</a:t>
@@ -7999,465 +8049,387 @@
           <a:p>
             <a:pPr lvl="1"/>
             <a:r>
-              <a:rPr lang="ja-JP" altLang="en-US" dirty="0"/>
-              <a:t>「資材紐付」メニューでは、紐付元資材と紐付先資材を紐付し、紐付先資材の動作検証を行う為 のオペレーションと </a:t>
-            </a:r>
-            <a:r>
-              <a:rPr lang="en-US" altLang="ja-JP" dirty="0"/>
+              <a:rPr lang="ja-JP" altLang="en-US"/>
+              <a:t>紐付元資材と紐付先資材の紐付を登録します。</a:t>
+            </a:r>
+          </a:p>
+          <a:p>
+            <a:pPr lvl="1"/>
+            <a:r>
+              <a:rPr lang="ja-JP" altLang="en-US"/>
+              <a:t>紐付先資材の動作検証を行う為のオペレーションと </a:t>
+            </a:r>
+            <a:r>
+              <a:rPr lang="en-US" altLang="ja-JP"/>
               <a:t>Movement </a:t>
             </a:r>
             <a:r>
-              <a:rPr lang="ja-JP" altLang="en-US" dirty="0" err="1"/>
-              <a:t>を登</a:t>
-            </a:r>
-            <a:r>
-              <a:rPr lang="ja-JP" altLang="en-US" dirty="0"/>
-              <a:t>録します。 紐付元資材が更新されると、バックヤード機能で紐付先資材を自動更新し、動作検証を行う為の オペレーションと </a:t>
-            </a:r>
-            <a:r>
-              <a:rPr lang="en-US" altLang="ja-JP" dirty="0"/>
+              <a:rPr lang="ja-JP" altLang="en-US"/>
+              <a:t>も同様に登録します。</a:t>
+            </a:r>
+          </a:p>
+          <a:p>
+            <a:pPr lvl="1"/>
+            <a:r>
+              <a:rPr lang="ja-JP" altLang="en-US"/>
+              <a:t>紐付元資材が更新</a:t>
+            </a:r>
+            <a:r>
+              <a:rPr lang="ja-JP" altLang="en-US"/>
+              <a:t>される</a:t>
+            </a:r>
+            <a:r>
+              <a:rPr lang="ja-JP" altLang="en-US" smtClean="0"/>
+              <a:t>と紐付先</a:t>
+            </a:r>
+            <a:r>
+              <a:rPr lang="ja-JP" altLang="en-US"/>
+              <a:t>資材が自動更新</a:t>
+            </a:r>
+            <a:r>
+              <a:rPr lang="ja-JP" altLang="en-US"/>
+              <a:t>され</a:t>
+            </a:r>
+            <a:r>
+              <a:rPr lang="ja-JP" altLang="en-US" smtClean="0"/>
+              <a:t>、指定したオペレーション</a:t>
+            </a:r>
+            <a:r>
+              <a:rPr lang="ja-JP" altLang="en-US"/>
+              <a:t>と </a:t>
+            </a:r>
+            <a:r>
+              <a:rPr lang="en-US" altLang="ja-JP"/>
               <a:t>Movement </a:t>
             </a:r>
             <a:r>
-              <a:rPr lang="ja-JP" altLang="en-US" dirty="0"/>
-              <a:t>で作業実行を行い、処理結果が表示されます。 </a:t>
-            </a:r>
-            <a:endParaRPr lang="en-US" altLang="ja-JP" dirty="0" smtClean="0"/>
-          </a:p>
-          <a:p>
-            <a:pPr lvl="1"/>
-            <a:endParaRPr lang="en-US" altLang="ja-JP" dirty="0"/>
-          </a:p>
-          <a:p>
-            <a:pPr lvl="1"/>
-            <a:r>
-              <a:rPr lang="ja-JP" altLang="en-US" dirty="0"/>
-              <a:t>「紐付先資材名」は、紐付先資材タイプにより、下記メニューの項目 に紐付けます。各メニューの項目と同等の入力規則があり ます。各項目の入力規則に従い、資材名を入力して</a:t>
-            </a:r>
-            <a:r>
-              <a:rPr lang="ja-JP" altLang="en-US" dirty="0" smtClean="0"/>
-              <a:t>ください</a:t>
-            </a:r>
-            <a:r>
-              <a:rPr lang="ja-JP" altLang="en-US" dirty="0"/>
+              <a:rPr lang="ja-JP" altLang="en-US"/>
+              <a:t>で作業実行を</a:t>
+            </a:r>
+            <a:r>
+              <a:rPr lang="ja-JP" altLang="en-US"/>
+              <a:t>行います</a:t>
+            </a:r>
+            <a:r>
+              <a:rPr lang="ja-JP" altLang="en-US" smtClean="0"/>
               <a:t>。</a:t>
             </a:r>
             <a:endParaRPr lang="en-US" altLang="ja-JP" dirty="0" smtClean="0"/>
           </a:p>
         </p:txBody>
       </p:sp>
-      <p:graphicFrame>
-        <p:nvGraphicFramePr>
-          <p:cNvPr id="14" name="表 13"/>
-          <p:cNvGraphicFramePr>
-            <a:graphicFrameLocks noGrp="1"/>
-          </p:cNvGraphicFramePr>
-          <p:nvPr>
-            <p:extLst>
-              <p:ext uri="{D42A27DB-BD31-4B8C-83A1-F6EECF244321}">
-                <p14:modId xmlns:p14="http://schemas.microsoft.com/office/powerpoint/2010/main" val="1834332336"/>
-              </p:ext>
-            </p:extLst>
-          </p:nvPr>
-        </p:nvGraphicFramePr>
-        <p:xfrm>
-          <a:off x="683458" y="3356990"/>
-          <a:ext cx="8280054" cy="2966720"/>
-        </p:xfrm>
-        <a:graphic>
-          <a:graphicData uri="http://schemas.openxmlformats.org/drawingml/2006/table">
-            <a:tbl>
-              <a:tblPr firstRow="1" bandRow="1">
-                <a:tableStyleId>{93296810-A885-4BE3-A3E7-6D5BEEA58F35}</a:tableStyleId>
-              </a:tblPr>
-              <a:tblGrid>
-                <a:gridCol w="4896682">
-                  <a:extLst>
-                    <a:ext uri="{9D8B030D-6E8A-4147-A177-3AD203B41FA5}">
-                      <a16:colId xmlns:a16="http://schemas.microsoft.com/office/drawing/2014/main" val="2288322642"/>
-                    </a:ext>
-                  </a:extLst>
-                </a:gridCol>
-                <a:gridCol w="3383372">
-                  <a:extLst>
-                    <a:ext uri="{9D8B030D-6E8A-4147-A177-3AD203B41FA5}">
-                      <a16:colId xmlns:a16="http://schemas.microsoft.com/office/drawing/2014/main" val="2459506984"/>
-                    </a:ext>
-                  </a:extLst>
-                </a:gridCol>
-              </a:tblGrid>
-              <a:tr h="370840">
-                <a:tc>
-                  <a:txBody>
-                    <a:bodyPr/>
-                    <a:lstStyle/>
-                    <a:p>
-                      <a:r>
-                        <a:rPr kumimoji="1" lang="ja-JP" altLang="en-US" dirty="0" smtClean="0"/>
-                        <a:t>紐付先資材タイプ一覧</a:t>
-                      </a:r>
-                      <a:endParaRPr kumimoji="1" lang="ja-JP" altLang="en-US" dirty="0"/>
-                    </a:p>
-                  </a:txBody>
-                  <a:tcPr/>
-                </a:tc>
-                <a:tc>
-                  <a:txBody>
-                    <a:bodyPr/>
-                    <a:lstStyle/>
-                    <a:p>
-                      <a:r>
-                        <a:rPr kumimoji="1" lang="ja-JP" altLang="en-US" dirty="0" smtClean="0"/>
-                        <a:t>項目名</a:t>
-                      </a:r>
-                      <a:endParaRPr kumimoji="1" lang="ja-JP" altLang="en-US" dirty="0"/>
-                    </a:p>
-                  </a:txBody>
-                  <a:tcPr/>
-                </a:tc>
-                <a:extLst>
-                  <a:ext uri="{0D108BD9-81ED-4DB2-BD59-A6C34878D82A}">
-                    <a16:rowId xmlns:a16="http://schemas.microsoft.com/office/drawing/2014/main" val="2102378440"/>
-                  </a:ext>
-                </a:extLst>
-              </a:tr>
-              <a:tr h="370840">
-                <a:tc>
-                  <a:txBody>
-                    <a:bodyPr/>
-                    <a:lstStyle/>
-                    <a:p>
-                      <a:r>
-                        <a:rPr lang="en-US" altLang="ja-JP" dirty="0" err="1" smtClean="0"/>
-                        <a:t>Ansible</a:t>
-                      </a:r>
-                      <a:r>
-                        <a:rPr lang="en-US" altLang="ja-JP" dirty="0" smtClean="0"/>
-                        <a:t>-Legacy/Playbook </a:t>
-                      </a:r>
-                      <a:r>
-                        <a:rPr lang="ja-JP" altLang="en-US" dirty="0" smtClean="0"/>
-                        <a:t>素材集</a:t>
-                      </a:r>
-                      <a:endParaRPr kumimoji="1" lang="ja-JP" altLang="en-US" dirty="0"/>
-                    </a:p>
-                  </a:txBody>
-                  <a:tcPr/>
-                </a:tc>
-                <a:tc>
-                  <a:txBody>
-                    <a:bodyPr/>
-                    <a:lstStyle/>
-                    <a:p>
-                      <a:r>
-                        <a:rPr lang="en-US" altLang="ja-JP" dirty="0" err="1" smtClean="0"/>
-                        <a:t>Paybook</a:t>
-                      </a:r>
-                      <a:r>
-                        <a:rPr lang="en-US" altLang="ja-JP" dirty="0" smtClean="0"/>
-                        <a:t> </a:t>
-                      </a:r>
-                      <a:r>
-                        <a:rPr lang="ja-JP" altLang="en-US" dirty="0" smtClean="0"/>
-                        <a:t>素材名</a:t>
-                      </a:r>
-                      <a:endParaRPr kumimoji="1" lang="ja-JP" altLang="en-US" dirty="0"/>
-                    </a:p>
-                  </a:txBody>
-                  <a:tcPr/>
-                </a:tc>
-                <a:extLst>
-                  <a:ext uri="{0D108BD9-81ED-4DB2-BD59-A6C34878D82A}">
-                    <a16:rowId xmlns:a16="http://schemas.microsoft.com/office/drawing/2014/main" val="286152281"/>
-                  </a:ext>
-                </a:extLst>
-              </a:tr>
-              <a:tr h="370840">
-                <a:tc>
-                  <a:txBody>
-                    <a:bodyPr/>
-                    <a:lstStyle/>
-                    <a:p>
-                      <a:r>
-                        <a:rPr lang="en-US" altLang="ja-JP" dirty="0" err="1" smtClean="0"/>
-                        <a:t>Ansible</a:t>
-                      </a:r>
-                      <a:r>
-                        <a:rPr lang="en-US" altLang="ja-JP" dirty="0" smtClean="0"/>
-                        <a:t>-Pioneer/</a:t>
-                      </a:r>
-                      <a:r>
-                        <a:rPr lang="ja-JP" altLang="en-US" dirty="0" smtClean="0"/>
-                        <a:t>対話ファイル素材集</a:t>
-                      </a:r>
-                      <a:endParaRPr kumimoji="1" lang="ja-JP" altLang="en-US" dirty="0"/>
-                    </a:p>
-                  </a:txBody>
-                  <a:tcPr/>
-                </a:tc>
-                <a:tc>
-                  <a:txBody>
-                    <a:bodyPr/>
-                    <a:lstStyle/>
-                    <a:p>
-                      <a:r>
-                        <a:rPr lang="ja-JP" altLang="en-US" dirty="0" smtClean="0"/>
-                        <a:t>対象項目なし</a:t>
-                      </a:r>
-                      <a:endParaRPr kumimoji="1" lang="ja-JP" altLang="en-US" dirty="0"/>
-                    </a:p>
-                  </a:txBody>
-                  <a:tcPr/>
-                </a:tc>
-                <a:extLst>
-                  <a:ext uri="{0D108BD9-81ED-4DB2-BD59-A6C34878D82A}">
-                    <a16:rowId xmlns:a16="http://schemas.microsoft.com/office/drawing/2014/main" val="2886195118"/>
-                  </a:ext>
-                </a:extLst>
-              </a:tr>
-              <a:tr h="370840">
-                <a:tc>
-                  <a:txBody>
-                    <a:bodyPr/>
-                    <a:lstStyle/>
-                    <a:p>
-                      <a:r>
-                        <a:rPr lang="en-US" altLang="ja-JP" dirty="0" err="1" smtClean="0"/>
-                        <a:t>Ansible-LegacyRole</a:t>
-                      </a:r>
-                      <a:r>
-                        <a:rPr lang="en-US" altLang="ja-JP" dirty="0" smtClean="0"/>
-                        <a:t>/</a:t>
-                      </a:r>
-                      <a:r>
-                        <a:rPr lang="ja-JP" altLang="en-US" dirty="0" smtClean="0"/>
-                        <a:t>ロールパッケージ管理</a:t>
-                      </a:r>
-                      <a:endParaRPr kumimoji="1" lang="ja-JP" altLang="en-US" dirty="0"/>
-                    </a:p>
-                  </a:txBody>
-                  <a:tcPr/>
-                </a:tc>
-                <a:tc>
-                  <a:txBody>
-                    <a:bodyPr/>
-                    <a:lstStyle/>
-                    <a:p>
-                      <a:r>
-                        <a:rPr lang="ja-JP" altLang="en-US" dirty="0" smtClean="0"/>
-                        <a:t>ロールパッケージ名</a:t>
-                      </a:r>
-                      <a:endParaRPr kumimoji="1" lang="ja-JP" altLang="en-US" dirty="0"/>
-                    </a:p>
-                  </a:txBody>
-                  <a:tcPr/>
-                </a:tc>
-                <a:extLst>
-                  <a:ext uri="{0D108BD9-81ED-4DB2-BD59-A6C34878D82A}">
-                    <a16:rowId xmlns:a16="http://schemas.microsoft.com/office/drawing/2014/main" val="1600260494"/>
-                  </a:ext>
-                </a:extLst>
-              </a:tr>
-              <a:tr h="370840">
-                <a:tc>
-                  <a:txBody>
-                    <a:bodyPr/>
-                    <a:lstStyle/>
-                    <a:p>
-                      <a:r>
-                        <a:rPr lang="en-US" altLang="ja-JP" dirty="0" err="1" smtClean="0"/>
-                        <a:t>Ansible</a:t>
-                      </a:r>
-                      <a:r>
-                        <a:rPr lang="en-US" altLang="ja-JP" dirty="0" smtClean="0"/>
-                        <a:t> </a:t>
-                      </a:r>
-                      <a:r>
-                        <a:rPr lang="ja-JP" altLang="en-US" dirty="0" smtClean="0"/>
-                        <a:t>共通</a:t>
-                      </a:r>
-                      <a:r>
-                        <a:rPr lang="en-US" altLang="ja-JP" dirty="0" smtClean="0"/>
-                        <a:t>/</a:t>
-                      </a:r>
-                      <a:r>
-                        <a:rPr lang="ja-JP" altLang="en-US" dirty="0" smtClean="0"/>
-                        <a:t>ファイル管理</a:t>
-                      </a:r>
-                      <a:endParaRPr kumimoji="1" lang="ja-JP" altLang="en-US" dirty="0"/>
-                    </a:p>
-                  </a:txBody>
-                  <a:tcPr/>
-                </a:tc>
-                <a:tc>
-                  <a:txBody>
-                    <a:bodyPr/>
-                    <a:lstStyle/>
-                    <a:p>
-                      <a:r>
-                        <a:rPr lang="ja-JP" altLang="en-US" dirty="0" smtClean="0"/>
-                        <a:t>ファイル</a:t>
-                      </a:r>
-                      <a:r>
-                        <a:rPr lang="zh-CN" altLang="en-US" dirty="0" smtClean="0"/>
-                        <a:t>埋込変数名</a:t>
-                      </a:r>
-                      <a:endParaRPr kumimoji="1" lang="ja-JP" altLang="en-US" dirty="0"/>
-                    </a:p>
-                  </a:txBody>
-                  <a:tcPr/>
-                </a:tc>
-                <a:extLst>
-                  <a:ext uri="{0D108BD9-81ED-4DB2-BD59-A6C34878D82A}">
-                    <a16:rowId xmlns:a16="http://schemas.microsoft.com/office/drawing/2014/main" val="3833086902"/>
-                  </a:ext>
-                </a:extLst>
-              </a:tr>
-              <a:tr h="370840">
-                <a:tc>
-                  <a:txBody>
-                    <a:bodyPr/>
-                    <a:lstStyle/>
-                    <a:p>
-                      <a:r>
-                        <a:rPr lang="en-US" altLang="ja-JP" dirty="0" err="1" smtClean="0"/>
-                        <a:t>Ansible</a:t>
-                      </a:r>
-                      <a:r>
-                        <a:rPr lang="en-US" altLang="ja-JP" dirty="0" smtClean="0"/>
-                        <a:t> </a:t>
-                      </a:r>
-                      <a:r>
-                        <a:rPr lang="ja-JP" altLang="en-US" dirty="0" smtClean="0"/>
-                        <a:t>共通</a:t>
-                      </a:r>
-                      <a:r>
-                        <a:rPr lang="en-US" altLang="ja-JP" dirty="0" smtClean="0"/>
-                        <a:t>/</a:t>
-                      </a:r>
-                      <a:r>
-                        <a:rPr lang="ja-JP" altLang="en-US" dirty="0" smtClean="0"/>
-                        <a:t>テンプレート管理</a:t>
-                      </a:r>
-                      <a:endParaRPr kumimoji="1" lang="ja-JP" altLang="en-US" dirty="0"/>
-                    </a:p>
-                  </a:txBody>
-                  <a:tcPr/>
-                </a:tc>
-                <a:tc>
-                  <a:txBody>
-                    <a:bodyPr/>
-                    <a:lstStyle/>
-                    <a:p>
-                      <a:r>
-                        <a:rPr lang="ja-JP" altLang="en-US" dirty="0" smtClean="0"/>
-                        <a:t>テンプレート</a:t>
-                      </a:r>
-                      <a:r>
-                        <a:rPr lang="zh-CN" altLang="en-US" dirty="0" smtClean="0"/>
-                        <a:t>埋込変数名</a:t>
-                      </a:r>
-                      <a:endParaRPr kumimoji="1" lang="ja-JP" altLang="en-US" dirty="0"/>
-                    </a:p>
-                  </a:txBody>
-                  <a:tcPr/>
-                </a:tc>
-                <a:extLst>
-                  <a:ext uri="{0D108BD9-81ED-4DB2-BD59-A6C34878D82A}">
-                    <a16:rowId xmlns:a16="http://schemas.microsoft.com/office/drawing/2014/main" val="2138706014"/>
-                  </a:ext>
-                </a:extLst>
-              </a:tr>
-              <a:tr h="370840">
-                <a:tc>
-                  <a:txBody>
-                    <a:bodyPr/>
-                    <a:lstStyle/>
-                    <a:p>
-                      <a:r>
-                        <a:rPr lang="en-US" altLang="ja-JP" dirty="0" smtClean="0"/>
-                        <a:t>Terraform/Module </a:t>
-                      </a:r>
-                      <a:r>
-                        <a:rPr lang="ja-JP" altLang="en-US" dirty="0" smtClean="0"/>
-                        <a:t>素材</a:t>
-                      </a:r>
-                      <a:endParaRPr kumimoji="1" lang="ja-JP" altLang="en-US" dirty="0"/>
-                    </a:p>
-                  </a:txBody>
-                  <a:tcPr/>
-                </a:tc>
-                <a:tc>
-                  <a:txBody>
-                    <a:bodyPr/>
-                    <a:lstStyle/>
-                    <a:p>
-                      <a:r>
-                        <a:rPr lang="en-US" altLang="ja-JP" dirty="0" smtClean="0"/>
-                        <a:t>Module </a:t>
-                      </a:r>
-                      <a:r>
-                        <a:rPr lang="ja-JP" altLang="en-US" dirty="0" smtClean="0"/>
-                        <a:t>素材名</a:t>
-                      </a:r>
-                      <a:endParaRPr kumimoji="1" lang="ja-JP" altLang="en-US" dirty="0"/>
-                    </a:p>
-                  </a:txBody>
-                  <a:tcPr/>
-                </a:tc>
-                <a:extLst>
-                  <a:ext uri="{0D108BD9-81ED-4DB2-BD59-A6C34878D82A}">
-                    <a16:rowId xmlns:a16="http://schemas.microsoft.com/office/drawing/2014/main" val="3168727577"/>
-                  </a:ext>
-                </a:extLst>
-              </a:tr>
-              <a:tr h="370840">
-                <a:tc>
-                  <a:txBody>
-                    <a:bodyPr/>
-                    <a:lstStyle/>
-                    <a:p>
-                      <a:r>
-                        <a:rPr lang="en-US" altLang="ja-JP" dirty="0" smtClean="0"/>
-                        <a:t>Terraform/Policy </a:t>
-                      </a:r>
-                      <a:r>
-                        <a:rPr lang="ja-JP" altLang="en-US" dirty="0" smtClean="0"/>
-                        <a:t>管理</a:t>
-                      </a:r>
-                      <a:endParaRPr kumimoji="1" lang="ja-JP" altLang="en-US" dirty="0"/>
-                    </a:p>
-                  </a:txBody>
-                  <a:tcPr/>
-                </a:tc>
-                <a:tc>
-                  <a:txBody>
-                    <a:bodyPr/>
-                    <a:lstStyle/>
-                    <a:p>
-                      <a:r>
-                        <a:rPr lang="en-US" altLang="ja-JP" dirty="0" smtClean="0"/>
-                        <a:t>Policy </a:t>
-                      </a:r>
-                      <a:r>
-                        <a:rPr lang="ja-JP" altLang="en-US" dirty="0" smtClean="0"/>
-                        <a:t>名</a:t>
-                      </a:r>
-                      <a:endParaRPr kumimoji="1" lang="ja-JP" altLang="en-US" dirty="0"/>
-                    </a:p>
-                  </a:txBody>
-                  <a:tcPr/>
-                </a:tc>
-                <a:extLst>
-                  <a:ext uri="{0D108BD9-81ED-4DB2-BD59-A6C34878D82A}">
-                    <a16:rowId xmlns:a16="http://schemas.microsoft.com/office/drawing/2014/main" val="1887339511"/>
-                  </a:ext>
-                </a:extLst>
-              </a:tr>
-            </a:tbl>
-          </a:graphicData>
-        </a:graphic>
-      </p:graphicFrame>
+      <p:pic>
+        <p:nvPicPr>
+          <p:cNvPr id="6" name="図 5"/>
+          <p:cNvPicPr>
+            <a:picLocks noChangeAspect="1"/>
+          </p:cNvPicPr>
+          <p:nvPr/>
+        </p:nvPicPr>
+        <p:blipFill>
+          <a:blip r:embed="rId2"/>
+          <a:stretch>
+            <a:fillRect/>
+          </a:stretch>
+        </p:blipFill>
+        <p:spPr>
+          <a:xfrm>
+            <a:off x="395895" y="3284763"/>
+            <a:ext cx="8351236" cy="1001393"/>
+          </a:xfrm>
+          <a:prstGeom prst="rect">
+            <a:avLst/>
+          </a:prstGeom>
+          <a:ln>
+            <a:noFill/>
+          </a:ln>
+        </p:spPr>
+      </p:pic>
+      <p:pic>
+        <p:nvPicPr>
+          <p:cNvPr id="7" name="図 6"/>
+          <p:cNvPicPr>
+            <a:picLocks noChangeAspect="1"/>
+          </p:cNvPicPr>
+          <p:nvPr/>
+        </p:nvPicPr>
+        <p:blipFill>
+          <a:blip r:embed="rId3"/>
+          <a:stretch>
+            <a:fillRect/>
+          </a:stretch>
+        </p:blipFill>
+        <p:spPr>
+          <a:xfrm>
+            <a:off x="396382" y="4365130"/>
+            <a:ext cx="8004842" cy="1007691"/>
+          </a:xfrm>
+          <a:prstGeom prst="rect">
+            <a:avLst/>
+          </a:prstGeom>
+          <a:ln>
+            <a:noFill/>
+          </a:ln>
+        </p:spPr>
+      </p:pic>
+      <p:sp>
+        <p:nvSpPr>
+          <p:cNvPr id="9" name="角丸四角形吹き出し 8"/>
+          <p:cNvSpPr/>
+          <p:nvPr/>
+        </p:nvSpPr>
+        <p:spPr bwMode="auto">
+          <a:xfrm>
+            <a:off x="1475570" y="2452136"/>
+            <a:ext cx="3024420" cy="592846"/>
+          </a:xfrm>
+          <a:prstGeom prst="wedgeRoundRectCallout">
+            <a:avLst>
+              <a:gd name="adj1" fmla="val 9324"/>
+              <a:gd name="adj2" fmla="val 85363"/>
+              <a:gd name="adj3" fmla="val 16667"/>
+            </a:avLst>
+          </a:prstGeom>
+          <a:solidFill>
+            <a:schemeClr val="bg1"/>
+          </a:solidFill>
+          <a:ln w="12700">
+            <a:solidFill>
+              <a:srgbClr val="002060"/>
+            </a:solidFill>
+          </a:ln>
+          <a:effectLst/>
+          <a:extLst/>
+        </p:spPr>
+        <p:txBody>
+          <a:bodyPr rot="0" spcFirstLastPara="0" vertOverflow="overflow" horzOverflow="overflow" vert="horz" wrap="none" lIns="72000" tIns="72000" rIns="72000" bIns="72000" numCol="1" spcCol="0" rtlCol="0" fromWordArt="0" anchor="t" anchorCtr="0" forceAA="0" compatLnSpc="1">
+            <a:prstTxWarp prst="textNoShape">
+              <a:avLst/>
+            </a:prstTxWarp>
+            <a:noAutofit/>
+          </a:bodyPr>
+          <a:lstStyle/>
+          <a:p>
+            <a:r>
+              <a:rPr lang="ja-JP" altLang="en-US" sz="1200" smtClean="0">
+                <a:latin typeface="+mn-ea"/>
+              </a:rPr>
+              <a:t>リモートリポジトリや資材パスを選択し、</a:t>
+            </a:r>
+            <a:r>
+              <a:rPr lang="en-US" altLang="ja-JP" sz="1200" smtClean="0">
+                <a:latin typeface="+mn-ea"/>
+              </a:rPr>
+              <a:t/>
+            </a:r>
+            <a:br>
+              <a:rPr lang="en-US" altLang="ja-JP" sz="1200" smtClean="0">
+                <a:latin typeface="+mn-ea"/>
+              </a:rPr>
+            </a:br>
+            <a:r>
+              <a:rPr lang="ja-JP" altLang="en-US" sz="1200" smtClean="0">
+                <a:latin typeface="+mn-ea"/>
+              </a:rPr>
+              <a:t>紐付元資材を選択する</a:t>
+            </a:r>
+            <a:endParaRPr kumimoji="1" lang="ja-JP" altLang="en-US" sz="1200" dirty="0" smtClean="0">
+              <a:latin typeface="+mn-ea"/>
+            </a:endParaRPr>
+          </a:p>
+        </p:txBody>
+      </p:sp>
+      <p:sp>
+        <p:nvSpPr>
+          <p:cNvPr id="10" name="角丸四角形吹き出し 9"/>
+          <p:cNvSpPr/>
+          <p:nvPr/>
+        </p:nvSpPr>
+        <p:spPr bwMode="auto">
+          <a:xfrm>
+            <a:off x="5004060" y="2469677"/>
+            <a:ext cx="3024420" cy="592846"/>
+          </a:xfrm>
+          <a:prstGeom prst="wedgeRoundRectCallout">
+            <a:avLst>
+              <a:gd name="adj1" fmla="val -42074"/>
+              <a:gd name="adj2" fmla="val 114283"/>
+              <a:gd name="adj3" fmla="val 16667"/>
+            </a:avLst>
+          </a:prstGeom>
+          <a:solidFill>
+            <a:schemeClr val="bg1"/>
+          </a:solidFill>
+          <a:ln w="12700">
+            <a:solidFill>
+              <a:srgbClr val="002060"/>
+            </a:solidFill>
+          </a:ln>
+          <a:effectLst/>
+          <a:extLst/>
+        </p:spPr>
+        <p:txBody>
+          <a:bodyPr rot="0" spcFirstLastPara="0" vertOverflow="overflow" horzOverflow="overflow" vert="horz" wrap="none" lIns="72000" tIns="72000" rIns="72000" bIns="72000" numCol="1" spcCol="0" rtlCol="0" fromWordArt="0" anchor="t" anchorCtr="0" forceAA="0" compatLnSpc="1">
+            <a:prstTxWarp prst="textNoShape">
+              <a:avLst/>
+            </a:prstTxWarp>
+            <a:noAutofit/>
+          </a:bodyPr>
+          <a:lstStyle/>
+          <a:p>
+            <a:r>
+              <a:rPr kumimoji="1" lang="ja-JP" altLang="en-US" sz="1200" smtClean="0">
+                <a:latin typeface="+mn-ea"/>
+              </a:rPr>
+              <a:t>資材のタイプを選択する</a:t>
+            </a:r>
+            <a:r>
+              <a:rPr kumimoji="1" lang="en-US" altLang="ja-JP" sz="1200" smtClean="0">
+                <a:latin typeface="+mn-ea"/>
+              </a:rPr>
+              <a:t/>
+            </a:r>
+            <a:br>
+              <a:rPr kumimoji="1" lang="en-US" altLang="ja-JP" sz="1200" smtClean="0">
+                <a:latin typeface="+mn-ea"/>
+              </a:rPr>
+            </a:br>
+            <a:r>
+              <a:rPr kumimoji="1" lang="ja-JP" altLang="en-US" sz="1200" smtClean="0">
+                <a:latin typeface="+mn-ea"/>
+              </a:rPr>
+              <a:t>例</a:t>
+            </a:r>
+            <a:r>
+              <a:rPr lang="en-US" altLang="ja-JP" sz="1200" smtClean="0">
+                <a:latin typeface="+mn-ea"/>
+              </a:rPr>
+              <a:t>:</a:t>
+            </a:r>
+            <a:r>
+              <a:rPr lang="ja-JP" altLang="en-US" sz="1200">
+                <a:latin typeface="+mn-ea"/>
+              </a:rPr>
+              <a:t> </a:t>
+            </a:r>
+            <a:r>
+              <a:rPr lang="en-US" altLang="ja-JP" sz="1200"/>
+              <a:t>Ansible-Legacy/Playbook </a:t>
+            </a:r>
+            <a:r>
+              <a:rPr lang="ja-JP" altLang="en-US" sz="1200" smtClean="0"/>
+              <a:t>素材集</a:t>
+            </a:r>
+            <a:endParaRPr lang="ja-JP" altLang="en-US" sz="1200"/>
+          </a:p>
+        </p:txBody>
+      </p:sp>
+      <p:sp>
+        <p:nvSpPr>
+          <p:cNvPr id="8" name="正方形/長方形 7"/>
+          <p:cNvSpPr/>
+          <p:nvPr/>
+        </p:nvSpPr>
+        <p:spPr bwMode="auto">
+          <a:xfrm>
+            <a:off x="5076070" y="4509150"/>
+            <a:ext cx="2520350" cy="720100"/>
+          </a:xfrm>
+          <a:prstGeom prst="rect">
+            <a:avLst/>
+          </a:prstGeom>
+          <a:noFill/>
+          <a:ln w="12700">
+            <a:solidFill>
+              <a:srgbClr val="FF0000"/>
+            </a:solidFill>
+          </a:ln>
+          <a:effectLst/>
+          <a:extLst/>
+        </p:spPr>
+        <p:txBody>
+          <a:bodyPr rot="0" spcFirstLastPara="0" vertOverflow="overflow" horzOverflow="overflow" vert="horz" wrap="none" lIns="72000" tIns="72000" rIns="72000" bIns="72000" numCol="1" spcCol="0" rtlCol="0" fromWordArt="0" anchor="ctr" anchorCtr="0" forceAA="0" compatLnSpc="1">
+            <a:prstTxWarp prst="textNoShape">
+              <a:avLst/>
+            </a:prstTxWarp>
+            <a:noAutofit/>
+          </a:bodyPr>
+          <a:lstStyle/>
+          <a:p>
+            <a:pPr algn="ctr"/>
+            <a:endParaRPr kumimoji="1" lang="ja-JP" altLang="en-US" b="1" dirty="0" smtClean="0">
+              <a:latin typeface="+mn-ea"/>
+            </a:endParaRPr>
+          </a:p>
+        </p:txBody>
+      </p:sp>
+      <p:sp>
+        <p:nvSpPr>
+          <p:cNvPr id="11" name="角丸四角形吹き出し 10"/>
+          <p:cNvSpPr/>
+          <p:nvPr/>
+        </p:nvSpPr>
+        <p:spPr bwMode="auto">
+          <a:xfrm>
+            <a:off x="3851900" y="5451795"/>
+            <a:ext cx="3888540" cy="592846"/>
+          </a:xfrm>
+          <a:prstGeom prst="wedgeRoundRectCallout">
+            <a:avLst>
+              <a:gd name="adj1" fmla="val 20494"/>
+              <a:gd name="adj2" fmla="val -97796"/>
+              <a:gd name="adj3" fmla="val 16667"/>
+            </a:avLst>
+          </a:prstGeom>
+          <a:solidFill>
+            <a:schemeClr val="bg1"/>
+          </a:solidFill>
+          <a:ln w="12700">
+            <a:solidFill>
+              <a:srgbClr val="002060"/>
+            </a:solidFill>
+          </a:ln>
+          <a:effectLst/>
+          <a:extLst/>
+        </p:spPr>
+        <p:txBody>
+          <a:bodyPr rot="0" spcFirstLastPara="0" vertOverflow="overflow" horzOverflow="overflow" vert="horz" wrap="none" lIns="72000" tIns="72000" rIns="72000" bIns="72000" numCol="1" spcCol="0" rtlCol="0" fromWordArt="0" anchor="t" anchorCtr="0" forceAA="0" compatLnSpc="1">
+            <a:prstTxWarp prst="textNoShape">
+              <a:avLst/>
+            </a:prstTxWarp>
+            <a:noAutofit/>
+          </a:bodyPr>
+          <a:lstStyle/>
+          <a:p>
+            <a:r>
+              <a:rPr lang="ja-JP" altLang="en-US" sz="1200"/>
+              <a:t>紐付先資材の動作検証を行う為</a:t>
+            </a:r>
+            <a:r>
+              <a:rPr lang="ja-JP" altLang="en-US" sz="1200"/>
+              <a:t>の</a:t>
+            </a:r>
+            <a:r>
+              <a:rPr lang="ja-JP" altLang="en-US" sz="1200" smtClean="0"/>
+              <a:t>オペレーションや</a:t>
+            </a:r>
+            <a:endParaRPr lang="en-US" altLang="ja-JP" sz="1200" smtClean="0"/>
+          </a:p>
+          <a:p>
+            <a:r>
+              <a:rPr lang="en-US" altLang="ja-JP" sz="1200" smtClean="0"/>
+              <a:t>Movement</a:t>
+            </a:r>
+            <a:r>
+              <a:rPr lang="ja-JP" altLang="en-US" sz="1200" smtClean="0"/>
+              <a:t>を指定する</a:t>
+            </a:r>
+            <a:endParaRPr kumimoji="1" lang="ja-JP" altLang="en-US" sz="1200" dirty="0" smtClean="0">
+              <a:latin typeface="+mn-ea"/>
+            </a:endParaRPr>
+          </a:p>
+        </p:txBody>
+      </p:sp>
     </p:spTree>
     <p:extLst>
       <p:ext uri="{BB962C8B-B14F-4D97-AF65-F5344CB8AC3E}">
@@ -8511,6 +8483,916 @@
           <a:lstStyle/>
           <a:p>
             <a:r>
+              <a:rPr lang="en-US" altLang="ja-JP"/>
+              <a:t>2.3</a:t>
+            </a:r>
+            <a:r>
+              <a:rPr lang="ja-JP" altLang="en-US"/>
+              <a:t>　</a:t>
+            </a:r>
+            <a:r>
+              <a:rPr lang="en-US" altLang="ja-JP"/>
+              <a:t> CI/CD for IaC</a:t>
+            </a:r>
+            <a:r>
+              <a:rPr lang="ja-JP" altLang="en-US"/>
+              <a:t>メニューの機能説明</a:t>
+            </a:r>
+            <a:r>
+              <a:rPr lang="ja-JP" altLang="en-US"/>
+              <a:t>　</a:t>
+            </a:r>
+            <a:r>
+              <a:rPr lang="ja-JP" altLang="en-US" smtClean="0"/>
+              <a:t>（</a:t>
+            </a:r>
+            <a:r>
+              <a:rPr lang="en-US" altLang="ja-JP"/>
+              <a:t>5</a:t>
+            </a:r>
+            <a:r>
+              <a:rPr lang="en-US" altLang="ja-JP" smtClean="0"/>
+              <a:t>/6</a:t>
+            </a:r>
+            <a:r>
+              <a:rPr lang="ja-JP" altLang="en-US" smtClean="0"/>
+              <a:t>）</a:t>
+            </a:r>
+            <a:endParaRPr kumimoji="1" lang="ja-JP" altLang="en-US"/>
+          </a:p>
+        </p:txBody>
+      </p:sp>
+      <p:graphicFrame>
+        <p:nvGraphicFramePr>
+          <p:cNvPr id="4" name="表 3"/>
+          <p:cNvGraphicFramePr>
+            <a:graphicFrameLocks noGrp="1"/>
+          </p:cNvGraphicFramePr>
+          <p:nvPr>
+            <p:extLst>
+              <p:ext uri="{D42A27DB-BD31-4B8C-83A1-F6EECF244321}">
+                <p14:modId xmlns:p14="http://schemas.microsoft.com/office/powerpoint/2010/main" val="3438213738"/>
+              </p:ext>
+            </p:extLst>
+          </p:nvPr>
+        </p:nvGraphicFramePr>
+        <p:xfrm>
+          <a:off x="431486" y="2288590"/>
+          <a:ext cx="8280054" cy="2712720"/>
+        </p:xfrm>
+        <a:graphic>
+          <a:graphicData uri="http://schemas.openxmlformats.org/drawingml/2006/table">
+            <a:tbl>
+              <a:tblPr firstRow="1" bandRow="1">
+                <a:tableStyleId>{93296810-A885-4BE3-A3E7-6D5BEEA58F35}</a:tableStyleId>
+              </a:tblPr>
+              <a:tblGrid>
+                <a:gridCol w="4896682">
+                  <a:extLst>
+                    <a:ext uri="{9D8B030D-6E8A-4147-A177-3AD203B41FA5}">
+                      <a16:colId xmlns:a16="http://schemas.microsoft.com/office/drawing/2014/main" val="2288322642"/>
+                    </a:ext>
+                  </a:extLst>
+                </a:gridCol>
+                <a:gridCol w="3383372">
+                  <a:extLst>
+                    <a:ext uri="{9D8B030D-6E8A-4147-A177-3AD203B41FA5}">
+                      <a16:colId xmlns:a16="http://schemas.microsoft.com/office/drawing/2014/main" val="2459506984"/>
+                    </a:ext>
+                  </a:extLst>
+                </a:gridCol>
+              </a:tblGrid>
+              <a:tr h="333786">
+                <a:tc>
+                  <a:txBody>
+                    <a:bodyPr/>
+                    <a:lstStyle/>
+                    <a:p>
+                      <a:r>
+                        <a:rPr kumimoji="1" lang="ja-JP" altLang="en-US" sz="1800" dirty="0" smtClean="0"/>
+                        <a:t>紐付先資材タイプ一覧</a:t>
+                      </a:r>
+                      <a:endParaRPr kumimoji="1" lang="ja-JP" altLang="en-US" sz="1800" dirty="0"/>
+                    </a:p>
+                  </a:txBody>
+                  <a:tcPr/>
+                </a:tc>
+                <a:tc>
+                  <a:txBody>
+                    <a:bodyPr/>
+                    <a:lstStyle/>
+                    <a:p>
+                      <a:r>
+                        <a:rPr kumimoji="1" lang="ja-JP" altLang="en-US" sz="1800" dirty="0" smtClean="0"/>
+                        <a:t>項目名</a:t>
+                      </a:r>
+                      <a:endParaRPr kumimoji="1" lang="ja-JP" altLang="en-US" sz="1800" dirty="0"/>
+                    </a:p>
+                  </a:txBody>
+                  <a:tcPr/>
+                </a:tc>
+                <a:extLst>
+                  <a:ext uri="{0D108BD9-81ED-4DB2-BD59-A6C34878D82A}">
+                    <a16:rowId xmlns:a16="http://schemas.microsoft.com/office/drawing/2014/main" val="2102378440"/>
+                  </a:ext>
+                </a:extLst>
+              </a:tr>
+              <a:tr h="305970">
+                <a:tc>
+                  <a:txBody>
+                    <a:bodyPr/>
+                    <a:lstStyle/>
+                    <a:p>
+                      <a:r>
+                        <a:rPr lang="en-US" altLang="ja-JP" sz="1600" dirty="0" err="1" smtClean="0"/>
+                        <a:t>Ansible</a:t>
+                      </a:r>
+                      <a:r>
+                        <a:rPr lang="en-US" altLang="ja-JP" sz="1600" dirty="0" smtClean="0"/>
+                        <a:t>-Legacy/Playbook </a:t>
+                      </a:r>
+                      <a:r>
+                        <a:rPr lang="ja-JP" altLang="en-US" sz="1600" dirty="0" smtClean="0"/>
+                        <a:t>素材集</a:t>
+                      </a:r>
+                      <a:endParaRPr kumimoji="1" lang="ja-JP" altLang="en-US" sz="1600" dirty="0"/>
+                    </a:p>
+                  </a:txBody>
+                  <a:tcPr/>
+                </a:tc>
+                <a:tc>
+                  <a:txBody>
+                    <a:bodyPr/>
+                    <a:lstStyle/>
+                    <a:p>
+                      <a:r>
+                        <a:rPr lang="en-US" altLang="ja-JP" sz="1600" dirty="0" err="1" smtClean="0"/>
+                        <a:t>Paybook</a:t>
+                      </a:r>
+                      <a:r>
+                        <a:rPr lang="en-US" altLang="ja-JP" sz="1600" dirty="0" smtClean="0"/>
+                        <a:t> </a:t>
+                      </a:r>
+                      <a:r>
+                        <a:rPr lang="ja-JP" altLang="en-US" sz="1600" dirty="0" smtClean="0"/>
+                        <a:t>素材名</a:t>
+                      </a:r>
+                      <a:endParaRPr kumimoji="1" lang="ja-JP" altLang="en-US" sz="1600" dirty="0"/>
+                    </a:p>
+                  </a:txBody>
+                  <a:tcPr/>
+                </a:tc>
+                <a:extLst>
+                  <a:ext uri="{0D108BD9-81ED-4DB2-BD59-A6C34878D82A}">
+                    <a16:rowId xmlns:a16="http://schemas.microsoft.com/office/drawing/2014/main" val="286152281"/>
+                  </a:ext>
+                </a:extLst>
+              </a:tr>
+              <a:tr h="305970">
+                <a:tc>
+                  <a:txBody>
+                    <a:bodyPr/>
+                    <a:lstStyle/>
+                    <a:p>
+                      <a:r>
+                        <a:rPr lang="en-US" altLang="ja-JP" sz="1600" dirty="0" err="1" smtClean="0"/>
+                        <a:t>Ansible</a:t>
+                      </a:r>
+                      <a:r>
+                        <a:rPr lang="en-US" altLang="ja-JP" sz="1600" dirty="0" smtClean="0"/>
+                        <a:t>-Pioneer/</a:t>
+                      </a:r>
+                      <a:r>
+                        <a:rPr lang="ja-JP" altLang="en-US" sz="1600" dirty="0" smtClean="0"/>
+                        <a:t>対話ファイル素材集</a:t>
+                      </a:r>
+                      <a:endParaRPr kumimoji="1" lang="ja-JP" altLang="en-US" sz="1600" dirty="0"/>
+                    </a:p>
+                  </a:txBody>
+                  <a:tcPr/>
+                </a:tc>
+                <a:tc>
+                  <a:txBody>
+                    <a:bodyPr/>
+                    <a:lstStyle/>
+                    <a:p>
+                      <a:r>
+                        <a:rPr lang="en-US" altLang="ja-JP" sz="1600" smtClean="0"/>
+                        <a:t>(</a:t>
+                      </a:r>
+                      <a:r>
+                        <a:rPr lang="ja-JP" altLang="en-US" sz="1600" smtClean="0"/>
+                        <a:t>対象</a:t>
+                      </a:r>
+                      <a:r>
+                        <a:rPr lang="ja-JP" altLang="en-US" sz="1600" smtClean="0"/>
+                        <a:t>項目</a:t>
+                      </a:r>
+                      <a:r>
+                        <a:rPr lang="ja-JP" altLang="en-US" sz="1600" smtClean="0"/>
+                        <a:t>なし</a:t>
+                      </a:r>
+                      <a:r>
+                        <a:rPr lang="en-US" altLang="ja-JP" sz="1600" smtClean="0"/>
+                        <a:t>)</a:t>
+                      </a:r>
+                      <a:endParaRPr kumimoji="1" lang="ja-JP" altLang="en-US" sz="1600" dirty="0"/>
+                    </a:p>
+                  </a:txBody>
+                  <a:tcPr/>
+                </a:tc>
+                <a:extLst>
+                  <a:ext uri="{0D108BD9-81ED-4DB2-BD59-A6C34878D82A}">
+                    <a16:rowId xmlns:a16="http://schemas.microsoft.com/office/drawing/2014/main" val="2886195118"/>
+                  </a:ext>
+                </a:extLst>
+              </a:tr>
+              <a:tr h="305970">
+                <a:tc>
+                  <a:txBody>
+                    <a:bodyPr/>
+                    <a:lstStyle/>
+                    <a:p>
+                      <a:r>
+                        <a:rPr lang="en-US" altLang="ja-JP" sz="1600" dirty="0" err="1" smtClean="0"/>
+                        <a:t>Ansible-LegacyRole</a:t>
+                      </a:r>
+                      <a:r>
+                        <a:rPr lang="en-US" altLang="ja-JP" sz="1600" dirty="0" smtClean="0"/>
+                        <a:t>/</a:t>
+                      </a:r>
+                      <a:r>
+                        <a:rPr lang="ja-JP" altLang="en-US" sz="1600" dirty="0" smtClean="0"/>
+                        <a:t>ロールパッケージ管理</a:t>
+                      </a:r>
+                      <a:endParaRPr kumimoji="1" lang="ja-JP" altLang="en-US" sz="1600" dirty="0"/>
+                    </a:p>
+                  </a:txBody>
+                  <a:tcPr/>
+                </a:tc>
+                <a:tc>
+                  <a:txBody>
+                    <a:bodyPr/>
+                    <a:lstStyle/>
+                    <a:p>
+                      <a:r>
+                        <a:rPr lang="ja-JP" altLang="en-US" sz="1600" dirty="0" smtClean="0"/>
+                        <a:t>ロールパッケージ名</a:t>
+                      </a:r>
+                      <a:endParaRPr kumimoji="1" lang="ja-JP" altLang="en-US" sz="1600" dirty="0"/>
+                    </a:p>
+                  </a:txBody>
+                  <a:tcPr/>
+                </a:tc>
+                <a:extLst>
+                  <a:ext uri="{0D108BD9-81ED-4DB2-BD59-A6C34878D82A}">
+                    <a16:rowId xmlns:a16="http://schemas.microsoft.com/office/drawing/2014/main" val="1600260494"/>
+                  </a:ext>
+                </a:extLst>
+              </a:tr>
+              <a:tr h="305970">
+                <a:tc>
+                  <a:txBody>
+                    <a:bodyPr/>
+                    <a:lstStyle/>
+                    <a:p>
+                      <a:r>
+                        <a:rPr lang="en-US" altLang="ja-JP" sz="1600" dirty="0" err="1" smtClean="0"/>
+                        <a:t>Ansible</a:t>
+                      </a:r>
+                      <a:r>
+                        <a:rPr lang="en-US" altLang="ja-JP" sz="1600" dirty="0" smtClean="0"/>
+                        <a:t> </a:t>
+                      </a:r>
+                      <a:r>
+                        <a:rPr lang="ja-JP" altLang="en-US" sz="1600" dirty="0" smtClean="0"/>
+                        <a:t>共通</a:t>
+                      </a:r>
+                      <a:r>
+                        <a:rPr lang="en-US" altLang="ja-JP" sz="1600" dirty="0" smtClean="0"/>
+                        <a:t>/</a:t>
+                      </a:r>
+                      <a:r>
+                        <a:rPr lang="ja-JP" altLang="en-US" sz="1600" dirty="0" smtClean="0"/>
+                        <a:t>ファイル管理</a:t>
+                      </a:r>
+                      <a:endParaRPr kumimoji="1" lang="ja-JP" altLang="en-US" sz="1600" dirty="0"/>
+                    </a:p>
+                  </a:txBody>
+                  <a:tcPr/>
+                </a:tc>
+                <a:tc>
+                  <a:txBody>
+                    <a:bodyPr/>
+                    <a:lstStyle/>
+                    <a:p>
+                      <a:r>
+                        <a:rPr lang="ja-JP" altLang="en-US" sz="1600" dirty="0" smtClean="0"/>
+                        <a:t>ファイル</a:t>
+                      </a:r>
+                      <a:r>
+                        <a:rPr lang="zh-CN" altLang="en-US" sz="1600" dirty="0" smtClean="0"/>
+                        <a:t>埋込変数名</a:t>
+                      </a:r>
+                      <a:endParaRPr kumimoji="1" lang="ja-JP" altLang="en-US" sz="1600" dirty="0"/>
+                    </a:p>
+                  </a:txBody>
+                  <a:tcPr/>
+                </a:tc>
+                <a:extLst>
+                  <a:ext uri="{0D108BD9-81ED-4DB2-BD59-A6C34878D82A}">
+                    <a16:rowId xmlns:a16="http://schemas.microsoft.com/office/drawing/2014/main" val="3833086902"/>
+                  </a:ext>
+                </a:extLst>
+              </a:tr>
+              <a:tr h="305970">
+                <a:tc>
+                  <a:txBody>
+                    <a:bodyPr/>
+                    <a:lstStyle/>
+                    <a:p>
+                      <a:r>
+                        <a:rPr lang="en-US" altLang="ja-JP" sz="1600" dirty="0" err="1" smtClean="0"/>
+                        <a:t>Ansible</a:t>
+                      </a:r>
+                      <a:r>
+                        <a:rPr lang="en-US" altLang="ja-JP" sz="1600" dirty="0" smtClean="0"/>
+                        <a:t> </a:t>
+                      </a:r>
+                      <a:r>
+                        <a:rPr lang="ja-JP" altLang="en-US" sz="1600" dirty="0" smtClean="0"/>
+                        <a:t>共通</a:t>
+                      </a:r>
+                      <a:r>
+                        <a:rPr lang="en-US" altLang="ja-JP" sz="1600" dirty="0" smtClean="0"/>
+                        <a:t>/</a:t>
+                      </a:r>
+                      <a:r>
+                        <a:rPr lang="ja-JP" altLang="en-US" sz="1600" dirty="0" smtClean="0"/>
+                        <a:t>テンプレート管理</a:t>
+                      </a:r>
+                      <a:endParaRPr kumimoji="1" lang="ja-JP" altLang="en-US" sz="1600" dirty="0"/>
+                    </a:p>
+                  </a:txBody>
+                  <a:tcPr/>
+                </a:tc>
+                <a:tc>
+                  <a:txBody>
+                    <a:bodyPr/>
+                    <a:lstStyle/>
+                    <a:p>
+                      <a:r>
+                        <a:rPr lang="ja-JP" altLang="en-US" sz="1600" dirty="0" smtClean="0"/>
+                        <a:t>テンプレート</a:t>
+                      </a:r>
+                      <a:r>
+                        <a:rPr lang="zh-CN" altLang="en-US" sz="1600" dirty="0" smtClean="0"/>
+                        <a:t>埋込変数名</a:t>
+                      </a:r>
+                      <a:endParaRPr kumimoji="1" lang="ja-JP" altLang="en-US" sz="1600" dirty="0"/>
+                    </a:p>
+                  </a:txBody>
+                  <a:tcPr/>
+                </a:tc>
+                <a:extLst>
+                  <a:ext uri="{0D108BD9-81ED-4DB2-BD59-A6C34878D82A}">
+                    <a16:rowId xmlns:a16="http://schemas.microsoft.com/office/drawing/2014/main" val="2138706014"/>
+                  </a:ext>
+                </a:extLst>
+              </a:tr>
+              <a:tr h="305970">
+                <a:tc>
+                  <a:txBody>
+                    <a:bodyPr/>
+                    <a:lstStyle/>
+                    <a:p>
+                      <a:r>
+                        <a:rPr lang="en-US" altLang="ja-JP" sz="1600" dirty="0" smtClean="0"/>
+                        <a:t>Terraform/Module </a:t>
+                      </a:r>
+                      <a:r>
+                        <a:rPr lang="ja-JP" altLang="en-US" sz="1600" dirty="0" smtClean="0"/>
+                        <a:t>素材</a:t>
+                      </a:r>
+                      <a:endParaRPr kumimoji="1" lang="ja-JP" altLang="en-US" sz="1600" dirty="0"/>
+                    </a:p>
+                  </a:txBody>
+                  <a:tcPr/>
+                </a:tc>
+                <a:tc>
+                  <a:txBody>
+                    <a:bodyPr/>
+                    <a:lstStyle/>
+                    <a:p>
+                      <a:r>
+                        <a:rPr lang="en-US" altLang="ja-JP" sz="1600" dirty="0" smtClean="0"/>
+                        <a:t>Module </a:t>
+                      </a:r>
+                      <a:r>
+                        <a:rPr lang="ja-JP" altLang="en-US" sz="1600" dirty="0" smtClean="0"/>
+                        <a:t>素材名</a:t>
+                      </a:r>
+                      <a:endParaRPr kumimoji="1" lang="ja-JP" altLang="en-US" sz="1600" dirty="0"/>
+                    </a:p>
+                  </a:txBody>
+                  <a:tcPr/>
+                </a:tc>
+                <a:extLst>
+                  <a:ext uri="{0D108BD9-81ED-4DB2-BD59-A6C34878D82A}">
+                    <a16:rowId xmlns:a16="http://schemas.microsoft.com/office/drawing/2014/main" val="3168727577"/>
+                  </a:ext>
+                </a:extLst>
+              </a:tr>
+              <a:tr h="305970">
+                <a:tc>
+                  <a:txBody>
+                    <a:bodyPr/>
+                    <a:lstStyle/>
+                    <a:p>
+                      <a:r>
+                        <a:rPr lang="en-US" altLang="ja-JP" sz="1600" dirty="0" smtClean="0"/>
+                        <a:t>Terraform/Policy </a:t>
+                      </a:r>
+                      <a:r>
+                        <a:rPr lang="ja-JP" altLang="en-US" sz="1600" dirty="0" smtClean="0"/>
+                        <a:t>管理</a:t>
+                      </a:r>
+                      <a:endParaRPr kumimoji="1" lang="ja-JP" altLang="en-US" sz="1600" dirty="0"/>
+                    </a:p>
+                  </a:txBody>
+                  <a:tcPr/>
+                </a:tc>
+                <a:tc>
+                  <a:txBody>
+                    <a:bodyPr/>
+                    <a:lstStyle/>
+                    <a:p>
+                      <a:r>
+                        <a:rPr lang="en-US" altLang="ja-JP" sz="1600" dirty="0" smtClean="0"/>
+                        <a:t>Policy </a:t>
+                      </a:r>
+                      <a:r>
+                        <a:rPr lang="ja-JP" altLang="en-US" sz="1600" dirty="0" smtClean="0"/>
+                        <a:t>名</a:t>
+                      </a:r>
+                      <a:endParaRPr kumimoji="1" lang="ja-JP" altLang="en-US" sz="1600" dirty="0"/>
+                    </a:p>
+                  </a:txBody>
+                  <a:tcPr/>
+                </a:tc>
+                <a:extLst>
+                  <a:ext uri="{0D108BD9-81ED-4DB2-BD59-A6C34878D82A}">
+                    <a16:rowId xmlns:a16="http://schemas.microsoft.com/office/drawing/2014/main" val="1887339511"/>
+                  </a:ext>
+                </a:extLst>
+              </a:tr>
+            </a:tbl>
+          </a:graphicData>
+        </a:graphic>
+      </p:graphicFrame>
+      <p:sp>
+        <p:nvSpPr>
+          <p:cNvPr id="6" name="コンテンツ プレースホルダー 2"/>
+          <p:cNvSpPr>
+            <a:spLocks noGrp="1"/>
+          </p:cNvSpPr>
+          <p:nvPr>
+            <p:ph sz="quarter" idx="10"/>
+          </p:nvPr>
+        </p:nvSpPr>
+        <p:spPr>
+          <a:xfrm>
+            <a:off x="190126" y="836712"/>
+            <a:ext cx="8784976" cy="5616476"/>
+          </a:xfrm>
+        </p:spPr>
+        <p:txBody>
+          <a:bodyPr/>
+          <a:lstStyle/>
+          <a:p>
+            <a:r>
+              <a:rPr lang="ja-JP" altLang="en-US" b="1" dirty="0" smtClean="0"/>
+              <a:t>資材紐付</a:t>
+            </a:r>
+            <a:endParaRPr lang="en-US" altLang="ja-JP" b="1" dirty="0" smtClean="0"/>
+          </a:p>
+          <a:p>
+            <a:pPr lvl="1"/>
+            <a:r>
+              <a:rPr lang="ja-JP" altLang="en-US" smtClean="0"/>
+              <a:t>「紐付先資材名」項目には、</a:t>
+            </a:r>
+            <a:r>
+              <a:rPr lang="ja-JP" altLang="en-US" smtClean="0">
+                <a:solidFill>
+                  <a:srgbClr val="FF0000"/>
+                </a:solidFill>
+              </a:rPr>
+              <a:t>紐付先メニューへの登録時に利用する資材名</a:t>
+            </a:r>
+            <a:r>
+              <a:rPr lang="ja-JP" altLang="en-US" smtClean="0"/>
+              <a:t>を登録します。</a:t>
+            </a:r>
+            <a:r>
+              <a:rPr lang="en-US" altLang="ja-JP" smtClean="0"/>
+              <a:t/>
+            </a:r>
+            <a:br>
+              <a:rPr lang="en-US" altLang="ja-JP" smtClean="0"/>
+            </a:br>
+            <a:r>
+              <a:rPr lang="ja-JP" altLang="en-US" smtClean="0"/>
+              <a:t>「</a:t>
+            </a:r>
+            <a:r>
+              <a:rPr lang="ja-JP" altLang="en-US" smtClean="0"/>
+              <a:t>紐付先資材タイプ一覧」の候補と対応する紐付先での項目名は下表の通りです。</a:t>
+            </a:r>
+            <a:endParaRPr lang="en-US" altLang="ja-JP"/>
+          </a:p>
+          <a:p>
+            <a:pPr lvl="1"/>
+            <a:r>
+              <a:rPr lang="ja-JP" altLang="en-US" smtClean="0"/>
+              <a:t>紐付先</a:t>
+            </a:r>
+            <a:r>
+              <a:rPr lang="ja-JP" altLang="en-US" smtClean="0"/>
+              <a:t>メニューの項目と同等の入力規則</a:t>
+            </a:r>
+            <a:r>
+              <a:rPr lang="ja-JP" altLang="en-US" smtClean="0"/>
+              <a:t>に従って入力する必要が</a:t>
+            </a:r>
+            <a:r>
+              <a:rPr lang="ja-JP" altLang="en-US" smtClean="0"/>
+              <a:t>あります。</a:t>
+            </a:r>
+            <a:endParaRPr lang="en-US" altLang="ja-JP" dirty="0" smtClean="0"/>
+          </a:p>
+        </p:txBody>
+      </p:sp>
+      <p:sp>
+        <p:nvSpPr>
+          <p:cNvPr id="7" name="角丸四角形 6"/>
+          <p:cNvSpPr/>
+          <p:nvPr/>
+        </p:nvSpPr>
+        <p:spPr bwMode="auto">
+          <a:xfrm>
+            <a:off x="1296796" y="5264630"/>
+            <a:ext cx="7414744" cy="513165"/>
+          </a:xfrm>
+          <a:prstGeom prst="roundRect">
+            <a:avLst/>
+          </a:prstGeom>
+          <a:solidFill>
+            <a:schemeClr val="bg1">
+              <a:lumMod val="95000"/>
+            </a:schemeClr>
+          </a:solidFill>
+          <a:ln w="12700">
+            <a:solidFill>
+              <a:schemeClr val="tx1"/>
+            </a:solidFill>
+          </a:ln>
+          <a:effectLst/>
+          <a:extLst/>
+        </p:spPr>
+        <p:txBody>
+          <a:bodyPr rot="0" spcFirstLastPara="0" vertOverflow="overflow" horzOverflow="overflow" vert="horz" wrap="none" lIns="72000" tIns="72000" rIns="72000" bIns="72000" numCol="1" spcCol="0" rtlCol="0" fromWordArt="0" anchor="t" anchorCtr="0" forceAA="0" compatLnSpc="1">
+            <a:prstTxWarp prst="textNoShape">
+              <a:avLst/>
+            </a:prstTxWarp>
+            <a:noAutofit/>
+          </a:bodyPr>
+          <a:lstStyle/>
+          <a:p>
+            <a:r>
+              <a:rPr kumimoji="1" lang="ja-JP" altLang="en-US" sz="1200" smtClean="0">
+                <a:latin typeface="+mn-ea"/>
+              </a:rPr>
+              <a:t>「紐付先資材名」に「</a:t>
+            </a:r>
+            <a:r>
+              <a:rPr lang="en-US" altLang="ja-JP" sz="1200" smtClean="0">
+                <a:solidFill>
+                  <a:srgbClr val="FF0000"/>
+                </a:solidFill>
+              </a:rPr>
+              <a:t>yum_package_install</a:t>
+            </a:r>
+            <a:r>
+              <a:rPr kumimoji="1" lang="ja-JP" altLang="en-US" sz="1200" smtClean="0">
+                <a:latin typeface="+mn-ea"/>
+              </a:rPr>
+              <a:t>」と入力し、</a:t>
+            </a:r>
+            <a:r>
+              <a:rPr kumimoji="1" lang="en-US" altLang="ja-JP" sz="1200" smtClean="0">
+                <a:latin typeface="+mn-ea"/>
+              </a:rPr>
+              <a:t/>
+            </a:r>
+            <a:br>
+              <a:rPr kumimoji="1" lang="en-US" altLang="ja-JP" sz="1200" smtClean="0">
+                <a:latin typeface="+mn-ea"/>
+              </a:rPr>
+            </a:br>
+            <a:r>
+              <a:rPr kumimoji="1" lang="ja-JP" altLang="en-US" sz="1200" smtClean="0">
+                <a:latin typeface="+mn-ea"/>
+              </a:rPr>
+              <a:t>「紐付先資材タイプ」</a:t>
+            </a:r>
+            <a:r>
+              <a:rPr lang="ja-JP" altLang="en-US" sz="1200">
+                <a:latin typeface="+mn-ea"/>
+              </a:rPr>
+              <a:t>に</a:t>
+            </a:r>
+            <a:r>
+              <a:rPr kumimoji="1" lang="ja-JP" altLang="en-US" sz="1200" smtClean="0">
+                <a:latin typeface="+mn-ea"/>
+              </a:rPr>
+              <a:t>「</a:t>
+            </a:r>
+            <a:r>
+              <a:rPr lang="en-US" altLang="ja-JP" sz="1200"/>
+              <a:t>Ansible-Legacy/Playbook </a:t>
+            </a:r>
+            <a:r>
+              <a:rPr lang="ja-JP" altLang="en-US" sz="1200" smtClean="0"/>
+              <a:t>素材集</a:t>
+            </a:r>
+            <a:r>
+              <a:rPr kumimoji="1" lang="ja-JP" altLang="en-US" sz="1200" smtClean="0">
+                <a:latin typeface="+mn-ea"/>
+              </a:rPr>
+              <a:t>」を選択した。</a:t>
+            </a:r>
+            <a:endParaRPr kumimoji="1" lang="ja-JP" altLang="en-US" sz="1200" dirty="0" smtClean="0">
+              <a:latin typeface="+mn-ea"/>
+            </a:endParaRPr>
+          </a:p>
+        </p:txBody>
+      </p:sp>
+      <p:sp>
+        <p:nvSpPr>
+          <p:cNvPr id="10" name="角丸四角形 9"/>
+          <p:cNvSpPr/>
+          <p:nvPr/>
+        </p:nvSpPr>
+        <p:spPr bwMode="auto">
+          <a:xfrm>
+            <a:off x="1273889" y="5892661"/>
+            <a:ext cx="7414744" cy="513165"/>
+          </a:xfrm>
+          <a:prstGeom prst="roundRect">
+            <a:avLst/>
+          </a:prstGeom>
+          <a:solidFill>
+            <a:schemeClr val="bg1">
+              <a:lumMod val="95000"/>
+            </a:schemeClr>
+          </a:solidFill>
+          <a:ln w="12700">
+            <a:solidFill>
+              <a:schemeClr val="tx1"/>
+            </a:solidFill>
+          </a:ln>
+          <a:effectLst/>
+          <a:extLst/>
+        </p:spPr>
+        <p:txBody>
+          <a:bodyPr rot="0" spcFirstLastPara="0" vertOverflow="overflow" horzOverflow="overflow" vert="horz" wrap="none" lIns="72000" tIns="72000" rIns="72000" bIns="72000" numCol="1" spcCol="0" rtlCol="0" fromWordArt="0" anchor="t" anchorCtr="0" forceAA="0" compatLnSpc="1">
+            <a:prstTxWarp prst="textNoShape">
+              <a:avLst/>
+            </a:prstTxWarp>
+            <a:noAutofit/>
+          </a:bodyPr>
+          <a:lstStyle/>
+          <a:p>
+            <a:r>
+              <a:rPr lang="ja-JP" altLang="en-US" sz="1200" smtClean="0"/>
+              <a:t>「</a:t>
+            </a:r>
+            <a:r>
+              <a:rPr lang="en-US" altLang="ja-JP" sz="1200" smtClean="0"/>
+              <a:t>Ansible-Legacy/Playbook </a:t>
+            </a:r>
+            <a:r>
+              <a:rPr lang="ja-JP" altLang="en-US" sz="1200"/>
+              <a:t>素材集</a:t>
+            </a:r>
+            <a:r>
+              <a:rPr lang="ja-JP" altLang="en-US" sz="1200" smtClean="0">
+                <a:latin typeface="+mn-ea"/>
+              </a:rPr>
+              <a:t>」メニューへ登録されるレコードの</a:t>
+            </a:r>
+            <a:r>
+              <a:rPr lang="en-US" altLang="ja-JP" sz="1200" smtClean="0">
+                <a:latin typeface="+mn-ea"/>
+              </a:rPr>
+              <a:t/>
+            </a:r>
+            <a:br>
+              <a:rPr lang="en-US" altLang="ja-JP" sz="1200" smtClean="0">
+                <a:latin typeface="+mn-ea"/>
+              </a:rPr>
+            </a:br>
+            <a:r>
+              <a:rPr lang="ja-JP" altLang="en-US" sz="1200" smtClean="0">
+                <a:latin typeface="+mn-ea"/>
+              </a:rPr>
+              <a:t>「</a:t>
+            </a:r>
+            <a:r>
+              <a:rPr lang="en-US" altLang="ja-JP" sz="1200" smtClean="0">
+                <a:latin typeface="+mn-ea"/>
+              </a:rPr>
+              <a:t>Playbook</a:t>
+            </a:r>
+            <a:r>
+              <a:rPr lang="ja-JP" altLang="en-US" sz="1200" smtClean="0">
+                <a:latin typeface="+mn-ea"/>
+              </a:rPr>
+              <a:t>素材名」</a:t>
+            </a:r>
+            <a:r>
+              <a:rPr lang="ja-JP" altLang="en-US" sz="1200">
+                <a:latin typeface="+mn-ea"/>
+              </a:rPr>
+              <a:t>項目</a:t>
+            </a:r>
+            <a:r>
+              <a:rPr lang="ja-JP" altLang="en-US" sz="1200" smtClean="0">
+                <a:latin typeface="+mn-ea"/>
+              </a:rPr>
+              <a:t>に</a:t>
+            </a:r>
+            <a:r>
+              <a:rPr lang="ja-JP" altLang="en-US" sz="1200">
+                <a:latin typeface="+mn-ea"/>
+              </a:rPr>
+              <a:t>は</a:t>
+            </a:r>
+            <a:r>
+              <a:rPr lang="ja-JP" altLang="en-US" sz="1200" smtClean="0">
+                <a:latin typeface="+mn-ea"/>
+              </a:rPr>
+              <a:t>「</a:t>
+            </a:r>
+            <a:r>
+              <a:rPr lang="en-US" altLang="ja-JP" sz="1200" smtClean="0">
+                <a:solidFill>
+                  <a:srgbClr val="FF0000"/>
+                </a:solidFill>
+              </a:rPr>
+              <a:t>yum_package_install</a:t>
+            </a:r>
+            <a:r>
+              <a:rPr lang="ja-JP" altLang="en-US" sz="1200" smtClean="0">
+                <a:latin typeface="+mn-ea"/>
+              </a:rPr>
+              <a:t>」が登録値として利用される。</a:t>
+            </a:r>
+            <a:endParaRPr kumimoji="1" lang="ja-JP" altLang="en-US" sz="1200" dirty="0" smtClean="0">
+              <a:latin typeface="+mn-ea"/>
+            </a:endParaRPr>
+          </a:p>
+        </p:txBody>
+      </p:sp>
+      <p:sp>
+        <p:nvSpPr>
+          <p:cNvPr id="9" name="フローチャート: 組合せ 8"/>
+          <p:cNvSpPr/>
+          <p:nvPr/>
+        </p:nvSpPr>
+        <p:spPr bwMode="auto">
+          <a:xfrm>
+            <a:off x="4366584" y="5727213"/>
+            <a:ext cx="216030" cy="216030"/>
+          </a:xfrm>
+          <a:prstGeom prst="flowChartMerge">
+            <a:avLst/>
+          </a:prstGeom>
+          <a:solidFill>
+            <a:srgbClr val="FFC000"/>
+          </a:solidFill>
+          <a:ln w="12700">
+            <a:solidFill>
+              <a:schemeClr val="tx1"/>
+            </a:solidFill>
+          </a:ln>
+          <a:effectLst/>
+          <a:extLst/>
+        </p:spPr>
+        <p:txBody>
+          <a:bodyPr rot="0" spcFirstLastPara="0" vertOverflow="overflow" horzOverflow="overflow" vert="horz" wrap="none" lIns="72000" tIns="72000" rIns="72000" bIns="72000" numCol="1" spcCol="0" rtlCol="0" fromWordArt="0" anchor="ctr" anchorCtr="0" forceAA="0" compatLnSpc="1">
+            <a:prstTxWarp prst="textNoShape">
+              <a:avLst/>
+            </a:prstTxWarp>
+            <a:noAutofit/>
+          </a:bodyPr>
+          <a:lstStyle/>
+          <a:p>
+            <a:pPr algn="ctr"/>
+            <a:endParaRPr kumimoji="1" lang="ja-JP" altLang="en-US" b="1" dirty="0" smtClean="0">
+              <a:latin typeface="+mn-ea"/>
+            </a:endParaRPr>
+          </a:p>
+        </p:txBody>
+      </p:sp>
+      <p:sp>
+        <p:nvSpPr>
+          <p:cNvPr id="8" name="テキスト ボックス 7"/>
+          <p:cNvSpPr txBox="1"/>
+          <p:nvPr/>
+        </p:nvSpPr>
+        <p:spPr>
+          <a:xfrm>
+            <a:off x="455402" y="5650562"/>
+            <a:ext cx="698958" cy="369332"/>
+          </a:xfrm>
+          <a:prstGeom prst="rect">
+            <a:avLst/>
+          </a:prstGeom>
+          <a:solidFill>
+            <a:schemeClr val="accent1">
+              <a:lumMod val="20000"/>
+              <a:lumOff val="80000"/>
+            </a:schemeClr>
+          </a:solidFill>
+          <a:ln>
+            <a:solidFill>
+              <a:schemeClr val="tx1"/>
+            </a:solidFill>
+          </a:ln>
+        </p:spPr>
+        <p:txBody>
+          <a:bodyPr wrap="square" rtlCol="0" anchor="ctr">
+            <a:spAutoFit/>
+          </a:bodyPr>
+          <a:lstStyle/>
+          <a:p>
+            <a:pPr algn="ctr"/>
+            <a:r>
+              <a:rPr lang="ja-JP" altLang="en-US" b="1"/>
+              <a:t>例</a:t>
+            </a:r>
+            <a:endParaRPr kumimoji="1" lang="ja-JP" altLang="en-US" b="1"/>
+          </a:p>
+        </p:txBody>
+      </p:sp>
+    </p:spTree>
+    <p:extLst>
+      <p:ext uri="{BB962C8B-B14F-4D97-AF65-F5344CB8AC3E}">
+        <p14:creationId xmlns:p14="http://schemas.microsoft.com/office/powerpoint/2010/main" val="4133115594"/>
+      </p:ext>
+    </p:extLst>
+  </p:cSld>
+  <p:clrMapOvr>
+    <a:masterClrMapping/>
+  </p:clrMapOvr>
+</p:sld>
+</file>
+
+<file path=ppt/slides/slide13.xml><?xml version="1.0" encoding="utf-8"?>
+<p:sld xmlns:a="http://schemas.openxmlformats.org/drawingml/2006/main" xmlns:r="http://schemas.openxmlformats.org/officeDocument/2006/relationships" xmlns:p="http://schemas.openxmlformats.org/presentationml/2006/main">
+  <p:cSld>
+    <p:spTree>
+      <p:nvGrpSpPr>
+        <p:cNvPr id="1" name=""/>
+        <p:cNvGrpSpPr/>
+        <p:nvPr/>
+      </p:nvGrpSpPr>
+      <p:grpSpPr>
+        <a:xfrm>
+          <a:off x="0" y="0"/>
+          <a:ext cx="0" cy="0"/>
+          <a:chOff x="0" y="0"/>
+          <a:chExt cx="0" cy="0"/>
+        </a:xfrm>
+      </p:grpSpPr>
+      <p:sp>
+        <p:nvSpPr>
+          <p:cNvPr id="2" name="タイトル 1"/>
+          <p:cNvSpPr>
+            <a:spLocks noGrp="1"/>
+          </p:cNvSpPr>
+          <p:nvPr>
+            <p:ph type="title"/>
+          </p:nvPr>
+        </p:nvSpPr>
+        <p:spPr/>
+        <p:txBody>
+          <a:bodyPr/>
+          <a:lstStyle/>
+          <a:p>
+            <a:r>
               <a:rPr lang="en-US" altLang="ja-JP" dirty="0"/>
               <a:t>2.3</a:t>
             </a:r>
@@ -8577,10 +9459,6 @@
           <a:bodyPr/>
           <a:lstStyle/>
           <a:p>
-            <a:pPr>
-              <a:buFont typeface="Wingdings" panose="05000000000000000000" pitchFamily="2" charset="2"/>
-              <a:buChar char="l"/>
-            </a:pPr>
             <a:r>
               <a:rPr lang="ja-JP" altLang="en-US" b="1" dirty="0" smtClean="0"/>
               <a:t>資材紐付</a:t>
@@ -8747,7 +9625,9 @@
               <a:gd name="adj3" fmla="val 16667"/>
             </a:avLst>
           </a:prstGeom>
-          <a:noFill/>
+          <a:solidFill>
+            <a:schemeClr val="bg1"/>
+          </a:solidFill>
           <a:ln w="12700">
             <a:solidFill>
               <a:srgbClr val="002060"/>
@@ -8803,7 +9683,9 @@
               <a:gd name="adj3" fmla="val 16667"/>
             </a:avLst>
           </a:prstGeom>
-          <a:noFill/>
+          <a:solidFill>
+            <a:schemeClr val="bg1"/>
+          </a:solidFill>
           <a:ln w="12700">
             <a:solidFill>
               <a:srgbClr val="002060"/>
@@ -8888,7 +9770,9 @@
               <a:gd name="adj3" fmla="val 16667"/>
             </a:avLst>
           </a:prstGeom>
-          <a:noFill/>
+          <a:solidFill>
+            <a:schemeClr val="bg1"/>
+          </a:solidFill>
           <a:ln w="12700">
             <a:solidFill>
               <a:srgbClr val="002060"/>
@@ -8956,7 +9840,9 @@
               <a:gd name="adj3" fmla="val 16667"/>
             </a:avLst>
           </a:prstGeom>
-          <a:noFill/>
+          <a:solidFill>
+            <a:schemeClr val="bg1"/>
+          </a:solidFill>
           <a:ln w="12700">
             <a:solidFill>
               <a:srgbClr val="002060"/>
@@ -9026,7 +9912,7 @@
 </p:sld>
 </file>
 
-<file path=ppt/slides/slide13.xml><?xml version="1.0" encoding="utf-8"?>
+<file path=ppt/slides/slide14.xml><?xml version="1.0" encoding="utf-8"?>
 <p:sld xmlns:a="http://schemas.openxmlformats.org/drawingml/2006/main" xmlns:r="http://schemas.openxmlformats.org/officeDocument/2006/relationships" xmlns:p="http://schemas.openxmlformats.org/presentationml/2006/main">
   <p:cSld>
     <p:spTree>
@@ -9051,7 +9937,7 @@
         </p:nvSpPr>
         <p:spPr bwMode="auto">
           <a:xfrm>
-            <a:off x="318890" y="1842644"/>
+            <a:off x="365363" y="2706764"/>
             <a:ext cx="576080" cy="2644992"/>
           </a:xfrm>
           <a:prstGeom prst="downArrow">
@@ -9149,7 +10035,7 @@
         <p:spPr>
           <a:xfrm>
             <a:off x="107380" y="796538"/>
-            <a:ext cx="8784976" cy="753694"/>
+            <a:ext cx="8784976" cy="1140304"/>
           </a:xfrm>
         </p:spPr>
         <p:txBody>
@@ -9158,50 +10044,99 @@
           </a:bodyPr>
           <a:lstStyle/>
           <a:p>
-            <a:pPr>
-              <a:buFont typeface="Wingdings" panose="05000000000000000000" pitchFamily="2" charset="2"/>
-              <a:buChar char="l"/>
-            </a:pPr>
-            <a:r>
-              <a:rPr kumimoji="1" lang="en-US" altLang="ja-JP" dirty="0" smtClean="0"/>
+            <a:r>
+              <a:rPr kumimoji="1" lang="en-US" altLang="ja-JP" b="1" smtClean="0"/>
               <a:t>CI/CD</a:t>
             </a:r>
             <a:r>
-              <a:rPr kumimoji="1" lang="ja-JP" altLang="en-US" dirty="0" smtClean="0"/>
+              <a:rPr kumimoji="1" lang="ja-JP" altLang="en-US" b="1" smtClean="0"/>
               <a:t> </a:t>
             </a:r>
             <a:r>
-              <a:rPr kumimoji="1" lang="en-US" altLang="ja-JP" dirty="0" smtClean="0"/>
+              <a:rPr kumimoji="1" lang="en-US" altLang="ja-JP" b="1" smtClean="0"/>
               <a:t>for</a:t>
             </a:r>
             <a:r>
-              <a:rPr kumimoji="1" lang="ja-JP" altLang="en-US" dirty="0" smtClean="0"/>
+              <a:rPr kumimoji="1" lang="ja-JP" altLang="en-US" b="1" smtClean="0"/>
               <a:t> </a:t>
             </a:r>
             <a:r>
-              <a:rPr kumimoji="1" lang="en-US" altLang="ja-JP" dirty="0" err="1" smtClean="0"/>
+              <a:rPr kumimoji="1" lang="en-US" altLang="ja-JP" b="1" smtClean="0"/>
               <a:t>IaC</a:t>
             </a:r>
             <a:r>
-              <a:rPr kumimoji="1" lang="ja-JP" altLang="en-US" dirty="0" smtClean="0"/>
-              <a:t>の作業フローは以下の</a:t>
-            </a:r>
-            <a:r>
-              <a:rPr lang="ja-JP" altLang="en-US" dirty="0" smtClean="0"/>
-              <a:t>通りです。</a:t>
-            </a:r>
-            <a:r>
-              <a:rPr lang="en-US" altLang="ja-JP" dirty="0" smtClean="0"/>
+              <a:rPr kumimoji="1" lang="ja-JP" altLang="en-US" b="1" smtClean="0"/>
+              <a:t>の作業フロー</a:t>
+            </a:r>
+            <a:r>
+              <a:rPr kumimoji="1" lang="en-US" altLang="ja-JP" smtClean="0"/>
               <a:t/>
             </a:r>
             <a:br>
-              <a:rPr lang="en-US" altLang="ja-JP" dirty="0" smtClean="0"/>
+              <a:rPr kumimoji="1" lang="en-US" altLang="ja-JP" smtClean="0"/>
             </a:br>
             <a:r>
-              <a:rPr lang="ja-JP" altLang="en-US" dirty="0" smtClean="0"/>
-              <a:t>実際の操作は実習編にて記載しています。</a:t>
-            </a:r>
-            <a:endParaRPr kumimoji="1" lang="ja-JP" altLang="en-US" dirty="0"/>
+              <a:rPr lang="en-US" altLang="ja-JP" sz="1600"/>
+              <a:t>CI/CD</a:t>
+            </a:r>
+            <a:r>
+              <a:rPr lang="ja-JP" altLang="en-US" sz="1600"/>
+              <a:t> </a:t>
+            </a:r>
+            <a:r>
+              <a:rPr lang="en-US" altLang="ja-JP" sz="1600"/>
+              <a:t>for</a:t>
+            </a:r>
+            <a:r>
+              <a:rPr lang="ja-JP" altLang="en-US" sz="1600"/>
+              <a:t> </a:t>
+            </a:r>
+            <a:r>
+              <a:rPr lang="en-US" altLang="ja-JP" sz="1600"/>
+              <a:t>IaC</a:t>
+            </a:r>
+            <a:r>
+              <a:rPr lang="ja-JP" altLang="en-US" sz="1600"/>
+              <a:t>の</a:t>
+            </a:r>
+            <a:r>
+              <a:rPr lang="ja-JP" altLang="en-US" sz="1600"/>
+              <a:t>作業</a:t>
+            </a:r>
+            <a:r>
+              <a:rPr lang="ja-JP" altLang="en-US" sz="1600" smtClean="0"/>
+              <a:t>フローは以下の通りです。</a:t>
+            </a:r>
+            <a:r>
+              <a:rPr lang="en-US" altLang="ja-JP" sz="1600"/>
+              <a:t/>
+            </a:r>
+            <a:br>
+              <a:rPr lang="en-US" altLang="ja-JP" sz="1600"/>
+            </a:br>
+            <a:r>
+              <a:rPr lang="ja-JP" altLang="en-US" sz="1600" smtClean="0"/>
+              <a:t>実際</a:t>
+            </a:r>
+            <a:r>
+              <a:rPr lang="ja-JP" altLang="en-US" sz="1600" smtClean="0"/>
+              <a:t>の</a:t>
+            </a:r>
+            <a:r>
+              <a:rPr lang="ja-JP" altLang="en-US" sz="1600" smtClean="0"/>
+              <a:t>操作手順は</a:t>
+            </a:r>
+            <a:r>
+              <a:rPr lang="ja-JP" altLang="en-US" sz="1600" dirty="0" smtClean="0">
+                <a:hlinkClick r:id="rId2"/>
+              </a:rPr>
+              <a:t>実習編</a:t>
+            </a:r>
+            <a:r>
+              <a:rPr lang="ja-JP" altLang="en-US" sz="1600" dirty="0" smtClean="0"/>
+              <a:t>にて記載しています。</a:t>
+            </a:r>
+            <a:endParaRPr kumimoji="1" lang="ja-JP" altLang="en-US" sz="1600" dirty="0"/>
           </a:p>
         </p:txBody>
       </p:sp>
@@ -9213,7 +10148,7 @@
         </p:nvSpPr>
         <p:spPr bwMode="auto">
           <a:xfrm>
-            <a:off x="333884" y="3555268"/>
+            <a:off x="380357" y="4419388"/>
             <a:ext cx="6048840" cy="368191"/>
           </a:xfrm>
           <a:prstGeom prst="roundRect">
@@ -9224,7 +10159,7 @@
           </a:solidFill>
           <a:ln w="28575">
             <a:solidFill>
-              <a:srgbClr val="336600"/>
+              <a:srgbClr val="CC9900"/>
             </a:solidFill>
           </a:ln>
           <a:effectLst/>
@@ -9287,14 +10222,16 @@
         </p:nvSpPr>
         <p:spPr bwMode="auto">
           <a:xfrm>
-            <a:off x="318890" y="2987161"/>
+            <a:off x="365363" y="3851281"/>
             <a:ext cx="6048840" cy="368191"/>
           </a:xfrm>
           <a:prstGeom prst="roundRect">
             <a:avLst/>
           </a:prstGeom>
           <a:solidFill>
-            <a:schemeClr val="bg1"/>
+            <a:schemeClr val="bg1">
+              <a:lumMod val="85000"/>
+            </a:schemeClr>
           </a:solidFill>
           <a:ln w="28575">
             <a:solidFill>
@@ -9336,14 +10273,16 @@
         </p:nvSpPr>
         <p:spPr bwMode="auto">
           <a:xfrm>
-            <a:off x="318890" y="1842645"/>
+            <a:off x="365363" y="2706765"/>
             <a:ext cx="6048840" cy="358981"/>
           </a:xfrm>
           <a:prstGeom prst="roundRect">
             <a:avLst/>
           </a:prstGeom>
           <a:solidFill>
-            <a:schemeClr val="bg1"/>
+            <a:schemeClr val="bg1">
+              <a:lumMod val="85000"/>
+            </a:schemeClr>
           </a:solidFill>
           <a:ln w="28575">
             <a:solidFill>
@@ -9379,14 +10318,16 @@
         </p:nvSpPr>
         <p:spPr bwMode="auto">
           <a:xfrm>
-            <a:off x="318890" y="2416044"/>
+            <a:off x="365363" y="3280164"/>
             <a:ext cx="6048840" cy="368191"/>
           </a:xfrm>
           <a:prstGeom prst="roundRect">
             <a:avLst/>
           </a:prstGeom>
           <a:solidFill>
-            <a:schemeClr val="bg1"/>
+            <a:schemeClr val="bg1">
+              <a:lumMod val="85000"/>
+            </a:schemeClr>
           </a:solidFill>
           <a:ln w="28575">
             <a:solidFill>
@@ -9428,14 +10369,16 @@
         </p:nvSpPr>
         <p:spPr bwMode="auto">
           <a:xfrm>
-            <a:off x="340211" y="4123375"/>
+            <a:off x="386684" y="4987495"/>
             <a:ext cx="6048840" cy="364261"/>
           </a:xfrm>
           <a:prstGeom prst="roundRect">
             <a:avLst/>
           </a:prstGeom>
           <a:solidFill>
-            <a:schemeClr val="bg1"/>
+            <a:schemeClr val="bg1">
+              <a:lumMod val="85000"/>
+            </a:schemeClr>
           </a:solidFill>
           <a:ln w="28575">
             <a:solidFill>
@@ -9477,7 +10420,7 @@
         </p:nvSpPr>
         <p:spPr>
           <a:xfrm>
-            <a:off x="6660290" y="1916790"/>
+            <a:off x="6706763" y="2780910"/>
             <a:ext cx="2160300" cy="369332"/>
           </a:xfrm>
           <a:prstGeom prst="rect">
@@ -9515,14 +10458,16 @@
         </p:nvSpPr>
         <p:spPr bwMode="auto">
           <a:xfrm>
-            <a:off x="6948330" y="2320687"/>
+            <a:off x="6994803" y="3184807"/>
             <a:ext cx="1332820" cy="402793"/>
           </a:xfrm>
           <a:prstGeom prst="roundRect">
             <a:avLst/>
           </a:prstGeom>
           <a:solidFill>
-            <a:schemeClr val="bg1"/>
+            <a:schemeClr val="bg1">
+              <a:lumMod val="85000"/>
+            </a:schemeClr>
           </a:solidFill>
           <a:ln w="28575">
             <a:solidFill>
@@ -9558,7 +10503,7 @@
         </p:nvSpPr>
         <p:spPr bwMode="auto">
           <a:xfrm>
-            <a:off x="6948330" y="2954962"/>
+            <a:off x="6994803" y="3819082"/>
             <a:ext cx="1332820" cy="388699"/>
           </a:xfrm>
           <a:prstGeom prst="roundRect">
@@ -9569,7 +10514,7 @@
           </a:solidFill>
           <a:ln w="28575">
             <a:solidFill>
-              <a:srgbClr val="336600"/>
+              <a:srgbClr val="CC9900"/>
             </a:solidFill>
           </a:ln>
           <a:effectLst/>
@@ -9604,7 +10549,7 @@
         </p:nvSpPr>
         <p:spPr bwMode="auto">
           <a:xfrm>
-            <a:off x="6732300" y="1844780"/>
+            <a:off x="6778773" y="2708900"/>
             <a:ext cx="1944270" cy="1867072"/>
           </a:xfrm>
           <a:prstGeom prst="rect">
@@ -9655,7 +10600,7 @@
 </p:sld>
 </file>
 
-<file path=ppt/slides/slide14.xml><?xml version="1.0" encoding="utf-8"?>
+<file path=ppt/slides/slide15.xml><?xml version="1.0" encoding="utf-8"?>
 <p:sld xmlns:a="http://schemas.openxmlformats.org/drawingml/2006/main" xmlns:r="http://schemas.openxmlformats.org/officeDocument/2006/relationships" xmlns:p="http://schemas.openxmlformats.org/presentationml/2006/main">
   <p:cSld>
     <p:spTree>
@@ -10158,9 +11103,10 @@
           <a:lstStyle/>
           <a:p>
             <a:r>
-              <a:rPr lang="ja-JP" altLang="en-US" sz="1600" b="1" dirty="0"/>
+              <a:rPr lang="ja-JP" altLang="en-US" b="1" dirty="0"/>
               <a:t>メインメニュー</a:t>
             </a:r>
+            <a:endParaRPr lang="ja-JP" altLang="en-US" sz="1600" b="1" dirty="0"/>
           </a:p>
           <a:p>
             <a:pPr>
@@ -10168,49 +11114,30 @@
               <a:buChar char="l"/>
             </a:pPr>
             <a:r>
-              <a:rPr lang="ja-JP" altLang="en-US" sz="1800" dirty="0" smtClean="0"/>
-              <a:t>本書では</a:t>
-            </a:r>
-            <a:r>
-              <a:rPr lang="ja-JP" altLang="en-US" sz="1800" dirty="0"/>
-              <a:t>、メニューグループ</a:t>
-            </a:r>
-            <a:r>
-              <a:rPr lang="ja-JP" altLang="en-US" sz="1800" dirty="0" smtClean="0"/>
-              <a:t>の</a:t>
-            </a:r>
-            <a:r>
-              <a:rPr lang="en-US" altLang="ja-JP" sz="1800" dirty="0" smtClean="0"/>
-              <a:t/>
-            </a:r>
-            <a:br>
-              <a:rPr lang="en-US" altLang="ja-JP" sz="1800" dirty="0" smtClean="0"/>
-            </a:br>
-            <a:r>
-              <a:rPr lang="ja-JP" altLang="en-US" sz="1800" dirty="0" smtClean="0"/>
-              <a:t>「</a:t>
-            </a:r>
-            <a:r>
-              <a:rPr lang="en-US" altLang="ja-JP" sz="1800" b="1" dirty="0" smtClean="0"/>
+              <a:rPr lang="ja-JP" altLang="en-US" sz="1600" dirty="0" smtClean="0"/>
+              <a:t>本書</a:t>
+            </a:r>
+            <a:r>
+              <a:rPr lang="ja-JP" altLang="en-US" sz="1600" smtClean="0"/>
+              <a:t>で</a:t>
+            </a:r>
+            <a:r>
+              <a:rPr lang="ja-JP" altLang="en-US" sz="1600" smtClean="0"/>
+              <a:t>は「</a:t>
+            </a:r>
+            <a:r>
+              <a:rPr lang="en-US" altLang="ja-JP" sz="1600" b="1" dirty="0" smtClean="0"/>
               <a:t>CI/CD for </a:t>
             </a:r>
             <a:r>
-              <a:rPr lang="en-US" altLang="ja-JP" sz="1800" b="1" dirty="0" err="1" smtClean="0"/>
+              <a:rPr lang="en-US" altLang="ja-JP" sz="1600" b="1" err="1" smtClean="0"/>
               <a:t>IaC</a:t>
             </a:r>
             <a:r>
-              <a:rPr lang="ja-JP" altLang="en-US" sz="1800" dirty="0" smtClean="0"/>
-              <a:t>」について</a:t>
-            </a:r>
-            <a:r>
-              <a:rPr lang="ja-JP" altLang="en-US" sz="1800" dirty="0"/>
-              <a:t>、ご説明をしております</a:t>
-            </a:r>
-            <a:r>
-              <a:rPr lang="ja-JP" altLang="en-US" sz="1800" dirty="0" smtClean="0"/>
-              <a:t>。</a:t>
-            </a:r>
-            <a:endParaRPr lang="en-US" altLang="ja-JP" sz="1800" dirty="0" smtClean="0"/>
+              <a:rPr lang="ja-JP" altLang="en-US" sz="1600" smtClean="0"/>
+              <a:t>」メニューグループの解説を扱います。</a:t>
+            </a:r>
+            <a:endParaRPr lang="en-US" altLang="ja-JP" sz="1600" dirty="0" smtClean="0"/>
           </a:p>
           <a:p>
             <a:pPr>
@@ -10218,26 +11145,48 @@
               <a:buChar char="l"/>
             </a:pPr>
             <a:r>
-              <a:rPr lang="ja-JP" altLang="en-US" sz="1800" dirty="0" smtClean="0"/>
+              <a:rPr lang="ja-JP" altLang="en-US" sz="1600" dirty="0" smtClean="0">
+                <a:hlinkClick r:id="rId2"/>
+              </a:rPr>
               <a:t>実習編</a:t>
             </a:r>
             <a:r>
-              <a:rPr lang="ja-JP" altLang="en-US" sz="1800" dirty="0"/>
+              <a:rPr lang="ja-JP" altLang="en-US" sz="1600" dirty="0"/>
               <a:t>では</a:t>
             </a:r>
             <a:r>
-              <a:rPr lang="en-US" altLang="ja-JP" sz="1800" dirty="0"/>
+              <a:rPr lang="en-US" altLang="ja-JP" sz="1600" dirty="0"/>
               <a:t>ITA</a:t>
             </a:r>
             <a:r>
-              <a:rPr lang="ja-JP" altLang="en-US" sz="1800" dirty="0"/>
-              <a:t>の画面を用いて説明しておりますので合わせてご覧ください</a:t>
-            </a:r>
-            <a:r>
-              <a:rPr lang="ja-JP" altLang="en-US" sz="1800" dirty="0" smtClean="0"/>
+              <a:rPr lang="ja-JP" altLang="en-US" sz="1600" dirty="0"/>
+              <a:t>の画面を用いて</a:t>
+            </a:r>
+            <a:r>
+              <a:rPr lang="ja-JP" altLang="en-US" sz="1600"/>
+              <a:t>説明</a:t>
+            </a:r>
+            <a:r>
+              <a:rPr lang="ja-JP" altLang="en-US" sz="1600" smtClean="0"/>
+              <a:t>して</a:t>
+            </a:r>
+            <a:r>
+              <a:rPr lang="ja-JP" altLang="en-US" sz="1600" smtClean="0"/>
+              <a:t>い</a:t>
+            </a:r>
+            <a:r>
+              <a:rPr lang="ja-JP" altLang="en-US" sz="1600" smtClean="0"/>
+              <a:t>ます。あわせて</a:t>
+            </a:r>
+            <a:r>
+              <a:rPr lang="ja-JP" altLang="en-US" sz="1600" dirty="0"/>
+              <a:t>ご覧ください</a:t>
+            </a:r>
+            <a:r>
+              <a:rPr lang="ja-JP" altLang="en-US" sz="1600" dirty="0" smtClean="0"/>
               <a:t>。</a:t>
             </a:r>
-            <a:endParaRPr lang="en-US" altLang="ja-JP" sz="1800" dirty="0">
+            <a:endParaRPr lang="en-US" altLang="ja-JP" sz="1600" dirty="0">
               <a:solidFill>
                 <a:schemeClr val="bg1"/>
               </a:solidFill>
@@ -10430,7 +11379,7 @@
           <p:nvPr/>
         </p:nvPicPr>
         <p:blipFill>
-          <a:blip r:embed="rId2"/>
+          <a:blip r:embed="rId3"/>
           <a:stretch>
             <a:fillRect/>
           </a:stretch>
@@ -10618,7 +11567,7 @@
         </p:nvSpPr>
         <p:spPr>
           <a:xfrm>
-            <a:off x="140956" y="728560"/>
+            <a:off x="194685" y="728560"/>
             <a:ext cx="8784976" cy="5760233"/>
           </a:xfrm>
         </p:spPr>
@@ -10628,23 +11577,19 @@
           </a:bodyPr>
           <a:lstStyle/>
           <a:p>
-            <a:pPr>
-              <a:buFont typeface="Wingdings" panose="05000000000000000000" pitchFamily="2" charset="2"/>
-              <a:buChar char="l"/>
-            </a:pPr>
-            <a:r>
-              <a:rPr lang="en-US" altLang="ja-JP" dirty="0" smtClean="0"/>
+            <a:r>
+              <a:rPr lang="en-US" altLang="ja-JP" b="1" dirty="0" smtClean="0"/>
               <a:t>CI/CD for </a:t>
             </a:r>
             <a:r>
-              <a:rPr lang="en-US" altLang="ja-JP" dirty="0" err="1" smtClean="0"/>
+              <a:rPr lang="en-US" altLang="ja-JP" b="1" dirty="0" err="1" smtClean="0"/>
               <a:t>IaC</a:t>
             </a:r>
             <a:r>
-              <a:rPr lang="ja-JP" altLang="en-US" dirty="0" smtClean="0"/>
+              <a:rPr lang="ja-JP" altLang="en-US" b="1" dirty="0" smtClean="0"/>
               <a:t>とは</a:t>
             </a:r>
-            <a:endParaRPr lang="en-US" altLang="ja-JP" sz="1200" dirty="0">
+            <a:endParaRPr lang="en-US" altLang="ja-JP" sz="1200" b="1" dirty="0">
               <a:solidFill>
                 <a:schemeClr val="bg1"/>
               </a:solidFill>
@@ -10653,103 +11598,223 @@
           <a:p>
             <a:pPr lvl="1"/>
             <a:r>
-              <a:rPr lang="en-US" altLang="ja-JP" dirty="0" err="1" smtClean="0"/>
+              <a:rPr lang="en-US" altLang="ja-JP"/>
+              <a:t>GitOps</a:t>
+            </a:r>
+            <a:r>
+              <a:rPr lang="ja-JP" altLang="en-US"/>
+              <a:t>を</a:t>
+            </a:r>
+            <a:r>
+              <a:rPr lang="en-US" altLang="ja-JP"/>
+              <a:t>ITA</a:t>
+            </a:r>
+            <a:r>
+              <a:rPr lang="ja-JP" altLang="en-US"/>
+              <a:t>環境で実現する機能</a:t>
+            </a:r>
+            <a:r>
+              <a:rPr lang="ja-JP" altLang="en-US"/>
+              <a:t>です</a:t>
+            </a:r>
+            <a:r>
+              <a:rPr lang="ja-JP" altLang="en-US" smtClean="0"/>
+              <a:t>。</a:t>
+            </a:r>
+            <a:r>
+              <a:rPr lang="en-US" altLang="ja-JP" smtClean="0"/>
               <a:t>Ansible</a:t>
             </a:r>
             <a:r>
+              <a:rPr lang="ja-JP" altLang="en-US"/>
+              <a:t>の</a:t>
+            </a:r>
+            <a:r>
+              <a:rPr lang="en-US" altLang="ja-JP"/>
+              <a:t>Playbook</a:t>
+            </a:r>
+            <a:r>
+              <a:rPr lang="ja-JP" altLang="en-US"/>
+              <a:t>や、</a:t>
+            </a:r>
+            <a:r>
+              <a:rPr lang="en-US" altLang="ja-JP"/>
+              <a:t>Terraform</a:t>
+            </a:r>
+            <a:r>
+              <a:rPr lang="ja-JP" altLang="en-US"/>
+              <a:t>の</a:t>
+            </a:r>
+            <a:r>
+              <a:rPr lang="en-US" altLang="ja-JP"/>
+              <a:t>Module</a:t>
+            </a:r>
+            <a:r>
+              <a:rPr lang="ja-JP" altLang="en-US"/>
+              <a:t>もしくは</a:t>
+            </a:r>
+            <a:r>
+              <a:rPr lang="en-US" altLang="ja-JP"/>
+              <a:t>Policy</a:t>
+            </a:r>
+            <a:r>
+              <a:rPr lang="ja-JP" altLang="en-US"/>
+              <a:t>を更新する際</a:t>
+            </a:r>
+            <a:r>
+              <a:rPr lang="ja-JP" altLang="en-US"/>
+              <a:t>の</a:t>
+            </a:r>
+            <a:r>
               <a:rPr lang="ja-JP" altLang="en-US" smtClean="0"/>
-              <a:t>の</a:t>
-            </a:r>
+              <a:t>、ビルド</a:t>
+            </a:r>
+            <a:r>
+              <a:rPr lang="ja-JP" altLang="en-US"/>
+              <a:t>・テスト</a:t>
+            </a:r>
+            <a:r>
+              <a:rPr lang="en-US" altLang="ja-JP"/>
+              <a:t>(</a:t>
+            </a:r>
+            <a:r>
+              <a:rPr lang="ja-JP" altLang="en-US"/>
+              <a:t>継続的インテグレーション</a:t>
+            </a:r>
+            <a:r>
+              <a:rPr lang="en-US" altLang="ja-JP"/>
+              <a:t>)</a:t>
+            </a:r>
+            <a:r>
+              <a:rPr lang="ja-JP" altLang="en-US"/>
+              <a:t>や、環境構築・動作確認</a:t>
+            </a:r>
+            <a:r>
+              <a:rPr lang="en-US" altLang="ja-JP"/>
+              <a:t>(</a:t>
+            </a:r>
+            <a:r>
+              <a:rPr lang="ja-JP" altLang="en-US"/>
+              <a:t>継続的デリバリー</a:t>
+            </a:r>
+            <a:r>
+              <a:rPr lang="en-US" altLang="ja-JP"/>
+              <a:t>)</a:t>
+            </a:r>
+            <a:r>
+              <a:rPr lang="ja-JP" altLang="en-US"/>
+              <a:t>などの作業を自動化</a:t>
+            </a:r>
+            <a:r>
+              <a:rPr lang="ja-JP" altLang="en-US"/>
+              <a:t>します</a:t>
+            </a:r>
+            <a:r>
+              <a:rPr lang="ja-JP" altLang="en-US" smtClean="0"/>
+              <a:t>。</a:t>
+            </a:r>
+          </a:p>
+          <a:p>
+            <a:pPr lvl="1"/>
+            <a:r>
+              <a:rPr lang="en-US" altLang="ja-JP"/>
+              <a:t>Git</a:t>
+            </a:r>
+            <a:r>
+              <a:rPr lang="ja-JP" altLang="en-US" smtClean="0"/>
+              <a:t>リポジトリの</a:t>
+            </a:r>
+            <a:r>
+              <a:rPr lang="en-US" altLang="ja-JP" smtClean="0">
+                <a:solidFill>
+                  <a:srgbClr val="FF0000"/>
+                </a:solidFill>
+              </a:rPr>
+              <a:t>IaC</a:t>
+            </a:r>
+            <a:r>
+              <a:rPr lang="ja-JP" altLang="en-US" smtClean="0">
+                <a:solidFill>
+                  <a:srgbClr val="FF0000"/>
+                </a:solidFill>
+              </a:rPr>
+              <a:t>資材の更新をトリガーに、自動で</a:t>
+            </a:r>
+            <a:r>
+              <a:rPr lang="en-US" altLang="ja-JP" smtClean="0">
+                <a:solidFill>
+                  <a:srgbClr val="FF0000"/>
+                </a:solidFill>
+              </a:rPr>
+              <a:t>IaC</a:t>
+            </a:r>
+            <a:r>
+              <a:rPr lang="ja-JP" altLang="en-US" smtClean="0">
+                <a:solidFill>
+                  <a:srgbClr val="FF0000"/>
+                </a:solidFill>
+              </a:rPr>
+              <a:t>をシステムへ適用</a:t>
+            </a:r>
+            <a:r>
+              <a:rPr lang="ja-JP" altLang="en-US" smtClean="0"/>
+              <a:t>できます。</a:t>
+            </a:r>
+            <a:endParaRPr lang="ja-JP" altLang="en-US"/>
+          </a:p>
+          <a:p>
+            <a:pPr lvl="1"/>
             <a:r>
               <a:rPr lang="en-US" altLang="ja-JP" smtClean="0"/>
-              <a:t>Playbook</a:t>
-            </a:r>
-            <a:r>
-              <a:rPr lang="ja-JP" altLang="en-US" dirty="0" smtClean="0"/>
+              <a:t>Ia</a:t>
+            </a:r>
+            <a:r>
+              <a:rPr lang="en-US" altLang="ja-JP"/>
+              <a:t>C</a:t>
+            </a:r>
+            <a:r>
+              <a:rPr lang="ja-JP" altLang="en-US" smtClean="0"/>
+              <a:t>資材</a:t>
+            </a:r>
+            <a:r>
+              <a:rPr lang="ja-JP" altLang="en-US"/>
+              <a:t>を</a:t>
+            </a:r>
+            <a:r>
+              <a:rPr lang="en-US" altLang="ja-JP"/>
+              <a:t>Git</a:t>
+            </a:r>
+            <a:r>
+              <a:rPr lang="ja-JP" altLang="en-US"/>
+              <a:t>と</a:t>
+            </a:r>
+            <a:r>
+              <a:rPr lang="ja-JP" altLang="en-US"/>
+              <a:t>連携</a:t>
+            </a:r>
+            <a:r>
+              <a:rPr lang="ja-JP" altLang="en-US" smtClean="0"/>
+              <a:t>するため、バージョン</a:t>
+            </a:r>
+            <a:r>
+              <a:rPr lang="ja-JP" altLang="en-US"/>
+              <a:t>管理</a:t>
+            </a:r>
+            <a:r>
+              <a:rPr lang="ja-JP" altLang="en-US" smtClean="0"/>
               <a:t>や</a:t>
             </a:r>
             <a:r>
-              <a:rPr lang="en-US" altLang="ja-JP" dirty="0" smtClean="0"/>
-              <a:t>Terraform</a:t>
-            </a:r>
-            <a:r>
-              <a:rPr lang="ja-JP" altLang="en-US" dirty="0" smtClean="0"/>
-              <a:t>の</a:t>
-            </a:r>
-            <a:r>
-              <a:rPr lang="en-US" altLang="ja-JP" dirty="0" err="1" smtClean="0"/>
-              <a:t>IaC</a:t>
-            </a:r>
-            <a:r>
-              <a:rPr lang="ja-JP" altLang="en-US" dirty="0" smtClean="0"/>
-              <a:t>（</a:t>
-            </a:r>
-            <a:r>
-              <a:rPr lang="en-US" altLang="ja-JP" dirty="0" smtClean="0"/>
-              <a:t>Infrastructure as Code</a:t>
-            </a:r>
-            <a:r>
-              <a:rPr lang="ja-JP" altLang="en-US" dirty="0" smtClean="0"/>
-              <a:t>）の資材を利用して開発をする際、</a:t>
-            </a:r>
-            <a:r>
-              <a:rPr lang="en-US" altLang="ja-JP" dirty="0" smtClean="0"/>
-              <a:t>CI</a:t>
-            </a:r>
-            <a:r>
-              <a:rPr lang="ja-JP" altLang="en-US" dirty="0" smtClean="0"/>
-              <a:t>（継続的インテグレーション）によるビルド、テストを自動的に実行し、</a:t>
-            </a:r>
-            <a:r>
-              <a:rPr lang="en-US" altLang="ja-JP" dirty="0" smtClean="0"/>
-              <a:t>CD</a:t>
-            </a:r>
-            <a:r>
-              <a:rPr lang="ja-JP" altLang="en-US" dirty="0" smtClean="0"/>
-              <a:t>（継続的デリバリー）による環境構築、動作確認を自動的に実行します。</a:t>
-            </a:r>
-            <a:r>
-              <a:rPr lang="en-US" altLang="ja-JP" dirty="0"/>
-              <a:t/>
-            </a:r>
-            <a:br>
-              <a:rPr lang="en-US" altLang="ja-JP" dirty="0"/>
-            </a:br>
-            <a:r>
-              <a:rPr lang="ja-JP" altLang="en-US" dirty="0" smtClean="0"/>
-              <a:t>また、</a:t>
-            </a:r>
-            <a:r>
-              <a:rPr lang="en-US" altLang="ja-JP" dirty="0" err="1" smtClean="0"/>
-              <a:t>Git</a:t>
-            </a:r>
-            <a:r>
-              <a:rPr lang="ja-JP" altLang="en-US" dirty="0" smtClean="0"/>
-              <a:t>と連携することにより資材のバージョン管理、誰がいつどの資材をコミットしたかなどの確認が可能になります。</a:t>
-            </a:r>
-            <a:r>
-              <a:rPr lang="en-US" altLang="ja-JP" dirty="0" err="1" smtClean="0"/>
-              <a:t>Git</a:t>
-            </a:r>
-            <a:r>
-              <a:rPr lang="ja-JP" altLang="en-US" dirty="0" smtClean="0"/>
-              <a:t>に資材をアップロードし、設定をするだけで自動的に環境構築まで実行するため、</a:t>
-            </a:r>
-            <a:r>
-              <a:rPr lang="en-US" altLang="ja-JP" dirty="0" smtClean="0"/>
-              <a:t>ITA</a:t>
-            </a:r>
-            <a:r>
-              <a:rPr lang="ja-JP" altLang="en-US" dirty="0" smtClean="0"/>
-              <a:t>の環境による</a:t>
-            </a:r>
-            <a:r>
-              <a:rPr lang="en-US" altLang="ja-JP" dirty="0" err="1" smtClean="0"/>
-              <a:t>GitOps</a:t>
-            </a:r>
-            <a:r>
-              <a:rPr lang="ja-JP" altLang="en-US" dirty="0" smtClean="0"/>
-              <a:t>を実現しました。</a:t>
+              <a:rPr lang="ja-JP" altLang="en-US"/>
+              <a:t>コミット</a:t>
+            </a:r>
+            <a:r>
+              <a:rPr lang="ja-JP" altLang="en-US" smtClean="0"/>
+              <a:t>履歴</a:t>
+            </a:r>
+            <a:r>
+              <a:rPr lang="ja-JP" altLang="en-US"/>
+              <a:t>の確認が可能になります。</a:t>
             </a:r>
             <a:endParaRPr lang="en-US" altLang="ja-JP" dirty="0" smtClean="0"/>
           </a:p>
@@ -10939,30 +12004,3306 @@
           </a:p>
         </p:txBody>
       </p:sp>
+      <p:sp>
+        <p:nvSpPr>
+          <p:cNvPr id="18" name="角丸四角形 17"/>
+          <p:cNvSpPr/>
+          <p:nvPr/>
+        </p:nvSpPr>
+        <p:spPr bwMode="auto">
+          <a:xfrm>
+            <a:off x="2449101" y="3072202"/>
+            <a:ext cx="4217760" cy="2952410"/>
+          </a:xfrm>
+          <a:prstGeom prst="roundRect">
+            <a:avLst>
+              <a:gd name="adj" fmla="val 3359"/>
+            </a:avLst>
+          </a:prstGeom>
+          <a:noFill/>
+          <a:ln w="28575">
+            <a:solidFill>
+              <a:schemeClr val="accent6"/>
+            </a:solidFill>
+          </a:ln>
+          <a:effectLst/>
+          <a:extLst/>
+        </p:spPr>
+        <p:txBody>
+          <a:bodyPr rot="0" spcFirstLastPara="0" vertOverflow="overflow" horzOverflow="overflow" vert="horz" wrap="none" lIns="72000" tIns="72000" rIns="72000" bIns="72000" numCol="1" spcCol="0" rtlCol="0" fromWordArt="0" anchor="t" anchorCtr="0" forceAA="0" compatLnSpc="1">
+            <a:prstTxWarp prst="textNoShape">
+              <a:avLst/>
+            </a:prstTxWarp>
+            <a:noAutofit/>
+          </a:bodyPr>
+          <a:lstStyle/>
+          <a:p>
+            <a:pPr algn="ctr"/>
+            <a:r>
+              <a:rPr kumimoji="1" lang="en-US" altLang="ja-JP" sz="1000" b="1" smtClean="0">
+                <a:latin typeface="+mn-ea"/>
+              </a:rPr>
+              <a:t>Exastro</a:t>
+            </a:r>
+            <a:r>
+              <a:rPr kumimoji="1" lang="ja-JP" altLang="en-US" sz="1000" b="1" smtClean="0">
+                <a:latin typeface="+mn-ea"/>
+              </a:rPr>
+              <a:t> </a:t>
+            </a:r>
+            <a:r>
+              <a:rPr kumimoji="1" lang="en-US" altLang="ja-JP" sz="1000" b="1" smtClean="0">
+                <a:latin typeface="+mn-ea"/>
+              </a:rPr>
+              <a:t>ITA</a:t>
+            </a:r>
+            <a:r>
+              <a:rPr kumimoji="1" lang="ja-JP" altLang="en-US" sz="1000" b="1" smtClean="0">
+                <a:latin typeface="+mn-ea"/>
+              </a:rPr>
+              <a:t>サーバ</a:t>
+            </a:r>
+            <a:endParaRPr kumimoji="1" lang="ja-JP" altLang="en-US" sz="1000" b="1" dirty="0" smtClean="0">
+              <a:latin typeface="+mn-ea"/>
+            </a:endParaRPr>
+          </a:p>
+        </p:txBody>
+      </p:sp>
+      <p:sp>
+        <p:nvSpPr>
+          <p:cNvPr id="22" name="角丸四角形 21"/>
+          <p:cNvSpPr/>
+          <p:nvPr/>
+        </p:nvSpPr>
+        <p:spPr bwMode="auto">
+          <a:xfrm>
+            <a:off x="4761756" y="3864311"/>
+            <a:ext cx="1535107" cy="1033711"/>
+          </a:xfrm>
+          <a:prstGeom prst="roundRect">
+            <a:avLst/>
+          </a:prstGeom>
+          <a:noFill/>
+          <a:ln w="28575">
+            <a:solidFill>
+              <a:schemeClr val="accent6"/>
+            </a:solidFill>
+          </a:ln>
+          <a:effectLst/>
+          <a:extLst/>
+        </p:spPr>
+        <p:txBody>
+          <a:bodyPr rot="0" spcFirstLastPara="0" vertOverflow="overflow" horzOverflow="overflow" vert="horz" wrap="none" lIns="72000" tIns="72000" rIns="72000" bIns="72000" numCol="1" spcCol="0" rtlCol="0" fromWordArt="0" anchor="t" anchorCtr="0" forceAA="0" compatLnSpc="1">
+            <a:prstTxWarp prst="textNoShape">
+              <a:avLst/>
+            </a:prstTxWarp>
+            <a:noAutofit/>
+          </a:bodyPr>
+          <a:lstStyle/>
+          <a:p>
+            <a:pPr algn="ctr"/>
+            <a:r>
+              <a:rPr lang="ja-JP" altLang="en-US" sz="1000" b="1" smtClean="0">
+                <a:latin typeface="+mn-ea"/>
+              </a:rPr>
+              <a:t>紐付</a:t>
+            </a:r>
+            <a:r>
+              <a:rPr kumimoji="1" lang="ja-JP" altLang="en-US" sz="1000" b="1" smtClean="0">
+                <a:latin typeface="+mn-ea"/>
+              </a:rPr>
+              <a:t>先資材</a:t>
+            </a:r>
+            <a:r>
+              <a:rPr kumimoji="1" lang="en-US" altLang="ja-JP" sz="1000" b="1" smtClean="0">
+                <a:latin typeface="+mn-ea"/>
+              </a:rPr>
+              <a:t>(※</a:t>
+            </a:r>
+            <a:r>
+              <a:rPr lang="en-US" altLang="ja-JP" sz="1000" b="1">
+                <a:latin typeface="+mn-ea"/>
+              </a:rPr>
+              <a:t>1</a:t>
+            </a:r>
+            <a:r>
+              <a:rPr kumimoji="1" lang="en-US" altLang="ja-JP" sz="1000" b="1" smtClean="0">
+                <a:latin typeface="+mn-ea"/>
+              </a:rPr>
+              <a:t>)</a:t>
+            </a:r>
+            <a:endParaRPr kumimoji="1" lang="ja-JP" altLang="en-US" sz="1000" b="1" dirty="0" smtClean="0">
+              <a:latin typeface="+mn-ea"/>
+            </a:endParaRPr>
+          </a:p>
+        </p:txBody>
+      </p:sp>
+      <p:sp>
+        <p:nvSpPr>
+          <p:cNvPr id="13" name="円柱 12"/>
+          <p:cNvSpPr/>
+          <p:nvPr/>
+        </p:nvSpPr>
+        <p:spPr bwMode="auto">
+          <a:xfrm>
+            <a:off x="341093" y="3736565"/>
+            <a:ext cx="1492244" cy="1161457"/>
+          </a:xfrm>
+          <a:prstGeom prst="can">
+            <a:avLst>
+              <a:gd name="adj" fmla="val 15813"/>
+            </a:avLst>
+          </a:prstGeom>
+          <a:noFill/>
+          <a:ln w="28575">
+            <a:solidFill>
+              <a:schemeClr val="accent6"/>
+            </a:solidFill>
+          </a:ln>
+          <a:effectLst/>
+          <a:extLst/>
+        </p:spPr>
+        <p:txBody>
+          <a:bodyPr rot="0" spcFirstLastPara="0" vertOverflow="overflow" horzOverflow="overflow" vert="horz" wrap="none" lIns="72000" tIns="72000" rIns="72000" bIns="72000" numCol="1" spcCol="0" rtlCol="0" fromWordArt="0" anchor="t" anchorCtr="0" forceAA="0" compatLnSpc="1">
+            <a:prstTxWarp prst="textNoShape">
+              <a:avLst/>
+            </a:prstTxWarp>
+            <a:noAutofit/>
+          </a:bodyPr>
+          <a:lstStyle/>
+          <a:p>
+            <a:pPr algn="ctr"/>
+            <a:r>
+              <a:rPr kumimoji="1" lang="en-US" altLang="ja-JP" sz="1000" b="1" smtClean="0">
+                <a:latin typeface="+mn-ea"/>
+              </a:rPr>
+              <a:t>Git</a:t>
+            </a:r>
+            <a:r>
+              <a:rPr kumimoji="1" lang="ja-JP" altLang="en-US" sz="1000" b="1" smtClean="0">
+                <a:latin typeface="+mn-ea"/>
+              </a:rPr>
+              <a:t>リポジトリ</a:t>
+            </a:r>
+            <a:endParaRPr kumimoji="1" lang="ja-JP" altLang="en-US" sz="1000" b="1" dirty="0" smtClean="0">
+              <a:latin typeface="+mn-ea"/>
+            </a:endParaRPr>
+          </a:p>
+        </p:txBody>
+      </p:sp>
       <p:pic>
         <p:nvPicPr>
-          <p:cNvPr id="4" name="図 3"/>
+          <p:cNvPr id="11" name="図 10"/>
+          <p:cNvPicPr>
+            <a:picLocks noChangeAspect="1"/>
+          </p:cNvPicPr>
+          <p:nvPr/>
+        </p:nvPicPr>
+        <p:blipFill rotWithShape="1">
+          <a:blip r:embed="rId2">
+            <a:extLst>
+              <a:ext uri="{28A0092B-C50C-407E-A947-70E740481C1C}">
+                <a14:useLocalDpi xmlns:a14="http://schemas.microsoft.com/office/drawing/2010/main" val="0"/>
+              </a:ext>
+            </a:extLst>
+          </a:blip>
+          <a:srcRect l="-10097" t="-10097" r="-10097" b="-10097"/>
+          <a:stretch/>
+        </p:blipFill>
+        <p:spPr>
+          <a:xfrm>
+            <a:off x="182519" y="3539599"/>
+            <a:ext cx="432698" cy="432698"/>
+          </a:xfrm>
+          <a:prstGeom prst="rect">
+            <a:avLst/>
+          </a:prstGeom>
+          <a:solidFill>
+            <a:schemeClr val="bg1"/>
+          </a:solidFill>
+          <a:ln w="22225">
+            <a:solidFill>
+              <a:schemeClr val="accent6"/>
+            </a:solidFill>
+          </a:ln>
+        </p:spPr>
+      </p:pic>
+      <p:sp>
+        <p:nvSpPr>
+          <p:cNvPr id="24" name="フローチャート: 複数書類 23"/>
+          <p:cNvSpPr/>
+          <p:nvPr/>
+        </p:nvSpPr>
+        <p:spPr bwMode="auto">
+          <a:xfrm>
+            <a:off x="3331280" y="4226362"/>
+            <a:ext cx="630671" cy="372268"/>
+          </a:xfrm>
+          <a:prstGeom prst="flowChartMultidocument">
+            <a:avLst/>
+          </a:prstGeom>
+          <a:solidFill>
+            <a:schemeClr val="accent6">
+              <a:lumMod val="25000"/>
+              <a:lumOff val="75000"/>
+            </a:schemeClr>
+          </a:solidFill>
+          <a:ln w="12700">
+            <a:solidFill>
+              <a:schemeClr val="tx1"/>
+            </a:solidFill>
+            <a:prstDash val="sysDot"/>
+          </a:ln>
+          <a:effectLst/>
+          <a:extLst/>
+        </p:spPr>
+        <p:txBody>
+          <a:bodyPr rot="0" spcFirstLastPara="0" vertOverflow="overflow" horzOverflow="overflow" vert="horz" wrap="none" lIns="72000" tIns="72000" rIns="72000" bIns="72000" numCol="1" spcCol="0" rtlCol="0" fromWordArt="0" anchor="ctr" anchorCtr="0" forceAA="0" compatLnSpc="1">
+            <a:prstTxWarp prst="textNoShape">
+              <a:avLst/>
+            </a:prstTxWarp>
+            <a:noAutofit/>
+          </a:bodyPr>
+          <a:lstStyle/>
+          <a:p>
+            <a:pPr algn="ctr"/>
+            <a:endParaRPr kumimoji="1" lang="ja-JP" altLang="en-US" b="1" dirty="0" smtClean="0">
+              <a:latin typeface="+mn-ea"/>
+            </a:endParaRPr>
+          </a:p>
+        </p:txBody>
+      </p:sp>
+      <p:sp>
+        <p:nvSpPr>
+          <p:cNvPr id="26" name="円柱 25"/>
+          <p:cNvSpPr/>
+          <p:nvPr/>
+        </p:nvSpPr>
+        <p:spPr bwMode="auto">
+          <a:xfrm>
+            <a:off x="2853454" y="3736565"/>
+            <a:ext cx="1492244" cy="1161457"/>
+          </a:xfrm>
+          <a:prstGeom prst="can">
+            <a:avLst>
+              <a:gd name="adj" fmla="val 15813"/>
+            </a:avLst>
+          </a:prstGeom>
+          <a:noFill/>
+          <a:ln w="28575">
+            <a:solidFill>
+              <a:schemeClr val="accent6"/>
+            </a:solidFill>
+          </a:ln>
+          <a:effectLst/>
+          <a:extLst/>
+        </p:spPr>
+        <p:txBody>
+          <a:bodyPr rot="0" spcFirstLastPara="0" vertOverflow="overflow" horzOverflow="overflow" vert="horz" wrap="none" lIns="72000" tIns="72000" rIns="72000" bIns="72000" numCol="1" spcCol="0" rtlCol="0" fromWordArt="0" anchor="t" anchorCtr="0" forceAA="0" compatLnSpc="1">
+            <a:prstTxWarp prst="textNoShape">
+              <a:avLst/>
+            </a:prstTxWarp>
+            <a:noAutofit/>
+          </a:bodyPr>
+          <a:lstStyle/>
+          <a:p>
+            <a:pPr algn="ctr"/>
+            <a:r>
+              <a:rPr lang="ja-JP" altLang="en-US" sz="1000" b="1" smtClean="0">
+                <a:latin typeface="+mn-ea"/>
+              </a:rPr>
+              <a:t>ローカル</a:t>
+            </a:r>
+            <a:r>
+              <a:rPr kumimoji="1" lang="ja-JP" altLang="en-US" sz="1000" b="1" smtClean="0">
+                <a:latin typeface="+mn-ea"/>
+              </a:rPr>
+              <a:t>リポジトリ</a:t>
+            </a:r>
+            <a:endParaRPr kumimoji="1" lang="ja-JP" altLang="en-US" sz="1000" b="1" dirty="0" smtClean="0">
+              <a:latin typeface="+mn-ea"/>
+            </a:endParaRPr>
+          </a:p>
+        </p:txBody>
+      </p:sp>
+      <p:sp>
+        <p:nvSpPr>
+          <p:cNvPr id="29" name="フローチャート: 書類 28"/>
+          <p:cNvSpPr/>
+          <p:nvPr/>
+        </p:nvSpPr>
+        <p:spPr bwMode="auto">
+          <a:xfrm>
+            <a:off x="3606043" y="4401523"/>
+            <a:ext cx="561430" cy="339692"/>
+          </a:xfrm>
+          <a:prstGeom prst="flowChartDocument">
+            <a:avLst/>
+          </a:prstGeom>
+          <a:solidFill>
+            <a:schemeClr val="accent6">
+              <a:lumMod val="25000"/>
+              <a:lumOff val="75000"/>
+            </a:schemeClr>
+          </a:solidFill>
+          <a:ln w="12700">
+            <a:solidFill>
+              <a:schemeClr val="tx1"/>
+            </a:solidFill>
+          </a:ln>
+          <a:effectLst/>
+          <a:extLst/>
+        </p:spPr>
+        <p:txBody>
+          <a:bodyPr rot="0" spcFirstLastPara="0" vertOverflow="overflow" horzOverflow="overflow" vert="horz" wrap="none" lIns="72000" tIns="72000" rIns="72000" bIns="72000" numCol="1" spcCol="0" rtlCol="0" fromWordArt="0" anchor="ctr" anchorCtr="0" forceAA="0" compatLnSpc="1">
+            <a:prstTxWarp prst="textNoShape">
+              <a:avLst/>
+            </a:prstTxWarp>
+            <a:noAutofit/>
+          </a:bodyPr>
+          <a:lstStyle/>
+          <a:p>
+            <a:pPr algn="ctr"/>
+            <a:r>
+              <a:rPr kumimoji="1" lang="ja-JP" altLang="en-US" sz="1000" b="1" smtClean="0">
+                <a:latin typeface="+mn-ea"/>
+              </a:rPr>
+              <a:t>資材</a:t>
+            </a:r>
+            <a:r>
+              <a:rPr lang="en-US" altLang="ja-JP" sz="1000" b="1" smtClean="0">
+                <a:latin typeface="+mn-ea"/>
+              </a:rPr>
+              <a:t>B</a:t>
+            </a:r>
+            <a:endParaRPr kumimoji="1" lang="ja-JP" altLang="en-US" sz="1000" b="1" dirty="0" smtClean="0">
+              <a:latin typeface="+mn-ea"/>
+            </a:endParaRPr>
+          </a:p>
+        </p:txBody>
+      </p:sp>
+      <p:sp>
+        <p:nvSpPr>
+          <p:cNvPr id="25" name="フローチャート: 書類 24"/>
+          <p:cNvSpPr/>
+          <p:nvPr/>
+        </p:nvSpPr>
+        <p:spPr bwMode="auto">
+          <a:xfrm>
+            <a:off x="3024593" y="4401523"/>
+            <a:ext cx="561430" cy="339692"/>
+          </a:xfrm>
+          <a:prstGeom prst="flowChartDocument">
+            <a:avLst/>
+          </a:prstGeom>
+          <a:solidFill>
+            <a:schemeClr val="accent6">
+              <a:lumMod val="25000"/>
+              <a:lumOff val="75000"/>
+            </a:schemeClr>
+          </a:solidFill>
+          <a:ln w="12700">
+            <a:solidFill>
+              <a:schemeClr val="tx1"/>
+            </a:solidFill>
+          </a:ln>
+          <a:effectLst/>
+          <a:extLst/>
+        </p:spPr>
+        <p:txBody>
+          <a:bodyPr rot="0" spcFirstLastPara="0" vertOverflow="overflow" horzOverflow="overflow" vert="horz" wrap="none" lIns="72000" tIns="72000" rIns="72000" bIns="72000" numCol="1" spcCol="0" rtlCol="0" fromWordArt="0" anchor="ctr" anchorCtr="0" forceAA="0" compatLnSpc="1">
+            <a:prstTxWarp prst="textNoShape">
+              <a:avLst/>
+            </a:prstTxWarp>
+            <a:noAutofit/>
+          </a:bodyPr>
+          <a:lstStyle/>
+          <a:p>
+            <a:pPr algn="ctr"/>
+            <a:r>
+              <a:rPr kumimoji="1" lang="ja-JP" altLang="en-US" sz="1000" b="1" smtClean="0">
+                <a:latin typeface="+mn-ea"/>
+              </a:rPr>
+              <a:t>資材</a:t>
+            </a:r>
+            <a:r>
+              <a:rPr kumimoji="1" lang="en-US" altLang="ja-JP" sz="1000" b="1" smtClean="0">
+                <a:latin typeface="+mn-ea"/>
+              </a:rPr>
+              <a:t>A</a:t>
+            </a:r>
+            <a:endParaRPr kumimoji="1" lang="ja-JP" altLang="en-US" sz="1000" b="1" dirty="0" smtClean="0">
+              <a:latin typeface="+mn-ea"/>
+            </a:endParaRPr>
+          </a:p>
+        </p:txBody>
+      </p:sp>
+      <p:sp>
+        <p:nvSpPr>
+          <p:cNvPr id="30" name="フローチャート: 複数書類 29"/>
+          <p:cNvSpPr/>
+          <p:nvPr/>
+        </p:nvSpPr>
+        <p:spPr bwMode="auto">
+          <a:xfrm>
+            <a:off x="842735" y="4256715"/>
+            <a:ext cx="630671" cy="372268"/>
+          </a:xfrm>
+          <a:prstGeom prst="flowChartMultidocument">
+            <a:avLst/>
+          </a:prstGeom>
+          <a:solidFill>
+            <a:schemeClr val="accent6">
+              <a:lumMod val="25000"/>
+              <a:lumOff val="75000"/>
+            </a:schemeClr>
+          </a:solidFill>
+          <a:ln w="12700">
+            <a:solidFill>
+              <a:schemeClr val="tx1"/>
+            </a:solidFill>
+          </a:ln>
+          <a:effectLst/>
+          <a:extLst/>
+        </p:spPr>
+        <p:txBody>
+          <a:bodyPr rot="0" spcFirstLastPara="0" vertOverflow="overflow" horzOverflow="overflow" vert="horz" wrap="none" lIns="72000" tIns="72000" rIns="72000" bIns="72000" numCol="1" spcCol="0" rtlCol="0" fromWordArt="0" anchor="ctr" anchorCtr="0" forceAA="0" compatLnSpc="1">
+            <a:prstTxWarp prst="textNoShape">
+              <a:avLst/>
+            </a:prstTxWarp>
+            <a:noAutofit/>
+          </a:bodyPr>
+          <a:lstStyle/>
+          <a:p>
+            <a:pPr algn="ctr"/>
+            <a:endParaRPr kumimoji="1" lang="ja-JP" altLang="en-US" b="1" dirty="0" smtClean="0">
+              <a:latin typeface="+mn-ea"/>
+            </a:endParaRPr>
+          </a:p>
+        </p:txBody>
+      </p:sp>
+      <p:sp>
+        <p:nvSpPr>
+          <p:cNvPr id="31" name="フローチャート: 書類 30"/>
+          <p:cNvSpPr/>
+          <p:nvPr/>
+        </p:nvSpPr>
+        <p:spPr bwMode="auto">
+          <a:xfrm>
+            <a:off x="1060148" y="4408188"/>
+            <a:ext cx="561430" cy="339692"/>
+          </a:xfrm>
+          <a:prstGeom prst="flowChartDocument">
+            <a:avLst/>
+          </a:prstGeom>
+          <a:solidFill>
+            <a:schemeClr val="accent6">
+              <a:lumMod val="25000"/>
+              <a:lumOff val="75000"/>
+            </a:schemeClr>
+          </a:solidFill>
+          <a:ln w="12700">
+            <a:solidFill>
+              <a:schemeClr val="tx1"/>
+            </a:solidFill>
+          </a:ln>
+          <a:effectLst/>
+          <a:extLst/>
+        </p:spPr>
+        <p:txBody>
+          <a:bodyPr rot="0" spcFirstLastPara="0" vertOverflow="overflow" horzOverflow="overflow" vert="horz" wrap="none" lIns="72000" tIns="72000" rIns="72000" bIns="72000" numCol="1" spcCol="0" rtlCol="0" fromWordArt="0" anchor="ctr" anchorCtr="0" forceAA="0" compatLnSpc="1">
+            <a:prstTxWarp prst="textNoShape">
+              <a:avLst/>
+            </a:prstTxWarp>
+            <a:noAutofit/>
+          </a:bodyPr>
+          <a:lstStyle/>
+          <a:p>
+            <a:pPr algn="ctr"/>
+            <a:r>
+              <a:rPr kumimoji="1" lang="ja-JP" altLang="en-US" sz="1000" b="1" smtClean="0">
+                <a:latin typeface="+mn-ea"/>
+              </a:rPr>
+              <a:t>資材</a:t>
+            </a:r>
+            <a:r>
+              <a:rPr lang="en-US" altLang="ja-JP" sz="1000" b="1" smtClean="0">
+                <a:latin typeface="+mn-ea"/>
+              </a:rPr>
+              <a:t>B</a:t>
+            </a:r>
+            <a:endParaRPr kumimoji="1" lang="ja-JP" altLang="en-US" sz="1000" b="1" dirty="0" smtClean="0">
+              <a:latin typeface="+mn-ea"/>
+            </a:endParaRPr>
+          </a:p>
+        </p:txBody>
+      </p:sp>
+      <p:sp>
+        <p:nvSpPr>
+          <p:cNvPr id="32" name="フローチャート: 書類 31"/>
+          <p:cNvSpPr/>
+          <p:nvPr/>
+        </p:nvSpPr>
+        <p:spPr bwMode="auto">
+          <a:xfrm>
+            <a:off x="478698" y="4408188"/>
+            <a:ext cx="561430" cy="339692"/>
+          </a:xfrm>
+          <a:prstGeom prst="flowChartDocument">
+            <a:avLst/>
+          </a:prstGeom>
+          <a:solidFill>
+            <a:schemeClr val="accent6">
+              <a:lumMod val="25000"/>
+              <a:lumOff val="75000"/>
+            </a:schemeClr>
+          </a:solidFill>
+          <a:ln w="12700">
+            <a:solidFill>
+              <a:schemeClr val="tx1"/>
+            </a:solidFill>
+          </a:ln>
+          <a:effectLst/>
+          <a:extLst/>
+        </p:spPr>
+        <p:txBody>
+          <a:bodyPr rot="0" spcFirstLastPara="0" vertOverflow="overflow" horzOverflow="overflow" vert="horz" wrap="none" lIns="72000" tIns="72000" rIns="72000" bIns="72000" numCol="1" spcCol="0" rtlCol="0" fromWordArt="0" anchor="ctr" anchorCtr="0" forceAA="0" compatLnSpc="1">
+            <a:prstTxWarp prst="textNoShape">
+              <a:avLst/>
+            </a:prstTxWarp>
+            <a:noAutofit/>
+          </a:bodyPr>
+          <a:lstStyle/>
+          <a:p>
+            <a:pPr algn="ctr"/>
+            <a:r>
+              <a:rPr kumimoji="1" lang="ja-JP" altLang="en-US" sz="1000" b="1" smtClean="0">
+                <a:latin typeface="+mn-ea"/>
+              </a:rPr>
+              <a:t>資材</a:t>
+            </a:r>
+            <a:r>
+              <a:rPr kumimoji="1" lang="en-US" altLang="ja-JP" sz="1000" b="1" smtClean="0">
+                <a:latin typeface="+mn-ea"/>
+              </a:rPr>
+              <a:t>A</a:t>
+            </a:r>
+            <a:endParaRPr kumimoji="1" lang="ja-JP" altLang="en-US" sz="1000" b="1" dirty="0" smtClean="0">
+              <a:latin typeface="+mn-ea"/>
+            </a:endParaRPr>
+          </a:p>
+        </p:txBody>
+      </p:sp>
+      <p:sp>
+        <p:nvSpPr>
+          <p:cNvPr id="33" name="フローチャート: 書類 32"/>
+          <p:cNvSpPr/>
+          <p:nvPr/>
+        </p:nvSpPr>
+        <p:spPr bwMode="auto">
+          <a:xfrm>
+            <a:off x="5568122" y="4408188"/>
+            <a:ext cx="561430" cy="339692"/>
+          </a:xfrm>
+          <a:prstGeom prst="flowChartDocument">
+            <a:avLst/>
+          </a:prstGeom>
+          <a:solidFill>
+            <a:schemeClr val="accent6">
+              <a:lumMod val="25000"/>
+              <a:lumOff val="75000"/>
+            </a:schemeClr>
+          </a:solidFill>
+          <a:ln w="12700">
+            <a:solidFill>
+              <a:schemeClr val="tx1"/>
+            </a:solidFill>
+          </a:ln>
+          <a:effectLst/>
+          <a:extLst/>
+        </p:spPr>
+        <p:txBody>
+          <a:bodyPr rot="0" spcFirstLastPara="0" vertOverflow="overflow" horzOverflow="overflow" vert="horz" wrap="none" lIns="72000" tIns="72000" rIns="72000" bIns="72000" numCol="1" spcCol="0" rtlCol="0" fromWordArt="0" anchor="ctr" anchorCtr="0" forceAA="0" compatLnSpc="1">
+            <a:prstTxWarp prst="textNoShape">
+              <a:avLst/>
+            </a:prstTxWarp>
+            <a:noAutofit/>
+          </a:bodyPr>
+          <a:lstStyle/>
+          <a:p>
+            <a:pPr algn="ctr"/>
+            <a:r>
+              <a:rPr kumimoji="1" lang="ja-JP" altLang="en-US" sz="1000" b="1" smtClean="0">
+                <a:latin typeface="+mn-ea"/>
+              </a:rPr>
+              <a:t>資材</a:t>
+            </a:r>
+            <a:r>
+              <a:rPr lang="en-US" altLang="ja-JP" sz="1000" b="1" smtClean="0">
+                <a:latin typeface="+mn-ea"/>
+              </a:rPr>
+              <a:t>B’</a:t>
+            </a:r>
+            <a:endParaRPr kumimoji="1" lang="ja-JP" altLang="en-US" sz="1000" b="1" dirty="0" smtClean="0">
+              <a:latin typeface="+mn-ea"/>
+            </a:endParaRPr>
+          </a:p>
+        </p:txBody>
+      </p:sp>
+      <p:sp>
+        <p:nvSpPr>
+          <p:cNvPr id="34" name="フローチャート: 書類 33"/>
+          <p:cNvSpPr/>
+          <p:nvPr/>
+        </p:nvSpPr>
+        <p:spPr bwMode="auto">
+          <a:xfrm>
+            <a:off x="4952923" y="4408188"/>
+            <a:ext cx="561430" cy="339692"/>
+          </a:xfrm>
+          <a:prstGeom prst="flowChartDocument">
+            <a:avLst/>
+          </a:prstGeom>
+          <a:solidFill>
+            <a:schemeClr val="accent6">
+              <a:lumMod val="25000"/>
+              <a:lumOff val="75000"/>
+            </a:schemeClr>
+          </a:solidFill>
+          <a:ln w="12700">
+            <a:solidFill>
+              <a:schemeClr val="tx1"/>
+            </a:solidFill>
+          </a:ln>
+          <a:effectLst/>
+          <a:extLst/>
+        </p:spPr>
+        <p:txBody>
+          <a:bodyPr rot="0" spcFirstLastPara="0" vertOverflow="overflow" horzOverflow="overflow" vert="horz" wrap="none" lIns="72000" tIns="72000" rIns="72000" bIns="72000" numCol="1" spcCol="0" rtlCol="0" fromWordArt="0" anchor="ctr" anchorCtr="0" forceAA="0" compatLnSpc="1">
+            <a:prstTxWarp prst="textNoShape">
+              <a:avLst/>
+            </a:prstTxWarp>
+            <a:noAutofit/>
+          </a:bodyPr>
+          <a:lstStyle/>
+          <a:p>
+            <a:pPr algn="ctr"/>
+            <a:r>
+              <a:rPr kumimoji="1" lang="ja-JP" altLang="en-US" sz="1000" b="1" smtClean="0">
+                <a:latin typeface="+mn-ea"/>
+              </a:rPr>
+              <a:t>資材</a:t>
+            </a:r>
+            <a:r>
+              <a:rPr lang="en-US" altLang="ja-JP" sz="1000" b="1" smtClean="0">
+                <a:latin typeface="+mn-ea"/>
+              </a:rPr>
+              <a:t>A’</a:t>
+            </a:r>
+            <a:endParaRPr kumimoji="1" lang="ja-JP" altLang="en-US" sz="1000" b="1" dirty="0" smtClean="0">
+              <a:latin typeface="+mn-ea"/>
+            </a:endParaRPr>
+          </a:p>
+        </p:txBody>
+      </p:sp>
+      <p:sp>
+        <p:nvSpPr>
+          <p:cNvPr id="36" name="角丸四角形 35"/>
+          <p:cNvSpPr/>
+          <p:nvPr/>
+        </p:nvSpPr>
+        <p:spPr bwMode="auto">
+          <a:xfrm>
+            <a:off x="2654406" y="3385812"/>
+            <a:ext cx="1862267" cy="2494780"/>
+          </a:xfrm>
+          <a:prstGeom prst="roundRect">
+            <a:avLst>
+              <a:gd name="adj" fmla="val 3359"/>
+            </a:avLst>
+          </a:prstGeom>
+          <a:noFill/>
+          <a:ln w="12700">
+            <a:solidFill>
+              <a:schemeClr val="accent6"/>
+            </a:solidFill>
+            <a:prstDash val="sysDash"/>
+          </a:ln>
+          <a:effectLst/>
+          <a:extLst/>
+        </p:spPr>
+        <p:txBody>
+          <a:bodyPr rot="0" spcFirstLastPara="0" vertOverflow="overflow" horzOverflow="overflow" vert="horz" wrap="none" lIns="72000" tIns="72000" rIns="72000" bIns="72000" numCol="1" spcCol="0" rtlCol="0" fromWordArt="0" anchor="t" anchorCtr="0" forceAA="0" compatLnSpc="1">
+            <a:prstTxWarp prst="textNoShape">
+              <a:avLst/>
+            </a:prstTxWarp>
+            <a:noAutofit/>
+          </a:bodyPr>
+          <a:lstStyle/>
+          <a:p>
+            <a:pPr algn="ctr"/>
+            <a:r>
+              <a:rPr lang="en-US" altLang="ja-JP" sz="1000" b="1"/>
+              <a:t>CI/CD for IaC</a:t>
+            </a:r>
+            <a:endParaRPr kumimoji="1" lang="ja-JP" altLang="en-US" sz="1000" b="1" dirty="0" smtClean="0">
+              <a:latin typeface="+mn-ea"/>
+            </a:endParaRPr>
+          </a:p>
+        </p:txBody>
+      </p:sp>
+      <p:sp>
+        <p:nvSpPr>
+          <p:cNvPr id="37" name="角丸四角形 36"/>
+          <p:cNvSpPr/>
+          <p:nvPr/>
+        </p:nvSpPr>
+        <p:spPr bwMode="auto">
+          <a:xfrm>
+            <a:off x="4636988" y="3385812"/>
+            <a:ext cx="1862267" cy="2494780"/>
+          </a:xfrm>
+          <a:prstGeom prst="roundRect">
+            <a:avLst>
+              <a:gd name="adj" fmla="val 3359"/>
+            </a:avLst>
+          </a:prstGeom>
+          <a:noFill/>
+          <a:ln w="12700">
+            <a:solidFill>
+              <a:schemeClr val="accent6"/>
+            </a:solidFill>
+            <a:prstDash val="sysDash"/>
+          </a:ln>
+          <a:effectLst/>
+          <a:extLst/>
+        </p:spPr>
+        <p:txBody>
+          <a:bodyPr rot="0" spcFirstLastPara="0" vertOverflow="overflow" horzOverflow="overflow" vert="horz" wrap="none" lIns="72000" tIns="72000" rIns="72000" bIns="72000" numCol="1" spcCol="0" rtlCol="0" fromWordArt="0" anchor="t" anchorCtr="0" forceAA="0" compatLnSpc="1">
+            <a:prstTxWarp prst="textNoShape">
+              <a:avLst/>
+            </a:prstTxWarp>
+            <a:noAutofit/>
+          </a:bodyPr>
+          <a:lstStyle/>
+          <a:p>
+            <a:pPr algn="ctr"/>
+            <a:r>
+              <a:rPr lang="en-US" altLang="ja-JP" sz="1000" b="1" smtClean="0">
+                <a:latin typeface="+mn-ea"/>
+              </a:rPr>
+              <a:t>Ansible or Terraform</a:t>
+            </a:r>
+          </a:p>
+          <a:p>
+            <a:pPr algn="ctr"/>
+            <a:r>
+              <a:rPr kumimoji="1" lang="ja-JP" altLang="en-US" sz="1000" b="1">
+                <a:latin typeface="+mn-ea"/>
+              </a:rPr>
+              <a:t>ドライバ</a:t>
+            </a:r>
+            <a:endParaRPr kumimoji="1" lang="ja-JP" altLang="en-US" sz="1000" b="1" dirty="0" smtClean="0">
+              <a:latin typeface="+mn-ea"/>
+            </a:endParaRPr>
+          </a:p>
+        </p:txBody>
+      </p:sp>
+      <p:sp>
+        <p:nvSpPr>
+          <p:cNvPr id="10" name="U ターン矢印 9"/>
+          <p:cNvSpPr/>
+          <p:nvPr/>
+        </p:nvSpPr>
+        <p:spPr bwMode="auto">
+          <a:xfrm rot="16200000" flipH="1">
+            <a:off x="2167223" y="3795354"/>
+            <a:ext cx="359380" cy="1330107"/>
+          </a:xfrm>
+          <a:prstGeom prst="uturnArrow">
+            <a:avLst>
+              <a:gd name="adj1" fmla="val 25000"/>
+              <a:gd name="adj2" fmla="val 25000"/>
+              <a:gd name="adj3" fmla="val 25000"/>
+              <a:gd name="adj4" fmla="val 43750"/>
+              <a:gd name="adj5" fmla="val 100000"/>
+            </a:avLst>
+          </a:prstGeom>
+          <a:solidFill>
+            <a:srgbClr val="FFC000"/>
+          </a:solidFill>
+          <a:ln w="12700">
+            <a:solidFill>
+              <a:schemeClr val="tx1"/>
+            </a:solidFill>
+          </a:ln>
+          <a:effectLst/>
+          <a:extLst/>
+        </p:spPr>
+        <p:txBody>
+          <a:bodyPr rot="0" spcFirstLastPara="0" vertOverflow="overflow" horzOverflow="overflow" vert="horz" wrap="none" lIns="72000" tIns="72000" rIns="72000" bIns="72000" numCol="1" spcCol="0" rtlCol="0" fromWordArt="0" anchor="ctr" anchorCtr="0" forceAA="0" compatLnSpc="1">
+            <a:prstTxWarp prst="textNoShape">
+              <a:avLst/>
+            </a:prstTxWarp>
+            <a:noAutofit/>
+          </a:bodyPr>
+          <a:lstStyle/>
+          <a:p>
+            <a:pPr algn="ctr"/>
+            <a:endParaRPr kumimoji="1" lang="ja-JP" altLang="en-US" b="1" dirty="0" smtClean="0">
+              <a:latin typeface="+mn-ea"/>
+            </a:endParaRPr>
+          </a:p>
+        </p:txBody>
+      </p:sp>
+      <p:sp>
+        <p:nvSpPr>
+          <p:cNvPr id="12" name="テキスト ボックス 11"/>
+          <p:cNvSpPr txBox="1"/>
+          <p:nvPr/>
+        </p:nvSpPr>
+        <p:spPr>
+          <a:xfrm>
+            <a:off x="1884825" y="4054545"/>
+            <a:ext cx="947108" cy="200984"/>
+          </a:xfrm>
+          <a:prstGeom prst="rect">
+            <a:avLst/>
+          </a:prstGeom>
+          <a:solidFill>
+            <a:schemeClr val="accent1">
+              <a:lumMod val="20000"/>
+              <a:lumOff val="80000"/>
+            </a:schemeClr>
+          </a:solidFill>
+        </p:spPr>
+        <p:txBody>
+          <a:bodyPr wrap="square" rtlCol="0">
+            <a:spAutoFit/>
+          </a:bodyPr>
+          <a:lstStyle/>
+          <a:p>
+            <a:r>
+              <a:rPr kumimoji="1" lang="en-US" altLang="ja-JP" sz="700" b="1" smtClean="0"/>
+              <a:t>Git</a:t>
+            </a:r>
+            <a:r>
+              <a:rPr kumimoji="1" lang="ja-JP" altLang="en-US" sz="700" b="1" smtClean="0"/>
+              <a:t>クローン・更新</a:t>
+            </a:r>
+            <a:endParaRPr kumimoji="1" lang="ja-JP" altLang="en-US" sz="700" b="1"/>
+          </a:p>
+        </p:txBody>
+      </p:sp>
+      <p:pic>
+        <p:nvPicPr>
+          <p:cNvPr id="14" name="図 13"/>
           <p:cNvPicPr>
             <a:picLocks noChangeAspect="1"/>
           </p:cNvPicPr>
           <p:nvPr/>
         </p:nvPicPr>
         <p:blipFill>
-          <a:blip r:embed="rId2"/>
+          <a:blip r:embed="rId3">
+            <a:extLst>
+              <a:ext uri="{28A0092B-C50C-407E-A947-70E740481C1C}">
+                <a14:useLocalDpi xmlns:a14="http://schemas.microsoft.com/office/drawing/2010/main" val="0"/>
+              </a:ext>
+            </a:extLst>
+          </a:blip>
           <a:stretch>
             <a:fillRect/>
           </a:stretch>
         </p:blipFill>
         <p:spPr>
           <a:xfrm>
-            <a:off x="1043510" y="2708900"/>
-            <a:ext cx="6984970" cy="3738032"/>
+            <a:off x="2232625" y="2874309"/>
+            <a:ext cx="438823" cy="438823"/>
           </a:xfrm>
           <a:prstGeom prst="rect">
             <a:avLst/>
           </a:prstGeom>
         </p:spPr>
       </p:pic>
+      <p:sp>
+        <p:nvSpPr>
+          <p:cNvPr id="35" name="角丸四角形 34"/>
+          <p:cNvSpPr/>
+          <p:nvPr/>
+        </p:nvSpPr>
+        <p:spPr bwMode="auto">
+          <a:xfrm>
+            <a:off x="7024019" y="4561543"/>
+            <a:ext cx="1897258" cy="1429584"/>
+          </a:xfrm>
+          <a:prstGeom prst="roundRect">
+            <a:avLst>
+              <a:gd name="adj" fmla="val 3359"/>
+            </a:avLst>
+          </a:prstGeom>
+          <a:noFill/>
+          <a:ln w="28575">
+            <a:solidFill>
+              <a:schemeClr val="accent6"/>
+            </a:solidFill>
+          </a:ln>
+          <a:effectLst/>
+          <a:extLst/>
+        </p:spPr>
+        <p:txBody>
+          <a:bodyPr rot="0" spcFirstLastPara="0" vertOverflow="overflow" horzOverflow="overflow" vert="horz" wrap="none" lIns="72000" tIns="72000" rIns="72000" bIns="72000" numCol="1" spcCol="0" rtlCol="0" fromWordArt="0" anchor="t" anchorCtr="0" forceAA="0" compatLnSpc="1">
+            <a:prstTxWarp prst="textNoShape">
+              <a:avLst/>
+            </a:prstTxWarp>
+            <a:noAutofit/>
+          </a:bodyPr>
+          <a:lstStyle/>
+          <a:p>
+            <a:pPr algn="ctr"/>
+            <a:r>
+              <a:rPr kumimoji="1" lang="ja-JP" altLang="en-US" sz="1000" b="1" smtClean="0">
+                <a:latin typeface="+mn-ea"/>
+              </a:rPr>
+              <a:t>対象システム環境</a:t>
+            </a:r>
+            <a:endParaRPr kumimoji="1" lang="ja-JP" altLang="en-US" sz="1000" b="1" dirty="0" smtClean="0">
+              <a:latin typeface="+mn-ea"/>
+            </a:endParaRPr>
+          </a:p>
+        </p:txBody>
+      </p:sp>
+      <p:grpSp>
+        <p:nvGrpSpPr>
+          <p:cNvPr id="41" name="グループ化 40"/>
+          <p:cNvGrpSpPr>
+            <a:grpSpLocks noChangeAspect="1"/>
+          </p:cNvGrpSpPr>
+          <p:nvPr/>
+        </p:nvGrpSpPr>
+        <p:grpSpPr bwMode="gray">
+          <a:xfrm>
+            <a:off x="7899953" y="5227391"/>
+            <a:ext cx="307254" cy="528874"/>
+            <a:chOff x="5936838" y="1169393"/>
+            <a:chExt cx="484187" cy="833438"/>
+          </a:xfrm>
+        </p:grpSpPr>
+        <p:sp>
+          <p:nvSpPr>
+            <p:cNvPr id="42" name="Freeform 22"/>
+            <p:cNvSpPr>
+              <a:spLocks noChangeAspect="1"/>
+            </p:cNvSpPr>
+            <p:nvPr/>
+          </p:nvSpPr>
+          <p:spPr bwMode="gray">
+            <a:xfrm>
+              <a:off x="5936838" y="1169393"/>
+              <a:ext cx="484187" cy="833438"/>
+            </a:xfrm>
+            <a:custGeom>
+              <a:avLst/>
+              <a:gdLst>
+                <a:gd name="T0" fmla="*/ 642 w 642"/>
+                <a:gd name="T1" fmla="*/ 1081 h 1107"/>
+                <a:gd name="T2" fmla="*/ 615 w 642"/>
+                <a:gd name="T3" fmla="*/ 1107 h 1107"/>
+                <a:gd name="T4" fmla="*/ 27 w 642"/>
+                <a:gd name="T5" fmla="*/ 1107 h 1107"/>
+                <a:gd name="T6" fmla="*/ 0 w 642"/>
+                <a:gd name="T7" fmla="*/ 1081 h 1107"/>
+                <a:gd name="T8" fmla="*/ 0 w 642"/>
+                <a:gd name="T9" fmla="*/ 27 h 1107"/>
+                <a:gd name="T10" fmla="*/ 27 w 642"/>
+                <a:gd name="T11" fmla="*/ 0 h 1107"/>
+                <a:gd name="T12" fmla="*/ 615 w 642"/>
+                <a:gd name="T13" fmla="*/ 0 h 1107"/>
+                <a:gd name="T14" fmla="*/ 642 w 642"/>
+                <a:gd name="T15" fmla="*/ 27 h 1107"/>
+                <a:gd name="T16" fmla="*/ 642 w 642"/>
+                <a:gd name="T17" fmla="*/ 1081 h 1107"/>
+              </a:gdLst>
+              <a:ahLst/>
+              <a:cxnLst>
+                <a:cxn ang="0">
+                  <a:pos x="T0" y="T1"/>
+                </a:cxn>
+                <a:cxn ang="0">
+                  <a:pos x="T2" y="T3"/>
+                </a:cxn>
+                <a:cxn ang="0">
+                  <a:pos x="T4" y="T5"/>
+                </a:cxn>
+                <a:cxn ang="0">
+                  <a:pos x="T6" y="T7"/>
+                </a:cxn>
+                <a:cxn ang="0">
+                  <a:pos x="T8" y="T9"/>
+                </a:cxn>
+                <a:cxn ang="0">
+                  <a:pos x="T10" y="T11"/>
+                </a:cxn>
+                <a:cxn ang="0">
+                  <a:pos x="T12" y="T13"/>
+                </a:cxn>
+                <a:cxn ang="0">
+                  <a:pos x="T14" y="T15"/>
+                </a:cxn>
+                <a:cxn ang="0">
+                  <a:pos x="T16" y="T17"/>
+                </a:cxn>
+              </a:cxnLst>
+              <a:rect l="0" t="0" r="r" b="b"/>
+              <a:pathLst>
+                <a:path w="642" h="1107">
+                  <a:moveTo>
+                    <a:pt x="642" y="1081"/>
+                  </a:moveTo>
+                  <a:cubicBezTo>
+                    <a:pt x="642" y="1095"/>
+                    <a:pt x="630" y="1107"/>
+                    <a:pt x="615" y="1107"/>
+                  </a:cubicBezTo>
+                  <a:cubicBezTo>
+                    <a:pt x="27" y="1107"/>
+                    <a:pt x="27" y="1107"/>
+                    <a:pt x="27" y="1107"/>
+                  </a:cubicBezTo>
+                  <a:cubicBezTo>
+                    <a:pt x="12" y="1107"/>
+                    <a:pt x="0" y="1095"/>
+                    <a:pt x="0" y="1081"/>
+                  </a:cubicBezTo>
+                  <a:cubicBezTo>
+                    <a:pt x="0" y="27"/>
+                    <a:pt x="0" y="27"/>
+                    <a:pt x="0" y="27"/>
+                  </a:cubicBezTo>
+                  <a:cubicBezTo>
+                    <a:pt x="0" y="12"/>
+                    <a:pt x="12" y="0"/>
+                    <a:pt x="27" y="0"/>
+                  </a:cubicBezTo>
+                  <a:cubicBezTo>
+                    <a:pt x="615" y="0"/>
+                    <a:pt x="615" y="0"/>
+                    <a:pt x="615" y="0"/>
+                  </a:cubicBezTo>
+                  <a:cubicBezTo>
+                    <a:pt x="630" y="0"/>
+                    <a:pt x="642" y="12"/>
+                    <a:pt x="642" y="27"/>
+                  </a:cubicBezTo>
+                  <a:lnTo>
+                    <a:pt x="642" y="1081"/>
+                  </a:lnTo>
+                  <a:close/>
+                </a:path>
+              </a:pathLst>
+            </a:custGeom>
+            <a:solidFill>
+              <a:schemeClr val="accent6"/>
+            </a:solidFill>
+            <a:ln>
+              <a:noFill/>
+            </a:ln>
+            <a:extLst>
+              <a:ext uri="{91240B29-F687-4F45-9708-019B960494DF}">
+                <a14:hiddenLine xmlns:a14="http://schemas.microsoft.com/office/drawing/2010/main" w="9525">
+                  <a:solidFill>
+                    <a:srgbClr val="000000"/>
+                  </a:solidFill>
+                  <a:round/>
+                  <a:headEnd/>
+                  <a:tailEnd/>
+                </a14:hiddenLine>
+              </a:ext>
+            </a:extLst>
+          </p:spPr>
+          <p:txBody>
+            <a:bodyPr vert="horz" wrap="square" lIns="91440" tIns="45720" rIns="91440" bIns="45720" numCol="1" anchor="t" anchorCtr="0" compatLnSpc="1">
+              <a:prstTxWarp prst="textNoShape">
+                <a:avLst/>
+              </a:prstTxWarp>
+            </a:bodyPr>
+            <a:lstStyle/>
+            <a:p>
+              <a:endParaRPr lang="ja-JP" altLang="en-US"/>
+            </a:p>
+          </p:txBody>
+        </p:sp>
+        <p:sp>
+          <p:nvSpPr>
+            <p:cNvPr id="43" name="フリーフォーム 42"/>
+            <p:cNvSpPr>
+              <a:spLocks noChangeAspect="1" noChangeArrowheads="1"/>
+            </p:cNvSpPr>
+            <p:nvPr/>
+          </p:nvSpPr>
+          <p:spPr bwMode="gray">
+            <a:xfrm>
+              <a:off x="6011450" y="1244006"/>
+              <a:ext cx="333375" cy="684213"/>
+            </a:xfrm>
+            <a:custGeom>
+              <a:avLst/>
+              <a:gdLst>
+                <a:gd name="connsiteX0" fmla="*/ 166688 w 333375"/>
+                <a:gd name="connsiteY0" fmla="*/ 600075 h 684213"/>
+                <a:gd name="connsiteX1" fmla="*/ 207963 w 333375"/>
+                <a:gd name="connsiteY1" fmla="*/ 642144 h 684213"/>
+                <a:gd name="connsiteX2" fmla="*/ 166688 w 333375"/>
+                <a:gd name="connsiteY2" fmla="*/ 684213 h 684213"/>
+                <a:gd name="connsiteX3" fmla="*/ 125413 w 333375"/>
+                <a:gd name="connsiteY3" fmla="*/ 642144 h 684213"/>
+                <a:gd name="connsiteX4" fmla="*/ 166688 w 333375"/>
+                <a:gd name="connsiteY4" fmla="*/ 600075 h 684213"/>
+                <a:gd name="connsiteX5" fmla="*/ 16665 w 333375"/>
+                <a:gd name="connsiteY5" fmla="*/ 485775 h 684213"/>
+                <a:gd name="connsiteX6" fmla="*/ 316711 w 333375"/>
+                <a:gd name="connsiteY6" fmla="*/ 485775 h 684213"/>
+                <a:gd name="connsiteX7" fmla="*/ 331788 w 333375"/>
+                <a:gd name="connsiteY7" fmla="*/ 499696 h 684213"/>
+                <a:gd name="connsiteX8" fmla="*/ 316711 w 333375"/>
+                <a:gd name="connsiteY8" fmla="*/ 514350 h 684213"/>
+                <a:gd name="connsiteX9" fmla="*/ 16665 w 333375"/>
+                <a:gd name="connsiteY9" fmla="*/ 514350 h 684213"/>
+                <a:gd name="connsiteX10" fmla="*/ 1588 w 333375"/>
+                <a:gd name="connsiteY10" fmla="*/ 499696 h 684213"/>
+                <a:gd name="connsiteX11" fmla="*/ 16665 w 333375"/>
+                <a:gd name="connsiteY11" fmla="*/ 485775 h 684213"/>
+                <a:gd name="connsiteX12" fmla="*/ 16665 w 333375"/>
+                <a:gd name="connsiteY12" fmla="*/ 419100 h 684213"/>
+                <a:gd name="connsiteX13" fmla="*/ 316711 w 333375"/>
+                <a:gd name="connsiteY13" fmla="*/ 419100 h 684213"/>
+                <a:gd name="connsiteX14" fmla="*/ 331788 w 333375"/>
+                <a:gd name="connsiteY14" fmla="*/ 433021 h 684213"/>
+                <a:gd name="connsiteX15" fmla="*/ 316711 w 333375"/>
+                <a:gd name="connsiteY15" fmla="*/ 447675 h 684213"/>
+                <a:gd name="connsiteX16" fmla="*/ 16665 w 333375"/>
+                <a:gd name="connsiteY16" fmla="*/ 447675 h 684213"/>
+                <a:gd name="connsiteX17" fmla="*/ 1588 w 333375"/>
+                <a:gd name="connsiteY17" fmla="*/ 433021 h 684213"/>
+                <a:gd name="connsiteX18" fmla="*/ 16665 w 333375"/>
+                <a:gd name="connsiteY18" fmla="*/ 419100 h 684213"/>
+                <a:gd name="connsiteX19" fmla="*/ 16665 w 333375"/>
+                <a:gd name="connsiteY19" fmla="*/ 350837 h 684213"/>
+                <a:gd name="connsiteX20" fmla="*/ 316711 w 333375"/>
+                <a:gd name="connsiteY20" fmla="*/ 350837 h 684213"/>
+                <a:gd name="connsiteX21" fmla="*/ 331788 w 333375"/>
+                <a:gd name="connsiteY21" fmla="*/ 366305 h 684213"/>
+                <a:gd name="connsiteX22" fmla="*/ 316711 w 333375"/>
+                <a:gd name="connsiteY22" fmla="*/ 381000 h 684213"/>
+                <a:gd name="connsiteX23" fmla="*/ 16665 w 333375"/>
+                <a:gd name="connsiteY23" fmla="*/ 381000 h 684213"/>
+                <a:gd name="connsiteX24" fmla="*/ 1588 w 333375"/>
+                <a:gd name="connsiteY24" fmla="*/ 366305 h 684213"/>
+                <a:gd name="connsiteX25" fmla="*/ 16665 w 333375"/>
+                <a:gd name="connsiteY25" fmla="*/ 350837 h 684213"/>
+                <a:gd name="connsiteX26" fmla="*/ 19610 w 333375"/>
+                <a:gd name="connsiteY26" fmla="*/ 166687 h 684213"/>
+                <a:gd name="connsiteX27" fmla="*/ 313765 w 333375"/>
+                <a:gd name="connsiteY27" fmla="*/ 166687 h 684213"/>
+                <a:gd name="connsiteX28" fmla="*/ 333375 w 333375"/>
+                <a:gd name="connsiteY28" fmla="*/ 186990 h 684213"/>
+                <a:gd name="connsiteX29" fmla="*/ 333375 w 333375"/>
+                <a:gd name="connsiteY29" fmla="*/ 246397 h 684213"/>
+                <a:gd name="connsiteX30" fmla="*/ 313765 w 333375"/>
+                <a:gd name="connsiteY30" fmla="*/ 266700 h 684213"/>
+                <a:gd name="connsiteX31" fmla="*/ 19610 w 333375"/>
+                <a:gd name="connsiteY31" fmla="*/ 266700 h 684213"/>
+                <a:gd name="connsiteX32" fmla="*/ 0 w 333375"/>
+                <a:gd name="connsiteY32" fmla="*/ 246397 h 684213"/>
+                <a:gd name="connsiteX33" fmla="*/ 0 w 333375"/>
+                <a:gd name="connsiteY33" fmla="*/ 186990 h 684213"/>
+                <a:gd name="connsiteX34" fmla="*/ 19610 w 333375"/>
+                <a:gd name="connsiteY34" fmla="*/ 166687 h 684213"/>
+                <a:gd name="connsiteX35" fmla="*/ 19610 w 333375"/>
+                <a:gd name="connsiteY35" fmla="*/ 0 h 684213"/>
+                <a:gd name="connsiteX36" fmla="*/ 313765 w 333375"/>
+                <a:gd name="connsiteY36" fmla="*/ 0 h 684213"/>
+                <a:gd name="connsiteX37" fmla="*/ 333375 w 333375"/>
+                <a:gd name="connsiteY37" fmla="*/ 19551 h 684213"/>
+                <a:gd name="connsiteX38" fmla="*/ 333375 w 333375"/>
+                <a:gd name="connsiteY38" fmla="*/ 79710 h 684213"/>
+                <a:gd name="connsiteX39" fmla="*/ 313765 w 333375"/>
+                <a:gd name="connsiteY39" fmla="*/ 100013 h 684213"/>
+                <a:gd name="connsiteX40" fmla="*/ 19610 w 333375"/>
+                <a:gd name="connsiteY40" fmla="*/ 100013 h 684213"/>
+                <a:gd name="connsiteX41" fmla="*/ 0 w 333375"/>
+                <a:gd name="connsiteY41" fmla="*/ 79710 h 684213"/>
+                <a:gd name="connsiteX42" fmla="*/ 0 w 333375"/>
+                <a:gd name="connsiteY42" fmla="*/ 19551 h 684213"/>
+                <a:gd name="connsiteX43" fmla="*/ 19610 w 333375"/>
+                <a:gd name="connsiteY43" fmla="*/ 0 h 684213"/>
+              </a:gdLst>
+              <a:ahLst/>
+              <a:cxnLst>
+                <a:cxn ang="0">
+                  <a:pos x="connsiteX0" y="connsiteY0"/>
+                </a:cxn>
+                <a:cxn ang="0">
+                  <a:pos x="connsiteX1" y="connsiteY1"/>
+                </a:cxn>
+                <a:cxn ang="0">
+                  <a:pos x="connsiteX2" y="connsiteY2"/>
+                </a:cxn>
+                <a:cxn ang="0">
+                  <a:pos x="connsiteX3" y="connsiteY3"/>
+                </a:cxn>
+                <a:cxn ang="0">
+                  <a:pos x="connsiteX4" y="connsiteY4"/>
+                </a:cxn>
+                <a:cxn ang="0">
+                  <a:pos x="connsiteX5" y="connsiteY5"/>
+                </a:cxn>
+                <a:cxn ang="0">
+                  <a:pos x="connsiteX6" y="connsiteY6"/>
+                </a:cxn>
+                <a:cxn ang="0">
+                  <a:pos x="connsiteX7" y="connsiteY7"/>
+                </a:cxn>
+                <a:cxn ang="0">
+                  <a:pos x="connsiteX8" y="connsiteY8"/>
+                </a:cxn>
+                <a:cxn ang="0">
+                  <a:pos x="connsiteX9" y="connsiteY9"/>
+                </a:cxn>
+                <a:cxn ang="0">
+                  <a:pos x="connsiteX10" y="connsiteY10"/>
+                </a:cxn>
+                <a:cxn ang="0">
+                  <a:pos x="connsiteX11" y="connsiteY11"/>
+                </a:cxn>
+                <a:cxn ang="0">
+                  <a:pos x="connsiteX12" y="connsiteY12"/>
+                </a:cxn>
+                <a:cxn ang="0">
+                  <a:pos x="connsiteX13" y="connsiteY13"/>
+                </a:cxn>
+                <a:cxn ang="0">
+                  <a:pos x="connsiteX14" y="connsiteY14"/>
+                </a:cxn>
+                <a:cxn ang="0">
+                  <a:pos x="connsiteX15" y="connsiteY15"/>
+                </a:cxn>
+                <a:cxn ang="0">
+                  <a:pos x="connsiteX16" y="connsiteY16"/>
+                </a:cxn>
+                <a:cxn ang="0">
+                  <a:pos x="connsiteX17" y="connsiteY17"/>
+                </a:cxn>
+                <a:cxn ang="0">
+                  <a:pos x="connsiteX18" y="connsiteY18"/>
+                </a:cxn>
+                <a:cxn ang="0">
+                  <a:pos x="connsiteX19" y="connsiteY19"/>
+                </a:cxn>
+                <a:cxn ang="0">
+                  <a:pos x="connsiteX20" y="connsiteY20"/>
+                </a:cxn>
+                <a:cxn ang="0">
+                  <a:pos x="connsiteX21" y="connsiteY21"/>
+                </a:cxn>
+                <a:cxn ang="0">
+                  <a:pos x="connsiteX22" y="connsiteY22"/>
+                </a:cxn>
+                <a:cxn ang="0">
+                  <a:pos x="connsiteX23" y="connsiteY23"/>
+                </a:cxn>
+                <a:cxn ang="0">
+                  <a:pos x="connsiteX24" y="connsiteY24"/>
+                </a:cxn>
+                <a:cxn ang="0">
+                  <a:pos x="connsiteX25" y="connsiteY25"/>
+                </a:cxn>
+                <a:cxn ang="0">
+                  <a:pos x="connsiteX26" y="connsiteY26"/>
+                </a:cxn>
+                <a:cxn ang="0">
+                  <a:pos x="connsiteX27" y="connsiteY27"/>
+                </a:cxn>
+                <a:cxn ang="0">
+                  <a:pos x="connsiteX28" y="connsiteY28"/>
+                </a:cxn>
+                <a:cxn ang="0">
+                  <a:pos x="connsiteX29" y="connsiteY29"/>
+                </a:cxn>
+                <a:cxn ang="0">
+                  <a:pos x="connsiteX30" y="connsiteY30"/>
+                </a:cxn>
+                <a:cxn ang="0">
+                  <a:pos x="connsiteX31" y="connsiteY31"/>
+                </a:cxn>
+                <a:cxn ang="0">
+                  <a:pos x="connsiteX32" y="connsiteY32"/>
+                </a:cxn>
+                <a:cxn ang="0">
+                  <a:pos x="connsiteX33" y="connsiteY33"/>
+                </a:cxn>
+                <a:cxn ang="0">
+                  <a:pos x="connsiteX34" y="connsiteY34"/>
+                </a:cxn>
+                <a:cxn ang="0">
+                  <a:pos x="connsiteX35" y="connsiteY35"/>
+                </a:cxn>
+                <a:cxn ang="0">
+                  <a:pos x="connsiteX36" y="connsiteY36"/>
+                </a:cxn>
+                <a:cxn ang="0">
+                  <a:pos x="connsiteX37" y="connsiteY37"/>
+                </a:cxn>
+                <a:cxn ang="0">
+                  <a:pos x="connsiteX38" y="connsiteY38"/>
+                </a:cxn>
+                <a:cxn ang="0">
+                  <a:pos x="connsiteX39" y="connsiteY39"/>
+                </a:cxn>
+                <a:cxn ang="0">
+                  <a:pos x="connsiteX40" y="connsiteY40"/>
+                </a:cxn>
+                <a:cxn ang="0">
+                  <a:pos x="connsiteX41" y="connsiteY41"/>
+                </a:cxn>
+                <a:cxn ang="0">
+                  <a:pos x="connsiteX42" y="connsiteY42"/>
+                </a:cxn>
+                <a:cxn ang="0">
+                  <a:pos x="connsiteX43" y="connsiteY43"/>
+                </a:cxn>
+              </a:cxnLst>
+              <a:rect l="l" t="t" r="r" b="b"/>
+              <a:pathLst>
+                <a:path w="333375" h="684213">
+                  <a:moveTo>
+                    <a:pt x="166688" y="600075"/>
+                  </a:moveTo>
+                  <a:cubicBezTo>
+                    <a:pt x="189484" y="600075"/>
+                    <a:pt x="207963" y="618910"/>
+                    <a:pt x="207963" y="642144"/>
+                  </a:cubicBezTo>
+                  <a:cubicBezTo>
+                    <a:pt x="207963" y="665378"/>
+                    <a:pt x="189484" y="684213"/>
+                    <a:pt x="166688" y="684213"/>
+                  </a:cubicBezTo>
+                  <a:cubicBezTo>
+                    <a:pt x="143892" y="684213"/>
+                    <a:pt x="125413" y="665378"/>
+                    <a:pt x="125413" y="642144"/>
+                  </a:cubicBezTo>
+                  <a:cubicBezTo>
+                    <a:pt x="125413" y="618910"/>
+                    <a:pt x="143892" y="600075"/>
+                    <a:pt x="166688" y="600075"/>
+                  </a:cubicBezTo>
+                  <a:close/>
+                  <a:moveTo>
+                    <a:pt x="16665" y="485775"/>
+                  </a:moveTo>
+                  <a:cubicBezTo>
+                    <a:pt x="16665" y="485775"/>
+                    <a:pt x="16665" y="485775"/>
+                    <a:pt x="316711" y="485775"/>
+                  </a:cubicBezTo>
+                  <a:cubicBezTo>
+                    <a:pt x="325003" y="485775"/>
+                    <a:pt x="331788" y="491636"/>
+                    <a:pt x="331788" y="499696"/>
+                  </a:cubicBezTo>
+                  <a:cubicBezTo>
+                    <a:pt x="331788" y="507756"/>
+                    <a:pt x="325003" y="514350"/>
+                    <a:pt x="316711" y="514350"/>
+                  </a:cubicBezTo>
+                  <a:cubicBezTo>
+                    <a:pt x="316711" y="514350"/>
+                    <a:pt x="316711" y="514350"/>
+                    <a:pt x="16665" y="514350"/>
+                  </a:cubicBezTo>
+                  <a:cubicBezTo>
+                    <a:pt x="8373" y="514350"/>
+                    <a:pt x="1588" y="507756"/>
+                    <a:pt x="1588" y="499696"/>
+                  </a:cubicBezTo>
+                  <a:cubicBezTo>
+                    <a:pt x="1588" y="491636"/>
+                    <a:pt x="8373" y="485775"/>
+                    <a:pt x="16665" y="485775"/>
+                  </a:cubicBezTo>
+                  <a:close/>
+                  <a:moveTo>
+                    <a:pt x="16665" y="419100"/>
+                  </a:moveTo>
+                  <a:cubicBezTo>
+                    <a:pt x="16665" y="419100"/>
+                    <a:pt x="16665" y="419100"/>
+                    <a:pt x="316711" y="419100"/>
+                  </a:cubicBezTo>
+                  <a:cubicBezTo>
+                    <a:pt x="325003" y="419100"/>
+                    <a:pt x="331788" y="425694"/>
+                    <a:pt x="331788" y="433021"/>
+                  </a:cubicBezTo>
+                  <a:cubicBezTo>
+                    <a:pt x="331788" y="441081"/>
+                    <a:pt x="325003" y="447675"/>
+                    <a:pt x="316711" y="447675"/>
+                  </a:cubicBezTo>
+                  <a:cubicBezTo>
+                    <a:pt x="316711" y="447675"/>
+                    <a:pt x="316711" y="447675"/>
+                    <a:pt x="16665" y="447675"/>
+                  </a:cubicBezTo>
+                  <a:cubicBezTo>
+                    <a:pt x="8373" y="447675"/>
+                    <a:pt x="1588" y="441081"/>
+                    <a:pt x="1588" y="433021"/>
+                  </a:cubicBezTo>
+                  <a:cubicBezTo>
+                    <a:pt x="1588" y="425694"/>
+                    <a:pt x="8373" y="419100"/>
+                    <a:pt x="16665" y="419100"/>
+                  </a:cubicBezTo>
+                  <a:close/>
+                  <a:moveTo>
+                    <a:pt x="16665" y="350837"/>
+                  </a:moveTo>
+                  <a:cubicBezTo>
+                    <a:pt x="16665" y="350837"/>
+                    <a:pt x="16665" y="350837"/>
+                    <a:pt x="316711" y="350837"/>
+                  </a:cubicBezTo>
+                  <a:cubicBezTo>
+                    <a:pt x="325003" y="350837"/>
+                    <a:pt x="331788" y="357798"/>
+                    <a:pt x="331788" y="366305"/>
+                  </a:cubicBezTo>
+                  <a:cubicBezTo>
+                    <a:pt x="331788" y="374813"/>
+                    <a:pt x="325003" y="381000"/>
+                    <a:pt x="316711" y="381000"/>
+                  </a:cubicBezTo>
+                  <a:cubicBezTo>
+                    <a:pt x="316711" y="381000"/>
+                    <a:pt x="316711" y="381000"/>
+                    <a:pt x="16665" y="381000"/>
+                  </a:cubicBezTo>
+                  <a:cubicBezTo>
+                    <a:pt x="8373" y="381000"/>
+                    <a:pt x="1588" y="374813"/>
+                    <a:pt x="1588" y="366305"/>
+                  </a:cubicBezTo>
+                  <a:cubicBezTo>
+                    <a:pt x="1588" y="357798"/>
+                    <a:pt x="8373" y="350837"/>
+                    <a:pt x="16665" y="350837"/>
+                  </a:cubicBezTo>
+                  <a:close/>
+                  <a:moveTo>
+                    <a:pt x="19610" y="166687"/>
+                  </a:moveTo>
+                  <a:cubicBezTo>
+                    <a:pt x="19610" y="166687"/>
+                    <a:pt x="19610" y="166687"/>
+                    <a:pt x="313765" y="166687"/>
+                  </a:cubicBezTo>
+                  <a:cubicBezTo>
+                    <a:pt x="324324" y="166687"/>
+                    <a:pt x="333375" y="175711"/>
+                    <a:pt x="333375" y="186990"/>
+                  </a:cubicBezTo>
+                  <a:cubicBezTo>
+                    <a:pt x="333375" y="186990"/>
+                    <a:pt x="333375" y="186990"/>
+                    <a:pt x="333375" y="246397"/>
+                  </a:cubicBezTo>
+                  <a:cubicBezTo>
+                    <a:pt x="333375" y="257676"/>
+                    <a:pt x="324324" y="266700"/>
+                    <a:pt x="313765" y="266700"/>
+                  </a:cubicBezTo>
+                  <a:cubicBezTo>
+                    <a:pt x="313765" y="266700"/>
+                    <a:pt x="313765" y="266700"/>
+                    <a:pt x="19610" y="266700"/>
+                  </a:cubicBezTo>
+                  <a:cubicBezTo>
+                    <a:pt x="9051" y="266700"/>
+                    <a:pt x="0" y="257676"/>
+                    <a:pt x="0" y="246397"/>
+                  </a:cubicBezTo>
+                  <a:cubicBezTo>
+                    <a:pt x="0" y="246397"/>
+                    <a:pt x="0" y="246397"/>
+                    <a:pt x="0" y="186990"/>
+                  </a:cubicBezTo>
+                  <a:cubicBezTo>
+                    <a:pt x="0" y="175711"/>
+                    <a:pt x="9051" y="166687"/>
+                    <a:pt x="19610" y="166687"/>
+                  </a:cubicBezTo>
+                  <a:close/>
+                  <a:moveTo>
+                    <a:pt x="19610" y="0"/>
+                  </a:moveTo>
+                  <a:cubicBezTo>
+                    <a:pt x="19610" y="0"/>
+                    <a:pt x="19610" y="0"/>
+                    <a:pt x="313765" y="0"/>
+                  </a:cubicBezTo>
+                  <a:cubicBezTo>
+                    <a:pt x="324324" y="0"/>
+                    <a:pt x="333375" y="9024"/>
+                    <a:pt x="333375" y="19551"/>
+                  </a:cubicBezTo>
+                  <a:cubicBezTo>
+                    <a:pt x="333375" y="19551"/>
+                    <a:pt x="333375" y="19551"/>
+                    <a:pt x="333375" y="79710"/>
+                  </a:cubicBezTo>
+                  <a:cubicBezTo>
+                    <a:pt x="333375" y="90989"/>
+                    <a:pt x="324324" y="100013"/>
+                    <a:pt x="313765" y="100013"/>
+                  </a:cubicBezTo>
+                  <a:cubicBezTo>
+                    <a:pt x="313765" y="100013"/>
+                    <a:pt x="313765" y="100013"/>
+                    <a:pt x="19610" y="100013"/>
+                  </a:cubicBezTo>
+                  <a:cubicBezTo>
+                    <a:pt x="9051" y="100013"/>
+                    <a:pt x="0" y="90989"/>
+                    <a:pt x="0" y="79710"/>
+                  </a:cubicBezTo>
+                  <a:cubicBezTo>
+                    <a:pt x="0" y="79710"/>
+                    <a:pt x="0" y="79710"/>
+                    <a:pt x="0" y="19551"/>
+                  </a:cubicBezTo>
+                  <a:cubicBezTo>
+                    <a:pt x="0" y="9024"/>
+                    <a:pt x="9051" y="0"/>
+                    <a:pt x="19610" y="0"/>
+                  </a:cubicBezTo>
+                  <a:close/>
+                </a:path>
+              </a:pathLst>
+            </a:custGeom>
+            <a:solidFill>
+              <a:srgbClr val="FFFFFF"/>
+            </a:solidFill>
+            <a:ln>
+              <a:noFill/>
+            </a:ln>
+            <a:extLst>
+              <a:ext uri="{91240B29-F687-4F45-9708-019B960494DF}">
+                <a14:hiddenLine xmlns:a14="http://schemas.microsoft.com/office/drawing/2010/main" w="9525">
+                  <a:solidFill>
+                    <a:srgbClr val="000000"/>
+                  </a:solidFill>
+                  <a:round/>
+                  <a:headEnd/>
+                  <a:tailEnd/>
+                </a14:hiddenLine>
+              </a:ext>
+            </a:extLst>
+          </p:spPr>
+          <p:txBody>
+            <a:bodyPr vert="horz" wrap="square" lIns="91440" tIns="45720" rIns="91440" bIns="45720" numCol="1" anchor="t" anchorCtr="0" compatLnSpc="1">
+              <a:prstTxWarp prst="textNoShape">
+                <a:avLst/>
+              </a:prstTxWarp>
+              <a:noAutofit/>
+            </a:bodyPr>
+            <a:lstStyle/>
+            <a:p>
+              <a:endParaRPr lang="ja-JP" altLang="en-US"/>
+            </a:p>
+          </p:txBody>
+        </p:sp>
+      </p:grpSp>
+      <p:grpSp>
+        <p:nvGrpSpPr>
+          <p:cNvPr id="38" name="グループ化 37"/>
+          <p:cNvGrpSpPr>
+            <a:grpSpLocks noChangeAspect="1"/>
+          </p:cNvGrpSpPr>
+          <p:nvPr/>
+        </p:nvGrpSpPr>
+        <p:grpSpPr bwMode="gray">
+          <a:xfrm>
+            <a:off x="7372177" y="4936838"/>
+            <a:ext cx="476051" cy="819427"/>
+            <a:chOff x="5936838" y="1169393"/>
+            <a:chExt cx="484187" cy="833438"/>
+          </a:xfrm>
+        </p:grpSpPr>
+        <p:sp>
+          <p:nvSpPr>
+            <p:cNvPr id="39" name="Freeform 22"/>
+            <p:cNvSpPr>
+              <a:spLocks noChangeAspect="1"/>
+            </p:cNvSpPr>
+            <p:nvPr/>
+          </p:nvSpPr>
+          <p:spPr bwMode="gray">
+            <a:xfrm>
+              <a:off x="5936838" y="1169393"/>
+              <a:ext cx="484187" cy="833438"/>
+            </a:xfrm>
+            <a:custGeom>
+              <a:avLst/>
+              <a:gdLst>
+                <a:gd name="T0" fmla="*/ 642 w 642"/>
+                <a:gd name="T1" fmla="*/ 1081 h 1107"/>
+                <a:gd name="T2" fmla="*/ 615 w 642"/>
+                <a:gd name="T3" fmla="*/ 1107 h 1107"/>
+                <a:gd name="T4" fmla="*/ 27 w 642"/>
+                <a:gd name="T5" fmla="*/ 1107 h 1107"/>
+                <a:gd name="T6" fmla="*/ 0 w 642"/>
+                <a:gd name="T7" fmla="*/ 1081 h 1107"/>
+                <a:gd name="T8" fmla="*/ 0 w 642"/>
+                <a:gd name="T9" fmla="*/ 27 h 1107"/>
+                <a:gd name="T10" fmla="*/ 27 w 642"/>
+                <a:gd name="T11" fmla="*/ 0 h 1107"/>
+                <a:gd name="T12" fmla="*/ 615 w 642"/>
+                <a:gd name="T13" fmla="*/ 0 h 1107"/>
+                <a:gd name="T14" fmla="*/ 642 w 642"/>
+                <a:gd name="T15" fmla="*/ 27 h 1107"/>
+                <a:gd name="T16" fmla="*/ 642 w 642"/>
+                <a:gd name="T17" fmla="*/ 1081 h 1107"/>
+              </a:gdLst>
+              <a:ahLst/>
+              <a:cxnLst>
+                <a:cxn ang="0">
+                  <a:pos x="T0" y="T1"/>
+                </a:cxn>
+                <a:cxn ang="0">
+                  <a:pos x="T2" y="T3"/>
+                </a:cxn>
+                <a:cxn ang="0">
+                  <a:pos x="T4" y="T5"/>
+                </a:cxn>
+                <a:cxn ang="0">
+                  <a:pos x="T6" y="T7"/>
+                </a:cxn>
+                <a:cxn ang="0">
+                  <a:pos x="T8" y="T9"/>
+                </a:cxn>
+                <a:cxn ang="0">
+                  <a:pos x="T10" y="T11"/>
+                </a:cxn>
+                <a:cxn ang="0">
+                  <a:pos x="T12" y="T13"/>
+                </a:cxn>
+                <a:cxn ang="0">
+                  <a:pos x="T14" y="T15"/>
+                </a:cxn>
+                <a:cxn ang="0">
+                  <a:pos x="T16" y="T17"/>
+                </a:cxn>
+              </a:cxnLst>
+              <a:rect l="0" t="0" r="r" b="b"/>
+              <a:pathLst>
+                <a:path w="642" h="1107">
+                  <a:moveTo>
+                    <a:pt x="642" y="1081"/>
+                  </a:moveTo>
+                  <a:cubicBezTo>
+                    <a:pt x="642" y="1095"/>
+                    <a:pt x="630" y="1107"/>
+                    <a:pt x="615" y="1107"/>
+                  </a:cubicBezTo>
+                  <a:cubicBezTo>
+                    <a:pt x="27" y="1107"/>
+                    <a:pt x="27" y="1107"/>
+                    <a:pt x="27" y="1107"/>
+                  </a:cubicBezTo>
+                  <a:cubicBezTo>
+                    <a:pt x="12" y="1107"/>
+                    <a:pt x="0" y="1095"/>
+                    <a:pt x="0" y="1081"/>
+                  </a:cubicBezTo>
+                  <a:cubicBezTo>
+                    <a:pt x="0" y="27"/>
+                    <a:pt x="0" y="27"/>
+                    <a:pt x="0" y="27"/>
+                  </a:cubicBezTo>
+                  <a:cubicBezTo>
+                    <a:pt x="0" y="12"/>
+                    <a:pt x="12" y="0"/>
+                    <a:pt x="27" y="0"/>
+                  </a:cubicBezTo>
+                  <a:cubicBezTo>
+                    <a:pt x="615" y="0"/>
+                    <a:pt x="615" y="0"/>
+                    <a:pt x="615" y="0"/>
+                  </a:cubicBezTo>
+                  <a:cubicBezTo>
+                    <a:pt x="630" y="0"/>
+                    <a:pt x="642" y="12"/>
+                    <a:pt x="642" y="27"/>
+                  </a:cubicBezTo>
+                  <a:lnTo>
+                    <a:pt x="642" y="1081"/>
+                  </a:lnTo>
+                  <a:close/>
+                </a:path>
+              </a:pathLst>
+            </a:custGeom>
+            <a:solidFill>
+              <a:schemeClr val="accent6"/>
+            </a:solidFill>
+            <a:ln>
+              <a:noFill/>
+            </a:ln>
+            <a:extLst>
+              <a:ext uri="{91240B29-F687-4F45-9708-019B960494DF}">
+                <a14:hiddenLine xmlns:a14="http://schemas.microsoft.com/office/drawing/2010/main" w="9525">
+                  <a:solidFill>
+                    <a:srgbClr val="000000"/>
+                  </a:solidFill>
+                  <a:round/>
+                  <a:headEnd/>
+                  <a:tailEnd/>
+                </a14:hiddenLine>
+              </a:ext>
+            </a:extLst>
+          </p:spPr>
+          <p:txBody>
+            <a:bodyPr vert="horz" wrap="square" lIns="91440" tIns="45720" rIns="91440" bIns="45720" numCol="1" anchor="t" anchorCtr="0" compatLnSpc="1">
+              <a:prstTxWarp prst="textNoShape">
+                <a:avLst/>
+              </a:prstTxWarp>
+            </a:bodyPr>
+            <a:lstStyle/>
+            <a:p>
+              <a:endParaRPr lang="ja-JP" altLang="en-US"/>
+            </a:p>
+          </p:txBody>
+        </p:sp>
+        <p:sp>
+          <p:nvSpPr>
+            <p:cNvPr id="40" name="フリーフォーム 39"/>
+            <p:cNvSpPr>
+              <a:spLocks noChangeAspect="1" noChangeArrowheads="1"/>
+            </p:cNvSpPr>
+            <p:nvPr/>
+          </p:nvSpPr>
+          <p:spPr bwMode="gray">
+            <a:xfrm>
+              <a:off x="6011450" y="1244006"/>
+              <a:ext cx="333375" cy="684213"/>
+            </a:xfrm>
+            <a:custGeom>
+              <a:avLst/>
+              <a:gdLst>
+                <a:gd name="connsiteX0" fmla="*/ 166688 w 333375"/>
+                <a:gd name="connsiteY0" fmla="*/ 600075 h 684213"/>
+                <a:gd name="connsiteX1" fmla="*/ 207963 w 333375"/>
+                <a:gd name="connsiteY1" fmla="*/ 642144 h 684213"/>
+                <a:gd name="connsiteX2" fmla="*/ 166688 w 333375"/>
+                <a:gd name="connsiteY2" fmla="*/ 684213 h 684213"/>
+                <a:gd name="connsiteX3" fmla="*/ 125413 w 333375"/>
+                <a:gd name="connsiteY3" fmla="*/ 642144 h 684213"/>
+                <a:gd name="connsiteX4" fmla="*/ 166688 w 333375"/>
+                <a:gd name="connsiteY4" fmla="*/ 600075 h 684213"/>
+                <a:gd name="connsiteX5" fmla="*/ 16665 w 333375"/>
+                <a:gd name="connsiteY5" fmla="*/ 485775 h 684213"/>
+                <a:gd name="connsiteX6" fmla="*/ 316711 w 333375"/>
+                <a:gd name="connsiteY6" fmla="*/ 485775 h 684213"/>
+                <a:gd name="connsiteX7" fmla="*/ 331788 w 333375"/>
+                <a:gd name="connsiteY7" fmla="*/ 499696 h 684213"/>
+                <a:gd name="connsiteX8" fmla="*/ 316711 w 333375"/>
+                <a:gd name="connsiteY8" fmla="*/ 514350 h 684213"/>
+                <a:gd name="connsiteX9" fmla="*/ 16665 w 333375"/>
+                <a:gd name="connsiteY9" fmla="*/ 514350 h 684213"/>
+                <a:gd name="connsiteX10" fmla="*/ 1588 w 333375"/>
+                <a:gd name="connsiteY10" fmla="*/ 499696 h 684213"/>
+                <a:gd name="connsiteX11" fmla="*/ 16665 w 333375"/>
+                <a:gd name="connsiteY11" fmla="*/ 485775 h 684213"/>
+                <a:gd name="connsiteX12" fmla="*/ 16665 w 333375"/>
+                <a:gd name="connsiteY12" fmla="*/ 419100 h 684213"/>
+                <a:gd name="connsiteX13" fmla="*/ 316711 w 333375"/>
+                <a:gd name="connsiteY13" fmla="*/ 419100 h 684213"/>
+                <a:gd name="connsiteX14" fmla="*/ 331788 w 333375"/>
+                <a:gd name="connsiteY14" fmla="*/ 433021 h 684213"/>
+                <a:gd name="connsiteX15" fmla="*/ 316711 w 333375"/>
+                <a:gd name="connsiteY15" fmla="*/ 447675 h 684213"/>
+                <a:gd name="connsiteX16" fmla="*/ 16665 w 333375"/>
+                <a:gd name="connsiteY16" fmla="*/ 447675 h 684213"/>
+                <a:gd name="connsiteX17" fmla="*/ 1588 w 333375"/>
+                <a:gd name="connsiteY17" fmla="*/ 433021 h 684213"/>
+                <a:gd name="connsiteX18" fmla="*/ 16665 w 333375"/>
+                <a:gd name="connsiteY18" fmla="*/ 419100 h 684213"/>
+                <a:gd name="connsiteX19" fmla="*/ 16665 w 333375"/>
+                <a:gd name="connsiteY19" fmla="*/ 350837 h 684213"/>
+                <a:gd name="connsiteX20" fmla="*/ 316711 w 333375"/>
+                <a:gd name="connsiteY20" fmla="*/ 350837 h 684213"/>
+                <a:gd name="connsiteX21" fmla="*/ 331788 w 333375"/>
+                <a:gd name="connsiteY21" fmla="*/ 366305 h 684213"/>
+                <a:gd name="connsiteX22" fmla="*/ 316711 w 333375"/>
+                <a:gd name="connsiteY22" fmla="*/ 381000 h 684213"/>
+                <a:gd name="connsiteX23" fmla="*/ 16665 w 333375"/>
+                <a:gd name="connsiteY23" fmla="*/ 381000 h 684213"/>
+                <a:gd name="connsiteX24" fmla="*/ 1588 w 333375"/>
+                <a:gd name="connsiteY24" fmla="*/ 366305 h 684213"/>
+                <a:gd name="connsiteX25" fmla="*/ 16665 w 333375"/>
+                <a:gd name="connsiteY25" fmla="*/ 350837 h 684213"/>
+                <a:gd name="connsiteX26" fmla="*/ 19610 w 333375"/>
+                <a:gd name="connsiteY26" fmla="*/ 166687 h 684213"/>
+                <a:gd name="connsiteX27" fmla="*/ 313765 w 333375"/>
+                <a:gd name="connsiteY27" fmla="*/ 166687 h 684213"/>
+                <a:gd name="connsiteX28" fmla="*/ 333375 w 333375"/>
+                <a:gd name="connsiteY28" fmla="*/ 186990 h 684213"/>
+                <a:gd name="connsiteX29" fmla="*/ 333375 w 333375"/>
+                <a:gd name="connsiteY29" fmla="*/ 246397 h 684213"/>
+                <a:gd name="connsiteX30" fmla="*/ 313765 w 333375"/>
+                <a:gd name="connsiteY30" fmla="*/ 266700 h 684213"/>
+                <a:gd name="connsiteX31" fmla="*/ 19610 w 333375"/>
+                <a:gd name="connsiteY31" fmla="*/ 266700 h 684213"/>
+                <a:gd name="connsiteX32" fmla="*/ 0 w 333375"/>
+                <a:gd name="connsiteY32" fmla="*/ 246397 h 684213"/>
+                <a:gd name="connsiteX33" fmla="*/ 0 w 333375"/>
+                <a:gd name="connsiteY33" fmla="*/ 186990 h 684213"/>
+                <a:gd name="connsiteX34" fmla="*/ 19610 w 333375"/>
+                <a:gd name="connsiteY34" fmla="*/ 166687 h 684213"/>
+                <a:gd name="connsiteX35" fmla="*/ 19610 w 333375"/>
+                <a:gd name="connsiteY35" fmla="*/ 0 h 684213"/>
+                <a:gd name="connsiteX36" fmla="*/ 313765 w 333375"/>
+                <a:gd name="connsiteY36" fmla="*/ 0 h 684213"/>
+                <a:gd name="connsiteX37" fmla="*/ 333375 w 333375"/>
+                <a:gd name="connsiteY37" fmla="*/ 19551 h 684213"/>
+                <a:gd name="connsiteX38" fmla="*/ 333375 w 333375"/>
+                <a:gd name="connsiteY38" fmla="*/ 79710 h 684213"/>
+                <a:gd name="connsiteX39" fmla="*/ 313765 w 333375"/>
+                <a:gd name="connsiteY39" fmla="*/ 100013 h 684213"/>
+                <a:gd name="connsiteX40" fmla="*/ 19610 w 333375"/>
+                <a:gd name="connsiteY40" fmla="*/ 100013 h 684213"/>
+                <a:gd name="connsiteX41" fmla="*/ 0 w 333375"/>
+                <a:gd name="connsiteY41" fmla="*/ 79710 h 684213"/>
+                <a:gd name="connsiteX42" fmla="*/ 0 w 333375"/>
+                <a:gd name="connsiteY42" fmla="*/ 19551 h 684213"/>
+                <a:gd name="connsiteX43" fmla="*/ 19610 w 333375"/>
+                <a:gd name="connsiteY43" fmla="*/ 0 h 684213"/>
+              </a:gdLst>
+              <a:ahLst/>
+              <a:cxnLst>
+                <a:cxn ang="0">
+                  <a:pos x="connsiteX0" y="connsiteY0"/>
+                </a:cxn>
+                <a:cxn ang="0">
+                  <a:pos x="connsiteX1" y="connsiteY1"/>
+                </a:cxn>
+                <a:cxn ang="0">
+                  <a:pos x="connsiteX2" y="connsiteY2"/>
+                </a:cxn>
+                <a:cxn ang="0">
+                  <a:pos x="connsiteX3" y="connsiteY3"/>
+                </a:cxn>
+                <a:cxn ang="0">
+                  <a:pos x="connsiteX4" y="connsiteY4"/>
+                </a:cxn>
+                <a:cxn ang="0">
+                  <a:pos x="connsiteX5" y="connsiteY5"/>
+                </a:cxn>
+                <a:cxn ang="0">
+                  <a:pos x="connsiteX6" y="connsiteY6"/>
+                </a:cxn>
+                <a:cxn ang="0">
+                  <a:pos x="connsiteX7" y="connsiteY7"/>
+                </a:cxn>
+                <a:cxn ang="0">
+                  <a:pos x="connsiteX8" y="connsiteY8"/>
+                </a:cxn>
+                <a:cxn ang="0">
+                  <a:pos x="connsiteX9" y="connsiteY9"/>
+                </a:cxn>
+                <a:cxn ang="0">
+                  <a:pos x="connsiteX10" y="connsiteY10"/>
+                </a:cxn>
+                <a:cxn ang="0">
+                  <a:pos x="connsiteX11" y="connsiteY11"/>
+                </a:cxn>
+                <a:cxn ang="0">
+                  <a:pos x="connsiteX12" y="connsiteY12"/>
+                </a:cxn>
+                <a:cxn ang="0">
+                  <a:pos x="connsiteX13" y="connsiteY13"/>
+                </a:cxn>
+                <a:cxn ang="0">
+                  <a:pos x="connsiteX14" y="connsiteY14"/>
+                </a:cxn>
+                <a:cxn ang="0">
+                  <a:pos x="connsiteX15" y="connsiteY15"/>
+                </a:cxn>
+                <a:cxn ang="0">
+                  <a:pos x="connsiteX16" y="connsiteY16"/>
+                </a:cxn>
+                <a:cxn ang="0">
+                  <a:pos x="connsiteX17" y="connsiteY17"/>
+                </a:cxn>
+                <a:cxn ang="0">
+                  <a:pos x="connsiteX18" y="connsiteY18"/>
+                </a:cxn>
+                <a:cxn ang="0">
+                  <a:pos x="connsiteX19" y="connsiteY19"/>
+                </a:cxn>
+                <a:cxn ang="0">
+                  <a:pos x="connsiteX20" y="connsiteY20"/>
+                </a:cxn>
+                <a:cxn ang="0">
+                  <a:pos x="connsiteX21" y="connsiteY21"/>
+                </a:cxn>
+                <a:cxn ang="0">
+                  <a:pos x="connsiteX22" y="connsiteY22"/>
+                </a:cxn>
+                <a:cxn ang="0">
+                  <a:pos x="connsiteX23" y="connsiteY23"/>
+                </a:cxn>
+                <a:cxn ang="0">
+                  <a:pos x="connsiteX24" y="connsiteY24"/>
+                </a:cxn>
+                <a:cxn ang="0">
+                  <a:pos x="connsiteX25" y="connsiteY25"/>
+                </a:cxn>
+                <a:cxn ang="0">
+                  <a:pos x="connsiteX26" y="connsiteY26"/>
+                </a:cxn>
+                <a:cxn ang="0">
+                  <a:pos x="connsiteX27" y="connsiteY27"/>
+                </a:cxn>
+                <a:cxn ang="0">
+                  <a:pos x="connsiteX28" y="connsiteY28"/>
+                </a:cxn>
+                <a:cxn ang="0">
+                  <a:pos x="connsiteX29" y="connsiteY29"/>
+                </a:cxn>
+                <a:cxn ang="0">
+                  <a:pos x="connsiteX30" y="connsiteY30"/>
+                </a:cxn>
+                <a:cxn ang="0">
+                  <a:pos x="connsiteX31" y="connsiteY31"/>
+                </a:cxn>
+                <a:cxn ang="0">
+                  <a:pos x="connsiteX32" y="connsiteY32"/>
+                </a:cxn>
+                <a:cxn ang="0">
+                  <a:pos x="connsiteX33" y="connsiteY33"/>
+                </a:cxn>
+                <a:cxn ang="0">
+                  <a:pos x="connsiteX34" y="connsiteY34"/>
+                </a:cxn>
+                <a:cxn ang="0">
+                  <a:pos x="connsiteX35" y="connsiteY35"/>
+                </a:cxn>
+                <a:cxn ang="0">
+                  <a:pos x="connsiteX36" y="connsiteY36"/>
+                </a:cxn>
+                <a:cxn ang="0">
+                  <a:pos x="connsiteX37" y="connsiteY37"/>
+                </a:cxn>
+                <a:cxn ang="0">
+                  <a:pos x="connsiteX38" y="connsiteY38"/>
+                </a:cxn>
+                <a:cxn ang="0">
+                  <a:pos x="connsiteX39" y="connsiteY39"/>
+                </a:cxn>
+                <a:cxn ang="0">
+                  <a:pos x="connsiteX40" y="connsiteY40"/>
+                </a:cxn>
+                <a:cxn ang="0">
+                  <a:pos x="connsiteX41" y="connsiteY41"/>
+                </a:cxn>
+                <a:cxn ang="0">
+                  <a:pos x="connsiteX42" y="connsiteY42"/>
+                </a:cxn>
+                <a:cxn ang="0">
+                  <a:pos x="connsiteX43" y="connsiteY43"/>
+                </a:cxn>
+              </a:cxnLst>
+              <a:rect l="l" t="t" r="r" b="b"/>
+              <a:pathLst>
+                <a:path w="333375" h="684213">
+                  <a:moveTo>
+                    <a:pt x="166688" y="600075"/>
+                  </a:moveTo>
+                  <a:cubicBezTo>
+                    <a:pt x="189484" y="600075"/>
+                    <a:pt x="207963" y="618910"/>
+                    <a:pt x="207963" y="642144"/>
+                  </a:cubicBezTo>
+                  <a:cubicBezTo>
+                    <a:pt x="207963" y="665378"/>
+                    <a:pt x="189484" y="684213"/>
+                    <a:pt x="166688" y="684213"/>
+                  </a:cubicBezTo>
+                  <a:cubicBezTo>
+                    <a:pt x="143892" y="684213"/>
+                    <a:pt x="125413" y="665378"/>
+                    <a:pt x="125413" y="642144"/>
+                  </a:cubicBezTo>
+                  <a:cubicBezTo>
+                    <a:pt x="125413" y="618910"/>
+                    <a:pt x="143892" y="600075"/>
+                    <a:pt x="166688" y="600075"/>
+                  </a:cubicBezTo>
+                  <a:close/>
+                  <a:moveTo>
+                    <a:pt x="16665" y="485775"/>
+                  </a:moveTo>
+                  <a:cubicBezTo>
+                    <a:pt x="16665" y="485775"/>
+                    <a:pt x="16665" y="485775"/>
+                    <a:pt x="316711" y="485775"/>
+                  </a:cubicBezTo>
+                  <a:cubicBezTo>
+                    <a:pt x="325003" y="485775"/>
+                    <a:pt x="331788" y="491636"/>
+                    <a:pt x="331788" y="499696"/>
+                  </a:cubicBezTo>
+                  <a:cubicBezTo>
+                    <a:pt x="331788" y="507756"/>
+                    <a:pt x="325003" y="514350"/>
+                    <a:pt x="316711" y="514350"/>
+                  </a:cubicBezTo>
+                  <a:cubicBezTo>
+                    <a:pt x="316711" y="514350"/>
+                    <a:pt x="316711" y="514350"/>
+                    <a:pt x="16665" y="514350"/>
+                  </a:cubicBezTo>
+                  <a:cubicBezTo>
+                    <a:pt x="8373" y="514350"/>
+                    <a:pt x="1588" y="507756"/>
+                    <a:pt x="1588" y="499696"/>
+                  </a:cubicBezTo>
+                  <a:cubicBezTo>
+                    <a:pt x="1588" y="491636"/>
+                    <a:pt x="8373" y="485775"/>
+                    <a:pt x="16665" y="485775"/>
+                  </a:cubicBezTo>
+                  <a:close/>
+                  <a:moveTo>
+                    <a:pt x="16665" y="419100"/>
+                  </a:moveTo>
+                  <a:cubicBezTo>
+                    <a:pt x="16665" y="419100"/>
+                    <a:pt x="16665" y="419100"/>
+                    <a:pt x="316711" y="419100"/>
+                  </a:cubicBezTo>
+                  <a:cubicBezTo>
+                    <a:pt x="325003" y="419100"/>
+                    <a:pt x="331788" y="425694"/>
+                    <a:pt x="331788" y="433021"/>
+                  </a:cubicBezTo>
+                  <a:cubicBezTo>
+                    <a:pt x="331788" y="441081"/>
+                    <a:pt x="325003" y="447675"/>
+                    <a:pt x="316711" y="447675"/>
+                  </a:cubicBezTo>
+                  <a:cubicBezTo>
+                    <a:pt x="316711" y="447675"/>
+                    <a:pt x="316711" y="447675"/>
+                    <a:pt x="16665" y="447675"/>
+                  </a:cubicBezTo>
+                  <a:cubicBezTo>
+                    <a:pt x="8373" y="447675"/>
+                    <a:pt x="1588" y="441081"/>
+                    <a:pt x="1588" y="433021"/>
+                  </a:cubicBezTo>
+                  <a:cubicBezTo>
+                    <a:pt x="1588" y="425694"/>
+                    <a:pt x="8373" y="419100"/>
+                    <a:pt x="16665" y="419100"/>
+                  </a:cubicBezTo>
+                  <a:close/>
+                  <a:moveTo>
+                    <a:pt x="16665" y="350837"/>
+                  </a:moveTo>
+                  <a:cubicBezTo>
+                    <a:pt x="16665" y="350837"/>
+                    <a:pt x="16665" y="350837"/>
+                    <a:pt x="316711" y="350837"/>
+                  </a:cubicBezTo>
+                  <a:cubicBezTo>
+                    <a:pt x="325003" y="350837"/>
+                    <a:pt x="331788" y="357798"/>
+                    <a:pt x="331788" y="366305"/>
+                  </a:cubicBezTo>
+                  <a:cubicBezTo>
+                    <a:pt x="331788" y="374813"/>
+                    <a:pt x="325003" y="381000"/>
+                    <a:pt x="316711" y="381000"/>
+                  </a:cubicBezTo>
+                  <a:cubicBezTo>
+                    <a:pt x="316711" y="381000"/>
+                    <a:pt x="316711" y="381000"/>
+                    <a:pt x="16665" y="381000"/>
+                  </a:cubicBezTo>
+                  <a:cubicBezTo>
+                    <a:pt x="8373" y="381000"/>
+                    <a:pt x="1588" y="374813"/>
+                    <a:pt x="1588" y="366305"/>
+                  </a:cubicBezTo>
+                  <a:cubicBezTo>
+                    <a:pt x="1588" y="357798"/>
+                    <a:pt x="8373" y="350837"/>
+                    <a:pt x="16665" y="350837"/>
+                  </a:cubicBezTo>
+                  <a:close/>
+                  <a:moveTo>
+                    <a:pt x="19610" y="166687"/>
+                  </a:moveTo>
+                  <a:cubicBezTo>
+                    <a:pt x="19610" y="166687"/>
+                    <a:pt x="19610" y="166687"/>
+                    <a:pt x="313765" y="166687"/>
+                  </a:cubicBezTo>
+                  <a:cubicBezTo>
+                    <a:pt x="324324" y="166687"/>
+                    <a:pt x="333375" y="175711"/>
+                    <a:pt x="333375" y="186990"/>
+                  </a:cubicBezTo>
+                  <a:cubicBezTo>
+                    <a:pt x="333375" y="186990"/>
+                    <a:pt x="333375" y="186990"/>
+                    <a:pt x="333375" y="246397"/>
+                  </a:cubicBezTo>
+                  <a:cubicBezTo>
+                    <a:pt x="333375" y="257676"/>
+                    <a:pt x="324324" y="266700"/>
+                    <a:pt x="313765" y="266700"/>
+                  </a:cubicBezTo>
+                  <a:cubicBezTo>
+                    <a:pt x="313765" y="266700"/>
+                    <a:pt x="313765" y="266700"/>
+                    <a:pt x="19610" y="266700"/>
+                  </a:cubicBezTo>
+                  <a:cubicBezTo>
+                    <a:pt x="9051" y="266700"/>
+                    <a:pt x="0" y="257676"/>
+                    <a:pt x="0" y="246397"/>
+                  </a:cubicBezTo>
+                  <a:cubicBezTo>
+                    <a:pt x="0" y="246397"/>
+                    <a:pt x="0" y="246397"/>
+                    <a:pt x="0" y="186990"/>
+                  </a:cubicBezTo>
+                  <a:cubicBezTo>
+                    <a:pt x="0" y="175711"/>
+                    <a:pt x="9051" y="166687"/>
+                    <a:pt x="19610" y="166687"/>
+                  </a:cubicBezTo>
+                  <a:close/>
+                  <a:moveTo>
+                    <a:pt x="19610" y="0"/>
+                  </a:moveTo>
+                  <a:cubicBezTo>
+                    <a:pt x="19610" y="0"/>
+                    <a:pt x="19610" y="0"/>
+                    <a:pt x="313765" y="0"/>
+                  </a:cubicBezTo>
+                  <a:cubicBezTo>
+                    <a:pt x="324324" y="0"/>
+                    <a:pt x="333375" y="9024"/>
+                    <a:pt x="333375" y="19551"/>
+                  </a:cubicBezTo>
+                  <a:cubicBezTo>
+                    <a:pt x="333375" y="19551"/>
+                    <a:pt x="333375" y="19551"/>
+                    <a:pt x="333375" y="79710"/>
+                  </a:cubicBezTo>
+                  <a:cubicBezTo>
+                    <a:pt x="333375" y="90989"/>
+                    <a:pt x="324324" y="100013"/>
+                    <a:pt x="313765" y="100013"/>
+                  </a:cubicBezTo>
+                  <a:cubicBezTo>
+                    <a:pt x="313765" y="100013"/>
+                    <a:pt x="313765" y="100013"/>
+                    <a:pt x="19610" y="100013"/>
+                  </a:cubicBezTo>
+                  <a:cubicBezTo>
+                    <a:pt x="9051" y="100013"/>
+                    <a:pt x="0" y="90989"/>
+                    <a:pt x="0" y="79710"/>
+                  </a:cubicBezTo>
+                  <a:cubicBezTo>
+                    <a:pt x="0" y="79710"/>
+                    <a:pt x="0" y="79710"/>
+                    <a:pt x="0" y="19551"/>
+                  </a:cubicBezTo>
+                  <a:cubicBezTo>
+                    <a:pt x="0" y="9024"/>
+                    <a:pt x="9051" y="0"/>
+                    <a:pt x="19610" y="0"/>
+                  </a:cubicBezTo>
+                  <a:close/>
+                </a:path>
+              </a:pathLst>
+            </a:custGeom>
+            <a:solidFill>
+              <a:srgbClr val="FFFFFF"/>
+            </a:solidFill>
+            <a:ln>
+              <a:noFill/>
+            </a:ln>
+            <a:extLst>
+              <a:ext uri="{91240B29-F687-4F45-9708-019B960494DF}">
+                <a14:hiddenLine xmlns:a14="http://schemas.microsoft.com/office/drawing/2010/main" w="9525">
+                  <a:solidFill>
+                    <a:srgbClr val="000000"/>
+                  </a:solidFill>
+                  <a:round/>
+                  <a:headEnd/>
+                  <a:tailEnd/>
+                </a14:hiddenLine>
+              </a:ext>
+            </a:extLst>
+          </p:spPr>
+          <p:txBody>
+            <a:bodyPr vert="horz" wrap="square" lIns="91440" tIns="45720" rIns="91440" bIns="45720" numCol="1" anchor="t" anchorCtr="0" compatLnSpc="1">
+              <a:prstTxWarp prst="textNoShape">
+                <a:avLst/>
+              </a:prstTxWarp>
+              <a:noAutofit/>
+            </a:bodyPr>
+            <a:lstStyle/>
+            <a:p>
+              <a:endParaRPr lang="ja-JP" altLang="en-US"/>
+            </a:p>
+          </p:txBody>
+        </p:sp>
+      </p:grpSp>
+      <p:grpSp>
+        <p:nvGrpSpPr>
+          <p:cNvPr id="56" name="グループ化 55"/>
+          <p:cNvGrpSpPr>
+            <a:grpSpLocks noChangeAspect="1"/>
+          </p:cNvGrpSpPr>
+          <p:nvPr/>
+        </p:nvGrpSpPr>
+        <p:grpSpPr bwMode="gray">
+          <a:xfrm>
+            <a:off x="8258932" y="5227391"/>
+            <a:ext cx="307254" cy="528874"/>
+            <a:chOff x="5936838" y="1169393"/>
+            <a:chExt cx="484187" cy="833438"/>
+          </a:xfrm>
+        </p:grpSpPr>
+        <p:sp>
+          <p:nvSpPr>
+            <p:cNvPr id="57" name="Freeform 22"/>
+            <p:cNvSpPr>
+              <a:spLocks noChangeAspect="1"/>
+            </p:cNvSpPr>
+            <p:nvPr/>
+          </p:nvSpPr>
+          <p:spPr bwMode="gray">
+            <a:xfrm>
+              <a:off x="5936838" y="1169393"/>
+              <a:ext cx="484187" cy="833438"/>
+            </a:xfrm>
+            <a:custGeom>
+              <a:avLst/>
+              <a:gdLst>
+                <a:gd name="T0" fmla="*/ 642 w 642"/>
+                <a:gd name="T1" fmla="*/ 1081 h 1107"/>
+                <a:gd name="T2" fmla="*/ 615 w 642"/>
+                <a:gd name="T3" fmla="*/ 1107 h 1107"/>
+                <a:gd name="T4" fmla="*/ 27 w 642"/>
+                <a:gd name="T5" fmla="*/ 1107 h 1107"/>
+                <a:gd name="T6" fmla="*/ 0 w 642"/>
+                <a:gd name="T7" fmla="*/ 1081 h 1107"/>
+                <a:gd name="T8" fmla="*/ 0 w 642"/>
+                <a:gd name="T9" fmla="*/ 27 h 1107"/>
+                <a:gd name="T10" fmla="*/ 27 w 642"/>
+                <a:gd name="T11" fmla="*/ 0 h 1107"/>
+                <a:gd name="T12" fmla="*/ 615 w 642"/>
+                <a:gd name="T13" fmla="*/ 0 h 1107"/>
+                <a:gd name="T14" fmla="*/ 642 w 642"/>
+                <a:gd name="T15" fmla="*/ 27 h 1107"/>
+                <a:gd name="T16" fmla="*/ 642 w 642"/>
+                <a:gd name="T17" fmla="*/ 1081 h 1107"/>
+              </a:gdLst>
+              <a:ahLst/>
+              <a:cxnLst>
+                <a:cxn ang="0">
+                  <a:pos x="T0" y="T1"/>
+                </a:cxn>
+                <a:cxn ang="0">
+                  <a:pos x="T2" y="T3"/>
+                </a:cxn>
+                <a:cxn ang="0">
+                  <a:pos x="T4" y="T5"/>
+                </a:cxn>
+                <a:cxn ang="0">
+                  <a:pos x="T6" y="T7"/>
+                </a:cxn>
+                <a:cxn ang="0">
+                  <a:pos x="T8" y="T9"/>
+                </a:cxn>
+                <a:cxn ang="0">
+                  <a:pos x="T10" y="T11"/>
+                </a:cxn>
+                <a:cxn ang="0">
+                  <a:pos x="T12" y="T13"/>
+                </a:cxn>
+                <a:cxn ang="0">
+                  <a:pos x="T14" y="T15"/>
+                </a:cxn>
+                <a:cxn ang="0">
+                  <a:pos x="T16" y="T17"/>
+                </a:cxn>
+              </a:cxnLst>
+              <a:rect l="0" t="0" r="r" b="b"/>
+              <a:pathLst>
+                <a:path w="642" h="1107">
+                  <a:moveTo>
+                    <a:pt x="642" y="1081"/>
+                  </a:moveTo>
+                  <a:cubicBezTo>
+                    <a:pt x="642" y="1095"/>
+                    <a:pt x="630" y="1107"/>
+                    <a:pt x="615" y="1107"/>
+                  </a:cubicBezTo>
+                  <a:cubicBezTo>
+                    <a:pt x="27" y="1107"/>
+                    <a:pt x="27" y="1107"/>
+                    <a:pt x="27" y="1107"/>
+                  </a:cubicBezTo>
+                  <a:cubicBezTo>
+                    <a:pt x="12" y="1107"/>
+                    <a:pt x="0" y="1095"/>
+                    <a:pt x="0" y="1081"/>
+                  </a:cubicBezTo>
+                  <a:cubicBezTo>
+                    <a:pt x="0" y="27"/>
+                    <a:pt x="0" y="27"/>
+                    <a:pt x="0" y="27"/>
+                  </a:cubicBezTo>
+                  <a:cubicBezTo>
+                    <a:pt x="0" y="12"/>
+                    <a:pt x="12" y="0"/>
+                    <a:pt x="27" y="0"/>
+                  </a:cubicBezTo>
+                  <a:cubicBezTo>
+                    <a:pt x="615" y="0"/>
+                    <a:pt x="615" y="0"/>
+                    <a:pt x="615" y="0"/>
+                  </a:cubicBezTo>
+                  <a:cubicBezTo>
+                    <a:pt x="630" y="0"/>
+                    <a:pt x="642" y="12"/>
+                    <a:pt x="642" y="27"/>
+                  </a:cubicBezTo>
+                  <a:lnTo>
+                    <a:pt x="642" y="1081"/>
+                  </a:lnTo>
+                  <a:close/>
+                </a:path>
+              </a:pathLst>
+            </a:custGeom>
+            <a:solidFill>
+              <a:schemeClr val="accent6"/>
+            </a:solidFill>
+            <a:ln>
+              <a:noFill/>
+            </a:ln>
+            <a:extLst>
+              <a:ext uri="{91240B29-F687-4F45-9708-019B960494DF}">
+                <a14:hiddenLine xmlns:a14="http://schemas.microsoft.com/office/drawing/2010/main" w="9525">
+                  <a:solidFill>
+                    <a:srgbClr val="000000"/>
+                  </a:solidFill>
+                  <a:round/>
+                  <a:headEnd/>
+                  <a:tailEnd/>
+                </a14:hiddenLine>
+              </a:ext>
+            </a:extLst>
+          </p:spPr>
+          <p:txBody>
+            <a:bodyPr vert="horz" wrap="square" lIns="91440" tIns="45720" rIns="91440" bIns="45720" numCol="1" anchor="t" anchorCtr="0" compatLnSpc="1">
+              <a:prstTxWarp prst="textNoShape">
+                <a:avLst/>
+              </a:prstTxWarp>
+            </a:bodyPr>
+            <a:lstStyle/>
+            <a:p>
+              <a:endParaRPr lang="ja-JP" altLang="en-US"/>
+            </a:p>
+          </p:txBody>
+        </p:sp>
+        <p:sp>
+          <p:nvSpPr>
+            <p:cNvPr id="58" name="フリーフォーム 57"/>
+            <p:cNvSpPr>
+              <a:spLocks noChangeAspect="1" noChangeArrowheads="1"/>
+            </p:cNvSpPr>
+            <p:nvPr/>
+          </p:nvSpPr>
+          <p:spPr bwMode="gray">
+            <a:xfrm>
+              <a:off x="6011450" y="1244006"/>
+              <a:ext cx="333375" cy="684213"/>
+            </a:xfrm>
+            <a:custGeom>
+              <a:avLst/>
+              <a:gdLst>
+                <a:gd name="connsiteX0" fmla="*/ 166688 w 333375"/>
+                <a:gd name="connsiteY0" fmla="*/ 600075 h 684213"/>
+                <a:gd name="connsiteX1" fmla="*/ 207963 w 333375"/>
+                <a:gd name="connsiteY1" fmla="*/ 642144 h 684213"/>
+                <a:gd name="connsiteX2" fmla="*/ 166688 w 333375"/>
+                <a:gd name="connsiteY2" fmla="*/ 684213 h 684213"/>
+                <a:gd name="connsiteX3" fmla="*/ 125413 w 333375"/>
+                <a:gd name="connsiteY3" fmla="*/ 642144 h 684213"/>
+                <a:gd name="connsiteX4" fmla="*/ 166688 w 333375"/>
+                <a:gd name="connsiteY4" fmla="*/ 600075 h 684213"/>
+                <a:gd name="connsiteX5" fmla="*/ 16665 w 333375"/>
+                <a:gd name="connsiteY5" fmla="*/ 485775 h 684213"/>
+                <a:gd name="connsiteX6" fmla="*/ 316711 w 333375"/>
+                <a:gd name="connsiteY6" fmla="*/ 485775 h 684213"/>
+                <a:gd name="connsiteX7" fmla="*/ 331788 w 333375"/>
+                <a:gd name="connsiteY7" fmla="*/ 499696 h 684213"/>
+                <a:gd name="connsiteX8" fmla="*/ 316711 w 333375"/>
+                <a:gd name="connsiteY8" fmla="*/ 514350 h 684213"/>
+                <a:gd name="connsiteX9" fmla="*/ 16665 w 333375"/>
+                <a:gd name="connsiteY9" fmla="*/ 514350 h 684213"/>
+                <a:gd name="connsiteX10" fmla="*/ 1588 w 333375"/>
+                <a:gd name="connsiteY10" fmla="*/ 499696 h 684213"/>
+                <a:gd name="connsiteX11" fmla="*/ 16665 w 333375"/>
+                <a:gd name="connsiteY11" fmla="*/ 485775 h 684213"/>
+                <a:gd name="connsiteX12" fmla="*/ 16665 w 333375"/>
+                <a:gd name="connsiteY12" fmla="*/ 419100 h 684213"/>
+                <a:gd name="connsiteX13" fmla="*/ 316711 w 333375"/>
+                <a:gd name="connsiteY13" fmla="*/ 419100 h 684213"/>
+                <a:gd name="connsiteX14" fmla="*/ 331788 w 333375"/>
+                <a:gd name="connsiteY14" fmla="*/ 433021 h 684213"/>
+                <a:gd name="connsiteX15" fmla="*/ 316711 w 333375"/>
+                <a:gd name="connsiteY15" fmla="*/ 447675 h 684213"/>
+                <a:gd name="connsiteX16" fmla="*/ 16665 w 333375"/>
+                <a:gd name="connsiteY16" fmla="*/ 447675 h 684213"/>
+                <a:gd name="connsiteX17" fmla="*/ 1588 w 333375"/>
+                <a:gd name="connsiteY17" fmla="*/ 433021 h 684213"/>
+                <a:gd name="connsiteX18" fmla="*/ 16665 w 333375"/>
+                <a:gd name="connsiteY18" fmla="*/ 419100 h 684213"/>
+                <a:gd name="connsiteX19" fmla="*/ 16665 w 333375"/>
+                <a:gd name="connsiteY19" fmla="*/ 350837 h 684213"/>
+                <a:gd name="connsiteX20" fmla="*/ 316711 w 333375"/>
+                <a:gd name="connsiteY20" fmla="*/ 350837 h 684213"/>
+                <a:gd name="connsiteX21" fmla="*/ 331788 w 333375"/>
+                <a:gd name="connsiteY21" fmla="*/ 366305 h 684213"/>
+                <a:gd name="connsiteX22" fmla="*/ 316711 w 333375"/>
+                <a:gd name="connsiteY22" fmla="*/ 381000 h 684213"/>
+                <a:gd name="connsiteX23" fmla="*/ 16665 w 333375"/>
+                <a:gd name="connsiteY23" fmla="*/ 381000 h 684213"/>
+                <a:gd name="connsiteX24" fmla="*/ 1588 w 333375"/>
+                <a:gd name="connsiteY24" fmla="*/ 366305 h 684213"/>
+                <a:gd name="connsiteX25" fmla="*/ 16665 w 333375"/>
+                <a:gd name="connsiteY25" fmla="*/ 350837 h 684213"/>
+                <a:gd name="connsiteX26" fmla="*/ 19610 w 333375"/>
+                <a:gd name="connsiteY26" fmla="*/ 166687 h 684213"/>
+                <a:gd name="connsiteX27" fmla="*/ 313765 w 333375"/>
+                <a:gd name="connsiteY27" fmla="*/ 166687 h 684213"/>
+                <a:gd name="connsiteX28" fmla="*/ 333375 w 333375"/>
+                <a:gd name="connsiteY28" fmla="*/ 186990 h 684213"/>
+                <a:gd name="connsiteX29" fmla="*/ 333375 w 333375"/>
+                <a:gd name="connsiteY29" fmla="*/ 246397 h 684213"/>
+                <a:gd name="connsiteX30" fmla="*/ 313765 w 333375"/>
+                <a:gd name="connsiteY30" fmla="*/ 266700 h 684213"/>
+                <a:gd name="connsiteX31" fmla="*/ 19610 w 333375"/>
+                <a:gd name="connsiteY31" fmla="*/ 266700 h 684213"/>
+                <a:gd name="connsiteX32" fmla="*/ 0 w 333375"/>
+                <a:gd name="connsiteY32" fmla="*/ 246397 h 684213"/>
+                <a:gd name="connsiteX33" fmla="*/ 0 w 333375"/>
+                <a:gd name="connsiteY33" fmla="*/ 186990 h 684213"/>
+                <a:gd name="connsiteX34" fmla="*/ 19610 w 333375"/>
+                <a:gd name="connsiteY34" fmla="*/ 166687 h 684213"/>
+                <a:gd name="connsiteX35" fmla="*/ 19610 w 333375"/>
+                <a:gd name="connsiteY35" fmla="*/ 0 h 684213"/>
+                <a:gd name="connsiteX36" fmla="*/ 313765 w 333375"/>
+                <a:gd name="connsiteY36" fmla="*/ 0 h 684213"/>
+                <a:gd name="connsiteX37" fmla="*/ 333375 w 333375"/>
+                <a:gd name="connsiteY37" fmla="*/ 19551 h 684213"/>
+                <a:gd name="connsiteX38" fmla="*/ 333375 w 333375"/>
+                <a:gd name="connsiteY38" fmla="*/ 79710 h 684213"/>
+                <a:gd name="connsiteX39" fmla="*/ 313765 w 333375"/>
+                <a:gd name="connsiteY39" fmla="*/ 100013 h 684213"/>
+                <a:gd name="connsiteX40" fmla="*/ 19610 w 333375"/>
+                <a:gd name="connsiteY40" fmla="*/ 100013 h 684213"/>
+                <a:gd name="connsiteX41" fmla="*/ 0 w 333375"/>
+                <a:gd name="connsiteY41" fmla="*/ 79710 h 684213"/>
+                <a:gd name="connsiteX42" fmla="*/ 0 w 333375"/>
+                <a:gd name="connsiteY42" fmla="*/ 19551 h 684213"/>
+                <a:gd name="connsiteX43" fmla="*/ 19610 w 333375"/>
+                <a:gd name="connsiteY43" fmla="*/ 0 h 684213"/>
+              </a:gdLst>
+              <a:ahLst/>
+              <a:cxnLst>
+                <a:cxn ang="0">
+                  <a:pos x="connsiteX0" y="connsiteY0"/>
+                </a:cxn>
+                <a:cxn ang="0">
+                  <a:pos x="connsiteX1" y="connsiteY1"/>
+                </a:cxn>
+                <a:cxn ang="0">
+                  <a:pos x="connsiteX2" y="connsiteY2"/>
+                </a:cxn>
+                <a:cxn ang="0">
+                  <a:pos x="connsiteX3" y="connsiteY3"/>
+                </a:cxn>
+                <a:cxn ang="0">
+                  <a:pos x="connsiteX4" y="connsiteY4"/>
+                </a:cxn>
+                <a:cxn ang="0">
+                  <a:pos x="connsiteX5" y="connsiteY5"/>
+                </a:cxn>
+                <a:cxn ang="0">
+                  <a:pos x="connsiteX6" y="connsiteY6"/>
+                </a:cxn>
+                <a:cxn ang="0">
+                  <a:pos x="connsiteX7" y="connsiteY7"/>
+                </a:cxn>
+                <a:cxn ang="0">
+                  <a:pos x="connsiteX8" y="connsiteY8"/>
+                </a:cxn>
+                <a:cxn ang="0">
+                  <a:pos x="connsiteX9" y="connsiteY9"/>
+                </a:cxn>
+                <a:cxn ang="0">
+                  <a:pos x="connsiteX10" y="connsiteY10"/>
+                </a:cxn>
+                <a:cxn ang="0">
+                  <a:pos x="connsiteX11" y="connsiteY11"/>
+                </a:cxn>
+                <a:cxn ang="0">
+                  <a:pos x="connsiteX12" y="connsiteY12"/>
+                </a:cxn>
+                <a:cxn ang="0">
+                  <a:pos x="connsiteX13" y="connsiteY13"/>
+                </a:cxn>
+                <a:cxn ang="0">
+                  <a:pos x="connsiteX14" y="connsiteY14"/>
+                </a:cxn>
+                <a:cxn ang="0">
+                  <a:pos x="connsiteX15" y="connsiteY15"/>
+                </a:cxn>
+                <a:cxn ang="0">
+                  <a:pos x="connsiteX16" y="connsiteY16"/>
+                </a:cxn>
+                <a:cxn ang="0">
+                  <a:pos x="connsiteX17" y="connsiteY17"/>
+                </a:cxn>
+                <a:cxn ang="0">
+                  <a:pos x="connsiteX18" y="connsiteY18"/>
+                </a:cxn>
+                <a:cxn ang="0">
+                  <a:pos x="connsiteX19" y="connsiteY19"/>
+                </a:cxn>
+                <a:cxn ang="0">
+                  <a:pos x="connsiteX20" y="connsiteY20"/>
+                </a:cxn>
+                <a:cxn ang="0">
+                  <a:pos x="connsiteX21" y="connsiteY21"/>
+                </a:cxn>
+                <a:cxn ang="0">
+                  <a:pos x="connsiteX22" y="connsiteY22"/>
+                </a:cxn>
+                <a:cxn ang="0">
+                  <a:pos x="connsiteX23" y="connsiteY23"/>
+                </a:cxn>
+                <a:cxn ang="0">
+                  <a:pos x="connsiteX24" y="connsiteY24"/>
+                </a:cxn>
+                <a:cxn ang="0">
+                  <a:pos x="connsiteX25" y="connsiteY25"/>
+                </a:cxn>
+                <a:cxn ang="0">
+                  <a:pos x="connsiteX26" y="connsiteY26"/>
+                </a:cxn>
+                <a:cxn ang="0">
+                  <a:pos x="connsiteX27" y="connsiteY27"/>
+                </a:cxn>
+                <a:cxn ang="0">
+                  <a:pos x="connsiteX28" y="connsiteY28"/>
+                </a:cxn>
+                <a:cxn ang="0">
+                  <a:pos x="connsiteX29" y="connsiteY29"/>
+                </a:cxn>
+                <a:cxn ang="0">
+                  <a:pos x="connsiteX30" y="connsiteY30"/>
+                </a:cxn>
+                <a:cxn ang="0">
+                  <a:pos x="connsiteX31" y="connsiteY31"/>
+                </a:cxn>
+                <a:cxn ang="0">
+                  <a:pos x="connsiteX32" y="connsiteY32"/>
+                </a:cxn>
+                <a:cxn ang="0">
+                  <a:pos x="connsiteX33" y="connsiteY33"/>
+                </a:cxn>
+                <a:cxn ang="0">
+                  <a:pos x="connsiteX34" y="connsiteY34"/>
+                </a:cxn>
+                <a:cxn ang="0">
+                  <a:pos x="connsiteX35" y="connsiteY35"/>
+                </a:cxn>
+                <a:cxn ang="0">
+                  <a:pos x="connsiteX36" y="connsiteY36"/>
+                </a:cxn>
+                <a:cxn ang="0">
+                  <a:pos x="connsiteX37" y="connsiteY37"/>
+                </a:cxn>
+                <a:cxn ang="0">
+                  <a:pos x="connsiteX38" y="connsiteY38"/>
+                </a:cxn>
+                <a:cxn ang="0">
+                  <a:pos x="connsiteX39" y="connsiteY39"/>
+                </a:cxn>
+                <a:cxn ang="0">
+                  <a:pos x="connsiteX40" y="connsiteY40"/>
+                </a:cxn>
+                <a:cxn ang="0">
+                  <a:pos x="connsiteX41" y="connsiteY41"/>
+                </a:cxn>
+                <a:cxn ang="0">
+                  <a:pos x="connsiteX42" y="connsiteY42"/>
+                </a:cxn>
+                <a:cxn ang="0">
+                  <a:pos x="connsiteX43" y="connsiteY43"/>
+                </a:cxn>
+              </a:cxnLst>
+              <a:rect l="l" t="t" r="r" b="b"/>
+              <a:pathLst>
+                <a:path w="333375" h="684213">
+                  <a:moveTo>
+                    <a:pt x="166688" y="600075"/>
+                  </a:moveTo>
+                  <a:cubicBezTo>
+                    <a:pt x="189484" y="600075"/>
+                    <a:pt x="207963" y="618910"/>
+                    <a:pt x="207963" y="642144"/>
+                  </a:cubicBezTo>
+                  <a:cubicBezTo>
+                    <a:pt x="207963" y="665378"/>
+                    <a:pt x="189484" y="684213"/>
+                    <a:pt x="166688" y="684213"/>
+                  </a:cubicBezTo>
+                  <a:cubicBezTo>
+                    <a:pt x="143892" y="684213"/>
+                    <a:pt x="125413" y="665378"/>
+                    <a:pt x="125413" y="642144"/>
+                  </a:cubicBezTo>
+                  <a:cubicBezTo>
+                    <a:pt x="125413" y="618910"/>
+                    <a:pt x="143892" y="600075"/>
+                    <a:pt x="166688" y="600075"/>
+                  </a:cubicBezTo>
+                  <a:close/>
+                  <a:moveTo>
+                    <a:pt x="16665" y="485775"/>
+                  </a:moveTo>
+                  <a:cubicBezTo>
+                    <a:pt x="16665" y="485775"/>
+                    <a:pt x="16665" y="485775"/>
+                    <a:pt x="316711" y="485775"/>
+                  </a:cubicBezTo>
+                  <a:cubicBezTo>
+                    <a:pt x="325003" y="485775"/>
+                    <a:pt x="331788" y="491636"/>
+                    <a:pt x="331788" y="499696"/>
+                  </a:cubicBezTo>
+                  <a:cubicBezTo>
+                    <a:pt x="331788" y="507756"/>
+                    <a:pt x="325003" y="514350"/>
+                    <a:pt x="316711" y="514350"/>
+                  </a:cubicBezTo>
+                  <a:cubicBezTo>
+                    <a:pt x="316711" y="514350"/>
+                    <a:pt x="316711" y="514350"/>
+                    <a:pt x="16665" y="514350"/>
+                  </a:cubicBezTo>
+                  <a:cubicBezTo>
+                    <a:pt x="8373" y="514350"/>
+                    <a:pt x="1588" y="507756"/>
+                    <a:pt x="1588" y="499696"/>
+                  </a:cubicBezTo>
+                  <a:cubicBezTo>
+                    <a:pt x="1588" y="491636"/>
+                    <a:pt x="8373" y="485775"/>
+                    <a:pt x="16665" y="485775"/>
+                  </a:cubicBezTo>
+                  <a:close/>
+                  <a:moveTo>
+                    <a:pt x="16665" y="419100"/>
+                  </a:moveTo>
+                  <a:cubicBezTo>
+                    <a:pt x="16665" y="419100"/>
+                    <a:pt x="16665" y="419100"/>
+                    <a:pt x="316711" y="419100"/>
+                  </a:cubicBezTo>
+                  <a:cubicBezTo>
+                    <a:pt x="325003" y="419100"/>
+                    <a:pt x="331788" y="425694"/>
+                    <a:pt x="331788" y="433021"/>
+                  </a:cubicBezTo>
+                  <a:cubicBezTo>
+                    <a:pt x="331788" y="441081"/>
+                    <a:pt x="325003" y="447675"/>
+                    <a:pt x="316711" y="447675"/>
+                  </a:cubicBezTo>
+                  <a:cubicBezTo>
+                    <a:pt x="316711" y="447675"/>
+                    <a:pt x="316711" y="447675"/>
+                    <a:pt x="16665" y="447675"/>
+                  </a:cubicBezTo>
+                  <a:cubicBezTo>
+                    <a:pt x="8373" y="447675"/>
+                    <a:pt x="1588" y="441081"/>
+                    <a:pt x="1588" y="433021"/>
+                  </a:cubicBezTo>
+                  <a:cubicBezTo>
+                    <a:pt x="1588" y="425694"/>
+                    <a:pt x="8373" y="419100"/>
+                    <a:pt x="16665" y="419100"/>
+                  </a:cubicBezTo>
+                  <a:close/>
+                  <a:moveTo>
+                    <a:pt x="16665" y="350837"/>
+                  </a:moveTo>
+                  <a:cubicBezTo>
+                    <a:pt x="16665" y="350837"/>
+                    <a:pt x="16665" y="350837"/>
+                    <a:pt x="316711" y="350837"/>
+                  </a:cubicBezTo>
+                  <a:cubicBezTo>
+                    <a:pt x="325003" y="350837"/>
+                    <a:pt x="331788" y="357798"/>
+                    <a:pt x="331788" y="366305"/>
+                  </a:cubicBezTo>
+                  <a:cubicBezTo>
+                    <a:pt x="331788" y="374813"/>
+                    <a:pt x="325003" y="381000"/>
+                    <a:pt x="316711" y="381000"/>
+                  </a:cubicBezTo>
+                  <a:cubicBezTo>
+                    <a:pt x="316711" y="381000"/>
+                    <a:pt x="316711" y="381000"/>
+                    <a:pt x="16665" y="381000"/>
+                  </a:cubicBezTo>
+                  <a:cubicBezTo>
+                    <a:pt x="8373" y="381000"/>
+                    <a:pt x="1588" y="374813"/>
+                    <a:pt x="1588" y="366305"/>
+                  </a:cubicBezTo>
+                  <a:cubicBezTo>
+                    <a:pt x="1588" y="357798"/>
+                    <a:pt x="8373" y="350837"/>
+                    <a:pt x="16665" y="350837"/>
+                  </a:cubicBezTo>
+                  <a:close/>
+                  <a:moveTo>
+                    <a:pt x="19610" y="166687"/>
+                  </a:moveTo>
+                  <a:cubicBezTo>
+                    <a:pt x="19610" y="166687"/>
+                    <a:pt x="19610" y="166687"/>
+                    <a:pt x="313765" y="166687"/>
+                  </a:cubicBezTo>
+                  <a:cubicBezTo>
+                    <a:pt x="324324" y="166687"/>
+                    <a:pt x="333375" y="175711"/>
+                    <a:pt x="333375" y="186990"/>
+                  </a:cubicBezTo>
+                  <a:cubicBezTo>
+                    <a:pt x="333375" y="186990"/>
+                    <a:pt x="333375" y="186990"/>
+                    <a:pt x="333375" y="246397"/>
+                  </a:cubicBezTo>
+                  <a:cubicBezTo>
+                    <a:pt x="333375" y="257676"/>
+                    <a:pt x="324324" y="266700"/>
+                    <a:pt x="313765" y="266700"/>
+                  </a:cubicBezTo>
+                  <a:cubicBezTo>
+                    <a:pt x="313765" y="266700"/>
+                    <a:pt x="313765" y="266700"/>
+                    <a:pt x="19610" y="266700"/>
+                  </a:cubicBezTo>
+                  <a:cubicBezTo>
+                    <a:pt x="9051" y="266700"/>
+                    <a:pt x="0" y="257676"/>
+                    <a:pt x="0" y="246397"/>
+                  </a:cubicBezTo>
+                  <a:cubicBezTo>
+                    <a:pt x="0" y="246397"/>
+                    <a:pt x="0" y="246397"/>
+                    <a:pt x="0" y="186990"/>
+                  </a:cubicBezTo>
+                  <a:cubicBezTo>
+                    <a:pt x="0" y="175711"/>
+                    <a:pt x="9051" y="166687"/>
+                    <a:pt x="19610" y="166687"/>
+                  </a:cubicBezTo>
+                  <a:close/>
+                  <a:moveTo>
+                    <a:pt x="19610" y="0"/>
+                  </a:moveTo>
+                  <a:cubicBezTo>
+                    <a:pt x="19610" y="0"/>
+                    <a:pt x="19610" y="0"/>
+                    <a:pt x="313765" y="0"/>
+                  </a:cubicBezTo>
+                  <a:cubicBezTo>
+                    <a:pt x="324324" y="0"/>
+                    <a:pt x="333375" y="9024"/>
+                    <a:pt x="333375" y="19551"/>
+                  </a:cubicBezTo>
+                  <a:cubicBezTo>
+                    <a:pt x="333375" y="19551"/>
+                    <a:pt x="333375" y="19551"/>
+                    <a:pt x="333375" y="79710"/>
+                  </a:cubicBezTo>
+                  <a:cubicBezTo>
+                    <a:pt x="333375" y="90989"/>
+                    <a:pt x="324324" y="100013"/>
+                    <a:pt x="313765" y="100013"/>
+                  </a:cubicBezTo>
+                  <a:cubicBezTo>
+                    <a:pt x="313765" y="100013"/>
+                    <a:pt x="313765" y="100013"/>
+                    <a:pt x="19610" y="100013"/>
+                  </a:cubicBezTo>
+                  <a:cubicBezTo>
+                    <a:pt x="9051" y="100013"/>
+                    <a:pt x="0" y="90989"/>
+                    <a:pt x="0" y="79710"/>
+                  </a:cubicBezTo>
+                  <a:cubicBezTo>
+                    <a:pt x="0" y="79710"/>
+                    <a:pt x="0" y="79710"/>
+                    <a:pt x="0" y="19551"/>
+                  </a:cubicBezTo>
+                  <a:cubicBezTo>
+                    <a:pt x="0" y="9024"/>
+                    <a:pt x="9051" y="0"/>
+                    <a:pt x="19610" y="0"/>
+                  </a:cubicBezTo>
+                  <a:close/>
+                </a:path>
+              </a:pathLst>
+            </a:custGeom>
+            <a:solidFill>
+              <a:srgbClr val="FFFFFF"/>
+            </a:solidFill>
+            <a:ln>
+              <a:noFill/>
+            </a:ln>
+            <a:extLst>
+              <a:ext uri="{91240B29-F687-4F45-9708-019B960494DF}">
+                <a14:hiddenLine xmlns:a14="http://schemas.microsoft.com/office/drawing/2010/main" w="9525">
+                  <a:solidFill>
+                    <a:srgbClr val="000000"/>
+                  </a:solidFill>
+                  <a:round/>
+                  <a:headEnd/>
+                  <a:tailEnd/>
+                </a14:hiddenLine>
+              </a:ext>
+            </a:extLst>
+          </p:spPr>
+          <p:txBody>
+            <a:bodyPr vert="horz" wrap="square" lIns="91440" tIns="45720" rIns="91440" bIns="45720" numCol="1" anchor="t" anchorCtr="0" compatLnSpc="1">
+              <a:prstTxWarp prst="textNoShape">
+                <a:avLst/>
+              </a:prstTxWarp>
+              <a:noAutofit/>
+            </a:bodyPr>
+            <a:lstStyle/>
+            <a:p>
+              <a:endParaRPr lang="ja-JP" altLang="en-US"/>
+            </a:p>
+          </p:txBody>
+        </p:sp>
+      </p:grpSp>
+      <p:sp>
+        <p:nvSpPr>
+          <p:cNvPr id="15" name="正方形/長方形 14"/>
+          <p:cNvSpPr/>
+          <p:nvPr/>
+        </p:nvSpPr>
+        <p:spPr bwMode="auto">
+          <a:xfrm>
+            <a:off x="3002612" y="4357852"/>
+            <a:ext cx="1193928" cy="427034"/>
+          </a:xfrm>
+          <a:prstGeom prst="rect">
+            <a:avLst/>
+          </a:prstGeom>
+          <a:noFill/>
+          <a:ln w="19050">
+            <a:solidFill>
+              <a:srgbClr val="FFC000"/>
+            </a:solidFill>
+            <a:prstDash val="lgDash"/>
+          </a:ln>
+          <a:effectLst/>
+          <a:extLst/>
+        </p:spPr>
+        <p:txBody>
+          <a:bodyPr rot="0" spcFirstLastPara="0" vertOverflow="overflow" horzOverflow="overflow" vert="horz" wrap="none" lIns="72000" tIns="72000" rIns="72000" bIns="72000" numCol="1" spcCol="0" rtlCol="0" fromWordArt="0" anchor="ctr" anchorCtr="0" forceAA="0" compatLnSpc="1">
+            <a:prstTxWarp prst="textNoShape">
+              <a:avLst/>
+            </a:prstTxWarp>
+            <a:noAutofit/>
+          </a:bodyPr>
+          <a:lstStyle/>
+          <a:p>
+            <a:pPr algn="ctr"/>
+            <a:endParaRPr kumimoji="1" lang="ja-JP" altLang="en-US" b="1" dirty="0" smtClean="0">
+              <a:latin typeface="+mn-ea"/>
+            </a:endParaRPr>
+          </a:p>
+        </p:txBody>
+      </p:sp>
+      <p:sp>
+        <p:nvSpPr>
+          <p:cNvPr id="59" name="正方形/長方形 58"/>
+          <p:cNvSpPr/>
+          <p:nvPr/>
+        </p:nvSpPr>
+        <p:spPr bwMode="auto">
+          <a:xfrm>
+            <a:off x="4886722" y="4357852"/>
+            <a:ext cx="1340028" cy="427034"/>
+          </a:xfrm>
+          <a:prstGeom prst="rect">
+            <a:avLst/>
+          </a:prstGeom>
+          <a:noFill/>
+          <a:ln w="19050">
+            <a:solidFill>
+              <a:srgbClr val="FFC000"/>
+            </a:solidFill>
+            <a:prstDash val="lgDash"/>
+          </a:ln>
+          <a:effectLst/>
+          <a:extLst/>
+        </p:spPr>
+        <p:txBody>
+          <a:bodyPr rot="0" spcFirstLastPara="0" vertOverflow="overflow" horzOverflow="overflow" vert="horz" wrap="none" lIns="72000" tIns="72000" rIns="72000" bIns="72000" numCol="1" spcCol="0" rtlCol="0" fromWordArt="0" anchor="ctr" anchorCtr="0" forceAA="0" compatLnSpc="1">
+            <a:prstTxWarp prst="textNoShape">
+              <a:avLst/>
+            </a:prstTxWarp>
+            <a:noAutofit/>
+          </a:bodyPr>
+          <a:lstStyle/>
+          <a:p>
+            <a:pPr algn="ctr"/>
+            <a:endParaRPr kumimoji="1" lang="ja-JP" altLang="en-US" b="1" dirty="0" smtClean="0">
+              <a:latin typeface="+mn-ea"/>
+            </a:endParaRPr>
+          </a:p>
+        </p:txBody>
+      </p:sp>
+      <p:cxnSp>
+        <p:nvCxnSpPr>
+          <p:cNvPr id="27" name="カギ線コネクタ 26"/>
+          <p:cNvCxnSpPr>
+            <a:stCxn id="15" idx="2"/>
+            <a:endCxn id="59" idx="2"/>
+          </p:cNvCxnSpPr>
+          <p:nvPr/>
+        </p:nvCxnSpPr>
+        <p:spPr bwMode="auto">
+          <a:xfrm rot="16200000" flipH="1">
+            <a:off x="4578156" y="3806306"/>
+            <a:ext cx="12700" cy="1957160"/>
+          </a:xfrm>
+          <a:prstGeom prst="bentConnector3">
+            <a:avLst>
+              <a:gd name="adj1" fmla="val 1800000"/>
+            </a:avLst>
+          </a:prstGeom>
+          <a:solidFill>
+            <a:schemeClr val="bg1"/>
+          </a:solidFill>
+          <a:ln w="28575" cap="flat" cmpd="sng" algn="ctr">
+            <a:solidFill>
+              <a:srgbClr val="FFC000"/>
+            </a:solidFill>
+            <a:prstDash val="dash"/>
+            <a:round/>
+            <a:headEnd type="diamond" w="med" len="med"/>
+            <a:tailEnd type="diamond" w="med" len="med"/>
+          </a:ln>
+          <a:effectLst/>
+          <a:extLst>
+            <a:ext uri="{AF507438-7753-43E0-B8FC-AC1667EBCBE1}">
+              <a14:hiddenEffects xmlns:a14="http://schemas.microsoft.com/office/drawing/2010/main">
+                <a:effectLst>
+                  <a:outerShdw dist="35921" dir="2700000" algn="ctr" rotWithShape="0">
+                    <a:schemeClr val="tx1">
+                      <a:alpha val="50000"/>
+                    </a:schemeClr>
+                  </a:outerShdw>
+                </a:effectLst>
+              </a14:hiddenEffects>
+            </a:ext>
+          </a:extLst>
+        </p:spPr>
+      </p:cxnSp>
+      <p:sp>
+        <p:nvSpPr>
+          <p:cNvPr id="62" name="テキスト ボックス 61"/>
+          <p:cNvSpPr txBox="1"/>
+          <p:nvPr/>
+        </p:nvSpPr>
+        <p:spPr>
+          <a:xfrm>
+            <a:off x="3793719" y="5060891"/>
+            <a:ext cx="947108" cy="215444"/>
+          </a:xfrm>
+          <a:prstGeom prst="rect">
+            <a:avLst/>
+          </a:prstGeom>
+          <a:solidFill>
+            <a:schemeClr val="accent1">
+              <a:lumMod val="20000"/>
+              <a:lumOff val="80000"/>
+            </a:schemeClr>
+          </a:solidFill>
+        </p:spPr>
+        <p:txBody>
+          <a:bodyPr wrap="square" rtlCol="0">
+            <a:spAutoFit/>
+          </a:bodyPr>
+          <a:lstStyle/>
+          <a:p>
+            <a:pPr algn="ctr"/>
+            <a:r>
+              <a:rPr lang="ja-JP" altLang="en-US" sz="800" b="1" smtClean="0"/>
+              <a:t>資材紐付</a:t>
+            </a:r>
+            <a:endParaRPr kumimoji="1" lang="ja-JP" altLang="en-US" sz="800" b="1"/>
+          </a:p>
+        </p:txBody>
+      </p:sp>
+      <p:sp>
+        <p:nvSpPr>
+          <p:cNvPr id="63" name="角丸四角形 62"/>
+          <p:cNvSpPr/>
+          <p:nvPr/>
+        </p:nvSpPr>
+        <p:spPr bwMode="auto">
+          <a:xfrm>
+            <a:off x="4789182" y="5207541"/>
+            <a:ext cx="1535107" cy="588258"/>
+          </a:xfrm>
+          <a:prstGeom prst="roundRect">
+            <a:avLst/>
+          </a:prstGeom>
+          <a:noFill/>
+          <a:ln w="28575">
+            <a:solidFill>
+              <a:schemeClr val="accent6"/>
+            </a:solidFill>
+          </a:ln>
+          <a:effectLst/>
+          <a:extLst/>
+        </p:spPr>
+        <p:txBody>
+          <a:bodyPr rot="0" spcFirstLastPara="0" vertOverflow="overflow" horzOverflow="overflow" vert="horz" wrap="none" lIns="72000" tIns="72000" rIns="72000" bIns="72000" numCol="1" spcCol="0" rtlCol="0" fromWordArt="0" anchor="ctr" anchorCtr="0" forceAA="0" compatLnSpc="1">
+            <a:prstTxWarp prst="textNoShape">
+              <a:avLst/>
+            </a:prstTxWarp>
+            <a:noAutofit/>
+          </a:bodyPr>
+          <a:lstStyle/>
+          <a:p>
+            <a:pPr algn="ctr"/>
+            <a:r>
+              <a:rPr kumimoji="1" lang="ja-JP" altLang="en-US" sz="1000" b="1" smtClean="0">
+                <a:latin typeface="+mn-ea"/>
+              </a:rPr>
+              <a:t>「作業実行」メニュー</a:t>
+            </a:r>
+            <a:endParaRPr kumimoji="1" lang="ja-JP" altLang="en-US" sz="1000" b="1" dirty="0" smtClean="0">
+              <a:latin typeface="+mn-ea"/>
+            </a:endParaRPr>
+          </a:p>
+        </p:txBody>
+      </p:sp>
+      <p:cxnSp>
+        <p:nvCxnSpPr>
+          <p:cNvPr id="64" name="カギ線コネクタ 63"/>
+          <p:cNvCxnSpPr>
+            <a:stCxn id="63" idx="0"/>
+            <a:endCxn id="59" idx="2"/>
+          </p:cNvCxnSpPr>
+          <p:nvPr/>
+        </p:nvCxnSpPr>
+        <p:spPr bwMode="auto">
+          <a:xfrm rot="5400000" flipH="1" flipV="1">
+            <a:off x="5345409" y="4996214"/>
+            <a:ext cx="422655" cy="12700"/>
+          </a:xfrm>
+          <a:prstGeom prst="bentConnector3">
+            <a:avLst>
+              <a:gd name="adj1" fmla="val 50000"/>
+            </a:avLst>
+          </a:prstGeom>
+          <a:solidFill>
+            <a:schemeClr val="bg1"/>
+          </a:solidFill>
+          <a:ln w="28575" cap="flat" cmpd="sng" algn="ctr">
+            <a:solidFill>
+              <a:srgbClr val="FFC000"/>
+            </a:solidFill>
+            <a:prstDash val="dash"/>
+            <a:round/>
+            <a:headEnd type="diamond" w="med" len="med"/>
+            <a:tailEnd type="diamond" w="med" len="med"/>
+          </a:ln>
+          <a:effectLst/>
+          <a:extLst>
+            <a:ext uri="{AF507438-7753-43E0-B8FC-AC1667EBCBE1}">
+              <a14:hiddenEffects xmlns:a14="http://schemas.microsoft.com/office/drawing/2010/main">
+                <a:effectLst>
+                  <a:outerShdw dist="35921" dir="2700000" algn="ctr" rotWithShape="0">
+                    <a:schemeClr val="tx1">
+                      <a:alpha val="50000"/>
+                    </a:schemeClr>
+                  </a:outerShdw>
+                </a:effectLst>
+              </a14:hiddenEffects>
+            </a:ext>
+          </a:extLst>
+        </p:spPr>
+      </p:cxnSp>
+      <p:sp>
+        <p:nvSpPr>
+          <p:cNvPr id="67" name="上矢印 66"/>
+          <p:cNvSpPr/>
+          <p:nvPr/>
+        </p:nvSpPr>
+        <p:spPr bwMode="auto">
+          <a:xfrm rot="5400000" flipH="1">
+            <a:off x="6748132" y="4994395"/>
+            <a:ext cx="233541" cy="1014548"/>
+          </a:xfrm>
+          <a:prstGeom prst="upArrow">
+            <a:avLst/>
+          </a:prstGeom>
+          <a:solidFill>
+            <a:srgbClr val="FFC000"/>
+          </a:solidFill>
+          <a:ln w="12700">
+            <a:solidFill>
+              <a:schemeClr val="tx1"/>
+            </a:solidFill>
+          </a:ln>
+          <a:effectLst/>
+          <a:extLst/>
+        </p:spPr>
+        <p:txBody>
+          <a:bodyPr rot="0" spcFirstLastPara="0" vertOverflow="overflow" horzOverflow="overflow" vert="horz" wrap="none" lIns="72000" tIns="72000" rIns="72000" bIns="72000" numCol="1" spcCol="0" rtlCol="0" fromWordArt="0" anchor="ctr" anchorCtr="0" forceAA="0" compatLnSpc="1">
+            <a:prstTxWarp prst="textNoShape">
+              <a:avLst/>
+            </a:prstTxWarp>
+            <a:noAutofit/>
+          </a:bodyPr>
+          <a:lstStyle/>
+          <a:p>
+            <a:pPr algn="ctr"/>
+            <a:endParaRPr kumimoji="1" lang="ja-JP" altLang="en-US" b="1" dirty="0" smtClean="0">
+              <a:latin typeface="+mn-ea"/>
+            </a:endParaRPr>
+          </a:p>
+        </p:txBody>
+      </p:sp>
+      <p:sp>
+        <p:nvSpPr>
+          <p:cNvPr id="69" name="テキスト ボックス 68"/>
+          <p:cNvSpPr txBox="1"/>
+          <p:nvPr/>
+        </p:nvSpPr>
+        <p:spPr>
+          <a:xfrm>
+            <a:off x="5201039" y="6187335"/>
+            <a:ext cx="4047597" cy="369332"/>
+          </a:xfrm>
+          <a:prstGeom prst="rect">
+            <a:avLst/>
+          </a:prstGeom>
+          <a:noFill/>
+        </p:spPr>
+        <p:txBody>
+          <a:bodyPr wrap="square" rtlCol="0">
+            <a:spAutoFit/>
+          </a:bodyPr>
+          <a:lstStyle/>
+          <a:p>
+            <a:r>
+              <a:rPr kumimoji="1" lang="en-US" altLang="ja-JP" sz="900" smtClean="0"/>
+              <a:t>※</a:t>
+            </a:r>
+            <a:r>
+              <a:rPr kumimoji="1" lang="en-US" altLang="ja-JP" sz="900" smtClean="0"/>
+              <a:t>1</a:t>
+            </a:r>
+            <a:r>
+              <a:rPr kumimoji="1" lang="ja-JP" altLang="en-US" sz="900" smtClean="0"/>
+              <a:t> 紐付先資材のタイプは連携先ドライバや用途ごとに異なります。</a:t>
+            </a:r>
+            <a:r>
+              <a:rPr kumimoji="1" lang="en-US" altLang="ja-JP" sz="900" smtClean="0"/>
+              <a:t/>
+            </a:r>
+            <a:br>
+              <a:rPr kumimoji="1" lang="en-US" altLang="ja-JP" sz="900" smtClean="0"/>
+            </a:br>
+            <a:r>
+              <a:rPr kumimoji="1" lang="ja-JP" altLang="en-US" sz="900" smtClean="0"/>
+              <a:t>   </a:t>
+            </a:r>
+            <a:r>
+              <a:rPr kumimoji="1" lang="en-US" altLang="ja-JP" sz="900" smtClean="0"/>
+              <a:t>(</a:t>
+            </a:r>
+            <a:r>
+              <a:rPr kumimoji="1" lang="ja-JP" altLang="en-US" sz="900" smtClean="0"/>
+              <a:t>例：資材を</a:t>
+            </a:r>
+            <a:r>
+              <a:rPr kumimoji="1" lang="en-US" altLang="ja-JP" sz="900" smtClean="0"/>
+              <a:t>Ansible-Legacy</a:t>
+            </a:r>
+            <a:r>
+              <a:rPr lang="ja-JP" altLang="en-US" sz="900" smtClean="0"/>
+              <a:t> と連携する場合は「</a:t>
+            </a:r>
+            <a:r>
+              <a:rPr lang="en-US" altLang="ja-JP" sz="900" smtClean="0"/>
+              <a:t>Playbook</a:t>
+            </a:r>
+            <a:r>
+              <a:rPr lang="ja-JP" altLang="en-US" sz="900" smtClean="0"/>
+              <a:t>素材集」</a:t>
+            </a:r>
+            <a:r>
+              <a:rPr kumimoji="1" lang="en-US" altLang="ja-JP" sz="900" smtClean="0"/>
+              <a:t>)</a:t>
+            </a:r>
+            <a:endParaRPr kumimoji="1" lang="ja-JP" altLang="en-US" sz="900" dirty="0"/>
+          </a:p>
+        </p:txBody>
+      </p:sp>
     </p:spTree>
     <p:extLst>
       <p:ext uri="{BB962C8B-B14F-4D97-AF65-F5344CB8AC3E}">
@@ -11056,8 +15397,8 @@
         </p:nvSpPr>
         <p:spPr>
           <a:xfrm>
-            <a:off x="140956" y="728560"/>
-            <a:ext cx="8784976" cy="5760233"/>
+            <a:off x="179267" y="836640"/>
+            <a:ext cx="8784976" cy="2268380"/>
           </a:xfrm>
         </p:spPr>
         <p:txBody>
@@ -11067,51 +15408,52 @@
           <a:lstStyle/>
           <a:p>
             <a:r>
-              <a:rPr lang="en-US" altLang="ja-JP" dirty="0" smtClean="0"/>
-              <a:t>CI/CD for </a:t>
-            </a:r>
-            <a:r>
-              <a:rPr lang="en-US" altLang="ja-JP" dirty="0" err="1" smtClean="0"/>
+              <a:rPr lang="en-US" altLang="ja-JP" b="1" dirty="0" smtClean="0"/>
+              <a:t>CI/CD </a:t>
+            </a:r>
+            <a:r>
+              <a:rPr lang="en-US" altLang="ja-JP" b="1" smtClean="0"/>
+              <a:t>for </a:t>
+            </a:r>
+            <a:r>
+              <a:rPr lang="en-US" altLang="ja-JP" b="1" smtClean="0"/>
               <a:t>IaC</a:t>
             </a:r>
             <a:r>
-              <a:rPr lang="ja-JP" altLang="en-US" dirty="0" smtClean="0"/>
-              <a:t>は大きく分けて</a:t>
-            </a:r>
-            <a:r>
-              <a:rPr lang="en-US" altLang="ja-JP" dirty="0" smtClean="0"/>
+              <a:rPr lang="ja-JP" altLang="en-US" b="1" smtClean="0"/>
+              <a:t>を構成する</a:t>
+            </a:r>
+            <a:r>
+              <a:rPr lang="en-US" altLang="ja-JP" b="1" smtClean="0"/>
               <a:t>2</a:t>
             </a:r>
             <a:r>
-              <a:rPr lang="ja-JP" altLang="en-US" dirty="0" err="1" smtClean="0"/>
-              <a:t>つの</a:t>
-            </a:r>
-            <a:r>
-              <a:rPr lang="ja-JP" altLang="en-US" dirty="0" smtClean="0"/>
-              <a:t>機能があります</a:t>
-            </a:r>
-            <a:endParaRPr lang="en-US" altLang="ja-JP" dirty="0"/>
-          </a:p>
-          <a:p>
-            <a:pPr marL="0" indent="0">
-              <a:buNone/>
+              <a:rPr lang="ja-JP" altLang="en-US" b="1" smtClean="0"/>
+              <a:t>つの機能</a:t>
+            </a:r>
+            <a:r>
+              <a:rPr lang="en-US" altLang="ja-JP" b="1" smtClean="0"/>
+              <a:t/>
+            </a:r>
+            <a:br>
+              <a:rPr lang="en-US" altLang="ja-JP" b="1" smtClean="0"/>
+            </a:br>
+            <a:endParaRPr lang="en-US" altLang="ja-JP" b="1" dirty="0" smtClean="0"/>
+          </a:p>
+          <a:p>
+            <a:pPr marL="457200" indent="-457200">
+              <a:buFont typeface="+mj-ea"/>
+              <a:buAutoNum type="circleNumDbPlain"/>
             </a:pPr>
-            <a:endParaRPr lang="en-US" altLang="ja-JP" b="1" dirty="0" smtClean="0"/>
-          </a:p>
-          <a:p>
-            <a:pPr>
-              <a:buFont typeface="Wingdings" panose="05000000000000000000" pitchFamily="2" charset="2"/>
-              <a:buChar char="l"/>
-            </a:pPr>
-            <a:r>
-              <a:rPr lang="en-US" altLang="ja-JP" dirty="0" err="1" smtClean="0"/>
+            <a:r>
+              <a:rPr lang="en-US" altLang="ja-JP" b="1" dirty="0" err="1" smtClean="0"/>
               <a:t>Git</a:t>
             </a:r>
             <a:r>
-              <a:rPr lang="ja-JP" altLang="en-US" dirty="0" smtClean="0"/>
+              <a:rPr lang="ja-JP" altLang="en-US" b="1" dirty="0" smtClean="0"/>
               <a:t>連携</a:t>
             </a:r>
-            <a:endParaRPr lang="en-US" altLang="ja-JP" dirty="0"/>
+            <a:endParaRPr lang="en-US" altLang="ja-JP" b="1" dirty="0"/>
           </a:p>
           <a:p>
             <a:pPr lvl="1"/>
@@ -11124,91 +15466,166 @@
               <a:t>内に </a:t>
             </a:r>
             <a:r>
-              <a:rPr lang="en-US" altLang="ja-JP" dirty="0" err="1"/>
+              <a:rPr lang="en-US" altLang="ja-JP" b="1" dirty="0" err="1">
+                <a:solidFill>
+                  <a:srgbClr val="FF0000"/>
+                </a:solidFill>
+              </a:rPr>
               <a:t>Git</a:t>
             </a:r>
             <a:r>
-              <a:rPr lang="en-US" altLang="ja-JP" dirty="0"/>
+              <a:rPr lang="en-US" altLang="ja-JP" b="1" dirty="0">
+                <a:solidFill>
+                  <a:srgbClr val="FF0000"/>
+                </a:solidFill>
+              </a:rPr>
               <a:t> </a:t>
             </a:r>
             <a:r>
+              <a:rPr lang="ja-JP" altLang="en-US" b="1" dirty="0">
+                <a:solidFill>
+                  <a:srgbClr val="FF0000"/>
+                </a:solidFill>
+              </a:rPr>
+              <a:t>リポジトリのクローン</a:t>
+            </a:r>
+            <a:r>
               <a:rPr lang="ja-JP" altLang="en-US" dirty="0"/>
-              <a:t>リポジトリのクローンを作成します。 クローンを介して定期的に紐付元資材の更新を検知し </a:t>
-            </a:r>
-            <a:r>
-              <a:rPr lang="en-US" altLang="ja-JP" dirty="0"/>
-              <a:t>ITA </a:t>
+              <a:t>を作成します</a:t>
+            </a:r>
+            <a:r>
+              <a:rPr lang="ja-JP" altLang="en-US"/>
+              <a:t>。 </a:t>
+            </a:r>
+            <a:endParaRPr lang="en-US" altLang="ja-JP" smtClean="0"/>
+          </a:p>
+          <a:p>
+            <a:pPr lvl="1"/>
+            <a:r>
+              <a:rPr lang="ja-JP" altLang="en-US" smtClean="0"/>
+              <a:t>クローン</a:t>
             </a:r>
             <a:r>
               <a:rPr lang="ja-JP" altLang="en-US" dirty="0"/>
-              <a:t>の「リモートリポジトリ資材」メニューに一 覧を作成します。 </a:t>
-            </a:r>
-            <a:endParaRPr lang="en-US" altLang="ja-JP" dirty="0" smtClean="0"/>
-          </a:p>
-          <a:p>
-            <a:pPr marL="180000" lvl="1" indent="0">
-              <a:buNone/>
-            </a:pPr>
-            <a:endParaRPr lang="en-US" altLang="ja-JP" dirty="0" smtClean="0"/>
-          </a:p>
-          <a:p>
-            <a:pPr>
-              <a:buFont typeface="Wingdings" panose="05000000000000000000" pitchFamily="2" charset="2"/>
-              <a:buChar char="l"/>
-            </a:pPr>
-            <a:r>
-              <a:rPr lang="ja-JP" altLang="en-US" dirty="0" smtClean="0"/>
-              <a:t>資材紐付機能</a:t>
-            </a:r>
-            <a:endParaRPr lang="en-US" altLang="ja-JP" dirty="0"/>
+              <a:t>を介して</a:t>
+            </a:r>
+            <a:r>
+              <a:rPr lang="ja-JP" altLang="en-US"/>
+              <a:t>定期的</a:t>
+            </a:r>
+            <a:r>
+              <a:rPr lang="ja-JP" altLang="en-US" smtClean="0"/>
+              <a:t>に資材</a:t>
+            </a:r>
+            <a:r>
+              <a:rPr lang="en-US" altLang="ja-JP" smtClean="0"/>
+              <a:t>(</a:t>
+            </a:r>
+            <a:r>
+              <a:rPr lang="ja-JP" altLang="en-US" smtClean="0"/>
+              <a:t>ファイル</a:t>
+            </a:r>
+            <a:r>
+              <a:rPr lang="en-US" altLang="ja-JP" smtClean="0"/>
+              <a:t>)</a:t>
+            </a:r>
+            <a:r>
+              <a:rPr lang="ja-JP" altLang="en-US" smtClean="0"/>
+              <a:t>の</a:t>
+            </a:r>
+            <a:r>
+              <a:rPr lang="ja-JP" altLang="en-US" dirty="0"/>
+              <a:t>更新を</a:t>
+            </a:r>
+            <a:r>
+              <a:rPr lang="ja-JP" altLang="en-US"/>
+              <a:t>検知</a:t>
+            </a:r>
+            <a:r>
+              <a:rPr lang="ja-JP" altLang="en-US" smtClean="0"/>
+              <a:t>し、</a:t>
+            </a:r>
+            <a:r>
+              <a:rPr lang="en-US" altLang="ja-JP"/>
+              <a:t/>
+            </a:r>
+            <a:br>
+              <a:rPr lang="en-US" altLang="ja-JP"/>
+            </a:br>
+            <a:r>
+              <a:rPr lang="ja-JP" altLang="en-US"/>
+              <a:t>資材の</a:t>
+            </a:r>
+            <a:r>
+              <a:rPr lang="ja-JP" altLang="en-US"/>
+              <a:t>一覧</a:t>
+            </a:r>
+            <a:r>
+              <a:rPr lang="ja-JP" altLang="en-US" smtClean="0"/>
+              <a:t>を「</a:t>
+            </a:r>
+            <a:r>
+              <a:rPr lang="ja-JP" altLang="en-US"/>
+              <a:t>リモートリポジトリ資材</a:t>
+            </a:r>
+            <a:r>
+              <a:rPr lang="ja-JP" altLang="en-US"/>
+              <a:t>」</a:t>
+            </a:r>
+            <a:r>
+              <a:rPr lang="ja-JP" altLang="en-US" smtClean="0"/>
+              <a:t>メニューに登録・更新します。</a:t>
+            </a:r>
+            <a:endParaRPr lang="en-US" altLang="ja-JP" smtClean="0"/>
           </a:p>
           <a:p>
             <a:pPr lvl="1"/>
             <a:r>
-              <a:rPr lang="ja-JP" altLang="en-US" dirty="0" smtClean="0"/>
-              <a:t>紐付元</a:t>
-            </a:r>
-            <a:r>
-              <a:rPr lang="ja-JP" altLang="en-US" dirty="0"/>
-              <a:t>資材と紐付先資材の紐付を登録し、紐付先資材の動作検証を行う為のオペレーションと </a:t>
-            </a:r>
-            <a:r>
-              <a:rPr lang="en-US" altLang="ja-JP" dirty="0"/>
-              <a:t>Movement </a:t>
-            </a:r>
-            <a:r>
-              <a:rPr lang="ja-JP" altLang="en-US" dirty="0" err="1"/>
-              <a:t>を登</a:t>
-            </a:r>
-            <a:r>
-              <a:rPr lang="ja-JP" altLang="en-US" dirty="0"/>
-              <a:t>録します。 紐付元資材が更新されると、紐付先資材が自動更新され、動作検証を行う為のオペレーションと </a:t>
-            </a:r>
-            <a:r>
-              <a:rPr lang="en-US" altLang="ja-JP" dirty="0"/>
-              <a:t>Movement </a:t>
-            </a:r>
-            <a:r>
-              <a:rPr lang="ja-JP" altLang="en-US" dirty="0"/>
-              <a:t>で作業実行を行います。</a:t>
-            </a:r>
-            <a:endParaRPr lang="en-US" altLang="ja-JP" sz="1200" dirty="0" smtClean="0"/>
-          </a:p>
-          <a:p>
-            <a:pPr>
-              <a:buFont typeface="Wingdings" panose="05000000000000000000" pitchFamily="2" charset="2"/>
-              <a:buChar char="l"/>
-            </a:pPr>
-            <a:endParaRPr lang="en-US" altLang="ja-JP" sz="1600" dirty="0" smtClean="0"/>
-          </a:p>
-          <a:p>
-            <a:pPr>
-              <a:buFont typeface="Wingdings" panose="05000000000000000000" pitchFamily="2" charset="2"/>
-              <a:buChar char="l"/>
-            </a:pPr>
-            <a:endParaRPr lang="en-US" altLang="ja-JP" sz="1600" dirty="0">
+              <a:rPr lang="ja-JP" altLang="en-US"/>
+              <a:t>「リモートリポジトリ資材</a:t>
+            </a:r>
+            <a:r>
+              <a:rPr lang="ja-JP" altLang="en-US"/>
+              <a:t>」</a:t>
+            </a:r>
+            <a:r>
+              <a:rPr lang="ja-JP" altLang="en-US" smtClean="0"/>
+              <a:t>メニューに登録された資材は、</a:t>
+            </a:r>
+            <a:r>
+              <a:rPr lang="en-US" altLang="ja-JP"/>
+              <a:t/>
+            </a:r>
+            <a:br>
+              <a:rPr lang="en-US" altLang="ja-JP"/>
+            </a:br>
+            <a:r>
+              <a:rPr lang="ja-JP" altLang="en-US"/>
+              <a:t>「</a:t>
+            </a:r>
+            <a:r>
+              <a:rPr lang="ja-JP" altLang="en-US" smtClean="0"/>
+              <a:t>②資材紐付機能」にて</a:t>
+            </a:r>
+            <a:r>
+              <a:rPr lang="ja-JP" altLang="en-US" b="1" smtClean="0">
+                <a:solidFill>
+                  <a:srgbClr val="FF0000"/>
+                </a:solidFill>
+              </a:rPr>
+              <a:t>紐付元資材として指定可能になります</a:t>
+            </a:r>
+            <a:r>
+              <a:rPr lang="ja-JP" altLang="en-US" smtClean="0">
+                <a:solidFill>
+                  <a:srgbClr val="FF0000"/>
+                </a:solidFill>
+              </a:rPr>
+              <a:t>。</a:t>
+            </a:r>
+            <a:endParaRPr lang="en-US" altLang="ja-JP" smtClean="0">
               <a:solidFill>
-                <a:schemeClr val="bg1"/>
+                <a:srgbClr val="FF0000"/>
               </a:solidFill>
             </a:endParaRPr>
           </a:p>
@@ -11398,6 +15815,257 @@
           </a:p>
         </p:txBody>
       </p:sp>
+      <p:sp>
+        <p:nvSpPr>
+          <p:cNvPr id="5" name="コンテンツ プレースホルダー 2"/>
+          <p:cNvSpPr txBox="1">
+            <a:spLocks/>
+          </p:cNvSpPr>
+          <p:nvPr/>
+        </p:nvSpPr>
+        <p:spPr bwMode="gray">
+          <a:xfrm>
+            <a:off x="140956" y="3501010"/>
+            <a:ext cx="8784976" cy="1656230"/>
+          </a:xfrm>
+          <a:prstGeom prst="rect">
+            <a:avLst/>
+          </a:prstGeom>
+        </p:spPr>
+        <p:txBody>
+          <a:bodyPr vert="horz" lIns="91440" tIns="45720" rIns="91440" bIns="45720" rtlCol="0">
+            <a:normAutofit/>
+          </a:bodyPr>
+          <a:lstStyle>
+            <a:lvl1pPr marL="180000" indent="-180000" algn="l" rtl="0" eaLnBrk="1" fontAlgn="base" hangingPunct="0">
+              <a:spcBef>
+                <a:spcPts val="500"/>
+              </a:spcBef>
+              <a:spcAft>
+                <a:spcPct val="0"/>
+              </a:spcAft>
+              <a:buClr>
+                <a:schemeClr val="accent6"/>
+              </a:buClr>
+              <a:buFont typeface="Arial" panose="020B0604020202020204" pitchFamily="34" charset="0"/>
+              <a:buChar char="▌"/>
+              <a:defRPr kumimoji="1" lang="ja-JP" altLang="en-US" sz="2000" b="0" noProof="0" dirty="0" smtClean="0">
+                <a:solidFill>
+                  <a:schemeClr val="tx1"/>
+                </a:solidFill>
+                <a:latin typeface="+mn-lt"/>
+                <a:ea typeface="+mn-ea"/>
+                <a:cs typeface="+mn-cs"/>
+              </a:defRPr>
+            </a:lvl1pPr>
+            <a:lvl2pPr marL="360000" indent="-180000" algn="l" rtl="0" eaLnBrk="1" fontAlgn="base" hangingPunct="0">
+              <a:spcBef>
+                <a:spcPts val="500"/>
+              </a:spcBef>
+              <a:spcAft>
+                <a:spcPct val="0"/>
+              </a:spcAft>
+              <a:buClr>
+                <a:schemeClr val="accent6"/>
+              </a:buClr>
+              <a:buFont typeface="Wingdings" pitchFamily="2" charset="2"/>
+              <a:buChar char="l"/>
+              <a:defRPr kumimoji="1" lang="ja-JP" altLang="en-US" sz="1600" b="0" noProof="0" dirty="0" smtClean="0">
+                <a:solidFill>
+                  <a:schemeClr val="tx1"/>
+                </a:solidFill>
+                <a:latin typeface="+mn-lt"/>
+                <a:ea typeface="+mn-ea"/>
+              </a:defRPr>
+            </a:lvl2pPr>
+            <a:lvl3pPr marL="468000" indent="-108000" algn="l" rtl="0" eaLnBrk="1" fontAlgn="base" hangingPunct="0">
+              <a:spcBef>
+                <a:spcPts val="500"/>
+              </a:spcBef>
+              <a:spcAft>
+                <a:spcPct val="0"/>
+              </a:spcAft>
+              <a:buClr>
+                <a:schemeClr val="accent6"/>
+              </a:buClr>
+              <a:buFont typeface="Arial" panose="020B0604020202020204" pitchFamily="34" charset="0"/>
+              <a:buChar char="•"/>
+              <a:defRPr kumimoji="1" lang="ja-JP" altLang="en-US" sz="1400" b="0" noProof="0" dirty="0" smtClean="0">
+                <a:solidFill>
+                  <a:schemeClr val="tx1"/>
+                </a:solidFill>
+                <a:latin typeface="+mn-lt"/>
+                <a:ea typeface="+mn-ea"/>
+              </a:defRPr>
+            </a:lvl3pPr>
+            <a:lvl4pPr marL="576000" indent="-108000" algn="l" rtl="0" eaLnBrk="1" fontAlgn="base" hangingPunct="0">
+              <a:spcBef>
+                <a:spcPts val="500"/>
+              </a:spcBef>
+              <a:spcAft>
+                <a:spcPct val="0"/>
+              </a:spcAft>
+              <a:buClr>
+                <a:schemeClr val="accent6"/>
+              </a:buClr>
+              <a:buFont typeface="Tahoma" pitchFamily="34" charset="0"/>
+              <a:buChar char="–"/>
+              <a:defRPr kumimoji="1" lang="ja-JP" altLang="en-US" sz="1200" b="0" noProof="0" dirty="0" smtClean="0">
+                <a:solidFill>
+                  <a:schemeClr val="tx1"/>
+                </a:solidFill>
+                <a:latin typeface="+mn-lt"/>
+                <a:ea typeface="+mn-ea"/>
+              </a:defRPr>
+            </a:lvl4pPr>
+            <a:lvl5pPr marL="735013" indent="-157163" algn="l" rtl="0" eaLnBrk="0" fontAlgn="base" hangingPunct="0">
+              <a:spcBef>
+                <a:spcPct val="20000"/>
+              </a:spcBef>
+              <a:spcAft>
+                <a:spcPct val="0"/>
+              </a:spcAft>
+              <a:buClr>
+                <a:schemeClr val="accent6"/>
+              </a:buClr>
+              <a:buChar char="≫"/>
+              <a:defRPr kumimoji="1" sz="1200" b="1">
+                <a:solidFill>
+                  <a:schemeClr val="tx1"/>
+                </a:solidFill>
+                <a:latin typeface="+mj-lt"/>
+                <a:ea typeface="+mn-ea"/>
+              </a:defRPr>
+            </a:lvl5pPr>
+            <a:lvl6pPr marL="2514600" indent="-228600" algn="l" rtl="0" fontAlgn="base">
+              <a:spcBef>
+                <a:spcPct val="20000"/>
+              </a:spcBef>
+              <a:spcAft>
+                <a:spcPct val="0"/>
+              </a:spcAft>
+              <a:buChar char="≫"/>
+              <a:defRPr kumimoji="1" sz="2000">
+                <a:solidFill>
+                  <a:schemeClr val="tx1"/>
+                </a:solidFill>
+                <a:latin typeface="Arial" charset="0"/>
+                <a:ea typeface="+mn-ea"/>
+              </a:defRPr>
+            </a:lvl6pPr>
+            <a:lvl7pPr marL="2971800" indent="-228600" algn="l" rtl="0" fontAlgn="base">
+              <a:spcBef>
+                <a:spcPct val="20000"/>
+              </a:spcBef>
+              <a:spcAft>
+                <a:spcPct val="0"/>
+              </a:spcAft>
+              <a:buChar char="≫"/>
+              <a:defRPr kumimoji="1" sz="2000">
+                <a:solidFill>
+                  <a:schemeClr val="tx1"/>
+                </a:solidFill>
+                <a:latin typeface="Arial" charset="0"/>
+                <a:ea typeface="+mn-ea"/>
+              </a:defRPr>
+            </a:lvl7pPr>
+            <a:lvl8pPr marL="3429000" indent="-228600" algn="l" rtl="0" fontAlgn="base">
+              <a:spcBef>
+                <a:spcPct val="20000"/>
+              </a:spcBef>
+              <a:spcAft>
+                <a:spcPct val="0"/>
+              </a:spcAft>
+              <a:buChar char="≫"/>
+              <a:defRPr kumimoji="1" sz="2000">
+                <a:solidFill>
+                  <a:schemeClr val="tx1"/>
+                </a:solidFill>
+                <a:latin typeface="Arial" charset="0"/>
+                <a:ea typeface="+mn-ea"/>
+              </a:defRPr>
+            </a:lvl8pPr>
+            <a:lvl9pPr marL="3886200" indent="-228600" algn="l" rtl="0" fontAlgn="base">
+              <a:spcBef>
+                <a:spcPct val="20000"/>
+              </a:spcBef>
+              <a:spcAft>
+                <a:spcPct val="0"/>
+              </a:spcAft>
+              <a:buChar char="≫"/>
+              <a:defRPr kumimoji="1" sz="2000">
+                <a:solidFill>
+                  <a:schemeClr val="tx1"/>
+                </a:solidFill>
+                <a:latin typeface="Arial" charset="0"/>
+                <a:ea typeface="+mn-ea"/>
+              </a:defRPr>
+            </a:lvl9pPr>
+          </a:lstStyle>
+          <a:p>
+            <a:pPr marL="457200" indent="-457200">
+              <a:buFont typeface="+mj-ea"/>
+              <a:buAutoNum type="circleNumDbPlain" startAt="2"/>
+            </a:pPr>
+            <a:r>
+              <a:rPr lang="ja-JP" altLang="en-US" b="1" kern="0" smtClean="0"/>
+              <a:t>資材紐付機能</a:t>
+            </a:r>
+          </a:p>
+          <a:p>
+            <a:pPr lvl="1"/>
+            <a:r>
+              <a:rPr lang="ja-JP" altLang="en-US" kern="0" smtClean="0"/>
+              <a:t>紐付元資材と紐付先資材の紐付を登録します。</a:t>
+            </a:r>
+            <a:endParaRPr lang="en-US" altLang="ja-JP" kern="0" smtClean="0"/>
+          </a:p>
+          <a:p>
+            <a:pPr lvl="1"/>
+            <a:r>
+              <a:rPr lang="ja-JP" altLang="en-US" kern="0" smtClean="0"/>
+              <a:t>紐付先資材の動作検証を行う為のオペレーションと </a:t>
+            </a:r>
+            <a:r>
+              <a:rPr lang="en-US" altLang="ja-JP" kern="0" smtClean="0"/>
+              <a:t>Movement </a:t>
+            </a:r>
+            <a:r>
+              <a:rPr lang="ja-JP" altLang="en-US" kern="0" smtClean="0"/>
+              <a:t>も同様に登録します。</a:t>
+            </a:r>
+            <a:endParaRPr lang="en-US" altLang="ja-JP" kern="0"/>
+          </a:p>
+          <a:p>
+            <a:pPr lvl="1"/>
+            <a:r>
+              <a:rPr lang="ja-JP" altLang="en-US" b="1" kern="0" smtClean="0">
+                <a:solidFill>
+                  <a:srgbClr val="FF0000"/>
+                </a:solidFill>
+              </a:rPr>
+              <a:t>紐付元資材が更新されると、紐付先資材が自動更新</a:t>
+            </a:r>
+            <a:r>
+              <a:rPr lang="ja-JP" altLang="en-US" kern="0" smtClean="0"/>
+              <a:t>され、動作検証を行う為のオペレーションと </a:t>
+            </a:r>
+            <a:r>
+              <a:rPr lang="en-US" altLang="ja-JP" kern="0" smtClean="0"/>
+              <a:t>Movement </a:t>
+            </a:r>
+            <a:r>
+              <a:rPr lang="ja-JP" altLang="en-US" kern="0" smtClean="0"/>
+              <a:t>で作業実行を行います。</a:t>
+            </a:r>
+            <a:endParaRPr lang="ja-JP" altLang="en-US" sz="1600" kern="0">
+              <a:solidFill>
+                <a:schemeClr val="bg1"/>
+              </a:solidFill>
+            </a:endParaRPr>
+          </a:p>
+        </p:txBody>
+      </p:sp>
     </p:spTree>
     <p:extLst>
       <p:ext uri="{BB962C8B-B14F-4D97-AF65-F5344CB8AC3E}">
@@ -11510,134 +16178,21 @@
             </a:r>
             <a:r>
               <a:rPr lang="ja-JP" altLang="en-US" dirty="0"/>
-              <a:t>　（</a:t>
-            </a:r>
-            <a:r>
-              <a:rPr lang="en-US" altLang="ja-JP" dirty="0" smtClean="0"/>
-              <a:t>1/5</a:t>
-            </a:r>
-            <a:r>
-              <a:rPr lang="ja-JP" altLang="en-US" dirty="0" smtClean="0"/>
+              <a:t>　</a:t>
+            </a:r>
+            <a:r>
+              <a:rPr lang="ja-JP" altLang="en-US"/>
+              <a:t>（</a:t>
+            </a:r>
+            <a:r>
+              <a:rPr lang="en-US" altLang="ja-JP" smtClean="0"/>
+              <a:t>1/6</a:t>
+            </a:r>
+            <a:r>
+              <a:rPr lang="ja-JP" altLang="en-US" smtClean="0"/>
               <a:t>）</a:t>
             </a:r>
             <a:endParaRPr kumimoji="1" lang="ja-JP" altLang="en-US" dirty="0"/>
-          </a:p>
-        </p:txBody>
-      </p:sp>
-      <p:sp>
-        <p:nvSpPr>
-          <p:cNvPr id="7" name="正方形/長方形 6"/>
-          <p:cNvSpPr/>
-          <p:nvPr/>
-        </p:nvSpPr>
-        <p:spPr bwMode="auto">
-          <a:xfrm>
-            <a:off x="323411" y="2241869"/>
-            <a:ext cx="1872260" cy="376890"/>
-          </a:xfrm>
-          <a:prstGeom prst="rect">
-            <a:avLst/>
-          </a:prstGeom>
-          <a:noFill/>
-          <a:ln w="38100">
-            <a:solidFill>
-              <a:srgbClr val="FF0000"/>
-            </a:solidFill>
-          </a:ln>
-          <a:effectLst/>
-          <a:extLst/>
-        </p:spPr>
-        <p:txBody>
-          <a:bodyPr rot="0" spcFirstLastPara="0" vertOverflow="overflow" horzOverflow="overflow" vert="horz" wrap="none" lIns="72000" tIns="72000" rIns="72000" bIns="72000" numCol="1" spcCol="0" rtlCol="0" fromWordArt="0" anchor="ctr" anchorCtr="0" forceAA="0" compatLnSpc="1">
-            <a:prstTxWarp prst="textNoShape">
-              <a:avLst/>
-            </a:prstTxWarp>
-            <a:noAutofit/>
-          </a:bodyPr>
-          <a:lstStyle/>
-          <a:p>
-            <a:pPr algn="ctr"/>
-            <a:endParaRPr kumimoji="1" lang="ja-JP" altLang="en-US" b="1" dirty="0" smtClean="0">
-              <a:latin typeface="+mn-ea"/>
-            </a:endParaRPr>
-          </a:p>
-        </p:txBody>
-      </p:sp>
-      <p:sp>
-        <p:nvSpPr>
-          <p:cNvPr id="8" name="正方形/長方形 7"/>
-          <p:cNvSpPr/>
-          <p:nvPr/>
-        </p:nvSpPr>
-        <p:spPr bwMode="auto">
-          <a:xfrm>
-            <a:off x="323041" y="2669418"/>
-            <a:ext cx="1872629" cy="438621"/>
-          </a:xfrm>
-          <a:prstGeom prst="rect">
-            <a:avLst/>
-          </a:prstGeom>
-          <a:noFill/>
-          <a:ln w="38100">
-            <a:solidFill>
-              <a:srgbClr val="FF0000"/>
-            </a:solidFill>
-          </a:ln>
-          <a:effectLst/>
-          <a:extLst/>
-        </p:spPr>
-        <p:txBody>
-          <a:bodyPr rot="0" spcFirstLastPara="0" vertOverflow="overflow" horzOverflow="overflow" vert="horz" wrap="none" lIns="72000" tIns="72000" rIns="72000" bIns="72000" numCol="1" spcCol="0" rtlCol="0" fromWordArt="0" anchor="ctr" anchorCtr="0" forceAA="0" compatLnSpc="1">
-            <a:prstTxWarp prst="textNoShape">
-              <a:avLst/>
-            </a:prstTxWarp>
-            <a:noAutofit/>
-          </a:bodyPr>
-          <a:lstStyle/>
-          <a:p>
-            <a:pPr algn="ctr"/>
-            <a:endParaRPr kumimoji="1" lang="ja-JP" altLang="en-US" b="1" dirty="0" smtClean="0">
-              <a:latin typeface="+mn-ea"/>
-            </a:endParaRPr>
-          </a:p>
-        </p:txBody>
-      </p:sp>
-      <p:sp>
-        <p:nvSpPr>
-          <p:cNvPr id="9" name="正方形/長方形 8"/>
-          <p:cNvSpPr/>
-          <p:nvPr/>
-        </p:nvSpPr>
-        <p:spPr bwMode="auto">
-          <a:xfrm>
-            <a:off x="323041" y="3146765"/>
-            <a:ext cx="1872629" cy="373133"/>
-          </a:xfrm>
-          <a:prstGeom prst="rect">
-            <a:avLst/>
-          </a:prstGeom>
-          <a:noFill/>
-          <a:ln w="38100">
-            <a:solidFill>
-              <a:srgbClr val="FF0000"/>
-            </a:solidFill>
-          </a:ln>
-          <a:effectLst/>
-          <a:extLst/>
-        </p:spPr>
-        <p:txBody>
-          <a:bodyPr rot="0" spcFirstLastPara="0" vertOverflow="overflow" horzOverflow="overflow" vert="horz" wrap="none" lIns="72000" tIns="72000" rIns="72000" bIns="72000" numCol="1" spcCol="0" rtlCol="0" fromWordArt="0" anchor="ctr" anchorCtr="0" forceAA="0" compatLnSpc="1">
-            <a:prstTxWarp prst="textNoShape">
-              <a:avLst/>
-            </a:prstTxWarp>
-            <a:noAutofit/>
-          </a:bodyPr>
-          <a:lstStyle/>
-          <a:p>
-            <a:pPr algn="ctr"/>
-            <a:endParaRPr kumimoji="1" lang="ja-JP" altLang="en-US" b="1" dirty="0" smtClean="0">
-              <a:latin typeface="+mn-ea"/>
-            </a:endParaRPr>
           </a:p>
         </p:txBody>
       </p:sp>
@@ -11649,7 +16204,7 @@
         </p:nvSpPr>
         <p:spPr>
           <a:xfrm>
-            <a:off x="2195670" y="2253987"/>
+            <a:off x="2109684" y="2253987"/>
             <a:ext cx="423680" cy="369332"/>
           </a:xfrm>
           <a:prstGeom prst="rect">
@@ -11686,7 +16241,7 @@
         </p:nvSpPr>
         <p:spPr>
           <a:xfrm>
-            <a:off x="2203437" y="2720670"/>
+            <a:off x="2109684" y="2706417"/>
             <a:ext cx="423680" cy="369332"/>
           </a:xfrm>
           <a:prstGeom prst="rect">
@@ -11718,7 +16273,7 @@
         </p:nvSpPr>
         <p:spPr>
           <a:xfrm>
-            <a:off x="2195670" y="3158848"/>
+            <a:off x="2109684" y="3158848"/>
             <a:ext cx="423680" cy="369332"/>
           </a:xfrm>
           <a:prstGeom prst="rect">
@@ -11750,7 +16305,7 @@
         </p:nvSpPr>
         <p:spPr>
           <a:xfrm>
-            <a:off x="2691359" y="1531554"/>
+            <a:off x="2685143" y="1933695"/>
             <a:ext cx="6266310" cy="2431435"/>
           </a:xfrm>
           <a:prstGeom prst="rect">
@@ -12083,27 +16638,23 @@
             </a:lvl9pPr>
           </a:lstStyle>
           <a:p>
-            <a:pPr>
-              <a:buFont typeface="Wingdings" panose="05000000000000000000" pitchFamily="2" charset="2"/>
-              <a:buChar char="l"/>
-            </a:pPr>
-            <a:r>
-              <a:rPr lang="en-US" altLang="ja-JP" kern="0" dirty="0" smtClean="0"/>
-              <a:t>CI/CD for </a:t>
-            </a:r>
-            <a:r>
-              <a:rPr lang="en-US" altLang="ja-JP" kern="0" dirty="0" err="1" smtClean="0"/>
+            <a:r>
+              <a:rPr lang="en-US" altLang="ja-JP" b="1" kern="0" dirty="0" smtClean="0"/>
+              <a:t>CI/CD </a:t>
+            </a:r>
+            <a:r>
+              <a:rPr lang="en-US" altLang="ja-JP" b="1" kern="0" smtClean="0"/>
+              <a:t>for </a:t>
+            </a:r>
+            <a:r>
+              <a:rPr lang="en-US" altLang="ja-JP" b="1" kern="0" smtClean="0"/>
               <a:t>IaC</a:t>
             </a:r>
             <a:r>
-              <a:rPr lang="ja-JP" altLang="en-US" kern="0" dirty="0" smtClean="0"/>
-              <a:t>における主なメニュー機能を紹介します</a:t>
-            </a:r>
-            <a:r>
-              <a:rPr lang="ja-JP" altLang="en-US" kern="0" dirty="0"/>
-              <a:t>。</a:t>
-            </a:r>
-            <a:endParaRPr lang="en-US" altLang="ja-JP" sz="1800" kern="0" dirty="0" smtClean="0"/>
+              <a:rPr lang="ja-JP" altLang="en-US" b="1" kern="0" smtClean="0"/>
+              <a:t>メニューの機能説明</a:t>
+            </a:r>
+            <a:endParaRPr lang="en-US" altLang="ja-JP" sz="1800" b="1" kern="0" dirty="0" smtClean="0"/>
           </a:p>
         </p:txBody>
       </p:sp>
@@ -12236,15 +16787,15 @@
               <a:t>説明　</a:t>
             </a:r>
             <a:r>
-              <a:rPr lang="ja-JP" altLang="en-US" dirty="0" smtClean="0"/>
+              <a:rPr lang="ja-JP" altLang="en-US" smtClean="0"/>
               <a:t>（</a:t>
             </a:r>
             <a:r>
-              <a:rPr lang="en-US" altLang="ja-JP" dirty="0" smtClean="0"/>
-              <a:t>2/5</a:t>
-            </a:r>
-            <a:r>
-              <a:rPr lang="ja-JP" altLang="en-US" dirty="0" smtClean="0"/>
+              <a:rPr lang="en-US" altLang="ja-JP" smtClean="0"/>
+              <a:t>2/6</a:t>
+            </a:r>
+            <a:r>
+              <a:rPr lang="ja-JP" altLang="en-US" smtClean="0"/>
               <a:t>）</a:t>
             </a:r>
             <a:endParaRPr kumimoji="1" lang="ja-JP" altLang="en-US" dirty="0"/>
@@ -12266,10 +16817,6 @@
           <a:bodyPr/>
           <a:lstStyle/>
           <a:p>
-            <a:pPr>
-              <a:buFont typeface="Wingdings" panose="05000000000000000000" pitchFamily="2" charset="2"/>
-              <a:buChar char="l"/>
-            </a:pPr>
             <a:r>
               <a:rPr lang="ja-JP" altLang="en-US" b="1" dirty="0" smtClean="0"/>
               <a:t>リモートリポジトリ</a:t>
@@ -12306,242 +16853,19 @@
         </p:nvSpPr>
         <p:spPr bwMode="auto">
           <a:xfrm>
-            <a:off x="703174" y="2188997"/>
-            <a:ext cx="2304320" cy="885884"/>
+            <a:off x="179512" y="2056571"/>
+            <a:ext cx="2304320" cy="592846"/>
           </a:xfrm>
-          <a:custGeom>
-            <a:avLst/>
-            <a:gdLst>
-              <a:gd name="connsiteX0" fmla="*/ 0 w 2304320"/>
-              <a:gd name="connsiteY0" fmla="*/ 96015 h 576080"/>
-              <a:gd name="connsiteX1" fmla="*/ 96015 w 2304320"/>
-              <a:gd name="connsiteY1" fmla="*/ 0 h 576080"/>
-              <a:gd name="connsiteX2" fmla="*/ 384053 w 2304320"/>
-              <a:gd name="connsiteY2" fmla="*/ 0 h 576080"/>
-              <a:gd name="connsiteX3" fmla="*/ 384053 w 2304320"/>
-              <a:gd name="connsiteY3" fmla="*/ 0 h 576080"/>
-              <a:gd name="connsiteX4" fmla="*/ 960133 w 2304320"/>
-              <a:gd name="connsiteY4" fmla="*/ 0 h 576080"/>
-              <a:gd name="connsiteX5" fmla="*/ 2208305 w 2304320"/>
-              <a:gd name="connsiteY5" fmla="*/ 0 h 576080"/>
-              <a:gd name="connsiteX6" fmla="*/ 2304320 w 2304320"/>
-              <a:gd name="connsiteY6" fmla="*/ 96015 h 576080"/>
-              <a:gd name="connsiteX7" fmla="*/ 2304320 w 2304320"/>
-              <a:gd name="connsiteY7" fmla="*/ 336047 h 576080"/>
-              <a:gd name="connsiteX8" fmla="*/ 2304320 w 2304320"/>
-              <a:gd name="connsiteY8" fmla="*/ 336047 h 576080"/>
-              <a:gd name="connsiteX9" fmla="*/ 2304320 w 2304320"/>
-              <a:gd name="connsiteY9" fmla="*/ 480067 h 576080"/>
-              <a:gd name="connsiteX10" fmla="*/ 2304320 w 2304320"/>
-              <a:gd name="connsiteY10" fmla="*/ 480065 h 576080"/>
-              <a:gd name="connsiteX11" fmla="*/ 2208305 w 2304320"/>
-              <a:gd name="connsiteY11" fmla="*/ 576080 h 576080"/>
-              <a:gd name="connsiteX12" fmla="*/ 960133 w 2304320"/>
-              <a:gd name="connsiteY12" fmla="*/ 576080 h 576080"/>
-              <a:gd name="connsiteX13" fmla="*/ 713947 w 2304320"/>
-              <a:gd name="connsiteY13" fmla="*/ 885884 h 576080"/>
-              <a:gd name="connsiteX14" fmla="*/ 384053 w 2304320"/>
-              <a:gd name="connsiteY14" fmla="*/ 576080 h 576080"/>
-              <a:gd name="connsiteX15" fmla="*/ 96015 w 2304320"/>
-              <a:gd name="connsiteY15" fmla="*/ 576080 h 576080"/>
-              <a:gd name="connsiteX16" fmla="*/ 0 w 2304320"/>
-              <a:gd name="connsiteY16" fmla="*/ 480065 h 576080"/>
-              <a:gd name="connsiteX17" fmla="*/ 0 w 2304320"/>
-              <a:gd name="connsiteY17" fmla="*/ 480067 h 576080"/>
-              <a:gd name="connsiteX18" fmla="*/ 0 w 2304320"/>
-              <a:gd name="connsiteY18" fmla="*/ 336047 h 576080"/>
-              <a:gd name="connsiteX19" fmla="*/ 0 w 2304320"/>
-              <a:gd name="connsiteY19" fmla="*/ 336047 h 576080"/>
-              <a:gd name="connsiteX20" fmla="*/ 0 w 2304320"/>
-              <a:gd name="connsiteY20" fmla="*/ 96015 h 576080"/>
-              <a:gd name="connsiteX0" fmla="*/ 0 w 2304320"/>
-              <a:gd name="connsiteY0" fmla="*/ 96015 h 885884"/>
-              <a:gd name="connsiteX1" fmla="*/ 96015 w 2304320"/>
-              <a:gd name="connsiteY1" fmla="*/ 0 h 885884"/>
-              <a:gd name="connsiteX2" fmla="*/ 384053 w 2304320"/>
-              <a:gd name="connsiteY2" fmla="*/ 0 h 885884"/>
-              <a:gd name="connsiteX3" fmla="*/ 384053 w 2304320"/>
-              <a:gd name="connsiteY3" fmla="*/ 0 h 885884"/>
-              <a:gd name="connsiteX4" fmla="*/ 960133 w 2304320"/>
-              <a:gd name="connsiteY4" fmla="*/ 0 h 885884"/>
-              <a:gd name="connsiteX5" fmla="*/ 2208305 w 2304320"/>
-              <a:gd name="connsiteY5" fmla="*/ 0 h 885884"/>
-              <a:gd name="connsiteX6" fmla="*/ 2304320 w 2304320"/>
-              <a:gd name="connsiteY6" fmla="*/ 96015 h 885884"/>
-              <a:gd name="connsiteX7" fmla="*/ 2304320 w 2304320"/>
-              <a:gd name="connsiteY7" fmla="*/ 336047 h 885884"/>
-              <a:gd name="connsiteX8" fmla="*/ 2304320 w 2304320"/>
-              <a:gd name="connsiteY8" fmla="*/ 336047 h 885884"/>
-              <a:gd name="connsiteX9" fmla="*/ 2304320 w 2304320"/>
-              <a:gd name="connsiteY9" fmla="*/ 480067 h 885884"/>
-              <a:gd name="connsiteX10" fmla="*/ 2304320 w 2304320"/>
-              <a:gd name="connsiteY10" fmla="*/ 480065 h 885884"/>
-              <a:gd name="connsiteX11" fmla="*/ 2208305 w 2304320"/>
-              <a:gd name="connsiteY11" fmla="*/ 576080 h 885884"/>
-              <a:gd name="connsiteX12" fmla="*/ 702958 w 2304320"/>
-              <a:gd name="connsiteY12" fmla="*/ 576080 h 885884"/>
-              <a:gd name="connsiteX13" fmla="*/ 713947 w 2304320"/>
-              <a:gd name="connsiteY13" fmla="*/ 885884 h 885884"/>
-              <a:gd name="connsiteX14" fmla="*/ 384053 w 2304320"/>
-              <a:gd name="connsiteY14" fmla="*/ 576080 h 885884"/>
-              <a:gd name="connsiteX15" fmla="*/ 96015 w 2304320"/>
-              <a:gd name="connsiteY15" fmla="*/ 576080 h 885884"/>
-              <a:gd name="connsiteX16" fmla="*/ 0 w 2304320"/>
-              <a:gd name="connsiteY16" fmla="*/ 480065 h 885884"/>
-              <a:gd name="connsiteX17" fmla="*/ 0 w 2304320"/>
-              <a:gd name="connsiteY17" fmla="*/ 480067 h 885884"/>
-              <a:gd name="connsiteX18" fmla="*/ 0 w 2304320"/>
-              <a:gd name="connsiteY18" fmla="*/ 336047 h 885884"/>
-              <a:gd name="connsiteX19" fmla="*/ 0 w 2304320"/>
-              <a:gd name="connsiteY19" fmla="*/ 336047 h 885884"/>
-              <a:gd name="connsiteX20" fmla="*/ 0 w 2304320"/>
-              <a:gd name="connsiteY20" fmla="*/ 96015 h 885884"/>
-            </a:gdLst>
-            <a:ahLst/>
-            <a:cxnLst>
-              <a:cxn ang="0">
-                <a:pos x="connsiteX0" y="connsiteY0"/>
-              </a:cxn>
-              <a:cxn ang="0">
-                <a:pos x="connsiteX1" y="connsiteY1"/>
-              </a:cxn>
-              <a:cxn ang="0">
-                <a:pos x="connsiteX2" y="connsiteY2"/>
-              </a:cxn>
-              <a:cxn ang="0">
-                <a:pos x="connsiteX3" y="connsiteY3"/>
-              </a:cxn>
-              <a:cxn ang="0">
-                <a:pos x="connsiteX4" y="connsiteY4"/>
-              </a:cxn>
-              <a:cxn ang="0">
-                <a:pos x="connsiteX5" y="connsiteY5"/>
-              </a:cxn>
-              <a:cxn ang="0">
-                <a:pos x="connsiteX6" y="connsiteY6"/>
-              </a:cxn>
-              <a:cxn ang="0">
-                <a:pos x="connsiteX7" y="connsiteY7"/>
-              </a:cxn>
-              <a:cxn ang="0">
-                <a:pos x="connsiteX8" y="connsiteY8"/>
-              </a:cxn>
-              <a:cxn ang="0">
-                <a:pos x="connsiteX9" y="connsiteY9"/>
-              </a:cxn>
-              <a:cxn ang="0">
-                <a:pos x="connsiteX10" y="connsiteY10"/>
-              </a:cxn>
-              <a:cxn ang="0">
-                <a:pos x="connsiteX11" y="connsiteY11"/>
-              </a:cxn>
-              <a:cxn ang="0">
-                <a:pos x="connsiteX12" y="connsiteY12"/>
-              </a:cxn>
-              <a:cxn ang="0">
-                <a:pos x="connsiteX13" y="connsiteY13"/>
-              </a:cxn>
-              <a:cxn ang="0">
-                <a:pos x="connsiteX14" y="connsiteY14"/>
-              </a:cxn>
-              <a:cxn ang="0">
-                <a:pos x="connsiteX15" y="connsiteY15"/>
-              </a:cxn>
-              <a:cxn ang="0">
-                <a:pos x="connsiteX16" y="connsiteY16"/>
-              </a:cxn>
-              <a:cxn ang="0">
-                <a:pos x="connsiteX17" y="connsiteY17"/>
-              </a:cxn>
-              <a:cxn ang="0">
-                <a:pos x="connsiteX18" y="connsiteY18"/>
-              </a:cxn>
-              <a:cxn ang="0">
-                <a:pos x="connsiteX19" y="connsiteY19"/>
-              </a:cxn>
-              <a:cxn ang="0">
-                <a:pos x="connsiteX20" y="connsiteY20"/>
-              </a:cxn>
-            </a:cxnLst>
-            <a:rect l="l" t="t" r="r" b="b"/>
-            <a:pathLst>
-              <a:path w="2304320" h="885884">
-                <a:moveTo>
-                  <a:pt x="0" y="96015"/>
-                </a:moveTo>
-                <a:cubicBezTo>
-                  <a:pt x="0" y="42987"/>
-                  <a:pt x="42987" y="0"/>
-                  <a:pt x="96015" y="0"/>
-                </a:cubicBezTo>
-                <a:lnTo>
-                  <a:pt x="384053" y="0"/>
-                </a:lnTo>
-                <a:lnTo>
-                  <a:pt x="384053" y="0"/>
-                </a:lnTo>
-                <a:lnTo>
-                  <a:pt x="960133" y="0"/>
-                </a:lnTo>
-                <a:lnTo>
-                  <a:pt x="2208305" y="0"/>
-                </a:lnTo>
-                <a:cubicBezTo>
-                  <a:pt x="2261333" y="0"/>
-                  <a:pt x="2304320" y="42987"/>
-                  <a:pt x="2304320" y="96015"/>
-                </a:cubicBezTo>
-                <a:lnTo>
-                  <a:pt x="2304320" y="336047"/>
-                </a:lnTo>
-                <a:lnTo>
-                  <a:pt x="2304320" y="336047"/>
-                </a:lnTo>
-                <a:lnTo>
-                  <a:pt x="2304320" y="480067"/>
-                </a:lnTo>
-                <a:lnTo>
-                  <a:pt x="2304320" y="480065"/>
-                </a:lnTo>
-                <a:cubicBezTo>
-                  <a:pt x="2304320" y="533093"/>
-                  <a:pt x="2261333" y="576080"/>
-                  <a:pt x="2208305" y="576080"/>
-                </a:cubicBezTo>
-                <a:lnTo>
-                  <a:pt x="702958" y="576080"/>
-                </a:lnTo>
-                <a:lnTo>
-                  <a:pt x="713947" y="885884"/>
-                </a:lnTo>
-                <a:lnTo>
-                  <a:pt x="384053" y="576080"/>
-                </a:lnTo>
-                <a:lnTo>
-                  <a:pt x="96015" y="576080"/>
-                </a:lnTo>
-                <a:cubicBezTo>
-                  <a:pt x="42987" y="576080"/>
-                  <a:pt x="0" y="533093"/>
-                  <a:pt x="0" y="480065"/>
-                </a:cubicBezTo>
-                <a:lnTo>
-                  <a:pt x="0" y="480067"/>
-                </a:lnTo>
-                <a:lnTo>
-                  <a:pt x="0" y="336047"/>
-                </a:lnTo>
-                <a:lnTo>
-                  <a:pt x="0" y="336047"/>
-                </a:lnTo>
-                <a:lnTo>
-                  <a:pt x="0" y="96015"/>
-                </a:lnTo>
-                <a:close/>
-              </a:path>
-            </a:pathLst>
-          </a:custGeom>
-          <a:noFill/>
+          <a:prstGeom prst="wedgeRoundRectCallout">
+            <a:avLst>
+              <a:gd name="adj1" fmla="val 8828"/>
+              <a:gd name="adj2" fmla="val 112355"/>
+              <a:gd name="adj3" fmla="val 16667"/>
+            </a:avLst>
+          </a:prstGeom>
+          <a:solidFill>
+            <a:schemeClr val="bg1"/>
+          </a:solidFill>
           <a:ln w="12700">
             <a:solidFill>
               <a:srgbClr val="002060"/>
@@ -12620,284 +16944,19 @@
         </p:nvSpPr>
         <p:spPr bwMode="auto">
           <a:xfrm>
-            <a:off x="3131800" y="1844780"/>
-            <a:ext cx="5435859" cy="1251724"/>
+            <a:off x="3131800" y="1763794"/>
+            <a:ext cx="5435859" cy="885623"/>
           </a:xfrm>
-          <a:custGeom>
-            <a:avLst/>
-            <a:gdLst>
-              <a:gd name="connsiteX0" fmla="*/ 0 w 4896802"/>
-              <a:gd name="connsiteY0" fmla="*/ 136820 h 820902"/>
-              <a:gd name="connsiteX1" fmla="*/ 136820 w 4896802"/>
-              <a:gd name="connsiteY1" fmla="*/ 0 h 820902"/>
-              <a:gd name="connsiteX2" fmla="*/ 816134 w 4896802"/>
-              <a:gd name="connsiteY2" fmla="*/ 0 h 820902"/>
-              <a:gd name="connsiteX3" fmla="*/ 816134 w 4896802"/>
-              <a:gd name="connsiteY3" fmla="*/ 0 h 820902"/>
-              <a:gd name="connsiteX4" fmla="*/ 2040334 w 4896802"/>
-              <a:gd name="connsiteY4" fmla="*/ 0 h 820902"/>
-              <a:gd name="connsiteX5" fmla="*/ 4759982 w 4896802"/>
-              <a:gd name="connsiteY5" fmla="*/ 0 h 820902"/>
-              <a:gd name="connsiteX6" fmla="*/ 4896802 w 4896802"/>
-              <a:gd name="connsiteY6" fmla="*/ 136820 h 820902"/>
-              <a:gd name="connsiteX7" fmla="*/ 4896802 w 4896802"/>
-              <a:gd name="connsiteY7" fmla="*/ 478860 h 820902"/>
-              <a:gd name="connsiteX8" fmla="*/ 4896802 w 4896802"/>
-              <a:gd name="connsiteY8" fmla="*/ 478860 h 820902"/>
-              <a:gd name="connsiteX9" fmla="*/ 4896802 w 4896802"/>
-              <a:gd name="connsiteY9" fmla="*/ 684085 h 820902"/>
-              <a:gd name="connsiteX10" fmla="*/ 4896802 w 4896802"/>
-              <a:gd name="connsiteY10" fmla="*/ 684082 h 820902"/>
-              <a:gd name="connsiteX11" fmla="*/ 4759982 w 4896802"/>
-              <a:gd name="connsiteY11" fmla="*/ 820902 h 820902"/>
-              <a:gd name="connsiteX12" fmla="*/ 2040334 w 4896802"/>
-              <a:gd name="connsiteY12" fmla="*/ 820902 h 820902"/>
-              <a:gd name="connsiteX13" fmla="*/ 1030777 w 4896802"/>
-              <a:gd name="connsiteY13" fmla="*/ 1148081 h 820902"/>
-              <a:gd name="connsiteX14" fmla="*/ 816134 w 4896802"/>
-              <a:gd name="connsiteY14" fmla="*/ 820902 h 820902"/>
-              <a:gd name="connsiteX15" fmla="*/ 136820 w 4896802"/>
-              <a:gd name="connsiteY15" fmla="*/ 820902 h 820902"/>
-              <a:gd name="connsiteX16" fmla="*/ 0 w 4896802"/>
-              <a:gd name="connsiteY16" fmla="*/ 684082 h 820902"/>
-              <a:gd name="connsiteX17" fmla="*/ 0 w 4896802"/>
-              <a:gd name="connsiteY17" fmla="*/ 684085 h 820902"/>
-              <a:gd name="connsiteX18" fmla="*/ 0 w 4896802"/>
-              <a:gd name="connsiteY18" fmla="*/ 478860 h 820902"/>
-              <a:gd name="connsiteX19" fmla="*/ 0 w 4896802"/>
-              <a:gd name="connsiteY19" fmla="*/ 478860 h 820902"/>
-              <a:gd name="connsiteX20" fmla="*/ 0 w 4896802"/>
-              <a:gd name="connsiteY20" fmla="*/ 136820 h 820902"/>
-              <a:gd name="connsiteX0" fmla="*/ 0 w 4896802"/>
-              <a:gd name="connsiteY0" fmla="*/ 136820 h 1148081"/>
-              <a:gd name="connsiteX1" fmla="*/ 136820 w 4896802"/>
-              <a:gd name="connsiteY1" fmla="*/ 0 h 1148081"/>
-              <a:gd name="connsiteX2" fmla="*/ 816134 w 4896802"/>
-              <a:gd name="connsiteY2" fmla="*/ 0 h 1148081"/>
-              <a:gd name="connsiteX3" fmla="*/ 816134 w 4896802"/>
-              <a:gd name="connsiteY3" fmla="*/ 0 h 1148081"/>
-              <a:gd name="connsiteX4" fmla="*/ 2040334 w 4896802"/>
-              <a:gd name="connsiteY4" fmla="*/ 0 h 1148081"/>
-              <a:gd name="connsiteX5" fmla="*/ 4759982 w 4896802"/>
-              <a:gd name="connsiteY5" fmla="*/ 0 h 1148081"/>
-              <a:gd name="connsiteX6" fmla="*/ 4896802 w 4896802"/>
-              <a:gd name="connsiteY6" fmla="*/ 136820 h 1148081"/>
-              <a:gd name="connsiteX7" fmla="*/ 4896802 w 4896802"/>
-              <a:gd name="connsiteY7" fmla="*/ 478860 h 1148081"/>
-              <a:gd name="connsiteX8" fmla="*/ 4896802 w 4896802"/>
-              <a:gd name="connsiteY8" fmla="*/ 478860 h 1148081"/>
-              <a:gd name="connsiteX9" fmla="*/ 4896802 w 4896802"/>
-              <a:gd name="connsiteY9" fmla="*/ 684085 h 1148081"/>
-              <a:gd name="connsiteX10" fmla="*/ 4896802 w 4896802"/>
-              <a:gd name="connsiteY10" fmla="*/ 684082 h 1148081"/>
-              <a:gd name="connsiteX11" fmla="*/ 4759982 w 4896802"/>
-              <a:gd name="connsiteY11" fmla="*/ 820902 h 1148081"/>
-              <a:gd name="connsiteX12" fmla="*/ 1183084 w 4896802"/>
-              <a:gd name="connsiteY12" fmla="*/ 820902 h 1148081"/>
-              <a:gd name="connsiteX13" fmla="*/ 1030777 w 4896802"/>
-              <a:gd name="connsiteY13" fmla="*/ 1148081 h 1148081"/>
-              <a:gd name="connsiteX14" fmla="*/ 816134 w 4896802"/>
-              <a:gd name="connsiteY14" fmla="*/ 820902 h 1148081"/>
-              <a:gd name="connsiteX15" fmla="*/ 136820 w 4896802"/>
-              <a:gd name="connsiteY15" fmla="*/ 820902 h 1148081"/>
-              <a:gd name="connsiteX16" fmla="*/ 0 w 4896802"/>
-              <a:gd name="connsiteY16" fmla="*/ 684082 h 1148081"/>
-              <a:gd name="connsiteX17" fmla="*/ 0 w 4896802"/>
-              <a:gd name="connsiteY17" fmla="*/ 684085 h 1148081"/>
-              <a:gd name="connsiteX18" fmla="*/ 0 w 4896802"/>
-              <a:gd name="connsiteY18" fmla="*/ 478860 h 1148081"/>
-              <a:gd name="connsiteX19" fmla="*/ 0 w 4896802"/>
-              <a:gd name="connsiteY19" fmla="*/ 478860 h 1148081"/>
-              <a:gd name="connsiteX20" fmla="*/ 0 w 4896802"/>
-              <a:gd name="connsiteY20" fmla="*/ 136820 h 1148081"/>
-              <a:gd name="connsiteX0" fmla="*/ 0 w 4896802"/>
-              <a:gd name="connsiteY0" fmla="*/ 136820 h 1148081"/>
-              <a:gd name="connsiteX1" fmla="*/ 136820 w 4896802"/>
-              <a:gd name="connsiteY1" fmla="*/ 0 h 1148081"/>
-              <a:gd name="connsiteX2" fmla="*/ 816134 w 4896802"/>
-              <a:gd name="connsiteY2" fmla="*/ 0 h 1148081"/>
-              <a:gd name="connsiteX3" fmla="*/ 816134 w 4896802"/>
-              <a:gd name="connsiteY3" fmla="*/ 0 h 1148081"/>
-              <a:gd name="connsiteX4" fmla="*/ 2040334 w 4896802"/>
-              <a:gd name="connsiteY4" fmla="*/ 0 h 1148081"/>
-              <a:gd name="connsiteX5" fmla="*/ 4759982 w 4896802"/>
-              <a:gd name="connsiteY5" fmla="*/ 0 h 1148081"/>
-              <a:gd name="connsiteX6" fmla="*/ 4896802 w 4896802"/>
-              <a:gd name="connsiteY6" fmla="*/ 136820 h 1148081"/>
-              <a:gd name="connsiteX7" fmla="*/ 4896802 w 4896802"/>
-              <a:gd name="connsiteY7" fmla="*/ 478860 h 1148081"/>
-              <a:gd name="connsiteX8" fmla="*/ 4896802 w 4896802"/>
-              <a:gd name="connsiteY8" fmla="*/ 478860 h 1148081"/>
-              <a:gd name="connsiteX9" fmla="*/ 4896802 w 4896802"/>
-              <a:gd name="connsiteY9" fmla="*/ 684085 h 1148081"/>
-              <a:gd name="connsiteX10" fmla="*/ 4896802 w 4896802"/>
-              <a:gd name="connsiteY10" fmla="*/ 684082 h 1148081"/>
-              <a:gd name="connsiteX11" fmla="*/ 4759982 w 4896802"/>
-              <a:gd name="connsiteY11" fmla="*/ 820902 h 1148081"/>
-              <a:gd name="connsiteX12" fmla="*/ 1076477 w 4896802"/>
-              <a:gd name="connsiteY12" fmla="*/ 820902 h 1148081"/>
-              <a:gd name="connsiteX13" fmla="*/ 1030777 w 4896802"/>
-              <a:gd name="connsiteY13" fmla="*/ 1148081 h 1148081"/>
-              <a:gd name="connsiteX14" fmla="*/ 816134 w 4896802"/>
-              <a:gd name="connsiteY14" fmla="*/ 820902 h 1148081"/>
-              <a:gd name="connsiteX15" fmla="*/ 136820 w 4896802"/>
-              <a:gd name="connsiteY15" fmla="*/ 820902 h 1148081"/>
-              <a:gd name="connsiteX16" fmla="*/ 0 w 4896802"/>
-              <a:gd name="connsiteY16" fmla="*/ 684082 h 1148081"/>
-              <a:gd name="connsiteX17" fmla="*/ 0 w 4896802"/>
-              <a:gd name="connsiteY17" fmla="*/ 684085 h 1148081"/>
-              <a:gd name="connsiteX18" fmla="*/ 0 w 4896802"/>
-              <a:gd name="connsiteY18" fmla="*/ 478860 h 1148081"/>
-              <a:gd name="connsiteX19" fmla="*/ 0 w 4896802"/>
-              <a:gd name="connsiteY19" fmla="*/ 478860 h 1148081"/>
-              <a:gd name="connsiteX20" fmla="*/ 0 w 4896802"/>
-              <a:gd name="connsiteY20" fmla="*/ 136820 h 1148081"/>
-            </a:gdLst>
-            <a:ahLst/>
-            <a:cxnLst>
-              <a:cxn ang="0">
-                <a:pos x="connsiteX0" y="connsiteY0"/>
-              </a:cxn>
-              <a:cxn ang="0">
-                <a:pos x="connsiteX1" y="connsiteY1"/>
-              </a:cxn>
-              <a:cxn ang="0">
-                <a:pos x="connsiteX2" y="connsiteY2"/>
-              </a:cxn>
-              <a:cxn ang="0">
-                <a:pos x="connsiteX3" y="connsiteY3"/>
-              </a:cxn>
-              <a:cxn ang="0">
-                <a:pos x="connsiteX4" y="connsiteY4"/>
-              </a:cxn>
-              <a:cxn ang="0">
-                <a:pos x="connsiteX5" y="connsiteY5"/>
-              </a:cxn>
-              <a:cxn ang="0">
-                <a:pos x="connsiteX6" y="connsiteY6"/>
-              </a:cxn>
-              <a:cxn ang="0">
-                <a:pos x="connsiteX7" y="connsiteY7"/>
-              </a:cxn>
-              <a:cxn ang="0">
-                <a:pos x="connsiteX8" y="connsiteY8"/>
-              </a:cxn>
-              <a:cxn ang="0">
-                <a:pos x="connsiteX9" y="connsiteY9"/>
-              </a:cxn>
-              <a:cxn ang="0">
-                <a:pos x="connsiteX10" y="connsiteY10"/>
-              </a:cxn>
-              <a:cxn ang="0">
-                <a:pos x="connsiteX11" y="connsiteY11"/>
-              </a:cxn>
-              <a:cxn ang="0">
-                <a:pos x="connsiteX12" y="connsiteY12"/>
-              </a:cxn>
-              <a:cxn ang="0">
-                <a:pos x="connsiteX13" y="connsiteY13"/>
-              </a:cxn>
-              <a:cxn ang="0">
-                <a:pos x="connsiteX14" y="connsiteY14"/>
-              </a:cxn>
-              <a:cxn ang="0">
-                <a:pos x="connsiteX15" y="connsiteY15"/>
-              </a:cxn>
-              <a:cxn ang="0">
-                <a:pos x="connsiteX16" y="connsiteY16"/>
-              </a:cxn>
-              <a:cxn ang="0">
-                <a:pos x="connsiteX17" y="connsiteY17"/>
-              </a:cxn>
-              <a:cxn ang="0">
-                <a:pos x="connsiteX18" y="connsiteY18"/>
-              </a:cxn>
-              <a:cxn ang="0">
-                <a:pos x="connsiteX19" y="connsiteY19"/>
-              </a:cxn>
-              <a:cxn ang="0">
-                <a:pos x="connsiteX20" y="connsiteY20"/>
-              </a:cxn>
-            </a:cxnLst>
-            <a:rect l="l" t="t" r="r" b="b"/>
-            <a:pathLst>
-              <a:path w="4896802" h="1148081">
-                <a:moveTo>
-                  <a:pt x="0" y="136820"/>
-                </a:moveTo>
-                <a:cubicBezTo>
-                  <a:pt x="0" y="61256"/>
-                  <a:pt x="61256" y="0"/>
-                  <a:pt x="136820" y="0"/>
-                </a:cubicBezTo>
-                <a:lnTo>
-                  <a:pt x="816134" y="0"/>
-                </a:lnTo>
-                <a:lnTo>
-                  <a:pt x="816134" y="0"/>
-                </a:lnTo>
-                <a:lnTo>
-                  <a:pt x="2040334" y="0"/>
-                </a:lnTo>
-                <a:lnTo>
-                  <a:pt x="4759982" y="0"/>
-                </a:lnTo>
-                <a:cubicBezTo>
-                  <a:pt x="4835546" y="0"/>
-                  <a:pt x="4896802" y="61256"/>
-                  <a:pt x="4896802" y="136820"/>
-                </a:cubicBezTo>
-                <a:lnTo>
-                  <a:pt x="4896802" y="478860"/>
-                </a:lnTo>
-                <a:lnTo>
-                  <a:pt x="4896802" y="478860"/>
-                </a:lnTo>
-                <a:lnTo>
-                  <a:pt x="4896802" y="684085"/>
-                </a:lnTo>
-                <a:lnTo>
-                  <a:pt x="4896802" y="684082"/>
-                </a:lnTo>
-                <a:cubicBezTo>
-                  <a:pt x="4896802" y="759646"/>
-                  <a:pt x="4835546" y="820902"/>
-                  <a:pt x="4759982" y="820902"/>
-                </a:cubicBezTo>
-                <a:lnTo>
-                  <a:pt x="1076477" y="820902"/>
-                </a:lnTo>
-                <a:lnTo>
-                  <a:pt x="1030777" y="1148081"/>
-                </a:lnTo>
-                <a:lnTo>
-                  <a:pt x="816134" y="820902"/>
-                </a:lnTo>
-                <a:lnTo>
-                  <a:pt x="136820" y="820902"/>
-                </a:lnTo>
-                <a:cubicBezTo>
-                  <a:pt x="61256" y="820902"/>
-                  <a:pt x="0" y="759646"/>
-                  <a:pt x="0" y="684082"/>
-                </a:cubicBezTo>
-                <a:lnTo>
-                  <a:pt x="0" y="684085"/>
-                </a:lnTo>
-                <a:lnTo>
-                  <a:pt x="0" y="478860"/>
-                </a:lnTo>
-                <a:lnTo>
-                  <a:pt x="0" y="478860"/>
-                </a:lnTo>
-                <a:lnTo>
-                  <a:pt x="0" y="136820"/>
-                </a:lnTo>
-                <a:close/>
-              </a:path>
-            </a:pathLst>
-          </a:custGeom>
-          <a:noFill/>
+          <a:prstGeom prst="wedgeRoundRectCallout">
+            <a:avLst>
+              <a:gd name="adj1" fmla="val -34766"/>
+              <a:gd name="adj2" fmla="val 93788"/>
+              <a:gd name="adj3" fmla="val 16667"/>
+            </a:avLst>
+          </a:prstGeom>
+          <a:solidFill>
+            <a:schemeClr val="bg1"/>
+          </a:solidFill>
           <a:ln w="12700">
             <a:solidFill>
               <a:srgbClr val="002060"/>
@@ -13053,242 +17112,19 @@
         </p:nvSpPr>
         <p:spPr bwMode="auto">
           <a:xfrm>
-            <a:off x="2877658" y="4699989"/>
-            <a:ext cx="3584715" cy="1460161"/>
+            <a:off x="1331672" y="5604708"/>
+            <a:ext cx="3584715" cy="648090"/>
           </a:xfrm>
-          <a:custGeom>
-            <a:avLst/>
-            <a:gdLst>
-              <a:gd name="connsiteX0" fmla="*/ 0 w 3584715"/>
-              <a:gd name="connsiteY0" fmla="*/ 96015 h 576080"/>
-              <a:gd name="connsiteX1" fmla="*/ 96015 w 3584715"/>
-              <a:gd name="connsiteY1" fmla="*/ 0 h 576080"/>
-              <a:gd name="connsiteX2" fmla="*/ 597453 w 3584715"/>
-              <a:gd name="connsiteY2" fmla="*/ 0 h 576080"/>
-              <a:gd name="connsiteX3" fmla="*/ 30183 w 3584715"/>
-              <a:gd name="connsiteY3" fmla="*/ -884081 h 576080"/>
-              <a:gd name="connsiteX4" fmla="*/ 1493631 w 3584715"/>
-              <a:gd name="connsiteY4" fmla="*/ 0 h 576080"/>
-              <a:gd name="connsiteX5" fmla="*/ 3488700 w 3584715"/>
-              <a:gd name="connsiteY5" fmla="*/ 0 h 576080"/>
-              <a:gd name="connsiteX6" fmla="*/ 3584715 w 3584715"/>
-              <a:gd name="connsiteY6" fmla="*/ 96015 h 576080"/>
-              <a:gd name="connsiteX7" fmla="*/ 3584715 w 3584715"/>
-              <a:gd name="connsiteY7" fmla="*/ 96013 h 576080"/>
-              <a:gd name="connsiteX8" fmla="*/ 3584715 w 3584715"/>
-              <a:gd name="connsiteY8" fmla="*/ 96013 h 576080"/>
-              <a:gd name="connsiteX9" fmla="*/ 3584715 w 3584715"/>
-              <a:gd name="connsiteY9" fmla="*/ 240033 h 576080"/>
-              <a:gd name="connsiteX10" fmla="*/ 3584715 w 3584715"/>
-              <a:gd name="connsiteY10" fmla="*/ 480065 h 576080"/>
-              <a:gd name="connsiteX11" fmla="*/ 3488700 w 3584715"/>
-              <a:gd name="connsiteY11" fmla="*/ 576080 h 576080"/>
-              <a:gd name="connsiteX12" fmla="*/ 1493631 w 3584715"/>
-              <a:gd name="connsiteY12" fmla="*/ 576080 h 576080"/>
-              <a:gd name="connsiteX13" fmla="*/ 597453 w 3584715"/>
-              <a:gd name="connsiteY13" fmla="*/ 576080 h 576080"/>
-              <a:gd name="connsiteX14" fmla="*/ 597453 w 3584715"/>
-              <a:gd name="connsiteY14" fmla="*/ 576080 h 576080"/>
-              <a:gd name="connsiteX15" fmla="*/ 96015 w 3584715"/>
-              <a:gd name="connsiteY15" fmla="*/ 576080 h 576080"/>
-              <a:gd name="connsiteX16" fmla="*/ 0 w 3584715"/>
-              <a:gd name="connsiteY16" fmla="*/ 480065 h 576080"/>
-              <a:gd name="connsiteX17" fmla="*/ 0 w 3584715"/>
-              <a:gd name="connsiteY17" fmla="*/ 240033 h 576080"/>
-              <a:gd name="connsiteX18" fmla="*/ 0 w 3584715"/>
-              <a:gd name="connsiteY18" fmla="*/ 96013 h 576080"/>
-              <a:gd name="connsiteX19" fmla="*/ 0 w 3584715"/>
-              <a:gd name="connsiteY19" fmla="*/ 96013 h 576080"/>
-              <a:gd name="connsiteX20" fmla="*/ 0 w 3584715"/>
-              <a:gd name="connsiteY20" fmla="*/ 96015 h 576080"/>
-              <a:gd name="connsiteX0" fmla="*/ 0 w 3584715"/>
-              <a:gd name="connsiteY0" fmla="*/ 980096 h 1460161"/>
-              <a:gd name="connsiteX1" fmla="*/ 96015 w 3584715"/>
-              <a:gd name="connsiteY1" fmla="*/ 884081 h 1460161"/>
-              <a:gd name="connsiteX2" fmla="*/ 597453 w 3584715"/>
-              <a:gd name="connsiteY2" fmla="*/ 884081 h 1460161"/>
-              <a:gd name="connsiteX3" fmla="*/ 30183 w 3584715"/>
-              <a:gd name="connsiteY3" fmla="*/ 0 h 1460161"/>
-              <a:gd name="connsiteX4" fmla="*/ 1055481 w 3584715"/>
-              <a:gd name="connsiteY4" fmla="*/ 884081 h 1460161"/>
-              <a:gd name="connsiteX5" fmla="*/ 3488700 w 3584715"/>
-              <a:gd name="connsiteY5" fmla="*/ 884081 h 1460161"/>
-              <a:gd name="connsiteX6" fmla="*/ 3584715 w 3584715"/>
-              <a:gd name="connsiteY6" fmla="*/ 980096 h 1460161"/>
-              <a:gd name="connsiteX7" fmla="*/ 3584715 w 3584715"/>
-              <a:gd name="connsiteY7" fmla="*/ 980094 h 1460161"/>
-              <a:gd name="connsiteX8" fmla="*/ 3584715 w 3584715"/>
-              <a:gd name="connsiteY8" fmla="*/ 980094 h 1460161"/>
-              <a:gd name="connsiteX9" fmla="*/ 3584715 w 3584715"/>
-              <a:gd name="connsiteY9" fmla="*/ 1124114 h 1460161"/>
-              <a:gd name="connsiteX10" fmla="*/ 3584715 w 3584715"/>
-              <a:gd name="connsiteY10" fmla="*/ 1364146 h 1460161"/>
-              <a:gd name="connsiteX11" fmla="*/ 3488700 w 3584715"/>
-              <a:gd name="connsiteY11" fmla="*/ 1460161 h 1460161"/>
-              <a:gd name="connsiteX12" fmla="*/ 1493631 w 3584715"/>
-              <a:gd name="connsiteY12" fmla="*/ 1460161 h 1460161"/>
-              <a:gd name="connsiteX13" fmla="*/ 597453 w 3584715"/>
-              <a:gd name="connsiteY13" fmla="*/ 1460161 h 1460161"/>
-              <a:gd name="connsiteX14" fmla="*/ 597453 w 3584715"/>
-              <a:gd name="connsiteY14" fmla="*/ 1460161 h 1460161"/>
-              <a:gd name="connsiteX15" fmla="*/ 96015 w 3584715"/>
-              <a:gd name="connsiteY15" fmla="*/ 1460161 h 1460161"/>
-              <a:gd name="connsiteX16" fmla="*/ 0 w 3584715"/>
-              <a:gd name="connsiteY16" fmla="*/ 1364146 h 1460161"/>
-              <a:gd name="connsiteX17" fmla="*/ 0 w 3584715"/>
-              <a:gd name="connsiteY17" fmla="*/ 1124114 h 1460161"/>
-              <a:gd name="connsiteX18" fmla="*/ 0 w 3584715"/>
-              <a:gd name="connsiteY18" fmla="*/ 980094 h 1460161"/>
-              <a:gd name="connsiteX19" fmla="*/ 0 w 3584715"/>
-              <a:gd name="connsiteY19" fmla="*/ 980094 h 1460161"/>
-              <a:gd name="connsiteX20" fmla="*/ 0 w 3584715"/>
-              <a:gd name="connsiteY20" fmla="*/ 980096 h 1460161"/>
-            </a:gdLst>
-            <a:ahLst/>
-            <a:cxnLst>
-              <a:cxn ang="0">
-                <a:pos x="connsiteX0" y="connsiteY0"/>
-              </a:cxn>
-              <a:cxn ang="0">
-                <a:pos x="connsiteX1" y="connsiteY1"/>
-              </a:cxn>
-              <a:cxn ang="0">
-                <a:pos x="connsiteX2" y="connsiteY2"/>
-              </a:cxn>
-              <a:cxn ang="0">
-                <a:pos x="connsiteX3" y="connsiteY3"/>
-              </a:cxn>
-              <a:cxn ang="0">
-                <a:pos x="connsiteX4" y="connsiteY4"/>
-              </a:cxn>
-              <a:cxn ang="0">
-                <a:pos x="connsiteX5" y="connsiteY5"/>
-              </a:cxn>
-              <a:cxn ang="0">
-                <a:pos x="connsiteX6" y="connsiteY6"/>
-              </a:cxn>
-              <a:cxn ang="0">
-                <a:pos x="connsiteX7" y="connsiteY7"/>
-              </a:cxn>
-              <a:cxn ang="0">
-                <a:pos x="connsiteX8" y="connsiteY8"/>
-              </a:cxn>
-              <a:cxn ang="0">
-                <a:pos x="connsiteX9" y="connsiteY9"/>
-              </a:cxn>
-              <a:cxn ang="0">
-                <a:pos x="connsiteX10" y="connsiteY10"/>
-              </a:cxn>
-              <a:cxn ang="0">
-                <a:pos x="connsiteX11" y="connsiteY11"/>
-              </a:cxn>
-              <a:cxn ang="0">
-                <a:pos x="connsiteX12" y="connsiteY12"/>
-              </a:cxn>
-              <a:cxn ang="0">
-                <a:pos x="connsiteX13" y="connsiteY13"/>
-              </a:cxn>
-              <a:cxn ang="0">
-                <a:pos x="connsiteX14" y="connsiteY14"/>
-              </a:cxn>
-              <a:cxn ang="0">
-                <a:pos x="connsiteX15" y="connsiteY15"/>
-              </a:cxn>
-              <a:cxn ang="0">
-                <a:pos x="connsiteX16" y="connsiteY16"/>
-              </a:cxn>
-              <a:cxn ang="0">
-                <a:pos x="connsiteX17" y="connsiteY17"/>
-              </a:cxn>
-              <a:cxn ang="0">
-                <a:pos x="connsiteX18" y="connsiteY18"/>
-              </a:cxn>
-              <a:cxn ang="0">
-                <a:pos x="connsiteX19" y="connsiteY19"/>
-              </a:cxn>
-              <a:cxn ang="0">
-                <a:pos x="connsiteX20" y="connsiteY20"/>
-              </a:cxn>
-            </a:cxnLst>
-            <a:rect l="l" t="t" r="r" b="b"/>
-            <a:pathLst>
-              <a:path w="3584715" h="1460161">
-                <a:moveTo>
-                  <a:pt x="0" y="980096"/>
-                </a:moveTo>
-                <a:cubicBezTo>
-                  <a:pt x="0" y="927068"/>
-                  <a:pt x="42987" y="884081"/>
-                  <a:pt x="96015" y="884081"/>
-                </a:cubicBezTo>
-                <a:lnTo>
-                  <a:pt x="597453" y="884081"/>
-                </a:lnTo>
-                <a:lnTo>
-                  <a:pt x="30183" y="0"/>
-                </a:lnTo>
-                <a:lnTo>
-                  <a:pt x="1055481" y="884081"/>
-                </a:lnTo>
-                <a:lnTo>
-                  <a:pt x="3488700" y="884081"/>
-                </a:lnTo>
-                <a:cubicBezTo>
-                  <a:pt x="3541728" y="884081"/>
-                  <a:pt x="3584715" y="927068"/>
-                  <a:pt x="3584715" y="980096"/>
-                </a:cubicBezTo>
-                <a:lnTo>
-                  <a:pt x="3584715" y="980094"/>
-                </a:lnTo>
-                <a:lnTo>
-                  <a:pt x="3584715" y="980094"/>
-                </a:lnTo>
-                <a:lnTo>
-                  <a:pt x="3584715" y="1124114"/>
-                </a:lnTo>
-                <a:lnTo>
-                  <a:pt x="3584715" y="1364146"/>
-                </a:lnTo>
-                <a:cubicBezTo>
-                  <a:pt x="3584715" y="1417174"/>
-                  <a:pt x="3541728" y="1460161"/>
-                  <a:pt x="3488700" y="1460161"/>
-                </a:cubicBezTo>
-                <a:lnTo>
-                  <a:pt x="1493631" y="1460161"/>
-                </a:lnTo>
-                <a:lnTo>
-                  <a:pt x="597453" y="1460161"/>
-                </a:lnTo>
-                <a:lnTo>
-                  <a:pt x="597453" y="1460161"/>
-                </a:lnTo>
-                <a:lnTo>
-                  <a:pt x="96015" y="1460161"/>
-                </a:lnTo>
-                <a:cubicBezTo>
-                  <a:pt x="42987" y="1460161"/>
-                  <a:pt x="0" y="1417174"/>
-                  <a:pt x="0" y="1364146"/>
-                </a:cubicBezTo>
-                <a:lnTo>
-                  <a:pt x="0" y="1124114"/>
-                </a:lnTo>
-                <a:lnTo>
-                  <a:pt x="0" y="980094"/>
-                </a:lnTo>
-                <a:lnTo>
-                  <a:pt x="0" y="980094"/>
-                </a:lnTo>
-                <a:lnTo>
-                  <a:pt x="0" y="980096"/>
-                </a:lnTo>
-                <a:close/>
-              </a:path>
-            </a:pathLst>
-          </a:custGeom>
-          <a:noFill/>
+          <a:prstGeom prst="wedgeRoundRectCallout">
+            <a:avLst>
+              <a:gd name="adj1" fmla="val -16453"/>
+              <a:gd name="adj2" fmla="val -129897"/>
+              <a:gd name="adj3" fmla="val 16667"/>
+            </a:avLst>
+          </a:prstGeom>
+          <a:solidFill>
+            <a:schemeClr val="bg1"/>
+          </a:solidFill>
           <a:ln w="12700">
             <a:solidFill>
               <a:srgbClr val="002060"/>
@@ -13307,42 +17143,7 @@
           <a:lstStyle/>
           <a:p>
             <a:r>
-              <a:rPr lang="en-US" altLang="ja-JP" sz="1200" dirty="0" smtClean="0"/>
-              <a:t/>
-            </a:r>
-            <a:br>
-              <a:rPr lang="en-US" altLang="ja-JP" sz="1200" dirty="0" smtClean="0"/>
-            </a:br>
-            <a:r>
-              <a:rPr lang="en-US" altLang="ja-JP" sz="1200" dirty="0" smtClean="0"/>
-              <a:t/>
-            </a:r>
-            <a:br>
-              <a:rPr lang="en-US" altLang="ja-JP" sz="1200" dirty="0" smtClean="0"/>
-            </a:br>
-            <a:r>
-              <a:rPr lang="en-US" altLang="ja-JP" sz="1200" dirty="0" smtClean="0"/>
-              <a:t/>
-            </a:r>
-            <a:br>
-              <a:rPr lang="en-US" altLang="ja-JP" sz="1200" dirty="0" smtClean="0"/>
-            </a:br>
-            <a:r>
-              <a:rPr lang="en-US" altLang="ja-JP" sz="1200" dirty="0" smtClean="0"/>
-              <a:t/>
-            </a:r>
-            <a:br>
-              <a:rPr lang="en-US" altLang="ja-JP" sz="1200" dirty="0" smtClean="0"/>
-            </a:br>
-            <a:r>
-              <a:rPr lang="en-US" altLang="ja-JP" sz="1200" dirty="0" smtClean="0"/>
-              <a:t/>
-            </a:r>
-            <a:br>
-              <a:rPr lang="en-US" altLang="ja-JP" sz="1200" dirty="0" smtClean="0"/>
-            </a:br>
-            <a:r>
-              <a:rPr lang="en-US" altLang="ja-JP" sz="1200" dirty="0" err="1" smtClean="0"/>
+              <a:rPr lang="en-US" altLang="ja-JP" sz="1200" smtClean="0"/>
               <a:t>Git</a:t>
             </a:r>
             <a:r>
@@ -15058,18 +18859,18 @@
 </file>
 
 <file path=customXml/item1.xml><?xml version="1.0" encoding="utf-8"?>
-<p:properties xmlns:p="http://schemas.microsoft.com/office/2006/metadata/properties" xmlns:xsi="http://www.w3.org/2001/XMLSchema-instance" xmlns:pc="http://schemas.microsoft.com/office/infopath/2007/PartnerControls">
-  <documentManagement/>
-</p:properties>
-</file>
-
-<file path=customXml/item2.xml><?xml version="1.0" encoding="utf-8"?>
 <?mso-contentType ?>
 <FormTemplates xmlns="http://schemas.microsoft.com/sharepoint/v3/contenttype/forms">
   <Display>DocumentLibraryForm</Display>
   <Edit>DocumentLibraryForm</Edit>
   <New>DocumentLibraryForm</New>
 </FormTemplates>
+</file>
+
+<file path=customXml/item2.xml><?xml version="1.0" encoding="utf-8"?>
+<p:properties xmlns:p="http://schemas.microsoft.com/office/2006/metadata/properties" xmlns:xsi="http://www.w3.org/2001/XMLSchema-instance" xmlns:pc="http://schemas.microsoft.com/office/infopath/2007/PartnerControls">
+  <documentManagement/>
+</p:properties>
 </file>
 
 <file path=customXml/item3.xml><?xml version="1.0" encoding="utf-8"?>
@@ -15205,18 +19006,25 @@
 </file>
 
 <file path=customXml/itemProps1.xml><?xml version="1.0" encoding="utf-8"?>
-<ds:datastoreItem xmlns:ds="http://schemas.openxmlformats.org/officeDocument/2006/customXml" ds:itemID="{5F95CB05-D6E7-4E56-8ABA-3662E198D6D1}">
+<ds:datastoreItem xmlns:ds="http://schemas.openxmlformats.org/officeDocument/2006/customXml" ds:itemID="{1724C00A-5CD8-4D2B-91E6-E43E8A92860F}">
   <ds:schemaRefs>
-    <ds:schemaRef ds:uri="http://schemas.microsoft.com/office/2006/metadata/properties"/>
-    <ds:schemaRef ds:uri="http://schemas.microsoft.com/office/infopath/2007/PartnerControls"/>
+    <ds:schemaRef ds:uri="http://schemas.microsoft.com/sharepoint/v3/contenttype/forms"/>
   </ds:schemaRefs>
 </ds:datastoreItem>
 </file>
 
 <file path=customXml/itemProps2.xml><?xml version="1.0" encoding="utf-8"?>
-<ds:datastoreItem xmlns:ds="http://schemas.openxmlformats.org/officeDocument/2006/customXml" ds:itemID="{1724C00A-5CD8-4D2B-91E6-E43E8A92860F}">
+<ds:datastoreItem xmlns:ds="http://schemas.openxmlformats.org/officeDocument/2006/customXml" ds:itemID="{5F95CB05-D6E7-4E56-8ABA-3662E198D6D1}">
   <ds:schemaRefs>
-    <ds:schemaRef ds:uri="http://schemas.microsoft.com/sharepoint/v3/contenttype/forms"/>
+    <ds:schemaRef ds:uri="ed7d3cbb-6703-464f-aabe-9c28e9bfaaeb"/>
+    <ds:schemaRef ds:uri="http://purl.org/dc/terms/"/>
+    <ds:schemaRef ds:uri="http://schemas.openxmlformats.org/package/2006/metadata/core-properties"/>
+    <ds:schemaRef ds:uri="http://schemas.microsoft.com/office/2006/documentManagement/types"/>
+    <ds:schemaRef ds:uri="http://schemas.microsoft.com/office/infopath/2007/PartnerControls"/>
+    <ds:schemaRef ds:uri="http://purl.org/dc/elements/1.1/"/>
+    <ds:schemaRef ds:uri="http://schemas.microsoft.com/office/2006/metadata/properties"/>
+    <ds:schemaRef ds:uri="http://www.w3.org/XML/1998/namespace"/>
+    <ds:schemaRef ds:uri="http://purl.org/dc/dcmitype/"/>
   </ds:schemaRefs>
 </ds:datastoreItem>
 </file>

--- a/asset/Learn_ja/ITA-CICD_for_lac_ja.pptx
+++ b/asset/Learn_ja/ITA-CICD_for_lac_ja.pptx
@@ -6,10 +6,10 @@
     <p:sldMasterId id="2147483703" r:id="rId5"/>
   </p:sldMasterIdLst>
   <p:notesMasterIdLst>
-    <p:notesMasterId r:id="rId21"/>
+    <p:notesMasterId r:id="rId20"/>
   </p:notesMasterIdLst>
   <p:handoutMasterIdLst>
-    <p:handoutMasterId r:id="rId22"/>
+    <p:handoutMasterId r:id="rId21"/>
   </p:handoutMasterIdLst>
   <p:sldIdLst>
     <p:sldId id="262" r:id="rId6"/>
@@ -23,10 +23,9 @@
     <p:sldId id="704" r:id="rId14"/>
     <p:sldId id="691" r:id="rId15"/>
     <p:sldId id="692" r:id="rId16"/>
-    <p:sldId id="705" r:id="rId17"/>
-    <p:sldId id="701" r:id="rId18"/>
-    <p:sldId id="688" r:id="rId19"/>
-    <p:sldId id="318" r:id="rId20"/>
+    <p:sldId id="701" r:id="rId17"/>
+    <p:sldId id="688" r:id="rId18"/>
+    <p:sldId id="318" r:id="rId19"/>
   </p:sldIdLst>
   <p:sldSz cx="9144000" cy="6858000" type="screen4x3"/>
   <p:notesSz cx="6807200" cy="9939338"/>
@@ -271,7 +270,7 @@
               <a:rPr kumimoji="1" lang="ja-JP" altLang="en-US" smtClean="0">
                 <a:ea typeface="メイリオ" panose="020B0604030504040204" pitchFamily="50" charset="-128"/>
               </a:rPr>
-              <a:t>2022/5/16</a:t>
+              <a:t>2022/1/14</a:t>
             </a:fld>
             <a:endParaRPr kumimoji="1" lang="ja-JP" altLang="en-US" dirty="0">
               <a:ea typeface="メイリオ" panose="020B0604030504040204" pitchFamily="50" charset="-128"/>
@@ -417,7 +416,7 @@
             <a:fld id="{4B26993D-C081-44EB-B0F5-A9F467792B62}" type="datetimeFigureOut">
               <a:rPr lang="ja-JP" altLang="en-US" smtClean="0"/>
               <a:pPr/>
-              <a:t>2022/5/16</a:t>
+              <a:t>2022/1/14</a:t>
             </a:fld>
             <a:endParaRPr lang="ja-JP" altLang="en-US" dirty="0"/>
           </a:p>
@@ -1040,7 +1039,7 @@
           <a:p>
             <a:fld id="{56F9016B-CCA6-43BE-8BEE-59565A35F4F7}" type="datetimeFigureOut">
               <a:rPr kumimoji="1" lang="ja-JP" altLang="en-US" smtClean="0"/>
-              <a:t>2022/5/16</a:t>
+              <a:t>2022/1/14</a:t>
             </a:fld>
             <a:endParaRPr kumimoji="1" lang="ja-JP" altLang="en-US"/>
           </a:p>
@@ -1242,7 +1241,7 @@
           <a:p>
             <a:fld id="{56F9016B-CCA6-43BE-8BEE-59565A35F4F7}" type="datetimeFigureOut">
               <a:rPr kumimoji="1" lang="ja-JP" altLang="en-US" smtClean="0"/>
-              <a:t>2022/5/16</a:t>
+              <a:t>2022/1/14</a:t>
             </a:fld>
             <a:endParaRPr kumimoji="1" lang="ja-JP" altLang="en-US"/>
           </a:p>
@@ -1488,7 +1487,7 @@
           <a:p>
             <a:fld id="{56F9016B-CCA6-43BE-8BEE-59565A35F4F7}" type="datetimeFigureOut">
               <a:rPr kumimoji="1" lang="ja-JP" altLang="en-US" smtClean="0"/>
-              <a:t>2022/5/16</a:t>
+              <a:t>2022/1/14</a:t>
             </a:fld>
             <a:endParaRPr kumimoji="1" lang="ja-JP" altLang="en-US"/>
           </a:p>
@@ -1784,7 +1783,7 @@
           <a:p>
             <a:fld id="{56F9016B-CCA6-43BE-8BEE-59565A35F4F7}" type="datetimeFigureOut">
               <a:rPr kumimoji="1" lang="ja-JP" altLang="en-US" smtClean="0"/>
-              <a:t>2022/5/16</a:t>
+              <a:t>2022/1/14</a:t>
             </a:fld>
             <a:endParaRPr kumimoji="1" lang="ja-JP" altLang="en-US"/>
           </a:p>
@@ -2215,7 +2214,7 @@
           <a:p>
             <a:fld id="{56F9016B-CCA6-43BE-8BEE-59565A35F4F7}" type="datetimeFigureOut">
               <a:rPr kumimoji="1" lang="ja-JP" altLang="en-US" smtClean="0"/>
-              <a:t>2022/5/16</a:t>
+              <a:t>2022/1/14</a:t>
             </a:fld>
             <a:endParaRPr kumimoji="1" lang="ja-JP" altLang="en-US"/>
           </a:p>
@@ -2333,7 +2332,7 @@
           <a:p>
             <a:fld id="{56F9016B-CCA6-43BE-8BEE-59565A35F4F7}" type="datetimeFigureOut">
               <a:rPr kumimoji="1" lang="ja-JP" altLang="en-US" smtClean="0"/>
-              <a:t>2022/5/16</a:t>
+              <a:t>2022/1/14</a:t>
             </a:fld>
             <a:endParaRPr kumimoji="1" lang="ja-JP" altLang="en-US"/>
           </a:p>
@@ -2428,7 +2427,7 @@
           <a:p>
             <a:fld id="{56F9016B-CCA6-43BE-8BEE-59565A35F4F7}" type="datetimeFigureOut">
               <a:rPr kumimoji="1" lang="ja-JP" altLang="en-US" smtClean="0"/>
-              <a:t>2022/5/16</a:t>
+              <a:t>2022/1/14</a:t>
             </a:fld>
             <a:endParaRPr kumimoji="1" lang="ja-JP" altLang="en-US"/>
           </a:p>
@@ -2737,7 +2736,7 @@
           <a:p>
             <a:fld id="{56F9016B-CCA6-43BE-8BEE-59565A35F4F7}" type="datetimeFigureOut">
               <a:rPr kumimoji="1" lang="ja-JP" altLang="en-US" smtClean="0"/>
-              <a:t>2022/5/16</a:t>
+              <a:t>2022/1/14</a:t>
             </a:fld>
             <a:endParaRPr kumimoji="1" lang="ja-JP" altLang="en-US"/>
           </a:p>
@@ -2990,7 +2989,7 @@
           <a:p>
             <a:fld id="{56F9016B-CCA6-43BE-8BEE-59565A35F4F7}" type="datetimeFigureOut">
               <a:rPr kumimoji="1" lang="ja-JP" altLang="en-US" smtClean="0"/>
-              <a:t>2022/5/16</a:t>
+              <a:t>2022/1/14</a:t>
             </a:fld>
             <a:endParaRPr kumimoji="1" lang="ja-JP" altLang="en-US"/>
           </a:p>
@@ -3267,7 +3266,7 @@
           <a:p>
             <a:fld id="{56F9016B-CCA6-43BE-8BEE-59565A35F4F7}" type="datetimeFigureOut">
               <a:rPr kumimoji="1" lang="ja-JP" altLang="en-US" smtClean="0"/>
-              <a:t>2022/5/16</a:t>
+              <a:t>2022/1/14</a:t>
             </a:fld>
             <a:endParaRPr kumimoji="1" lang="ja-JP" altLang="en-US"/>
           </a:p>
@@ -3479,7 +3478,7 @@
           <a:p>
             <a:fld id="{56F9016B-CCA6-43BE-8BEE-59565A35F4F7}" type="datetimeFigureOut">
               <a:rPr kumimoji="1" lang="ja-JP" altLang="en-US" smtClean="0"/>
-              <a:t>2022/5/16</a:t>
+              <a:t>2022/1/14</a:t>
             </a:fld>
             <a:endParaRPr kumimoji="1" lang="ja-JP" altLang="en-US"/>
           </a:p>
@@ -6538,7 +6537,7 @@
           <a:p>
             <a:fld id="{56F9016B-CCA6-43BE-8BEE-59565A35F4F7}" type="datetimeFigureOut">
               <a:rPr kumimoji="1" lang="ja-JP" altLang="en-US" smtClean="0"/>
-              <a:t>2022/5/16</a:t>
+              <a:t>2022/1/14</a:t>
             </a:fld>
             <a:endParaRPr kumimoji="1" lang="ja-JP" altLang="en-US"/>
           </a:p>
@@ -6976,17 +6975,12 @@
             </a:r>
             <a:r>
               <a:rPr lang="en-US" altLang="ja-JP" dirty="0"/>
-              <a:t> IT Automation </a:t>
-            </a:r>
-            <a:r>
-              <a:rPr lang="en-US" altLang="ja-JP"/>
-              <a:t>Version </a:t>
-            </a:r>
-            <a:r>
-              <a:rPr lang="en-US" altLang="ja-JP" smtClean="0"/>
-              <a:t>1.10</a:t>
-            </a:r>
-            <a:endParaRPr lang="en-US" altLang="ja-JP" dirty="0" smtClean="0"/>
+              <a:t> IT Automation Version </a:t>
+            </a:r>
+            <a:r>
+              <a:rPr lang="en-US" altLang="ja-JP" dirty="0" smtClean="0"/>
+              <a:t>1.9</a:t>
+            </a:r>
           </a:p>
           <a:p>
             <a:r>
@@ -7619,15 +7613,15 @@
               <a:t>　</a:t>
             </a:r>
             <a:r>
-              <a:rPr lang="ja-JP" altLang="en-US" smtClean="0"/>
+              <a:rPr lang="ja-JP" altLang="en-US" dirty="0" smtClean="0"/>
               <a:t>（</a:t>
             </a:r>
             <a:r>
-              <a:rPr lang="en-US" altLang="ja-JP" smtClean="0"/>
-              <a:t>3/6</a:t>
-            </a:r>
-            <a:r>
-              <a:rPr lang="ja-JP" altLang="en-US" smtClean="0"/>
+              <a:rPr lang="en-US" altLang="ja-JP" dirty="0" smtClean="0"/>
+              <a:t>3/5</a:t>
+            </a:r>
+            <a:r>
+              <a:rPr lang="ja-JP" altLang="en-US" dirty="0" smtClean="0"/>
               <a:t>）</a:t>
             </a:r>
             <a:endParaRPr kumimoji="1" lang="ja-JP" altLang="en-US" dirty="0"/>
@@ -7649,6 +7643,10 @@
           <a:bodyPr/>
           <a:lstStyle/>
           <a:p>
+            <a:pPr>
+              <a:buFont typeface="Wingdings" panose="05000000000000000000" pitchFamily="2" charset="2"/>
+              <a:buChar char="l"/>
+            </a:pPr>
             <a:r>
               <a:rPr lang="ja-JP" altLang="en-US" b="1" dirty="0" smtClean="0"/>
               <a:t>登録</a:t>
@@ -7683,47 +7681,7 @@
             </a:r>
             <a:r>
               <a:rPr lang="ja-JP" altLang="en-US" dirty="0"/>
-              <a:t>から紐付先資材にアクセスする</a:t>
-            </a:r>
-            <a:r>
-              <a:rPr lang="ja-JP" altLang="en-US"/>
-              <a:t>為</a:t>
-            </a:r>
-            <a:r>
-              <a:rPr lang="ja-JP" altLang="en-US" smtClean="0"/>
-              <a:t>の</a:t>
-            </a:r>
-            <a:r>
-              <a:rPr lang="en-US" altLang="ja-JP" smtClean="0"/>
-              <a:t>ExastroITA</a:t>
-            </a:r>
-            <a:r>
-              <a:rPr lang="ja-JP" altLang="en-US" smtClean="0"/>
-              <a:t>アカウント</a:t>
-            </a:r>
-            <a:r>
-              <a:rPr lang="ja-JP" altLang="en-US" dirty="0"/>
-              <a:t>情報 を登録</a:t>
-            </a:r>
-            <a:r>
-              <a:rPr lang="ja-JP" altLang="en-US"/>
-              <a:t>します</a:t>
-            </a:r>
-            <a:r>
-              <a:rPr lang="ja-JP" altLang="en-US" smtClean="0"/>
-              <a:t>。</a:t>
-            </a:r>
-            <a:endParaRPr lang="en-US" altLang="ja-JP" smtClean="0"/>
-          </a:p>
-          <a:p>
-            <a:pPr lvl="1"/>
-            <a:r>
-              <a:rPr lang="ja-JP" altLang="en-US" smtClean="0"/>
-              <a:t>登録</a:t>
-            </a:r>
-            <a:r>
-              <a:rPr lang="ja-JP" altLang="en-US" dirty="0"/>
-              <a:t>するアカウント情報は「管理コンソール</a:t>
+              <a:t>から紐付先資材にアクセスする為のアカウント情報 を登録します。 登録アカウントに登録するアカウント情報は「管理コンソール</a:t>
             </a:r>
             <a:r>
               <a:rPr lang="en-US" altLang="ja-JP" dirty="0"/>
@@ -7731,17 +7689,9 @@
             </a:r>
             <a:r>
               <a:rPr lang="ja-JP" altLang="en-US" dirty="0"/>
-              <a:t>ユーザ管理」メニューに登録しておく 必要が</a:t>
-            </a:r>
-            <a:r>
-              <a:rPr lang="ja-JP" altLang="en-US"/>
-              <a:t>あります</a:t>
-            </a:r>
-            <a:r>
-              <a:rPr lang="ja-JP" altLang="en-US" smtClean="0"/>
-              <a:t>。</a:t>
-            </a:r>
-            <a:endParaRPr lang="en-US" altLang="ja-JP" smtClean="0"/>
+              <a:t>ユーザ管理」メニューに登録しておく 必要があります。</a:t>
+            </a:r>
+            <a:endParaRPr lang="en-US" altLang="ja-JP" dirty="0"/>
           </a:p>
         </p:txBody>
       </p:sp>
@@ -7761,7 +7711,7 @@
         </p:blipFill>
         <p:spPr>
           <a:xfrm>
-            <a:off x="395420" y="3789050"/>
+            <a:off x="395420" y="3212970"/>
             <a:ext cx="8345996" cy="1224170"/>
           </a:xfrm>
           <a:prstGeom prst="rect">
@@ -7777,7 +7727,7 @@
         </p:nvSpPr>
         <p:spPr bwMode="auto">
           <a:xfrm>
-            <a:off x="539440" y="3086214"/>
+            <a:off x="467430" y="2564880"/>
             <a:ext cx="1728240" cy="576080"/>
           </a:xfrm>
           <a:prstGeom prst="wedgeRoundRectCallout">
@@ -7787,9 +7737,7 @@
               <a:gd name="adj3" fmla="val 16667"/>
             </a:avLst>
           </a:prstGeom>
-          <a:solidFill>
-            <a:schemeClr val="bg1"/>
-          </a:solidFill>
+          <a:noFill/>
           <a:ln w="12700">
             <a:solidFill>
               <a:srgbClr val="002060"/>
@@ -7853,7 +7801,7 @@
         </p:nvSpPr>
         <p:spPr bwMode="auto">
           <a:xfrm>
-            <a:off x="2915770" y="3086214"/>
+            <a:off x="2843760" y="2564880"/>
             <a:ext cx="2304320" cy="576080"/>
           </a:xfrm>
           <a:prstGeom prst="wedgeRoundRectCallout">
@@ -7863,9 +7811,7 @@
               <a:gd name="adj3" fmla="val 16667"/>
             </a:avLst>
           </a:prstGeom>
-          <a:solidFill>
-            <a:schemeClr val="bg1"/>
-          </a:solidFill>
+          <a:noFill/>
           <a:ln w="12700">
             <a:solidFill>
               <a:srgbClr val="002060"/>
@@ -8010,15 +7956,15 @@
               <a:t>　</a:t>
             </a:r>
             <a:r>
-              <a:rPr lang="ja-JP" altLang="en-US" smtClean="0"/>
+              <a:rPr lang="ja-JP" altLang="en-US" dirty="0" smtClean="0"/>
               <a:t>（</a:t>
             </a:r>
             <a:r>
-              <a:rPr lang="en-US" altLang="ja-JP" smtClean="0"/>
-              <a:t>4/6</a:t>
-            </a:r>
-            <a:r>
-              <a:rPr lang="ja-JP" altLang="en-US" smtClean="0"/>
+              <a:rPr lang="en-US" altLang="ja-JP" dirty="0" smtClean="0"/>
+              <a:t>4/5</a:t>
+            </a:r>
+            <a:r>
+              <a:rPr lang="ja-JP" altLang="en-US" dirty="0" smtClean="0"/>
               <a:t>）</a:t>
             </a:r>
             <a:endParaRPr kumimoji="1" lang="ja-JP" altLang="en-US" dirty="0"/>
@@ -8040,6 +7986,10 @@
           <a:bodyPr/>
           <a:lstStyle/>
           <a:p>
+            <a:pPr>
+              <a:buFont typeface="Wingdings" panose="05000000000000000000" pitchFamily="2" charset="2"/>
+              <a:buChar char="l"/>
+            </a:pPr>
             <a:r>
               <a:rPr lang="ja-JP" altLang="en-US" b="1" dirty="0" smtClean="0"/>
               <a:t>資材紐付</a:t>
@@ -8049,387 +7999,465 @@
           <a:p>
             <a:pPr lvl="1"/>
             <a:r>
-              <a:rPr lang="ja-JP" altLang="en-US"/>
-              <a:t>紐付元資材と紐付先資材の紐付を登録します。</a:t>
-            </a:r>
+              <a:rPr lang="ja-JP" altLang="en-US" dirty="0"/>
+              <a:t>「資材紐付」メニューでは、紐付元資材と紐付先資材を紐付し、紐付先資材の動作検証を行う為 のオペレーションと </a:t>
+            </a:r>
+            <a:r>
+              <a:rPr lang="en-US" altLang="ja-JP" dirty="0"/>
+              <a:t>Movement </a:t>
+            </a:r>
+            <a:r>
+              <a:rPr lang="ja-JP" altLang="en-US" dirty="0" err="1"/>
+              <a:t>を登</a:t>
+            </a:r>
+            <a:r>
+              <a:rPr lang="ja-JP" altLang="en-US" dirty="0"/>
+              <a:t>録します。 紐付元資材が更新されると、バックヤード機能で紐付先資材を自動更新し、動作検証を行う為の オペレーションと </a:t>
+            </a:r>
+            <a:r>
+              <a:rPr lang="en-US" altLang="ja-JP" dirty="0"/>
+              <a:t>Movement </a:t>
+            </a:r>
+            <a:r>
+              <a:rPr lang="ja-JP" altLang="en-US" dirty="0"/>
+              <a:t>で作業実行を行い、処理結果が表示されます。 </a:t>
+            </a:r>
+            <a:endParaRPr lang="en-US" altLang="ja-JP" dirty="0" smtClean="0"/>
           </a:p>
           <a:p>
             <a:pPr lvl="1"/>
-            <a:r>
-              <a:rPr lang="ja-JP" altLang="en-US"/>
-              <a:t>紐付先資材の動作検証を行う為のオペレーションと </a:t>
-            </a:r>
-            <a:r>
-              <a:rPr lang="en-US" altLang="ja-JP"/>
-              <a:t>Movement </a:t>
-            </a:r>
-            <a:r>
-              <a:rPr lang="ja-JP" altLang="en-US"/>
-              <a:t>も同様に登録します。</a:t>
-            </a:r>
+            <a:endParaRPr lang="en-US" altLang="ja-JP" dirty="0"/>
           </a:p>
           <a:p>
             <a:pPr lvl="1"/>
             <a:r>
-              <a:rPr lang="ja-JP" altLang="en-US"/>
-              <a:t>紐付元資材が更新</a:t>
-            </a:r>
-            <a:r>
-              <a:rPr lang="ja-JP" altLang="en-US"/>
-              <a:t>される</a:t>
-            </a:r>
-            <a:r>
-              <a:rPr lang="ja-JP" altLang="en-US" smtClean="0"/>
-              <a:t>と紐付先</a:t>
-            </a:r>
-            <a:r>
-              <a:rPr lang="ja-JP" altLang="en-US"/>
-              <a:t>資材が自動更新</a:t>
-            </a:r>
-            <a:r>
-              <a:rPr lang="ja-JP" altLang="en-US"/>
-              <a:t>され</a:t>
-            </a:r>
-            <a:r>
-              <a:rPr lang="ja-JP" altLang="en-US" smtClean="0"/>
-              <a:t>、指定したオペレーション</a:t>
-            </a:r>
-            <a:r>
-              <a:rPr lang="ja-JP" altLang="en-US"/>
-              <a:t>と </a:t>
-            </a:r>
-            <a:r>
-              <a:rPr lang="en-US" altLang="ja-JP"/>
-              <a:t>Movement </a:t>
-            </a:r>
-            <a:r>
-              <a:rPr lang="ja-JP" altLang="en-US"/>
-              <a:t>で作業実行を</a:t>
-            </a:r>
-            <a:r>
-              <a:rPr lang="ja-JP" altLang="en-US"/>
-              <a:t>行います</a:t>
-            </a:r>
-            <a:r>
-              <a:rPr lang="ja-JP" altLang="en-US" smtClean="0"/>
+              <a:rPr lang="ja-JP" altLang="en-US" dirty="0"/>
+              <a:t>「紐付先資材名」は、紐付先資材タイプにより、下記メニューの項目 に紐付けます。各メニューの項目と同等の入力規則があり ます。各項目の入力規則に従い、資材名を入力して</a:t>
+            </a:r>
+            <a:r>
+              <a:rPr lang="ja-JP" altLang="en-US" dirty="0" smtClean="0"/>
+              <a:t>ください</a:t>
+            </a:r>
+            <a:r>
+              <a:rPr lang="ja-JP" altLang="en-US" dirty="0"/>
               <a:t>。</a:t>
             </a:r>
             <a:endParaRPr lang="en-US" altLang="ja-JP" dirty="0" smtClean="0"/>
           </a:p>
         </p:txBody>
       </p:sp>
-      <p:pic>
-        <p:nvPicPr>
-          <p:cNvPr id="6" name="図 5"/>
-          <p:cNvPicPr>
-            <a:picLocks noChangeAspect="1"/>
-          </p:cNvPicPr>
-          <p:nvPr/>
-        </p:nvPicPr>
-        <p:blipFill>
-          <a:blip r:embed="rId2"/>
-          <a:stretch>
-            <a:fillRect/>
-          </a:stretch>
-        </p:blipFill>
-        <p:spPr>
-          <a:xfrm>
-            <a:off x="395895" y="3284763"/>
-            <a:ext cx="8351236" cy="1001393"/>
-          </a:xfrm>
-          <a:prstGeom prst="rect">
-            <a:avLst/>
-          </a:prstGeom>
-          <a:ln>
-            <a:noFill/>
-          </a:ln>
-        </p:spPr>
-      </p:pic>
-      <p:pic>
-        <p:nvPicPr>
-          <p:cNvPr id="7" name="図 6"/>
-          <p:cNvPicPr>
-            <a:picLocks noChangeAspect="1"/>
-          </p:cNvPicPr>
-          <p:nvPr/>
-        </p:nvPicPr>
-        <p:blipFill>
-          <a:blip r:embed="rId3"/>
-          <a:stretch>
-            <a:fillRect/>
-          </a:stretch>
-        </p:blipFill>
-        <p:spPr>
-          <a:xfrm>
-            <a:off x="396382" y="4365130"/>
-            <a:ext cx="8004842" cy="1007691"/>
-          </a:xfrm>
-          <a:prstGeom prst="rect">
-            <a:avLst/>
-          </a:prstGeom>
-          <a:ln>
-            <a:noFill/>
-          </a:ln>
-        </p:spPr>
-      </p:pic>
-      <p:sp>
-        <p:nvSpPr>
-          <p:cNvPr id="9" name="角丸四角形吹き出し 8"/>
-          <p:cNvSpPr/>
-          <p:nvPr/>
-        </p:nvSpPr>
-        <p:spPr bwMode="auto">
-          <a:xfrm>
-            <a:off x="1475570" y="2452136"/>
-            <a:ext cx="3024420" cy="592846"/>
-          </a:xfrm>
-          <a:prstGeom prst="wedgeRoundRectCallout">
-            <a:avLst>
-              <a:gd name="adj1" fmla="val 9324"/>
-              <a:gd name="adj2" fmla="val 85363"/>
-              <a:gd name="adj3" fmla="val 16667"/>
-            </a:avLst>
-          </a:prstGeom>
-          <a:solidFill>
-            <a:schemeClr val="bg1"/>
-          </a:solidFill>
-          <a:ln w="12700">
-            <a:solidFill>
-              <a:srgbClr val="002060"/>
-            </a:solidFill>
-          </a:ln>
-          <a:effectLst/>
-          <a:extLst/>
-        </p:spPr>
-        <p:txBody>
-          <a:bodyPr rot="0" spcFirstLastPara="0" vertOverflow="overflow" horzOverflow="overflow" vert="horz" wrap="none" lIns="72000" tIns="72000" rIns="72000" bIns="72000" numCol="1" spcCol="0" rtlCol="0" fromWordArt="0" anchor="t" anchorCtr="0" forceAA="0" compatLnSpc="1">
-            <a:prstTxWarp prst="textNoShape">
-              <a:avLst/>
-            </a:prstTxWarp>
-            <a:noAutofit/>
-          </a:bodyPr>
-          <a:lstStyle/>
-          <a:p>
-            <a:r>
-              <a:rPr lang="ja-JP" altLang="en-US" sz="1200" smtClean="0">
-                <a:latin typeface="+mn-ea"/>
-              </a:rPr>
-              <a:t>リモートリポジトリや資材パスを選択し、</a:t>
-            </a:r>
-            <a:r>
-              <a:rPr lang="en-US" altLang="ja-JP" sz="1200" smtClean="0">
-                <a:latin typeface="+mn-ea"/>
-              </a:rPr>
-              <a:t/>
-            </a:r>
-            <a:br>
-              <a:rPr lang="en-US" altLang="ja-JP" sz="1200" smtClean="0">
-                <a:latin typeface="+mn-ea"/>
-              </a:rPr>
-            </a:br>
-            <a:r>
-              <a:rPr lang="ja-JP" altLang="en-US" sz="1200" smtClean="0">
-                <a:latin typeface="+mn-ea"/>
-              </a:rPr>
-              <a:t>紐付元資材を選択する</a:t>
-            </a:r>
-            <a:endParaRPr kumimoji="1" lang="ja-JP" altLang="en-US" sz="1200" dirty="0" smtClean="0">
-              <a:latin typeface="+mn-ea"/>
-            </a:endParaRPr>
-          </a:p>
-        </p:txBody>
-      </p:sp>
-      <p:sp>
-        <p:nvSpPr>
-          <p:cNvPr id="10" name="角丸四角形吹き出し 9"/>
-          <p:cNvSpPr/>
-          <p:nvPr/>
-        </p:nvSpPr>
-        <p:spPr bwMode="auto">
-          <a:xfrm>
-            <a:off x="5004060" y="2469677"/>
-            <a:ext cx="3024420" cy="592846"/>
-          </a:xfrm>
-          <a:prstGeom prst="wedgeRoundRectCallout">
-            <a:avLst>
-              <a:gd name="adj1" fmla="val -42074"/>
-              <a:gd name="adj2" fmla="val 114283"/>
-              <a:gd name="adj3" fmla="val 16667"/>
-            </a:avLst>
-          </a:prstGeom>
-          <a:solidFill>
-            <a:schemeClr val="bg1"/>
-          </a:solidFill>
-          <a:ln w="12700">
-            <a:solidFill>
-              <a:srgbClr val="002060"/>
-            </a:solidFill>
-          </a:ln>
-          <a:effectLst/>
-          <a:extLst/>
-        </p:spPr>
-        <p:txBody>
-          <a:bodyPr rot="0" spcFirstLastPara="0" vertOverflow="overflow" horzOverflow="overflow" vert="horz" wrap="none" lIns="72000" tIns="72000" rIns="72000" bIns="72000" numCol="1" spcCol="0" rtlCol="0" fromWordArt="0" anchor="t" anchorCtr="0" forceAA="0" compatLnSpc="1">
-            <a:prstTxWarp prst="textNoShape">
-              <a:avLst/>
-            </a:prstTxWarp>
-            <a:noAutofit/>
-          </a:bodyPr>
-          <a:lstStyle/>
-          <a:p>
-            <a:r>
-              <a:rPr kumimoji="1" lang="ja-JP" altLang="en-US" sz="1200" smtClean="0">
-                <a:latin typeface="+mn-ea"/>
-              </a:rPr>
-              <a:t>資材のタイプを選択する</a:t>
-            </a:r>
-            <a:r>
-              <a:rPr kumimoji="1" lang="en-US" altLang="ja-JP" sz="1200" smtClean="0">
-                <a:latin typeface="+mn-ea"/>
-              </a:rPr>
-              <a:t/>
-            </a:r>
-            <a:br>
-              <a:rPr kumimoji="1" lang="en-US" altLang="ja-JP" sz="1200" smtClean="0">
-                <a:latin typeface="+mn-ea"/>
-              </a:rPr>
-            </a:br>
-            <a:r>
-              <a:rPr kumimoji="1" lang="ja-JP" altLang="en-US" sz="1200" smtClean="0">
-                <a:latin typeface="+mn-ea"/>
-              </a:rPr>
-              <a:t>例</a:t>
-            </a:r>
-            <a:r>
-              <a:rPr lang="en-US" altLang="ja-JP" sz="1200" smtClean="0">
-                <a:latin typeface="+mn-ea"/>
-              </a:rPr>
-              <a:t>:</a:t>
-            </a:r>
-            <a:r>
-              <a:rPr lang="ja-JP" altLang="en-US" sz="1200">
-                <a:latin typeface="+mn-ea"/>
-              </a:rPr>
-              <a:t> </a:t>
-            </a:r>
-            <a:r>
-              <a:rPr lang="en-US" altLang="ja-JP" sz="1200"/>
-              <a:t>Ansible-Legacy/Playbook </a:t>
-            </a:r>
-            <a:r>
-              <a:rPr lang="ja-JP" altLang="en-US" sz="1200" smtClean="0"/>
-              <a:t>素材集</a:t>
-            </a:r>
-            <a:endParaRPr lang="ja-JP" altLang="en-US" sz="1200"/>
-          </a:p>
-        </p:txBody>
-      </p:sp>
-      <p:sp>
-        <p:nvSpPr>
-          <p:cNvPr id="8" name="正方形/長方形 7"/>
-          <p:cNvSpPr/>
-          <p:nvPr/>
-        </p:nvSpPr>
-        <p:spPr bwMode="auto">
-          <a:xfrm>
-            <a:off x="5076070" y="4509150"/>
-            <a:ext cx="2520350" cy="720100"/>
-          </a:xfrm>
-          <a:prstGeom prst="rect">
-            <a:avLst/>
-          </a:prstGeom>
-          <a:noFill/>
-          <a:ln w="12700">
-            <a:solidFill>
-              <a:srgbClr val="FF0000"/>
-            </a:solidFill>
-          </a:ln>
-          <a:effectLst/>
-          <a:extLst/>
-        </p:spPr>
-        <p:txBody>
-          <a:bodyPr rot="0" spcFirstLastPara="0" vertOverflow="overflow" horzOverflow="overflow" vert="horz" wrap="none" lIns="72000" tIns="72000" rIns="72000" bIns="72000" numCol="1" spcCol="0" rtlCol="0" fromWordArt="0" anchor="ctr" anchorCtr="0" forceAA="0" compatLnSpc="1">
-            <a:prstTxWarp prst="textNoShape">
-              <a:avLst/>
-            </a:prstTxWarp>
-            <a:noAutofit/>
-          </a:bodyPr>
-          <a:lstStyle/>
-          <a:p>
-            <a:pPr algn="ctr"/>
-            <a:endParaRPr kumimoji="1" lang="ja-JP" altLang="en-US" b="1" dirty="0" smtClean="0">
-              <a:latin typeface="+mn-ea"/>
-            </a:endParaRPr>
-          </a:p>
-        </p:txBody>
-      </p:sp>
-      <p:sp>
-        <p:nvSpPr>
-          <p:cNvPr id="11" name="角丸四角形吹き出し 10"/>
-          <p:cNvSpPr/>
-          <p:nvPr/>
-        </p:nvSpPr>
-        <p:spPr bwMode="auto">
-          <a:xfrm>
-            <a:off x="3851900" y="5451795"/>
-            <a:ext cx="3888540" cy="592846"/>
-          </a:xfrm>
-          <a:prstGeom prst="wedgeRoundRectCallout">
-            <a:avLst>
-              <a:gd name="adj1" fmla="val 20494"/>
-              <a:gd name="adj2" fmla="val -97796"/>
-              <a:gd name="adj3" fmla="val 16667"/>
-            </a:avLst>
-          </a:prstGeom>
-          <a:solidFill>
-            <a:schemeClr val="bg1"/>
-          </a:solidFill>
-          <a:ln w="12700">
-            <a:solidFill>
-              <a:srgbClr val="002060"/>
-            </a:solidFill>
-          </a:ln>
-          <a:effectLst/>
-          <a:extLst/>
-        </p:spPr>
-        <p:txBody>
-          <a:bodyPr rot="0" spcFirstLastPara="0" vertOverflow="overflow" horzOverflow="overflow" vert="horz" wrap="none" lIns="72000" tIns="72000" rIns="72000" bIns="72000" numCol="1" spcCol="0" rtlCol="0" fromWordArt="0" anchor="t" anchorCtr="0" forceAA="0" compatLnSpc="1">
-            <a:prstTxWarp prst="textNoShape">
-              <a:avLst/>
-            </a:prstTxWarp>
-            <a:noAutofit/>
-          </a:bodyPr>
-          <a:lstStyle/>
-          <a:p>
-            <a:r>
-              <a:rPr lang="ja-JP" altLang="en-US" sz="1200"/>
-              <a:t>紐付先資材の動作検証を行う為</a:t>
-            </a:r>
-            <a:r>
-              <a:rPr lang="ja-JP" altLang="en-US" sz="1200"/>
-              <a:t>の</a:t>
-            </a:r>
-            <a:r>
-              <a:rPr lang="ja-JP" altLang="en-US" sz="1200" smtClean="0"/>
-              <a:t>オペレーションや</a:t>
-            </a:r>
-            <a:endParaRPr lang="en-US" altLang="ja-JP" sz="1200" smtClean="0"/>
-          </a:p>
-          <a:p>
-            <a:r>
-              <a:rPr lang="en-US" altLang="ja-JP" sz="1200" smtClean="0"/>
-              <a:t>Movement</a:t>
-            </a:r>
-            <a:r>
-              <a:rPr lang="ja-JP" altLang="en-US" sz="1200" smtClean="0"/>
-              <a:t>を指定する</a:t>
-            </a:r>
-            <a:endParaRPr kumimoji="1" lang="ja-JP" altLang="en-US" sz="1200" dirty="0" smtClean="0">
-              <a:latin typeface="+mn-ea"/>
-            </a:endParaRPr>
-          </a:p>
-        </p:txBody>
-      </p:sp>
+      <p:graphicFrame>
+        <p:nvGraphicFramePr>
+          <p:cNvPr id="14" name="表 13"/>
+          <p:cNvGraphicFramePr>
+            <a:graphicFrameLocks noGrp="1"/>
+          </p:cNvGraphicFramePr>
+          <p:nvPr>
+            <p:extLst>
+              <p:ext uri="{D42A27DB-BD31-4B8C-83A1-F6EECF244321}">
+                <p14:modId xmlns:p14="http://schemas.microsoft.com/office/powerpoint/2010/main" val="1834332336"/>
+              </p:ext>
+            </p:extLst>
+          </p:nvPr>
+        </p:nvGraphicFramePr>
+        <p:xfrm>
+          <a:off x="683458" y="3356990"/>
+          <a:ext cx="8280054" cy="2966720"/>
+        </p:xfrm>
+        <a:graphic>
+          <a:graphicData uri="http://schemas.openxmlformats.org/drawingml/2006/table">
+            <a:tbl>
+              <a:tblPr firstRow="1" bandRow="1">
+                <a:tableStyleId>{93296810-A885-4BE3-A3E7-6D5BEEA58F35}</a:tableStyleId>
+              </a:tblPr>
+              <a:tblGrid>
+                <a:gridCol w="4896682">
+                  <a:extLst>
+                    <a:ext uri="{9D8B030D-6E8A-4147-A177-3AD203B41FA5}">
+                      <a16:colId xmlns:a16="http://schemas.microsoft.com/office/drawing/2014/main" val="2288322642"/>
+                    </a:ext>
+                  </a:extLst>
+                </a:gridCol>
+                <a:gridCol w="3383372">
+                  <a:extLst>
+                    <a:ext uri="{9D8B030D-6E8A-4147-A177-3AD203B41FA5}">
+                      <a16:colId xmlns:a16="http://schemas.microsoft.com/office/drawing/2014/main" val="2459506984"/>
+                    </a:ext>
+                  </a:extLst>
+                </a:gridCol>
+              </a:tblGrid>
+              <a:tr h="370840">
+                <a:tc>
+                  <a:txBody>
+                    <a:bodyPr/>
+                    <a:lstStyle/>
+                    <a:p>
+                      <a:r>
+                        <a:rPr kumimoji="1" lang="ja-JP" altLang="en-US" dirty="0" smtClean="0"/>
+                        <a:t>紐付先資材タイプ一覧</a:t>
+                      </a:r>
+                      <a:endParaRPr kumimoji="1" lang="ja-JP" altLang="en-US" dirty="0"/>
+                    </a:p>
+                  </a:txBody>
+                  <a:tcPr/>
+                </a:tc>
+                <a:tc>
+                  <a:txBody>
+                    <a:bodyPr/>
+                    <a:lstStyle/>
+                    <a:p>
+                      <a:r>
+                        <a:rPr kumimoji="1" lang="ja-JP" altLang="en-US" dirty="0" smtClean="0"/>
+                        <a:t>項目名</a:t>
+                      </a:r>
+                      <a:endParaRPr kumimoji="1" lang="ja-JP" altLang="en-US" dirty="0"/>
+                    </a:p>
+                  </a:txBody>
+                  <a:tcPr/>
+                </a:tc>
+                <a:extLst>
+                  <a:ext uri="{0D108BD9-81ED-4DB2-BD59-A6C34878D82A}">
+                    <a16:rowId xmlns:a16="http://schemas.microsoft.com/office/drawing/2014/main" val="2102378440"/>
+                  </a:ext>
+                </a:extLst>
+              </a:tr>
+              <a:tr h="370840">
+                <a:tc>
+                  <a:txBody>
+                    <a:bodyPr/>
+                    <a:lstStyle/>
+                    <a:p>
+                      <a:r>
+                        <a:rPr lang="en-US" altLang="ja-JP" dirty="0" err="1" smtClean="0"/>
+                        <a:t>Ansible</a:t>
+                      </a:r>
+                      <a:r>
+                        <a:rPr lang="en-US" altLang="ja-JP" dirty="0" smtClean="0"/>
+                        <a:t>-Legacy/Playbook </a:t>
+                      </a:r>
+                      <a:r>
+                        <a:rPr lang="ja-JP" altLang="en-US" dirty="0" smtClean="0"/>
+                        <a:t>素材集</a:t>
+                      </a:r>
+                      <a:endParaRPr kumimoji="1" lang="ja-JP" altLang="en-US" dirty="0"/>
+                    </a:p>
+                  </a:txBody>
+                  <a:tcPr/>
+                </a:tc>
+                <a:tc>
+                  <a:txBody>
+                    <a:bodyPr/>
+                    <a:lstStyle/>
+                    <a:p>
+                      <a:r>
+                        <a:rPr lang="en-US" altLang="ja-JP" dirty="0" err="1" smtClean="0"/>
+                        <a:t>Paybook</a:t>
+                      </a:r>
+                      <a:r>
+                        <a:rPr lang="en-US" altLang="ja-JP" dirty="0" smtClean="0"/>
+                        <a:t> </a:t>
+                      </a:r>
+                      <a:r>
+                        <a:rPr lang="ja-JP" altLang="en-US" dirty="0" smtClean="0"/>
+                        <a:t>素材名</a:t>
+                      </a:r>
+                      <a:endParaRPr kumimoji="1" lang="ja-JP" altLang="en-US" dirty="0"/>
+                    </a:p>
+                  </a:txBody>
+                  <a:tcPr/>
+                </a:tc>
+                <a:extLst>
+                  <a:ext uri="{0D108BD9-81ED-4DB2-BD59-A6C34878D82A}">
+                    <a16:rowId xmlns:a16="http://schemas.microsoft.com/office/drawing/2014/main" val="286152281"/>
+                  </a:ext>
+                </a:extLst>
+              </a:tr>
+              <a:tr h="370840">
+                <a:tc>
+                  <a:txBody>
+                    <a:bodyPr/>
+                    <a:lstStyle/>
+                    <a:p>
+                      <a:r>
+                        <a:rPr lang="en-US" altLang="ja-JP" dirty="0" err="1" smtClean="0"/>
+                        <a:t>Ansible</a:t>
+                      </a:r>
+                      <a:r>
+                        <a:rPr lang="en-US" altLang="ja-JP" dirty="0" smtClean="0"/>
+                        <a:t>-Pioneer/</a:t>
+                      </a:r>
+                      <a:r>
+                        <a:rPr lang="ja-JP" altLang="en-US" dirty="0" smtClean="0"/>
+                        <a:t>対話ファイル素材集</a:t>
+                      </a:r>
+                      <a:endParaRPr kumimoji="1" lang="ja-JP" altLang="en-US" dirty="0"/>
+                    </a:p>
+                  </a:txBody>
+                  <a:tcPr/>
+                </a:tc>
+                <a:tc>
+                  <a:txBody>
+                    <a:bodyPr/>
+                    <a:lstStyle/>
+                    <a:p>
+                      <a:r>
+                        <a:rPr lang="ja-JP" altLang="en-US" dirty="0" smtClean="0"/>
+                        <a:t>対象項目なし</a:t>
+                      </a:r>
+                      <a:endParaRPr kumimoji="1" lang="ja-JP" altLang="en-US" dirty="0"/>
+                    </a:p>
+                  </a:txBody>
+                  <a:tcPr/>
+                </a:tc>
+                <a:extLst>
+                  <a:ext uri="{0D108BD9-81ED-4DB2-BD59-A6C34878D82A}">
+                    <a16:rowId xmlns:a16="http://schemas.microsoft.com/office/drawing/2014/main" val="2886195118"/>
+                  </a:ext>
+                </a:extLst>
+              </a:tr>
+              <a:tr h="370840">
+                <a:tc>
+                  <a:txBody>
+                    <a:bodyPr/>
+                    <a:lstStyle/>
+                    <a:p>
+                      <a:r>
+                        <a:rPr lang="en-US" altLang="ja-JP" dirty="0" err="1" smtClean="0"/>
+                        <a:t>Ansible-LegacyRole</a:t>
+                      </a:r>
+                      <a:r>
+                        <a:rPr lang="en-US" altLang="ja-JP" dirty="0" smtClean="0"/>
+                        <a:t>/</a:t>
+                      </a:r>
+                      <a:r>
+                        <a:rPr lang="ja-JP" altLang="en-US" dirty="0" smtClean="0"/>
+                        <a:t>ロールパッケージ管理</a:t>
+                      </a:r>
+                      <a:endParaRPr kumimoji="1" lang="ja-JP" altLang="en-US" dirty="0"/>
+                    </a:p>
+                  </a:txBody>
+                  <a:tcPr/>
+                </a:tc>
+                <a:tc>
+                  <a:txBody>
+                    <a:bodyPr/>
+                    <a:lstStyle/>
+                    <a:p>
+                      <a:r>
+                        <a:rPr lang="ja-JP" altLang="en-US" dirty="0" smtClean="0"/>
+                        <a:t>ロールパッケージ名</a:t>
+                      </a:r>
+                      <a:endParaRPr kumimoji="1" lang="ja-JP" altLang="en-US" dirty="0"/>
+                    </a:p>
+                  </a:txBody>
+                  <a:tcPr/>
+                </a:tc>
+                <a:extLst>
+                  <a:ext uri="{0D108BD9-81ED-4DB2-BD59-A6C34878D82A}">
+                    <a16:rowId xmlns:a16="http://schemas.microsoft.com/office/drawing/2014/main" val="1600260494"/>
+                  </a:ext>
+                </a:extLst>
+              </a:tr>
+              <a:tr h="370840">
+                <a:tc>
+                  <a:txBody>
+                    <a:bodyPr/>
+                    <a:lstStyle/>
+                    <a:p>
+                      <a:r>
+                        <a:rPr lang="en-US" altLang="ja-JP" dirty="0" err="1" smtClean="0"/>
+                        <a:t>Ansible</a:t>
+                      </a:r>
+                      <a:r>
+                        <a:rPr lang="en-US" altLang="ja-JP" dirty="0" smtClean="0"/>
+                        <a:t> </a:t>
+                      </a:r>
+                      <a:r>
+                        <a:rPr lang="ja-JP" altLang="en-US" dirty="0" smtClean="0"/>
+                        <a:t>共通</a:t>
+                      </a:r>
+                      <a:r>
+                        <a:rPr lang="en-US" altLang="ja-JP" dirty="0" smtClean="0"/>
+                        <a:t>/</a:t>
+                      </a:r>
+                      <a:r>
+                        <a:rPr lang="ja-JP" altLang="en-US" dirty="0" smtClean="0"/>
+                        <a:t>ファイル管理</a:t>
+                      </a:r>
+                      <a:endParaRPr kumimoji="1" lang="ja-JP" altLang="en-US" dirty="0"/>
+                    </a:p>
+                  </a:txBody>
+                  <a:tcPr/>
+                </a:tc>
+                <a:tc>
+                  <a:txBody>
+                    <a:bodyPr/>
+                    <a:lstStyle/>
+                    <a:p>
+                      <a:r>
+                        <a:rPr lang="ja-JP" altLang="en-US" dirty="0" smtClean="0"/>
+                        <a:t>ファイル</a:t>
+                      </a:r>
+                      <a:r>
+                        <a:rPr lang="zh-CN" altLang="en-US" dirty="0" smtClean="0"/>
+                        <a:t>埋込変数名</a:t>
+                      </a:r>
+                      <a:endParaRPr kumimoji="1" lang="ja-JP" altLang="en-US" dirty="0"/>
+                    </a:p>
+                  </a:txBody>
+                  <a:tcPr/>
+                </a:tc>
+                <a:extLst>
+                  <a:ext uri="{0D108BD9-81ED-4DB2-BD59-A6C34878D82A}">
+                    <a16:rowId xmlns:a16="http://schemas.microsoft.com/office/drawing/2014/main" val="3833086902"/>
+                  </a:ext>
+                </a:extLst>
+              </a:tr>
+              <a:tr h="370840">
+                <a:tc>
+                  <a:txBody>
+                    <a:bodyPr/>
+                    <a:lstStyle/>
+                    <a:p>
+                      <a:r>
+                        <a:rPr lang="en-US" altLang="ja-JP" dirty="0" err="1" smtClean="0"/>
+                        <a:t>Ansible</a:t>
+                      </a:r>
+                      <a:r>
+                        <a:rPr lang="en-US" altLang="ja-JP" dirty="0" smtClean="0"/>
+                        <a:t> </a:t>
+                      </a:r>
+                      <a:r>
+                        <a:rPr lang="ja-JP" altLang="en-US" dirty="0" smtClean="0"/>
+                        <a:t>共通</a:t>
+                      </a:r>
+                      <a:r>
+                        <a:rPr lang="en-US" altLang="ja-JP" dirty="0" smtClean="0"/>
+                        <a:t>/</a:t>
+                      </a:r>
+                      <a:r>
+                        <a:rPr lang="ja-JP" altLang="en-US" dirty="0" smtClean="0"/>
+                        <a:t>テンプレート管理</a:t>
+                      </a:r>
+                      <a:endParaRPr kumimoji="1" lang="ja-JP" altLang="en-US" dirty="0"/>
+                    </a:p>
+                  </a:txBody>
+                  <a:tcPr/>
+                </a:tc>
+                <a:tc>
+                  <a:txBody>
+                    <a:bodyPr/>
+                    <a:lstStyle/>
+                    <a:p>
+                      <a:r>
+                        <a:rPr lang="ja-JP" altLang="en-US" dirty="0" smtClean="0"/>
+                        <a:t>テンプレート</a:t>
+                      </a:r>
+                      <a:r>
+                        <a:rPr lang="zh-CN" altLang="en-US" dirty="0" smtClean="0"/>
+                        <a:t>埋込変数名</a:t>
+                      </a:r>
+                      <a:endParaRPr kumimoji="1" lang="ja-JP" altLang="en-US" dirty="0"/>
+                    </a:p>
+                  </a:txBody>
+                  <a:tcPr/>
+                </a:tc>
+                <a:extLst>
+                  <a:ext uri="{0D108BD9-81ED-4DB2-BD59-A6C34878D82A}">
+                    <a16:rowId xmlns:a16="http://schemas.microsoft.com/office/drawing/2014/main" val="2138706014"/>
+                  </a:ext>
+                </a:extLst>
+              </a:tr>
+              <a:tr h="370840">
+                <a:tc>
+                  <a:txBody>
+                    <a:bodyPr/>
+                    <a:lstStyle/>
+                    <a:p>
+                      <a:r>
+                        <a:rPr lang="en-US" altLang="ja-JP" dirty="0" smtClean="0"/>
+                        <a:t>Terraform/Module </a:t>
+                      </a:r>
+                      <a:r>
+                        <a:rPr lang="ja-JP" altLang="en-US" dirty="0" smtClean="0"/>
+                        <a:t>素材</a:t>
+                      </a:r>
+                      <a:endParaRPr kumimoji="1" lang="ja-JP" altLang="en-US" dirty="0"/>
+                    </a:p>
+                  </a:txBody>
+                  <a:tcPr/>
+                </a:tc>
+                <a:tc>
+                  <a:txBody>
+                    <a:bodyPr/>
+                    <a:lstStyle/>
+                    <a:p>
+                      <a:r>
+                        <a:rPr lang="en-US" altLang="ja-JP" dirty="0" smtClean="0"/>
+                        <a:t>Module </a:t>
+                      </a:r>
+                      <a:r>
+                        <a:rPr lang="ja-JP" altLang="en-US" dirty="0" smtClean="0"/>
+                        <a:t>素材名</a:t>
+                      </a:r>
+                      <a:endParaRPr kumimoji="1" lang="ja-JP" altLang="en-US" dirty="0"/>
+                    </a:p>
+                  </a:txBody>
+                  <a:tcPr/>
+                </a:tc>
+                <a:extLst>
+                  <a:ext uri="{0D108BD9-81ED-4DB2-BD59-A6C34878D82A}">
+                    <a16:rowId xmlns:a16="http://schemas.microsoft.com/office/drawing/2014/main" val="3168727577"/>
+                  </a:ext>
+                </a:extLst>
+              </a:tr>
+              <a:tr h="370840">
+                <a:tc>
+                  <a:txBody>
+                    <a:bodyPr/>
+                    <a:lstStyle/>
+                    <a:p>
+                      <a:r>
+                        <a:rPr lang="en-US" altLang="ja-JP" dirty="0" smtClean="0"/>
+                        <a:t>Terraform/Policy </a:t>
+                      </a:r>
+                      <a:r>
+                        <a:rPr lang="ja-JP" altLang="en-US" dirty="0" smtClean="0"/>
+                        <a:t>管理</a:t>
+                      </a:r>
+                      <a:endParaRPr kumimoji="1" lang="ja-JP" altLang="en-US" dirty="0"/>
+                    </a:p>
+                  </a:txBody>
+                  <a:tcPr/>
+                </a:tc>
+                <a:tc>
+                  <a:txBody>
+                    <a:bodyPr/>
+                    <a:lstStyle/>
+                    <a:p>
+                      <a:r>
+                        <a:rPr lang="en-US" altLang="ja-JP" dirty="0" smtClean="0"/>
+                        <a:t>Policy </a:t>
+                      </a:r>
+                      <a:r>
+                        <a:rPr lang="ja-JP" altLang="en-US" dirty="0" smtClean="0"/>
+                        <a:t>名</a:t>
+                      </a:r>
+                      <a:endParaRPr kumimoji="1" lang="ja-JP" altLang="en-US" dirty="0"/>
+                    </a:p>
+                  </a:txBody>
+                  <a:tcPr/>
+                </a:tc>
+                <a:extLst>
+                  <a:ext uri="{0D108BD9-81ED-4DB2-BD59-A6C34878D82A}">
+                    <a16:rowId xmlns:a16="http://schemas.microsoft.com/office/drawing/2014/main" val="1887339511"/>
+                  </a:ext>
+                </a:extLst>
+              </a:tr>
+            </a:tbl>
+          </a:graphicData>
+        </a:graphic>
+      </p:graphicFrame>
     </p:spTree>
     <p:extLst>
       <p:ext uri="{BB962C8B-B14F-4D97-AF65-F5344CB8AC3E}">
@@ -8483,916 +8511,6 @@
           <a:lstStyle/>
           <a:p>
             <a:r>
-              <a:rPr lang="en-US" altLang="ja-JP"/>
-              <a:t>2.3</a:t>
-            </a:r>
-            <a:r>
-              <a:rPr lang="ja-JP" altLang="en-US"/>
-              <a:t>　</a:t>
-            </a:r>
-            <a:r>
-              <a:rPr lang="en-US" altLang="ja-JP"/>
-              <a:t> CI/CD for IaC</a:t>
-            </a:r>
-            <a:r>
-              <a:rPr lang="ja-JP" altLang="en-US"/>
-              <a:t>メニューの機能説明</a:t>
-            </a:r>
-            <a:r>
-              <a:rPr lang="ja-JP" altLang="en-US"/>
-              <a:t>　</a:t>
-            </a:r>
-            <a:r>
-              <a:rPr lang="ja-JP" altLang="en-US" smtClean="0"/>
-              <a:t>（</a:t>
-            </a:r>
-            <a:r>
-              <a:rPr lang="en-US" altLang="ja-JP"/>
-              <a:t>5</a:t>
-            </a:r>
-            <a:r>
-              <a:rPr lang="en-US" altLang="ja-JP" smtClean="0"/>
-              <a:t>/6</a:t>
-            </a:r>
-            <a:r>
-              <a:rPr lang="ja-JP" altLang="en-US" smtClean="0"/>
-              <a:t>）</a:t>
-            </a:r>
-            <a:endParaRPr kumimoji="1" lang="ja-JP" altLang="en-US"/>
-          </a:p>
-        </p:txBody>
-      </p:sp>
-      <p:graphicFrame>
-        <p:nvGraphicFramePr>
-          <p:cNvPr id="4" name="表 3"/>
-          <p:cNvGraphicFramePr>
-            <a:graphicFrameLocks noGrp="1"/>
-          </p:cNvGraphicFramePr>
-          <p:nvPr>
-            <p:extLst>
-              <p:ext uri="{D42A27DB-BD31-4B8C-83A1-F6EECF244321}">
-                <p14:modId xmlns:p14="http://schemas.microsoft.com/office/powerpoint/2010/main" val="3438213738"/>
-              </p:ext>
-            </p:extLst>
-          </p:nvPr>
-        </p:nvGraphicFramePr>
-        <p:xfrm>
-          <a:off x="431486" y="2288590"/>
-          <a:ext cx="8280054" cy="2712720"/>
-        </p:xfrm>
-        <a:graphic>
-          <a:graphicData uri="http://schemas.openxmlformats.org/drawingml/2006/table">
-            <a:tbl>
-              <a:tblPr firstRow="1" bandRow="1">
-                <a:tableStyleId>{93296810-A885-4BE3-A3E7-6D5BEEA58F35}</a:tableStyleId>
-              </a:tblPr>
-              <a:tblGrid>
-                <a:gridCol w="4896682">
-                  <a:extLst>
-                    <a:ext uri="{9D8B030D-6E8A-4147-A177-3AD203B41FA5}">
-                      <a16:colId xmlns:a16="http://schemas.microsoft.com/office/drawing/2014/main" val="2288322642"/>
-                    </a:ext>
-                  </a:extLst>
-                </a:gridCol>
-                <a:gridCol w="3383372">
-                  <a:extLst>
-                    <a:ext uri="{9D8B030D-6E8A-4147-A177-3AD203B41FA5}">
-                      <a16:colId xmlns:a16="http://schemas.microsoft.com/office/drawing/2014/main" val="2459506984"/>
-                    </a:ext>
-                  </a:extLst>
-                </a:gridCol>
-              </a:tblGrid>
-              <a:tr h="333786">
-                <a:tc>
-                  <a:txBody>
-                    <a:bodyPr/>
-                    <a:lstStyle/>
-                    <a:p>
-                      <a:r>
-                        <a:rPr kumimoji="1" lang="ja-JP" altLang="en-US" sz="1800" dirty="0" smtClean="0"/>
-                        <a:t>紐付先資材タイプ一覧</a:t>
-                      </a:r>
-                      <a:endParaRPr kumimoji="1" lang="ja-JP" altLang="en-US" sz="1800" dirty="0"/>
-                    </a:p>
-                  </a:txBody>
-                  <a:tcPr/>
-                </a:tc>
-                <a:tc>
-                  <a:txBody>
-                    <a:bodyPr/>
-                    <a:lstStyle/>
-                    <a:p>
-                      <a:r>
-                        <a:rPr kumimoji="1" lang="ja-JP" altLang="en-US" sz="1800" dirty="0" smtClean="0"/>
-                        <a:t>項目名</a:t>
-                      </a:r>
-                      <a:endParaRPr kumimoji="1" lang="ja-JP" altLang="en-US" sz="1800" dirty="0"/>
-                    </a:p>
-                  </a:txBody>
-                  <a:tcPr/>
-                </a:tc>
-                <a:extLst>
-                  <a:ext uri="{0D108BD9-81ED-4DB2-BD59-A6C34878D82A}">
-                    <a16:rowId xmlns:a16="http://schemas.microsoft.com/office/drawing/2014/main" val="2102378440"/>
-                  </a:ext>
-                </a:extLst>
-              </a:tr>
-              <a:tr h="305970">
-                <a:tc>
-                  <a:txBody>
-                    <a:bodyPr/>
-                    <a:lstStyle/>
-                    <a:p>
-                      <a:r>
-                        <a:rPr lang="en-US" altLang="ja-JP" sz="1600" dirty="0" err="1" smtClean="0"/>
-                        <a:t>Ansible</a:t>
-                      </a:r>
-                      <a:r>
-                        <a:rPr lang="en-US" altLang="ja-JP" sz="1600" dirty="0" smtClean="0"/>
-                        <a:t>-Legacy/Playbook </a:t>
-                      </a:r>
-                      <a:r>
-                        <a:rPr lang="ja-JP" altLang="en-US" sz="1600" dirty="0" smtClean="0"/>
-                        <a:t>素材集</a:t>
-                      </a:r>
-                      <a:endParaRPr kumimoji="1" lang="ja-JP" altLang="en-US" sz="1600" dirty="0"/>
-                    </a:p>
-                  </a:txBody>
-                  <a:tcPr/>
-                </a:tc>
-                <a:tc>
-                  <a:txBody>
-                    <a:bodyPr/>
-                    <a:lstStyle/>
-                    <a:p>
-                      <a:r>
-                        <a:rPr lang="en-US" altLang="ja-JP" sz="1600" dirty="0" err="1" smtClean="0"/>
-                        <a:t>Paybook</a:t>
-                      </a:r>
-                      <a:r>
-                        <a:rPr lang="en-US" altLang="ja-JP" sz="1600" dirty="0" smtClean="0"/>
-                        <a:t> </a:t>
-                      </a:r>
-                      <a:r>
-                        <a:rPr lang="ja-JP" altLang="en-US" sz="1600" dirty="0" smtClean="0"/>
-                        <a:t>素材名</a:t>
-                      </a:r>
-                      <a:endParaRPr kumimoji="1" lang="ja-JP" altLang="en-US" sz="1600" dirty="0"/>
-                    </a:p>
-                  </a:txBody>
-                  <a:tcPr/>
-                </a:tc>
-                <a:extLst>
-                  <a:ext uri="{0D108BD9-81ED-4DB2-BD59-A6C34878D82A}">
-                    <a16:rowId xmlns:a16="http://schemas.microsoft.com/office/drawing/2014/main" val="286152281"/>
-                  </a:ext>
-                </a:extLst>
-              </a:tr>
-              <a:tr h="305970">
-                <a:tc>
-                  <a:txBody>
-                    <a:bodyPr/>
-                    <a:lstStyle/>
-                    <a:p>
-                      <a:r>
-                        <a:rPr lang="en-US" altLang="ja-JP" sz="1600" dirty="0" err="1" smtClean="0"/>
-                        <a:t>Ansible</a:t>
-                      </a:r>
-                      <a:r>
-                        <a:rPr lang="en-US" altLang="ja-JP" sz="1600" dirty="0" smtClean="0"/>
-                        <a:t>-Pioneer/</a:t>
-                      </a:r>
-                      <a:r>
-                        <a:rPr lang="ja-JP" altLang="en-US" sz="1600" dirty="0" smtClean="0"/>
-                        <a:t>対話ファイル素材集</a:t>
-                      </a:r>
-                      <a:endParaRPr kumimoji="1" lang="ja-JP" altLang="en-US" sz="1600" dirty="0"/>
-                    </a:p>
-                  </a:txBody>
-                  <a:tcPr/>
-                </a:tc>
-                <a:tc>
-                  <a:txBody>
-                    <a:bodyPr/>
-                    <a:lstStyle/>
-                    <a:p>
-                      <a:r>
-                        <a:rPr lang="en-US" altLang="ja-JP" sz="1600" smtClean="0"/>
-                        <a:t>(</a:t>
-                      </a:r>
-                      <a:r>
-                        <a:rPr lang="ja-JP" altLang="en-US" sz="1600" smtClean="0"/>
-                        <a:t>対象</a:t>
-                      </a:r>
-                      <a:r>
-                        <a:rPr lang="ja-JP" altLang="en-US" sz="1600" smtClean="0"/>
-                        <a:t>項目</a:t>
-                      </a:r>
-                      <a:r>
-                        <a:rPr lang="ja-JP" altLang="en-US" sz="1600" smtClean="0"/>
-                        <a:t>なし</a:t>
-                      </a:r>
-                      <a:r>
-                        <a:rPr lang="en-US" altLang="ja-JP" sz="1600" smtClean="0"/>
-                        <a:t>)</a:t>
-                      </a:r>
-                      <a:endParaRPr kumimoji="1" lang="ja-JP" altLang="en-US" sz="1600" dirty="0"/>
-                    </a:p>
-                  </a:txBody>
-                  <a:tcPr/>
-                </a:tc>
-                <a:extLst>
-                  <a:ext uri="{0D108BD9-81ED-4DB2-BD59-A6C34878D82A}">
-                    <a16:rowId xmlns:a16="http://schemas.microsoft.com/office/drawing/2014/main" val="2886195118"/>
-                  </a:ext>
-                </a:extLst>
-              </a:tr>
-              <a:tr h="305970">
-                <a:tc>
-                  <a:txBody>
-                    <a:bodyPr/>
-                    <a:lstStyle/>
-                    <a:p>
-                      <a:r>
-                        <a:rPr lang="en-US" altLang="ja-JP" sz="1600" dirty="0" err="1" smtClean="0"/>
-                        <a:t>Ansible-LegacyRole</a:t>
-                      </a:r>
-                      <a:r>
-                        <a:rPr lang="en-US" altLang="ja-JP" sz="1600" dirty="0" smtClean="0"/>
-                        <a:t>/</a:t>
-                      </a:r>
-                      <a:r>
-                        <a:rPr lang="ja-JP" altLang="en-US" sz="1600" dirty="0" smtClean="0"/>
-                        <a:t>ロールパッケージ管理</a:t>
-                      </a:r>
-                      <a:endParaRPr kumimoji="1" lang="ja-JP" altLang="en-US" sz="1600" dirty="0"/>
-                    </a:p>
-                  </a:txBody>
-                  <a:tcPr/>
-                </a:tc>
-                <a:tc>
-                  <a:txBody>
-                    <a:bodyPr/>
-                    <a:lstStyle/>
-                    <a:p>
-                      <a:r>
-                        <a:rPr lang="ja-JP" altLang="en-US" sz="1600" dirty="0" smtClean="0"/>
-                        <a:t>ロールパッケージ名</a:t>
-                      </a:r>
-                      <a:endParaRPr kumimoji="1" lang="ja-JP" altLang="en-US" sz="1600" dirty="0"/>
-                    </a:p>
-                  </a:txBody>
-                  <a:tcPr/>
-                </a:tc>
-                <a:extLst>
-                  <a:ext uri="{0D108BD9-81ED-4DB2-BD59-A6C34878D82A}">
-                    <a16:rowId xmlns:a16="http://schemas.microsoft.com/office/drawing/2014/main" val="1600260494"/>
-                  </a:ext>
-                </a:extLst>
-              </a:tr>
-              <a:tr h="305970">
-                <a:tc>
-                  <a:txBody>
-                    <a:bodyPr/>
-                    <a:lstStyle/>
-                    <a:p>
-                      <a:r>
-                        <a:rPr lang="en-US" altLang="ja-JP" sz="1600" dirty="0" err="1" smtClean="0"/>
-                        <a:t>Ansible</a:t>
-                      </a:r>
-                      <a:r>
-                        <a:rPr lang="en-US" altLang="ja-JP" sz="1600" dirty="0" smtClean="0"/>
-                        <a:t> </a:t>
-                      </a:r>
-                      <a:r>
-                        <a:rPr lang="ja-JP" altLang="en-US" sz="1600" dirty="0" smtClean="0"/>
-                        <a:t>共通</a:t>
-                      </a:r>
-                      <a:r>
-                        <a:rPr lang="en-US" altLang="ja-JP" sz="1600" dirty="0" smtClean="0"/>
-                        <a:t>/</a:t>
-                      </a:r>
-                      <a:r>
-                        <a:rPr lang="ja-JP" altLang="en-US" sz="1600" dirty="0" smtClean="0"/>
-                        <a:t>ファイル管理</a:t>
-                      </a:r>
-                      <a:endParaRPr kumimoji="1" lang="ja-JP" altLang="en-US" sz="1600" dirty="0"/>
-                    </a:p>
-                  </a:txBody>
-                  <a:tcPr/>
-                </a:tc>
-                <a:tc>
-                  <a:txBody>
-                    <a:bodyPr/>
-                    <a:lstStyle/>
-                    <a:p>
-                      <a:r>
-                        <a:rPr lang="ja-JP" altLang="en-US" sz="1600" dirty="0" smtClean="0"/>
-                        <a:t>ファイル</a:t>
-                      </a:r>
-                      <a:r>
-                        <a:rPr lang="zh-CN" altLang="en-US" sz="1600" dirty="0" smtClean="0"/>
-                        <a:t>埋込変数名</a:t>
-                      </a:r>
-                      <a:endParaRPr kumimoji="1" lang="ja-JP" altLang="en-US" sz="1600" dirty="0"/>
-                    </a:p>
-                  </a:txBody>
-                  <a:tcPr/>
-                </a:tc>
-                <a:extLst>
-                  <a:ext uri="{0D108BD9-81ED-4DB2-BD59-A6C34878D82A}">
-                    <a16:rowId xmlns:a16="http://schemas.microsoft.com/office/drawing/2014/main" val="3833086902"/>
-                  </a:ext>
-                </a:extLst>
-              </a:tr>
-              <a:tr h="305970">
-                <a:tc>
-                  <a:txBody>
-                    <a:bodyPr/>
-                    <a:lstStyle/>
-                    <a:p>
-                      <a:r>
-                        <a:rPr lang="en-US" altLang="ja-JP" sz="1600" dirty="0" err="1" smtClean="0"/>
-                        <a:t>Ansible</a:t>
-                      </a:r>
-                      <a:r>
-                        <a:rPr lang="en-US" altLang="ja-JP" sz="1600" dirty="0" smtClean="0"/>
-                        <a:t> </a:t>
-                      </a:r>
-                      <a:r>
-                        <a:rPr lang="ja-JP" altLang="en-US" sz="1600" dirty="0" smtClean="0"/>
-                        <a:t>共通</a:t>
-                      </a:r>
-                      <a:r>
-                        <a:rPr lang="en-US" altLang="ja-JP" sz="1600" dirty="0" smtClean="0"/>
-                        <a:t>/</a:t>
-                      </a:r>
-                      <a:r>
-                        <a:rPr lang="ja-JP" altLang="en-US" sz="1600" dirty="0" smtClean="0"/>
-                        <a:t>テンプレート管理</a:t>
-                      </a:r>
-                      <a:endParaRPr kumimoji="1" lang="ja-JP" altLang="en-US" sz="1600" dirty="0"/>
-                    </a:p>
-                  </a:txBody>
-                  <a:tcPr/>
-                </a:tc>
-                <a:tc>
-                  <a:txBody>
-                    <a:bodyPr/>
-                    <a:lstStyle/>
-                    <a:p>
-                      <a:r>
-                        <a:rPr lang="ja-JP" altLang="en-US" sz="1600" dirty="0" smtClean="0"/>
-                        <a:t>テンプレート</a:t>
-                      </a:r>
-                      <a:r>
-                        <a:rPr lang="zh-CN" altLang="en-US" sz="1600" dirty="0" smtClean="0"/>
-                        <a:t>埋込変数名</a:t>
-                      </a:r>
-                      <a:endParaRPr kumimoji="1" lang="ja-JP" altLang="en-US" sz="1600" dirty="0"/>
-                    </a:p>
-                  </a:txBody>
-                  <a:tcPr/>
-                </a:tc>
-                <a:extLst>
-                  <a:ext uri="{0D108BD9-81ED-4DB2-BD59-A6C34878D82A}">
-                    <a16:rowId xmlns:a16="http://schemas.microsoft.com/office/drawing/2014/main" val="2138706014"/>
-                  </a:ext>
-                </a:extLst>
-              </a:tr>
-              <a:tr h="305970">
-                <a:tc>
-                  <a:txBody>
-                    <a:bodyPr/>
-                    <a:lstStyle/>
-                    <a:p>
-                      <a:r>
-                        <a:rPr lang="en-US" altLang="ja-JP" sz="1600" dirty="0" smtClean="0"/>
-                        <a:t>Terraform/Module </a:t>
-                      </a:r>
-                      <a:r>
-                        <a:rPr lang="ja-JP" altLang="en-US" sz="1600" dirty="0" smtClean="0"/>
-                        <a:t>素材</a:t>
-                      </a:r>
-                      <a:endParaRPr kumimoji="1" lang="ja-JP" altLang="en-US" sz="1600" dirty="0"/>
-                    </a:p>
-                  </a:txBody>
-                  <a:tcPr/>
-                </a:tc>
-                <a:tc>
-                  <a:txBody>
-                    <a:bodyPr/>
-                    <a:lstStyle/>
-                    <a:p>
-                      <a:r>
-                        <a:rPr lang="en-US" altLang="ja-JP" sz="1600" dirty="0" smtClean="0"/>
-                        <a:t>Module </a:t>
-                      </a:r>
-                      <a:r>
-                        <a:rPr lang="ja-JP" altLang="en-US" sz="1600" dirty="0" smtClean="0"/>
-                        <a:t>素材名</a:t>
-                      </a:r>
-                      <a:endParaRPr kumimoji="1" lang="ja-JP" altLang="en-US" sz="1600" dirty="0"/>
-                    </a:p>
-                  </a:txBody>
-                  <a:tcPr/>
-                </a:tc>
-                <a:extLst>
-                  <a:ext uri="{0D108BD9-81ED-4DB2-BD59-A6C34878D82A}">
-                    <a16:rowId xmlns:a16="http://schemas.microsoft.com/office/drawing/2014/main" val="3168727577"/>
-                  </a:ext>
-                </a:extLst>
-              </a:tr>
-              <a:tr h="305970">
-                <a:tc>
-                  <a:txBody>
-                    <a:bodyPr/>
-                    <a:lstStyle/>
-                    <a:p>
-                      <a:r>
-                        <a:rPr lang="en-US" altLang="ja-JP" sz="1600" dirty="0" smtClean="0"/>
-                        <a:t>Terraform/Policy </a:t>
-                      </a:r>
-                      <a:r>
-                        <a:rPr lang="ja-JP" altLang="en-US" sz="1600" dirty="0" smtClean="0"/>
-                        <a:t>管理</a:t>
-                      </a:r>
-                      <a:endParaRPr kumimoji="1" lang="ja-JP" altLang="en-US" sz="1600" dirty="0"/>
-                    </a:p>
-                  </a:txBody>
-                  <a:tcPr/>
-                </a:tc>
-                <a:tc>
-                  <a:txBody>
-                    <a:bodyPr/>
-                    <a:lstStyle/>
-                    <a:p>
-                      <a:r>
-                        <a:rPr lang="en-US" altLang="ja-JP" sz="1600" dirty="0" smtClean="0"/>
-                        <a:t>Policy </a:t>
-                      </a:r>
-                      <a:r>
-                        <a:rPr lang="ja-JP" altLang="en-US" sz="1600" dirty="0" smtClean="0"/>
-                        <a:t>名</a:t>
-                      </a:r>
-                      <a:endParaRPr kumimoji="1" lang="ja-JP" altLang="en-US" sz="1600" dirty="0"/>
-                    </a:p>
-                  </a:txBody>
-                  <a:tcPr/>
-                </a:tc>
-                <a:extLst>
-                  <a:ext uri="{0D108BD9-81ED-4DB2-BD59-A6C34878D82A}">
-                    <a16:rowId xmlns:a16="http://schemas.microsoft.com/office/drawing/2014/main" val="1887339511"/>
-                  </a:ext>
-                </a:extLst>
-              </a:tr>
-            </a:tbl>
-          </a:graphicData>
-        </a:graphic>
-      </p:graphicFrame>
-      <p:sp>
-        <p:nvSpPr>
-          <p:cNvPr id="6" name="コンテンツ プレースホルダー 2"/>
-          <p:cNvSpPr>
-            <a:spLocks noGrp="1"/>
-          </p:cNvSpPr>
-          <p:nvPr>
-            <p:ph sz="quarter" idx="10"/>
-          </p:nvPr>
-        </p:nvSpPr>
-        <p:spPr>
-          <a:xfrm>
-            <a:off x="190126" y="836712"/>
-            <a:ext cx="8784976" cy="5616476"/>
-          </a:xfrm>
-        </p:spPr>
-        <p:txBody>
-          <a:bodyPr/>
-          <a:lstStyle/>
-          <a:p>
-            <a:r>
-              <a:rPr lang="ja-JP" altLang="en-US" b="1" dirty="0" smtClean="0"/>
-              <a:t>資材紐付</a:t>
-            </a:r>
-            <a:endParaRPr lang="en-US" altLang="ja-JP" b="1" dirty="0" smtClean="0"/>
-          </a:p>
-          <a:p>
-            <a:pPr lvl="1"/>
-            <a:r>
-              <a:rPr lang="ja-JP" altLang="en-US" smtClean="0"/>
-              <a:t>「紐付先資材名」項目には、</a:t>
-            </a:r>
-            <a:r>
-              <a:rPr lang="ja-JP" altLang="en-US" smtClean="0">
-                <a:solidFill>
-                  <a:srgbClr val="FF0000"/>
-                </a:solidFill>
-              </a:rPr>
-              <a:t>紐付先メニューへの登録時に利用する資材名</a:t>
-            </a:r>
-            <a:r>
-              <a:rPr lang="ja-JP" altLang="en-US" smtClean="0"/>
-              <a:t>を登録します。</a:t>
-            </a:r>
-            <a:r>
-              <a:rPr lang="en-US" altLang="ja-JP" smtClean="0"/>
-              <a:t/>
-            </a:r>
-            <a:br>
-              <a:rPr lang="en-US" altLang="ja-JP" smtClean="0"/>
-            </a:br>
-            <a:r>
-              <a:rPr lang="ja-JP" altLang="en-US" smtClean="0"/>
-              <a:t>「</a:t>
-            </a:r>
-            <a:r>
-              <a:rPr lang="ja-JP" altLang="en-US" smtClean="0"/>
-              <a:t>紐付先資材タイプ一覧」の候補と対応する紐付先での項目名は下表の通りです。</a:t>
-            </a:r>
-            <a:endParaRPr lang="en-US" altLang="ja-JP"/>
-          </a:p>
-          <a:p>
-            <a:pPr lvl="1"/>
-            <a:r>
-              <a:rPr lang="ja-JP" altLang="en-US" smtClean="0"/>
-              <a:t>紐付先</a:t>
-            </a:r>
-            <a:r>
-              <a:rPr lang="ja-JP" altLang="en-US" smtClean="0"/>
-              <a:t>メニューの項目と同等の入力規則</a:t>
-            </a:r>
-            <a:r>
-              <a:rPr lang="ja-JP" altLang="en-US" smtClean="0"/>
-              <a:t>に従って入力する必要が</a:t>
-            </a:r>
-            <a:r>
-              <a:rPr lang="ja-JP" altLang="en-US" smtClean="0"/>
-              <a:t>あります。</a:t>
-            </a:r>
-            <a:endParaRPr lang="en-US" altLang="ja-JP" dirty="0" smtClean="0"/>
-          </a:p>
-        </p:txBody>
-      </p:sp>
-      <p:sp>
-        <p:nvSpPr>
-          <p:cNvPr id="7" name="角丸四角形 6"/>
-          <p:cNvSpPr/>
-          <p:nvPr/>
-        </p:nvSpPr>
-        <p:spPr bwMode="auto">
-          <a:xfrm>
-            <a:off x="1296796" y="5264630"/>
-            <a:ext cx="7414744" cy="513165"/>
-          </a:xfrm>
-          <a:prstGeom prst="roundRect">
-            <a:avLst/>
-          </a:prstGeom>
-          <a:solidFill>
-            <a:schemeClr val="bg1">
-              <a:lumMod val="95000"/>
-            </a:schemeClr>
-          </a:solidFill>
-          <a:ln w="12700">
-            <a:solidFill>
-              <a:schemeClr val="tx1"/>
-            </a:solidFill>
-          </a:ln>
-          <a:effectLst/>
-          <a:extLst/>
-        </p:spPr>
-        <p:txBody>
-          <a:bodyPr rot="0" spcFirstLastPara="0" vertOverflow="overflow" horzOverflow="overflow" vert="horz" wrap="none" lIns="72000" tIns="72000" rIns="72000" bIns="72000" numCol="1" spcCol="0" rtlCol="0" fromWordArt="0" anchor="t" anchorCtr="0" forceAA="0" compatLnSpc="1">
-            <a:prstTxWarp prst="textNoShape">
-              <a:avLst/>
-            </a:prstTxWarp>
-            <a:noAutofit/>
-          </a:bodyPr>
-          <a:lstStyle/>
-          <a:p>
-            <a:r>
-              <a:rPr kumimoji="1" lang="ja-JP" altLang="en-US" sz="1200" smtClean="0">
-                <a:latin typeface="+mn-ea"/>
-              </a:rPr>
-              <a:t>「紐付先資材名」に「</a:t>
-            </a:r>
-            <a:r>
-              <a:rPr lang="en-US" altLang="ja-JP" sz="1200" smtClean="0">
-                <a:solidFill>
-                  <a:srgbClr val="FF0000"/>
-                </a:solidFill>
-              </a:rPr>
-              <a:t>yum_package_install</a:t>
-            </a:r>
-            <a:r>
-              <a:rPr kumimoji="1" lang="ja-JP" altLang="en-US" sz="1200" smtClean="0">
-                <a:latin typeface="+mn-ea"/>
-              </a:rPr>
-              <a:t>」と入力し、</a:t>
-            </a:r>
-            <a:r>
-              <a:rPr kumimoji="1" lang="en-US" altLang="ja-JP" sz="1200" smtClean="0">
-                <a:latin typeface="+mn-ea"/>
-              </a:rPr>
-              <a:t/>
-            </a:r>
-            <a:br>
-              <a:rPr kumimoji="1" lang="en-US" altLang="ja-JP" sz="1200" smtClean="0">
-                <a:latin typeface="+mn-ea"/>
-              </a:rPr>
-            </a:br>
-            <a:r>
-              <a:rPr kumimoji="1" lang="ja-JP" altLang="en-US" sz="1200" smtClean="0">
-                <a:latin typeface="+mn-ea"/>
-              </a:rPr>
-              <a:t>「紐付先資材タイプ」</a:t>
-            </a:r>
-            <a:r>
-              <a:rPr lang="ja-JP" altLang="en-US" sz="1200">
-                <a:latin typeface="+mn-ea"/>
-              </a:rPr>
-              <a:t>に</a:t>
-            </a:r>
-            <a:r>
-              <a:rPr kumimoji="1" lang="ja-JP" altLang="en-US" sz="1200" smtClean="0">
-                <a:latin typeface="+mn-ea"/>
-              </a:rPr>
-              <a:t>「</a:t>
-            </a:r>
-            <a:r>
-              <a:rPr lang="en-US" altLang="ja-JP" sz="1200"/>
-              <a:t>Ansible-Legacy/Playbook </a:t>
-            </a:r>
-            <a:r>
-              <a:rPr lang="ja-JP" altLang="en-US" sz="1200" smtClean="0"/>
-              <a:t>素材集</a:t>
-            </a:r>
-            <a:r>
-              <a:rPr kumimoji="1" lang="ja-JP" altLang="en-US" sz="1200" smtClean="0">
-                <a:latin typeface="+mn-ea"/>
-              </a:rPr>
-              <a:t>」を選択した。</a:t>
-            </a:r>
-            <a:endParaRPr kumimoji="1" lang="ja-JP" altLang="en-US" sz="1200" dirty="0" smtClean="0">
-              <a:latin typeface="+mn-ea"/>
-            </a:endParaRPr>
-          </a:p>
-        </p:txBody>
-      </p:sp>
-      <p:sp>
-        <p:nvSpPr>
-          <p:cNvPr id="10" name="角丸四角形 9"/>
-          <p:cNvSpPr/>
-          <p:nvPr/>
-        </p:nvSpPr>
-        <p:spPr bwMode="auto">
-          <a:xfrm>
-            <a:off x="1273889" y="5892661"/>
-            <a:ext cx="7414744" cy="513165"/>
-          </a:xfrm>
-          <a:prstGeom prst="roundRect">
-            <a:avLst/>
-          </a:prstGeom>
-          <a:solidFill>
-            <a:schemeClr val="bg1">
-              <a:lumMod val="95000"/>
-            </a:schemeClr>
-          </a:solidFill>
-          <a:ln w="12700">
-            <a:solidFill>
-              <a:schemeClr val="tx1"/>
-            </a:solidFill>
-          </a:ln>
-          <a:effectLst/>
-          <a:extLst/>
-        </p:spPr>
-        <p:txBody>
-          <a:bodyPr rot="0" spcFirstLastPara="0" vertOverflow="overflow" horzOverflow="overflow" vert="horz" wrap="none" lIns="72000" tIns="72000" rIns="72000" bIns="72000" numCol="1" spcCol="0" rtlCol="0" fromWordArt="0" anchor="t" anchorCtr="0" forceAA="0" compatLnSpc="1">
-            <a:prstTxWarp prst="textNoShape">
-              <a:avLst/>
-            </a:prstTxWarp>
-            <a:noAutofit/>
-          </a:bodyPr>
-          <a:lstStyle/>
-          <a:p>
-            <a:r>
-              <a:rPr lang="ja-JP" altLang="en-US" sz="1200" smtClean="0"/>
-              <a:t>「</a:t>
-            </a:r>
-            <a:r>
-              <a:rPr lang="en-US" altLang="ja-JP" sz="1200" smtClean="0"/>
-              <a:t>Ansible-Legacy/Playbook </a:t>
-            </a:r>
-            <a:r>
-              <a:rPr lang="ja-JP" altLang="en-US" sz="1200"/>
-              <a:t>素材集</a:t>
-            </a:r>
-            <a:r>
-              <a:rPr lang="ja-JP" altLang="en-US" sz="1200" smtClean="0">
-                <a:latin typeface="+mn-ea"/>
-              </a:rPr>
-              <a:t>」メニューへ登録されるレコードの</a:t>
-            </a:r>
-            <a:r>
-              <a:rPr lang="en-US" altLang="ja-JP" sz="1200" smtClean="0">
-                <a:latin typeface="+mn-ea"/>
-              </a:rPr>
-              <a:t/>
-            </a:r>
-            <a:br>
-              <a:rPr lang="en-US" altLang="ja-JP" sz="1200" smtClean="0">
-                <a:latin typeface="+mn-ea"/>
-              </a:rPr>
-            </a:br>
-            <a:r>
-              <a:rPr lang="ja-JP" altLang="en-US" sz="1200" smtClean="0">
-                <a:latin typeface="+mn-ea"/>
-              </a:rPr>
-              <a:t>「</a:t>
-            </a:r>
-            <a:r>
-              <a:rPr lang="en-US" altLang="ja-JP" sz="1200" smtClean="0">
-                <a:latin typeface="+mn-ea"/>
-              </a:rPr>
-              <a:t>Playbook</a:t>
-            </a:r>
-            <a:r>
-              <a:rPr lang="ja-JP" altLang="en-US" sz="1200" smtClean="0">
-                <a:latin typeface="+mn-ea"/>
-              </a:rPr>
-              <a:t>素材名」</a:t>
-            </a:r>
-            <a:r>
-              <a:rPr lang="ja-JP" altLang="en-US" sz="1200">
-                <a:latin typeface="+mn-ea"/>
-              </a:rPr>
-              <a:t>項目</a:t>
-            </a:r>
-            <a:r>
-              <a:rPr lang="ja-JP" altLang="en-US" sz="1200" smtClean="0">
-                <a:latin typeface="+mn-ea"/>
-              </a:rPr>
-              <a:t>に</a:t>
-            </a:r>
-            <a:r>
-              <a:rPr lang="ja-JP" altLang="en-US" sz="1200">
-                <a:latin typeface="+mn-ea"/>
-              </a:rPr>
-              <a:t>は</a:t>
-            </a:r>
-            <a:r>
-              <a:rPr lang="ja-JP" altLang="en-US" sz="1200" smtClean="0">
-                <a:latin typeface="+mn-ea"/>
-              </a:rPr>
-              <a:t>「</a:t>
-            </a:r>
-            <a:r>
-              <a:rPr lang="en-US" altLang="ja-JP" sz="1200" smtClean="0">
-                <a:solidFill>
-                  <a:srgbClr val="FF0000"/>
-                </a:solidFill>
-              </a:rPr>
-              <a:t>yum_package_install</a:t>
-            </a:r>
-            <a:r>
-              <a:rPr lang="ja-JP" altLang="en-US" sz="1200" smtClean="0">
-                <a:latin typeface="+mn-ea"/>
-              </a:rPr>
-              <a:t>」が登録値として利用される。</a:t>
-            </a:r>
-            <a:endParaRPr kumimoji="1" lang="ja-JP" altLang="en-US" sz="1200" dirty="0" smtClean="0">
-              <a:latin typeface="+mn-ea"/>
-            </a:endParaRPr>
-          </a:p>
-        </p:txBody>
-      </p:sp>
-      <p:sp>
-        <p:nvSpPr>
-          <p:cNvPr id="9" name="フローチャート: 組合せ 8"/>
-          <p:cNvSpPr/>
-          <p:nvPr/>
-        </p:nvSpPr>
-        <p:spPr bwMode="auto">
-          <a:xfrm>
-            <a:off x="4366584" y="5727213"/>
-            <a:ext cx="216030" cy="216030"/>
-          </a:xfrm>
-          <a:prstGeom prst="flowChartMerge">
-            <a:avLst/>
-          </a:prstGeom>
-          <a:solidFill>
-            <a:srgbClr val="FFC000"/>
-          </a:solidFill>
-          <a:ln w="12700">
-            <a:solidFill>
-              <a:schemeClr val="tx1"/>
-            </a:solidFill>
-          </a:ln>
-          <a:effectLst/>
-          <a:extLst/>
-        </p:spPr>
-        <p:txBody>
-          <a:bodyPr rot="0" spcFirstLastPara="0" vertOverflow="overflow" horzOverflow="overflow" vert="horz" wrap="none" lIns="72000" tIns="72000" rIns="72000" bIns="72000" numCol="1" spcCol="0" rtlCol="0" fromWordArt="0" anchor="ctr" anchorCtr="0" forceAA="0" compatLnSpc="1">
-            <a:prstTxWarp prst="textNoShape">
-              <a:avLst/>
-            </a:prstTxWarp>
-            <a:noAutofit/>
-          </a:bodyPr>
-          <a:lstStyle/>
-          <a:p>
-            <a:pPr algn="ctr"/>
-            <a:endParaRPr kumimoji="1" lang="ja-JP" altLang="en-US" b="1" dirty="0" smtClean="0">
-              <a:latin typeface="+mn-ea"/>
-            </a:endParaRPr>
-          </a:p>
-        </p:txBody>
-      </p:sp>
-      <p:sp>
-        <p:nvSpPr>
-          <p:cNvPr id="8" name="テキスト ボックス 7"/>
-          <p:cNvSpPr txBox="1"/>
-          <p:nvPr/>
-        </p:nvSpPr>
-        <p:spPr>
-          <a:xfrm>
-            <a:off x="455402" y="5650562"/>
-            <a:ext cx="698958" cy="369332"/>
-          </a:xfrm>
-          <a:prstGeom prst="rect">
-            <a:avLst/>
-          </a:prstGeom>
-          <a:solidFill>
-            <a:schemeClr val="accent1">
-              <a:lumMod val="20000"/>
-              <a:lumOff val="80000"/>
-            </a:schemeClr>
-          </a:solidFill>
-          <a:ln>
-            <a:solidFill>
-              <a:schemeClr val="tx1"/>
-            </a:solidFill>
-          </a:ln>
-        </p:spPr>
-        <p:txBody>
-          <a:bodyPr wrap="square" rtlCol="0" anchor="ctr">
-            <a:spAutoFit/>
-          </a:bodyPr>
-          <a:lstStyle/>
-          <a:p>
-            <a:pPr algn="ctr"/>
-            <a:r>
-              <a:rPr lang="ja-JP" altLang="en-US" b="1"/>
-              <a:t>例</a:t>
-            </a:r>
-            <a:endParaRPr kumimoji="1" lang="ja-JP" altLang="en-US" b="1"/>
-          </a:p>
-        </p:txBody>
-      </p:sp>
-    </p:spTree>
-    <p:extLst>
-      <p:ext uri="{BB962C8B-B14F-4D97-AF65-F5344CB8AC3E}">
-        <p14:creationId xmlns:p14="http://schemas.microsoft.com/office/powerpoint/2010/main" val="4133115594"/>
-      </p:ext>
-    </p:extLst>
-  </p:cSld>
-  <p:clrMapOvr>
-    <a:masterClrMapping/>
-  </p:clrMapOvr>
-</p:sld>
-</file>
-
-<file path=ppt/slides/slide13.xml><?xml version="1.0" encoding="utf-8"?>
-<p:sld xmlns:a="http://schemas.openxmlformats.org/drawingml/2006/main" xmlns:r="http://schemas.openxmlformats.org/officeDocument/2006/relationships" xmlns:p="http://schemas.openxmlformats.org/presentationml/2006/main">
-  <p:cSld>
-    <p:spTree>
-      <p:nvGrpSpPr>
-        <p:cNvPr id="1" name=""/>
-        <p:cNvGrpSpPr/>
-        <p:nvPr/>
-      </p:nvGrpSpPr>
-      <p:grpSpPr>
-        <a:xfrm>
-          <a:off x="0" y="0"/>
-          <a:ext cx="0" cy="0"/>
-          <a:chOff x="0" y="0"/>
-          <a:chExt cx="0" cy="0"/>
-        </a:xfrm>
-      </p:grpSpPr>
-      <p:sp>
-        <p:nvSpPr>
-          <p:cNvPr id="2" name="タイトル 1"/>
-          <p:cNvSpPr>
-            <a:spLocks noGrp="1"/>
-          </p:cNvSpPr>
-          <p:nvPr>
-            <p:ph type="title"/>
-          </p:nvPr>
-        </p:nvSpPr>
-        <p:spPr/>
-        <p:txBody>
-          <a:bodyPr/>
-          <a:lstStyle/>
-          <a:p>
-            <a:r>
               <a:rPr lang="en-US" altLang="ja-JP" dirty="0"/>
               <a:t>2.3</a:t>
             </a:r>
@@ -9459,6 +8577,10 @@
           <a:bodyPr/>
           <a:lstStyle/>
           <a:p>
+            <a:pPr>
+              <a:buFont typeface="Wingdings" panose="05000000000000000000" pitchFamily="2" charset="2"/>
+              <a:buChar char="l"/>
+            </a:pPr>
             <a:r>
               <a:rPr lang="ja-JP" altLang="en-US" b="1" dirty="0" smtClean="0"/>
               <a:t>資材紐付</a:t>
@@ -9625,9 +8747,7 @@
               <a:gd name="adj3" fmla="val 16667"/>
             </a:avLst>
           </a:prstGeom>
-          <a:solidFill>
-            <a:schemeClr val="bg1"/>
-          </a:solidFill>
+          <a:noFill/>
           <a:ln w="12700">
             <a:solidFill>
               <a:srgbClr val="002060"/>
@@ -9683,9 +8803,7 @@
               <a:gd name="adj3" fmla="val 16667"/>
             </a:avLst>
           </a:prstGeom>
-          <a:solidFill>
-            <a:schemeClr val="bg1"/>
-          </a:solidFill>
+          <a:noFill/>
           <a:ln w="12700">
             <a:solidFill>
               <a:srgbClr val="002060"/>
@@ -9770,9 +8888,7 @@
               <a:gd name="adj3" fmla="val 16667"/>
             </a:avLst>
           </a:prstGeom>
-          <a:solidFill>
-            <a:schemeClr val="bg1"/>
-          </a:solidFill>
+          <a:noFill/>
           <a:ln w="12700">
             <a:solidFill>
               <a:srgbClr val="002060"/>
@@ -9840,9 +8956,7 @@
               <a:gd name="adj3" fmla="val 16667"/>
             </a:avLst>
           </a:prstGeom>
-          <a:solidFill>
-            <a:schemeClr val="bg1"/>
-          </a:solidFill>
+          <a:noFill/>
           <a:ln w="12700">
             <a:solidFill>
               <a:srgbClr val="002060"/>
@@ -9912,7 +9026,7 @@
 </p:sld>
 </file>
 
-<file path=ppt/slides/slide14.xml><?xml version="1.0" encoding="utf-8"?>
+<file path=ppt/slides/slide13.xml><?xml version="1.0" encoding="utf-8"?>
 <p:sld xmlns:a="http://schemas.openxmlformats.org/drawingml/2006/main" xmlns:r="http://schemas.openxmlformats.org/officeDocument/2006/relationships" xmlns:p="http://schemas.openxmlformats.org/presentationml/2006/main">
   <p:cSld>
     <p:spTree>
@@ -9937,7 +9051,7 @@
         </p:nvSpPr>
         <p:spPr bwMode="auto">
           <a:xfrm>
-            <a:off x="365363" y="2706764"/>
+            <a:off x="318890" y="1842644"/>
             <a:ext cx="576080" cy="2644992"/>
           </a:xfrm>
           <a:prstGeom prst="downArrow">
@@ -10035,7 +9149,7 @@
         <p:spPr>
           <a:xfrm>
             <a:off x="107380" y="796538"/>
-            <a:ext cx="8784976" cy="1140304"/>
+            <a:ext cx="8784976" cy="753694"/>
           </a:xfrm>
         </p:spPr>
         <p:txBody>
@@ -10044,99 +9158,50 @@
           </a:bodyPr>
           <a:lstStyle/>
           <a:p>
-            <a:r>
-              <a:rPr kumimoji="1" lang="en-US" altLang="ja-JP" b="1" smtClean="0"/>
+            <a:pPr>
+              <a:buFont typeface="Wingdings" panose="05000000000000000000" pitchFamily="2" charset="2"/>
+              <a:buChar char="l"/>
+            </a:pPr>
+            <a:r>
+              <a:rPr kumimoji="1" lang="en-US" altLang="ja-JP" dirty="0" smtClean="0"/>
               <a:t>CI/CD</a:t>
             </a:r>
             <a:r>
-              <a:rPr kumimoji="1" lang="ja-JP" altLang="en-US" b="1" smtClean="0"/>
+              <a:rPr kumimoji="1" lang="ja-JP" altLang="en-US" dirty="0" smtClean="0"/>
               <a:t> </a:t>
             </a:r>
             <a:r>
-              <a:rPr kumimoji="1" lang="en-US" altLang="ja-JP" b="1" smtClean="0"/>
+              <a:rPr kumimoji="1" lang="en-US" altLang="ja-JP" dirty="0" smtClean="0"/>
               <a:t>for</a:t>
             </a:r>
             <a:r>
-              <a:rPr kumimoji="1" lang="ja-JP" altLang="en-US" b="1" smtClean="0"/>
+              <a:rPr kumimoji="1" lang="ja-JP" altLang="en-US" dirty="0" smtClean="0"/>
               <a:t> </a:t>
             </a:r>
             <a:r>
-              <a:rPr kumimoji="1" lang="en-US" altLang="ja-JP" b="1" smtClean="0"/>
+              <a:rPr kumimoji="1" lang="en-US" altLang="ja-JP" dirty="0" err="1" smtClean="0"/>
               <a:t>IaC</a:t>
             </a:r>
             <a:r>
-              <a:rPr kumimoji="1" lang="ja-JP" altLang="en-US" b="1" smtClean="0"/>
-              <a:t>の作業フロー</a:t>
-            </a:r>
-            <a:r>
-              <a:rPr kumimoji="1" lang="en-US" altLang="ja-JP" smtClean="0"/>
+              <a:rPr kumimoji="1" lang="ja-JP" altLang="en-US" dirty="0" smtClean="0"/>
+              <a:t>の作業フローは以下の</a:t>
+            </a:r>
+            <a:r>
+              <a:rPr lang="ja-JP" altLang="en-US" dirty="0" smtClean="0"/>
+              <a:t>通りです。</a:t>
+            </a:r>
+            <a:r>
+              <a:rPr lang="en-US" altLang="ja-JP" dirty="0" smtClean="0"/>
               <a:t/>
             </a:r>
             <a:br>
-              <a:rPr kumimoji="1" lang="en-US" altLang="ja-JP" smtClean="0"/>
+              <a:rPr lang="en-US" altLang="ja-JP" dirty="0" smtClean="0"/>
             </a:br>
             <a:r>
-              <a:rPr lang="en-US" altLang="ja-JP" sz="1600"/>
-              <a:t>CI/CD</a:t>
-            </a:r>
-            <a:r>
-              <a:rPr lang="ja-JP" altLang="en-US" sz="1600"/>
-              <a:t> </a:t>
-            </a:r>
-            <a:r>
-              <a:rPr lang="en-US" altLang="ja-JP" sz="1600"/>
-              <a:t>for</a:t>
-            </a:r>
-            <a:r>
-              <a:rPr lang="ja-JP" altLang="en-US" sz="1600"/>
-              <a:t> </a:t>
-            </a:r>
-            <a:r>
-              <a:rPr lang="en-US" altLang="ja-JP" sz="1600"/>
-              <a:t>IaC</a:t>
-            </a:r>
-            <a:r>
-              <a:rPr lang="ja-JP" altLang="en-US" sz="1600"/>
-              <a:t>の</a:t>
-            </a:r>
-            <a:r>
-              <a:rPr lang="ja-JP" altLang="en-US" sz="1600"/>
-              <a:t>作業</a:t>
-            </a:r>
-            <a:r>
-              <a:rPr lang="ja-JP" altLang="en-US" sz="1600" smtClean="0"/>
-              <a:t>フローは以下の通りです。</a:t>
-            </a:r>
-            <a:r>
-              <a:rPr lang="en-US" altLang="ja-JP" sz="1600"/>
-              <a:t/>
-            </a:r>
-            <a:br>
-              <a:rPr lang="en-US" altLang="ja-JP" sz="1600"/>
-            </a:br>
-            <a:r>
-              <a:rPr lang="ja-JP" altLang="en-US" sz="1600" smtClean="0"/>
-              <a:t>実際</a:t>
-            </a:r>
-            <a:r>
-              <a:rPr lang="ja-JP" altLang="en-US" sz="1600" smtClean="0"/>
-              <a:t>の</a:t>
-            </a:r>
-            <a:r>
-              <a:rPr lang="ja-JP" altLang="en-US" sz="1600" smtClean="0"/>
-              <a:t>操作手順は</a:t>
-            </a:r>
-            <a:r>
-              <a:rPr lang="ja-JP" altLang="en-US" sz="1600" dirty="0" smtClean="0">
-                <a:hlinkClick r:id="rId2"/>
-              </a:rPr>
-              <a:t>実習編</a:t>
-            </a:r>
-            <a:r>
-              <a:rPr lang="ja-JP" altLang="en-US" sz="1600" dirty="0" smtClean="0"/>
-              <a:t>にて記載しています。</a:t>
-            </a:r>
-            <a:endParaRPr kumimoji="1" lang="ja-JP" altLang="en-US" sz="1600" dirty="0"/>
+              <a:rPr lang="ja-JP" altLang="en-US" dirty="0" smtClean="0"/>
+              <a:t>実際の操作は実習編にて記載しています。</a:t>
+            </a:r>
+            <a:endParaRPr kumimoji="1" lang="ja-JP" altLang="en-US" dirty="0"/>
           </a:p>
         </p:txBody>
       </p:sp>
@@ -10148,7 +9213,7 @@
         </p:nvSpPr>
         <p:spPr bwMode="auto">
           <a:xfrm>
-            <a:off x="380357" y="4419388"/>
+            <a:off x="333884" y="3555268"/>
             <a:ext cx="6048840" cy="368191"/>
           </a:xfrm>
           <a:prstGeom prst="roundRect">
@@ -10159,7 +9224,7 @@
           </a:solidFill>
           <a:ln w="28575">
             <a:solidFill>
-              <a:srgbClr val="CC9900"/>
+              <a:srgbClr val="336600"/>
             </a:solidFill>
           </a:ln>
           <a:effectLst/>
@@ -10222,16 +9287,14 @@
         </p:nvSpPr>
         <p:spPr bwMode="auto">
           <a:xfrm>
-            <a:off x="365363" y="3851281"/>
+            <a:off x="318890" y="2987161"/>
             <a:ext cx="6048840" cy="368191"/>
           </a:xfrm>
           <a:prstGeom prst="roundRect">
             <a:avLst/>
           </a:prstGeom>
           <a:solidFill>
-            <a:schemeClr val="bg1">
-              <a:lumMod val="85000"/>
-            </a:schemeClr>
+            <a:schemeClr val="bg1"/>
           </a:solidFill>
           <a:ln w="28575">
             <a:solidFill>
@@ -10273,16 +9336,14 @@
         </p:nvSpPr>
         <p:spPr bwMode="auto">
           <a:xfrm>
-            <a:off x="365363" y="2706765"/>
+            <a:off x="318890" y="1842645"/>
             <a:ext cx="6048840" cy="358981"/>
           </a:xfrm>
           <a:prstGeom prst="roundRect">
             <a:avLst/>
           </a:prstGeom>
           <a:solidFill>
-            <a:schemeClr val="bg1">
-              <a:lumMod val="85000"/>
-            </a:schemeClr>
+            <a:schemeClr val="bg1"/>
           </a:solidFill>
           <a:ln w="28575">
             <a:solidFill>
@@ -10318,16 +9379,14 @@
         </p:nvSpPr>
         <p:spPr bwMode="auto">
           <a:xfrm>
-            <a:off x="365363" y="3280164"/>
+            <a:off x="318890" y="2416044"/>
             <a:ext cx="6048840" cy="368191"/>
           </a:xfrm>
           <a:prstGeom prst="roundRect">
             <a:avLst/>
           </a:prstGeom>
           <a:solidFill>
-            <a:schemeClr val="bg1">
-              <a:lumMod val="85000"/>
-            </a:schemeClr>
+            <a:schemeClr val="bg1"/>
           </a:solidFill>
           <a:ln w="28575">
             <a:solidFill>
@@ -10369,16 +9428,14 @@
         </p:nvSpPr>
         <p:spPr bwMode="auto">
           <a:xfrm>
-            <a:off x="386684" y="4987495"/>
+            <a:off x="340211" y="4123375"/>
             <a:ext cx="6048840" cy="364261"/>
           </a:xfrm>
           <a:prstGeom prst="roundRect">
             <a:avLst/>
           </a:prstGeom>
           <a:solidFill>
-            <a:schemeClr val="bg1">
-              <a:lumMod val="85000"/>
-            </a:schemeClr>
+            <a:schemeClr val="bg1"/>
           </a:solidFill>
           <a:ln w="28575">
             <a:solidFill>
@@ -10420,7 +9477,7 @@
         </p:nvSpPr>
         <p:spPr>
           <a:xfrm>
-            <a:off x="6706763" y="2780910"/>
+            <a:off x="6660290" y="1916790"/>
             <a:ext cx="2160300" cy="369332"/>
           </a:xfrm>
           <a:prstGeom prst="rect">
@@ -10458,16 +9515,14 @@
         </p:nvSpPr>
         <p:spPr bwMode="auto">
           <a:xfrm>
-            <a:off x="6994803" y="3184807"/>
+            <a:off x="6948330" y="2320687"/>
             <a:ext cx="1332820" cy="402793"/>
           </a:xfrm>
           <a:prstGeom prst="roundRect">
             <a:avLst/>
           </a:prstGeom>
           <a:solidFill>
-            <a:schemeClr val="bg1">
-              <a:lumMod val="85000"/>
-            </a:schemeClr>
+            <a:schemeClr val="bg1"/>
           </a:solidFill>
           <a:ln w="28575">
             <a:solidFill>
@@ -10503,7 +9558,7 @@
         </p:nvSpPr>
         <p:spPr bwMode="auto">
           <a:xfrm>
-            <a:off x="6994803" y="3819082"/>
+            <a:off x="6948330" y="2954962"/>
             <a:ext cx="1332820" cy="388699"/>
           </a:xfrm>
           <a:prstGeom prst="roundRect">
@@ -10514,7 +9569,7 @@
           </a:solidFill>
           <a:ln w="28575">
             <a:solidFill>
-              <a:srgbClr val="CC9900"/>
+              <a:srgbClr val="336600"/>
             </a:solidFill>
           </a:ln>
           <a:effectLst/>
@@ -10549,7 +9604,7 @@
         </p:nvSpPr>
         <p:spPr bwMode="auto">
           <a:xfrm>
-            <a:off x="6778773" y="2708900"/>
+            <a:off x="6732300" y="1844780"/>
             <a:ext cx="1944270" cy="1867072"/>
           </a:xfrm>
           <a:prstGeom prst="rect">
@@ -10600,7 +9655,7 @@
 </p:sld>
 </file>
 
-<file path=ppt/slides/slide15.xml><?xml version="1.0" encoding="utf-8"?>
+<file path=ppt/slides/slide14.xml><?xml version="1.0" encoding="utf-8"?>
 <p:sld xmlns:a="http://schemas.openxmlformats.org/drawingml/2006/main" xmlns:r="http://schemas.openxmlformats.org/officeDocument/2006/relationships" xmlns:p="http://schemas.openxmlformats.org/presentationml/2006/main">
   <p:cSld>
     <p:spTree>
@@ -11103,10 +10158,9 @@
           <a:lstStyle/>
           <a:p>
             <a:r>
-              <a:rPr lang="ja-JP" altLang="en-US" b="1" dirty="0"/>
+              <a:rPr lang="ja-JP" altLang="en-US" sz="1600" b="1" dirty="0"/>
               <a:t>メインメニュー</a:t>
             </a:r>
-            <a:endParaRPr lang="ja-JP" altLang="en-US" sz="1600" b="1" dirty="0"/>
           </a:p>
           <a:p>
             <a:pPr>
@@ -11114,30 +10168,49 @@
               <a:buChar char="l"/>
             </a:pPr>
             <a:r>
-              <a:rPr lang="ja-JP" altLang="en-US" sz="1600" dirty="0" smtClean="0"/>
-              <a:t>本書</a:t>
-            </a:r>
-            <a:r>
-              <a:rPr lang="ja-JP" altLang="en-US" sz="1600" smtClean="0"/>
-              <a:t>で</a:t>
-            </a:r>
-            <a:r>
-              <a:rPr lang="ja-JP" altLang="en-US" sz="1600" smtClean="0"/>
-              <a:t>は「</a:t>
-            </a:r>
-            <a:r>
-              <a:rPr lang="en-US" altLang="ja-JP" sz="1600" b="1" dirty="0" smtClean="0"/>
+              <a:rPr lang="ja-JP" altLang="en-US" sz="1800" dirty="0" smtClean="0"/>
+              <a:t>本書では</a:t>
+            </a:r>
+            <a:r>
+              <a:rPr lang="ja-JP" altLang="en-US" sz="1800" dirty="0"/>
+              <a:t>、メニューグループ</a:t>
+            </a:r>
+            <a:r>
+              <a:rPr lang="ja-JP" altLang="en-US" sz="1800" dirty="0" smtClean="0"/>
+              <a:t>の</a:t>
+            </a:r>
+            <a:r>
+              <a:rPr lang="en-US" altLang="ja-JP" sz="1800" dirty="0" smtClean="0"/>
+              <a:t/>
+            </a:r>
+            <a:br>
+              <a:rPr lang="en-US" altLang="ja-JP" sz="1800" dirty="0" smtClean="0"/>
+            </a:br>
+            <a:r>
+              <a:rPr lang="ja-JP" altLang="en-US" sz="1800" dirty="0" smtClean="0"/>
+              <a:t>「</a:t>
+            </a:r>
+            <a:r>
+              <a:rPr lang="en-US" altLang="ja-JP" sz="1800" b="1" dirty="0" smtClean="0"/>
               <a:t>CI/CD for </a:t>
             </a:r>
             <a:r>
-              <a:rPr lang="en-US" altLang="ja-JP" sz="1600" b="1" err="1" smtClean="0"/>
+              <a:rPr lang="en-US" altLang="ja-JP" sz="1800" b="1" dirty="0" err="1" smtClean="0"/>
               <a:t>IaC</a:t>
             </a:r>
             <a:r>
-              <a:rPr lang="ja-JP" altLang="en-US" sz="1600" smtClean="0"/>
-              <a:t>」メニューグループの解説を扱います。</a:t>
-            </a:r>
-            <a:endParaRPr lang="en-US" altLang="ja-JP" sz="1600" dirty="0" smtClean="0"/>
+              <a:rPr lang="ja-JP" altLang="en-US" sz="1800" dirty="0" smtClean="0"/>
+              <a:t>」について</a:t>
+            </a:r>
+            <a:r>
+              <a:rPr lang="ja-JP" altLang="en-US" sz="1800" dirty="0"/>
+              <a:t>、ご説明をしております</a:t>
+            </a:r>
+            <a:r>
+              <a:rPr lang="ja-JP" altLang="en-US" sz="1800" dirty="0" smtClean="0"/>
+              <a:t>。</a:t>
+            </a:r>
+            <a:endParaRPr lang="en-US" altLang="ja-JP" sz="1800" dirty="0" smtClean="0"/>
           </a:p>
           <a:p>
             <a:pPr>
@@ -11145,48 +10218,26 @@
               <a:buChar char="l"/>
             </a:pPr>
             <a:r>
-              <a:rPr lang="ja-JP" altLang="en-US" sz="1600" dirty="0" smtClean="0">
-                <a:hlinkClick r:id="rId2"/>
-              </a:rPr>
+              <a:rPr lang="ja-JP" altLang="en-US" sz="1800" dirty="0" smtClean="0"/>
               <a:t>実習編</a:t>
             </a:r>
             <a:r>
-              <a:rPr lang="ja-JP" altLang="en-US" sz="1600" dirty="0"/>
+              <a:rPr lang="ja-JP" altLang="en-US" sz="1800" dirty="0"/>
               <a:t>では</a:t>
             </a:r>
             <a:r>
-              <a:rPr lang="en-US" altLang="ja-JP" sz="1600" dirty="0"/>
+              <a:rPr lang="en-US" altLang="ja-JP" sz="1800" dirty="0"/>
               <a:t>ITA</a:t>
             </a:r>
             <a:r>
-              <a:rPr lang="ja-JP" altLang="en-US" sz="1600" dirty="0"/>
-              <a:t>の画面を用いて</a:t>
-            </a:r>
-            <a:r>
-              <a:rPr lang="ja-JP" altLang="en-US" sz="1600"/>
-              <a:t>説明</a:t>
-            </a:r>
-            <a:r>
-              <a:rPr lang="ja-JP" altLang="en-US" sz="1600" smtClean="0"/>
-              <a:t>して</a:t>
-            </a:r>
-            <a:r>
-              <a:rPr lang="ja-JP" altLang="en-US" sz="1600" smtClean="0"/>
-              <a:t>い</a:t>
-            </a:r>
-            <a:r>
-              <a:rPr lang="ja-JP" altLang="en-US" sz="1600" smtClean="0"/>
-              <a:t>ます。あわせて</a:t>
-            </a:r>
-            <a:r>
-              <a:rPr lang="ja-JP" altLang="en-US" sz="1600" dirty="0"/>
-              <a:t>ご覧ください</a:t>
-            </a:r>
-            <a:r>
-              <a:rPr lang="ja-JP" altLang="en-US" sz="1600" dirty="0" smtClean="0"/>
+              <a:rPr lang="ja-JP" altLang="en-US" sz="1800" dirty="0"/>
+              <a:t>の画面を用いて説明しておりますので合わせてご覧ください</a:t>
+            </a:r>
+            <a:r>
+              <a:rPr lang="ja-JP" altLang="en-US" sz="1800" dirty="0" smtClean="0"/>
               <a:t>。</a:t>
             </a:r>
-            <a:endParaRPr lang="en-US" altLang="ja-JP" sz="1600" dirty="0">
+            <a:endParaRPr lang="en-US" altLang="ja-JP" sz="1800" dirty="0">
               <a:solidFill>
                 <a:schemeClr val="bg1"/>
               </a:solidFill>
@@ -11379,7 +10430,7 @@
           <p:nvPr/>
         </p:nvPicPr>
         <p:blipFill>
-          <a:blip r:embed="rId3"/>
+          <a:blip r:embed="rId2"/>
           <a:stretch>
             <a:fillRect/>
           </a:stretch>
@@ -11567,7 +10618,7 @@
         </p:nvSpPr>
         <p:spPr>
           <a:xfrm>
-            <a:off x="194685" y="728560"/>
+            <a:off x="140956" y="728560"/>
             <a:ext cx="8784976" cy="5760233"/>
           </a:xfrm>
         </p:spPr>
@@ -11577,19 +10628,23 @@
           </a:bodyPr>
           <a:lstStyle/>
           <a:p>
-            <a:r>
-              <a:rPr lang="en-US" altLang="ja-JP" b="1" dirty="0" smtClean="0"/>
+            <a:pPr>
+              <a:buFont typeface="Wingdings" panose="05000000000000000000" pitchFamily="2" charset="2"/>
+              <a:buChar char="l"/>
+            </a:pPr>
+            <a:r>
+              <a:rPr lang="en-US" altLang="ja-JP" dirty="0" smtClean="0"/>
               <a:t>CI/CD for </a:t>
             </a:r>
             <a:r>
-              <a:rPr lang="en-US" altLang="ja-JP" b="1" dirty="0" err="1" smtClean="0"/>
+              <a:rPr lang="en-US" altLang="ja-JP" dirty="0" err="1" smtClean="0"/>
               <a:t>IaC</a:t>
             </a:r>
             <a:r>
-              <a:rPr lang="ja-JP" altLang="en-US" b="1" dirty="0" smtClean="0"/>
+              <a:rPr lang="ja-JP" altLang="en-US" dirty="0" smtClean="0"/>
               <a:t>とは</a:t>
             </a:r>
-            <a:endParaRPr lang="en-US" altLang="ja-JP" sz="1200" b="1" dirty="0">
+            <a:endParaRPr lang="en-US" altLang="ja-JP" sz="1200" dirty="0">
               <a:solidFill>
                 <a:schemeClr val="bg1"/>
               </a:solidFill>
@@ -11598,223 +10653,103 @@
           <a:p>
             <a:pPr lvl="1"/>
             <a:r>
-              <a:rPr lang="en-US" altLang="ja-JP"/>
+              <a:rPr lang="en-US" altLang="ja-JP" dirty="0" err="1" smtClean="0"/>
+              <a:t>Ansible</a:t>
+            </a:r>
+            <a:r>
+              <a:rPr lang="ja-JP" altLang="en-US" smtClean="0"/>
+              <a:t>の</a:t>
+            </a:r>
+            <a:r>
+              <a:rPr lang="en-US" altLang="ja-JP" smtClean="0"/>
+              <a:t>Playbook</a:t>
+            </a:r>
+            <a:r>
+              <a:rPr lang="ja-JP" altLang="en-US" dirty="0" smtClean="0"/>
+              <a:t>や</a:t>
+            </a:r>
+            <a:r>
+              <a:rPr lang="en-US" altLang="ja-JP" dirty="0" smtClean="0"/>
+              <a:t>Terraform</a:t>
+            </a:r>
+            <a:r>
+              <a:rPr lang="ja-JP" altLang="en-US" dirty="0" smtClean="0"/>
+              <a:t>の</a:t>
+            </a:r>
+            <a:r>
+              <a:rPr lang="en-US" altLang="ja-JP" dirty="0" err="1" smtClean="0"/>
+              <a:t>IaC</a:t>
+            </a:r>
+            <a:r>
+              <a:rPr lang="ja-JP" altLang="en-US" dirty="0" smtClean="0"/>
+              <a:t>（</a:t>
+            </a:r>
+            <a:r>
+              <a:rPr lang="en-US" altLang="ja-JP" dirty="0" smtClean="0"/>
+              <a:t>Infrastructure as Code</a:t>
+            </a:r>
+            <a:r>
+              <a:rPr lang="ja-JP" altLang="en-US" dirty="0" smtClean="0"/>
+              <a:t>）の資材を利用して開発をする際、</a:t>
+            </a:r>
+            <a:r>
+              <a:rPr lang="en-US" altLang="ja-JP" dirty="0" smtClean="0"/>
+              <a:t>CI</a:t>
+            </a:r>
+            <a:r>
+              <a:rPr lang="ja-JP" altLang="en-US" dirty="0" smtClean="0"/>
+              <a:t>（継続的インテグレーション）によるビルド、テストを自動的に実行し、</a:t>
+            </a:r>
+            <a:r>
+              <a:rPr lang="en-US" altLang="ja-JP" dirty="0" smtClean="0"/>
+              <a:t>CD</a:t>
+            </a:r>
+            <a:r>
+              <a:rPr lang="ja-JP" altLang="en-US" dirty="0" smtClean="0"/>
+              <a:t>（継続的デリバリー）による環境構築、動作確認を自動的に実行します。</a:t>
+            </a:r>
+            <a:r>
+              <a:rPr lang="en-US" altLang="ja-JP" dirty="0"/>
+              <a:t/>
+            </a:r>
+            <a:br>
+              <a:rPr lang="en-US" altLang="ja-JP" dirty="0"/>
+            </a:br>
+            <a:r>
+              <a:rPr lang="ja-JP" altLang="en-US" dirty="0" smtClean="0"/>
+              <a:t>また、</a:t>
+            </a:r>
+            <a:r>
+              <a:rPr lang="en-US" altLang="ja-JP" dirty="0" err="1" smtClean="0"/>
+              <a:t>Git</a:t>
+            </a:r>
+            <a:r>
+              <a:rPr lang="ja-JP" altLang="en-US" dirty="0" smtClean="0"/>
+              <a:t>と連携することにより資材のバージョン管理、誰がいつどの資材をコミットしたかなどの確認が可能になります。</a:t>
+            </a:r>
+            <a:r>
+              <a:rPr lang="en-US" altLang="ja-JP" dirty="0" err="1" smtClean="0"/>
+              <a:t>Git</a:t>
+            </a:r>
+            <a:r>
+              <a:rPr lang="ja-JP" altLang="en-US" dirty="0" smtClean="0"/>
+              <a:t>に資材をアップロードし、設定をするだけで自動的に環境構築まで実行するため、</a:t>
+            </a:r>
+            <a:r>
+              <a:rPr lang="en-US" altLang="ja-JP" dirty="0" smtClean="0"/>
+              <a:t>ITA</a:t>
+            </a:r>
+            <a:r>
+              <a:rPr lang="ja-JP" altLang="en-US" dirty="0" smtClean="0"/>
+              <a:t>の環境による</a:t>
+            </a:r>
+            <a:r>
+              <a:rPr lang="en-US" altLang="ja-JP" dirty="0" err="1" smtClean="0"/>
               <a:t>GitOps</a:t>
             </a:r>
             <a:r>
-              <a:rPr lang="ja-JP" altLang="en-US"/>
-              <a:t>を</a:t>
-            </a:r>
-            <a:r>
-              <a:rPr lang="en-US" altLang="ja-JP"/>
-              <a:t>ITA</a:t>
-            </a:r>
-            <a:r>
-              <a:rPr lang="ja-JP" altLang="en-US"/>
-              <a:t>環境で実現する機能</a:t>
-            </a:r>
-            <a:r>
-              <a:rPr lang="ja-JP" altLang="en-US"/>
-              <a:t>です</a:t>
-            </a:r>
-            <a:r>
-              <a:rPr lang="ja-JP" altLang="en-US" smtClean="0"/>
-              <a:t>。</a:t>
-            </a:r>
-            <a:r>
-              <a:rPr lang="en-US" altLang="ja-JP" smtClean="0"/>
-              <a:t>Ansible</a:t>
-            </a:r>
-            <a:r>
-              <a:rPr lang="ja-JP" altLang="en-US"/>
-              <a:t>の</a:t>
-            </a:r>
-            <a:r>
-              <a:rPr lang="en-US" altLang="ja-JP"/>
-              <a:t>Playbook</a:t>
-            </a:r>
-            <a:r>
-              <a:rPr lang="ja-JP" altLang="en-US"/>
-              <a:t>や、</a:t>
-            </a:r>
-            <a:r>
-              <a:rPr lang="en-US" altLang="ja-JP"/>
-              <a:t>Terraform</a:t>
-            </a:r>
-            <a:r>
-              <a:rPr lang="ja-JP" altLang="en-US"/>
-              <a:t>の</a:t>
-            </a:r>
-            <a:r>
-              <a:rPr lang="en-US" altLang="ja-JP"/>
-              <a:t>Module</a:t>
-            </a:r>
-            <a:r>
-              <a:rPr lang="ja-JP" altLang="en-US"/>
-              <a:t>もしくは</a:t>
-            </a:r>
-            <a:r>
-              <a:rPr lang="en-US" altLang="ja-JP"/>
-              <a:t>Policy</a:t>
-            </a:r>
-            <a:r>
-              <a:rPr lang="ja-JP" altLang="en-US"/>
-              <a:t>を更新する際</a:t>
-            </a:r>
-            <a:r>
-              <a:rPr lang="ja-JP" altLang="en-US"/>
-              <a:t>の</a:t>
-            </a:r>
-            <a:r>
-              <a:rPr lang="ja-JP" altLang="en-US" smtClean="0"/>
-              <a:t>、ビルド</a:t>
-            </a:r>
-            <a:r>
-              <a:rPr lang="ja-JP" altLang="en-US"/>
-              <a:t>・テスト</a:t>
-            </a:r>
-            <a:r>
-              <a:rPr lang="en-US" altLang="ja-JP"/>
-              <a:t>(</a:t>
-            </a:r>
-            <a:r>
-              <a:rPr lang="ja-JP" altLang="en-US"/>
-              <a:t>継続的インテグレーション</a:t>
-            </a:r>
-            <a:r>
-              <a:rPr lang="en-US" altLang="ja-JP"/>
-              <a:t>)</a:t>
-            </a:r>
-            <a:r>
-              <a:rPr lang="ja-JP" altLang="en-US"/>
-              <a:t>や、環境構築・動作確認</a:t>
-            </a:r>
-            <a:r>
-              <a:rPr lang="en-US" altLang="ja-JP"/>
-              <a:t>(</a:t>
-            </a:r>
-            <a:r>
-              <a:rPr lang="ja-JP" altLang="en-US"/>
-              <a:t>継続的デリバリー</a:t>
-            </a:r>
-            <a:r>
-              <a:rPr lang="en-US" altLang="ja-JP"/>
-              <a:t>)</a:t>
-            </a:r>
-            <a:r>
-              <a:rPr lang="ja-JP" altLang="en-US"/>
-              <a:t>などの作業を自動化</a:t>
-            </a:r>
-            <a:r>
-              <a:rPr lang="ja-JP" altLang="en-US"/>
-              <a:t>します</a:t>
-            </a:r>
-            <a:r>
-              <a:rPr lang="ja-JP" altLang="en-US" smtClean="0"/>
-              <a:t>。</a:t>
-            </a:r>
-          </a:p>
-          <a:p>
-            <a:pPr lvl="1"/>
-            <a:r>
-              <a:rPr lang="en-US" altLang="ja-JP"/>
-              <a:t>Git</a:t>
-            </a:r>
-            <a:r>
-              <a:rPr lang="ja-JP" altLang="en-US" smtClean="0"/>
-              <a:t>リポジトリの</a:t>
-            </a:r>
-            <a:r>
-              <a:rPr lang="en-US" altLang="ja-JP" smtClean="0">
-                <a:solidFill>
-                  <a:srgbClr val="FF0000"/>
-                </a:solidFill>
-              </a:rPr>
-              <a:t>IaC</a:t>
-            </a:r>
-            <a:r>
-              <a:rPr lang="ja-JP" altLang="en-US" smtClean="0">
-                <a:solidFill>
-                  <a:srgbClr val="FF0000"/>
-                </a:solidFill>
-              </a:rPr>
-              <a:t>資材の更新をトリガーに、自動で</a:t>
-            </a:r>
-            <a:r>
-              <a:rPr lang="en-US" altLang="ja-JP" smtClean="0">
-                <a:solidFill>
-                  <a:srgbClr val="FF0000"/>
-                </a:solidFill>
-              </a:rPr>
-              <a:t>IaC</a:t>
-            </a:r>
-            <a:r>
-              <a:rPr lang="ja-JP" altLang="en-US" smtClean="0">
-                <a:solidFill>
-                  <a:srgbClr val="FF0000"/>
-                </a:solidFill>
-              </a:rPr>
-              <a:t>をシステムへ適用</a:t>
-            </a:r>
-            <a:r>
-              <a:rPr lang="ja-JP" altLang="en-US" smtClean="0"/>
-              <a:t>できます。</a:t>
-            </a:r>
-            <a:endParaRPr lang="ja-JP" altLang="en-US"/>
-          </a:p>
-          <a:p>
-            <a:pPr lvl="1"/>
-            <a:r>
-              <a:rPr lang="en-US" altLang="ja-JP" smtClean="0"/>
-              <a:t>Ia</a:t>
-            </a:r>
-            <a:r>
-              <a:rPr lang="en-US" altLang="ja-JP"/>
-              <a:t>C</a:t>
-            </a:r>
-            <a:r>
-              <a:rPr lang="ja-JP" altLang="en-US" smtClean="0"/>
-              <a:t>資材</a:t>
-            </a:r>
-            <a:r>
-              <a:rPr lang="ja-JP" altLang="en-US"/>
-              <a:t>を</a:t>
-            </a:r>
-            <a:r>
-              <a:rPr lang="en-US" altLang="ja-JP"/>
-              <a:t>Git</a:t>
-            </a:r>
-            <a:r>
-              <a:rPr lang="ja-JP" altLang="en-US"/>
-              <a:t>と</a:t>
-            </a:r>
-            <a:r>
-              <a:rPr lang="ja-JP" altLang="en-US"/>
-              <a:t>連携</a:t>
-            </a:r>
-            <a:r>
-              <a:rPr lang="ja-JP" altLang="en-US" smtClean="0"/>
-              <a:t>するため、バージョン</a:t>
-            </a:r>
-            <a:r>
-              <a:rPr lang="ja-JP" altLang="en-US"/>
-              <a:t>管理</a:t>
-            </a:r>
-            <a:r>
-              <a:rPr lang="ja-JP" altLang="en-US" smtClean="0"/>
-              <a:t>や</a:t>
-            </a:r>
-            <a:r>
-              <a:rPr lang="ja-JP" altLang="en-US"/>
-              <a:t>コミット</a:t>
-            </a:r>
-            <a:r>
-              <a:rPr lang="ja-JP" altLang="en-US" smtClean="0"/>
-              <a:t>履歴</a:t>
-            </a:r>
-            <a:r>
-              <a:rPr lang="ja-JP" altLang="en-US"/>
-              <a:t>の確認が可能になります。</a:t>
+              <a:rPr lang="ja-JP" altLang="en-US" dirty="0" smtClean="0"/>
+              <a:t>を実現しました。</a:t>
             </a:r>
             <a:endParaRPr lang="en-US" altLang="ja-JP" dirty="0" smtClean="0"/>
           </a:p>
@@ -12004,3306 +10939,30 @@
           </a:p>
         </p:txBody>
       </p:sp>
-      <p:sp>
-        <p:nvSpPr>
-          <p:cNvPr id="18" name="角丸四角形 17"/>
-          <p:cNvSpPr/>
-          <p:nvPr/>
-        </p:nvSpPr>
-        <p:spPr bwMode="auto">
-          <a:xfrm>
-            <a:off x="2449101" y="3072202"/>
-            <a:ext cx="4217760" cy="2952410"/>
-          </a:xfrm>
-          <a:prstGeom prst="roundRect">
-            <a:avLst>
-              <a:gd name="adj" fmla="val 3359"/>
-            </a:avLst>
-          </a:prstGeom>
-          <a:noFill/>
-          <a:ln w="28575">
-            <a:solidFill>
-              <a:schemeClr val="accent6"/>
-            </a:solidFill>
-          </a:ln>
-          <a:effectLst/>
-          <a:extLst/>
-        </p:spPr>
-        <p:txBody>
-          <a:bodyPr rot="0" spcFirstLastPara="0" vertOverflow="overflow" horzOverflow="overflow" vert="horz" wrap="none" lIns="72000" tIns="72000" rIns="72000" bIns="72000" numCol="1" spcCol="0" rtlCol="0" fromWordArt="0" anchor="t" anchorCtr="0" forceAA="0" compatLnSpc="1">
-            <a:prstTxWarp prst="textNoShape">
-              <a:avLst/>
-            </a:prstTxWarp>
-            <a:noAutofit/>
-          </a:bodyPr>
-          <a:lstStyle/>
-          <a:p>
-            <a:pPr algn="ctr"/>
-            <a:r>
-              <a:rPr kumimoji="1" lang="en-US" altLang="ja-JP" sz="1000" b="1" smtClean="0">
-                <a:latin typeface="+mn-ea"/>
-              </a:rPr>
-              <a:t>Exastro</a:t>
-            </a:r>
-            <a:r>
-              <a:rPr kumimoji="1" lang="ja-JP" altLang="en-US" sz="1000" b="1" smtClean="0">
-                <a:latin typeface="+mn-ea"/>
-              </a:rPr>
-              <a:t> </a:t>
-            </a:r>
-            <a:r>
-              <a:rPr kumimoji="1" lang="en-US" altLang="ja-JP" sz="1000" b="1" smtClean="0">
-                <a:latin typeface="+mn-ea"/>
-              </a:rPr>
-              <a:t>ITA</a:t>
-            </a:r>
-            <a:r>
-              <a:rPr kumimoji="1" lang="ja-JP" altLang="en-US" sz="1000" b="1" smtClean="0">
-                <a:latin typeface="+mn-ea"/>
-              </a:rPr>
-              <a:t>サーバ</a:t>
-            </a:r>
-            <a:endParaRPr kumimoji="1" lang="ja-JP" altLang="en-US" sz="1000" b="1" dirty="0" smtClean="0">
-              <a:latin typeface="+mn-ea"/>
-            </a:endParaRPr>
-          </a:p>
-        </p:txBody>
-      </p:sp>
-      <p:sp>
-        <p:nvSpPr>
-          <p:cNvPr id="22" name="角丸四角形 21"/>
-          <p:cNvSpPr/>
-          <p:nvPr/>
-        </p:nvSpPr>
-        <p:spPr bwMode="auto">
-          <a:xfrm>
-            <a:off x="4761756" y="3864311"/>
-            <a:ext cx="1535107" cy="1033711"/>
-          </a:xfrm>
-          <a:prstGeom prst="roundRect">
-            <a:avLst/>
-          </a:prstGeom>
-          <a:noFill/>
-          <a:ln w="28575">
-            <a:solidFill>
-              <a:schemeClr val="accent6"/>
-            </a:solidFill>
-          </a:ln>
-          <a:effectLst/>
-          <a:extLst/>
-        </p:spPr>
-        <p:txBody>
-          <a:bodyPr rot="0" spcFirstLastPara="0" vertOverflow="overflow" horzOverflow="overflow" vert="horz" wrap="none" lIns="72000" tIns="72000" rIns="72000" bIns="72000" numCol="1" spcCol="0" rtlCol="0" fromWordArt="0" anchor="t" anchorCtr="0" forceAA="0" compatLnSpc="1">
-            <a:prstTxWarp prst="textNoShape">
-              <a:avLst/>
-            </a:prstTxWarp>
-            <a:noAutofit/>
-          </a:bodyPr>
-          <a:lstStyle/>
-          <a:p>
-            <a:pPr algn="ctr"/>
-            <a:r>
-              <a:rPr lang="ja-JP" altLang="en-US" sz="1000" b="1" smtClean="0">
-                <a:latin typeface="+mn-ea"/>
-              </a:rPr>
-              <a:t>紐付</a:t>
-            </a:r>
-            <a:r>
-              <a:rPr kumimoji="1" lang="ja-JP" altLang="en-US" sz="1000" b="1" smtClean="0">
-                <a:latin typeface="+mn-ea"/>
-              </a:rPr>
-              <a:t>先資材</a:t>
-            </a:r>
-            <a:r>
-              <a:rPr kumimoji="1" lang="en-US" altLang="ja-JP" sz="1000" b="1" smtClean="0">
-                <a:latin typeface="+mn-ea"/>
-              </a:rPr>
-              <a:t>(※</a:t>
-            </a:r>
-            <a:r>
-              <a:rPr lang="en-US" altLang="ja-JP" sz="1000" b="1">
-                <a:latin typeface="+mn-ea"/>
-              </a:rPr>
-              <a:t>1</a:t>
-            </a:r>
-            <a:r>
-              <a:rPr kumimoji="1" lang="en-US" altLang="ja-JP" sz="1000" b="1" smtClean="0">
-                <a:latin typeface="+mn-ea"/>
-              </a:rPr>
-              <a:t>)</a:t>
-            </a:r>
-            <a:endParaRPr kumimoji="1" lang="ja-JP" altLang="en-US" sz="1000" b="1" dirty="0" smtClean="0">
-              <a:latin typeface="+mn-ea"/>
-            </a:endParaRPr>
-          </a:p>
-        </p:txBody>
-      </p:sp>
-      <p:sp>
-        <p:nvSpPr>
-          <p:cNvPr id="13" name="円柱 12"/>
-          <p:cNvSpPr/>
-          <p:nvPr/>
-        </p:nvSpPr>
-        <p:spPr bwMode="auto">
-          <a:xfrm>
-            <a:off x="341093" y="3736565"/>
-            <a:ext cx="1492244" cy="1161457"/>
-          </a:xfrm>
-          <a:prstGeom prst="can">
-            <a:avLst>
-              <a:gd name="adj" fmla="val 15813"/>
-            </a:avLst>
-          </a:prstGeom>
-          <a:noFill/>
-          <a:ln w="28575">
-            <a:solidFill>
-              <a:schemeClr val="accent6"/>
-            </a:solidFill>
-          </a:ln>
-          <a:effectLst/>
-          <a:extLst/>
-        </p:spPr>
-        <p:txBody>
-          <a:bodyPr rot="0" spcFirstLastPara="0" vertOverflow="overflow" horzOverflow="overflow" vert="horz" wrap="none" lIns="72000" tIns="72000" rIns="72000" bIns="72000" numCol="1" spcCol="0" rtlCol="0" fromWordArt="0" anchor="t" anchorCtr="0" forceAA="0" compatLnSpc="1">
-            <a:prstTxWarp prst="textNoShape">
-              <a:avLst/>
-            </a:prstTxWarp>
-            <a:noAutofit/>
-          </a:bodyPr>
-          <a:lstStyle/>
-          <a:p>
-            <a:pPr algn="ctr"/>
-            <a:r>
-              <a:rPr kumimoji="1" lang="en-US" altLang="ja-JP" sz="1000" b="1" smtClean="0">
-                <a:latin typeface="+mn-ea"/>
-              </a:rPr>
-              <a:t>Git</a:t>
-            </a:r>
-            <a:r>
-              <a:rPr kumimoji="1" lang="ja-JP" altLang="en-US" sz="1000" b="1" smtClean="0">
-                <a:latin typeface="+mn-ea"/>
-              </a:rPr>
-              <a:t>リポジトリ</a:t>
-            </a:r>
-            <a:endParaRPr kumimoji="1" lang="ja-JP" altLang="en-US" sz="1000" b="1" dirty="0" smtClean="0">
-              <a:latin typeface="+mn-ea"/>
-            </a:endParaRPr>
-          </a:p>
-        </p:txBody>
-      </p:sp>
       <p:pic>
         <p:nvPicPr>
-          <p:cNvPr id="11" name="図 10"/>
-          <p:cNvPicPr>
-            <a:picLocks noChangeAspect="1"/>
-          </p:cNvPicPr>
-          <p:nvPr/>
-        </p:nvPicPr>
-        <p:blipFill rotWithShape="1">
-          <a:blip r:embed="rId2">
-            <a:extLst>
-              <a:ext uri="{28A0092B-C50C-407E-A947-70E740481C1C}">
-                <a14:useLocalDpi xmlns:a14="http://schemas.microsoft.com/office/drawing/2010/main" val="0"/>
-              </a:ext>
-            </a:extLst>
-          </a:blip>
-          <a:srcRect l="-10097" t="-10097" r="-10097" b="-10097"/>
-          <a:stretch/>
-        </p:blipFill>
-        <p:spPr>
-          <a:xfrm>
-            <a:off x="182519" y="3539599"/>
-            <a:ext cx="432698" cy="432698"/>
-          </a:xfrm>
-          <a:prstGeom prst="rect">
-            <a:avLst/>
-          </a:prstGeom>
-          <a:solidFill>
-            <a:schemeClr val="bg1"/>
-          </a:solidFill>
-          <a:ln w="22225">
-            <a:solidFill>
-              <a:schemeClr val="accent6"/>
-            </a:solidFill>
-          </a:ln>
-        </p:spPr>
-      </p:pic>
-      <p:sp>
-        <p:nvSpPr>
-          <p:cNvPr id="24" name="フローチャート: 複数書類 23"/>
-          <p:cNvSpPr/>
-          <p:nvPr/>
-        </p:nvSpPr>
-        <p:spPr bwMode="auto">
-          <a:xfrm>
-            <a:off x="3331280" y="4226362"/>
-            <a:ext cx="630671" cy="372268"/>
-          </a:xfrm>
-          <a:prstGeom prst="flowChartMultidocument">
-            <a:avLst/>
-          </a:prstGeom>
-          <a:solidFill>
-            <a:schemeClr val="accent6">
-              <a:lumMod val="25000"/>
-              <a:lumOff val="75000"/>
-            </a:schemeClr>
-          </a:solidFill>
-          <a:ln w="12700">
-            <a:solidFill>
-              <a:schemeClr val="tx1"/>
-            </a:solidFill>
-            <a:prstDash val="sysDot"/>
-          </a:ln>
-          <a:effectLst/>
-          <a:extLst/>
-        </p:spPr>
-        <p:txBody>
-          <a:bodyPr rot="0" spcFirstLastPara="0" vertOverflow="overflow" horzOverflow="overflow" vert="horz" wrap="none" lIns="72000" tIns="72000" rIns="72000" bIns="72000" numCol="1" spcCol="0" rtlCol="0" fromWordArt="0" anchor="ctr" anchorCtr="0" forceAA="0" compatLnSpc="1">
-            <a:prstTxWarp prst="textNoShape">
-              <a:avLst/>
-            </a:prstTxWarp>
-            <a:noAutofit/>
-          </a:bodyPr>
-          <a:lstStyle/>
-          <a:p>
-            <a:pPr algn="ctr"/>
-            <a:endParaRPr kumimoji="1" lang="ja-JP" altLang="en-US" b="1" dirty="0" smtClean="0">
-              <a:latin typeface="+mn-ea"/>
-            </a:endParaRPr>
-          </a:p>
-        </p:txBody>
-      </p:sp>
-      <p:sp>
-        <p:nvSpPr>
-          <p:cNvPr id="26" name="円柱 25"/>
-          <p:cNvSpPr/>
-          <p:nvPr/>
-        </p:nvSpPr>
-        <p:spPr bwMode="auto">
-          <a:xfrm>
-            <a:off x="2853454" y="3736565"/>
-            <a:ext cx="1492244" cy="1161457"/>
-          </a:xfrm>
-          <a:prstGeom prst="can">
-            <a:avLst>
-              <a:gd name="adj" fmla="val 15813"/>
-            </a:avLst>
-          </a:prstGeom>
-          <a:noFill/>
-          <a:ln w="28575">
-            <a:solidFill>
-              <a:schemeClr val="accent6"/>
-            </a:solidFill>
-          </a:ln>
-          <a:effectLst/>
-          <a:extLst/>
-        </p:spPr>
-        <p:txBody>
-          <a:bodyPr rot="0" spcFirstLastPara="0" vertOverflow="overflow" horzOverflow="overflow" vert="horz" wrap="none" lIns="72000" tIns="72000" rIns="72000" bIns="72000" numCol="1" spcCol="0" rtlCol="0" fromWordArt="0" anchor="t" anchorCtr="0" forceAA="0" compatLnSpc="1">
-            <a:prstTxWarp prst="textNoShape">
-              <a:avLst/>
-            </a:prstTxWarp>
-            <a:noAutofit/>
-          </a:bodyPr>
-          <a:lstStyle/>
-          <a:p>
-            <a:pPr algn="ctr"/>
-            <a:r>
-              <a:rPr lang="ja-JP" altLang="en-US" sz="1000" b="1" smtClean="0">
-                <a:latin typeface="+mn-ea"/>
-              </a:rPr>
-              <a:t>ローカル</a:t>
-            </a:r>
-            <a:r>
-              <a:rPr kumimoji="1" lang="ja-JP" altLang="en-US" sz="1000" b="1" smtClean="0">
-                <a:latin typeface="+mn-ea"/>
-              </a:rPr>
-              <a:t>リポジトリ</a:t>
-            </a:r>
-            <a:endParaRPr kumimoji="1" lang="ja-JP" altLang="en-US" sz="1000" b="1" dirty="0" smtClean="0">
-              <a:latin typeface="+mn-ea"/>
-            </a:endParaRPr>
-          </a:p>
-        </p:txBody>
-      </p:sp>
-      <p:sp>
-        <p:nvSpPr>
-          <p:cNvPr id="29" name="フローチャート: 書類 28"/>
-          <p:cNvSpPr/>
-          <p:nvPr/>
-        </p:nvSpPr>
-        <p:spPr bwMode="auto">
-          <a:xfrm>
-            <a:off x="3606043" y="4401523"/>
-            <a:ext cx="561430" cy="339692"/>
-          </a:xfrm>
-          <a:prstGeom prst="flowChartDocument">
-            <a:avLst/>
-          </a:prstGeom>
-          <a:solidFill>
-            <a:schemeClr val="accent6">
-              <a:lumMod val="25000"/>
-              <a:lumOff val="75000"/>
-            </a:schemeClr>
-          </a:solidFill>
-          <a:ln w="12700">
-            <a:solidFill>
-              <a:schemeClr val="tx1"/>
-            </a:solidFill>
-          </a:ln>
-          <a:effectLst/>
-          <a:extLst/>
-        </p:spPr>
-        <p:txBody>
-          <a:bodyPr rot="0" spcFirstLastPara="0" vertOverflow="overflow" horzOverflow="overflow" vert="horz" wrap="none" lIns="72000" tIns="72000" rIns="72000" bIns="72000" numCol="1" spcCol="0" rtlCol="0" fromWordArt="0" anchor="ctr" anchorCtr="0" forceAA="0" compatLnSpc="1">
-            <a:prstTxWarp prst="textNoShape">
-              <a:avLst/>
-            </a:prstTxWarp>
-            <a:noAutofit/>
-          </a:bodyPr>
-          <a:lstStyle/>
-          <a:p>
-            <a:pPr algn="ctr"/>
-            <a:r>
-              <a:rPr kumimoji="1" lang="ja-JP" altLang="en-US" sz="1000" b="1" smtClean="0">
-                <a:latin typeface="+mn-ea"/>
-              </a:rPr>
-              <a:t>資材</a:t>
-            </a:r>
-            <a:r>
-              <a:rPr lang="en-US" altLang="ja-JP" sz="1000" b="1" smtClean="0">
-                <a:latin typeface="+mn-ea"/>
-              </a:rPr>
-              <a:t>B</a:t>
-            </a:r>
-            <a:endParaRPr kumimoji="1" lang="ja-JP" altLang="en-US" sz="1000" b="1" dirty="0" smtClean="0">
-              <a:latin typeface="+mn-ea"/>
-            </a:endParaRPr>
-          </a:p>
-        </p:txBody>
-      </p:sp>
-      <p:sp>
-        <p:nvSpPr>
-          <p:cNvPr id="25" name="フローチャート: 書類 24"/>
-          <p:cNvSpPr/>
-          <p:nvPr/>
-        </p:nvSpPr>
-        <p:spPr bwMode="auto">
-          <a:xfrm>
-            <a:off x="3024593" y="4401523"/>
-            <a:ext cx="561430" cy="339692"/>
-          </a:xfrm>
-          <a:prstGeom prst="flowChartDocument">
-            <a:avLst/>
-          </a:prstGeom>
-          <a:solidFill>
-            <a:schemeClr val="accent6">
-              <a:lumMod val="25000"/>
-              <a:lumOff val="75000"/>
-            </a:schemeClr>
-          </a:solidFill>
-          <a:ln w="12700">
-            <a:solidFill>
-              <a:schemeClr val="tx1"/>
-            </a:solidFill>
-          </a:ln>
-          <a:effectLst/>
-          <a:extLst/>
-        </p:spPr>
-        <p:txBody>
-          <a:bodyPr rot="0" spcFirstLastPara="0" vertOverflow="overflow" horzOverflow="overflow" vert="horz" wrap="none" lIns="72000" tIns="72000" rIns="72000" bIns="72000" numCol="1" spcCol="0" rtlCol="0" fromWordArt="0" anchor="ctr" anchorCtr="0" forceAA="0" compatLnSpc="1">
-            <a:prstTxWarp prst="textNoShape">
-              <a:avLst/>
-            </a:prstTxWarp>
-            <a:noAutofit/>
-          </a:bodyPr>
-          <a:lstStyle/>
-          <a:p>
-            <a:pPr algn="ctr"/>
-            <a:r>
-              <a:rPr kumimoji="1" lang="ja-JP" altLang="en-US" sz="1000" b="1" smtClean="0">
-                <a:latin typeface="+mn-ea"/>
-              </a:rPr>
-              <a:t>資材</a:t>
-            </a:r>
-            <a:r>
-              <a:rPr kumimoji="1" lang="en-US" altLang="ja-JP" sz="1000" b="1" smtClean="0">
-                <a:latin typeface="+mn-ea"/>
-              </a:rPr>
-              <a:t>A</a:t>
-            </a:r>
-            <a:endParaRPr kumimoji="1" lang="ja-JP" altLang="en-US" sz="1000" b="1" dirty="0" smtClean="0">
-              <a:latin typeface="+mn-ea"/>
-            </a:endParaRPr>
-          </a:p>
-        </p:txBody>
-      </p:sp>
-      <p:sp>
-        <p:nvSpPr>
-          <p:cNvPr id="30" name="フローチャート: 複数書類 29"/>
-          <p:cNvSpPr/>
-          <p:nvPr/>
-        </p:nvSpPr>
-        <p:spPr bwMode="auto">
-          <a:xfrm>
-            <a:off x="842735" y="4256715"/>
-            <a:ext cx="630671" cy="372268"/>
-          </a:xfrm>
-          <a:prstGeom prst="flowChartMultidocument">
-            <a:avLst/>
-          </a:prstGeom>
-          <a:solidFill>
-            <a:schemeClr val="accent6">
-              <a:lumMod val="25000"/>
-              <a:lumOff val="75000"/>
-            </a:schemeClr>
-          </a:solidFill>
-          <a:ln w="12700">
-            <a:solidFill>
-              <a:schemeClr val="tx1"/>
-            </a:solidFill>
-          </a:ln>
-          <a:effectLst/>
-          <a:extLst/>
-        </p:spPr>
-        <p:txBody>
-          <a:bodyPr rot="0" spcFirstLastPara="0" vertOverflow="overflow" horzOverflow="overflow" vert="horz" wrap="none" lIns="72000" tIns="72000" rIns="72000" bIns="72000" numCol="1" spcCol="0" rtlCol="0" fromWordArt="0" anchor="ctr" anchorCtr="0" forceAA="0" compatLnSpc="1">
-            <a:prstTxWarp prst="textNoShape">
-              <a:avLst/>
-            </a:prstTxWarp>
-            <a:noAutofit/>
-          </a:bodyPr>
-          <a:lstStyle/>
-          <a:p>
-            <a:pPr algn="ctr"/>
-            <a:endParaRPr kumimoji="1" lang="ja-JP" altLang="en-US" b="1" dirty="0" smtClean="0">
-              <a:latin typeface="+mn-ea"/>
-            </a:endParaRPr>
-          </a:p>
-        </p:txBody>
-      </p:sp>
-      <p:sp>
-        <p:nvSpPr>
-          <p:cNvPr id="31" name="フローチャート: 書類 30"/>
-          <p:cNvSpPr/>
-          <p:nvPr/>
-        </p:nvSpPr>
-        <p:spPr bwMode="auto">
-          <a:xfrm>
-            <a:off x="1060148" y="4408188"/>
-            <a:ext cx="561430" cy="339692"/>
-          </a:xfrm>
-          <a:prstGeom prst="flowChartDocument">
-            <a:avLst/>
-          </a:prstGeom>
-          <a:solidFill>
-            <a:schemeClr val="accent6">
-              <a:lumMod val="25000"/>
-              <a:lumOff val="75000"/>
-            </a:schemeClr>
-          </a:solidFill>
-          <a:ln w="12700">
-            <a:solidFill>
-              <a:schemeClr val="tx1"/>
-            </a:solidFill>
-          </a:ln>
-          <a:effectLst/>
-          <a:extLst/>
-        </p:spPr>
-        <p:txBody>
-          <a:bodyPr rot="0" spcFirstLastPara="0" vertOverflow="overflow" horzOverflow="overflow" vert="horz" wrap="none" lIns="72000" tIns="72000" rIns="72000" bIns="72000" numCol="1" spcCol="0" rtlCol="0" fromWordArt="0" anchor="ctr" anchorCtr="0" forceAA="0" compatLnSpc="1">
-            <a:prstTxWarp prst="textNoShape">
-              <a:avLst/>
-            </a:prstTxWarp>
-            <a:noAutofit/>
-          </a:bodyPr>
-          <a:lstStyle/>
-          <a:p>
-            <a:pPr algn="ctr"/>
-            <a:r>
-              <a:rPr kumimoji="1" lang="ja-JP" altLang="en-US" sz="1000" b="1" smtClean="0">
-                <a:latin typeface="+mn-ea"/>
-              </a:rPr>
-              <a:t>資材</a:t>
-            </a:r>
-            <a:r>
-              <a:rPr lang="en-US" altLang="ja-JP" sz="1000" b="1" smtClean="0">
-                <a:latin typeface="+mn-ea"/>
-              </a:rPr>
-              <a:t>B</a:t>
-            </a:r>
-            <a:endParaRPr kumimoji="1" lang="ja-JP" altLang="en-US" sz="1000" b="1" dirty="0" smtClean="0">
-              <a:latin typeface="+mn-ea"/>
-            </a:endParaRPr>
-          </a:p>
-        </p:txBody>
-      </p:sp>
-      <p:sp>
-        <p:nvSpPr>
-          <p:cNvPr id="32" name="フローチャート: 書類 31"/>
-          <p:cNvSpPr/>
-          <p:nvPr/>
-        </p:nvSpPr>
-        <p:spPr bwMode="auto">
-          <a:xfrm>
-            <a:off x="478698" y="4408188"/>
-            <a:ext cx="561430" cy="339692"/>
-          </a:xfrm>
-          <a:prstGeom prst="flowChartDocument">
-            <a:avLst/>
-          </a:prstGeom>
-          <a:solidFill>
-            <a:schemeClr val="accent6">
-              <a:lumMod val="25000"/>
-              <a:lumOff val="75000"/>
-            </a:schemeClr>
-          </a:solidFill>
-          <a:ln w="12700">
-            <a:solidFill>
-              <a:schemeClr val="tx1"/>
-            </a:solidFill>
-          </a:ln>
-          <a:effectLst/>
-          <a:extLst/>
-        </p:spPr>
-        <p:txBody>
-          <a:bodyPr rot="0" spcFirstLastPara="0" vertOverflow="overflow" horzOverflow="overflow" vert="horz" wrap="none" lIns="72000" tIns="72000" rIns="72000" bIns="72000" numCol="1" spcCol="0" rtlCol="0" fromWordArt="0" anchor="ctr" anchorCtr="0" forceAA="0" compatLnSpc="1">
-            <a:prstTxWarp prst="textNoShape">
-              <a:avLst/>
-            </a:prstTxWarp>
-            <a:noAutofit/>
-          </a:bodyPr>
-          <a:lstStyle/>
-          <a:p>
-            <a:pPr algn="ctr"/>
-            <a:r>
-              <a:rPr kumimoji="1" lang="ja-JP" altLang="en-US" sz="1000" b="1" smtClean="0">
-                <a:latin typeface="+mn-ea"/>
-              </a:rPr>
-              <a:t>資材</a:t>
-            </a:r>
-            <a:r>
-              <a:rPr kumimoji="1" lang="en-US" altLang="ja-JP" sz="1000" b="1" smtClean="0">
-                <a:latin typeface="+mn-ea"/>
-              </a:rPr>
-              <a:t>A</a:t>
-            </a:r>
-            <a:endParaRPr kumimoji="1" lang="ja-JP" altLang="en-US" sz="1000" b="1" dirty="0" smtClean="0">
-              <a:latin typeface="+mn-ea"/>
-            </a:endParaRPr>
-          </a:p>
-        </p:txBody>
-      </p:sp>
-      <p:sp>
-        <p:nvSpPr>
-          <p:cNvPr id="33" name="フローチャート: 書類 32"/>
-          <p:cNvSpPr/>
-          <p:nvPr/>
-        </p:nvSpPr>
-        <p:spPr bwMode="auto">
-          <a:xfrm>
-            <a:off x="5568122" y="4408188"/>
-            <a:ext cx="561430" cy="339692"/>
-          </a:xfrm>
-          <a:prstGeom prst="flowChartDocument">
-            <a:avLst/>
-          </a:prstGeom>
-          <a:solidFill>
-            <a:schemeClr val="accent6">
-              <a:lumMod val="25000"/>
-              <a:lumOff val="75000"/>
-            </a:schemeClr>
-          </a:solidFill>
-          <a:ln w="12700">
-            <a:solidFill>
-              <a:schemeClr val="tx1"/>
-            </a:solidFill>
-          </a:ln>
-          <a:effectLst/>
-          <a:extLst/>
-        </p:spPr>
-        <p:txBody>
-          <a:bodyPr rot="0" spcFirstLastPara="0" vertOverflow="overflow" horzOverflow="overflow" vert="horz" wrap="none" lIns="72000" tIns="72000" rIns="72000" bIns="72000" numCol="1" spcCol="0" rtlCol="0" fromWordArt="0" anchor="ctr" anchorCtr="0" forceAA="0" compatLnSpc="1">
-            <a:prstTxWarp prst="textNoShape">
-              <a:avLst/>
-            </a:prstTxWarp>
-            <a:noAutofit/>
-          </a:bodyPr>
-          <a:lstStyle/>
-          <a:p>
-            <a:pPr algn="ctr"/>
-            <a:r>
-              <a:rPr kumimoji="1" lang="ja-JP" altLang="en-US" sz="1000" b="1" smtClean="0">
-                <a:latin typeface="+mn-ea"/>
-              </a:rPr>
-              <a:t>資材</a:t>
-            </a:r>
-            <a:r>
-              <a:rPr lang="en-US" altLang="ja-JP" sz="1000" b="1" smtClean="0">
-                <a:latin typeface="+mn-ea"/>
-              </a:rPr>
-              <a:t>B’</a:t>
-            </a:r>
-            <a:endParaRPr kumimoji="1" lang="ja-JP" altLang="en-US" sz="1000" b="1" dirty="0" smtClean="0">
-              <a:latin typeface="+mn-ea"/>
-            </a:endParaRPr>
-          </a:p>
-        </p:txBody>
-      </p:sp>
-      <p:sp>
-        <p:nvSpPr>
-          <p:cNvPr id="34" name="フローチャート: 書類 33"/>
-          <p:cNvSpPr/>
-          <p:nvPr/>
-        </p:nvSpPr>
-        <p:spPr bwMode="auto">
-          <a:xfrm>
-            <a:off x="4952923" y="4408188"/>
-            <a:ext cx="561430" cy="339692"/>
-          </a:xfrm>
-          <a:prstGeom prst="flowChartDocument">
-            <a:avLst/>
-          </a:prstGeom>
-          <a:solidFill>
-            <a:schemeClr val="accent6">
-              <a:lumMod val="25000"/>
-              <a:lumOff val="75000"/>
-            </a:schemeClr>
-          </a:solidFill>
-          <a:ln w="12700">
-            <a:solidFill>
-              <a:schemeClr val="tx1"/>
-            </a:solidFill>
-          </a:ln>
-          <a:effectLst/>
-          <a:extLst/>
-        </p:spPr>
-        <p:txBody>
-          <a:bodyPr rot="0" spcFirstLastPara="0" vertOverflow="overflow" horzOverflow="overflow" vert="horz" wrap="none" lIns="72000" tIns="72000" rIns="72000" bIns="72000" numCol="1" spcCol="0" rtlCol="0" fromWordArt="0" anchor="ctr" anchorCtr="0" forceAA="0" compatLnSpc="1">
-            <a:prstTxWarp prst="textNoShape">
-              <a:avLst/>
-            </a:prstTxWarp>
-            <a:noAutofit/>
-          </a:bodyPr>
-          <a:lstStyle/>
-          <a:p>
-            <a:pPr algn="ctr"/>
-            <a:r>
-              <a:rPr kumimoji="1" lang="ja-JP" altLang="en-US" sz="1000" b="1" smtClean="0">
-                <a:latin typeface="+mn-ea"/>
-              </a:rPr>
-              <a:t>資材</a:t>
-            </a:r>
-            <a:r>
-              <a:rPr lang="en-US" altLang="ja-JP" sz="1000" b="1" smtClean="0">
-                <a:latin typeface="+mn-ea"/>
-              </a:rPr>
-              <a:t>A’</a:t>
-            </a:r>
-            <a:endParaRPr kumimoji="1" lang="ja-JP" altLang="en-US" sz="1000" b="1" dirty="0" smtClean="0">
-              <a:latin typeface="+mn-ea"/>
-            </a:endParaRPr>
-          </a:p>
-        </p:txBody>
-      </p:sp>
-      <p:sp>
-        <p:nvSpPr>
-          <p:cNvPr id="36" name="角丸四角形 35"/>
-          <p:cNvSpPr/>
-          <p:nvPr/>
-        </p:nvSpPr>
-        <p:spPr bwMode="auto">
-          <a:xfrm>
-            <a:off x="2654406" y="3385812"/>
-            <a:ext cx="1862267" cy="2494780"/>
-          </a:xfrm>
-          <a:prstGeom prst="roundRect">
-            <a:avLst>
-              <a:gd name="adj" fmla="val 3359"/>
-            </a:avLst>
-          </a:prstGeom>
-          <a:noFill/>
-          <a:ln w="12700">
-            <a:solidFill>
-              <a:schemeClr val="accent6"/>
-            </a:solidFill>
-            <a:prstDash val="sysDash"/>
-          </a:ln>
-          <a:effectLst/>
-          <a:extLst/>
-        </p:spPr>
-        <p:txBody>
-          <a:bodyPr rot="0" spcFirstLastPara="0" vertOverflow="overflow" horzOverflow="overflow" vert="horz" wrap="none" lIns="72000" tIns="72000" rIns="72000" bIns="72000" numCol="1" spcCol="0" rtlCol="0" fromWordArt="0" anchor="t" anchorCtr="0" forceAA="0" compatLnSpc="1">
-            <a:prstTxWarp prst="textNoShape">
-              <a:avLst/>
-            </a:prstTxWarp>
-            <a:noAutofit/>
-          </a:bodyPr>
-          <a:lstStyle/>
-          <a:p>
-            <a:pPr algn="ctr"/>
-            <a:r>
-              <a:rPr lang="en-US" altLang="ja-JP" sz="1000" b="1"/>
-              <a:t>CI/CD for IaC</a:t>
-            </a:r>
-            <a:endParaRPr kumimoji="1" lang="ja-JP" altLang="en-US" sz="1000" b="1" dirty="0" smtClean="0">
-              <a:latin typeface="+mn-ea"/>
-            </a:endParaRPr>
-          </a:p>
-        </p:txBody>
-      </p:sp>
-      <p:sp>
-        <p:nvSpPr>
-          <p:cNvPr id="37" name="角丸四角形 36"/>
-          <p:cNvSpPr/>
-          <p:nvPr/>
-        </p:nvSpPr>
-        <p:spPr bwMode="auto">
-          <a:xfrm>
-            <a:off x="4636988" y="3385812"/>
-            <a:ext cx="1862267" cy="2494780"/>
-          </a:xfrm>
-          <a:prstGeom prst="roundRect">
-            <a:avLst>
-              <a:gd name="adj" fmla="val 3359"/>
-            </a:avLst>
-          </a:prstGeom>
-          <a:noFill/>
-          <a:ln w="12700">
-            <a:solidFill>
-              <a:schemeClr val="accent6"/>
-            </a:solidFill>
-            <a:prstDash val="sysDash"/>
-          </a:ln>
-          <a:effectLst/>
-          <a:extLst/>
-        </p:spPr>
-        <p:txBody>
-          <a:bodyPr rot="0" spcFirstLastPara="0" vertOverflow="overflow" horzOverflow="overflow" vert="horz" wrap="none" lIns="72000" tIns="72000" rIns="72000" bIns="72000" numCol="1" spcCol="0" rtlCol="0" fromWordArt="0" anchor="t" anchorCtr="0" forceAA="0" compatLnSpc="1">
-            <a:prstTxWarp prst="textNoShape">
-              <a:avLst/>
-            </a:prstTxWarp>
-            <a:noAutofit/>
-          </a:bodyPr>
-          <a:lstStyle/>
-          <a:p>
-            <a:pPr algn="ctr"/>
-            <a:r>
-              <a:rPr lang="en-US" altLang="ja-JP" sz="1000" b="1" smtClean="0">
-                <a:latin typeface="+mn-ea"/>
-              </a:rPr>
-              <a:t>Ansible or Terraform</a:t>
-            </a:r>
-          </a:p>
-          <a:p>
-            <a:pPr algn="ctr"/>
-            <a:r>
-              <a:rPr kumimoji="1" lang="ja-JP" altLang="en-US" sz="1000" b="1">
-                <a:latin typeface="+mn-ea"/>
-              </a:rPr>
-              <a:t>ドライバ</a:t>
-            </a:r>
-            <a:endParaRPr kumimoji="1" lang="ja-JP" altLang="en-US" sz="1000" b="1" dirty="0" smtClean="0">
-              <a:latin typeface="+mn-ea"/>
-            </a:endParaRPr>
-          </a:p>
-        </p:txBody>
-      </p:sp>
-      <p:sp>
-        <p:nvSpPr>
-          <p:cNvPr id="10" name="U ターン矢印 9"/>
-          <p:cNvSpPr/>
-          <p:nvPr/>
-        </p:nvSpPr>
-        <p:spPr bwMode="auto">
-          <a:xfrm rot="16200000" flipH="1">
-            <a:off x="2167223" y="3795354"/>
-            <a:ext cx="359380" cy="1330107"/>
-          </a:xfrm>
-          <a:prstGeom prst="uturnArrow">
-            <a:avLst>
-              <a:gd name="adj1" fmla="val 25000"/>
-              <a:gd name="adj2" fmla="val 25000"/>
-              <a:gd name="adj3" fmla="val 25000"/>
-              <a:gd name="adj4" fmla="val 43750"/>
-              <a:gd name="adj5" fmla="val 100000"/>
-            </a:avLst>
-          </a:prstGeom>
-          <a:solidFill>
-            <a:srgbClr val="FFC000"/>
-          </a:solidFill>
-          <a:ln w="12700">
-            <a:solidFill>
-              <a:schemeClr val="tx1"/>
-            </a:solidFill>
-          </a:ln>
-          <a:effectLst/>
-          <a:extLst/>
-        </p:spPr>
-        <p:txBody>
-          <a:bodyPr rot="0" spcFirstLastPara="0" vertOverflow="overflow" horzOverflow="overflow" vert="horz" wrap="none" lIns="72000" tIns="72000" rIns="72000" bIns="72000" numCol="1" spcCol="0" rtlCol="0" fromWordArt="0" anchor="ctr" anchorCtr="0" forceAA="0" compatLnSpc="1">
-            <a:prstTxWarp prst="textNoShape">
-              <a:avLst/>
-            </a:prstTxWarp>
-            <a:noAutofit/>
-          </a:bodyPr>
-          <a:lstStyle/>
-          <a:p>
-            <a:pPr algn="ctr"/>
-            <a:endParaRPr kumimoji="1" lang="ja-JP" altLang="en-US" b="1" dirty="0" smtClean="0">
-              <a:latin typeface="+mn-ea"/>
-            </a:endParaRPr>
-          </a:p>
-        </p:txBody>
-      </p:sp>
-      <p:sp>
-        <p:nvSpPr>
-          <p:cNvPr id="12" name="テキスト ボックス 11"/>
-          <p:cNvSpPr txBox="1"/>
-          <p:nvPr/>
-        </p:nvSpPr>
-        <p:spPr>
-          <a:xfrm>
-            <a:off x="1884825" y="4054545"/>
-            <a:ext cx="947108" cy="200984"/>
-          </a:xfrm>
-          <a:prstGeom prst="rect">
-            <a:avLst/>
-          </a:prstGeom>
-          <a:solidFill>
-            <a:schemeClr val="accent1">
-              <a:lumMod val="20000"/>
-              <a:lumOff val="80000"/>
-            </a:schemeClr>
-          </a:solidFill>
-        </p:spPr>
-        <p:txBody>
-          <a:bodyPr wrap="square" rtlCol="0">
-            <a:spAutoFit/>
-          </a:bodyPr>
-          <a:lstStyle/>
-          <a:p>
-            <a:r>
-              <a:rPr kumimoji="1" lang="en-US" altLang="ja-JP" sz="700" b="1" smtClean="0"/>
-              <a:t>Git</a:t>
-            </a:r>
-            <a:r>
-              <a:rPr kumimoji="1" lang="ja-JP" altLang="en-US" sz="700" b="1" smtClean="0"/>
-              <a:t>クローン・更新</a:t>
-            </a:r>
-            <a:endParaRPr kumimoji="1" lang="ja-JP" altLang="en-US" sz="700" b="1"/>
-          </a:p>
-        </p:txBody>
-      </p:sp>
-      <p:pic>
-        <p:nvPicPr>
-          <p:cNvPr id="14" name="図 13"/>
+          <p:cNvPr id="4" name="図 3"/>
           <p:cNvPicPr>
             <a:picLocks noChangeAspect="1"/>
           </p:cNvPicPr>
           <p:nvPr/>
         </p:nvPicPr>
         <p:blipFill>
-          <a:blip r:embed="rId3">
-            <a:extLst>
-              <a:ext uri="{28A0092B-C50C-407E-A947-70E740481C1C}">
-                <a14:useLocalDpi xmlns:a14="http://schemas.microsoft.com/office/drawing/2010/main" val="0"/>
-              </a:ext>
-            </a:extLst>
-          </a:blip>
+          <a:blip r:embed="rId2"/>
           <a:stretch>
             <a:fillRect/>
           </a:stretch>
         </p:blipFill>
         <p:spPr>
           <a:xfrm>
-            <a:off x="2232625" y="2874309"/>
-            <a:ext cx="438823" cy="438823"/>
+            <a:off x="1043510" y="2708900"/>
+            <a:ext cx="6984970" cy="3738032"/>
           </a:xfrm>
           <a:prstGeom prst="rect">
             <a:avLst/>
           </a:prstGeom>
         </p:spPr>
       </p:pic>
-      <p:sp>
-        <p:nvSpPr>
-          <p:cNvPr id="35" name="角丸四角形 34"/>
-          <p:cNvSpPr/>
-          <p:nvPr/>
-        </p:nvSpPr>
-        <p:spPr bwMode="auto">
-          <a:xfrm>
-            <a:off x="7024019" y="4561543"/>
-            <a:ext cx="1897258" cy="1429584"/>
-          </a:xfrm>
-          <a:prstGeom prst="roundRect">
-            <a:avLst>
-              <a:gd name="adj" fmla="val 3359"/>
-            </a:avLst>
-          </a:prstGeom>
-          <a:noFill/>
-          <a:ln w="28575">
-            <a:solidFill>
-              <a:schemeClr val="accent6"/>
-            </a:solidFill>
-          </a:ln>
-          <a:effectLst/>
-          <a:extLst/>
-        </p:spPr>
-        <p:txBody>
-          <a:bodyPr rot="0" spcFirstLastPara="0" vertOverflow="overflow" horzOverflow="overflow" vert="horz" wrap="none" lIns="72000" tIns="72000" rIns="72000" bIns="72000" numCol="1" spcCol="0" rtlCol="0" fromWordArt="0" anchor="t" anchorCtr="0" forceAA="0" compatLnSpc="1">
-            <a:prstTxWarp prst="textNoShape">
-              <a:avLst/>
-            </a:prstTxWarp>
-            <a:noAutofit/>
-          </a:bodyPr>
-          <a:lstStyle/>
-          <a:p>
-            <a:pPr algn="ctr"/>
-            <a:r>
-              <a:rPr kumimoji="1" lang="ja-JP" altLang="en-US" sz="1000" b="1" smtClean="0">
-                <a:latin typeface="+mn-ea"/>
-              </a:rPr>
-              <a:t>対象システム環境</a:t>
-            </a:r>
-            <a:endParaRPr kumimoji="1" lang="ja-JP" altLang="en-US" sz="1000" b="1" dirty="0" smtClean="0">
-              <a:latin typeface="+mn-ea"/>
-            </a:endParaRPr>
-          </a:p>
-        </p:txBody>
-      </p:sp>
-      <p:grpSp>
-        <p:nvGrpSpPr>
-          <p:cNvPr id="41" name="グループ化 40"/>
-          <p:cNvGrpSpPr>
-            <a:grpSpLocks noChangeAspect="1"/>
-          </p:cNvGrpSpPr>
-          <p:nvPr/>
-        </p:nvGrpSpPr>
-        <p:grpSpPr bwMode="gray">
-          <a:xfrm>
-            <a:off x="7899953" y="5227391"/>
-            <a:ext cx="307254" cy="528874"/>
-            <a:chOff x="5936838" y="1169393"/>
-            <a:chExt cx="484187" cy="833438"/>
-          </a:xfrm>
-        </p:grpSpPr>
-        <p:sp>
-          <p:nvSpPr>
-            <p:cNvPr id="42" name="Freeform 22"/>
-            <p:cNvSpPr>
-              <a:spLocks noChangeAspect="1"/>
-            </p:cNvSpPr>
-            <p:nvPr/>
-          </p:nvSpPr>
-          <p:spPr bwMode="gray">
-            <a:xfrm>
-              <a:off x="5936838" y="1169393"/>
-              <a:ext cx="484187" cy="833438"/>
-            </a:xfrm>
-            <a:custGeom>
-              <a:avLst/>
-              <a:gdLst>
-                <a:gd name="T0" fmla="*/ 642 w 642"/>
-                <a:gd name="T1" fmla="*/ 1081 h 1107"/>
-                <a:gd name="T2" fmla="*/ 615 w 642"/>
-                <a:gd name="T3" fmla="*/ 1107 h 1107"/>
-                <a:gd name="T4" fmla="*/ 27 w 642"/>
-                <a:gd name="T5" fmla="*/ 1107 h 1107"/>
-                <a:gd name="T6" fmla="*/ 0 w 642"/>
-                <a:gd name="T7" fmla="*/ 1081 h 1107"/>
-                <a:gd name="T8" fmla="*/ 0 w 642"/>
-                <a:gd name="T9" fmla="*/ 27 h 1107"/>
-                <a:gd name="T10" fmla="*/ 27 w 642"/>
-                <a:gd name="T11" fmla="*/ 0 h 1107"/>
-                <a:gd name="T12" fmla="*/ 615 w 642"/>
-                <a:gd name="T13" fmla="*/ 0 h 1107"/>
-                <a:gd name="T14" fmla="*/ 642 w 642"/>
-                <a:gd name="T15" fmla="*/ 27 h 1107"/>
-                <a:gd name="T16" fmla="*/ 642 w 642"/>
-                <a:gd name="T17" fmla="*/ 1081 h 1107"/>
-              </a:gdLst>
-              <a:ahLst/>
-              <a:cxnLst>
-                <a:cxn ang="0">
-                  <a:pos x="T0" y="T1"/>
-                </a:cxn>
-                <a:cxn ang="0">
-                  <a:pos x="T2" y="T3"/>
-                </a:cxn>
-                <a:cxn ang="0">
-                  <a:pos x="T4" y="T5"/>
-                </a:cxn>
-                <a:cxn ang="0">
-                  <a:pos x="T6" y="T7"/>
-                </a:cxn>
-                <a:cxn ang="0">
-                  <a:pos x="T8" y="T9"/>
-                </a:cxn>
-                <a:cxn ang="0">
-                  <a:pos x="T10" y="T11"/>
-                </a:cxn>
-                <a:cxn ang="0">
-                  <a:pos x="T12" y="T13"/>
-                </a:cxn>
-                <a:cxn ang="0">
-                  <a:pos x="T14" y="T15"/>
-                </a:cxn>
-                <a:cxn ang="0">
-                  <a:pos x="T16" y="T17"/>
-                </a:cxn>
-              </a:cxnLst>
-              <a:rect l="0" t="0" r="r" b="b"/>
-              <a:pathLst>
-                <a:path w="642" h="1107">
-                  <a:moveTo>
-                    <a:pt x="642" y="1081"/>
-                  </a:moveTo>
-                  <a:cubicBezTo>
-                    <a:pt x="642" y="1095"/>
-                    <a:pt x="630" y="1107"/>
-                    <a:pt x="615" y="1107"/>
-                  </a:cubicBezTo>
-                  <a:cubicBezTo>
-                    <a:pt x="27" y="1107"/>
-                    <a:pt x="27" y="1107"/>
-                    <a:pt x="27" y="1107"/>
-                  </a:cubicBezTo>
-                  <a:cubicBezTo>
-                    <a:pt x="12" y="1107"/>
-                    <a:pt x="0" y="1095"/>
-                    <a:pt x="0" y="1081"/>
-                  </a:cubicBezTo>
-                  <a:cubicBezTo>
-                    <a:pt x="0" y="27"/>
-                    <a:pt x="0" y="27"/>
-                    <a:pt x="0" y="27"/>
-                  </a:cubicBezTo>
-                  <a:cubicBezTo>
-                    <a:pt x="0" y="12"/>
-                    <a:pt x="12" y="0"/>
-                    <a:pt x="27" y="0"/>
-                  </a:cubicBezTo>
-                  <a:cubicBezTo>
-                    <a:pt x="615" y="0"/>
-                    <a:pt x="615" y="0"/>
-                    <a:pt x="615" y="0"/>
-                  </a:cubicBezTo>
-                  <a:cubicBezTo>
-                    <a:pt x="630" y="0"/>
-                    <a:pt x="642" y="12"/>
-                    <a:pt x="642" y="27"/>
-                  </a:cubicBezTo>
-                  <a:lnTo>
-                    <a:pt x="642" y="1081"/>
-                  </a:lnTo>
-                  <a:close/>
-                </a:path>
-              </a:pathLst>
-            </a:custGeom>
-            <a:solidFill>
-              <a:schemeClr val="accent6"/>
-            </a:solidFill>
-            <a:ln>
-              <a:noFill/>
-            </a:ln>
-            <a:extLst>
-              <a:ext uri="{91240B29-F687-4F45-9708-019B960494DF}">
-                <a14:hiddenLine xmlns:a14="http://schemas.microsoft.com/office/drawing/2010/main" w="9525">
-                  <a:solidFill>
-                    <a:srgbClr val="000000"/>
-                  </a:solidFill>
-                  <a:round/>
-                  <a:headEnd/>
-                  <a:tailEnd/>
-                </a14:hiddenLine>
-              </a:ext>
-            </a:extLst>
-          </p:spPr>
-          <p:txBody>
-            <a:bodyPr vert="horz" wrap="square" lIns="91440" tIns="45720" rIns="91440" bIns="45720" numCol="1" anchor="t" anchorCtr="0" compatLnSpc="1">
-              <a:prstTxWarp prst="textNoShape">
-                <a:avLst/>
-              </a:prstTxWarp>
-            </a:bodyPr>
-            <a:lstStyle/>
-            <a:p>
-              <a:endParaRPr lang="ja-JP" altLang="en-US"/>
-            </a:p>
-          </p:txBody>
-        </p:sp>
-        <p:sp>
-          <p:nvSpPr>
-            <p:cNvPr id="43" name="フリーフォーム 42"/>
-            <p:cNvSpPr>
-              <a:spLocks noChangeAspect="1" noChangeArrowheads="1"/>
-            </p:cNvSpPr>
-            <p:nvPr/>
-          </p:nvSpPr>
-          <p:spPr bwMode="gray">
-            <a:xfrm>
-              <a:off x="6011450" y="1244006"/>
-              <a:ext cx="333375" cy="684213"/>
-            </a:xfrm>
-            <a:custGeom>
-              <a:avLst/>
-              <a:gdLst>
-                <a:gd name="connsiteX0" fmla="*/ 166688 w 333375"/>
-                <a:gd name="connsiteY0" fmla="*/ 600075 h 684213"/>
-                <a:gd name="connsiteX1" fmla="*/ 207963 w 333375"/>
-                <a:gd name="connsiteY1" fmla="*/ 642144 h 684213"/>
-                <a:gd name="connsiteX2" fmla="*/ 166688 w 333375"/>
-                <a:gd name="connsiteY2" fmla="*/ 684213 h 684213"/>
-                <a:gd name="connsiteX3" fmla="*/ 125413 w 333375"/>
-                <a:gd name="connsiteY3" fmla="*/ 642144 h 684213"/>
-                <a:gd name="connsiteX4" fmla="*/ 166688 w 333375"/>
-                <a:gd name="connsiteY4" fmla="*/ 600075 h 684213"/>
-                <a:gd name="connsiteX5" fmla="*/ 16665 w 333375"/>
-                <a:gd name="connsiteY5" fmla="*/ 485775 h 684213"/>
-                <a:gd name="connsiteX6" fmla="*/ 316711 w 333375"/>
-                <a:gd name="connsiteY6" fmla="*/ 485775 h 684213"/>
-                <a:gd name="connsiteX7" fmla="*/ 331788 w 333375"/>
-                <a:gd name="connsiteY7" fmla="*/ 499696 h 684213"/>
-                <a:gd name="connsiteX8" fmla="*/ 316711 w 333375"/>
-                <a:gd name="connsiteY8" fmla="*/ 514350 h 684213"/>
-                <a:gd name="connsiteX9" fmla="*/ 16665 w 333375"/>
-                <a:gd name="connsiteY9" fmla="*/ 514350 h 684213"/>
-                <a:gd name="connsiteX10" fmla="*/ 1588 w 333375"/>
-                <a:gd name="connsiteY10" fmla="*/ 499696 h 684213"/>
-                <a:gd name="connsiteX11" fmla="*/ 16665 w 333375"/>
-                <a:gd name="connsiteY11" fmla="*/ 485775 h 684213"/>
-                <a:gd name="connsiteX12" fmla="*/ 16665 w 333375"/>
-                <a:gd name="connsiteY12" fmla="*/ 419100 h 684213"/>
-                <a:gd name="connsiteX13" fmla="*/ 316711 w 333375"/>
-                <a:gd name="connsiteY13" fmla="*/ 419100 h 684213"/>
-                <a:gd name="connsiteX14" fmla="*/ 331788 w 333375"/>
-                <a:gd name="connsiteY14" fmla="*/ 433021 h 684213"/>
-                <a:gd name="connsiteX15" fmla="*/ 316711 w 333375"/>
-                <a:gd name="connsiteY15" fmla="*/ 447675 h 684213"/>
-                <a:gd name="connsiteX16" fmla="*/ 16665 w 333375"/>
-                <a:gd name="connsiteY16" fmla="*/ 447675 h 684213"/>
-                <a:gd name="connsiteX17" fmla="*/ 1588 w 333375"/>
-                <a:gd name="connsiteY17" fmla="*/ 433021 h 684213"/>
-                <a:gd name="connsiteX18" fmla="*/ 16665 w 333375"/>
-                <a:gd name="connsiteY18" fmla="*/ 419100 h 684213"/>
-                <a:gd name="connsiteX19" fmla="*/ 16665 w 333375"/>
-                <a:gd name="connsiteY19" fmla="*/ 350837 h 684213"/>
-                <a:gd name="connsiteX20" fmla="*/ 316711 w 333375"/>
-                <a:gd name="connsiteY20" fmla="*/ 350837 h 684213"/>
-                <a:gd name="connsiteX21" fmla="*/ 331788 w 333375"/>
-                <a:gd name="connsiteY21" fmla="*/ 366305 h 684213"/>
-                <a:gd name="connsiteX22" fmla="*/ 316711 w 333375"/>
-                <a:gd name="connsiteY22" fmla="*/ 381000 h 684213"/>
-                <a:gd name="connsiteX23" fmla="*/ 16665 w 333375"/>
-                <a:gd name="connsiteY23" fmla="*/ 381000 h 684213"/>
-                <a:gd name="connsiteX24" fmla="*/ 1588 w 333375"/>
-                <a:gd name="connsiteY24" fmla="*/ 366305 h 684213"/>
-                <a:gd name="connsiteX25" fmla="*/ 16665 w 333375"/>
-                <a:gd name="connsiteY25" fmla="*/ 350837 h 684213"/>
-                <a:gd name="connsiteX26" fmla="*/ 19610 w 333375"/>
-                <a:gd name="connsiteY26" fmla="*/ 166687 h 684213"/>
-                <a:gd name="connsiteX27" fmla="*/ 313765 w 333375"/>
-                <a:gd name="connsiteY27" fmla="*/ 166687 h 684213"/>
-                <a:gd name="connsiteX28" fmla="*/ 333375 w 333375"/>
-                <a:gd name="connsiteY28" fmla="*/ 186990 h 684213"/>
-                <a:gd name="connsiteX29" fmla="*/ 333375 w 333375"/>
-                <a:gd name="connsiteY29" fmla="*/ 246397 h 684213"/>
-                <a:gd name="connsiteX30" fmla="*/ 313765 w 333375"/>
-                <a:gd name="connsiteY30" fmla="*/ 266700 h 684213"/>
-                <a:gd name="connsiteX31" fmla="*/ 19610 w 333375"/>
-                <a:gd name="connsiteY31" fmla="*/ 266700 h 684213"/>
-                <a:gd name="connsiteX32" fmla="*/ 0 w 333375"/>
-                <a:gd name="connsiteY32" fmla="*/ 246397 h 684213"/>
-                <a:gd name="connsiteX33" fmla="*/ 0 w 333375"/>
-                <a:gd name="connsiteY33" fmla="*/ 186990 h 684213"/>
-                <a:gd name="connsiteX34" fmla="*/ 19610 w 333375"/>
-                <a:gd name="connsiteY34" fmla="*/ 166687 h 684213"/>
-                <a:gd name="connsiteX35" fmla="*/ 19610 w 333375"/>
-                <a:gd name="connsiteY35" fmla="*/ 0 h 684213"/>
-                <a:gd name="connsiteX36" fmla="*/ 313765 w 333375"/>
-                <a:gd name="connsiteY36" fmla="*/ 0 h 684213"/>
-                <a:gd name="connsiteX37" fmla="*/ 333375 w 333375"/>
-                <a:gd name="connsiteY37" fmla="*/ 19551 h 684213"/>
-                <a:gd name="connsiteX38" fmla="*/ 333375 w 333375"/>
-                <a:gd name="connsiteY38" fmla="*/ 79710 h 684213"/>
-                <a:gd name="connsiteX39" fmla="*/ 313765 w 333375"/>
-                <a:gd name="connsiteY39" fmla="*/ 100013 h 684213"/>
-                <a:gd name="connsiteX40" fmla="*/ 19610 w 333375"/>
-                <a:gd name="connsiteY40" fmla="*/ 100013 h 684213"/>
-                <a:gd name="connsiteX41" fmla="*/ 0 w 333375"/>
-                <a:gd name="connsiteY41" fmla="*/ 79710 h 684213"/>
-                <a:gd name="connsiteX42" fmla="*/ 0 w 333375"/>
-                <a:gd name="connsiteY42" fmla="*/ 19551 h 684213"/>
-                <a:gd name="connsiteX43" fmla="*/ 19610 w 333375"/>
-                <a:gd name="connsiteY43" fmla="*/ 0 h 684213"/>
-              </a:gdLst>
-              <a:ahLst/>
-              <a:cxnLst>
-                <a:cxn ang="0">
-                  <a:pos x="connsiteX0" y="connsiteY0"/>
-                </a:cxn>
-                <a:cxn ang="0">
-                  <a:pos x="connsiteX1" y="connsiteY1"/>
-                </a:cxn>
-                <a:cxn ang="0">
-                  <a:pos x="connsiteX2" y="connsiteY2"/>
-                </a:cxn>
-                <a:cxn ang="0">
-                  <a:pos x="connsiteX3" y="connsiteY3"/>
-                </a:cxn>
-                <a:cxn ang="0">
-                  <a:pos x="connsiteX4" y="connsiteY4"/>
-                </a:cxn>
-                <a:cxn ang="0">
-                  <a:pos x="connsiteX5" y="connsiteY5"/>
-                </a:cxn>
-                <a:cxn ang="0">
-                  <a:pos x="connsiteX6" y="connsiteY6"/>
-                </a:cxn>
-                <a:cxn ang="0">
-                  <a:pos x="connsiteX7" y="connsiteY7"/>
-                </a:cxn>
-                <a:cxn ang="0">
-                  <a:pos x="connsiteX8" y="connsiteY8"/>
-                </a:cxn>
-                <a:cxn ang="0">
-                  <a:pos x="connsiteX9" y="connsiteY9"/>
-                </a:cxn>
-                <a:cxn ang="0">
-                  <a:pos x="connsiteX10" y="connsiteY10"/>
-                </a:cxn>
-                <a:cxn ang="0">
-                  <a:pos x="connsiteX11" y="connsiteY11"/>
-                </a:cxn>
-                <a:cxn ang="0">
-                  <a:pos x="connsiteX12" y="connsiteY12"/>
-                </a:cxn>
-                <a:cxn ang="0">
-                  <a:pos x="connsiteX13" y="connsiteY13"/>
-                </a:cxn>
-                <a:cxn ang="0">
-                  <a:pos x="connsiteX14" y="connsiteY14"/>
-                </a:cxn>
-                <a:cxn ang="0">
-                  <a:pos x="connsiteX15" y="connsiteY15"/>
-                </a:cxn>
-                <a:cxn ang="0">
-                  <a:pos x="connsiteX16" y="connsiteY16"/>
-                </a:cxn>
-                <a:cxn ang="0">
-                  <a:pos x="connsiteX17" y="connsiteY17"/>
-                </a:cxn>
-                <a:cxn ang="0">
-                  <a:pos x="connsiteX18" y="connsiteY18"/>
-                </a:cxn>
-                <a:cxn ang="0">
-                  <a:pos x="connsiteX19" y="connsiteY19"/>
-                </a:cxn>
-                <a:cxn ang="0">
-                  <a:pos x="connsiteX20" y="connsiteY20"/>
-                </a:cxn>
-                <a:cxn ang="0">
-                  <a:pos x="connsiteX21" y="connsiteY21"/>
-                </a:cxn>
-                <a:cxn ang="0">
-                  <a:pos x="connsiteX22" y="connsiteY22"/>
-                </a:cxn>
-                <a:cxn ang="0">
-                  <a:pos x="connsiteX23" y="connsiteY23"/>
-                </a:cxn>
-                <a:cxn ang="0">
-                  <a:pos x="connsiteX24" y="connsiteY24"/>
-                </a:cxn>
-                <a:cxn ang="0">
-                  <a:pos x="connsiteX25" y="connsiteY25"/>
-                </a:cxn>
-                <a:cxn ang="0">
-                  <a:pos x="connsiteX26" y="connsiteY26"/>
-                </a:cxn>
-                <a:cxn ang="0">
-                  <a:pos x="connsiteX27" y="connsiteY27"/>
-                </a:cxn>
-                <a:cxn ang="0">
-                  <a:pos x="connsiteX28" y="connsiteY28"/>
-                </a:cxn>
-                <a:cxn ang="0">
-                  <a:pos x="connsiteX29" y="connsiteY29"/>
-                </a:cxn>
-                <a:cxn ang="0">
-                  <a:pos x="connsiteX30" y="connsiteY30"/>
-                </a:cxn>
-                <a:cxn ang="0">
-                  <a:pos x="connsiteX31" y="connsiteY31"/>
-                </a:cxn>
-                <a:cxn ang="0">
-                  <a:pos x="connsiteX32" y="connsiteY32"/>
-                </a:cxn>
-                <a:cxn ang="0">
-                  <a:pos x="connsiteX33" y="connsiteY33"/>
-                </a:cxn>
-                <a:cxn ang="0">
-                  <a:pos x="connsiteX34" y="connsiteY34"/>
-                </a:cxn>
-                <a:cxn ang="0">
-                  <a:pos x="connsiteX35" y="connsiteY35"/>
-                </a:cxn>
-                <a:cxn ang="0">
-                  <a:pos x="connsiteX36" y="connsiteY36"/>
-                </a:cxn>
-                <a:cxn ang="0">
-                  <a:pos x="connsiteX37" y="connsiteY37"/>
-                </a:cxn>
-                <a:cxn ang="0">
-                  <a:pos x="connsiteX38" y="connsiteY38"/>
-                </a:cxn>
-                <a:cxn ang="0">
-                  <a:pos x="connsiteX39" y="connsiteY39"/>
-                </a:cxn>
-                <a:cxn ang="0">
-                  <a:pos x="connsiteX40" y="connsiteY40"/>
-                </a:cxn>
-                <a:cxn ang="0">
-                  <a:pos x="connsiteX41" y="connsiteY41"/>
-                </a:cxn>
-                <a:cxn ang="0">
-                  <a:pos x="connsiteX42" y="connsiteY42"/>
-                </a:cxn>
-                <a:cxn ang="0">
-                  <a:pos x="connsiteX43" y="connsiteY43"/>
-                </a:cxn>
-              </a:cxnLst>
-              <a:rect l="l" t="t" r="r" b="b"/>
-              <a:pathLst>
-                <a:path w="333375" h="684213">
-                  <a:moveTo>
-                    <a:pt x="166688" y="600075"/>
-                  </a:moveTo>
-                  <a:cubicBezTo>
-                    <a:pt x="189484" y="600075"/>
-                    <a:pt x="207963" y="618910"/>
-                    <a:pt x="207963" y="642144"/>
-                  </a:cubicBezTo>
-                  <a:cubicBezTo>
-                    <a:pt x="207963" y="665378"/>
-                    <a:pt x="189484" y="684213"/>
-                    <a:pt x="166688" y="684213"/>
-                  </a:cubicBezTo>
-                  <a:cubicBezTo>
-                    <a:pt x="143892" y="684213"/>
-                    <a:pt x="125413" y="665378"/>
-                    <a:pt x="125413" y="642144"/>
-                  </a:cubicBezTo>
-                  <a:cubicBezTo>
-                    <a:pt x="125413" y="618910"/>
-                    <a:pt x="143892" y="600075"/>
-                    <a:pt x="166688" y="600075"/>
-                  </a:cubicBezTo>
-                  <a:close/>
-                  <a:moveTo>
-                    <a:pt x="16665" y="485775"/>
-                  </a:moveTo>
-                  <a:cubicBezTo>
-                    <a:pt x="16665" y="485775"/>
-                    <a:pt x="16665" y="485775"/>
-                    <a:pt x="316711" y="485775"/>
-                  </a:cubicBezTo>
-                  <a:cubicBezTo>
-                    <a:pt x="325003" y="485775"/>
-                    <a:pt x="331788" y="491636"/>
-                    <a:pt x="331788" y="499696"/>
-                  </a:cubicBezTo>
-                  <a:cubicBezTo>
-                    <a:pt x="331788" y="507756"/>
-                    <a:pt x="325003" y="514350"/>
-                    <a:pt x="316711" y="514350"/>
-                  </a:cubicBezTo>
-                  <a:cubicBezTo>
-                    <a:pt x="316711" y="514350"/>
-                    <a:pt x="316711" y="514350"/>
-                    <a:pt x="16665" y="514350"/>
-                  </a:cubicBezTo>
-                  <a:cubicBezTo>
-                    <a:pt x="8373" y="514350"/>
-                    <a:pt x="1588" y="507756"/>
-                    <a:pt x="1588" y="499696"/>
-                  </a:cubicBezTo>
-                  <a:cubicBezTo>
-                    <a:pt x="1588" y="491636"/>
-                    <a:pt x="8373" y="485775"/>
-                    <a:pt x="16665" y="485775"/>
-                  </a:cubicBezTo>
-                  <a:close/>
-                  <a:moveTo>
-                    <a:pt x="16665" y="419100"/>
-                  </a:moveTo>
-                  <a:cubicBezTo>
-                    <a:pt x="16665" y="419100"/>
-                    <a:pt x="16665" y="419100"/>
-                    <a:pt x="316711" y="419100"/>
-                  </a:cubicBezTo>
-                  <a:cubicBezTo>
-                    <a:pt x="325003" y="419100"/>
-                    <a:pt x="331788" y="425694"/>
-                    <a:pt x="331788" y="433021"/>
-                  </a:cubicBezTo>
-                  <a:cubicBezTo>
-                    <a:pt x="331788" y="441081"/>
-                    <a:pt x="325003" y="447675"/>
-                    <a:pt x="316711" y="447675"/>
-                  </a:cubicBezTo>
-                  <a:cubicBezTo>
-                    <a:pt x="316711" y="447675"/>
-                    <a:pt x="316711" y="447675"/>
-                    <a:pt x="16665" y="447675"/>
-                  </a:cubicBezTo>
-                  <a:cubicBezTo>
-                    <a:pt x="8373" y="447675"/>
-                    <a:pt x="1588" y="441081"/>
-                    <a:pt x="1588" y="433021"/>
-                  </a:cubicBezTo>
-                  <a:cubicBezTo>
-                    <a:pt x="1588" y="425694"/>
-                    <a:pt x="8373" y="419100"/>
-                    <a:pt x="16665" y="419100"/>
-                  </a:cubicBezTo>
-                  <a:close/>
-                  <a:moveTo>
-                    <a:pt x="16665" y="350837"/>
-                  </a:moveTo>
-                  <a:cubicBezTo>
-                    <a:pt x="16665" y="350837"/>
-                    <a:pt x="16665" y="350837"/>
-                    <a:pt x="316711" y="350837"/>
-                  </a:cubicBezTo>
-                  <a:cubicBezTo>
-                    <a:pt x="325003" y="350837"/>
-                    <a:pt x="331788" y="357798"/>
-                    <a:pt x="331788" y="366305"/>
-                  </a:cubicBezTo>
-                  <a:cubicBezTo>
-                    <a:pt x="331788" y="374813"/>
-                    <a:pt x="325003" y="381000"/>
-                    <a:pt x="316711" y="381000"/>
-                  </a:cubicBezTo>
-                  <a:cubicBezTo>
-                    <a:pt x="316711" y="381000"/>
-                    <a:pt x="316711" y="381000"/>
-                    <a:pt x="16665" y="381000"/>
-                  </a:cubicBezTo>
-                  <a:cubicBezTo>
-                    <a:pt x="8373" y="381000"/>
-                    <a:pt x="1588" y="374813"/>
-                    <a:pt x="1588" y="366305"/>
-                  </a:cubicBezTo>
-                  <a:cubicBezTo>
-                    <a:pt x="1588" y="357798"/>
-                    <a:pt x="8373" y="350837"/>
-                    <a:pt x="16665" y="350837"/>
-                  </a:cubicBezTo>
-                  <a:close/>
-                  <a:moveTo>
-                    <a:pt x="19610" y="166687"/>
-                  </a:moveTo>
-                  <a:cubicBezTo>
-                    <a:pt x="19610" y="166687"/>
-                    <a:pt x="19610" y="166687"/>
-                    <a:pt x="313765" y="166687"/>
-                  </a:cubicBezTo>
-                  <a:cubicBezTo>
-                    <a:pt x="324324" y="166687"/>
-                    <a:pt x="333375" y="175711"/>
-                    <a:pt x="333375" y="186990"/>
-                  </a:cubicBezTo>
-                  <a:cubicBezTo>
-                    <a:pt x="333375" y="186990"/>
-                    <a:pt x="333375" y="186990"/>
-                    <a:pt x="333375" y="246397"/>
-                  </a:cubicBezTo>
-                  <a:cubicBezTo>
-                    <a:pt x="333375" y="257676"/>
-                    <a:pt x="324324" y="266700"/>
-                    <a:pt x="313765" y="266700"/>
-                  </a:cubicBezTo>
-                  <a:cubicBezTo>
-                    <a:pt x="313765" y="266700"/>
-                    <a:pt x="313765" y="266700"/>
-                    <a:pt x="19610" y="266700"/>
-                  </a:cubicBezTo>
-                  <a:cubicBezTo>
-                    <a:pt x="9051" y="266700"/>
-                    <a:pt x="0" y="257676"/>
-                    <a:pt x="0" y="246397"/>
-                  </a:cubicBezTo>
-                  <a:cubicBezTo>
-                    <a:pt x="0" y="246397"/>
-                    <a:pt x="0" y="246397"/>
-                    <a:pt x="0" y="186990"/>
-                  </a:cubicBezTo>
-                  <a:cubicBezTo>
-                    <a:pt x="0" y="175711"/>
-                    <a:pt x="9051" y="166687"/>
-                    <a:pt x="19610" y="166687"/>
-                  </a:cubicBezTo>
-                  <a:close/>
-                  <a:moveTo>
-                    <a:pt x="19610" y="0"/>
-                  </a:moveTo>
-                  <a:cubicBezTo>
-                    <a:pt x="19610" y="0"/>
-                    <a:pt x="19610" y="0"/>
-                    <a:pt x="313765" y="0"/>
-                  </a:cubicBezTo>
-                  <a:cubicBezTo>
-                    <a:pt x="324324" y="0"/>
-                    <a:pt x="333375" y="9024"/>
-                    <a:pt x="333375" y="19551"/>
-                  </a:cubicBezTo>
-                  <a:cubicBezTo>
-                    <a:pt x="333375" y="19551"/>
-                    <a:pt x="333375" y="19551"/>
-                    <a:pt x="333375" y="79710"/>
-                  </a:cubicBezTo>
-                  <a:cubicBezTo>
-                    <a:pt x="333375" y="90989"/>
-                    <a:pt x="324324" y="100013"/>
-                    <a:pt x="313765" y="100013"/>
-                  </a:cubicBezTo>
-                  <a:cubicBezTo>
-                    <a:pt x="313765" y="100013"/>
-                    <a:pt x="313765" y="100013"/>
-                    <a:pt x="19610" y="100013"/>
-                  </a:cubicBezTo>
-                  <a:cubicBezTo>
-                    <a:pt x="9051" y="100013"/>
-                    <a:pt x="0" y="90989"/>
-                    <a:pt x="0" y="79710"/>
-                  </a:cubicBezTo>
-                  <a:cubicBezTo>
-                    <a:pt x="0" y="79710"/>
-                    <a:pt x="0" y="79710"/>
-                    <a:pt x="0" y="19551"/>
-                  </a:cubicBezTo>
-                  <a:cubicBezTo>
-                    <a:pt x="0" y="9024"/>
-                    <a:pt x="9051" y="0"/>
-                    <a:pt x="19610" y="0"/>
-                  </a:cubicBezTo>
-                  <a:close/>
-                </a:path>
-              </a:pathLst>
-            </a:custGeom>
-            <a:solidFill>
-              <a:srgbClr val="FFFFFF"/>
-            </a:solidFill>
-            <a:ln>
-              <a:noFill/>
-            </a:ln>
-            <a:extLst>
-              <a:ext uri="{91240B29-F687-4F45-9708-019B960494DF}">
-                <a14:hiddenLine xmlns:a14="http://schemas.microsoft.com/office/drawing/2010/main" w="9525">
-                  <a:solidFill>
-                    <a:srgbClr val="000000"/>
-                  </a:solidFill>
-                  <a:round/>
-                  <a:headEnd/>
-                  <a:tailEnd/>
-                </a14:hiddenLine>
-              </a:ext>
-            </a:extLst>
-          </p:spPr>
-          <p:txBody>
-            <a:bodyPr vert="horz" wrap="square" lIns="91440" tIns="45720" rIns="91440" bIns="45720" numCol="1" anchor="t" anchorCtr="0" compatLnSpc="1">
-              <a:prstTxWarp prst="textNoShape">
-                <a:avLst/>
-              </a:prstTxWarp>
-              <a:noAutofit/>
-            </a:bodyPr>
-            <a:lstStyle/>
-            <a:p>
-              <a:endParaRPr lang="ja-JP" altLang="en-US"/>
-            </a:p>
-          </p:txBody>
-        </p:sp>
-      </p:grpSp>
-      <p:grpSp>
-        <p:nvGrpSpPr>
-          <p:cNvPr id="38" name="グループ化 37"/>
-          <p:cNvGrpSpPr>
-            <a:grpSpLocks noChangeAspect="1"/>
-          </p:cNvGrpSpPr>
-          <p:nvPr/>
-        </p:nvGrpSpPr>
-        <p:grpSpPr bwMode="gray">
-          <a:xfrm>
-            <a:off x="7372177" y="4936838"/>
-            <a:ext cx="476051" cy="819427"/>
-            <a:chOff x="5936838" y="1169393"/>
-            <a:chExt cx="484187" cy="833438"/>
-          </a:xfrm>
-        </p:grpSpPr>
-        <p:sp>
-          <p:nvSpPr>
-            <p:cNvPr id="39" name="Freeform 22"/>
-            <p:cNvSpPr>
-              <a:spLocks noChangeAspect="1"/>
-            </p:cNvSpPr>
-            <p:nvPr/>
-          </p:nvSpPr>
-          <p:spPr bwMode="gray">
-            <a:xfrm>
-              <a:off x="5936838" y="1169393"/>
-              <a:ext cx="484187" cy="833438"/>
-            </a:xfrm>
-            <a:custGeom>
-              <a:avLst/>
-              <a:gdLst>
-                <a:gd name="T0" fmla="*/ 642 w 642"/>
-                <a:gd name="T1" fmla="*/ 1081 h 1107"/>
-                <a:gd name="T2" fmla="*/ 615 w 642"/>
-                <a:gd name="T3" fmla="*/ 1107 h 1107"/>
-                <a:gd name="T4" fmla="*/ 27 w 642"/>
-                <a:gd name="T5" fmla="*/ 1107 h 1107"/>
-                <a:gd name="T6" fmla="*/ 0 w 642"/>
-                <a:gd name="T7" fmla="*/ 1081 h 1107"/>
-                <a:gd name="T8" fmla="*/ 0 w 642"/>
-                <a:gd name="T9" fmla="*/ 27 h 1107"/>
-                <a:gd name="T10" fmla="*/ 27 w 642"/>
-                <a:gd name="T11" fmla="*/ 0 h 1107"/>
-                <a:gd name="T12" fmla="*/ 615 w 642"/>
-                <a:gd name="T13" fmla="*/ 0 h 1107"/>
-                <a:gd name="T14" fmla="*/ 642 w 642"/>
-                <a:gd name="T15" fmla="*/ 27 h 1107"/>
-                <a:gd name="T16" fmla="*/ 642 w 642"/>
-                <a:gd name="T17" fmla="*/ 1081 h 1107"/>
-              </a:gdLst>
-              <a:ahLst/>
-              <a:cxnLst>
-                <a:cxn ang="0">
-                  <a:pos x="T0" y="T1"/>
-                </a:cxn>
-                <a:cxn ang="0">
-                  <a:pos x="T2" y="T3"/>
-                </a:cxn>
-                <a:cxn ang="0">
-                  <a:pos x="T4" y="T5"/>
-                </a:cxn>
-                <a:cxn ang="0">
-                  <a:pos x="T6" y="T7"/>
-                </a:cxn>
-                <a:cxn ang="0">
-                  <a:pos x="T8" y="T9"/>
-                </a:cxn>
-                <a:cxn ang="0">
-                  <a:pos x="T10" y="T11"/>
-                </a:cxn>
-                <a:cxn ang="0">
-                  <a:pos x="T12" y="T13"/>
-                </a:cxn>
-                <a:cxn ang="0">
-                  <a:pos x="T14" y="T15"/>
-                </a:cxn>
-                <a:cxn ang="0">
-                  <a:pos x="T16" y="T17"/>
-                </a:cxn>
-              </a:cxnLst>
-              <a:rect l="0" t="0" r="r" b="b"/>
-              <a:pathLst>
-                <a:path w="642" h="1107">
-                  <a:moveTo>
-                    <a:pt x="642" y="1081"/>
-                  </a:moveTo>
-                  <a:cubicBezTo>
-                    <a:pt x="642" y="1095"/>
-                    <a:pt x="630" y="1107"/>
-                    <a:pt x="615" y="1107"/>
-                  </a:cubicBezTo>
-                  <a:cubicBezTo>
-                    <a:pt x="27" y="1107"/>
-                    <a:pt x="27" y="1107"/>
-                    <a:pt x="27" y="1107"/>
-                  </a:cubicBezTo>
-                  <a:cubicBezTo>
-                    <a:pt x="12" y="1107"/>
-                    <a:pt x="0" y="1095"/>
-                    <a:pt x="0" y="1081"/>
-                  </a:cubicBezTo>
-                  <a:cubicBezTo>
-                    <a:pt x="0" y="27"/>
-                    <a:pt x="0" y="27"/>
-                    <a:pt x="0" y="27"/>
-                  </a:cubicBezTo>
-                  <a:cubicBezTo>
-                    <a:pt x="0" y="12"/>
-                    <a:pt x="12" y="0"/>
-                    <a:pt x="27" y="0"/>
-                  </a:cubicBezTo>
-                  <a:cubicBezTo>
-                    <a:pt x="615" y="0"/>
-                    <a:pt x="615" y="0"/>
-                    <a:pt x="615" y="0"/>
-                  </a:cubicBezTo>
-                  <a:cubicBezTo>
-                    <a:pt x="630" y="0"/>
-                    <a:pt x="642" y="12"/>
-                    <a:pt x="642" y="27"/>
-                  </a:cubicBezTo>
-                  <a:lnTo>
-                    <a:pt x="642" y="1081"/>
-                  </a:lnTo>
-                  <a:close/>
-                </a:path>
-              </a:pathLst>
-            </a:custGeom>
-            <a:solidFill>
-              <a:schemeClr val="accent6"/>
-            </a:solidFill>
-            <a:ln>
-              <a:noFill/>
-            </a:ln>
-            <a:extLst>
-              <a:ext uri="{91240B29-F687-4F45-9708-019B960494DF}">
-                <a14:hiddenLine xmlns:a14="http://schemas.microsoft.com/office/drawing/2010/main" w="9525">
-                  <a:solidFill>
-                    <a:srgbClr val="000000"/>
-                  </a:solidFill>
-                  <a:round/>
-                  <a:headEnd/>
-                  <a:tailEnd/>
-                </a14:hiddenLine>
-              </a:ext>
-            </a:extLst>
-          </p:spPr>
-          <p:txBody>
-            <a:bodyPr vert="horz" wrap="square" lIns="91440" tIns="45720" rIns="91440" bIns="45720" numCol="1" anchor="t" anchorCtr="0" compatLnSpc="1">
-              <a:prstTxWarp prst="textNoShape">
-                <a:avLst/>
-              </a:prstTxWarp>
-            </a:bodyPr>
-            <a:lstStyle/>
-            <a:p>
-              <a:endParaRPr lang="ja-JP" altLang="en-US"/>
-            </a:p>
-          </p:txBody>
-        </p:sp>
-        <p:sp>
-          <p:nvSpPr>
-            <p:cNvPr id="40" name="フリーフォーム 39"/>
-            <p:cNvSpPr>
-              <a:spLocks noChangeAspect="1" noChangeArrowheads="1"/>
-            </p:cNvSpPr>
-            <p:nvPr/>
-          </p:nvSpPr>
-          <p:spPr bwMode="gray">
-            <a:xfrm>
-              <a:off x="6011450" y="1244006"/>
-              <a:ext cx="333375" cy="684213"/>
-            </a:xfrm>
-            <a:custGeom>
-              <a:avLst/>
-              <a:gdLst>
-                <a:gd name="connsiteX0" fmla="*/ 166688 w 333375"/>
-                <a:gd name="connsiteY0" fmla="*/ 600075 h 684213"/>
-                <a:gd name="connsiteX1" fmla="*/ 207963 w 333375"/>
-                <a:gd name="connsiteY1" fmla="*/ 642144 h 684213"/>
-                <a:gd name="connsiteX2" fmla="*/ 166688 w 333375"/>
-                <a:gd name="connsiteY2" fmla="*/ 684213 h 684213"/>
-                <a:gd name="connsiteX3" fmla="*/ 125413 w 333375"/>
-                <a:gd name="connsiteY3" fmla="*/ 642144 h 684213"/>
-                <a:gd name="connsiteX4" fmla="*/ 166688 w 333375"/>
-                <a:gd name="connsiteY4" fmla="*/ 600075 h 684213"/>
-                <a:gd name="connsiteX5" fmla="*/ 16665 w 333375"/>
-                <a:gd name="connsiteY5" fmla="*/ 485775 h 684213"/>
-                <a:gd name="connsiteX6" fmla="*/ 316711 w 333375"/>
-                <a:gd name="connsiteY6" fmla="*/ 485775 h 684213"/>
-                <a:gd name="connsiteX7" fmla="*/ 331788 w 333375"/>
-                <a:gd name="connsiteY7" fmla="*/ 499696 h 684213"/>
-                <a:gd name="connsiteX8" fmla="*/ 316711 w 333375"/>
-                <a:gd name="connsiteY8" fmla="*/ 514350 h 684213"/>
-                <a:gd name="connsiteX9" fmla="*/ 16665 w 333375"/>
-                <a:gd name="connsiteY9" fmla="*/ 514350 h 684213"/>
-                <a:gd name="connsiteX10" fmla="*/ 1588 w 333375"/>
-                <a:gd name="connsiteY10" fmla="*/ 499696 h 684213"/>
-                <a:gd name="connsiteX11" fmla="*/ 16665 w 333375"/>
-                <a:gd name="connsiteY11" fmla="*/ 485775 h 684213"/>
-                <a:gd name="connsiteX12" fmla="*/ 16665 w 333375"/>
-                <a:gd name="connsiteY12" fmla="*/ 419100 h 684213"/>
-                <a:gd name="connsiteX13" fmla="*/ 316711 w 333375"/>
-                <a:gd name="connsiteY13" fmla="*/ 419100 h 684213"/>
-                <a:gd name="connsiteX14" fmla="*/ 331788 w 333375"/>
-                <a:gd name="connsiteY14" fmla="*/ 433021 h 684213"/>
-                <a:gd name="connsiteX15" fmla="*/ 316711 w 333375"/>
-                <a:gd name="connsiteY15" fmla="*/ 447675 h 684213"/>
-                <a:gd name="connsiteX16" fmla="*/ 16665 w 333375"/>
-                <a:gd name="connsiteY16" fmla="*/ 447675 h 684213"/>
-                <a:gd name="connsiteX17" fmla="*/ 1588 w 333375"/>
-                <a:gd name="connsiteY17" fmla="*/ 433021 h 684213"/>
-                <a:gd name="connsiteX18" fmla="*/ 16665 w 333375"/>
-                <a:gd name="connsiteY18" fmla="*/ 419100 h 684213"/>
-                <a:gd name="connsiteX19" fmla="*/ 16665 w 333375"/>
-                <a:gd name="connsiteY19" fmla="*/ 350837 h 684213"/>
-                <a:gd name="connsiteX20" fmla="*/ 316711 w 333375"/>
-                <a:gd name="connsiteY20" fmla="*/ 350837 h 684213"/>
-                <a:gd name="connsiteX21" fmla="*/ 331788 w 333375"/>
-                <a:gd name="connsiteY21" fmla="*/ 366305 h 684213"/>
-                <a:gd name="connsiteX22" fmla="*/ 316711 w 333375"/>
-                <a:gd name="connsiteY22" fmla="*/ 381000 h 684213"/>
-                <a:gd name="connsiteX23" fmla="*/ 16665 w 333375"/>
-                <a:gd name="connsiteY23" fmla="*/ 381000 h 684213"/>
-                <a:gd name="connsiteX24" fmla="*/ 1588 w 333375"/>
-                <a:gd name="connsiteY24" fmla="*/ 366305 h 684213"/>
-                <a:gd name="connsiteX25" fmla="*/ 16665 w 333375"/>
-                <a:gd name="connsiteY25" fmla="*/ 350837 h 684213"/>
-                <a:gd name="connsiteX26" fmla="*/ 19610 w 333375"/>
-                <a:gd name="connsiteY26" fmla="*/ 166687 h 684213"/>
-                <a:gd name="connsiteX27" fmla="*/ 313765 w 333375"/>
-                <a:gd name="connsiteY27" fmla="*/ 166687 h 684213"/>
-                <a:gd name="connsiteX28" fmla="*/ 333375 w 333375"/>
-                <a:gd name="connsiteY28" fmla="*/ 186990 h 684213"/>
-                <a:gd name="connsiteX29" fmla="*/ 333375 w 333375"/>
-                <a:gd name="connsiteY29" fmla="*/ 246397 h 684213"/>
-                <a:gd name="connsiteX30" fmla="*/ 313765 w 333375"/>
-                <a:gd name="connsiteY30" fmla="*/ 266700 h 684213"/>
-                <a:gd name="connsiteX31" fmla="*/ 19610 w 333375"/>
-                <a:gd name="connsiteY31" fmla="*/ 266700 h 684213"/>
-                <a:gd name="connsiteX32" fmla="*/ 0 w 333375"/>
-                <a:gd name="connsiteY32" fmla="*/ 246397 h 684213"/>
-                <a:gd name="connsiteX33" fmla="*/ 0 w 333375"/>
-                <a:gd name="connsiteY33" fmla="*/ 186990 h 684213"/>
-                <a:gd name="connsiteX34" fmla="*/ 19610 w 333375"/>
-                <a:gd name="connsiteY34" fmla="*/ 166687 h 684213"/>
-                <a:gd name="connsiteX35" fmla="*/ 19610 w 333375"/>
-                <a:gd name="connsiteY35" fmla="*/ 0 h 684213"/>
-                <a:gd name="connsiteX36" fmla="*/ 313765 w 333375"/>
-                <a:gd name="connsiteY36" fmla="*/ 0 h 684213"/>
-                <a:gd name="connsiteX37" fmla="*/ 333375 w 333375"/>
-                <a:gd name="connsiteY37" fmla="*/ 19551 h 684213"/>
-                <a:gd name="connsiteX38" fmla="*/ 333375 w 333375"/>
-                <a:gd name="connsiteY38" fmla="*/ 79710 h 684213"/>
-                <a:gd name="connsiteX39" fmla="*/ 313765 w 333375"/>
-                <a:gd name="connsiteY39" fmla="*/ 100013 h 684213"/>
-                <a:gd name="connsiteX40" fmla="*/ 19610 w 333375"/>
-                <a:gd name="connsiteY40" fmla="*/ 100013 h 684213"/>
-                <a:gd name="connsiteX41" fmla="*/ 0 w 333375"/>
-                <a:gd name="connsiteY41" fmla="*/ 79710 h 684213"/>
-                <a:gd name="connsiteX42" fmla="*/ 0 w 333375"/>
-                <a:gd name="connsiteY42" fmla="*/ 19551 h 684213"/>
-                <a:gd name="connsiteX43" fmla="*/ 19610 w 333375"/>
-                <a:gd name="connsiteY43" fmla="*/ 0 h 684213"/>
-              </a:gdLst>
-              <a:ahLst/>
-              <a:cxnLst>
-                <a:cxn ang="0">
-                  <a:pos x="connsiteX0" y="connsiteY0"/>
-                </a:cxn>
-                <a:cxn ang="0">
-                  <a:pos x="connsiteX1" y="connsiteY1"/>
-                </a:cxn>
-                <a:cxn ang="0">
-                  <a:pos x="connsiteX2" y="connsiteY2"/>
-                </a:cxn>
-                <a:cxn ang="0">
-                  <a:pos x="connsiteX3" y="connsiteY3"/>
-                </a:cxn>
-                <a:cxn ang="0">
-                  <a:pos x="connsiteX4" y="connsiteY4"/>
-                </a:cxn>
-                <a:cxn ang="0">
-                  <a:pos x="connsiteX5" y="connsiteY5"/>
-                </a:cxn>
-                <a:cxn ang="0">
-                  <a:pos x="connsiteX6" y="connsiteY6"/>
-                </a:cxn>
-                <a:cxn ang="0">
-                  <a:pos x="connsiteX7" y="connsiteY7"/>
-                </a:cxn>
-                <a:cxn ang="0">
-                  <a:pos x="connsiteX8" y="connsiteY8"/>
-                </a:cxn>
-                <a:cxn ang="0">
-                  <a:pos x="connsiteX9" y="connsiteY9"/>
-                </a:cxn>
-                <a:cxn ang="0">
-                  <a:pos x="connsiteX10" y="connsiteY10"/>
-                </a:cxn>
-                <a:cxn ang="0">
-                  <a:pos x="connsiteX11" y="connsiteY11"/>
-                </a:cxn>
-                <a:cxn ang="0">
-                  <a:pos x="connsiteX12" y="connsiteY12"/>
-                </a:cxn>
-                <a:cxn ang="0">
-                  <a:pos x="connsiteX13" y="connsiteY13"/>
-                </a:cxn>
-                <a:cxn ang="0">
-                  <a:pos x="connsiteX14" y="connsiteY14"/>
-                </a:cxn>
-                <a:cxn ang="0">
-                  <a:pos x="connsiteX15" y="connsiteY15"/>
-                </a:cxn>
-                <a:cxn ang="0">
-                  <a:pos x="connsiteX16" y="connsiteY16"/>
-                </a:cxn>
-                <a:cxn ang="0">
-                  <a:pos x="connsiteX17" y="connsiteY17"/>
-                </a:cxn>
-                <a:cxn ang="0">
-                  <a:pos x="connsiteX18" y="connsiteY18"/>
-                </a:cxn>
-                <a:cxn ang="0">
-                  <a:pos x="connsiteX19" y="connsiteY19"/>
-                </a:cxn>
-                <a:cxn ang="0">
-                  <a:pos x="connsiteX20" y="connsiteY20"/>
-                </a:cxn>
-                <a:cxn ang="0">
-                  <a:pos x="connsiteX21" y="connsiteY21"/>
-                </a:cxn>
-                <a:cxn ang="0">
-                  <a:pos x="connsiteX22" y="connsiteY22"/>
-                </a:cxn>
-                <a:cxn ang="0">
-                  <a:pos x="connsiteX23" y="connsiteY23"/>
-                </a:cxn>
-                <a:cxn ang="0">
-                  <a:pos x="connsiteX24" y="connsiteY24"/>
-                </a:cxn>
-                <a:cxn ang="0">
-                  <a:pos x="connsiteX25" y="connsiteY25"/>
-                </a:cxn>
-                <a:cxn ang="0">
-                  <a:pos x="connsiteX26" y="connsiteY26"/>
-                </a:cxn>
-                <a:cxn ang="0">
-                  <a:pos x="connsiteX27" y="connsiteY27"/>
-                </a:cxn>
-                <a:cxn ang="0">
-                  <a:pos x="connsiteX28" y="connsiteY28"/>
-                </a:cxn>
-                <a:cxn ang="0">
-                  <a:pos x="connsiteX29" y="connsiteY29"/>
-                </a:cxn>
-                <a:cxn ang="0">
-                  <a:pos x="connsiteX30" y="connsiteY30"/>
-                </a:cxn>
-                <a:cxn ang="0">
-                  <a:pos x="connsiteX31" y="connsiteY31"/>
-                </a:cxn>
-                <a:cxn ang="0">
-                  <a:pos x="connsiteX32" y="connsiteY32"/>
-                </a:cxn>
-                <a:cxn ang="0">
-                  <a:pos x="connsiteX33" y="connsiteY33"/>
-                </a:cxn>
-                <a:cxn ang="0">
-                  <a:pos x="connsiteX34" y="connsiteY34"/>
-                </a:cxn>
-                <a:cxn ang="0">
-                  <a:pos x="connsiteX35" y="connsiteY35"/>
-                </a:cxn>
-                <a:cxn ang="0">
-                  <a:pos x="connsiteX36" y="connsiteY36"/>
-                </a:cxn>
-                <a:cxn ang="0">
-                  <a:pos x="connsiteX37" y="connsiteY37"/>
-                </a:cxn>
-                <a:cxn ang="0">
-                  <a:pos x="connsiteX38" y="connsiteY38"/>
-                </a:cxn>
-                <a:cxn ang="0">
-                  <a:pos x="connsiteX39" y="connsiteY39"/>
-                </a:cxn>
-                <a:cxn ang="0">
-                  <a:pos x="connsiteX40" y="connsiteY40"/>
-                </a:cxn>
-                <a:cxn ang="0">
-                  <a:pos x="connsiteX41" y="connsiteY41"/>
-                </a:cxn>
-                <a:cxn ang="0">
-                  <a:pos x="connsiteX42" y="connsiteY42"/>
-                </a:cxn>
-                <a:cxn ang="0">
-                  <a:pos x="connsiteX43" y="connsiteY43"/>
-                </a:cxn>
-              </a:cxnLst>
-              <a:rect l="l" t="t" r="r" b="b"/>
-              <a:pathLst>
-                <a:path w="333375" h="684213">
-                  <a:moveTo>
-                    <a:pt x="166688" y="600075"/>
-                  </a:moveTo>
-                  <a:cubicBezTo>
-                    <a:pt x="189484" y="600075"/>
-                    <a:pt x="207963" y="618910"/>
-                    <a:pt x="207963" y="642144"/>
-                  </a:cubicBezTo>
-                  <a:cubicBezTo>
-                    <a:pt x="207963" y="665378"/>
-                    <a:pt x="189484" y="684213"/>
-                    <a:pt x="166688" y="684213"/>
-                  </a:cubicBezTo>
-                  <a:cubicBezTo>
-                    <a:pt x="143892" y="684213"/>
-                    <a:pt x="125413" y="665378"/>
-                    <a:pt x="125413" y="642144"/>
-                  </a:cubicBezTo>
-                  <a:cubicBezTo>
-                    <a:pt x="125413" y="618910"/>
-                    <a:pt x="143892" y="600075"/>
-                    <a:pt x="166688" y="600075"/>
-                  </a:cubicBezTo>
-                  <a:close/>
-                  <a:moveTo>
-                    <a:pt x="16665" y="485775"/>
-                  </a:moveTo>
-                  <a:cubicBezTo>
-                    <a:pt x="16665" y="485775"/>
-                    <a:pt x="16665" y="485775"/>
-                    <a:pt x="316711" y="485775"/>
-                  </a:cubicBezTo>
-                  <a:cubicBezTo>
-                    <a:pt x="325003" y="485775"/>
-                    <a:pt x="331788" y="491636"/>
-                    <a:pt x="331788" y="499696"/>
-                  </a:cubicBezTo>
-                  <a:cubicBezTo>
-                    <a:pt x="331788" y="507756"/>
-                    <a:pt x="325003" y="514350"/>
-                    <a:pt x="316711" y="514350"/>
-                  </a:cubicBezTo>
-                  <a:cubicBezTo>
-                    <a:pt x="316711" y="514350"/>
-                    <a:pt x="316711" y="514350"/>
-                    <a:pt x="16665" y="514350"/>
-                  </a:cubicBezTo>
-                  <a:cubicBezTo>
-                    <a:pt x="8373" y="514350"/>
-                    <a:pt x="1588" y="507756"/>
-                    <a:pt x="1588" y="499696"/>
-                  </a:cubicBezTo>
-                  <a:cubicBezTo>
-                    <a:pt x="1588" y="491636"/>
-                    <a:pt x="8373" y="485775"/>
-                    <a:pt x="16665" y="485775"/>
-                  </a:cubicBezTo>
-                  <a:close/>
-                  <a:moveTo>
-                    <a:pt x="16665" y="419100"/>
-                  </a:moveTo>
-                  <a:cubicBezTo>
-                    <a:pt x="16665" y="419100"/>
-                    <a:pt x="16665" y="419100"/>
-                    <a:pt x="316711" y="419100"/>
-                  </a:cubicBezTo>
-                  <a:cubicBezTo>
-                    <a:pt x="325003" y="419100"/>
-                    <a:pt x="331788" y="425694"/>
-                    <a:pt x="331788" y="433021"/>
-                  </a:cubicBezTo>
-                  <a:cubicBezTo>
-                    <a:pt x="331788" y="441081"/>
-                    <a:pt x="325003" y="447675"/>
-                    <a:pt x="316711" y="447675"/>
-                  </a:cubicBezTo>
-                  <a:cubicBezTo>
-                    <a:pt x="316711" y="447675"/>
-                    <a:pt x="316711" y="447675"/>
-                    <a:pt x="16665" y="447675"/>
-                  </a:cubicBezTo>
-                  <a:cubicBezTo>
-                    <a:pt x="8373" y="447675"/>
-                    <a:pt x="1588" y="441081"/>
-                    <a:pt x="1588" y="433021"/>
-                  </a:cubicBezTo>
-                  <a:cubicBezTo>
-                    <a:pt x="1588" y="425694"/>
-                    <a:pt x="8373" y="419100"/>
-                    <a:pt x="16665" y="419100"/>
-                  </a:cubicBezTo>
-                  <a:close/>
-                  <a:moveTo>
-                    <a:pt x="16665" y="350837"/>
-                  </a:moveTo>
-                  <a:cubicBezTo>
-                    <a:pt x="16665" y="350837"/>
-                    <a:pt x="16665" y="350837"/>
-                    <a:pt x="316711" y="350837"/>
-                  </a:cubicBezTo>
-                  <a:cubicBezTo>
-                    <a:pt x="325003" y="350837"/>
-                    <a:pt x="331788" y="357798"/>
-                    <a:pt x="331788" y="366305"/>
-                  </a:cubicBezTo>
-                  <a:cubicBezTo>
-                    <a:pt x="331788" y="374813"/>
-                    <a:pt x="325003" y="381000"/>
-                    <a:pt x="316711" y="381000"/>
-                  </a:cubicBezTo>
-                  <a:cubicBezTo>
-                    <a:pt x="316711" y="381000"/>
-                    <a:pt x="316711" y="381000"/>
-                    <a:pt x="16665" y="381000"/>
-                  </a:cubicBezTo>
-                  <a:cubicBezTo>
-                    <a:pt x="8373" y="381000"/>
-                    <a:pt x="1588" y="374813"/>
-                    <a:pt x="1588" y="366305"/>
-                  </a:cubicBezTo>
-                  <a:cubicBezTo>
-                    <a:pt x="1588" y="357798"/>
-                    <a:pt x="8373" y="350837"/>
-                    <a:pt x="16665" y="350837"/>
-                  </a:cubicBezTo>
-                  <a:close/>
-                  <a:moveTo>
-                    <a:pt x="19610" y="166687"/>
-                  </a:moveTo>
-                  <a:cubicBezTo>
-                    <a:pt x="19610" y="166687"/>
-                    <a:pt x="19610" y="166687"/>
-                    <a:pt x="313765" y="166687"/>
-                  </a:cubicBezTo>
-                  <a:cubicBezTo>
-                    <a:pt x="324324" y="166687"/>
-                    <a:pt x="333375" y="175711"/>
-                    <a:pt x="333375" y="186990"/>
-                  </a:cubicBezTo>
-                  <a:cubicBezTo>
-                    <a:pt x="333375" y="186990"/>
-                    <a:pt x="333375" y="186990"/>
-                    <a:pt x="333375" y="246397"/>
-                  </a:cubicBezTo>
-                  <a:cubicBezTo>
-                    <a:pt x="333375" y="257676"/>
-                    <a:pt x="324324" y="266700"/>
-                    <a:pt x="313765" y="266700"/>
-                  </a:cubicBezTo>
-                  <a:cubicBezTo>
-                    <a:pt x="313765" y="266700"/>
-                    <a:pt x="313765" y="266700"/>
-                    <a:pt x="19610" y="266700"/>
-                  </a:cubicBezTo>
-                  <a:cubicBezTo>
-                    <a:pt x="9051" y="266700"/>
-                    <a:pt x="0" y="257676"/>
-                    <a:pt x="0" y="246397"/>
-                  </a:cubicBezTo>
-                  <a:cubicBezTo>
-                    <a:pt x="0" y="246397"/>
-                    <a:pt x="0" y="246397"/>
-                    <a:pt x="0" y="186990"/>
-                  </a:cubicBezTo>
-                  <a:cubicBezTo>
-                    <a:pt x="0" y="175711"/>
-                    <a:pt x="9051" y="166687"/>
-                    <a:pt x="19610" y="166687"/>
-                  </a:cubicBezTo>
-                  <a:close/>
-                  <a:moveTo>
-                    <a:pt x="19610" y="0"/>
-                  </a:moveTo>
-                  <a:cubicBezTo>
-                    <a:pt x="19610" y="0"/>
-                    <a:pt x="19610" y="0"/>
-                    <a:pt x="313765" y="0"/>
-                  </a:cubicBezTo>
-                  <a:cubicBezTo>
-                    <a:pt x="324324" y="0"/>
-                    <a:pt x="333375" y="9024"/>
-                    <a:pt x="333375" y="19551"/>
-                  </a:cubicBezTo>
-                  <a:cubicBezTo>
-                    <a:pt x="333375" y="19551"/>
-                    <a:pt x="333375" y="19551"/>
-                    <a:pt x="333375" y="79710"/>
-                  </a:cubicBezTo>
-                  <a:cubicBezTo>
-                    <a:pt x="333375" y="90989"/>
-                    <a:pt x="324324" y="100013"/>
-                    <a:pt x="313765" y="100013"/>
-                  </a:cubicBezTo>
-                  <a:cubicBezTo>
-                    <a:pt x="313765" y="100013"/>
-                    <a:pt x="313765" y="100013"/>
-                    <a:pt x="19610" y="100013"/>
-                  </a:cubicBezTo>
-                  <a:cubicBezTo>
-                    <a:pt x="9051" y="100013"/>
-                    <a:pt x="0" y="90989"/>
-                    <a:pt x="0" y="79710"/>
-                  </a:cubicBezTo>
-                  <a:cubicBezTo>
-                    <a:pt x="0" y="79710"/>
-                    <a:pt x="0" y="79710"/>
-                    <a:pt x="0" y="19551"/>
-                  </a:cubicBezTo>
-                  <a:cubicBezTo>
-                    <a:pt x="0" y="9024"/>
-                    <a:pt x="9051" y="0"/>
-                    <a:pt x="19610" y="0"/>
-                  </a:cubicBezTo>
-                  <a:close/>
-                </a:path>
-              </a:pathLst>
-            </a:custGeom>
-            <a:solidFill>
-              <a:srgbClr val="FFFFFF"/>
-            </a:solidFill>
-            <a:ln>
-              <a:noFill/>
-            </a:ln>
-            <a:extLst>
-              <a:ext uri="{91240B29-F687-4F45-9708-019B960494DF}">
-                <a14:hiddenLine xmlns:a14="http://schemas.microsoft.com/office/drawing/2010/main" w="9525">
-                  <a:solidFill>
-                    <a:srgbClr val="000000"/>
-                  </a:solidFill>
-                  <a:round/>
-                  <a:headEnd/>
-                  <a:tailEnd/>
-                </a14:hiddenLine>
-              </a:ext>
-            </a:extLst>
-          </p:spPr>
-          <p:txBody>
-            <a:bodyPr vert="horz" wrap="square" lIns="91440" tIns="45720" rIns="91440" bIns="45720" numCol="1" anchor="t" anchorCtr="0" compatLnSpc="1">
-              <a:prstTxWarp prst="textNoShape">
-                <a:avLst/>
-              </a:prstTxWarp>
-              <a:noAutofit/>
-            </a:bodyPr>
-            <a:lstStyle/>
-            <a:p>
-              <a:endParaRPr lang="ja-JP" altLang="en-US"/>
-            </a:p>
-          </p:txBody>
-        </p:sp>
-      </p:grpSp>
-      <p:grpSp>
-        <p:nvGrpSpPr>
-          <p:cNvPr id="56" name="グループ化 55"/>
-          <p:cNvGrpSpPr>
-            <a:grpSpLocks noChangeAspect="1"/>
-          </p:cNvGrpSpPr>
-          <p:nvPr/>
-        </p:nvGrpSpPr>
-        <p:grpSpPr bwMode="gray">
-          <a:xfrm>
-            <a:off x="8258932" y="5227391"/>
-            <a:ext cx="307254" cy="528874"/>
-            <a:chOff x="5936838" y="1169393"/>
-            <a:chExt cx="484187" cy="833438"/>
-          </a:xfrm>
-        </p:grpSpPr>
-        <p:sp>
-          <p:nvSpPr>
-            <p:cNvPr id="57" name="Freeform 22"/>
-            <p:cNvSpPr>
-              <a:spLocks noChangeAspect="1"/>
-            </p:cNvSpPr>
-            <p:nvPr/>
-          </p:nvSpPr>
-          <p:spPr bwMode="gray">
-            <a:xfrm>
-              <a:off x="5936838" y="1169393"/>
-              <a:ext cx="484187" cy="833438"/>
-            </a:xfrm>
-            <a:custGeom>
-              <a:avLst/>
-              <a:gdLst>
-                <a:gd name="T0" fmla="*/ 642 w 642"/>
-                <a:gd name="T1" fmla="*/ 1081 h 1107"/>
-                <a:gd name="T2" fmla="*/ 615 w 642"/>
-                <a:gd name="T3" fmla="*/ 1107 h 1107"/>
-                <a:gd name="T4" fmla="*/ 27 w 642"/>
-                <a:gd name="T5" fmla="*/ 1107 h 1107"/>
-                <a:gd name="T6" fmla="*/ 0 w 642"/>
-                <a:gd name="T7" fmla="*/ 1081 h 1107"/>
-                <a:gd name="T8" fmla="*/ 0 w 642"/>
-                <a:gd name="T9" fmla="*/ 27 h 1107"/>
-                <a:gd name="T10" fmla="*/ 27 w 642"/>
-                <a:gd name="T11" fmla="*/ 0 h 1107"/>
-                <a:gd name="T12" fmla="*/ 615 w 642"/>
-                <a:gd name="T13" fmla="*/ 0 h 1107"/>
-                <a:gd name="T14" fmla="*/ 642 w 642"/>
-                <a:gd name="T15" fmla="*/ 27 h 1107"/>
-                <a:gd name="T16" fmla="*/ 642 w 642"/>
-                <a:gd name="T17" fmla="*/ 1081 h 1107"/>
-              </a:gdLst>
-              <a:ahLst/>
-              <a:cxnLst>
-                <a:cxn ang="0">
-                  <a:pos x="T0" y="T1"/>
-                </a:cxn>
-                <a:cxn ang="0">
-                  <a:pos x="T2" y="T3"/>
-                </a:cxn>
-                <a:cxn ang="0">
-                  <a:pos x="T4" y="T5"/>
-                </a:cxn>
-                <a:cxn ang="0">
-                  <a:pos x="T6" y="T7"/>
-                </a:cxn>
-                <a:cxn ang="0">
-                  <a:pos x="T8" y="T9"/>
-                </a:cxn>
-                <a:cxn ang="0">
-                  <a:pos x="T10" y="T11"/>
-                </a:cxn>
-                <a:cxn ang="0">
-                  <a:pos x="T12" y="T13"/>
-                </a:cxn>
-                <a:cxn ang="0">
-                  <a:pos x="T14" y="T15"/>
-                </a:cxn>
-                <a:cxn ang="0">
-                  <a:pos x="T16" y="T17"/>
-                </a:cxn>
-              </a:cxnLst>
-              <a:rect l="0" t="0" r="r" b="b"/>
-              <a:pathLst>
-                <a:path w="642" h="1107">
-                  <a:moveTo>
-                    <a:pt x="642" y="1081"/>
-                  </a:moveTo>
-                  <a:cubicBezTo>
-                    <a:pt x="642" y="1095"/>
-                    <a:pt x="630" y="1107"/>
-                    <a:pt x="615" y="1107"/>
-                  </a:cubicBezTo>
-                  <a:cubicBezTo>
-                    <a:pt x="27" y="1107"/>
-                    <a:pt x="27" y="1107"/>
-                    <a:pt x="27" y="1107"/>
-                  </a:cubicBezTo>
-                  <a:cubicBezTo>
-                    <a:pt x="12" y="1107"/>
-                    <a:pt x="0" y="1095"/>
-                    <a:pt x="0" y="1081"/>
-                  </a:cubicBezTo>
-                  <a:cubicBezTo>
-                    <a:pt x="0" y="27"/>
-                    <a:pt x="0" y="27"/>
-                    <a:pt x="0" y="27"/>
-                  </a:cubicBezTo>
-                  <a:cubicBezTo>
-                    <a:pt x="0" y="12"/>
-                    <a:pt x="12" y="0"/>
-                    <a:pt x="27" y="0"/>
-                  </a:cubicBezTo>
-                  <a:cubicBezTo>
-                    <a:pt x="615" y="0"/>
-                    <a:pt x="615" y="0"/>
-                    <a:pt x="615" y="0"/>
-                  </a:cubicBezTo>
-                  <a:cubicBezTo>
-                    <a:pt x="630" y="0"/>
-                    <a:pt x="642" y="12"/>
-                    <a:pt x="642" y="27"/>
-                  </a:cubicBezTo>
-                  <a:lnTo>
-                    <a:pt x="642" y="1081"/>
-                  </a:lnTo>
-                  <a:close/>
-                </a:path>
-              </a:pathLst>
-            </a:custGeom>
-            <a:solidFill>
-              <a:schemeClr val="accent6"/>
-            </a:solidFill>
-            <a:ln>
-              <a:noFill/>
-            </a:ln>
-            <a:extLst>
-              <a:ext uri="{91240B29-F687-4F45-9708-019B960494DF}">
-                <a14:hiddenLine xmlns:a14="http://schemas.microsoft.com/office/drawing/2010/main" w="9525">
-                  <a:solidFill>
-                    <a:srgbClr val="000000"/>
-                  </a:solidFill>
-                  <a:round/>
-                  <a:headEnd/>
-                  <a:tailEnd/>
-                </a14:hiddenLine>
-              </a:ext>
-            </a:extLst>
-          </p:spPr>
-          <p:txBody>
-            <a:bodyPr vert="horz" wrap="square" lIns="91440" tIns="45720" rIns="91440" bIns="45720" numCol="1" anchor="t" anchorCtr="0" compatLnSpc="1">
-              <a:prstTxWarp prst="textNoShape">
-                <a:avLst/>
-              </a:prstTxWarp>
-            </a:bodyPr>
-            <a:lstStyle/>
-            <a:p>
-              <a:endParaRPr lang="ja-JP" altLang="en-US"/>
-            </a:p>
-          </p:txBody>
-        </p:sp>
-        <p:sp>
-          <p:nvSpPr>
-            <p:cNvPr id="58" name="フリーフォーム 57"/>
-            <p:cNvSpPr>
-              <a:spLocks noChangeAspect="1" noChangeArrowheads="1"/>
-            </p:cNvSpPr>
-            <p:nvPr/>
-          </p:nvSpPr>
-          <p:spPr bwMode="gray">
-            <a:xfrm>
-              <a:off x="6011450" y="1244006"/>
-              <a:ext cx="333375" cy="684213"/>
-            </a:xfrm>
-            <a:custGeom>
-              <a:avLst/>
-              <a:gdLst>
-                <a:gd name="connsiteX0" fmla="*/ 166688 w 333375"/>
-                <a:gd name="connsiteY0" fmla="*/ 600075 h 684213"/>
-                <a:gd name="connsiteX1" fmla="*/ 207963 w 333375"/>
-                <a:gd name="connsiteY1" fmla="*/ 642144 h 684213"/>
-                <a:gd name="connsiteX2" fmla="*/ 166688 w 333375"/>
-                <a:gd name="connsiteY2" fmla="*/ 684213 h 684213"/>
-                <a:gd name="connsiteX3" fmla="*/ 125413 w 333375"/>
-                <a:gd name="connsiteY3" fmla="*/ 642144 h 684213"/>
-                <a:gd name="connsiteX4" fmla="*/ 166688 w 333375"/>
-                <a:gd name="connsiteY4" fmla="*/ 600075 h 684213"/>
-                <a:gd name="connsiteX5" fmla="*/ 16665 w 333375"/>
-                <a:gd name="connsiteY5" fmla="*/ 485775 h 684213"/>
-                <a:gd name="connsiteX6" fmla="*/ 316711 w 333375"/>
-                <a:gd name="connsiteY6" fmla="*/ 485775 h 684213"/>
-                <a:gd name="connsiteX7" fmla="*/ 331788 w 333375"/>
-                <a:gd name="connsiteY7" fmla="*/ 499696 h 684213"/>
-                <a:gd name="connsiteX8" fmla="*/ 316711 w 333375"/>
-                <a:gd name="connsiteY8" fmla="*/ 514350 h 684213"/>
-                <a:gd name="connsiteX9" fmla="*/ 16665 w 333375"/>
-                <a:gd name="connsiteY9" fmla="*/ 514350 h 684213"/>
-                <a:gd name="connsiteX10" fmla="*/ 1588 w 333375"/>
-                <a:gd name="connsiteY10" fmla="*/ 499696 h 684213"/>
-                <a:gd name="connsiteX11" fmla="*/ 16665 w 333375"/>
-                <a:gd name="connsiteY11" fmla="*/ 485775 h 684213"/>
-                <a:gd name="connsiteX12" fmla="*/ 16665 w 333375"/>
-                <a:gd name="connsiteY12" fmla="*/ 419100 h 684213"/>
-                <a:gd name="connsiteX13" fmla="*/ 316711 w 333375"/>
-                <a:gd name="connsiteY13" fmla="*/ 419100 h 684213"/>
-                <a:gd name="connsiteX14" fmla="*/ 331788 w 333375"/>
-                <a:gd name="connsiteY14" fmla="*/ 433021 h 684213"/>
-                <a:gd name="connsiteX15" fmla="*/ 316711 w 333375"/>
-                <a:gd name="connsiteY15" fmla="*/ 447675 h 684213"/>
-                <a:gd name="connsiteX16" fmla="*/ 16665 w 333375"/>
-                <a:gd name="connsiteY16" fmla="*/ 447675 h 684213"/>
-                <a:gd name="connsiteX17" fmla="*/ 1588 w 333375"/>
-                <a:gd name="connsiteY17" fmla="*/ 433021 h 684213"/>
-                <a:gd name="connsiteX18" fmla="*/ 16665 w 333375"/>
-                <a:gd name="connsiteY18" fmla="*/ 419100 h 684213"/>
-                <a:gd name="connsiteX19" fmla="*/ 16665 w 333375"/>
-                <a:gd name="connsiteY19" fmla="*/ 350837 h 684213"/>
-                <a:gd name="connsiteX20" fmla="*/ 316711 w 333375"/>
-                <a:gd name="connsiteY20" fmla="*/ 350837 h 684213"/>
-                <a:gd name="connsiteX21" fmla="*/ 331788 w 333375"/>
-                <a:gd name="connsiteY21" fmla="*/ 366305 h 684213"/>
-                <a:gd name="connsiteX22" fmla="*/ 316711 w 333375"/>
-                <a:gd name="connsiteY22" fmla="*/ 381000 h 684213"/>
-                <a:gd name="connsiteX23" fmla="*/ 16665 w 333375"/>
-                <a:gd name="connsiteY23" fmla="*/ 381000 h 684213"/>
-                <a:gd name="connsiteX24" fmla="*/ 1588 w 333375"/>
-                <a:gd name="connsiteY24" fmla="*/ 366305 h 684213"/>
-                <a:gd name="connsiteX25" fmla="*/ 16665 w 333375"/>
-                <a:gd name="connsiteY25" fmla="*/ 350837 h 684213"/>
-                <a:gd name="connsiteX26" fmla="*/ 19610 w 333375"/>
-                <a:gd name="connsiteY26" fmla="*/ 166687 h 684213"/>
-                <a:gd name="connsiteX27" fmla="*/ 313765 w 333375"/>
-                <a:gd name="connsiteY27" fmla="*/ 166687 h 684213"/>
-                <a:gd name="connsiteX28" fmla="*/ 333375 w 333375"/>
-                <a:gd name="connsiteY28" fmla="*/ 186990 h 684213"/>
-                <a:gd name="connsiteX29" fmla="*/ 333375 w 333375"/>
-                <a:gd name="connsiteY29" fmla="*/ 246397 h 684213"/>
-                <a:gd name="connsiteX30" fmla="*/ 313765 w 333375"/>
-                <a:gd name="connsiteY30" fmla="*/ 266700 h 684213"/>
-                <a:gd name="connsiteX31" fmla="*/ 19610 w 333375"/>
-                <a:gd name="connsiteY31" fmla="*/ 266700 h 684213"/>
-                <a:gd name="connsiteX32" fmla="*/ 0 w 333375"/>
-                <a:gd name="connsiteY32" fmla="*/ 246397 h 684213"/>
-                <a:gd name="connsiteX33" fmla="*/ 0 w 333375"/>
-                <a:gd name="connsiteY33" fmla="*/ 186990 h 684213"/>
-                <a:gd name="connsiteX34" fmla="*/ 19610 w 333375"/>
-                <a:gd name="connsiteY34" fmla="*/ 166687 h 684213"/>
-                <a:gd name="connsiteX35" fmla="*/ 19610 w 333375"/>
-                <a:gd name="connsiteY35" fmla="*/ 0 h 684213"/>
-                <a:gd name="connsiteX36" fmla="*/ 313765 w 333375"/>
-                <a:gd name="connsiteY36" fmla="*/ 0 h 684213"/>
-                <a:gd name="connsiteX37" fmla="*/ 333375 w 333375"/>
-                <a:gd name="connsiteY37" fmla="*/ 19551 h 684213"/>
-                <a:gd name="connsiteX38" fmla="*/ 333375 w 333375"/>
-                <a:gd name="connsiteY38" fmla="*/ 79710 h 684213"/>
-                <a:gd name="connsiteX39" fmla="*/ 313765 w 333375"/>
-                <a:gd name="connsiteY39" fmla="*/ 100013 h 684213"/>
-                <a:gd name="connsiteX40" fmla="*/ 19610 w 333375"/>
-                <a:gd name="connsiteY40" fmla="*/ 100013 h 684213"/>
-                <a:gd name="connsiteX41" fmla="*/ 0 w 333375"/>
-                <a:gd name="connsiteY41" fmla="*/ 79710 h 684213"/>
-                <a:gd name="connsiteX42" fmla="*/ 0 w 333375"/>
-                <a:gd name="connsiteY42" fmla="*/ 19551 h 684213"/>
-                <a:gd name="connsiteX43" fmla="*/ 19610 w 333375"/>
-                <a:gd name="connsiteY43" fmla="*/ 0 h 684213"/>
-              </a:gdLst>
-              <a:ahLst/>
-              <a:cxnLst>
-                <a:cxn ang="0">
-                  <a:pos x="connsiteX0" y="connsiteY0"/>
-                </a:cxn>
-                <a:cxn ang="0">
-                  <a:pos x="connsiteX1" y="connsiteY1"/>
-                </a:cxn>
-                <a:cxn ang="0">
-                  <a:pos x="connsiteX2" y="connsiteY2"/>
-                </a:cxn>
-                <a:cxn ang="0">
-                  <a:pos x="connsiteX3" y="connsiteY3"/>
-                </a:cxn>
-                <a:cxn ang="0">
-                  <a:pos x="connsiteX4" y="connsiteY4"/>
-                </a:cxn>
-                <a:cxn ang="0">
-                  <a:pos x="connsiteX5" y="connsiteY5"/>
-                </a:cxn>
-                <a:cxn ang="0">
-                  <a:pos x="connsiteX6" y="connsiteY6"/>
-                </a:cxn>
-                <a:cxn ang="0">
-                  <a:pos x="connsiteX7" y="connsiteY7"/>
-                </a:cxn>
-                <a:cxn ang="0">
-                  <a:pos x="connsiteX8" y="connsiteY8"/>
-                </a:cxn>
-                <a:cxn ang="0">
-                  <a:pos x="connsiteX9" y="connsiteY9"/>
-                </a:cxn>
-                <a:cxn ang="0">
-                  <a:pos x="connsiteX10" y="connsiteY10"/>
-                </a:cxn>
-                <a:cxn ang="0">
-                  <a:pos x="connsiteX11" y="connsiteY11"/>
-                </a:cxn>
-                <a:cxn ang="0">
-                  <a:pos x="connsiteX12" y="connsiteY12"/>
-                </a:cxn>
-                <a:cxn ang="0">
-                  <a:pos x="connsiteX13" y="connsiteY13"/>
-                </a:cxn>
-                <a:cxn ang="0">
-                  <a:pos x="connsiteX14" y="connsiteY14"/>
-                </a:cxn>
-                <a:cxn ang="0">
-                  <a:pos x="connsiteX15" y="connsiteY15"/>
-                </a:cxn>
-                <a:cxn ang="0">
-                  <a:pos x="connsiteX16" y="connsiteY16"/>
-                </a:cxn>
-                <a:cxn ang="0">
-                  <a:pos x="connsiteX17" y="connsiteY17"/>
-                </a:cxn>
-                <a:cxn ang="0">
-                  <a:pos x="connsiteX18" y="connsiteY18"/>
-                </a:cxn>
-                <a:cxn ang="0">
-                  <a:pos x="connsiteX19" y="connsiteY19"/>
-                </a:cxn>
-                <a:cxn ang="0">
-                  <a:pos x="connsiteX20" y="connsiteY20"/>
-                </a:cxn>
-                <a:cxn ang="0">
-                  <a:pos x="connsiteX21" y="connsiteY21"/>
-                </a:cxn>
-                <a:cxn ang="0">
-                  <a:pos x="connsiteX22" y="connsiteY22"/>
-                </a:cxn>
-                <a:cxn ang="0">
-                  <a:pos x="connsiteX23" y="connsiteY23"/>
-                </a:cxn>
-                <a:cxn ang="0">
-                  <a:pos x="connsiteX24" y="connsiteY24"/>
-                </a:cxn>
-                <a:cxn ang="0">
-                  <a:pos x="connsiteX25" y="connsiteY25"/>
-                </a:cxn>
-                <a:cxn ang="0">
-                  <a:pos x="connsiteX26" y="connsiteY26"/>
-                </a:cxn>
-                <a:cxn ang="0">
-                  <a:pos x="connsiteX27" y="connsiteY27"/>
-                </a:cxn>
-                <a:cxn ang="0">
-                  <a:pos x="connsiteX28" y="connsiteY28"/>
-                </a:cxn>
-                <a:cxn ang="0">
-                  <a:pos x="connsiteX29" y="connsiteY29"/>
-                </a:cxn>
-                <a:cxn ang="0">
-                  <a:pos x="connsiteX30" y="connsiteY30"/>
-                </a:cxn>
-                <a:cxn ang="0">
-                  <a:pos x="connsiteX31" y="connsiteY31"/>
-                </a:cxn>
-                <a:cxn ang="0">
-                  <a:pos x="connsiteX32" y="connsiteY32"/>
-                </a:cxn>
-                <a:cxn ang="0">
-                  <a:pos x="connsiteX33" y="connsiteY33"/>
-                </a:cxn>
-                <a:cxn ang="0">
-                  <a:pos x="connsiteX34" y="connsiteY34"/>
-                </a:cxn>
-                <a:cxn ang="0">
-                  <a:pos x="connsiteX35" y="connsiteY35"/>
-                </a:cxn>
-                <a:cxn ang="0">
-                  <a:pos x="connsiteX36" y="connsiteY36"/>
-                </a:cxn>
-                <a:cxn ang="0">
-                  <a:pos x="connsiteX37" y="connsiteY37"/>
-                </a:cxn>
-                <a:cxn ang="0">
-                  <a:pos x="connsiteX38" y="connsiteY38"/>
-                </a:cxn>
-                <a:cxn ang="0">
-                  <a:pos x="connsiteX39" y="connsiteY39"/>
-                </a:cxn>
-                <a:cxn ang="0">
-                  <a:pos x="connsiteX40" y="connsiteY40"/>
-                </a:cxn>
-                <a:cxn ang="0">
-                  <a:pos x="connsiteX41" y="connsiteY41"/>
-                </a:cxn>
-                <a:cxn ang="0">
-                  <a:pos x="connsiteX42" y="connsiteY42"/>
-                </a:cxn>
-                <a:cxn ang="0">
-                  <a:pos x="connsiteX43" y="connsiteY43"/>
-                </a:cxn>
-              </a:cxnLst>
-              <a:rect l="l" t="t" r="r" b="b"/>
-              <a:pathLst>
-                <a:path w="333375" h="684213">
-                  <a:moveTo>
-                    <a:pt x="166688" y="600075"/>
-                  </a:moveTo>
-                  <a:cubicBezTo>
-                    <a:pt x="189484" y="600075"/>
-                    <a:pt x="207963" y="618910"/>
-                    <a:pt x="207963" y="642144"/>
-                  </a:cubicBezTo>
-                  <a:cubicBezTo>
-                    <a:pt x="207963" y="665378"/>
-                    <a:pt x="189484" y="684213"/>
-                    <a:pt x="166688" y="684213"/>
-                  </a:cubicBezTo>
-                  <a:cubicBezTo>
-                    <a:pt x="143892" y="684213"/>
-                    <a:pt x="125413" y="665378"/>
-                    <a:pt x="125413" y="642144"/>
-                  </a:cubicBezTo>
-                  <a:cubicBezTo>
-                    <a:pt x="125413" y="618910"/>
-                    <a:pt x="143892" y="600075"/>
-                    <a:pt x="166688" y="600075"/>
-                  </a:cubicBezTo>
-                  <a:close/>
-                  <a:moveTo>
-                    <a:pt x="16665" y="485775"/>
-                  </a:moveTo>
-                  <a:cubicBezTo>
-                    <a:pt x="16665" y="485775"/>
-                    <a:pt x="16665" y="485775"/>
-                    <a:pt x="316711" y="485775"/>
-                  </a:cubicBezTo>
-                  <a:cubicBezTo>
-                    <a:pt x="325003" y="485775"/>
-                    <a:pt x="331788" y="491636"/>
-                    <a:pt x="331788" y="499696"/>
-                  </a:cubicBezTo>
-                  <a:cubicBezTo>
-                    <a:pt x="331788" y="507756"/>
-                    <a:pt x="325003" y="514350"/>
-                    <a:pt x="316711" y="514350"/>
-                  </a:cubicBezTo>
-                  <a:cubicBezTo>
-                    <a:pt x="316711" y="514350"/>
-                    <a:pt x="316711" y="514350"/>
-                    <a:pt x="16665" y="514350"/>
-                  </a:cubicBezTo>
-                  <a:cubicBezTo>
-                    <a:pt x="8373" y="514350"/>
-                    <a:pt x="1588" y="507756"/>
-                    <a:pt x="1588" y="499696"/>
-                  </a:cubicBezTo>
-                  <a:cubicBezTo>
-                    <a:pt x="1588" y="491636"/>
-                    <a:pt x="8373" y="485775"/>
-                    <a:pt x="16665" y="485775"/>
-                  </a:cubicBezTo>
-                  <a:close/>
-                  <a:moveTo>
-                    <a:pt x="16665" y="419100"/>
-                  </a:moveTo>
-                  <a:cubicBezTo>
-                    <a:pt x="16665" y="419100"/>
-                    <a:pt x="16665" y="419100"/>
-                    <a:pt x="316711" y="419100"/>
-                  </a:cubicBezTo>
-                  <a:cubicBezTo>
-                    <a:pt x="325003" y="419100"/>
-                    <a:pt x="331788" y="425694"/>
-                    <a:pt x="331788" y="433021"/>
-                  </a:cubicBezTo>
-                  <a:cubicBezTo>
-                    <a:pt x="331788" y="441081"/>
-                    <a:pt x="325003" y="447675"/>
-                    <a:pt x="316711" y="447675"/>
-                  </a:cubicBezTo>
-                  <a:cubicBezTo>
-                    <a:pt x="316711" y="447675"/>
-                    <a:pt x="316711" y="447675"/>
-                    <a:pt x="16665" y="447675"/>
-                  </a:cubicBezTo>
-                  <a:cubicBezTo>
-                    <a:pt x="8373" y="447675"/>
-                    <a:pt x="1588" y="441081"/>
-                    <a:pt x="1588" y="433021"/>
-                  </a:cubicBezTo>
-                  <a:cubicBezTo>
-                    <a:pt x="1588" y="425694"/>
-                    <a:pt x="8373" y="419100"/>
-                    <a:pt x="16665" y="419100"/>
-                  </a:cubicBezTo>
-                  <a:close/>
-                  <a:moveTo>
-                    <a:pt x="16665" y="350837"/>
-                  </a:moveTo>
-                  <a:cubicBezTo>
-                    <a:pt x="16665" y="350837"/>
-                    <a:pt x="16665" y="350837"/>
-                    <a:pt x="316711" y="350837"/>
-                  </a:cubicBezTo>
-                  <a:cubicBezTo>
-                    <a:pt x="325003" y="350837"/>
-                    <a:pt x="331788" y="357798"/>
-                    <a:pt x="331788" y="366305"/>
-                  </a:cubicBezTo>
-                  <a:cubicBezTo>
-                    <a:pt x="331788" y="374813"/>
-                    <a:pt x="325003" y="381000"/>
-                    <a:pt x="316711" y="381000"/>
-                  </a:cubicBezTo>
-                  <a:cubicBezTo>
-                    <a:pt x="316711" y="381000"/>
-                    <a:pt x="316711" y="381000"/>
-                    <a:pt x="16665" y="381000"/>
-                  </a:cubicBezTo>
-                  <a:cubicBezTo>
-                    <a:pt x="8373" y="381000"/>
-                    <a:pt x="1588" y="374813"/>
-                    <a:pt x="1588" y="366305"/>
-                  </a:cubicBezTo>
-                  <a:cubicBezTo>
-                    <a:pt x="1588" y="357798"/>
-                    <a:pt x="8373" y="350837"/>
-                    <a:pt x="16665" y="350837"/>
-                  </a:cubicBezTo>
-                  <a:close/>
-                  <a:moveTo>
-                    <a:pt x="19610" y="166687"/>
-                  </a:moveTo>
-                  <a:cubicBezTo>
-                    <a:pt x="19610" y="166687"/>
-                    <a:pt x="19610" y="166687"/>
-                    <a:pt x="313765" y="166687"/>
-                  </a:cubicBezTo>
-                  <a:cubicBezTo>
-                    <a:pt x="324324" y="166687"/>
-                    <a:pt x="333375" y="175711"/>
-                    <a:pt x="333375" y="186990"/>
-                  </a:cubicBezTo>
-                  <a:cubicBezTo>
-                    <a:pt x="333375" y="186990"/>
-                    <a:pt x="333375" y="186990"/>
-                    <a:pt x="333375" y="246397"/>
-                  </a:cubicBezTo>
-                  <a:cubicBezTo>
-                    <a:pt x="333375" y="257676"/>
-                    <a:pt x="324324" y="266700"/>
-                    <a:pt x="313765" y="266700"/>
-                  </a:cubicBezTo>
-                  <a:cubicBezTo>
-                    <a:pt x="313765" y="266700"/>
-                    <a:pt x="313765" y="266700"/>
-                    <a:pt x="19610" y="266700"/>
-                  </a:cubicBezTo>
-                  <a:cubicBezTo>
-                    <a:pt x="9051" y="266700"/>
-                    <a:pt x="0" y="257676"/>
-                    <a:pt x="0" y="246397"/>
-                  </a:cubicBezTo>
-                  <a:cubicBezTo>
-                    <a:pt x="0" y="246397"/>
-                    <a:pt x="0" y="246397"/>
-                    <a:pt x="0" y="186990"/>
-                  </a:cubicBezTo>
-                  <a:cubicBezTo>
-                    <a:pt x="0" y="175711"/>
-                    <a:pt x="9051" y="166687"/>
-                    <a:pt x="19610" y="166687"/>
-                  </a:cubicBezTo>
-                  <a:close/>
-                  <a:moveTo>
-                    <a:pt x="19610" y="0"/>
-                  </a:moveTo>
-                  <a:cubicBezTo>
-                    <a:pt x="19610" y="0"/>
-                    <a:pt x="19610" y="0"/>
-                    <a:pt x="313765" y="0"/>
-                  </a:cubicBezTo>
-                  <a:cubicBezTo>
-                    <a:pt x="324324" y="0"/>
-                    <a:pt x="333375" y="9024"/>
-                    <a:pt x="333375" y="19551"/>
-                  </a:cubicBezTo>
-                  <a:cubicBezTo>
-                    <a:pt x="333375" y="19551"/>
-                    <a:pt x="333375" y="19551"/>
-                    <a:pt x="333375" y="79710"/>
-                  </a:cubicBezTo>
-                  <a:cubicBezTo>
-                    <a:pt x="333375" y="90989"/>
-                    <a:pt x="324324" y="100013"/>
-                    <a:pt x="313765" y="100013"/>
-                  </a:cubicBezTo>
-                  <a:cubicBezTo>
-                    <a:pt x="313765" y="100013"/>
-                    <a:pt x="313765" y="100013"/>
-                    <a:pt x="19610" y="100013"/>
-                  </a:cubicBezTo>
-                  <a:cubicBezTo>
-                    <a:pt x="9051" y="100013"/>
-                    <a:pt x="0" y="90989"/>
-                    <a:pt x="0" y="79710"/>
-                  </a:cubicBezTo>
-                  <a:cubicBezTo>
-                    <a:pt x="0" y="79710"/>
-                    <a:pt x="0" y="79710"/>
-                    <a:pt x="0" y="19551"/>
-                  </a:cubicBezTo>
-                  <a:cubicBezTo>
-                    <a:pt x="0" y="9024"/>
-                    <a:pt x="9051" y="0"/>
-                    <a:pt x="19610" y="0"/>
-                  </a:cubicBezTo>
-                  <a:close/>
-                </a:path>
-              </a:pathLst>
-            </a:custGeom>
-            <a:solidFill>
-              <a:srgbClr val="FFFFFF"/>
-            </a:solidFill>
-            <a:ln>
-              <a:noFill/>
-            </a:ln>
-            <a:extLst>
-              <a:ext uri="{91240B29-F687-4F45-9708-019B960494DF}">
-                <a14:hiddenLine xmlns:a14="http://schemas.microsoft.com/office/drawing/2010/main" w="9525">
-                  <a:solidFill>
-                    <a:srgbClr val="000000"/>
-                  </a:solidFill>
-                  <a:round/>
-                  <a:headEnd/>
-                  <a:tailEnd/>
-                </a14:hiddenLine>
-              </a:ext>
-            </a:extLst>
-          </p:spPr>
-          <p:txBody>
-            <a:bodyPr vert="horz" wrap="square" lIns="91440" tIns="45720" rIns="91440" bIns="45720" numCol="1" anchor="t" anchorCtr="0" compatLnSpc="1">
-              <a:prstTxWarp prst="textNoShape">
-                <a:avLst/>
-              </a:prstTxWarp>
-              <a:noAutofit/>
-            </a:bodyPr>
-            <a:lstStyle/>
-            <a:p>
-              <a:endParaRPr lang="ja-JP" altLang="en-US"/>
-            </a:p>
-          </p:txBody>
-        </p:sp>
-      </p:grpSp>
-      <p:sp>
-        <p:nvSpPr>
-          <p:cNvPr id="15" name="正方形/長方形 14"/>
-          <p:cNvSpPr/>
-          <p:nvPr/>
-        </p:nvSpPr>
-        <p:spPr bwMode="auto">
-          <a:xfrm>
-            <a:off x="3002612" y="4357852"/>
-            <a:ext cx="1193928" cy="427034"/>
-          </a:xfrm>
-          <a:prstGeom prst="rect">
-            <a:avLst/>
-          </a:prstGeom>
-          <a:noFill/>
-          <a:ln w="19050">
-            <a:solidFill>
-              <a:srgbClr val="FFC000"/>
-            </a:solidFill>
-            <a:prstDash val="lgDash"/>
-          </a:ln>
-          <a:effectLst/>
-          <a:extLst/>
-        </p:spPr>
-        <p:txBody>
-          <a:bodyPr rot="0" spcFirstLastPara="0" vertOverflow="overflow" horzOverflow="overflow" vert="horz" wrap="none" lIns="72000" tIns="72000" rIns="72000" bIns="72000" numCol="1" spcCol="0" rtlCol="0" fromWordArt="0" anchor="ctr" anchorCtr="0" forceAA="0" compatLnSpc="1">
-            <a:prstTxWarp prst="textNoShape">
-              <a:avLst/>
-            </a:prstTxWarp>
-            <a:noAutofit/>
-          </a:bodyPr>
-          <a:lstStyle/>
-          <a:p>
-            <a:pPr algn="ctr"/>
-            <a:endParaRPr kumimoji="1" lang="ja-JP" altLang="en-US" b="1" dirty="0" smtClean="0">
-              <a:latin typeface="+mn-ea"/>
-            </a:endParaRPr>
-          </a:p>
-        </p:txBody>
-      </p:sp>
-      <p:sp>
-        <p:nvSpPr>
-          <p:cNvPr id="59" name="正方形/長方形 58"/>
-          <p:cNvSpPr/>
-          <p:nvPr/>
-        </p:nvSpPr>
-        <p:spPr bwMode="auto">
-          <a:xfrm>
-            <a:off x="4886722" y="4357852"/>
-            <a:ext cx="1340028" cy="427034"/>
-          </a:xfrm>
-          <a:prstGeom prst="rect">
-            <a:avLst/>
-          </a:prstGeom>
-          <a:noFill/>
-          <a:ln w="19050">
-            <a:solidFill>
-              <a:srgbClr val="FFC000"/>
-            </a:solidFill>
-            <a:prstDash val="lgDash"/>
-          </a:ln>
-          <a:effectLst/>
-          <a:extLst/>
-        </p:spPr>
-        <p:txBody>
-          <a:bodyPr rot="0" spcFirstLastPara="0" vertOverflow="overflow" horzOverflow="overflow" vert="horz" wrap="none" lIns="72000" tIns="72000" rIns="72000" bIns="72000" numCol="1" spcCol="0" rtlCol="0" fromWordArt="0" anchor="ctr" anchorCtr="0" forceAA="0" compatLnSpc="1">
-            <a:prstTxWarp prst="textNoShape">
-              <a:avLst/>
-            </a:prstTxWarp>
-            <a:noAutofit/>
-          </a:bodyPr>
-          <a:lstStyle/>
-          <a:p>
-            <a:pPr algn="ctr"/>
-            <a:endParaRPr kumimoji="1" lang="ja-JP" altLang="en-US" b="1" dirty="0" smtClean="0">
-              <a:latin typeface="+mn-ea"/>
-            </a:endParaRPr>
-          </a:p>
-        </p:txBody>
-      </p:sp>
-      <p:cxnSp>
-        <p:nvCxnSpPr>
-          <p:cNvPr id="27" name="カギ線コネクタ 26"/>
-          <p:cNvCxnSpPr>
-            <a:stCxn id="15" idx="2"/>
-            <a:endCxn id="59" idx="2"/>
-          </p:cNvCxnSpPr>
-          <p:nvPr/>
-        </p:nvCxnSpPr>
-        <p:spPr bwMode="auto">
-          <a:xfrm rot="16200000" flipH="1">
-            <a:off x="4578156" y="3806306"/>
-            <a:ext cx="12700" cy="1957160"/>
-          </a:xfrm>
-          <a:prstGeom prst="bentConnector3">
-            <a:avLst>
-              <a:gd name="adj1" fmla="val 1800000"/>
-            </a:avLst>
-          </a:prstGeom>
-          <a:solidFill>
-            <a:schemeClr val="bg1"/>
-          </a:solidFill>
-          <a:ln w="28575" cap="flat" cmpd="sng" algn="ctr">
-            <a:solidFill>
-              <a:srgbClr val="FFC000"/>
-            </a:solidFill>
-            <a:prstDash val="dash"/>
-            <a:round/>
-            <a:headEnd type="diamond" w="med" len="med"/>
-            <a:tailEnd type="diamond" w="med" len="med"/>
-          </a:ln>
-          <a:effectLst/>
-          <a:extLst>
-            <a:ext uri="{AF507438-7753-43E0-B8FC-AC1667EBCBE1}">
-              <a14:hiddenEffects xmlns:a14="http://schemas.microsoft.com/office/drawing/2010/main">
-                <a:effectLst>
-                  <a:outerShdw dist="35921" dir="2700000" algn="ctr" rotWithShape="0">
-                    <a:schemeClr val="tx1">
-                      <a:alpha val="50000"/>
-                    </a:schemeClr>
-                  </a:outerShdw>
-                </a:effectLst>
-              </a14:hiddenEffects>
-            </a:ext>
-          </a:extLst>
-        </p:spPr>
-      </p:cxnSp>
-      <p:sp>
-        <p:nvSpPr>
-          <p:cNvPr id="62" name="テキスト ボックス 61"/>
-          <p:cNvSpPr txBox="1"/>
-          <p:nvPr/>
-        </p:nvSpPr>
-        <p:spPr>
-          <a:xfrm>
-            <a:off x="3793719" y="5060891"/>
-            <a:ext cx="947108" cy="215444"/>
-          </a:xfrm>
-          <a:prstGeom prst="rect">
-            <a:avLst/>
-          </a:prstGeom>
-          <a:solidFill>
-            <a:schemeClr val="accent1">
-              <a:lumMod val="20000"/>
-              <a:lumOff val="80000"/>
-            </a:schemeClr>
-          </a:solidFill>
-        </p:spPr>
-        <p:txBody>
-          <a:bodyPr wrap="square" rtlCol="0">
-            <a:spAutoFit/>
-          </a:bodyPr>
-          <a:lstStyle/>
-          <a:p>
-            <a:pPr algn="ctr"/>
-            <a:r>
-              <a:rPr lang="ja-JP" altLang="en-US" sz="800" b="1" smtClean="0"/>
-              <a:t>資材紐付</a:t>
-            </a:r>
-            <a:endParaRPr kumimoji="1" lang="ja-JP" altLang="en-US" sz="800" b="1"/>
-          </a:p>
-        </p:txBody>
-      </p:sp>
-      <p:sp>
-        <p:nvSpPr>
-          <p:cNvPr id="63" name="角丸四角形 62"/>
-          <p:cNvSpPr/>
-          <p:nvPr/>
-        </p:nvSpPr>
-        <p:spPr bwMode="auto">
-          <a:xfrm>
-            <a:off x="4789182" y="5207541"/>
-            <a:ext cx="1535107" cy="588258"/>
-          </a:xfrm>
-          <a:prstGeom prst="roundRect">
-            <a:avLst/>
-          </a:prstGeom>
-          <a:noFill/>
-          <a:ln w="28575">
-            <a:solidFill>
-              <a:schemeClr val="accent6"/>
-            </a:solidFill>
-          </a:ln>
-          <a:effectLst/>
-          <a:extLst/>
-        </p:spPr>
-        <p:txBody>
-          <a:bodyPr rot="0" spcFirstLastPara="0" vertOverflow="overflow" horzOverflow="overflow" vert="horz" wrap="none" lIns="72000" tIns="72000" rIns="72000" bIns="72000" numCol="1" spcCol="0" rtlCol="0" fromWordArt="0" anchor="ctr" anchorCtr="0" forceAA="0" compatLnSpc="1">
-            <a:prstTxWarp prst="textNoShape">
-              <a:avLst/>
-            </a:prstTxWarp>
-            <a:noAutofit/>
-          </a:bodyPr>
-          <a:lstStyle/>
-          <a:p>
-            <a:pPr algn="ctr"/>
-            <a:r>
-              <a:rPr kumimoji="1" lang="ja-JP" altLang="en-US" sz="1000" b="1" smtClean="0">
-                <a:latin typeface="+mn-ea"/>
-              </a:rPr>
-              <a:t>「作業実行」メニュー</a:t>
-            </a:r>
-            <a:endParaRPr kumimoji="1" lang="ja-JP" altLang="en-US" sz="1000" b="1" dirty="0" smtClean="0">
-              <a:latin typeface="+mn-ea"/>
-            </a:endParaRPr>
-          </a:p>
-        </p:txBody>
-      </p:sp>
-      <p:cxnSp>
-        <p:nvCxnSpPr>
-          <p:cNvPr id="64" name="カギ線コネクタ 63"/>
-          <p:cNvCxnSpPr>
-            <a:stCxn id="63" idx="0"/>
-            <a:endCxn id="59" idx="2"/>
-          </p:cNvCxnSpPr>
-          <p:nvPr/>
-        </p:nvCxnSpPr>
-        <p:spPr bwMode="auto">
-          <a:xfrm rot="5400000" flipH="1" flipV="1">
-            <a:off x="5345409" y="4996214"/>
-            <a:ext cx="422655" cy="12700"/>
-          </a:xfrm>
-          <a:prstGeom prst="bentConnector3">
-            <a:avLst>
-              <a:gd name="adj1" fmla="val 50000"/>
-            </a:avLst>
-          </a:prstGeom>
-          <a:solidFill>
-            <a:schemeClr val="bg1"/>
-          </a:solidFill>
-          <a:ln w="28575" cap="flat" cmpd="sng" algn="ctr">
-            <a:solidFill>
-              <a:srgbClr val="FFC000"/>
-            </a:solidFill>
-            <a:prstDash val="dash"/>
-            <a:round/>
-            <a:headEnd type="diamond" w="med" len="med"/>
-            <a:tailEnd type="diamond" w="med" len="med"/>
-          </a:ln>
-          <a:effectLst/>
-          <a:extLst>
-            <a:ext uri="{AF507438-7753-43E0-B8FC-AC1667EBCBE1}">
-              <a14:hiddenEffects xmlns:a14="http://schemas.microsoft.com/office/drawing/2010/main">
-                <a:effectLst>
-                  <a:outerShdw dist="35921" dir="2700000" algn="ctr" rotWithShape="0">
-                    <a:schemeClr val="tx1">
-                      <a:alpha val="50000"/>
-                    </a:schemeClr>
-                  </a:outerShdw>
-                </a:effectLst>
-              </a14:hiddenEffects>
-            </a:ext>
-          </a:extLst>
-        </p:spPr>
-      </p:cxnSp>
-      <p:sp>
-        <p:nvSpPr>
-          <p:cNvPr id="67" name="上矢印 66"/>
-          <p:cNvSpPr/>
-          <p:nvPr/>
-        </p:nvSpPr>
-        <p:spPr bwMode="auto">
-          <a:xfrm rot="5400000" flipH="1">
-            <a:off x="6748132" y="4994395"/>
-            <a:ext cx="233541" cy="1014548"/>
-          </a:xfrm>
-          <a:prstGeom prst="upArrow">
-            <a:avLst/>
-          </a:prstGeom>
-          <a:solidFill>
-            <a:srgbClr val="FFC000"/>
-          </a:solidFill>
-          <a:ln w="12700">
-            <a:solidFill>
-              <a:schemeClr val="tx1"/>
-            </a:solidFill>
-          </a:ln>
-          <a:effectLst/>
-          <a:extLst/>
-        </p:spPr>
-        <p:txBody>
-          <a:bodyPr rot="0" spcFirstLastPara="0" vertOverflow="overflow" horzOverflow="overflow" vert="horz" wrap="none" lIns="72000" tIns="72000" rIns="72000" bIns="72000" numCol="1" spcCol="0" rtlCol="0" fromWordArt="0" anchor="ctr" anchorCtr="0" forceAA="0" compatLnSpc="1">
-            <a:prstTxWarp prst="textNoShape">
-              <a:avLst/>
-            </a:prstTxWarp>
-            <a:noAutofit/>
-          </a:bodyPr>
-          <a:lstStyle/>
-          <a:p>
-            <a:pPr algn="ctr"/>
-            <a:endParaRPr kumimoji="1" lang="ja-JP" altLang="en-US" b="1" dirty="0" smtClean="0">
-              <a:latin typeface="+mn-ea"/>
-            </a:endParaRPr>
-          </a:p>
-        </p:txBody>
-      </p:sp>
-      <p:sp>
-        <p:nvSpPr>
-          <p:cNvPr id="69" name="テキスト ボックス 68"/>
-          <p:cNvSpPr txBox="1"/>
-          <p:nvPr/>
-        </p:nvSpPr>
-        <p:spPr>
-          <a:xfrm>
-            <a:off x="5201039" y="6187335"/>
-            <a:ext cx="4047597" cy="369332"/>
-          </a:xfrm>
-          <a:prstGeom prst="rect">
-            <a:avLst/>
-          </a:prstGeom>
-          <a:noFill/>
-        </p:spPr>
-        <p:txBody>
-          <a:bodyPr wrap="square" rtlCol="0">
-            <a:spAutoFit/>
-          </a:bodyPr>
-          <a:lstStyle/>
-          <a:p>
-            <a:r>
-              <a:rPr kumimoji="1" lang="en-US" altLang="ja-JP" sz="900" smtClean="0"/>
-              <a:t>※</a:t>
-            </a:r>
-            <a:r>
-              <a:rPr kumimoji="1" lang="en-US" altLang="ja-JP" sz="900" smtClean="0"/>
-              <a:t>1</a:t>
-            </a:r>
-            <a:r>
-              <a:rPr kumimoji="1" lang="ja-JP" altLang="en-US" sz="900" smtClean="0"/>
-              <a:t> 紐付先資材のタイプは連携先ドライバや用途ごとに異なります。</a:t>
-            </a:r>
-            <a:r>
-              <a:rPr kumimoji="1" lang="en-US" altLang="ja-JP" sz="900" smtClean="0"/>
-              <a:t/>
-            </a:r>
-            <a:br>
-              <a:rPr kumimoji="1" lang="en-US" altLang="ja-JP" sz="900" smtClean="0"/>
-            </a:br>
-            <a:r>
-              <a:rPr kumimoji="1" lang="ja-JP" altLang="en-US" sz="900" smtClean="0"/>
-              <a:t>   </a:t>
-            </a:r>
-            <a:r>
-              <a:rPr kumimoji="1" lang="en-US" altLang="ja-JP" sz="900" smtClean="0"/>
-              <a:t>(</a:t>
-            </a:r>
-            <a:r>
-              <a:rPr kumimoji="1" lang="ja-JP" altLang="en-US" sz="900" smtClean="0"/>
-              <a:t>例：資材を</a:t>
-            </a:r>
-            <a:r>
-              <a:rPr kumimoji="1" lang="en-US" altLang="ja-JP" sz="900" smtClean="0"/>
-              <a:t>Ansible-Legacy</a:t>
-            </a:r>
-            <a:r>
-              <a:rPr lang="ja-JP" altLang="en-US" sz="900" smtClean="0"/>
-              <a:t> と連携する場合は「</a:t>
-            </a:r>
-            <a:r>
-              <a:rPr lang="en-US" altLang="ja-JP" sz="900" smtClean="0"/>
-              <a:t>Playbook</a:t>
-            </a:r>
-            <a:r>
-              <a:rPr lang="ja-JP" altLang="en-US" sz="900" smtClean="0"/>
-              <a:t>素材集」</a:t>
-            </a:r>
-            <a:r>
-              <a:rPr kumimoji="1" lang="en-US" altLang="ja-JP" sz="900" smtClean="0"/>
-              <a:t>)</a:t>
-            </a:r>
-            <a:endParaRPr kumimoji="1" lang="ja-JP" altLang="en-US" sz="900" dirty="0"/>
-          </a:p>
-        </p:txBody>
-      </p:sp>
     </p:spTree>
     <p:extLst>
       <p:ext uri="{BB962C8B-B14F-4D97-AF65-F5344CB8AC3E}">
@@ -15397,8 +11056,8 @@
         </p:nvSpPr>
         <p:spPr>
           <a:xfrm>
-            <a:off x="179267" y="836640"/>
-            <a:ext cx="8784976" cy="2268380"/>
+            <a:off x="140956" y="728560"/>
+            <a:ext cx="8784976" cy="5760233"/>
           </a:xfrm>
         </p:spPr>
         <p:txBody>
@@ -15408,52 +11067,51 @@
           <a:lstStyle/>
           <a:p>
             <a:r>
-              <a:rPr lang="en-US" altLang="ja-JP" b="1" dirty="0" smtClean="0"/>
-              <a:t>CI/CD </a:t>
-            </a:r>
-            <a:r>
-              <a:rPr lang="en-US" altLang="ja-JP" b="1" smtClean="0"/>
-              <a:t>for </a:t>
-            </a:r>
-            <a:r>
-              <a:rPr lang="en-US" altLang="ja-JP" b="1" smtClean="0"/>
+              <a:rPr lang="en-US" altLang="ja-JP" dirty="0" smtClean="0"/>
+              <a:t>CI/CD for </a:t>
+            </a:r>
+            <a:r>
+              <a:rPr lang="en-US" altLang="ja-JP" dirty="0" err="1" smtClean="0"/>
               <a:t>IaC</a:t>
             </a:r>
             <a:r>
-              <a:rPr lang="ja-JP" altLang="en-US" b="1" smtClean="0"/>
-              <a:t>を構成する</a:t>
-            </a:r>
-            <a:r>
-              <a:rPr lang="en-US" altLang="ja-JP" b="1" smtClean="0"/>
+              <a:rPr lang="ja-JP" altLang="en-US" dirty="0" smtClean="0"/>
+              <a:t>は大きく分けて</a:t>
+            </a:r>
+            <a:r>
+              <a:rPr lang="en-US" altLang="ja-JP" dirty="0" smtClean="0"/>
               <a:t>2</a:t>
             </a:r>
             <a:r>
-              <a:rPr lang="ja-JP" altLang="en-US" b="1" smtClean="0"/>
-              <a:t>つの機能</a:t>
-            </a:r>
-            <a:r>
-              <a:rPr lang="en-US" altLang="ja-JP" b="1" smtClean="0"/>
-              <a:t/>
-            </a:r>
-            <a:br>
-              <a:rPr lang="en-US" altLang="ja-JP" b="1" smtClean="0"/>
-            </a:br>
+              <a:rPr lang="ja-JP" altLang="en-US" dirty="0" err="1" smtClean="0"/>
+              <a:t>つの</a:t>
+            </a:r>
+            <a:r>
+              <a:rPr lang="ja-JP" altLang="en-US" dirty="0" smtClean="0"/>
+              <a:t>機能があります</a:t>
+            </a:r>
+            <a:endParaRPr lang="en-US" altLang="ja-JP" dirty="0"/>
+          </a:p>
+          <a:p>
+            <a:pPr marL="0" indent="0">
+              <a:buNone/>
+            </a:pPr>
             <a:endParaRPr lang="en-US" altLang="ja-JP" b="1" dirty="0" smtClean="0"/>
           </a:p>
           <a:p>
-            <a:pPr marL="457200" indent="-457200">
-              <a:buFont typeface="+mj-ea"/>
-              <a:buAutoNum type="circleNumDbPlain"/>
+            <a:pPr>
+              <a:buFont typeface="Wingdings" panose="05000000000000000000" pitchFamily="2" charset="2"/>
+              <a:buChar char="l"/>
             </a:pPr>
             <a:r>
-              <a:rPr lang="en-US" altLang="ja-JP" b="1" dirty="0" err="1" smtClean="0"/>
+              <a:rPr lang="en-US" altLang="ja-JP" dirty="0" err="1" smtClean="0"/>
               <a:t>Git</a:t>
             </a:r>
             <a:r>
-              <a:rPr lang="ja-JP" altLang="en-US" b="1" dirty="0" smtClean="0"/>
+              <a:rPr lang="ja-JP" altLang="en-US" dirty="0" smtClean="0"/>
               <a:t>連携</a:t>
             </a:r>
-            <a:endParaRPr lang="en-US" altLang="ja-JP" b="1" dirty="0"/>
+            <a:endParaRPr lang="en-US" altLang="ja-JP" dirty="0"/>
           </a:p>
           <a:p>
             <a:pPr lvl="1"/>
@@ -15466,166 +11124,91 @@
               <a:t>内に </a:t>
             </a:r>
             <a:r>
-              <a:rPr lang="en-US" altLang="ja-JP" b="1" dirty="0" err="1">
-                <a:solidFill>
-                  <a:srgbClr val="FF0000"/>
-                </a:solidFill>
-              </a:rPr>
+              <a:rPr lang="en-US" altLang="ja-JP" dirty="0" err="1"/>
               <a:t>Git</a:t>
             </a:r>
             <a:r>
-              <a:rPr lang="en-US" altLang="ja-JP" b="1" dirty="0">
-                <a:solidFill>
-                  <a:srgbClr val="FF0000"/>
-                </a:solidFill>
-              </a:rPr>
+              <a:rPr lang="en-US" altLang="ja-JP" dirty="0"/>
               <a:t> </a:t>
             </a:r>
             <a:r>
-              <a:rPr lang="ja-JP" altLang="en-US" b="1" dirty="0">
-                <a:solidFill>
-                  <a:srgbClr val="FF0000"/>
-                </a:solidFill>
-              </a:rPr>
-              <a:t>リポジトリのクローン</a:t>
-            </a:r>
-            <a:r>
               <a:rPr lang="ja-JP" altLang="en-US" dirty="0"/>
-              <a:t>を作成します</a:t>
-            </a:r>
-            <a:r>
-              <a:rPr lang="ja-JP" altLang="en-US"/>
-              <a:t>。 </a:t>
-            </a:r>
-            <a:endParaRPr lang="en-US" altLang="ja-JP" smtClean="0"/>
+              <a:t>リポジトリのクローンを作成します。 クローンを介して定期的に紐付元資材の更新を検知し </a:t>
+            </a:r>
+            <a:r>
+              <a:rPr lang="en-US" altLang="ja-JP" dirty="0"/>
+              <a:t>ITA </a:t>
+            </a:r>
+            <a:r>
+              <a:rPr lang="ja-JP" altLang="en-US" dirty="0"/>
+              <a:t>の「リモートリポジトリ資材」メニューに一 覧を作成します。 </a:t>
+            </a:r>
+            <a:endParaRPr lang="en-US" altLang="ja-JP" dirty="0" smtClean="0"/>
+          </a:p>
+          <a:p>
+            <a:pPr marL="180000" lvl="1" indent="0">
+              <a:buNone/>
+            </a:pPr>
+            <a:endParaRPr lang="en-US" altLang="ja-JP" dirty="0" smtClean="0"/>
+          </a:p>
+          <a:p>
+            <a:pPr>
+              <a:buFont typeface="Wingdings" panose="05000000000000000000" pitchFamily="2" charset="2"/>
+              <a:buChar char="l"/>
+            </a:pPr>
+            <a:r>
+              <a:rPr lang="ja-JP" altLang="en-US" dirty="0" smtClean="0"/>
+              <a:t>資材紐付機能</a:t>
+            </a:r>
+            <a:endParaRPr lang="en-US" altLang="ja-JP" dirty="0"/>
           </a:p>
           <a:p>
             <a:pPr lvl="1"/>
             <a:r>
-              <a:rPr lang="ja-JP" altLang="en-US" smtClean="0"/>
-              <a:t>クローン</a:t>
+              <a:rPr lang="ja-JP" altLang="en-US" dirty="0" smtClean="0"/>
+              <a:t>紐付元</a:t>
             </a:r>
             <a:r>
               <a:rPr lang="ja-JP" altLang="en-US" dirty="0"/>
-              <a:t>を介して</a:t>
-            </a:r>
-            <a:r>
-              <a:rPr lang="ja-JP" altLang="en-US"/>
-              <a:t>定期的</a:t>
-            </a:r>
-            <a:r>
-              <a:rPr lang="ja-JP" altLang="en-US" smtClean="0"/>
-              <a:t>に資材</a:t>
-            </a:r>
-            <a:r>
-              <a:rPr lang="en-US" altLang="ja-JP" smtClean="0"/>
-              <a:t>(</a:t>
-            </a:r>
-            <a:r>
-              <a:rPr lang="ja-JP" altLang="en-US" smtClean="0"/>
-              <a:t>ファイル</a:t>
-            </a:r>
-            <a:r>
-              <a:rPr lang="en-US" altLang="ja-JP" smtClean="0"/>
-              <a:t>)</a:t>
-            </a:r>
-            <a:r>
-              <a:rPr lang="ja-JP" altLang="en-US" smtClean="0"/>
-              <a:t>の</a:t>
+              <a:t>資材と紐付先資材の紐付を登録し、紐付先資材の動作検証を行う為のオペレーションと </a:t>
+            </a:r>
+            <a:r>
+              <a:rPr lang="en-US" altLang="ja-JP" dirty="0"/>
+              <a:t>Movement </a:t>
+            </a:r>
+            <a:r>
+              <a:rPr lang="ja-JP" altLang="en-US" dirty="0" err="1"/>
+              <a:t>を登</a:t>
             </a:r>
             <a:r>
               <a:rPr lang="ja-JP" altLang="en-US" dirty="0"/>
-              <a:t>更新を</a:t>
-            </a:r>
-            <a:r>
-              <a:rPr lang="ja-JP" altLang="en-US"/>
-              <a:t>検知</a:t>
-            </a:r>
-            <a:r>
-              <a:rPr lang="ja-JP" altLang="en-US" smtClean="0"/>
-              <a:t>し、</a:t>
-            </a:r>
-            <a:r>
-              <a:rPr lang="en-US" altLang="ja-JP"/>
-              <a:t/>
-            </a:r>
-            <a:br>
-              <a:rPr lang="en-US" altLang="ja-JP"/>
-            </a:br>
-            <a:r>
-              <a:rPr lang="ja-JP" altLang="en-US"/>
-              <a:t>資材の</a:t>
-            </a:r>
-            <a:r>
-              <a:rPr lang="ja-JP" altLang="en-US"/>
-              <a:t>一覧</a:t>
-            </a:r>
-            <a:r>
-              <a:rPr lang="ja-JP" altLang="en-US" smtClean="0"/>
-              <a:t>を「</a:t>
-            </a:r>
-            <a:r>
-              <a:rPr lang="ja-JP" altLang="en-US"/>
-              <a:t>リモートリポジトリ資材</a:t>
-            </a:r>
-            <a:r>
-              <a:rPr lang="ja-JP" altLang="en-US"/>
-              <a:t>」</a:t>
-            </a:r>
-            <a:r>
-              <a:rPr lang="ja-JP" altLang="en-US" smtClean="0"/>
-              <a:t>メニューに登録・更新します。</a:t>
-            </a:r>
-            <a:endParaRPr lang="en-US" altLang="ja-JP" smtClean="0"/>
-          </a:p>
-          <a:p>
-            <a:pPr lvl="1"/>
-            <a:r>
-              <a:rPr lang="ja-JP" altLang="en-US"/>
-              <a:t>「リモートリポジトリ資材</a:t>
-            </a:r>
-            <a:r>
-              <a:rPr lang="ja-JP" altLang="en-US"/>
-              <a:t>」</a:t>
-            </a:r>
-            <a:r>
-              <a:rPr lang="ja-JP" altLang="en-US" smtClean="0"/>
-              <a:t>メニューに登録された資材は、</a:t>
-            </a:r>
-            <a:r>
-              <a:rPr lang="en-US" altLang="ja-JP"/>
-              <a:t/>
-            </a:r>
-            <a:br>
-              <a:rPr lang="en-US" altLang="ja-JP"/>
-            </a:br>
-            <a:r>
-              <a:rPr lang="ja-JP" altLang="en-US"/>
-              <a:t>「</a:t>
-            </a:r>
-            <a:r>
-              <a:rPr lang="ja-JP" altLang="en-US" smtClean="0"/>
-              <a:t>②資材紐付機能」にて</a:t>
-            </a:r>
-            <a:r>
-              <a:rPr lang="ja-JP" altLang="en-US" b="1" smtClean="0">
-                <a:solidFill>
-                  <a:srgbClr val="FF0000"/>
-                </a:solidFill>
-              </a:rPr>
-              <a:t>紐付元資材として指定可能になります</a:t>
-            </a:r>
-            <a:r>
-              <a:rPr lang="ja-JP" altLang="en-US" smtClean="0">
-                <a:solidFill>
-                  <a:srgbClr val="FF0000"/>
-                </a:solidFill>
-              </a:rPr>
-              <a:t>。</a:t>
-            </a:r>
-            <a:endParaRPr lang="en-US" altLang="ja-JP" smtClean="0">
+              <a:t>録します。 紐付元資材が更新されると、紐付先資材が自動更新され、動作検証を行う為のオペレーションと </a:t>
+            </a:r>
+            <a:r>
+              <a:rPr lang="en-US" altLang="ja-JP" dirty="0"/>
+              <a:t>Movement </a:t>
+            </a:r>
+            <a:r>
+              <a:rPr lang="ja-JP" altLang="en-US" dirty="0"/>
+              <a:t>で作業実行を行います。</a:t>
+            </a:r>
+            <a:endParaRPr lang="en-US" altLang="ja-JP" sz="1200" dirty="0" smtClean="0"/>
+          </a:p>
+          <a:p>
+            <a:pPr>
+              <a:buFont typeface="Wingdings" panose="05000000000000000000" pitchFamily="2" charset="2"/>
+              <a:buChar char="l"/>
+            </a:pPr>
+            <a:endParaRPr lang="en-US" altLang="ja-JP" sz="1600" dirty="0" smtClean="0"/>
+          </a:p>
+          <a:p>
+            <a:pPr>
+              <a:buFont typeface="Wingdings" panose="05000000000000000000" pitchFamily="2" charset="2"/>
+              <a:buChar char="l"/>
+            </a:pPr>
+            <a:endParaRPr lang="en-US" altLang="ja-JP" sz="1600" dirty="0">
               <a:solidFill>
-                <a:srgbClr val="FF0000"/>
+                <a:schemeClr val="bg1"/>
               </a:solidFill>
             </a:endParaRPr>
           </a:p>
@@ -15812,257 +11395,6 @@
               <a:t>の機能概要</a:t>
             </a:r>
             <a:endParaRPr lang="en-US" kern="0" dirty="0"/>
-          </a:p>
-        </p:txBody>
-      </p:sp>
-      <p:sp>
-        <p:nvSpPr>
-          <p:cNvPr id="5" name="コンテンツ プレースホルダー 2"/>
-          <p:cNvSpPr txBox="1">
-            <a:spLocks/>
-          </p:cNvSpPr>
-          <p:nvPr/>
-        </p:nvSpPr>
-        <p:spPr bwMode="gray">
-          <a:xfrm>
-            <a:off x="140956" y="3501010"/>
-            <a:ext cx="8784976" cy="1656230"/>
-          </a:xfrm>
-          <a:prstGeom prst="rect">
-            <a:avLst/>
-          </a:prstGeom>
-        </p:spPr>
-        <p:txBody>
-          <a:bodyPr vert="horz" lIns="91440" tIns="45720" rIns="91440" bIns="45720" rtlCol="0">
-            <a:normAutofit/>
-          </a:bodyPr>
-          <a:lstStyle>
-            <a:lvl1pPr marL="180000" indent="-180000" algn="l" rtl="0" eaLnBrk="1" fontAlgn="base" hangingPunct="0">
-              <a:spcBef>
-                <a:spcPts val="500"/>
-              </a:spcBef>
-              <a:spcAft>
-                <a:spcPct val="0"/>
-              </a:spcAft>
-              <a:buClr>
-                <a:schemeClr val="accent6"/>
-              </a:buClr>
-              <a:buFont typeface="Arial" panose="020B0604020202020204" pitchFamily="34" charset="0"/>
-              <a:buChar char="▌"/>
-              <a:defRPr kumimoji="1" lang="ja-JP" altLang="en-US" sz="2000" b="0" noProof="0" dirty="0" smtClean="0">
-                <a:solidFill>
-                  <a:schemeClr val="tx1"/>
-                </a:solidFill>
-                <a:latin typeface="+mn-lt"/>
-                <a:ea typeface="+mn-ea"/>
-                <a:cs typeface="+mn-cs"/>
-              </a:defRPr>
-            </a:lvl1pPr>
-            <a:lvl2pPr marL="360000" indent="-180000" algn="l" rtl="0" eaLnBrk="1" fontAlgn="base" hangingPunct="0">
-              <a:spcBef>
-                <a:spcPts val="500"/>
-              </a:spcBef>
-              <a:spcAft>
-                <a:spcPct val="0"/>
-              </a:spcAft>
-              <a:buClr>
-                <a:schemeClr val="accent6"/>
-              </a:buClr>
-              <a:buFont typeface="Wingdings" pitchFamily="2" charset="2"/>
-              <a:buChar char="l"/>
-              <a:defRPr kumimoji="1" lang="ja-JP" altLang="en-US" sz="1600" b="0" noProof="0" dirty="0" smtClean="0">
-                <a:solidFill>
-                  <a:schemeClr val="tx1"/>
-                </a:solidFill>
-                <a:latin typeface="+mn-lt"/>
-                <a:ea typeface="+mn-ea"/>
-              </a:defRPr>
-            </a:lvl2pPr>
-            <a:lvl3pPr marL="468000" indent="-108000" algn="l" rtl="0" eaLnBrk="1" fontAlgn="base" hangingPunct="0">
-              <a:spcBef>
-                <a:spcPts val="500"/>
-              </a:spcBef>
-              <a:spcAft>
-                <a:spcPct val="0"/>
-              </a:spcAft>
-              <a:buClr>
-                <a:schemeClr val="accent6"/>
-              </a:buClr>
-              <a:buFont typeface="Arial" panose="020B0604020202020204" pitchFamily="34" charset="0"/>
-              <a:buChar char="•"/>
-              <a:defRPr kumimoji="1" lang="ja-JP" altLang="en-US" sz="1400" b="0" noProof="0" dirty="0" smtClean="0">
-                <a:solidFill>
-                  <a:schemeClr val="tx1"/>
-                </a:solidFill>
-                <a:latin typeface="+mn-lt"/>
-                <a:ea typeface="+mn-ea"/>
-              </a:defRPr>
-            </a:lvl3pPr>
-            <a:lvl4pPr marL="576000" indent="-108000" algn="l" rtl="0" eaLnBrk="1" fontAlgn="base" hangingPunct="0">
-              <a:spcBef>
-                <a:spcPts val="500"/>
-              </a:spcBef>
-              <a:spcAft>
-                <a:spcPct val="0"/>
-              </a:spcAft>
-              <a:buClr>
-                <a:schemeClr val="accent6"/>
-              </a:buClr>
-              <a:buFont typeface="Tahoma" pitchFamily="34" charset="0"/>
-              <a:buChar char="–"/>
-              <a:defRPr kumimoji="1" lang="ja-JP" altLang="en-US" sz="1200" b="0" noProof="0" dirty="0" smtClean="0">
-                <a:solidFill>
-                  <a:schemeClr val="tx1"/>
-                </a:solidFill>
-                <a:latin typeface="+mn-lt"/>
-                <a:ea typeface="+mn-ea"/>
-              </a:defRPr>
-            </a:lvl4pPr>
-            <a:lvl5pPr marL="735013" indent="-157163" algn="l" rtl="0" eaLnBrk="0" fontAlgn="base" hangingPunct="0">
-              <a:spcBef>
-                <a:spcPct val="20000"/>
-              </a:spcBef>
-              <a:spcAft>
-                <a:spcPct val="0"/>
-              </a:spcAft>
-              <a:buClr>
-                <a:schemeClr val="accent6"/>
-              </a:buClr>
-              <a:buChar char="≫"/>
-              <a:defRPr kumimoji="1" sz="1200" b="1">
-                <a:solidFill>
-                  <a:schemeClr val="tx1"/>
-                </a:solidFill>
-                <a:latin typeface="+mj-lt"/>
-                <a:ea typeface="+mn-ea"/>
-              </a:defRPr>
-            </a:lvl5pPr>
-            <a:lvl6pPr marL="2514600" indent="-228600" algn="l" rtl="0" fontAlgn="base">
-              <a:spcBef>
-                <a:spcPct val="20000"/>
-              </a:spcBef>
-              <a:spcAft>
-                <a:spcPct val="0"/>
-              </a:spcAft>
-              <a:buChar char="≫"/>
-              <a:defRPr kumimoji="1" sz="2000">
-                <a:solidFill>
-                  <a:schemeClr val="tx1"/>
-                </a:solidFill>
-                <a:latin typeface="Arial" charset="0"/>
-                <a:ea typeface="+mn-ea"/>
-              </a:defRPr>
-            </a:lvl6pPr>
-            <a:lvl7pPr marL="2971800" indent="-228600" algn="l" rtl="0" fontAlgn="base">
-              <a:spcBef>
-                <a:spcPct val="20000"/>
-              </a:spcBef>
-              <a:spcAft>
-                <a:spcPct val="0"/>
-              </a:spcAft>
-              <a:buChar char="≫"/>
-              <a:defRPr kumimoji="1" sz="2000">
-                <a:solidFill>
-                  <a:schemeClr val="tx1"/>
-                </a:solidFill>
-                <a:latin typeface="Arial" charset="0"/>
-                <a:ea typeface="+mn-ea"/>
-              </a:defRPr>
-            </a:lvl7pPr>
-            <a:lvl8pPr marL="3429000" indent="-228600" algn="l" rtl="0" fontAlgn="base">
-              <a:spcBef>
-                <a:spcPct val="20000"/>
-              </a:spcBef>
-              <a:spcAft>
-                <a:spcPct val="0"/>
-              </a:spcAft>
-              <a:buChar char="≫"/>
-              <a:defRPr kumimoji="1" sz="2000">
-                <a:solidFill>
-                  <a:schemeClr val="tx1"/>
-                </a:solidFill>
-                <a:latin typeface="Arial" charset="0"/>
-                <a:ea typeface="+mn-ea"/>
-              </a:defRPr>
-            </a:lvl8pPr>
-            <a:lvl9pPr marL="3886200" indent="-228600" algn="l" rtl="0" fontAlgn="base">
-              <a:spcBef>
-                <a:spcPct val="20000"/>
-              </a:spcBef>
-              <a:spcAft>
-                <a:spcPct val="0"/>
-              </a:spcAft>
-              <a:buChar char="≫"/>
-              <a:defRPr kumimoji="1" sz="2000">
-                <a:solidFill>
-                  <a:schemeClr val="tx1"/>
-                </a:solidFill>
-                <a:latin typeface="Arial" charset="0"/>
-                <a:ea typeface="+mn-ea"/>
-              </a:defRPr>
-            </a:lvl9pPr>
-          </a:lstStyle>
-          <a:p>
-            <a:pPr marL="457200" indent="-457200">
-              <a:buFont typeface="+mj-ea"/>
-              <a:buAutoNum type="circleNumDbPlain" startAt="2"/>
-            </a:pPr>
-            <a:r>
-              <a:rPr lang="ja-JP" altLang="en-US" b="1" kern="0" smtClean="0"/>
-              <a:t>資材紐付機能</a:t>
-            </a:r>
-          </a:p>
-          <a:p>
-            <a:pPr lvl="1"/>
-            <a:r>
-              <a:rPr lang="ja-JP" altLang="en-US" kern="0" smtClean="0"/>
-              <a:t>紐付元資材と紐付先資材の紐付を登録します。</a:t>
-            </a:r>
-            <a:endParaRPr lang="en-US" altLang="ja-JP" kern="0" smtClean="0"/>
-          </a:p>
-          <a:p>
-            <a:pPr lvl="1"/>
-            <a:r>
-              <a:rPr lang="ja-JP" altLang="en-US" kern="0" smtClean="0"/>
-              <a:t>紐付先資材の動作検証を行う為のオペレーションと </a:t>
-            </a:r>
-            <a:r>
-              <a:rPr lang="en-US" altLang="ja-JP" kern="0" smtClean="0"/>
-              <a:t>Movement </a:t>
-            </a:r>
-            <a:r>
-              <a:rPr lang="ja-JP" altLang="en-US" kern="0" smtClean="0"/>
-              <a:t>も同様に登録します。</a:t>
-            </a:r>
-            <a:endParaRPr lang="en-US" altLang="ja-JP" kern="0"/>
-          </a:p>
-          <a:p>
-            <a:pPr lvl="1"/>
-            <a:r>
-              <a:rPr lang="ja-JP" altLang="en-US" b="1" kern="0" smtClean="0">
-                <a:solidFill>
-                  <a:srgbClr val="FF0000"/>
-                </a:solidFill>
-              </a:rPr>
-              <a:t>紐付元資材が更新されると、紐付先資材が自動更新</a:t>
-            </a:r>
-            <a:r>
-              <a:rPr lang="ja-JP" altLang="en-US" kern="0" smtClean="0"/>
-              <a:t>され、動作検証を行う為のオペレーションと </a:t>
-            </a:r>
-            <a:r>
-              <a:rPr lang="en-US" altLang="ja-JP" kern="0" smtClean="0"/>
-              <a:t>Movement </a:t>
-            </a:r>
-            <a:r>
-              <a:rPr lang="ja-JP" altLang="en-US" kern="0" smtClean="0"/>
-              <a:t>で作業実行を行います。</a:t>
-            </a:r>
-            <a:endParaRPr lang="ja-JP" altLang="en-US" sz="1600" kern="0">
-              <a:solidFill>
-                <a:schemeClr val="bg1"/>
-              </a:solidFill>
-            </a:endParaRPr>
           </a:p>
         </p:txBody>
       </p:sp>
@@ -16178,21 +11510,134 @@
             </a:r>
             <a:r>
               <a:rPr lang="ja-JP" altLang="en-US" dirty="0"/>
-              <a:t>　</a:t>
-            </a:r>
-            <a:r>
-              <a:rPr lang="ja-JP" altLang="en-US"/>
-              <a:t>（</a:t>
-            </a:r>
-            <a:r>
-              <a:rPr lang="en-US" altLang="ja-JP" smtClean="0"/>
-              <a:t>1/6</a:t>
-            </a:r>
-            <a:r>
-              <a:rPr lang="ja-JP" altLang="en-US" smtClean="0"/>
+              <a:t>　（</a:t>
+            </a:r>
+            <a:r>
+              <a:rPr lang="en-US" altLang="ja-JP" dirty="0" smtClean="0"/>
+              <a:t>1/5</a:t>
+            </a:r>
+            <a:r>
+              <a:rPr lang="ja-JP" altLang="en-US" dirty="0" smtClean="0"/>
               <a:t>）</a:t>
             </a:r>
             <a:endParaRPr kumimoji="1" lang="ja-JP" altLang="en-US" dirty="0"/>
+          </a:p>
+        </p:txBody>
+      </p:sp>
+      <p:sp>
+        <p:nvSpPr>
+          <p:cNvPr id="7" name="正方形/長方形 6"/>
+          <p:cNvSpPr/>
+          <p:nvPr/>
+        </p:nvSpPr>
+        <p:spPr bwMode="auto">
+          <a:xfrm>
+            <a:off x="323411" y="2241869"/>
+            <a:ext cx="1872260" cy="376890"/>
+          </a:xfrm>
+          <a:prstGeom prst="rect">
+            <a:avLst/>
+          </a:prstGeom>
+          <a:noFill/>
+          <a:ln w="38100">
+            <a:solidFill>
+              <a:srgbClr val="FF0000"/>
+            </a:solidFill>
+          </a:ln>
+          <a:effectLst/>
+          <a:extLst/>
+        </p:spPr>
+        <p:txBody>
+          <a:bodyPr rot="0" spcFirstLastPara="0" vertOverflow="overflow" horzOverflow="overflow" vert="horz" wrap="none" lIns="72000" tIns="72000" rIns="72000" bIns="72000" numCol="1" spcCol="0" rtlCol="0" fromWordArt="0" anchor="ctr" anchorCtr="0" forceAA="0" compatLnSpc="1">
+            <a:prstTxWarp prst="textNoShape">
+              <a:avLst/>
+            </a:prstTxWarp>
+            <a:noAutofit/>
+          </a:bodyPr>
+          <a:lstStyle/>
+          <a:p>
+            <a:pPr algn="ctr"/>
+            <a:endParaRPr kumimoji="1" lang="ja-JP" altLang="en-US" b="1" dirty="0" smtClean="0">
+              <a:latin typeface="+mn-ea"/>
+            </a:endParaRPr>
+          </a:p>
+        </p:txBody>
+      </p:sp>
+      <p:sp>
+        <p:nvSpPr>
+          <p:cNvPr id="8" name="正方形/長方形 7"/>
+          <p:cNvSpPr/>
+          <p:nvPr/>
+        </p:nvSpPr>
+        <p:spPr bwMode="auto">
+          <a:xfrm>
+            <a:off x="323041" y="2669418"/>
+            <a:ext cx="1872629" cy="438621"/>
+          </a:xfrm>
+          <a:prstGeom prst="rect">
+            <a:avLst/>
+          </a:prstGeom>
+          <a:noFill/>
+          <a:ln w="38100">
+            <a:solidFill>
+              <a:srgbClr val="FF0000"/>
+            </a:solidFill>
+          </a:ln>
+          <a:effectLst/>
+          <a:extLst/>
+        </p:spPr>
+        <p:txBody>
+          <a:bodyPr rot="0" spcFirstLastPara="0" vertOverflow="overflow" horzOverflow="overflow" vert="horz" wrap="none" lIns="72000" tIns="72000" rIns="72000" bIns="72000" numCol="1" spcCol="0" rtlCol="0" fromWordArt="0" anchor="ctr" anchorCtr="0" forceAA="0" compatLnSpc="1">
+            <a:prstTxWarp prst="textNoShape">
+              <a:avLst/>
+            </a:prstTxWarp>
+            <a:noAutofit/>
+          </a:bodyPr>
+          <a:lstStyle/>
+          <a:p>
+            <a:pPr algn="ctr"/>
+            <a:endParaRPr kumimoji="1" lang="ja-JP" altLang="en-US" b="1" dirty="0" smtClean="0">
+              <a:latin typeface="+mn-ea"/>
+            </a:endParaRPr>
+          </a:p>
+        </p:txBody>
+      </p:sp>
+      <p:sp>
+        <p:nvSpPr>
+          <p:cNvPr id="9" name="正方形/長方形 8"/>
+          <p:cNvSpPr/>
+          <p:nvPr/>
+        </p:nvSpPr>
+        <p:spPr bwMode="auto">
+          <a:xfrm>
+            <a:off x="323041" y="3146765"/>
+            <a:ext cx="1872629" cy="373133"/>
+          </a:xfrm>
+          <a:prstGeom prst="rect">
+            <a:avLst/>
+          </a:prstGeom>
+          <a:noFill/>
+          <a:ln w="38100">
+            <a:solidFill>
+              <a:srgbClr val="FF0000"/>
+            </a:solidFill>
+          </a:ln>
+          <a:effectLst/>
+          <a:extLst/>
+        </p:spPr>
+        <p:txBody>
+          <a:bodyPr rot="0" spcFirstLastPara="0" vertOverflow="overflow" horzOverflow="overflow" vert="horz" wrap="none" lIns="72000" tIns="72000" rIns="72000" bIns="72000" numCol="1" spcCol="0" rtlCol="0" fromWordArt="0" anchor="ctr" anchorCtr="0" forceAA="0" compatLnSpc="1">
+            <a:prstTxWarp prst="textNoShape">
+              <a:avLst/>
+            </a:prstTxWarp>
+            <a:noAutofit/>
+          </a:bodyPr>
+          <a:lstStyle/>
+          <a:p>
+            <a:pPr algn="ctr"/>
+            <a:endParaRPr kumimoji="1" lang="ja-JP" altLang="en-US" b="1" dirty="0" smtClean="0">
+              <a:latin typeface="+mn-ea"/>
+            </a:endParaRPr>
           </a:p>
         </p:txBody>
       </p:sp>
@@ -16204,7 +11649,7 @@
         </p:nvSpPr>
         <p:spPr>
           <a:xfrm>
-            <a:off x="2109684" y="2253987"/>
+            <a:off x="2195670" y="2253987"/>
             <a:ext cx="423680" cy="369332"/>
           </a:xfrm>
           <a:prstGeom prst="rect">
@@ -16241,7 +11686,7 @@
         </p:nvSpPr>
         <p:spPr>
           <a:xfrm>
-            <a:off x="2109684" y="2706417"/>
+            <a:off x="2203437" y="2720670"/>
             <a:ext cx="423680" cy="369332"/>
           </a:xfrm>
           <a:prstGeom prst="rect">
@@ -16273,7 +11718,7 @@
         </p:nvSpPr>
         <p:spPr>
           <a:xfrm>
-            <a:off x="2109684" y="3158848"/>
+            <a:off x="2195670" y="3158848"/>
             <a:ext cx="423680" cy="369332"/>
           </a:xfrm>
           <a:prstGeom prst="rect">
@@ -16305,7 +11750,7 @@
         </p:nvSpPr>
         <p:spPr>
           <a:xfrm>
-            <a:off x="2685143" y="1933695"/>
+            <a:off x="2691359" y="1531554"/>
             <a:ext cx="6266310" cy="2431435"/>
           </a:xfrm>
           <a:prstGeom prst="rect">
@@ -16638,23 +12083,27 @@
             </a:lvl9pPr>
           </a:lstStyle>
           <a:p>
-            <a:r>
-              <a:rPr lang="en-US" altLang="ja-JP" b="1" kern="0" dirty="0" smtClean="0"/>
-              <a:t>CI/CD </a:t>
-            </a:r>
-            <a:r>
-              <a:rPr lang="en-US" altLang="ja-JP" b="1" kern="0" smtClean="0"/>
-              <a:t>for </a:t>
-            </a:r>
-            <a:r>
-              <a:rPr lang="en-US" altLang="ja-JP" b="1" kern="0" smtClean="0"/>
+            <a:pPr>
+              <a:buFont typeface="Wingdings" panose="05000000000000000000" pitchFamily="2" charset="2"/>
+              <a:buChar char="l"/>
+            </a:pPr>
+            <a:r>
+              <a:rPr lang="en-US" altLang="ja-JP" kern="0" dirty="0" smtClean="0"/>
+              <a:t>CI/CD for </a:t>
+            </a:r>
+            <a:r>
+              <a:rPr lang="en-US" altLang="ja-JP" kern="0" dirty="0" err="1" smtClean="0"/>
               <a:t>IaC</a:t>
             </a:r>
             <a:r>
-              <a:rPr lang="ja-JP" altLang="en-US" b="1" kern="0" smtClean="0"/>
-              <a:t>メニューの機能説明</a:t>
-            </a:r>
-            <a:endParaRPr lang="en-US" altLang="ja-JP" sz="1800" b="1" kern="0" dirty="0" smtClean="0"/>
+              <a:rPr lang="ja-JP" altLang="en-US" kern="0" dirty="0" smtClean="0"/>
+              <a:t>における主なメニュー機能を紹介します</a:t>
+            </a:r>
+            <a:r>
+              <a:rPr lang="ja-JP" altLang="en-US" kern="0" dirty="0"/>
+              <a:t>。</a:t>
+            </a:r>
+            <a:endParaRPr lang="en-US" altLang="ja-JP" sz="1800" kern="0" dirty="0" smtClean="0"/>
           </a:p>
         </p:txBody>
       </p:sp>
@@ -16787,15 +12236,15 @@
               <a:t>説明　</a:t>
             </a:r>
             <a:r>
-              <a:rPr lang="ja-JP" altLang="en-US" smtClean="0"/>
+              <a:rPr lang="ja-JP" altLang="en-US" dirty="0" smtClean="0"/>
               <a:t>（</a:t>
             </a:r>
             <a:r>
-              <a:rPr lang="en-US" altLang="ja-JP" smtClean="0"/>
-              <a:t>2/6</a:t>
-            </a:r>
-            <a:r>
-              <a:rPr lang="ja-JP" altLang="en-US" smtClean="0"/>
+              <a:rPr lang="en-US" altLang="ja-JP" dirty="0" smtClean="0"/>
+              <a:t>2/5</a:t>
+            </a:r>
+            <a:r>
+              <a:rPr lang="ja-JP" altLang="en-US" dirty="0" smtClean="0"/>
               <a:t>）</a:t>
             </a:r>
             <a:endParaRPr kumimoji="1" lang="ja-JP" altLang="en-US" dirty="0"/>
@@ -16817,6 +12266,10 @@
           <a:bodyPr/>
           <a:lstStyle/>
           <a:p>
+            <a:pPr>
+              <a:buFont typeface="Wingdings" panose="05000000000000000000" pitchFamily="2" charset="2"/>
+              <a:buChar char="l"/>
+            </a:pPr>
             <a:r>
               <a:rPr lang="ja-JP" altLang="en-US" b="1" dirty="0" smtClean="0"/>
               <a:t>リモートリポジトリ</a:t>
@@ -16853,19 +12306,242 @@
         </p:nvSpPr>
         <p:spPr bwMode="auto">
           <a:xfrm>
-            <a:off x="179512" y="2056571"/>
-            <a:ext cx="2304320" cy="592846"/>
+            <a:off x="703174" y="2188997"/>
+            <a:ext cx="2304320" cy="885884"/>
           </a:xfrm>
-          <a:prstGeom prst="wedgeRoundRectCallout">
-            <a:avLst>
-              <a:gd name="adj1" fmla="val 8828"/>
-              <a:gd name="adj2" fmla="val 112355"/>
-              <a:gd name="adj3" fmla="val 16667"/>
-            </a:avLst>
-          </a:prstGeom>
-          <a:solidFill>
-            <a:schemeClr val="bg1"/>
-          </a:solidFill>
+          <a:custGeom>
+            <a:avLst/>
+            <a:gdLst>
+              <a:gd name="connsiteX0" fmla="*/ 0 w 2304320"/>
+              <a:gd name="connsiteY0" fmla="*/ 96015 h 576080"/>
+              <a:gd name="connsiteX1" fmla="*/ 96015 w 2304320"/>
+              <a:gd name="connsiteY1" fmla="*/ 0 h 576080"/>
+              <a:gd name="connsiteX2" fmla="*/ 384053 w 2304320"/>
+              <a:gd name="connsiteY2" fmla="*/ 0 h 576080"/>
+              <a:gd name="connsiteX3" fmla="*/ 384053 w 2304320"/>
+              <a:gd name="connsiteY3" fmla="*/ 0 h 576080"/>
+              <a:gd name="connsiteX4" fmla="*/ 960133 w 2304320"/>
+              <a:gd name="connsiteY4" fmla="*/ 0 h 576080"/>
+              <a:gd name="connsiteX5" fmla="*/ 2208305 w 2304320"/>
+              <a:gd name="connsiteY5" fmla="*/ 0 h 576080"/>
+              <a:gd name="connsiteX6" fmla="*/ 2304320 w 2304320"/>
+              <a:gd name="connsiteY6" fmla="*/ 96015 h 576080"/>
+              <a:gd name="connsiteX7" fmla="*/ 2304320 w 2304320"/>
+              <a:gd name="connsiteY7" fmla="*/ 336047 h 576080"/>
+              <a:gd name="connsiteX8" fmla="*/ 2304320 w 2304320"/>
+              <a:gd name="connsiteY8" fmla="*/ 336047 h 576080"/>
+              <a:gd name="connsiteX9" fmla="*/ 2304320 w 2304320"/>
+              <a:gd name="connsiteY9" fmla="*/ 480067 h 576080"/>
+              <a:gd name="connsiteX10" fmla="*/ 2304320 w 2304320"/>
+              <a:gd name="connsiteY10" fmla="*/ 480065 h 576080"/>
+              <a:gd name="connsiteX11" fmla="*/ 2208305 w 2304320"/>
+              <a:gd name="connsiteY11" fmla="*/ 576080 h 576080"/>
+              <a:gd name="connsiteX12" fmla="*/ 960133 w 2304320"/>
+              <a:gd name="connsiteY12" fmla="*/ 576080 h 576080"/>
+              <a:gd name="connsiteX13" fmla="*/ 713947 w 2304320"/>
+              <a:gd name="connsiteY13" fmla="*/ 885884 h 576080"/>
+              <a:gd name="connsiteX14" fmla="*/ 384053 w 2304320"/>
+              <a:gd name="connsiteY14" fmla="*/ 576080 h 576080"/>
+              <a:gd name="connsiteX15" fmla="*/ 96015 w 2304320"/>
+              <a:gd name="connsiteY15" fmla="*/ 576080 h 576080"/>
+              <a:gd name="connsiteX16" fmla="*/ 0 w 2304320"/>
+              <a:gd name="connsiteY16" fmla="*/ 480065 h 576080"/>
+              <a:gd name="connsiteX17" fmla="*/ 0 w 2304320"/>
+              <a:gd name="connsiteY17" fmla="*/ 480067 h 576080"/>
+              <a:gd name="connsiteX18" fmla="*/ 0 w 2304320"/>
+              <a:gd name="connsiteY18" fmla="*/ 336047 h 576080"/>
+              <a:gd name="connsiteX19" fmla="*/ 0 w 2304320"/>
+              <a:gd name="connsiteY19" fmla="*/ 336047 h 576080"/>
+              <a:gd name="connsiteX20" fmla="*/ 0 w 2304320"/>
+              <a:gd name="connsiteY20" fmla="*/ 96015 h 576080"/>
+              <a:gd name="connsiteX0" fmla="*/ 0 w 2304320"/>
+              <a:gd name="connsiteY0" fmla="*/ 96015 h 885884"/>
+              <a:gd name="connsiteX1" fmla="*/ 96015 w 2304320"/>
+              <a:gd name="connsiteY1" fmla="*/ 0 h 885884"/>
+              <a:gd name="connsiteX2" fmla="*/ 384053 w 2304320"/>
+              <a:gd name="connsiteY2" fmla="*/ 0 h 885884"/>
+              <a:gd name="connsiteX3" fmla="*/ 384053 w 2304320"/>
+              <a:gd name="connsiteY3" fmla="*/ 0 h 885884"/>
+              <a:gd name="connsiteX4" fmla="*/ 960133 w 2304320"/>
+              <a:gd name="connsiteY4" fmla="*/ 0 h 885884"/>
+              <a:gd name="connsiteX5" fmla="*/ 2208305 w 2304320"/>
+              <a:gd name="connsiteY5" fmla="*/ 0 h 885884"/>
+              <a:gd name="connsiteX6" fmla="*/ 2304320 w 2304320"/>
+              <a:gd name="connsiteY6" fmla="*/ 96015 h 885884"/>
+              <a:gd name="connsiteX7" fmla="*/ 2304320 w 2304320"/>
+              <a:gd name="connsiteY7" fmla="*/ 336047 h 885884"/>
+              <a:gd name="connsiteX8" fmla="*/ 2304320 w 2304320"/>
+              <a:gd name="connsiteY8" fmla="*/ 336047 h 885884"/>
+              <a:gd name="connsiteX9" fmla="*/ 2304320 w 2304320"/>
+              <a:gd name="connsiteY9" fmla="*/ 480067 h 885884"/>
+              <a:gd name="connsiteX10" fmla="*/ 2304320 w 2304320"/>
+              <a:gd name="connsiteY10" fmla="*/ 480065 h 885884"/>
+              <a:gd name="connsiteX11" fmla="*/ 2208305 w 2304320"/>
+              <a:gd name="connsiteY11" fmla="*/ 576080 h 885884"/>
+              <a:gd name="connsiteX12" fmla="*/ 702958 w 2304320"/>
+              <a:gd name="connsiteY12" fmla="*/ 576080 h 885884"/>
+              <a:gd name="connsiteX13" fmla="*/ 713947 w 2304320"/>
+              <a:gd name="connsiteY13" fmla="*/ 885884 h 885884"/>
+              <a:gd name="connsiteX14" fmla="*/ 384053 w 2304320"/>
+              <a:gd name="connsiteY14" fmla="*/ 576080 h 885884"/>
+              <a:gd name="connsiteX15" fmla="*/ 96015 w 2304320"/>
+              <a:gd name="connsiteY15" fmla="*/ 576080 h 885884"/>
+              <a:gd name="connsiteX16" fmla="*/ 0 w 2304320"/>
+              <a:gd name="connsiteY16" fmla="*/ 480065 h 885884"/>
+              <a:gd name="connsiteX17" fmla="*/ 0 w 2304320"/>
+              <a:gd name="connsiteY17" fmla="*/ 480067 h 885884"/>
+              <a:gd name="connsiteX18" fmla="*/ 0 w 2304320"/>
+              <a:gd name="connsiteY18" fmla="*/ 336047 h 885884"/>
+              <a:gd name="connsiteX19" fmla="*/ 0 w 2304320"/>
+              <a:gd name="connsiteY19" fmla="*/ 336047 h 885884"/>
+              <a:gd name="connsiteX20" fmla="*/ 0 w 2304320"/>
+              <a:gd name="connsiteY20" fmla="*/ 96015 h 885884"/>
+            </a:gdLst>
+            <a:ahLst/>
+            <a:cxnLst>
+              <a:cxn ang="0">
+                <a:pos x="connsiteX0" y="connsiteY0"/>
+              </a:cxn>
+              <a:cxn ang="0">
+                <a:pos x="connsiteX1" y="connsiteY1"/>
+              </a:cxn>
+              <a:cxn ang="0">
+                <a:pos x="connsiteX2" y="connsiteY2"/>
+              </a:cxn>
+              <a:cxn ang="0">
+                <a:pos x="connsiteX3" y="connsiteY3"/>
+              </a:cxn>
+              <a:cxn ang="0">
+                <a:pos x="connsiteX4" y="connsiteY4"/>
+              </a:cxn>
+              <a:cxn ang="0">
+                <a:pos x="connsiteX5" y="connsiteY5"/>
+              </a:cxn>
+              <a:cxn ang="0">
+                <a:pos x="connsiteX6" y="connsiteY6"/>
+              </a:cxn>
+              <a:cxn ang="0">
+                <a:pos x="connsiteX7" y="connsiteY7"/>
+              </a:cxn>
+              <a:cxn ang="0">
+                <a:pos x="connsiteX8" y="connsiteY8"/>
+              </a:cxn>
+              <a:cxn ang="0">
+                <a:pos x="connsiteX9" y="connsiteY9"/>
+              </a:cxn>
+              <a:cxn ang="0">
+                <a:pos x="connsiteX10" y="connsiteY10"/>
+              </a:cxn>
+              <a:cxn ang="0">
+                <a:pos x="connsiteX11" y="connsiteY11"/>
+              </a:cxn>
+              <a:cxn ang="0">
+                <a:pos x="connsiteX12" y="connsiteY12"/>
+              </a:cxn>
+              <a:cxn ang="0">
+                <a:pos x="connsiteX13" y="connsiteY13"/>
+              </a:cxn>
+              <a:cxn ang="0">
+                <a:pos x="connsiteX14" y="connsiteY14"/>
+              </a:cxn>
+              <a:cxn ang="0">
+                <a:pos x="connsiteX15" y="connsiteY15"/>
+              </a:cxn>
+              <a:cxn ang="0">
+                <a:pos x="connsiteX16" y="connsiteY16"/>
+              </a:cxn>
+              <a:cxn ang="0">
+                <a:pos x="connsiteX17" y="connsiteY17"/>
+              </a:cxn>
+              <a:cxn ang="0">
+                <a:pos x="connsiteX18" y="connsiteY18"/>
+              </a:cxn>
+              <a:cxn ang="0">
+                <a:pos x="connsiteX19" y="connsiteY19"/>
+              </a:cxn>
+              <a:cxn ang="0">
+                <a:pos x="connsiteX20" y="connsiteY20"/>
+              </a:cxn>
+            </a:cxnLst>
+            <a:rect l="l" t="t" r="r" b="b"/>
+            <a:pathLst>
+              <a:path w="2304320" h="885884">
+                <a:moveTo>
+                  <a:pt x="0" y="96015"/>
+                </a:moveTo>
+                <a:cubicBezTo>
+                  <a:pt x="0" y="42987"/>
+                  <a:pt x="42987" y="0"/>
+                  <a:pt x="96015" y="0"/>
+                </a:cubicBezTo>
+                <a:lnTo>
+                  <a:pt x="384053" y="0"/>
+                </a:lnTo>
+                <a:lnTo>
+                  <a:pt x="384053" y="0"/>
+                </a:lnTo>
+                <a:lnTo>
+                  <a:pt x="960133" y="0"/>
+                </a:lnTo>
+                <a:lnTo>
+                  <a:pt x="2208305" y="0"/>
+                </a:lnTo>
+                <a:cubicBezTo>
+                  <a:pt x="2261333" y="0"/>
+                  <a:pt x="2304320" y="42987"/>
+                  <a:pt x="2304320" y="96015"/>
+                </a:cubicBezTo>
+                <a:lnTo>
+                  <a:pt x="2304320" y="336047"/>
+                </a:lnTo>
+                <a:lnTo>
+                  <a:pt x="2304320" y="336047"/>
+                </a:lnTo>
+                <a:lnTo>
+                  <a:pt x="2304320" y="480067"/>
+                </a:lnTo>
+                <a:lnTo>
+                  <a:pt x="2304320" y="480065"/>
+                </a:lnTo>
+                <a:cubicBezTo>
+                  <a:pt x="2304320" y="533093"/>
+                  <a:pt x="2261333" y="576080"/>
+                  <a:pt x="2208305" y="576080"/>
+                </a:cubicBezTo>
+                <a:lnTo>
+                  <a:pt x="702958" y="576080"/>
+                </a:lnTo>
+                <a:lnTo>
+                  <a:pt x="713947" y="885884"/>
+                </a:lnTo>
+                <a:lnTo>
+                  <a:pt x="384053" y="576080"/>
+                </a:lnTo>
+                <a:lnTo>
+                  <a:pt x="96015" y="576080"/>
+                </a:lnTo>
+                <a:cubicBezTo>
+                  <a:pt x="42987" y="576080"/>
+                  <a:pt x="0" y="533093"/>
+                  <a:pt x="0" y="480065"/>
+                </a:cubicBezTo>
+                <a:lnTo>
+                  <a:pt x="0" y="480067"/>
+                </a:lnTo>
+                <a:lnTo>
+                  <a:pt x="0" y="336047"/>
+                </a:lnTo>
+                <a:lnTo>
+                  <a:pt x="0" y="336047"/>
+                </a:lnTo>
+                <a:lnTo>
+                  <a:pt x="0" y="96015"/>
+                </a:lnTo>
+                <a:close/>
+              </a:path>
+            </a:pathLst>
+          </a:custGeom>
+          <a:noFill/>
           <a:ln w="12700">
             <a:solidFill>
               <a:srgbClr val="002060"/>
@@ -16944,19 +12620,284 @@
         </p:nvSpPr>
         <p:spPr bwMode="auto">
           <a:xfrm>
-            <a:off x="3131800" y="1763794"/>
-            <a:ext cx="5435859" cy="885623"/>
+            <a:off x="3131800" y="1844780"/>
+            <a:ext cx="5435859" cy="1251724"/>
           </a:xfrm>
-          <a:prstGeom prst="wedgeRoundRectCallout">
-            <a:avLst>
-              <a:gd name="adj1" fmla="val -34766"/>
-              <a:gd name="adj2" fmla="val 93788"/>
-              <a:gd name="adj3" fmla="val 16667"/>
-            </a:avLst>
-          </a:prstGeom>
-          <a:solidFill>
-            <a:schemeClr val="bg1"/>
-          </a:solidFill>
+          <a:custGeom>
+            <a:avLst/>
+            <a:gdLst>
+              <a:gd name="connsiteX0" fmla="*/ 0 w 4896802"/>
+              <a:gd name="connsiteY0" fmla="*/ 136820 h 820902"/>
+              <a:gd name="connsiteX1" fmla="*/ 136820 w 4896802"/>
+              <a:gd name="connsiteY1" fmla="*/ 0 h 820902"/>
+              <a:gd name="connsiteX2" fmla="*/ 816134 w 4896802"/>
+              <a:gd name="connsiteY2" fmla="*/ 0 h 820902"/>
+              <a:gd name="connsiteX3" fmla="*/ 816134 w 4896802"/>
+              <a:gd name="connsiteY3" fmla="*/ 0 h 820902"/>
+              <a:gd name="connsiteX4" fmla="*/ 2040334 w 4896802"/>
+              <a:gd name="connsiteY4" fmla="*/ 0 h 820902"/>
+              <a:gd name="connsiteX5" fmla="*/ 4759982 w 4896802"/>
+              <a:gd name="connsiteY5" fmla="*/ 0 h 820902"/>
+              <a:gd name="connsiteX6" fmla="*/ 4896802 w 4896802"/>
+              <a:gd name="connsiteY6" fmla="*/ 136820 h 820902"/>
+              <a:gd name="connsiteX7" fmla="*/ 4896802 w 4896802"/>
+              <a:gd name="connsiteY7" fmla="*/ 478860 h 820902"/>
+              <a:gd name="connsiteX8" fmla="*/ 4896802 w 4896802"/>
+              <a:gd name="connsiteY8" fmla="*/ 478860 h 820902"/>
+              <a:gd name="connsiteX9" fmla="*/ 4896802 w 4896802"/>
+              <a:gd name="connsiteY9" fmla="*/ 684085 h 820902"/>
+              <a:gd name="connsiteX10" fmla="*/ 4896802 w 4896802"/>
+              <a:gd name="connsiteY10" fmla="*/ 684082 h 820902"/>
+              <a:gd name="connsiteX11" fmla="*/ 4759982 w 4896802"/>
+              <a:gd name="connsiteY11" fmla="*/ 820902 h 820902"/>
+              <a:gd name="connsiteX12" fmla="*/ 2040334 w 4896802"/>
+              <a:gd name="connsiteY12" fmla="*/ 820902 h 820902"/>
+              <a:gd name="connsiteX13" fmla="*/ 1030777 w 4896802"/>
+              <a:gd name="connsiteY13" fmla="*/ 1148081 h 820902"/>
+              <a:gd name="connsiteX14" fmla="*/ 816134 w 4896802"/>
+              <a:gd name="connsiteY14" fmla="*/ 820902 h 820902"/>
+              <a:gd name="connsiteX15" fmla="*/ 136820 w 4896802"/>
+              <a:gd name="connsiteY15" fmla="*/ 820902 h 820902"/>
+              <a:gd name="connsiteX16" fmla="*/ 0 w 4896802"/>
+              <a:gd name="connsiteY16" fmla="*/ 684082 h 820902"/>
+              <a:gd name="connsiteX17" fmla="*/ 0 w 4896802"/>
+              <a:gd name="connsiteY17" fmla="*/ 684085 h 820902"/>
+              <a:gd name="connsiteX18" fmla="*/ 0 w 4896802"/>
+              <a:gd name="connsiteY18" fmla="*/ 478860 h 820902"/>
+              <a:gd name="connsiteX19" fmla="*/ 0 w 4896802"/>
+              <a:gd name="connsiteY19" fmla="*/ 478860 h 820902"/>
+              <a:gd name="connsiteX20" fmla="*/ 0 w 4896802"/>
+              <a:gd name="connsiteY20" fmla="*/ 136820 h 820902"/>
+              <a:gd name="connsiteX0" fmla="*/ 0 w 4896802"/>
+              <a:gd name="connsiteY0" fmla="*/ 136820 h 1148081"/>
+              <a:gd name="connsiteX1" fmla="*/ 136820 w 4896802"/>
+              <a:gd name="connsiteY1" fmla="*/ 0 h 1148081"/>
+              <a:gd name="connsiteX2" fmla="*/ 816134 w 4896802"/>
+              <a:gd name="connsiteY2" fmla="*/ 0 h 1148081"/>
+              <a:gd name="connsiteX3" fmla="*/ 816134 w 4896802"/>
+              <a:gd name="connsiteY3" fmla="*/ 0 h 1148081"/>
+              <a:gd name="connsiteX4" fmla="*/ 2040334 w 4896802"/>
+              <a:gd name="connsiteY4" fmla="*/ 0 h 1148081"/>
+              <a:gd name="connsiteX5" fmla="*/ 4759982 w 4896802"/>
+              <a:gd name="connsiteY5" fmla="*/ 0 h 1148081"/>
+              <a:gd name="connsiteX6" fmla="*/ 4896802 w 4896802"/>
+              <a:gd name="connsiteY6" fmla="*/ 136820 h 1148081"/>
+              <a:gd name="connsiteX7" fmla="*/ 4896802 w 4896802"/>
+              <a:gd name="connsiteY7" fmla="*/ 478860 h 1148081"/>
+              <a:gd name="connsiteX8" fmla="*/ 4896802 w 4896802"/>
+              <a:gd name="connsiteY8" fmla="*/ 478860 h 1148081"/>
+              <a:gd name="connsiteX9" fmla="*/ 4896802 w 4896802"/>
+              <a:gd name="connsiteY9" fmla="*/ 684085 h 1148081"/>
+              <a:gd name="connsiteX10" fmla="*/ 4896802 w 4896802"/>
+              <a:gd name="connsiteY10" fmla="*/ 684082 h 1148081"/>
+              <a:gd name="connsiteX11" fmla="*/ 4759982 w 4896802"/>
+              <a:gd name="connsiteY11" fmla="*/ 820902 h 1148081"/>
+              <a:gd name="connsiteX12" fmla="*/ 1183084 w 4896802"/>
+              <a:gd name="connsiteY12" fmla="*/ 820902 h 1148081"/>
+              <a:gd name="connsiteX13" fmla="*/ 1030777 w 4896802"/>
+              <a:gd name="connsiteY13" fmla="*/ 1148081 h 1148081"/>
+              <a:gd name="connsiteX14" fmla="*/ 816134 w 4896802"/>
+              <a:gd name="connsiteY14" fmla="*/ 820902 h 1148081"/>
+              <a:gd name="connsiteX15" fmla="*/ 136820 w 4896802"/>
+              <a:gd name="connsiteY15" fmla="*/ 820902 h 1148081"/>
+              <a:gd name="connsiteX16" fmla="*/ 0 w 4896802"/>
+              <a:gd name="connsiteY16" fmla="*/ 684082 h 1148081"/>
+              <a:gd name="connsiteX17" fmla="*/ 0 w 4896802"/>
+              <a:gd name="connsiteY17" fmla="*/ 684085 h 1148081"/>
+              <a:gd name="connsiteX18" fmla="*/ 0 w 4896802"/>
+              <a:gd name="connsiteY18" fmla="*/ 478860 h 1148081"/>
+              <a:gd name="connsiteX19" fmla="*/ 0 w 4896802"/>
+              <a:gd name="connsiteY19" fmla="*/ 478860 h 1148081"/>
+              <a:gd name="connsiteX20" fmla="*/ 0 w 4896802"/>
+              <a:gd name="connsiteY20" fmla="*/ 136820 h 1148081"/>
+              <a:gd name="connsiteX0" fmla="*/ 0 w 4896802"/>
+              <a:gd name="connsiteY0" fmla="*/ 136820 h 1148081"/>
+              <a:gd name="connsiteX1" fmla="*/ 136820 w 4896802"/>
+              <a:gd name="connsiteY1" fmla="*/ 0 h 1148081"/>
+              <a:gd name="connsiteX2" fmla="*/ 816134 w 4896802"/>
+              <a:gd name="connsiteY2" fmla="*/ 0 h 1148081"/>
+              <a:gd name="connsiteX3" fmla="*/ 816134 w 4896802"/>
+              <a:gd name="connsiteY3" fmla="*/ 0 h 1148081"/>
+              <a:gd name="connsiteX4" fmla="*/ 2040334 w 4896802"/>
+              <a:gd name="connsiteY4" fmla="*/ 0 h 1148081"/>
+              <a:gd name="connsiteX5" fmla="*/ 4759982 w 4896802"/>
+              <a:gd name="connsiteY5" fmla="*/ 0 h 1148081"/>
+              <a:gd name="connsiteX6" fmla="*/ 4896802 w 4896802"/>
+              <a:gd name="connsiteY6" fmla="*/ 136820 h 1148081"/>
+              <a:gd name="connsiteX7" fmla="*/ 4896802 w 4896802"/>
+              <a:gd name="connsiteY7" fmla="*/ 478860 h 1148081"/>
+              <a:gd name="connsiteX8" fmla="*/ 4896802 w 4896802"/>
+              <a:gd name="connsiteY8" fmla="*/ 478860 h 1148081"/>
+              <a:gd name="connsiteX9" fmla="*/ 4896802 w 4896802"/>
+              <a:gd name="connsiteY9" fmla="*/ 684085 h 1148081"/>
+              <a:gd name="connsiteX10" fmla="*/ 4896802 w 4896802"/>
+              <a:gd name="connsiteY10" fmla="*/ 684082 h 1148081"/>
+              <a:gd name="connsiteX11" fmla="*/ 4759982 w 4896802"/>
+              <a:gd name="connsiteY11" fmla="*/ 820902 h 1148081"/>
+              <a:gd name="connsiteX12" fmla="*/ 1076477 w 4896802"/>
+              <a:gd name="connsiteY12" fmla="*/ 820902 h 1148081"/>
+              <a:gd name="connsiteX13" fmla="*/ 1030777 w 4896802"/>
+              <a:gd name="connsiteY13" fmla="*/ 1148081 h 1148081"/>
+              <a:gd name="connsiteX14" fmla="*/ 816134 w 4896802"/>
+              <a:gd name="connsiteY14" fmla="*/ 820902 h 1148081"/>
+              <a:gd name="connsiteX15" fmla="*/ 136820 w 4896802"/>
+              <a:gd name="connsiteY15" fmla="*/ 820902 h 1148081"/>
+              <a:gd name="connsiteX16" fmla="*/ 0 w 4896802"/>
+              <a:gd name="connsiteY16" fmla="*/ 684082 h 1148081"/>
+              <a:gd name="connsiteX17" fmla="*/ 0 w 4896802"/>
+              <a:gd name="connsiteY17" fmla="*/ 684085 h 1148081"/>
+              <a:gd name="connsiteX18" fmla="*/ 0 w 4896802"/>
+              <a:gd name="connsiteY18" fmla="*/ 478860 h 1148081"/>
+              <a:gd name="connsiteX19" fmla="*/ 0 w 4896802"/>
+              <a:gd name="connsiteY19" fmla="*/ 478860 h 1148081"/>
+              <a:gd name="connsiteX20" fmla="*/ 0 w 4896802"/>
+              <a:gd name="connsiteY20" fmla="*/ 136820 h 1148081"/>
+            </a:gdLst>
+            <a:ahLst/>
+            <a:cxnLst>
+              <a:cxn ang="0">
+                <a:pos x="connsiteX0" y="connsiteY0"/>
+              </a:cxn>
+              <a:cxn ang="0">
+                <a:pos x="connsiteX1" y="connsiteY1"/>
+              </a:cxn>
+              <a:cxn ang="0">
+                <a:pos x="connsiteX2" y="connsiteY2"/>
+              </a:cxn>
+              <a:cxn ang="0">
+                <a:pos x="connsiteX3" y="connsiteY3"/>
+              </a:cxn>
+              <a:cxn ang="0">
+                <a:pos x="connsiteX4" y="connsiteY4"/>
+              </a:cxn>
+              <a:cxn ang="0">
+                <a:pos x="connsiteX5" y="connsiteY5"/>
+              </a:cxn>
+              <a:cxn ang="0">
+                <a:pos x="connsiteX6" y="connsiteY6"/>
+              </a:cxn>
+              <a:cxn ang="0">
+                <a:pos x="connsiteX7" y="connsiteY7"/>
+              </a:cxn>
+              <a:cxn ang="0">
+                <a:pos x="connsiteX8" y="connsiteY8"/>
+              </a:cxn>
+              <a:cxn ang="0">
+                <a:pos x="connsiteX9" y="connsiteY9"/>
+              </a:cxn>
+              <a:cxn ang="0">
+                <a:pos x="connsiteX10" y="connsiteY10"/>
+              </a:cxn>
+              <a:cxn ang="0">
+                <a:pos x="connsiteX11" y="connsiteY11"/>
+              </a:cxn>
+              <a:cxn ang="0">
+                <a:pos x="connsiteX12" y="connsiteY12"/>
+              </a:cxn>
+              <a:cxn ang="0">
+                <a:pos x="connsiteX13" y="connsiteY13"/>
+              </a:cxn>
+              <a:cxn ang="0">
+                <a:pos x="connsiteX14" y="connsiteY14"/>
+              </a:cxn>
+              <a:cxn ang="0">
+                <a:pos x="connsiteX15" y="connsiteY15"/>
+              </a:cxn>
+              <a:cxn ang="0">
+                <a:pos x="connsiteX16" y="connsiteY16"/>
+              </a:cxn>
+              <a:cxn ang="0">
+                <a:pos x="connsiteX17" y="connsiteY17"/>
+              </a:cxn>
+              <a:cxn ang="0">
+                <a:pos x="connsiteX18" y="connsiteY18"/>
+              </a:cxn>
+              <a:cxn ang="0">
+                <a:pos x="connsiteX19" y="connsiteY19"/>
+              </a:cxn>
+              <a:cxn ang="0">
+                <a:pos x="connsiteX20" y="connsiteY20"/>
+              </a:cxn>
+            </a:cxnLst>
+            <a:rect l="l" t="t" r="r" b="b"/>
+            <a:pathLst>
+              <a:path w="4896802" h="1148081">
+                <a:moveTo>
+                  <a:pt x="0" y="136820"/>
+                </a:moveTo>
+                <a:cubicBezTo>
+                  <a:pt x="0" y="61256"/>
+                  <a:pt x="61256" y="0"/>
+                  <a:pt x="136820" y="0"/>
+                </a:cubicBezTo>
+                <a:lnTo>
+                  <a:pt x="816134" y="0"/>
+                </a:lnTo>
+                <a:lnTo>
+                  <a:pt x="816134" y="0"/>
+                </a:lnTo>
+                <a:lnTo>
+                  <a:pt x="2040334" y="0"/>
+                </a:lnTo>
+                <a:lnTo>
+                  <a:pt x="4759982" y="0"/>
+                </a:lnTo>
+                <a:cubicBezTo>
+                  <a:pt x="4835546" y="0"/>
+                  <a:pt x="4896802" y="61256"/>
+                  <a:pt x="4896802" y="136820"/>
+                </a:cubicBezTo>
+                <a:lnTo>
+                  <a:pt x="4896802" y="478860"/>
+                </a:lnTo>
+                <a:lnTo>
+                  <a:pt x="4896802" y="478860"/>
+                </a:lnTo>
+                <a:lnTo>
+                  <a:pt x="4896802" y="684085"/>
+                </a:lnTo>
+                <a:lnTo>
+                  <a:pt x="4896802" y="684082"/>
+                </a:lnTo>
+                <a:cubicBezTo>
+                  <a:pt x="4896802" y="759646"/>
+                  <a:pt x="4835546" y="820902"/>
+                  <a:pt x="4759982" y="820902"/>
+                </a:cubicBezTo>
+                <a:lnTo>
+                  <a:pt x="1076477" y="820902"/>
+                </a:lnTo>
+                <a:lnTo>
+                  <a:pt x="1030777" y="1148081"/>
+                </a:lnTo>
+                <a:lnTo>
+                  <a:pt x="816134" y="820902"/>
+                </a:lnTo>
+                <a:lnTo>
+                  <a:pt x="136820" y="820902"/>
+                </a:lnTo>
+                <a:cubicBezTo>
+                  <a:pt x="61256" y="820902"/>
+                  <a:pt x="0" y="759646"/>
+                  <a:pt x="0" y="684082"/>
+                </a:cubicBezTo>
+                <a:lnTo>
+                  <a:pt x="0" y="684085"/>
+                </a:lnTo>
+                <a:lnTo>
+                  <a:pt x="0" y="478860"/>
+                </a:lnTo>
+                <a:lnTo>
+                  <a:pt x="0" y="478860"/>
+                </a:lnTo>
+                <a:lnTo>
+                  <a:pt x="0" y="136820"/>
+                </a:lnTo>
+                <a:close/>
+              </a:path>
+            </a:pathLst>
+          </a:custGeom>
+          <a:noFill/>
           <a:ln w="12700">
             <a:solidFill>
               <a:srgbClr val="002060"/>
@@ -17112,19 +13053,242 @@
         </p:nvSpPr>
         <p:spPr bwMode="auto">
           <a:xfrm>
-            <a:off x="1331672" y="5604708"/>
-            <a:ext cx="3584715" cy="648090"/>
+            <a:off x="2877658" y="4699989"/>
+            <a:ext cx="3584715" cy="1460161"/>
           </a:xfrm>
-          <a:prstGeom prst="wedgeRoundRectCallout">
-            <a:avLst>
-              <a:gd name="adj1" fmla="val -16453"/>
-              <a:gd name="adj2" fmla="val -129897"/>
-              <a:gd name="adj3" fmla="val 16667"/>
-            </a:avLst>
-          </a:prstGeom>
-          <a:solidFill>
-            <a:schemeClr val="bg1"/>
-          </a:solidFill>
+          <a:custGeom>
+            <a:avLst/>
+            <a:gdLst>
+              <a:gd name="connsiteX0" fmla="*/ 0 w 3584715"/>
+              <a:gd name="connsiteY0" fmla="*/ 96015 h 576080"/>
+              <a:gd name="connsiteX1" fmla="*/ 96015 w 3584715"/>
+              <a:gd name="connsiteY1" fmla="*/ 0 h 576080"/>
+              <a:gd name="connsiteX2" fmla="*/ 597453 w 3584715"/>
+              <a:gd name="connsiteY2" fmla="*/ 0 h 576080"/>
+              <a:gd name="connsiteX3" fmla="*/ 30183 w 3584715"/>
+              <a:gd name="connsiteY3" fmla="*/ -884081 h 576080"/>
+              <a:gd name="connsiteX4" fmla="*/ 1493631 w 3584715"/>
+              <a:gd name="connsiteY4" fmla="*/ 0 h 576080"/>
+              <a:gd name="connsiteX5" fmla="*/ 3488700 w 3584715"/>
+              <a:gd name="connsiteY5" fmla="*/ 0 h 576080"/>
+              <a:gd name="connsiteX6" fmla="*/ 3584715 w 3584715"/>
+              <a:gd name="connsiteY6" fmla="*/ 96015 h 576080"/>
+              <a:gd name="connsiteX7" fmla="*/ 3584715 w 3584715"/>
+              <a:gd name="connsiteY7" fmla="*/ 96013 h 576080"/>
+              <a:gd name="connsiteX8" fmla="*/ 3584715 w 3584715"/>
+              <a:gd name="connsiteY8" fmla="*/ 96013 h 576080"/>
+              <a:gd name="connsiteX9" fmla="*/ 3584715 w 3584715"/>
+              <a:gd name="connsiteY9" fmla="*/ 240033 h 576080"/>
+              <a:gd name="connsiteX10" fmla="*/ 3584715 w 3584715"/>
+              <a:gd name="connsiteY10" fmla="*/ 480065 h 576080"/>
+              <a:gd name="connsiteX11" fmla="*/ 3488700 w 3584715"/>
+              <a:gd name="connsiteY11" fmla="*/ 576080 h 576080"/>
+              <a:gd name="connsiteX12" fmla="*/ 1493631 w 3584715"/>
+              <a:gd name="connsiteY12" fmla="*/ 576080 h 576080"/>
+              <a:gd name="connsiteX13" fmla="*/ 597453 w 3584715"/>
+              <a:gd name="connsiteY13" fmla="*/ 576080 h 576080"/>
+              <a:gd name="connsiteX14" fmla="*/ 597453 w 3584715"/>
+              <a:gd name="connsiteY14" fmla="*/ 576080 h 576080"/>
+              <a:gd name="connsiteX15" fmla="*/ 96015 w 3584715"/>
+              <a:gd name="connsiteY15" fmla="*/ 576080 h 576080"/>
+              <a:gd name="connsiteX16" fmla="*/ 0 w 3584715"/>
+              <a:gd name="connsiteY16" fmla="*/ 480065 h 576080"/>
+              <a:gd name="connsiteX17" fmla="*/ 0 w 3584715"/>
+              <a:gd name="connsiteY17" fmla="*/ 240033 h 576080"/>
+              <a:gd name="connsiteX18" fmla="*/ 0 w 3584715"/>
+              <a:gd name="connsiteY18" fmla="*/ 96013 h 576080"/>
+              <a:gd name="connsiteX19" fmla="*/ 0 w 3584715"/>
+              <a:gd name="connsiteY19" fmla="*/ 96013 h 576080"/>
+              <a:gd name="connsiteX20" fmla="*/ 0 w 3584715"/>
+              <a:gd name="connsiteY20" fmla="*/ 96015 h 576080"/>
+              <a:gd name="connsiteX0" fmla="*/ 0 w 3584715"/>
+              <a:gd name="connsiteY0" fmla="*/ 980096 h 1460161"/>
+              <a:gd name="connsiteX1" fmla="*/ 96015 w 3584715"/>
+              <a:gd name="connsiteY1" fmla="*/ 884081 h 1460161"/>
+              <a:gd name="connsiteX2" fmla="*/ 597453 w 3584715"/>
+              <a:gd name="connsiteY2" fmla="*/ 884081 h 1460161"/>
+              <a:gd name="connsiteX3" fmla="*/ 30183 w 3584715"/>
+              <a:gd name="connsiteY3" fmla="*/ 0 h 1460161"/>
+              <a:gd name="connsiteX4" fmla="*/ 1055481 w 3584715"/>
+              <a:gd name="connsiteY4" fmla="*/ 884081 h 1460161"/>
+              <a:gd name="connsiteX5" fmla="*/ 3488700 w 3584715"/>
+              <a:gd name="connsiteY5" fmla="*/ 884081 h 1460161"/>
+              <a:gd name="connsiteX6" fmla="*/ 3584715 w 3584715"/>
+              <a:gd name="connsiteY6" fmla="*/ 980096 h 1460161"/>
+              <a:gd name="connsiteX7" fmla="*/ 3584715 w 3584715"/>
+              <a:gd name="connsiteY7" fmla="*/ 980094 h 1460161"/>
+              <a:gd name="connsiteX8" fmla="*/ 3584715 w 3584715"/>
+              <a:gd name="connsiteY8" fmla="*/ 980094 h 1460161"/>
+              <a:gd name="connsiteX9" fmla="*/ 3584715 w 3584715"/>
+              <a:gd name="connsiteY9" fmla="*/ 1124114 h 1460161"/>
+              <a:gd name="connsiteX10" fmla="*/ 3584715 w 3584715"/>
+              <a:gd name="connsiteY10" fmla="*/ 1364146 h 1460161"/>
+              <a:gd name="connsiteX11" fmla="*/ 3488700 w 3584715"/>
+              <a:gd name="connsiteY11" fmla="*/ 1460161 h 1460161"/>
+              <a:gd name="connsiteX12" fmla="*/ 1493631 w 3584715"/>
+              <a:gd name="connsiteY12" fmla="*/ 1460161 h 1460161"/>
+              <a:gd name="connsiteX13" fmla="*/ 597453 w 3584715"/>
+              <a:gd name="connsiteY13" fmla="*/ 1460161 h 1460161"/>
+              <a:gd name="connsiteX14" fmla="*/ 597453 w 3584715"/>
+              <a:gd name="connsiteY14" fmla="*/ 1460161 h 1460161"/>
+              <a:gd name="connsiteX15" fmla="*/ 96015 w 3584715"/>
+              <a:gd name="connsiteY15" fmla="*/ 1460161 h 1460161"/>
+              <a:gd name="connsiteX16" fmla="*/ 0 w 3584715"/>
+              <a:gd name="connsiteY16" fmla="*/ 1364146 h 1460161"/>
+              <a:gd name="connsiteX17" fmla="*/ 0 w 3584715"/>
+              <a:gd name="connsiteY17" fmla="*/ 1124114 h 1460161"/>
+              <a:gd name="connsiteX18" fmla="*/ 0 w 3584715"/>
+              <a:gd name="connsiteY18" fmla="*/ 980094 h 1460161"/>
+              <a:gd name="connsiteX19" fmla="*/ 0 w 3584715"/>
+              <a:gd name="connsiteY19" fmla="*/ 980094 h 1460161"/>
+              <a:gd name="connsiteX20" fmla="*/ 0 w 3584715"/>
+              <a:gd name="connsiteY20" fmla="*/ 980096 h 1460161"/>
+            </a:gdLst>
+            <a:ahLst/>
+            <a:cxnLst>
+              <a:cxn ang="0">
+                <a:pos x="connsiteX0" y="connsiteY0"/>
+              </a:cxn>
+              <a:cxn ang="0">
+                <a:pos x="connsiteX1" y="connsiteY1"/>
+              </a:cxn>
+              <a:cxn ang="0">
+                <a:pos x="connsiteX2" y="connsiteY2"/>
+              </a:cxn>
+              <a:cxn ang="0">
+                <a:pos x="connsiteX3" y="connsiteY3"/>
+              </a:cxn>
+              <a:cxn ang="0">
+                <a:pos x="connsiteX4" y="connsiteY4"/>
+              </a:cxn>
+              <a:cxn ang="0">
+                <a:pos x="connsiteX5" y="connsiteY5"/>
+              </a:cxn>
+              <a:cxn ang="0">
+                <a:pos x="connsiteX6" y="connsiteY6"/>
+              </a:cxn>
+              <a:cxn ang="0">
+                <a:pos x="connsiteX7" y="connsiteY7"/>
+              </a:cxn>
+              <a:cxn ang="0">
+                <a:pos x="connsiteX8" y="connsiteY8"/>
+              </a:cxn>
+              <a:cxn ang="0">
+                <a:pos x="connsiteX9" y="connsiteY9"/>
+              </a:cxn>
+              <a:cxn ang="0">
+                <a:pos x="connsiteX10" y="connsiteY10"/>
+              </a:cxn>
+              <a:cxn ang="0">
+                <a:pos x="connsiteX11" y="connsiteY11"/>
+              </a:cxn>
+              <a:cxn ang="0">
+                <a:pos x="connsiteX12" y="connsiteY12"/>
+              </a:cxn>
+              <a:cxn ang="0">
+                <a:pos x="connsiteX13" y="connsiteY13"/>
+              </a:cxn>
+              <a:cxn ang="0">
+                <a:pos x="connsiteX14" y="connsiteY14"/>
+              </a:cxn>
+              <a:cxn ang="0">
+                <a:pos x="connsiteX15" y="connsiteY15"/>
+              </a:cxn>
+              <a:cxn ang="0">
+                <a:pos x="connsiteX16" y="connsiteY16"/>
+              </a:cxn>
+              <a:cxn ang="0">
+                <a:pos x="connsiteX17" y="connsiteY17"/>
+              </a:cxn>
+              <a:cxn ang="0">
+                <a:pos x="connsiteX18" y="connsiteY18"/>
+              </a:cxn>
+              <a:cxn ang="0">
+                <a:pos x="connsiteX19" y="connsiteY19"/>
+              </a:cxn>
+              <a:cxn ang="0">
+                <a:pos x="connsiteX20" y="connsiteY20"/>
+              </a:cxn>
+            </a:cxnLst>
+            <a:rect l="l" t="t" r="r" b="b"/>
+            <a:pathLst>
+              <a:path w="3584715" h="1460161">
+                <a:moveTo>
+                  <a:pt x="0" y="980096"/>
+                </a:moveTo>
+                <a:cubicBezTo>
+                  <a:pt x="0" y="927068"/>
+                  <a:pt x="42987" y="884081"/>
+                  <a:pt x="96015" y="884081"/>
+                </a:cubicBezTo>
+                <a:lnTo>
+                  <a:pt x="597453" y="884081"/>
+                </a:lnTo>
+                <a:lnTo>
+                  <a:pt x="30183" y="0"/>
+                </a:lnTo>
+                <a:lnTo>
+                  <a:pt x="1055481" y="884081"/>
+                </a:lnTo>
+                <a:lnTo>
+                  <a:pt x="3488700" y="884081"/>
+                </a:lnTo>
+                <a:cubicBezTo>
+                  <a:pt x="3541728" y="884081"/>
+                  <a:pt x="3584715" y="927068"/>
+                  <a:pt x="3584715" y="980096"/>
+                </a:cubicBezTo>
+                <a:lnTo>
+                  <a:pt x="3584715" y="980094"/>
+                </a:lnTo>
+                <a:lnTo>
+                  <a:pt x="3584715" y="980094"/>
+                </a:lnTo>
+                <a:lnTo>
+                  <a:pt x="3584715" y="1124114"/>
+                </a:lnTo>
+                <a:lnTo>
+                  <a:pt x="3584715" y="1364146"/>
+                </a:lnTo>
+                <a:cubicBezTo>
+                  <a:pt x="3584715" y="1417174"/>
+                  <a:pt x="3541728" y="1460161"/>
+                  <a:pt x="3488700" y="1460161"/>
+                </a:cubicBezTo>
+                <a:lnTo>
+                  <a:pt x="1493631" y="1460161"/>
+                </a:lnTo>
+                <a:lnTo>
+                  <a:pt x="597453" y="1460161"/>
+                </a:lnTo>
+                <a:lnTo>
+                  <a:pt x="597453" y="1460161"/>
+                </a:lnTo>
+                <a:lnTo>
+                  <a:pt x="96015" y="1460161"/>
+                </a:lnTo>
+                <a:cubicBezTo>
+                  <a:pt x="42987" y="1460161"/>
+                  <a:pt x="0" y="1417174"/>
+                  <a:pt x="0" y="1364146"/>
+                </a:cubicBezTo>
+                <a:lnTo>
+                  <a:pt x="0" y="1124114"/>
+                </a:lnTo>
+                <a:lnTo>
+                  <a:pt x="0" y="980094"/>
+                </a:lnTo>
+                <a:lnTo>
+                  <a:pt x="0" y="980094"/>
+                </a:lnTo>
+                <a:lnTo>
+                  <a:pt x="0" y="980096"/>
+                </a:lnTo>
+                <a:close/>
+              </a:path>
+            </a:pathLst>
+          </a:custGeom>
+          <a:noFill/>
           <a:ln w="12700">
             <a:solidFill>
               <a:srgbClr val="002060"/>
@@ -17143,7 +13307,42 @@
           <a:lstStyle/>
           <a:p>
             <a:r>
-              <a:rPr lang="en-US" altLang="ja-JP" sz="1200" smtClean="0"/>
+              <a:rPr lang="en-US" altLang="ja-JP" sz="1200" dirty="0" smtClean="0"/>
+              <a:t/>
+            </a:r>
+            <a:br>
+              <a:rPr lang="en-US" altLang="ja-JP" sz="1200" dirty="0" smtClean="0"/>
+            </a:br>
+            <a:r>
+              <a:rPr lang="en-US" altLang="ja-JP" sz="1200" dirty="0" smtClean="0"/>
+              <a:t/>
+            </a:r>
+            <a:br>
+              <a:rPr lang="en-US" altLang="ja-JP" sz="1200" dirty="0" smtClean="0"/>
+            </a:br>
+            <a:r>
+              <a:rPr lang="en-US" altLang="ja-JP" sz="1200" dirty="0" smtClean="0"/>
+              <a:t/>
+            </a:r>
+            <a:br>
+              <a:rPr lang="en-US" altLang="ja-JP" sz="1200" dirty="0" smtClean="0"/>
+            </a:br>
+            <a:r>
+              <a:rPr lang="en-US" altLang="ja-JP" sz="1200" dirty="0" smtClean="0"/>
+              <a:t/>
+            </a:r>
+            <a:br>
+              <a:rPr lang="en-US" altLang="ja-JP" sz="1200" dirty="0" smtClean="0"/>
+            </a:br>
+            <a:r>
+              <a:rPr lang="en-US" altLang="ja-JP" sz="1200" dirty="0" smtClean="0"/>
+              <a:t/>
+            </a:r>
+            <a:br>
+              <a:rPr lang="en-US" altLang="ja-JP" sz="1200" dirty="0" smtClean="0"/>
+            </a:br>
+            <a:r>
+              <a:rPr lang="en-US" altLang="ja-JP" sz="1200" dirty="0" err="1" smtClean="0"/>
               <a:t>Git</a:t>
             </a:r>
             <a:r>
@@ -18859,18 +15058,18 @@
 </file>
 
 <file path=customXml/item1.xml><?xml version="1.0" encoding="utf-8"?>
+<p:properties xmlns:p="http://schemas.microsoft.com/office/2006/metadata/properties" xmlns:xsi="http://www.w3.org/2001/XMLSchema-instance" xmlns:pc="http://schemas.microsoft.com/office/infopath/2007/PartnerControls">
+  <documentManagement/>
+</p:properties>
+</file>
+
+<file path=customXml/item2.xml><?xml version="1.0" encoding="utf-8"?>
 <?mso-contentType ?>
 <FormTemplates xmlns="http://schemas.microsoft.com/sharepoint/v3/contenttype/forms">
   <Display>DocumentLibraryForm</Display>
   <Edit>DocumentLibraryForm</Edit>
   <New>DocumentLibraryForm</New>
 </FormTemplates>
-</file>
-
-<file path=customXml/item2.xml><?xml version="1.0" encoding="utf-8"?>
-<p:properties xmlns:p="http://schemas.microsoft.com/office/2006/metadata/properties" xmlns:xsi="http://www.w3.org/2001/XMLSchema-instance" xmlns:pc="http://schemas.microsoft.com/office/infopath/2007/PartnerControls">
-  <documentManagement/>
-</p:properties>
 </file>
 
 <file path=customXml/item3.xml><?xml version="1.0" encoding="utf-8"?>
@@ -19006,25 +15205,18 @@
 </file>
 
 <file path=customXml/itemProps1.xml><?xml version="1.0" encoding="utf-8"?>
-<ds:datastoreItem xmlns:ds="http://schemas.openxmlformats.org/officeDocument/2006/customXml" ds:itemID="{1724C00A-5CD8-4D2B-91E6-E43E8A92860F}">
+<ds:datastoreItem xmlns:ds="http://schemas.openxmlformats.org/officeDocument/2006/customXml" ds:itemID="{5F95CB05-D6E7-4E56-8ABA-3662E198D6D1}">
   <ds:schemaRefs>
-    <ds:schemaRef ds:uri="http://schemas.microsoft.com/sharepoint/v3/contenttype/forms"/>
+    <ds:schemaRef ds:uri="http://schemas.microsoft.com/office/2006/metadata/properties"/>
+    <ds:schemaRef ds:uri="http://schemas.microsoft.com/office/infopath/2007/PartnerControls"/>
   </ds:schemaRefs>
 </ds:datastoreItem>
 </file>
 
 <file path=customXml/itemProps2.xml><?xml version="1.0" encoding="utf-8"?>
-<ds:datastoreItem xmlns:ds="http://schemas.openxmlformats.org/officeDocument/2006/customXml" ds:itemID="{5F95CB05-D6E7-4E56-8ABA-3662E198D6D1}">
+<ds:datastoreItem xmlns:ds="http://schemas.openxmlformats.org/officeDocument/2006/customXml" ds:itemID="{1724C00A-5CD8-4D2B-91E6-E43E8A92860F}">
   <ds:schemaRefs>
-    <ds:schemaRef ds:uri="ed7d3cbb-6703-464f-aabe-9c28e9bfaaeb"/>
-    <ds:schemaRef ds:uri="http://purl.org/dc/terms/"/>
-    <ds:schemaRef ds:uri="http://schemas.openxmlformats.org/package/2006/metadata/core-properties"/>
-    <ds:schemaRef ds:uri="http://schemas.microsoft.com/office/2006/documentManagement/types"/>
-    <ds:schemaRef ds:uri="http://schemas.microsoft.com/office/infopath/2007/PartnerControls"/>
-    <ds:schemaRef ds:uri="http://purl.org/dc/elements/1.1/"/>
-    <ds:schemaRef ds:uri="http://schemas.microsoft.com/office/2006/metadata/properties"/>
-    <ds:schemaRef ds:uri="http://www.w3.org/XML/1998/namespace"/>
-    <ds:schemaRef ds:uri="http://purl.org/dc/dcmitype/"/>
+    <ds:schemaRef ds:uri="http://schemas.microsoft.com/sharepoint/v3/contenttype/forms"/>
   </ds:schemaRefs>
 </ds:datastoreItem>
 </file>
